--- a/software/images/Infographics.pptx
+++ b/software/images/Infographics.pptx
@@ -7,6 +7,8 @@
   <p:sldIdLst>
     <p:sldId id="257" r:id="rId2"/>
     <p:sldId id="256" r:id="rId3"/>
+    <p:sldId id="258" r:id="rId4"/>
+    <p:sldId id="259" r:id="rId5"/>
   </p:sldIdLst>
   <p:sldSz cx="12192000" cy="6858000"/>
   <p:notesSz cx="6858000" cy="9144000"/>
@@ -244,7 +246,7 @@
           <a:p>
             <a:fld id="{E65F16E8-9810-4F67-B618-098E0E399057}" type="datetimeFigureOut">
               <a:rPr lang="en-US" smtClean="0"/>
-              <a:t>5/21/2024</a:t>
+              <a:t>6/10/2024</a:t>
             </a:fld>
             <a:endParaRPr lang="en-US"/>
           </a:p>
@@ -414,7 +416,7 @@
           <a:p>
             <a:fld id="{E65F16E8-9810-4F67-B618-098E0E399057}" type="datetimeFigureOut">
               <a:rPr lang="en-US" smtClean="0"/>
-              <a:t>5/21/2024</a:t>
+              <a:t>6/10/2024</a:t>
             </a:fld>
             <a:endParaRPr lang="en-US"/>
           </a:p>
@@ -594,7 +596,7 @@
           <a:p>
             <a:fld id="{E65F16E8-9810-4F67-B618-098E0E399057}" type="datetimeFigureOut">
               <a:rPr lang="en-US" smtClean="0"/>
-              <a:t>5/21/2024</a:t>
+              <a:t>6/10/2024</a:t>
             </a:fld>
             <a:endParaRPr lang="en-US"/>
           </a:p>
@@ -764,7 +766,7 @@
           <a:p>
             <a:fld id="{E65F16E8-9810-4F67-B618-098E0E399057}" type="datetimeFigureOut">
               <a:rPr lang="en-US" smtClean="0"/>
-              <a:t>5/21/2024</a:t>
+              <a:t>6/10/2024</a:t>
             </a:fld>
             <a:endParaRPr lang="en-US"/>
           </a:p>
@@ -1010,7 +1012,7 @@
           <a:p>
             <a:fld id="{E65F16E8-9810-4F67-B618-098E0E399057}" type="datetimeFigureOut">
               <a:rPr lang="en-US" smtClean="0"/>
-              <a:t>5/21/2024</a:t>
+              <a:t>6/10/2024</a:t>
             </a:fld>
             <a:endParaRPr lang="en-US"/>
           </a:p>
@@ -1242,7 +1244,7 @@
           <a:p>
             <a:fld id="{E65F16E8-9810-4F67-B618-098E0E399057}" type="datetimeFigureOut">
               <a:rPr lang="en-US" smtClean="0"/>
-              <a:t>5/21/2024</a:t>
+              <a:t>6/10/2024</a:t>
             </a:fld>
             <a:endParaRPr lang="en-US"/>
           </a:p>
@@ -1609,7 +1611,7 @@
           <a:p>
             <a:fld id="{E65F16E8-9810-4F67-B618-098E0E399057}" type="datetimeFigureOut">
               <a:rPr lang="en-US" smtClean="0"/>
-              <a:t>5/21/2024</a:t>
+              <a:t>6/10/2024</a:t>
             </a:fld>
             <a:endParaRPr lang="en-US"/>
           </a:p>
@@ -1727,7 +1729,7 @@
           <a:p>
             <a:fld id="{E65F16E8-9810-4F67-B618-098E0E399057}" type="datetimeFigureOut">
               <a:rPr lang="en-US" smtClean="0"/>
-              <a:t>5/21/2024</a:t>
+              <a:t>6/10/2024</a:t>
             </a:fld>
             <a:endParaRPr lang="en-US"/>
           </a:p>
@@ -1822,7 +1824,7 @@
           <a:p>
             <a:fld id="{E65F16E8-9810-4F67-B618-098E0E399057}" type="datetimeFigureOut">
               <a:rPr lang="en-US" smtClean="0"/>
-              <a:t>5/21/2024</a:t>
+              <a:t>6/10/2024</a:t>
             </a:fld>
             <a:endParaRPr lang="en-US"/>
           </a:p>
@@ -2099,7 +2101,7 @@
           <a:p>
             <a:fld id="{E65F16E8-9810-4F67-B618-098E0E399057}" type="datetimeFigureOut">
               <a:rPr lang="en-US" smtClean="0"/>
-              <a:t>5/21/2024</a:t>
+              <a:t>6/10/2024</a:t>
             </a:fld>
             <a:endParaRPr lang="en-US"/>
           </a:p>
@@ -2352,7 +2354,7 @@
           <a:p>
             <a:fld id="{E65F16E8-9810-4F67-B618-098E0E399057}" type="datetimeFigureOut">
               <a:rPr lang="en-US" smtClean="0"/>
-              <a:t>5/21/2024</a:t>
+              <a:t>6/10/2024</a:t>
             </a:fld>
             <a:endParaRPr lang="en-US"/>
           </a:p>
@@ -2565,7 +2567,7 @@
           <a:p>
             <a:fld id="{E65F16E8-9810-4F67-B618-098E0E399057}" type="datetimeFigureOut">
               <a:rPr lang="en-US" smtClean="0"/>
-              <a:t>5/21/2024</a:t>
+              <a:t>6/10/2024</a:t>
             </a:fld>
             <a:endParaRPr lang="en-US"/>
           </a:p>
@@ -5540,15 +5542,7 @@
                   <a:schemeClr val="bg1"/>
                 </a:solidFill>
               </a:rPr>
-              <a:t>: </a:t>
-            </a:r>
-            <a:r>
-              <a:rPr lang="en-US" sz="1600" b="1" smtClean="0">
-                <a:solidFill>
-                  <a:schemeClr val="bg1"/>
-                </a:solidFill>
-              </a:rPr>
-              <a:t>TBD</a:t>
+              <a:t>: TBD</a:t>
             </a:r>
             <a:endParaRPr lang="en-US" sz="1600" b="1" dirty="0" smtClean="0">
               <a:solidFill>
@@ -5624,71 +5618,79 @@
               </a:rPr>
               <a:t>pedal that uses neural networks to model the distortion stage of an amp or pedal. </a:t>
             </a:r>
+          </a:p>
+        </p:txBody>
+      </p:sp>
+      <p:sp>
+        <p:nvSpPr>
+          <p:cNvPr id="60" name="Rectangle 59"/>
+          <p:cNvSpPr/>
+          <p:nvPr/>
+        </p:nvSpPr>
+        <p:spPr>
+          <a:xfrm>
+            <a:off x="7586062" y="182880"/>
+            <a:ext cx="3559458" cy="1277827"/>
+          </a:xfrm>
+          <a:prstGeom prst="rect">
+            <a:avLst/>
+          </a:prstGeom>
+          <a:ln/>
+        </p:spPr>
+        <p:style>
+          <a:lnRef idx="1">
+            <a:schemeClr val="accent2"/>
+          </a:lnRef>
+          <a:fillRef idx="2">
+            <a:schemeClr val="accent2"/>
+          </a:fillRef>
+          <a:effectRef idx="1">
+            <a:schemeClr val="accent2"/>
+          </a:effectRef>
+          <a:fontRef idx="minor">
+            <a:schemeClr val="dk1"/>
+          </a:fontRef>
+        </p:style>
+        <p:txBody>
+          <a:bodyPr rtlCol="0" anchor="ctr"/>
+          <a:lstStyle/>
+          <a:p>
+            <a:r>
+              <a:rPr lang="en-US" sz="1600" b="1" dirty="0" smtClean="0">
+                <a:solidFill>
+                  <a:schemeClr val="tx1"/>
+                </a:solidFill>
+              </a:rPr>
+              <a:t>Mono In/Out Processing</a:t>
+            </a:r>
+            <a:endParaRPr lang="en-US" sz="1600" b="1" dirty="0">
+              <a:solidFill>
+                <a:schemeClr val="tx1"/>
+              </a:solidFill>
+            </a:endParaRPr>
+          </a:p>
+          <a:p>
+            <a:r>
+              <a:rPr lang="en-US" sz="1600" b="1" dirty="0" smtClean="0">
+                <a:solidFill>
+                  <a:schemeClr val="tx1"/>
+                </a:solidFill>
+              </a:rPr>
+              <a:t>If using TRS, only takes left channel for input, and copies Left to Right for </a:t>
+            </a:r>
+            <a:r>
+              <a:rPr lang="en-US" sz="1600" b="1" dirty="0" smtClean="0">
+                <a:solidFill>
+                  <a:schemeClr val="tx1"/>
+                </a:solidFill>
+              </a:rPr>
+              <a:t>output</a:t>
+            </a:r>
             <a:endParaRPr lang="en-US" sz="1600" b="1" dirty="0" smtClean="0">
               <a:solidFill>
                 <a:schemeClr val="tx1"/>
               </a:solidFill>
             </a:endParaRPr>
-          </a:p>
-        </p:txBody>
-      </p:sp>
-      <p:sp>
-        <p:nvSpPr>
-          <p:cNvPr id="60" name="Rectangle 59"/>
-          <p:cNvSpPr/>
-          <p:nvPr/>
-        </p:nvSpPr>
-        <p:spPr>
-          <a:xfrm>
-            <a:off x="7586062" y="706096"/>
-            <a:ext cx="2670623" cy="963907"/>
-          </a:xfrm>
-          <a:prstGeom prst="rect">
-            <a:avLst/>
-          </a:prstGeom>
-          <a:ln/>
-        </p:spPr>
-        <p:style>
-          <a:lnRef idx="1">
-            <a:schemeClr val="accent2"/>
-          </a:lnRef>
-          <a:fillRef idx="2">
-            <a:schemeClr val="accent2"/>
-          </a:fillRef>
-          <a:effectRef idx="1">
-            <a:schemeClr val="accent2"/>
-          </a:effectRef>
-          <a:fontRef idx="minor">
-            <a:schemeClr val="dk1"/>
-          </a:fontRef>
-        </p:style>
-        <p:txBody>
-          <a:bodyPr rtlCol="0" anchor="ctr"/>
-          <a:lstStyle/>
-          <a:p>
-            <a:r>
-              <a:rPr lang="en-US" sz="1600" b="1" dirty="0" smtClean="0">
-                <a:solidFill>
-                  <a:schemeClr val="tx1"/>
-                </a:solidFill>
-              </a:rPr>
-              <a:t>Mono In/Out Processing</a:t>
-            </a:r>
-            <a:endParaRPr lang="en-US" sz="1600" b="1" dirty="0">
-              <a:solidFill>
-                <a:schemeClr val="tx1"/>
-              </a:solidFill>
-            </a:endParaRPr>
-          </a:p>
-          <a:p>
-            <a:r>
-              <a:rPr lang="en-US" sz="1600" b="1" dirty="0" smtClean="0">
-                <a:solidFill>
-                  <a:schemeClr val="tx1"/>
-                </a:solidFill>
-              </a:rPr>
-              <a:t>If using TRS, only takes left channel for input, and copies Left to Right for output</a:t>
-            </a:r>
           </a:p>
         </p:txBody>
       </p:sp>
@@ -7071,8 +7073,8 @@
         </p:nvSpPr>
         <p:spPr>
           <a:xfrm>
-            <a:off x="5766040" y="2300190"/>
-            <a:ext cx="421910" cy="400110"/>
+            <a:off x="5725163" y="2300190"/>
+            <a:ext cx="503664" cy="400110"/>
           </a:xfrm>
           <a:prstGeom prst="rect">
             <a:avLst/>
@@ -7101,7 +7103,7 @@
                 <a:latin typeface="Century Gothic" panose="020B0502020202020204" pitchFamily="34" charset="0"/>
                 <a:cs typeface="Adobe Devanagari" panose="02040503050201020203" pitchFamily="18" charset="0"/>
               </a:rPr>
-              <a:t>R/D</a:t>
+              <a:t>(R/D)</a:t>
             </a:r>
             <a:endParaRPr lang="en-US" sz="1000" b="1" dirty="0">
               <a:latin typeface="Century Gothic" panose="020B0502020202020204" pitchFamily="34" charset="0"/>
@@ -8167,11 +8169,6 @@
               </a:rPr>
               <a:t>: Length of reverb decay</a:t>
             </a:r>
-            <a:endParaRPr lang="en-US" sz="1600" dirty="0" smtClean="0">
-              <a:solidFill>
-                <a:schemeClr val="tx1"/>
-              </a:solidFill>
-            </a:endParaRPr>
           </a:p>
           <a:p>
             <a:r>
@@ -8190,11 +8187,6 @@
               </a:rPr>
               <a:t>: Dry/Effect mix, alt is Reverb/Delay volume ratio</a:t>
             </a:r>
-            <a:endParaRPr lang="en-US" sz="1600" dirty="0" smtClean="0">
-              <a:solidFill>
-                <a:schemeClr val="tx1"/>
-              </a:solidFill>
-            </a:endParaRPr>
           </a:p>
           <a:p>
             <a:r>
@@ -8272,11 +8264,6 @@
               </a:rPr>
               <a:t>: Modulation amount of the reverb, alt is the modulation rate</a:t>
             </a:r>
-            <a:endParaRPr lang="en-US" sz="1600" dirty="0" smtClean="0">
-              <a:solidFill>
-                <a:schemeClr val="tx1"/>
-              </a:solidFill>
-            </a:endParaRPr>
           </a:p>
           <a:p>
             <a:r>
@@ -8311,11 +8298,6 @@
               </a:rPr>
               <a:t> filter for the reverb (damping)</a:t>
             </a:r>
-            <a:endParaRPr lang="en-US" sz="1600" dirty="0" smtClean="0">
-              <a:solidFill>
-                <a:schemeClr val="tx1"/>
-              </a:solidFill>
-            </a:endParaRPr>
           </a:p>
           <a:p>
             <a:r>
@@ -8385,97 +8367,74 @@
               </a:rPr>
               <a:t>Reverb Switch</a:t>
             </a:r>
+          </a:p>
+          <a:p>
+            <a:r>
+              <a:rPr lang="en-US" sz="1600" b="1" dirty="0" smtClean="0">
+                <a:solidFill>
+                  <a:schemeClr val="bg1"/>
+                </a:solidFill>
+              </a:rPr>
+              <a:t>  Left:  Factory Chorus Reverb</a:t>
+            </a:r>
+          </a:p>
+          <a:p>
+            <a:r>
+              <a:rPr lang="en-US" sz="1600" b="1" dirty="0">
+                <a:solidFill>
+                  <a:schemeClr val="bg1"/>
+                </a:solidFill>
+              </a:rPr>
+              <a:t> </a:t>
+            </a:r>
+            <a:r>
+              <a:rPr lang="en-US" sz="1600" b="1" dirty="0" smtClean="0">
+                <a:solidFill>
+                  <a:schemeClr val="bg1"/>
+                </a:solidFill>
+              </a:rPr>
+              <a:t> Center: Hall (Medium space)</a:t>
+            </a:r>
+          </a:p>
+          <a:p>
+            <a:r>
+              <a:rPr lang="en-US" sz="1600" b="1" dirty="0">
+                <a:solidFill>
+                  <a:schemeClr val="bg1"/>
+                </a:solidFill>
+              </a:rPr>
+              <a:t> </a:t>
+            </a:r>
+            <a:r>
+              <a:rPr lang="en-US" sz="1600" b="1" dirty="0" smtClean="0">
+                <a:solidFill>
+                  <a:schemeClr val="bg1"/>
+                </a:solidFill>
+              </a:rPr>
+              <a:t> Right:  Cloud (</a:t>
+            </a:r>
+            <a:r>
+              <a:rPr lang="en-US" sz="1600" b="1" dirty="0" err="1" smtClean="0">
+                <a:solidFill>
+                  <a:schemeClr val="bg1"/>
+                </a:solidFill>
+              </a:rPr>
+              <a:t>RubiKa</a:t>
+            </a:r>
+            <a:r>
+              <a:rPr lang="en-US" sz="1600" b="1" dirty="0" smtClean="0">
+                <a:solidFill>
+                  <a:schemeClr val="bg1"/>
+                </a:solidFill>
+              </a:rPr>
+              <a:t>)</a:t>
+            </a:r>
             <a:endParaRPr lang="en-US" sz="1600" b="1" dirty="0" smtClean="0">
               <a:solidFill>
                 <a:schemeClr val="bg1"/>
               </a:solidFill>
             </a:endParaRPr>
           </a:p>
-          <a:p>
-            <a:r>
-              <a:rPr lang="en-US" sz="1600" b="1" dirty="0" smtClean="0">
-                <a:solidFill>
-                  <a:schemeClr val="bg1"/>
-                </a:solidFill>
-              </a:rPr>
-              <a:t>  Left:  </a:t>
-            </a:r>
-            <a:r>
-              <a:rPr lang="en-US" sz="1600" b="1" dirty="0" smtClean="0">
-                <a:solidFill>
-                  <a:schemeClr val="bg1"/>
-                </a:solidFill>
-              </a:rPr>
-              <a:t>Factory Chorus Reverb</a:t>
-            </a:r>
-            <a:endParaRPr lang="en-US" sz="1600" b="1" dirty="0" smtClean="0">
-              <a:solidFill>
-                <a:schemeClr val="bg1"/>
-              </a:solidFill>
-            </a:endParaRPr>
-          </a:p>
-          <a:p>
-            <a:r>
-              <a:rPr lang="en-US" sz="1600" b="1" dirty="0">
-                <a:solidFill>
-                  <a:schemeClr val="bg1"/>
-                </a:solidFill>
-              </a:rPr>
-              <a:t> </a:t>
-            </a:r>
-            <a:r>
-              <a:rPr lang="en-US" sz="1600" b="1" dirty="0" smtClean="0">
-                <a:solidFill>
-                  <a:schemeClr val="bg1"/>
-                </a:solidFill>
-              </a:rPr>
-              <a:t> Center: </a:t>
-            </a:r>
-            <a:r>
-              <a:rPr lang="en-US" sz="1600" b="1" dirty="0" smtClean="0">
-                <a:solidFill>
-                  <a:schemeClr val="bg1"/>
-                </a:solidFill>
-              </a:rPr>
-              <a:t>Hall (Medium space)</a:t>
-            </a:r>
-            <a:endParaRPr lang="en-US" sz="1600" b="1" dirty="0" smtClean="0">
-              <a:solidFill>
-                <a:schemeClr val="bg1"/>
-              </a:solidFill>
-            </a:endParaRPr>
-          </a:p>
-          <a:p>
-            <a:r>
-              <a:rPr lang="en-US" sz="1600" b="1" dirty="0">
-                <a:solidFill>
-                  <a:schemeClr val="bg1"/>
-                </a:solidFill>
-              </a:rPr>
-              <a:t> </a:t>
-            </a:r>
-            <a:r>
-              <a:rPr lang="en-US" sz="1600" b="1" dirty="0" smtClean="0">
-                <a:solidFill>
-                  <a:schemeClr val="bg1"/>
-                </a:solidFill>
-              </a:rPr>
-              <a:t> Right:  </a:t>
-            </a:r>
-            <a:r>
-              <a:rPr lang="en-US" sz="1600" b="1" dirty="0" smtClean="0">
-                <a:solidFill>
-                  <a:schemeClr val="bg1"/>
-                </a:solidFill>
-              </a:rPr>
-              <a:t>Cloud (Rubi Kai)</a:t>
-            </a:r>
-            <a:endParaRPr lang="en-US" sz="1600" b="1" dirty="0" smtClean="0">
-              <a:solidFill>
-                <a:schemeClr val="bg1"/>
-              </a:solidFill>
-            </a:endParaRPr>
-          </a:p>
         </p:txBody>
       </p:sp>
       <p:sp>
@@ -8521,11 +8480,6 @@
               </a:rPr>
               <a:t>Routing Switch</a:t>
             </a:r>
-            <a:endParaRPr lang="en-US" sz="1600" b="1" dirty="0" smtClean="0">
-              <a:solidFill>
-                <a:schemeClr val="bg1"/>
-              </a:solidFill>
-            </a:endParaRPr>
           </a:p>
           <a:p>
             <a:r>
@@ -8534,21 +8488,18 @@
                   <a:schemeClr val="bg1"/>
                 </a:solidFill>
               </a:rPr>
-              <a:t>  Left:  </a:t>
-            </a:r>
+              <a:t>  Left:  Some delay into reverb</a:t>
+            </a:r>
+          </a:p>
+          <a:p>
             <a:r>
               <a:rPr lang="en-US" sz="1600" b="1" dirty="0" smtClean="0">
                 <a:solidFill>
                   <a:schemeClr val="bg1"/>
                 </a:solidFill>
               </a:rPr>
-              <a:t>Some delay into reverb</a:t>
-            </a:r>
-            <a:endParaRPr lang="en-US" sz="1600" b="1" dirty="0" smtClean="0">
-              <a:solidFill>
-                <a:schemeClr val="bg1"/>
-              </a:solidFill>
-            </a:endParaRPr>
+              <a:t>  Center: Parallel delay / reverb</a:t>
+            </a:r>
           </a:p>
           <a:p>
             <a:r>
@@ -8557,44 +8508,8 @@
                   <a:schemeClr val="bg1"/>
                 </a:solidFill>
               </a:rPr>
-              <a:t>  Center: </a:t>
-            </a:r>
-            <a:r>
-              <a:rPr lang="en-US" sz="1600" b="1" dirty="0" smtClean="0">
-                <a:solidFill>
-                  <a:schemeClr val="bg1"/>
-                </a:solidFill>
-              </a:rPr>
-              <a:t>Parallel delay / reverb</a:t>
-            </a:r>
-            <a:endParaRPr lang="en-US" sz="1600" b="1" dirty="0" smtClean="0">
-              <a:solidFill>
-                <a:schemeClr val="bg1"/>
-              </a:solidFill>
-            </a:endParaRPr>
-          </a:p>
-          <a:p>
-            <a:r>
-              <a:rPr lang="en-US" sz="1600" b="1" dirty="0" smtClean="0">
-                <a:solidFill>
-                  <a:schemeClr val="bg1"/>
-                </a:solidFill>
-              </a:rPr>
-              <a:t>  Right:  </a:t>
-            </a:r>
-            <a:r>
-              <a:rPr lang="en-US" sz="1600" b="1" dirty="0" smtClean="0">
-                <a:solidFill>
-                  <a:schemeClr val="bg1"/>
-                </a:solidFill>
-              </a:rPr>
-              <a:t>Delay into reverb</a:t>
-            </a:r>
-            <a:endParaRPr lang="en-US" sz="1600" b="1" dirty="0" smtClean="0">
-              <a:solidFill>
-                <a:schemeClr val="bg1"/>
-              </a:solidFill>
-            </a:endParaRPr>
+              <a:t>  Right:  Delay into reverb</a:t>
+            </a:r>
           </a:p>
         </p:txBody>
       </p:sp>
@@ -8659,44 +8574,18 @@
                   <a:schemeClr val="bg1"/>
                 </a:solidFill>
               </a:rPr>
-              <a:t>  Center: </a:t>
-            </a:r>
+              <a:t>  Center: Octave delay</a:t>
+            </a:r>
+          </a:p>
+          <a:p>
             <a:r>
               <a:rPr lang="en-US" sz="1600" b="1" dirty="0" smtClean="0">
                 <a:solidFill>
                   <a:schemeClr val="bg1"/>
                 </a:solidFill>
               </a:rPr>
-              <a:t>Octave delay</a:t>
-            </a:r>
-            <a:endParaRPr lang="en-US" sz="1600" b="1" dirty="0" smtClean="0">
-              <a:solidFill>
-                <a:schemeClr val="bg1"/>
-              </a:solidFill>
-            </a:endParaRPr>
-          </a:p>
-          <a:p>
-            <a:r>
-              <a:rPr lang="en-US" sz="1600" b="1" dirty="0" smtClean="0">
-                <a:solidFill>
-                  <a:schemeClr val="bg1"/>
-                </a:solidFill>
-              </a:rPr>
-              <a:t>  Right:  </a:t>
-            </a:r>
-            <a:r>
-              <a:rPr lang="en-US" sz="1600" b="1" dirty="0" smtClean="0">
-                <a:solidFill>
-                  <a:schemeClr val="bg1"/>
-                </a:solidFill>
-              </a:rPr>
-              <a:t>Reverse Delay</a:t>
-            </a:r>
-            <a:endParaRPr lang="en-US" sz="1600" b="1" dirty="0" smtClean="0">
-              <a:solidFill>
-                <a:schemeClr val="bg1"/>
-              </a:solidFill>
-            </a:endParaRPr>
+              <a:t>  Right:  Reverse Delay</a:t>
+            </a:r>
           </a:p>
         </p:txBody>
       </p:sp>
@@ -8751,44 +8640,18 @@
                   <a:schemeClr val="bg1"/>
                 </a:solidFill>
               </a:rPr>
-              <a:t>  1: </a:t>
-            </a:r>
+              <a:t>  1: Stereo / MISO (Mono in Stereo out)</a:t>
+            </a:r>
+          </a:p>
+          <a:p>
             <a:r>
               <a:rPr lang="en-US" sz="1600" b="1" dirty="0" smtClean="0">
                 <a:solidFill>
                   <a:schemeClr val="bg1"/>
                 </a:solidFill>
               </a:rPr>
-              <a:t>Stereo / MISO (Mono in Stereo out)</a:t>
-            </a:r>
-            <a:endParaRPr lang="en-US" sz="1600" b="1" dirty="0" smtClean="0">
-              <a:solidFill>
-                <a:schemeClr val="bg1"/>
-              </a:solidFill>
-            </a:endParaRPr>
-          </a:p>
-          <a:p>
-            <a:r>
-              <a:rPr lang="en-US" sz="1600" b="1" dirty="0" smtClean="0">
-                <a:solidFill>
-                  <a:schemeClr val="bg1"/>
-                </a:solidFill>
-              </a:rPr>
-              <a:t>  2: </a:t>
-            </a:r>
-            <a:r>
-              <a:rPr lang="en-US" sz="1600" b="1" dirty="0" smtClean="0">
-                <a:solidFill>
-                  <a:schemeClr val="bg1"/>
-                </a:solidFill>
-              </a:rPr>
-              <a:t>N/A</a:t>
-            </a:r>
-            <a:endParaRPr lang="en-US" sz="1600" b="1" dirty="0" smtClean="0">
-              <a:solidFill>
-                <a:schemeClr val="bg1"/>
-              </a:solidFill>
-            </a:endParaRPr>
+              <a:t>  2: N/A</a:t>
+            </a:r>
           </a:p>
         </p:txBody>
       </p:sp>
@@ -8833,21 +8696,8 @@
                   <a:schemeClr val="bg1"/>
                 </a:solidFill>
               </a:rPr>
-              <a:t>Left Footswitch: </a:t>
-            </a:r>
-            <a:r>
-              <a:rPr lang="en-US" sz="1600" b="1" dirty="0" smtClean="0">
-                <a:solidFill>
-                  <a:schemeClr val="bg1"/>
-                </a:solidFill>
-              </a:rPr>
-              <a:t>Bypass/Engage, hold to engage alternate mode (indicated by dimmed LED)</a:t>
-            </a:r>
-            <a:endParaRPr lang="en-US" sz="1600" b="1" dirty="0" smtClean="0">
-              <a:solidFill>
-                <a:schemeClr val="bg1"/>
-              </a:solidFill>
-            </a:endParaRPr>
+              <a:t>Left Footswitch: Bypass/Engage, hold to engage alternate mode (indicated by dimmed LED)</a:t>
+            </a:r>
           </a:p>
         </p:txBody>
       </p:sp>
@@ -8892,21 +8742,8 @@
                   <a:schemeClr val="bg1"/>
                 </a:solidFill>
               </a:rPr>
-              <a:t>Right Footswitch: </a:t>
-            </a:r>
-            <a:r>
-              <a:rPr lang="en-US" sz="1600" b="1" dirty="0" smtClean="0">
-                <a:solidFill>
-                  <a:schemeClr val="bg1"/>
-                </a:solidFill>
-              </a:rPr>
-              <a:t>Freeze – holds the current delay/reverb feedback/decay</a:t>
-            </a:r>
-            <a:endParaRPr lang="en-US" sz="1600" b="1" dirty="0" smtClean="0">
-              <a:solidFill>
-                <a:schemeClr val="bg1"/>
-              </a:solidFill>
-            </a:endParaRPr>
+              <a:t>Right Footswitch: Freeze – holds the current delay/reverb feedback/decay</a:t>
+            </a:r>
           </a:p>
         </p:txBody>
       </p:sp>
@@ -8992,11 +8829,6 @@
               </a:rPr>
               <a:t>capable of ethereal sounds.</a:t>
             </a:r>
-            <a:endParaRPr lang="en-US" sz="1600" b="1" dirty="0" smtClean="0">
-              <a:solidFill>
-                <a:schemeClr val="tx1"/>
-              </a:solidFill>
-            </a:endParaRPr>
           </a:p>
         </p:txBody>
       </p:sp>
@@ -9040,23 +8872,7 @@
                   <a:schemeClr val="tx1"/>
                 </a:solidFill>
               </a:rPr>
-              <a:t>Stereo </a:t>
-            </a:r>
-            <a:r>
-              <a:rPr lang="en-US" sz="1600" b="1" dirty="0" smtClean="0">
-                <a:solidFill>
-                  <a:schemeClr val="tx1"/>
-                </a:solidFill>
-              </a:rPr>
-              <a:t>In/Out </a:t>
-            </a:r>
-            <a:r>
-              <a:rPr lang="en-US" sz="1600" b="1" dirty="0" smtClean="0">
-                <a:solidFill>
-                  <a:schemeClr val="tx1"/>
-                </a:solidFill>
-              </a:rPr>
-              <a:t>Processing</a:t>
+              <a:t>Stereo In/Out Processing</a:t>
             </a:r>
           </a:p>
           <a:p>
@@ -9398,6 +9214,6320 @@
     <p:extLst>
       <p:ext uri="{BB962C8B-B14F-4D97-AF65-F5344CB8AC3E}">
         <p14:creationId xmlns:p14="http://schemas.microsoft.com/office/powerpoint/2010/main" val="555711430"/>
+      </p:ext>
+    </p:extLst>
+  </p:cSld>
+  <p:clrMapOvr>
+    <a:masterClrMapping/>
+  </p:clrMapOvr>
+</p:sld>
+</file>
+
+<file path=ppt/slides/slide3.xml><?xml version="1.0" encoding="utf-8"?>
+<p:sld xmlns:a="http://schemas.openxmlformats.org/drawingml/2006/main" xmlns:r="http://schemas.openxmlformats.org/officeDocument/2006/relationships" xmlns:p="http://schemas.openxmlformats.org/presentationml/2006/main">
+  <p:cSld>
+    <p:spTree>
+      <p:nvGrpSpPr>
+        <p:cNvPr id="1" name=""/>
+        <p:cNvGrpSpPr/>
+        <p:nvPr/>
+      </p:nvGrpSpPr>
+      <p:grpSpPr>
+        <a:xfrm>
+          <a:off x="0" y="0"/>
+          <a:ext cx="0" cy="0"/>
+          <a:chOff x="0" y="0"/>
+          <a:chExt cx="0" cy="0"/>
+        </a:xfrm>
+      </p:grpSpPr>
+      <p:sp>
+        <p:nvSpPr>
+          <p:cNvPr id="4" name="Rounded Rectangle 3"/>
+          <p:cNvSpPr/>
+          <p:nvPr/>
+        </p:nvSpPr>
+        <p:spPr>
+          <a:xfrm>
+            <a:off x="4711803" y="1260616"/>
+            <a:ext cx="2502100" cy="4599225"/>
+          </a:xfrm>
+          <a:prstGeom prst="roundRect">
+            <a:avLst>
+              <a:gd name="adj" fmla="val 4232"/>
+            </a:avLst>
+          </a:prstGeom>
+          <a:solidFill>
+            <a:schemeClr val="accent1">
+              <a:lumMod val="20000"/>
+              <a:lumOff val="80000"/>
+            </a:schemeClr>
+          </a:solidFill>
+          <a:ln w="57150"/>
+        </p:spPr>
+        <p:style>
+          <a:lnRef idx="2">
+            <a:schemeClr val="accent1">
+              <a:shade val="50000"/>
+            </a:schemeClr>
+          </a:lnRef>
+          <a:fillRef idx="1">
+            <a:schemeClr val="accent1"/>
+          </a:fillRef>
+          <a:effectRef idx="0">
+            <a:schemeClr val="accent1"/>
+          </a:effectRef>
+          <a:fontRef idx="minor">
+            <a:schemeClr val="lt1"/>
+          </a:fontRef>
+        </p:style>
+        <p:txBody>
+          <a:bodyPr rtlCol="0" anchor="ctr"/>
+          <a:lstStyle/>
+          <a:p>
+            <a:pPr algn="ctr"/>
+            <a:endParaRPr lang="en-US"/>
+          </a:p>
+        </p:txBody>
+      </p:sp>
+      <p:sp>
+        <p:nvSpPr>
+          <p:cNvPr id="5" name="Isosceles Triangle 4"/>
+          <p:cNvSpPr/>
+          <p:nvPr/>
+        </p:nvSpPr>
+        <p:spPr>
+          <a:xfrm>
+            <a:off x="5296520" y="1316496"/>
+            <a:ext cx="160020" cy="144780"/>
+          </a:xfrm>
+          <a:prstGeom prst="triangle">
+            <a:avLst/>
+          </a:prstGeom>
+          <a:solidFill>
+            <a:schemeClr val="tx1"/>
+          </a:solidFill>
+          <a:ln>
+            <a:solidFill>
+              <a:schemeClr val="tx1"/>
+            </a:solidFill>
+          </a:ln>
+        </p:spPr>
+        <p:style>
+          <a:lnRef idx="2">
+            <a:schemeClr val="accent1">
+              <a:shade val="50000"/>
+            </a:schemeClr>
+          </a:lnRef>
+          <a:fillRef idx="1">
+            <a:schemeClr val="accent1"/>
+          </a:fillRef>
+          <a:effectRef idx="0">
+            <a:schemeClr val="accent1"/>
+          </a:effectRef>
+          <a:fontRef idx="minor">
+            <a:schemeClr val="lt1"/>
+          </a:fontRef>
+        </p:style>
+        <p:txBody>
+          <a:bodyPr rtlCol="0" anchor="ctr"/>
+          <a:lstStyle/>
+          <a:p>
+            <a:pPr algn="ctr"/>
+            <a:endParaRPr lang="en-US" dirty="0"/>
+          </a:p>
+        </p:txBody>
+      </p:sp>
+      <p:sp>
+        <p:nvSpPr>
+          <p:cNvPr id="6" name="Isosceles Triangle 5"/>
+          <p:cNvSpPr/>
+          <p:nvPr/>
+        </p:nvSpPr>
+        <p:spPr>
+          <a:xfrm rot="10800000">
+            <a:off x="6501433" y="1316496"/>
+            <a:ext cx="160020" cy="144780"/>
+          </a:xfrm>
+          <a:prstGeom prst="triangle">
+            <a:avLst/>
+          </a:prstGeom>
+          <a:solidFill>
+            <a:schemeClr val="tx1"/>
+          </a:solidFill>
+          <a:ln>
+            <a:solidFill>
+              <a:schemeClr val="tx1"/>
+            </a:solidFill>
+          </a:ln>
+        </p:spPr>
+        <p:style>
+          <a:lnRef idx="2">
+            <a:schemeClr val="accent1">
+              <a:shade val="50000"/>
+            </a:schemeClr>
+          </a:lnRef>
+          <a:fillRef idx="1">
+            <a:schemeClr val="accent1"/>
+          </a:fillRef>
+          <a:effectRef idx="0">
+            <a:schemeClr val="accent1"/>
+          </a:effectRef>
+          <a:fontRef idx="minor">
+            <a:schemeClr val="lt1"/>
+          </a:fontRef>
+        </p:style>
+        <p:txBody>
+          <a:bodyPr rtlCol="0" anchor="ctr"/>
+          <a:lstStyle/>
+          <a:p>
+            <a:pPr algn="ctr"/>
+            <a:endParaRPr lang="en-US" dirty="0"/>
+          </a:p>
+        </p:txBody>
+      </p:sp>
+      <p:sp>
+        <p:nvSpPr>
+          <p:cNvPr id="7" name="Oval 6"/>
+          <p:cNvSpPr/>
+          <p:nvPr/>
+        </p:nvSpPr>
+        <p:spPr>
+          <a:xfrm>
+            <a:off x="4900280" y="1786396"/>
+            <a:ext cx="556260" cy="533400"/>
+          </a:xfrm>
+          <a:prstGeom prst="ellipse">
+            <a:avLst/>
+          </a:prstGeom>
+          <a:solidFill>
+            <a:schemeClr val="accent4">
+              <a:lumMod val="40000"/>
+              <a:lumOff val="60000"/>
+            </a:schemeClr>
+          </a:solidFill>
+          <a:ln w="28575">
+            <a:solidFill>
+              <a:schemeClr val="tx1"/>
+            </a:solidFill>
+          </a:ln>
+        </p:spPr>
+        <p:style>
+          <a:lnRef idx="2">
+            <a:schemeClr val="accent1">
+              <a:shade val="50000"/>
+            </a:schemeClr>
+          </a:lnRef>
+          <a:fillRef idx="1">
+            <a:schemeClr val="accent1"/>
+          </a:fillRef>
+          <a:effectRef idx="0">
+            <a:schemeClr val="accent1"/>
+          </a:effectRef>
+          <a:fontRef idx="minor">
+            <a:schemeClr val="lt1"/>
+          </a:fontRef>
+        </p:style>
+        <p:txBody>
+          <a:bodyPr rtlCol="0" anchor="ctr"/>
+          <a:lstStyle/>
+          <a:p>
+            <a:pPr algn="ctr"/>
+            <a:endParaRPr lang="en-US"/>
+          </a:p>
+        </p:txBody>
+      </p:sp>
+      <p:sp>
+        <p:nvSpPr>
+          <p:cNvPr id="8" name="Oval 7"/>
+          <p:cNvSpPr/>
+          <p:nvPr/>
+        </p:nvSpPr>
+        <p:spPr>
+          <a:xfrm>
+            <a:off x="5684723" y="1786396"/>
+            <a:ext cx="556260" cy="533400"/>
+          </a:xfrm>
+          <a:prstGeom prst="ellipse">
+            <a:avLst/>
+          </a:prstGeom>
+          <a:solidFill>
+            <a:schemeClr val="accent4">
+              <a:lumMod val="40000"/>
+              <a:lumOff val="60000"/>
+            </a:schemeClr>
+          </a:solidFill>
+          <a:ln w="28575">
+            <a:solidFill>
+              <a:schemeClr val="tx1"/>
+            </a:solidFill>
+          </a:ln>
+        </p:spPr>
+        <p:style>
+          <a:lnRef idx="2">
+            <a:schemeClr val="accent1">
+              <a:shade val="50000"/>
+            </a:schemeClr>
+          </a:lnRef>
+          <a:fillRef idx="1">
+            <a:schemeClr val="accent1"/>
+          </a:fillRef>
+          <a:effectRef idx="0">
+            <a:schemeClr val="accent1"/>
+          </a:effectRef>
+          <a:fontRef idx="minor">
+            <a:schemeClr val="lt1"/>
+          </a:fontRef>
+        </p:style>
+        <p:txBody>
+          <a:bodyPr rtlCol="0" anchor="ctr"/>
+          <a:lstStyle/>
+          <a:p>
+            <a:pPr algn="ctr"/>
+            <a:endParaRPr lang="en-US"/>
+          </a:p>
+        </p:txBody>
+      </p:sp>
+      <p:sp>
+        <p:nvSpPr>
+          <p:cNvPr id="9" name="Oval 8"/>
+          <p:cNvSpPr/>
+          <p:nvPr/>
+        </p:nvSpPr>
+        <p:spPr>
+          <a:xfrm>
+            <a:off x="6482233" y="1786396"/>
+            <a:ext cx="556260" cy="533400"/>
+          </a:xfrm>
+          <a:prstGeom prst="ellipse">
+            <a:avLst/>
+          </a:prstGeom>
+          <a:solidFill>
+            <a:schemeClr val="accent4">
+              <a:lumMod val="40000"/>
+              <a:lumOff val="60000"/>
+            </a:schemeClr>
+          </a:solidFill>
+          <a:ln w="28575">
+            <a:solidFill>
+              <a:schemeClr val="tx1"/>
+            </a:solidFill>
+          </a:ln>
+        </p:spPr>
+        <p:style>
+          <a:lnRef idx="2">
+            <a:schemeClr val="accent1">
+              <a:shade val="50000"/>
+            </a:schemeClr>
+          </a:lnRef>
+          <a:fillRef idx="1">
+            <a:schemeClr val="accent1"/>
+          </a:fillRef>
+          <a:effectRef idx="0">
+            <a:schemeClr val="accent1"/>
+          </a:effectRef>
+          <a:fontRef idx="minor">
+            <a:schemeClr val="lt1"/>
+          </a:fontRef>
+        </p:style>
+        <p:txBody>
+          <a:bodyPr rtlCol="0" anchor="ctr"/>
+          <a:lstStyle/>
+          <a:p>
+            <a:pPr algn="ctr"/>
+            <a:endParaRPr lang="en-US"/>
+          </a:p>
+        </p:txBody>
+      </p:sp>
+      <p:sp>
+        <p:nvSpPr>
+          <p:cNvPr id="10" name="Oval 9"/>
+          <p:cNvSpPr/>
+          <p:nvPr/>
+        </p:nvSpPr>
+        <p:spPr>
+          <a:xfrm>
+            <a:off x="4900280" y="2784616"/>
+            <a:ext cx="556260" cy="533400"/>
+          </a:xfrm>
+          <a:prstGeom prst="ellipse">
+            <a:avLst/>
+          </a:prstGeom>
+          <a:solidFill>
+            <a:schemeClr val="bg2">
+              <a:lumMod val="50000"/>
+            </a:schemeClr>
+          </a:solidFill>
+          <a:ln w="28575">
+            <a:solidFill>
+              <a:schemeClr val="tx1"/>
+            </a:solidFill>
+          </a:ln>
+        </p:spPr>
+        <p:style>
+          <a:lnRef idx="2">
+            <a:schemeClr val="accent1">
+              <a:shade val="50000"/>
+            </a:schemeClr>
+          </a:lnRef>
+          <a:fillRef idx="1">
+            <a:schemeClr val="accent1"/>
+          </a:fillRef>
+          <a:effectRef idx="0">
+            <a:schemeClr val="accent1"/>
+          </a:effectRef>
+          <a:fontRef idx="minor">
+            <a:schemeClr val="lt1"/>
+          </a:fontRef>
+        </p:style>
+        <p:txBody>
+          <a:bodyPr rtlCol="0" anchor="ctr"/>
+          <a:lstStyle/>
+          <a:p>
+            <a:pPr algn="ctr"/>
+            <a:endParaRPr lang="en-US"/>
+          </a:p>
+        </p:txBody>
+      </p:sp>
+      <p:sp>
+        <p:nvSpPr>
+          <p:cNvPr id="11" name="Oval 10"/>
+          <p:cNvSpPr/>
+          <p:nvPr/>
+        </p:nvSpPr>
+        <p:spPr>
+          <a:xfrm>
+            <a:off x="5684723" y="2784616"/>
+            <a:ext cx="556260" cy="533400"/>
+          </a:xfrm>
+          <a:prstGeom prst="ellipse">
+            <a:avLst/>
+          </a:prstGeom>
+          <a:solidFill>
+            <a:schemeClr val="bg2">
+              <a:lumMod val="50000"/>
+            </a:schemeClr>
+          </a:solidFill>
+          <a:ln w="28575">
+            <a:solidFill>
+              <a:schemeClr val="tx1"/>
+            </a:solidFill>
+          </a:ln>
+        </p:spPr>
+        <p:style>
+          <a:lnRef idx="2">
+            <a:schemeClr val="accent1">
+              <a:shade val="50000"/>
+            </a:schemeClr>
+          </a:lnRef>
+          <a:fillRef idx="1">
+            <a:schemeClr val="accent1"/>
+          </a:fillRef>
+          <a:effectRef idx="0">
+            <a:schemeClr val="accent1"/>
+          </a:effectRef>
+          <a:fontRef idx="minor">
+            <a:schemeClr val="lt1"/>
+          </a:fontRef>
+        </p:style>
+        <p:txBody>
+          <a:bodyPr rtlCol="0" anchor="ctr"/>
+          <a:lstStyle/>
+          <a:p>
+            <a:pPr algn="ctr"/>
+            <a:endParaRPr lang="en-US"/>
+          </a:p>
+        </p:txBody>
+      </p:sp>
+      <p:sp>
+        <p:nvSpPr>
+          <p:cNvPr id="12" name="Oval 11"/>
+          <p:cNvSpPr/>
+          <p:nvPr/>
+        </p:nvSpPr>
+        <p:spPr>
+          <a:xfrm>
+            <a:off x="6482233" y="2784616"/>
+            <a:ext cx="556260" cy="533400"/>
+          </a:xfrm>
+          <a:prstGeom prst="ellipse">
+            <a:avLst/>
+          </a:prstGeom>
+          <a:solidFill>
+            <a:schemeClr val="bg2">
+              <a:lumMod val="50000"/>
+            </a:schemeClr>
+          </a:solidFill>
+          <a:ln w="28575">
+            <a:solidFill>
+              <a:schemeClr val="tx1"/>
+            </a:solidFill>
+          </a:ln>
+        </p:spPr>
+        <p:style>
+          <a:lnRef idx="2">
+            <a:schemeClr val="accent1">
+              <a:shade val="50000"/>
+            </a:schemeClr>
+          </a:lnRef>
+          <a:fillRef idx="1">
+            <a:schemeClr val="accent1"/>
+          </a:fillRef>
+          <a:effectRef idx="0">
+            <a:schemeClr val="accent1"/>
+          </a:effectRef>
+          <a:fontRef idx="minor">
+            <a:schemeClr val="lt1"/>
+          </a:fontRef>
+        </p:style>
+        <p:txBody>
+          <a:bodyPr rtlCol="0" anchor="ctr"/>
+          <a:lstStyle/>
+          <a:p>
+            <a:pPr algn="ctr"/>
+            <a:endParaRPr lang="en-US"/>
+          </a:p>
+        </p:txBody>
+      </p:sp>
+      <p:sp>
+        <p:nvSpPr>
+          <p:cNvPr id="13" name="Oval 12"/>
+          <p:cNvSpPr/>
+          <p:nvPr/>
+        </p:nvSpPr>
+        <p:spPr>
+          <a:xfrm rot="16200000">
+            <a:off x="5061408" y="3834748"/>
+            <a:ext cx="245746" cy="243840"/>
+          </a:xfrm>
+          <a:prstGeom prst="ellipse">
+            <a:avLst/>
+          </a:prstGeom>
+          <a:ln w="19050">
+            <a:solidFill>
+              <a:schemeClr val="tx1"/>
+            </a:solidFill>
+          </a:ln>
+        </p:spPr>
+        <p:style>
+          <a:lnRef idx="2">
+            <a:schemeClr val="accent1">
+              <a:shade val="50000"/>
+            </a:schemeClr>
+          </a:lnRef>
+          <a:fillRef idx="1">
+            <a:schemeClr val="accent1"/>
+          </a:fillRef>
+          <a:effectRef idx="0">
+            <a:schemeClr val="accent1"/>
+          </a:effectRef>
+          <a:fontRef idx="minor">
+            <a:schemeClr val="lt1"/>
+          </a:fontRef>
+        </p:style>
+        <p:txBody>
+          <a:bodyPr rtlCol="0" anchor="ctr"/>
+          <a:lstStyle/>
+          <a:p>
+            <a:pPr algn="ctr"/>
+            <a:endParaRPr lang="en-US"/>
+          </a:p>
+        </p:txBody>
+      </p:sp>
+      <p:sp>
+        <p:nvSpPr>
+          <p:cNvPr id="14" name="Flowchart: Terminator 13"/>
+          <p:cNvSpPr/>
+          <p:nvPr/>
+        </p:nvSpPr>
+        <p:spPr>
+          <a:xfrm rot="16200000">
+            <a:off x="5041534" y="3846799"/>
+            <a:ext cx="95488" cy="208168"/>
+          </a:xfrm>
+          <a:prstGeom prst="flowChartTerminator">
+            <a:avLst/>
+          </a:prstGeom>
+          <a:ln w="19050">
+            <a:solidFill>
+              <a:schemeClr val="tx1"/>
+            </a:solidFill>
+          </a:ln>
+        </p:spPr>
+        <p:style>
+          <a:lnRef idx="2">
+            <a:schemeClr val="accent1">
+              <a:shade val="50000"/>
+            </a:schemeClr>
+          </a:lnRef>
+          <a:fillRef idx="1">
+            <a:schemeClr val="accent1"/>
+          </a:fillRef>
+          <a:effectRef idx="0">
+            <a:schemeClr val="accent1"/>
+          </a:effectRef>
+          <a:fontRef idx="minor">
+            <a:schemeClr val="lt1"/>
+          </a:fontRef>
+        </p:style>
+        <p:txBody>
+          <a:bodyPr rtlCol="0" anchor="ctr"/>
+          <a:lstStyle/>
+          <a:p>
+            <a:pPr algn="ctr"/>
+            <a:endParaRPr lang="en-US"/>
+          </a:p>
+        </p:txBody>
+      </p:sp>
+      <p:sp>
+        <p:nvSpPr>
+          <p:cNvPr id="15" name="Oval 14"/>
+          <p:cNvSpPr/>
+          <p:nvPr/>
+        </p:nvSpPr>
+        <p:spPr>
+          <a:xfrm>
+            <a:off x="5098399" y="4541019"/>
+            <a:ext cx="160020" cy="150019"/>
+          </a:xfrm>
+          <a:prstGeom prst="ellipse">
+            <a:avLst/>
+          </a:prstGeom>
+        </p:spPr>
+        <p:style>
+          <a:lnRef idx="2">
+            <a:schemeClr val="accent1">
+              <a:shade val="50000"/>
+            </a:schemeClr>
+          </a:lnRef>
+          <a:fillRef idx="1">
+            <a:schemeClr val="accent1"/>
+          </a:fillRef>
+          <a:effectRef idx="0">
+            <a:schemeClr val="accent1"/>
+          </a:effectRef>
+          <a:fontRef idx="minor">
+            <a:schemeClr val="lt1"/>
+          </a:fontRef>
+        </p:style>
+        <p:txBody>
+          <a:bodyPr rtlCol="0" anchor="ctr"/>
+          <a:lstStyle/>
+          <a:p>
+            <a:pPr algn="ctr"/>
+            <a:endParaRPr lang="en-US"/>
+          </a:p>
+        </p:txBody>
+      </p:sp>
+      <p:sp>
+        <p:nvSpPr>
+          <p:cNvPr id="16" name="Oval 15"/>
+          <p:cNvSpPr/>
+          <p:nvPr/>
+        </p:nvSpPr>
+        <p:spPr>
+          <a:xfrm>
+            <a:off x="6649750" y="4541019"/>
+            <a:ext cx="160020" cy="150019"/>
+          </a:xfrm>
+          <a:prstGeom prst="ellipse">
+            <a:avLst/>
+          </a:prstGeom>
+        </p:spPr>
+        <p:style>
+          <a:lnRef idx="2">
+            <a:schemeClr val="accent1">
+              <a:shade val="50000"/>
+            </a:schemeClr>
+          </a:lnRef>
+          <a:fillRef idx="1">
+            <a:schemeClr val="accent1"/>
+          </a:fillRef>
+          <a:effectRef idx="0">
+            <a:schemeClr val="accent1"/>
+          </a:effectRef>
+          <a:fontRef idx="minor">
+            <a:schemeClr val="lt1"/>
+          </a:fontRef>
+        </p:style>
+        <p:txBody>
+          <a:bodyPr rtlCol="0" anchor="ctr"/>
+          <a:lstStyle/>
+          <a:p>
+            <a:pPr algn="ctr"/>
+            <a:endParaRPr lang="en-US"/>
+          </a:p>
+        </p:txBody>
+      </p:sp>
+      <p:sp>
+        <p:nvSpPr>
+          <p:cNvPr id="17" name="Oval 16"/>
+          <p:cNvSpPr/>
+          <p:nvPr/>
+        </p:nvSpPr>
+        <p:spPr>
+          <a:xfrm>
+            <a:off x="4888047" y="5048594"/>
+            <a:ext cx="580727" cy="560414"/>
+          </a:xfrm>
+          <a:prstGeom prst="ellipse">
+            <a:avLst/>
+          </a:prstGeom>
+          <a:ln w="28575">
+            <a:solidFill>
+              <a:schemeClr val="bg2"/>
+            </a:solidFill>
+          </a:ln>
+        </p:spPr>
+        <p:style>
+          <a:lnRef idx="2">
+            <a:schemeClr val="accent1">
+              <a:shade val="50000"/>
+            </a:schemeClr>
+          </a:lnRef>
+          <a:fillRef idx="1">
+            <a:schemeClr val="accent1"/>
+          </a:fillRef>
+          <a:effectRef idx="0">
+            <a:schemeClr val="accent1"/>
+          </a:effectRef>
+          <a:fontRef idx="minor">
+            <a:schemeClr val="lt1"/>
+          </a:fontRef>
+        </p:style>
+        <p:txBody>
+          <a:bodyPr rtlCol="0" anchor="ctr"/>
+          <a:lstStyle/>
+          <a:p>
+            <a:pPr algn="ctr"/>
+            <a:endParaRPr lang="en-US"/>
+          </a:p>
+        </p:txBody>
+      </p:sp>
+      <p:sp>
+        <p:nvSpPr>
+          <p:cNvPr id="18" name="Oval 17"/>
+          <p:cNvSpPr/>
+          <p:nvPr/>
+        </p:nvSpPr>
+        <p:spPr>
+          <a:xfrm>
+            <a:off x="4981375" y="5134977"/>
+            <a:ext cx="394069" cy="380371"/>
+          </a:xfrm>
+          <a:prstGeom prst="ellipse">
+            <a:avLst/>
+          </a:prstGeom>
+          <a:ln w="28575">
+            <a:solidFill>
+              <a:schemeClr val="bg2"/>
+            </a:solidFill>
+          </a:ln>
+        </p:spPr>
+        <p:style>
+          <a:lnRef idx="2">
+            <a:schemeClr val="accent1">
+              <a:shade val="50000"/>
+            </a:schemeClr>
+          </a:lnRef>
+          <a:fillRef idx="1">
+            <a:schemeClr val="accent1"/>
+          </a:fillRef>
+          <a:effectRef idx="0">
+            <a:schemeClr val="accent1"/>
+          </a:effectRef>
+          <a:fontRef idx="minor">
+            <a:schemeClr val="lt1"/>
+          </a:fontRef>
+        </p:style>
+        <p:txBody>
+          <a:bodyPr rtlCol="0" anchor="ctr"/>
+          <a:lstStyle/>
+          <a:p>
+            <a:pPr algn="ctr"/>
+            <a:endParaRPr lang="en-US"/>
+          </a:p>
+        </p:txBody>
+      </p:sp>
+      <p:sp>
+        <p:nvSpPr>
+          <p:cNvPr id="19" name="Oval 18"/>
+          <p:cNvSpPr/>
+          <p:nvPr/>
+        </p:nvSpPr>
+        <p:spPr>
+          <a:xfrm>
+            <a:off x="6446718" y="5039820"/>
+            <a:ext cx="580727" cy="560414"/>
+          </a:xfrm>
+          <a:prstGeom prst="ellipse">
+            <a:avLst/>
+          </a:prstGeom>
+          <a:ln w="28575">
+            <a:solidFill>
+              <a:schemeClr val="bg2"/>
+            </a:solidFill>
+          </a:ln>
+        </p:spPr>
+        <p:style>
+          <a:lnRef idx="2">
+            <a:schemeClr val="accent1">
+              <a:shade val="50000"/>
+            </a:schemeClr>
+          </a:lnRef>
+          <a:fillRef idx="1">
+            <a:schemeClr val="accent1"/>
+          </a:fillRef>
+          <a:effectRef idx="0">
+            <a:schemeClr val="accent1"/>
+          </a:effectRef>
+          <a:fontRef idx="minor">
+            <a:schemeClr val="lt1"/>
+          </a:fontRef>
+        </p:style>
+        <p:txBody>
+          <a:bodyPr rtlCol="0" anchor="ctr"/>
+          <a:lstStyle/>
+          <a:p>
+            <a:pPr algn="ctr"/>
+            <a:endParaRPr lang="en-US"/>
+          </a:p>
+        </p:txBody>
+      </p:sp>
+      <p:sp>
+        <p:nvSpPr>
+          <p:cNvPr id="20" name="Oval 19"/>
+          <p:cNvSpPr/>
+          <p:nvPr/>
+        </p:nvSpPr>
+        <p:spPr>
+          <a:xfrm>
+            <a:off x="6540046" y="5126203"/>
+            <a:ext cx="394069" cy="380371"/>
+          </a:xfrm>
+          <a:prstGeom prst="ellipse">
+            <a:avLst/>
+          </a:prstGeom>
+          <a:ln w="28575">
+            <a:solidFill>
+              <a:schemeClr val="bg2"/>
+            </a:solidFill>
+          </a:ln>
+        </p:spPr>
+        <p:style>
+          <a:lnRef idx="2">
+            <a:schemeClr val="accent1">
+              <a:shade val="50000"/>
+            </a:schemeClr>
+          </a:lnRef>
+          <a:fillRef idx="1">
+            <a:schemeClr val="accent1"/>
+          </a:fillRef>
+          <a:effectRef idx="0">
+            <a:schemeClr val="accent1"/>
+          </a:effectRef>
+          <a:fontRef idx="minor">
+            <a:schemeClr val="lt1"/>
+          </a:fontRef>
+        </p:style>
+        <p:txBody>
+          <a:bodyPr rtlCol="0" anchor="ctr"/>
+          <a:lstStyle/>
+          <a:p>
+            <a:pPr algn="ctr"/>
+            <a:endParaRPr lang="en-US"/>
+          </a:p>
+        </p:txBody>
+      </p:sp>
+      <p:cxnSp>
+        <p:nvCxnSpPr>
+          <p:cNvPr id="21" name="Straight Connector 20"/>
+          <p:cNvCxnSpPr>
+            <a:stCxn id="7" idx="0"/>
+          </p:cNvCxnSpPr>
+          <p:nvPr/>
+        </p:nvCxnSpPr>
+        <p:spPr>
+          <a:xfrm>
+            <a:off x="5178410" y="1786396"/>
+            <a:ext cx="1" cy="266700"/>
+          </a:xfrm>
+          <a:prstGeom prst="line">
+            <a:avLst/>
+          </a:prstGeom>
+          <a:ln w="38100"/>
+        </p:spPr>
+        <p:style>
+          <a:lnRef idx="3">
+            <a:schemeClr val="dk1"/>
+          </a:lnRef>
+          <a:fillRef idx="0">
+            <a:schemeClr val="dk1"/>
+          </a:fillRef>
+          <a:effectRef idx="2">
+            <a:schemeClr val="dk1"/>
+          </a:effectRef>
+          <a:fontRef idx="minor">
+            <a:schemeClr val="tx1"/>
+          </a:fontRef>
+        </p:style>
+      </p:cxnSp>
+      <p:cxnSp>
+        <p:nvCxnSpPr>
+          <p:cNvPr id="22" name="Straight Connector 21"/>
+          <p:cNvCxnSpPr/>
+          <p:nvPr/>
+        </p:nvCxnSpPr>
+        <p:spPr>
+          <a:xfrm>
+            <a:off x="5962853" y="1786396"/>
+            <a:ext cx="1" cy="266700"/>
+          </a:xfrm>
+          <a:prstGeom prst="line">
+            <a:avLst/>
+          </a:prstGeom>
+          <a:ln w="38100"/>
+        </p:spPr>
+        <p:style>
+          <a:lnRef idx="3">
+            <a:schemeClr val="dk1"/>
+          </a:lnRef>
+          <a:fillRef idx="0">
+            <a:schemeClr val="dk1"/>
+          </a:fillRef>
+          <a:effectRef idx="2">
+            <a:schemeClr val="dk1"/>
+          </a:effectRef>
+          <a:fontRef idx="minor">
+            <a:schemeClr val="tx1"/>
+          </a:fontRef>
+        </p:style>
+      </p:cxnSp>
+      <p:cxnSp>
+        <p:nvCxnSpPr>
+          <p:cNvPr id="23" name="Straight Connector 22"/>
+          <p:cNvCxnSpPr/>
+          <p:nvPr/>
+        </p:nvCxnSpPr>
+        <p:spPr>
+          <a:xfrm>
+            <a:off x="6758877" y="1792689"/>
+            <a:ext cx="1" cy="266700"/>
+          </a:xfrm>
+          <a:prstGeom prst="line">
+            <a:avLst/>
+          </a:prstGeom>
+          <a:ln w="38100"/>
+        </p:spPr>
+        <p:style>
+          <a:lnRef idx="3">
+            <a:schemeClr val="dk1"/>
+          </a:lnRef>
+          <a:fillRef idx="0">
+            <a:schemeClr val="dk1"/>
+          </a:fillRef>
+          <a:effectRef idx="2">
+            <a:schemeClr val="dk1"/>
+          </a:effectRef>
+          <a:fontRef idx="minor">
+            <a:schemeClr val="tx1"/>
+          </a:fontRef>
+        </p:style>
+      </p:cxnSp>
+      <p:cxnSp>
+        <p:nvCxnSpPr>
+          <p:cNvPr id="24" name="Straight Connector 23"/>
+          <p:cNvCxnSpPr/>
+          <p:nvPr/>
+        </p:nvCxnSpPr>
+        <p:spPr>
+          <a:xfrm>
+            <a:off x="5172022" y="2784616"/>
+            <a:ext cx="1" cy="266700"/>
+          </a:xfrm>
+          <a:prstGeom prst="line">
+            <a:avLst/>
+          </a:prstGeom>
+          <a:ln w="38100"/>
+        </p:spPr>
+        <p:style>
+          <a:lnRef idx="3">
+            <a:schemeClr val="dk1"/>
+          </a:lnRef>
+          <a:fillRef idx="0">
+            <a:schemeClr val="dk1"/>
+          </a:fillRef>
+          <a:effectRef idx="2">
+            <a:schemeClr val="dk1"/>
+          </a:effectRef>
+          <a:fontRef idx="minor">
+            <a:schemeClr val="tx1"/>
+          </a:fontRef>
+        </p:style>
+      </p:cxnSp>
+      <p:cxnSp>
+        <p:nvCxnSpPr>
+          <p:cNvPr id="25" name="Straight Connector 24"/>
+          <p:cNvCxnSpPr/>
+          <p:nvPr/>
+        </p:nvCxnSpPr>
+        <p:spPr>
+          <a:xfrm>
+            <a:off x="5962853" y="2784616"/>
+            <a:ext cx="1" cy="266700"/>
+          </a:xfrm>
+          <a:prstGeom prst="line">
+            <a:avLst/>
+          </a:prstGeom>
+          <a:ln w="38100"/>
+        </p:spPr>
+        <p:style>
+          <a:lnRef idx="3">
+            <a:schemeClr val="dk1"/>
+          </a:lnRef>
+          <a:fillRef idx="0">
+            <a:schemeClr val="dk1"/>
+          </a:fillRef>
+          <a:effectRef idx="2">
+            <a:schemeClr val="dk1"/>
+          </a:effectRef>
+          <a:fontRef idx="minor">
+            <a:schemeClr val="tx1"/>
+          </a:fontRef>
+        </p:style>
+      </p:cxnSp>
+      <p:cxnSp>
+        <p:nvCxnSpPr>
+          <p:cNvPr id="26" name="Straight Connector 25"/>
+          <p:cNvCxnSpPr/>
+          <p:nvPr/>
+        </p:nvCxnSpPr>
+        <p:spPr>
+          <a:xfrm>
+            <a:off x="6757924" y="2784616"/>
+            <a:ext cx="1" cy="266700"/>
+          </a:xfrm>
+          <a:prstGeom prst="line">
+            <a:avLst/>
+          </a:prstGeom>
+          <a:ln w="38100"/>
+        </p:spPr>
+        <p:style>
+          <a:lnRef idx="3">
+            <a:schemeClr val="dk1"/>
+          </a:lnRef>
+          <a:fillRef idx="0">
+            <a:schemeClr val="dk1"/>
+          </a:fillRef>
+          <a:effectRef idx="2">
+            <a:schemeClr val="dk1"/>
+          </a:effectRef>
+          <a:fontRef idx="minor">
+            <a:schemeClr val="tx1"/>
+          </a:fontRef>
+        </p:style>
+      </p:cxnSp>
+      <p:sp>
+        <p:nvSpPr>
+          <p:cNvPr id="27" name="TextBox 26"/>
+          <p:cNvSpPr txBox="1"/>
+          <p:nvPr/>
+        </p:nvSpPr>
+        <p:spPr>
+          <a:xfrm>
+            <a:off x="4880089" y="2313676"/>
+            <a:ext cx="596638" cy="246221"/>
+          </a:xfrm>
+          <a:prstGeom prst="rect">
+            <a:avLst/>
+          </a:prstGeom>
+          <a:noFill/>
+        </p:spPr>
+        <p:txBody>
+          <a:bodyPr wrap="none" rtlCol="0">
+            <a:spAutoFit/>
+          </a:bodyPr>
+          <a:lstStyle/>
+          <a:p>
+            <a:pPr algn="ctr"/>
+            <a:r>
+              <a:rPr lang="en-US" sz="1000" b="1" dirty="0" smtClean="0">
+                <a:latin typeface="Century Gothic" panose="020B0502020202020204" pitchFamily="34" charset="0"/>
+                <a:cs typeface="Adobe Devanagari" panose="02040503050201020203" pitchFamily="18" charset="0"/>
+              </a:rPr>
+              <a:t>Decay</a:t>
+            </a:r>
+            <a:endParaRPr lang="en-US" sz="1000" b="1" dirty="0">
+              <a:latin typeface="Century Gothic" panose="020B0502020202020204" pitchFamily="34" charset="0"/>
+              <a:cs typeface="Adobe Devanagari" panose="02040503050201020203" pitchFamily="18" charset="0"/>
+            </a:endParaRPr>
+          </a:p>
+        </p:txBody>
+      </p:sp>
+      <p:sp>
+        <p:nvSpPr>
+          <p:cNvPr id="28" name="TextBox 27"/>
+          <p:cNvSpPr txBox="1"/>
+          <p:nvPr/>
+        </p:nvSpPr>
+        <p:spPr>
+          <a:xfrm>
+            <a:off x="5612152" y="2300190"/>
+            <a:ext cx="729688" cy="246221"/>
+          </a:xfrm>
+          <a:prstGeom prst="rect">
+            <a:avLst/>
+          </a:prstGeom>
+          <a:noFill/>
+        </p:spPr>
+        <p:txBody>
+          <a:bodyPr wrap="none" rtlCol="0">
+            <a:spAutoFit/>
+          </a:bodyPr>
+          <a:lstStyle/>
+          <a:p>
+            <a:pPr algn="ctr"/>
+            <a:r>
+              <a:rPr lang="en-US" sz="1000" b="1" dirty="0" smtClean="0">
+                <a:latin typeface="Century Gothic" panose="020B0502020202020204" pitchFamily="34" charset="0"/>
+                <a:cs typeface="Adobe Devanagari" panose="02040503050201020203" pitchFamily="18" charset="0"/>
+              </a:rPr>
+              <a:t>Low </a:t>
+            </a:r>
+            <a:r>
+              <a:rPr lang="en-US" sz="1000" b="1" dirty="0" err="1" smtClean="0">
+                <a:latin typeface="Century Gothic" panose="020B0502020202020204" pitchFamily="34" charset="0"/>
+                <a:cs typeface="Adobe Devanagari" panose="02040503050201020203" pitchFamily="18" charset="0"/>
+              </a:rPr>
+              <a:t>Freq</a:t>
+            </a:r>
+            <a:endParaRPr lang="en-US" sz="1000" b="1" dirty="0">
+              <a:latin typeface="Century Gothic" panose="020B0502020202020204" pitchFamily="34" charset="0"/>
+              <a:cs typeface="Adobe Devanagari" panose="02040503050201020203" pitchFamily="18" charset="0"/>
+            </a:endParaRPr>
+          </a:p>
+        </p:txBody>
+      </p:sp>
+      <p:sp>
+        <p:nvSpPr>
+          <p:cNvPr id="29" name="TextBox 28"/>
+          <p:cNvSpPr txBox="1"/>
+          <p:nvPr/>
+        </p:nvSpPr>
+        <p:spPr>
+          <a:xfrm>
+            <a:off x="6374021" y="2306958"/>
+            <a:ext cx="768159" cy="246221"/>
+          </a:xfrm>
+          <a:prstGeom prst="rect">
+            <a:avLst/>
+          </a:prstGeom>
+          <a:noFill/>
+        </p:spPr>
+        <p:txBody>
+          <a:bodyPr wrap="none" rtlCol="0">
+            <a:spAutoFit/>
+          </a:bodyPr>
+          <a:lstStyle/>
+          <a:p>
+            <a:pPr algn="ctr"/>
+            <a:r>
+              <a:rPr lang="en-US" sz="1000" b="1" dirty="0" smtClean="0">
+                <a:latin typeface="Century Gothic" panose="020B0502020202020204" pitchFamily="34" charset="0"/>
+                <a:cs typeface="Adobe Devanagari" panose="02040503050201020203" pitchFamily="18" charset="0"/>
+              </a:rPr>
+              <a:t>High </a:t>
+            </a:r>
+            <a:r>
+              <a:rPr lang="en-US" sz="1000" b="1" dirty="0" err="1" smtClean="0">
+                <a:latin typeface="Century Gothic" panose="020B0502020202020204" pitchFamily="34" charset="0"/>
+                <a:cs typeface="Adobe Devanagari" panose="02040503050201020203" pitchFamily="18" charset="0"/>
+              </a:rPr>
+              <a:t>Freq</a:t>
+            </a:r>
+            <a:endParaRPr lang="en-US" sz="1000" b="1" dirty="0">
+              <a:latin typeface="Century Gothic" panose="020B0502020202020204" pitchFamily="34" charset="0"/>
+              <a:cs typeface="Adobe Devanagari" panose="02040503050201020203" pitchFamily="18" charset="0"/>
+            </a:endParaRPr>
+          </a:p>
+        </p:txBody>
+      </p:sp>
+      <p:sp>
+        <p:nvSpPr>
+          <p:cNvPr id="30" name="TextBox 29"/>
+          <p:cNvSpPr txBox="1"/>
+          <p:nvPr/>
+        </p:nvSpPr>
+        <p:spPr>
+          <a:xfrm>
+            <a:off x="5605111" y="3306313"/>
+            <a:ext cx="752130" cy="246221"/>
+          </a:xfrm>
+          <a:prstGeom prst="rect">
+            <a:avLst/>
+          </a:prstGeom>
+          <a:noFill/>
+        </p:spPr>
+        <p:txBody>
+          <a:bodyPr wrap="none" rtlCol="0">
+            <a:spAutoFit/>
+          </a:bodyPr>
+          <a:lstStyle/>
+          <a:p>
+            <a:pPr algn="ctr"/>
+            <a:r>
+              <a:rPr lang="en-US" sz="1000" b="1" dirty="0" smtClean="0">
+                <a:latin typeface="Century Gothic" panose="020B0502020202020204" pitchFamily="34" charset="0"/>
+                <a:cs typeface="Adobe Devanagari" panose="02040503050201020203" pitchFamily="18" charset="0"/>
+              </a:rPr>
+              <a:t>Low Shelf</a:t>
+            </a:r>
+          </a:p>
+        </p:txBody>
+      </p:sp>
+      <p:sp>
+        <p:nvSpPr>
+          <p:cNvPr id="31" name="TextBox 30"/>
+          <p:cNvSpPr txBox="1"/>
+          <p:nvPr/>
+        </p:nvSpPr>
+        <p:spPr>
+          <a:xfrm>
+            <a:off x="6368980" y="3306313"/>
+            <a:ext cx="790602" cy="246221"/>
+          </a:xfrm>
+          <a:prstGeom prst="rect">
+            <a:avLst/>
+          </a:prstGeom>
+          <a:noFill/>
+        </p:spPr>
+        <p:txBody>
+          <a:bodyPr wrap="none" rtlCol="0">
+            <a:spAutoFit/>
+          </a:bodyPr>
+          <a:lstStyle/>
+          <a:p>
+            <a:pPr algn="ctr"/>
+            <a:r>
+              <a:rPr lang="en-US" sz="1000" b="1" dirty="0" smtClean="0">
+                <a:latin typeface="Century Gothic" panose="020B0502020202020204" pitchFamily="34" charset="0"/>
+                <a:cs typeface="Adobe Devanagari" panose="02040503050201020203" pitchFamily="18" charset="0"/>
+              </a:rPr>
+              <a:t>High Shelf</a:t>
+            </a:r>
+          </a:p>
+        </p:txBody>
+      </p:sp>
+      <p:sp>
+        <p:nvSpPr>
+          <p:cNvPr id="32" name="TextBox 31"/>
+          <p:cNvSpPr txBox="1"/>
+          <p:nvPr/>
+        </p:nvSpPr>
+        <p:spPr>
+          <a:xfrm>
+            <a:off x="4977076" y="3306313"/>
+            <a:ext cx="402675" cy="246221"/>
+          </a:xfrm>
+          <a:prstGeom prst="rect">
+            <a:avLst/>
+          </a:prstGeom>
+          <a:noFill/>
+        </p:spPr>
+        <p:txBody>
+          <a:bodyPr wrap="none" rtlCol="0">
+            <a:spAutoFit/>
+          </a:bodyPr>
+          <a:lstStyle/>
+          <a:p>
+            <a:pPr algn="ctr"/>
+            <a:r>
+              <a:rPr lang="en-US" sz="1000" b="1" dirty="0" smtClean="0">
+                <a:latin typeface="Century Gothic" panose="020B0502020202020204" pitchFamily="34" charset="0"/>
+                <a:cs typeface="Adobe Devanagari" panose="02040503050201020203" pitchFamily="18" charset="0"/>
+              </a:rPr>
+              <a:t>Mix</a:t>
+            </a:r>
+            <a:endParaRPr lang="en-US" sz="1000" b="1" dirty="0">
+              <a:latin typeface="Century Gothic" panose="020B0502020202020204" pitchFamily="34" charset="0"/>
+              <a:cs typeface="Adobe Devanagari" panose="02040503050201020203" pitchFamily="18" charset="0"/>
+            </a:endParaRPr>
+          </a:p>
+        </p:txBody>
+      </p:sp>
+      <p:sp>
+        <p:nvSpPr>
+          <p:cNvPr id="33" name="TextBox 32"/>
+          <p:cNvSpPr txBox="1"/>
+          <p:nvPr/>
+        </p:nvSpPr>
+        <p:spPr>
+          <a:xfrm>
+            <a:off x="4702728" y="5587506"/>
+            <a:ext cx="974947" cy="246221"/>
+          </a:xfrm>
+          <a:prstGeom prst="rect">
+            <a:avLst/>
+          </a:prstGeom>
+          <a:noFill/>
+        </p:spPr>
+        <p:txBody>
+          <a:bodyPr wrap="none" rtlCol="0">
+            <a:spAutoFit/>
+          </a:bodyPr>
+          <a:lstStyle/>
+          <a:p>
+            <a:pPr algn="ctr"/>
+            <a:r>
+              <a:rPr lang="en-US" sz="1000" b="1" dirty="0" smtClean="0">
+                <a:latin typeface="Century Gothic" panose="020B0502020202020204" pitchFamily="34" charset="0"/>
+                <a:cs typeface="Adobe Devanagari" panose="02040503050201020203" pitchFamily="18" charset="0"/>
+              </a:rPr>
+              <a:t>BYPASS / ALT</a:t>
+            </a:r>
+            <a:endParaRPr lang="en-US" sz="1000" b="1" dirty="0">
+              <a:latin typeface="Century Gothic" panose="020B0502020202020204" pitchFamily="34" charset="0"/>
+              <a:cs typeface="Adobe Devanagari" panose="02040503050201020203" pitchFamily="18" charset="0"/>
+            </a:endParaRPr>
+          </a:p>
+        </p:txBody>
+      </p:sp>
+      <p:sp>
+        <p:nvSpPr>
+          <p:cNvPr id="34" name="TextBox 33"/>
+          <p:cNvSpPr txBox="1"/>
+          <p:nvPr/>
+        </p:nvSpPr>
+        <p:spPr>
+          <a:xfrm rot="16200000">
+            <a:off x="4939266" y="4069731"/>
+            <a:ext cx="410689" cy="461665"/>
+          </a:xfrm>
+          <a:prstGeom prst="rect">
+            <a:avLst/>
+          </a:prstGeom>
+          <a:noFill/>
+        </p:spPr>
+        <p:txBody>
+          <a:bodyPr wrap="none" rtlCol="0">
+            <a:spAutoFit/>
+          </a:bodyPr>
+          <a:lstStyle/>
+          <a:p>
+            <a:pPr algn="ctr"/>
+            <a:r>
+              <a:rPr lang="en-US" sz="800" b="1" dirty="0" smtClean="0">
+                <a:latin typeface="Century Gothic" panose="020B0502020202020204" pitchFamily="34" charset="0"/>
+                <a:cs typeface="Adobe Devanagari" panose="02040503050201020203" pitchFamily="18" charset="0"/>
+              </a:rPr>
+              <a:t>Low</a:t>
+            </a:r>
+          </a:p>
+          <a:p>
+            <a:pPr algn="ctr"/>
+            <a:r>
+              <a:rPr lang="en-US" sz="800" b="1" dirty="0" smtClean="0">
+                <a:latin typeface="Century Gothic" panose="020B0502020202020204" pitchFamily="34" charset="0"/>
+                <a:cs typeface="Adobe Devanagari" panose="02040503050201020203" pitchFamily="18" charset="0"/>
+              </a:rPr>
+              <a:t>Med</a:t>
+            </a:r>
+          </a:p>
+          <a:p>
+            <a:pPr algn="ctr"/>
+            <a:r>
+              <a:rPr lang="en-US" sz="800" b="1" dirty="0" smtClean="0">
+                <a:latin typeface="Century Gothic" panose="020B0502020202020204" pitchFamily="34" charset="0"/>
+                <a:cs typeface="Adobe Devanagari" panose="02040503050201020203" pitchFamily="18" charset="0"/>
+              </a:rPr>
+              <a:t>High</a:t>
+            </a:r>
+          </a:p>
+        </p:txBody>
+      </p:sp>
+      <p:sp>
+        <p:nvSpPr>
+          <p:cNvPr id="35" name="TextBox 34"/>
+          <p:cNvSpPr txBox="1"/>
+          <p:nvPr/>
+        </p:nvSpPr>
+        <p:spPr>
+          <a:xfrm>
+            <a:off x="4952460" y="4616479"/>
+            <a:ext cx="2037473" cy="400110"/>
+          </a:xfrm>
+          <a:prstGeom prst="rect">
+            <a:avLst/>
+          </a:prstGeom>
+          <a:noFill/>
+        </p:spPr>
+        <p:txBody>
+          <a:bodyPr wrap="square" rtlCol="0">
+            <a:spAutoFit/>
+          </a:bodyPr>
+          <a:lstStyle/>
+          <a:p>
+            <a:pPr algn="ctr"/>
+            <a:r>
+              <a:rPr lang="en-US" sz="2000" b="1" dirty="0" smtClean="0">
+                <a:latin typeface="Broadway" panose="04040905080B02020502" pitchFamily="82" charset="0"/>
+                <a:cs typeface="Adobe Devanagari" panose="02040503050201020203" pitchFamily="18" charset="0"/>
+              </a:rPr>
+              <a:t>Jupiter</a:t>
+            </a:r>
+            <a:endParaRPr lang="en-US" sz="2000" b="1" dirty="0">
+              <a:latin typeface="Broadway" panose="04040905080B02020502" pitchFamily="82" charset="0"/>
+              <a:cs typeface="Adobe Devanagari" panose="02040503050201020203" pitchFamily="18" charset="0"/>
+            </a:endParaRPr>
+          </a:p>
+        </p:txBody>
+      </p:sp>
+      <p:sp>
+        <p:nvSpPr>
+          <p:cNvPr id="36" name="TextBox 35"/>
+          <p:cNvSpPr txBox="1"/>
+          <p:nvPr/>
+        </p:nvSpPr>
+        <p:spPr>
+          <a:xfrm>
+            <a:off x="5641864" y="4916279"/>
+            <a:ext cx="643125" cy="246221"/>
+          </a:xfrm>
+          <a:prstGeom prst="rect">
+            <a:avLst/>
+          </a:prstGeom>
+          <a:noFill/>
+        </p:spPr>
+        <p:txBody>
+          <a:bodyPr wrap="none" rtlCol="0">
+            <a:spAutoFit/>
+          </a:bodyPr>
+          <a:lstStyle/>
+          <a:p>
+            <a:pPr algn="ctr"/>
+            <a:r>
+              <a:rPr lang="en-US" sz="1000" dirty="0" smtClean="0">
+                <a:latin typeface="Century Gothic" panose="020B0502020202020204" pitchFamily="34" charset="0"/>
+                <a:cs typeface="Adobe Devanagari" panose="02040503050201020203" pitchFamily="18" charset="0"/>
+              </a:rPr>
+              <a:t>REVERB</a:t>
+            </a:r>
+            <a:endParaRPr lang="en-US" sz="1000" dirty="0">
+              <a:latin typeface="Century Gothic" panose="020B0502020202020204" pitchFamily="34" charset="0"/>
+              <a:cs typeface="Adobe Devanagari" panose="02040503050201020203" pitchFamily="18" charset="0"/>
+            </a:endParaRPr>
+          </a:p>
+        </p:txBody>
+      </p:sp>
+      <p:sp>
+        <p:nvSpPr>
+          <p:cNvPr id="37" name="Oval 36"/>
+          <p:cNvSpPr/>
+          <p:nvPr/>
+        </p:nvSpPr>
+        <p:spPr>
+          <a:xfrm rot="16200000">
+            <a:off x="5854676" y="3834748"/>
+            <a:ext cx="245746" cy="243840"/>
+          </a:xfrm>
+          <a:prstGeom prst="ellipse">
+            <a:avLst/>
+          </a:prstGeom>
+          <a:ln w="19050">
+            <a:solidFill>
+              <a:schemeClr val="tx1"/>
+            </a:solidFill>
+          </a:ln>
+        </p:spPr>
+        <p:style>
+          <a:lnRef idx="2">
+            <a:schemeClr val="accent1">
+              <a:shade val="50000"/>
+            </a:schemeClr>
+          </a:lnRef>
+          <a:fillRef idx="1">
+            <a:schemeClr val="accent1"/>
+          </a:fillRef>
+          <a:effectRef idx="0">
+            <a:schemeClr val="accent1"/>
+          </a:effectRef>
+          <a:fontRef idx="minor">
+            <a:schemeClr val="lt1"/>
+          </a:fontRef>
+        </p:style>
+        <p:txBody>
+          <a:bodyPr rtlCol="0" anchor="ctr"/>
+          <a:lstStyle/>
+          <a:p>
+            <a:pPr algn="ctr"/>
+            <a:endParaRPr lang="en-US"/>
+          </a:p>
+        </p:txBody>
+      </p:sp>
+      <p:sp>
+        <p:nvSpPr>
+          <p:cNvPr id="38" name="Flowchart: Terminator 37"/>
+          <p:cNvSpPr/>
+          <p:nvPr/>
+        </p:nvSpPr>
+        <p:spPr>
+          <a:xfrm rot="16200000">
+            <a:off x="5834802" y="3846799"/>
+            <a:ext cx="95488" cy="208168"/>
+          </a:xfrm>
+          <a:prstGeom prst="flowChartTerminator">
+            <a:avLst/>
+          </a:prstGeom>
+          <a:ln w="19050">
+            <a:solidFill>
+              <a:schemeClr val="tx1"/>
+            </a:solidFill>
+          </a:ln>
+        </p:spPr>
+        <p:style>
+          <a:lnRef idx="2">
+            <a:schemeClr val="accent1">
+              <a:shade val="50000"/>
+            </a:schemeClr>
+          </a:lnRef>
+          <a:fillRef idx="1">
+            <a:schemeClr val="accent1"/>
+          </a:fillRef>
+          <a:effectRef idx="0">
+            <a:schemeClr val="accent1"/>
+          </a:effectRef>
+          <a:fontRef idx="minor">
+            <a:schemeClr val="lt1"/>
+          </a:fontRef>
+        </p:style>
+        <p:txBody>
+          <a:bodyPr rtlCol="0" anchor="ctr"/>
+          <a:lstStyle/>
+          <a:p>
+            <a:pPr algn="ctr"/>
+            <a:endParaRPr lang="en-US"/>
+          </a:p>
+        </p:txBody>
+      </p:sp>
+      <p:sp>
+        <p:nvSpPr>
+          <p:cNvPr id="39" name="Oval 38"/>
+          <p:cNvSpPr/>
+          <p:nvPr/>
+        </p:nvSpPr>
+        <p:spPr>
+          <a:xfrm rot="16200000">
+            <a:off x="6675452" y="3834748"/>
+            <a:ext cx="245746" cy="243840"/>
+          </a:xfrm>
+          <a:prstGeom prst="ellipse">
+            <a:avLst/>
+          </a:prstGeom>
+          <a:ln w="19050">
+            <a:solidFill>
+              <a:schemeClr val="tx1"/>
+            </a:solidFill>
+          </a:ln>
+        </p:spPr>
+        <p:style>
+          <a:lnRef idx="2">
+            <a:schemeClr val="accent1">
+              <a:shade val="50000"/>
+            </a:schemeClr>
+          </a:lnRef>
+          <a:fillRef idx="1">
+            <a:schemeClr val="accent1"/>
+          </a:fillRef>
+          <a:effectRef idx="0">
+            <a:schemeClr val="accent1"/>
+          </a:effectRef>
+          <a:fontRef idx="minor">
+            <a:schemeClr val="lt1"/>
+          </a:fontRef>
+        </p:style>
+        <p:txBody>
+          <a:bodyPr rtlCol="0" anchor="ctr"/>
+          <a:lstStyle/>
+          <a:p>
+            <a:pPr algn="ctr"/>
+            <a:endParaRPr lang="en-US"/>
+          </a:p>
+        </p:txBody>
+      </p:sp>
+      <p:sp>
+        <p:nvSpPr>
+          <p:cNvPr id="40" name="Flowchart: Terminator 39"/>
+          <p:cNvSpPr/>
+          <p:nvPr/>
+        </p:nvSpPr>
+        <p:spPr>
+          <a:xfrm rot="16200000">
+            <a:off x="6655578" y="3846799"/>
+            <a:ext cx="95488" cy="208168"/>
+          </a:xfrm>
+          <a:prstGeom prst="flowChartTerminator">
+            <a:avLst/>
+          </a:prstGeom>
+          <a:ln w="19050">
+            <a:solidFill>
+              <a:schemeClr val="tx1"/>
+            </a:solidFill>
+          </a:ln>
+        </p:spPr>
+        <p:style>
+          <a:lnRef idx="2">
+            <a:schemeClr val="accent1">
+              <a:shade val="50000"/>
+            </a:schemeClr>
+          </a:lnRef>
+          <a:fillRef idx="1">
+            <a:schemeClr val="accent1"/>
+          </a:fillRef>
+          <a:effectRef idx="0">
+            <a:schemeClr val="accent1"/>
+          </a:effectRef>
+          <a:fontRef idx="minor">
+            <a:schemeClr val="lt1"/>
+          </a:fontRef>
+        </p:style>
+        <p:txBody>
+          <a:bodyPr rtlCol="0" anchor="ctr"/>
+          <a:lstStyle/>
+          <a:p>
+            <a:pPr algn="ctr"/>
+            <a:endParaRPr lang="en-US"/>
+          </a:p>
+        </p:txBody>
+      </p:sp>
+      <p:sp>
+        <p:nvSpPr>
+          <p:cNvPr id="43" name="TextBox 42"/>
+          <p:cNvSpPr txBox="1"/>
+          <p:nvPr/>
+        </p:nvSpPr>
+        <p:spPr>
+          <a:xfrm>
+            <a:off x="4855014" y="3590760"/>
+            <a:ext cx="670376" cy="230832"/>
+          </a:xfrm>
+          <a:prstGeom prst="rect">
+            <a:avLst/>
+          </a:prstGeom>
+          <a:noFill/>
+        </p:spPr>
+        <p:txBody>
+          <a:bodyPr wrap="none" rtlCol="0">
+            <a:spAutoFit/>
+          </a:bodyPr>
+          <a:lstStyle/>
+          <a:p>
+            <a:pPr algn="ctr"/>
+            <a:r>
+              <a:rPr lang="en-US" sz="900" b="1" dirty="0" smtClean="0">
+                <a:latin typeface="Century Gothic" panose="020B0502020202020204" pitchFamily="34" charset="0"/>
+                <a:cs typeface="Adobe Devanagari" panose="02040503050201020203" pitchFamily="18" charset="0"/>
+              </a:rPr>
+              <a:t>Lushness</a:t>
+            </a:r>
+            <a:endParaRPr lang="en-US" sz="900" b="1" dirty="0">
+              <a:latin typeface="Century Gothic" panose="020B0502020202020204" pitchFamily="34" charset="0"/>
+              <a:cs typeface="Adobe Devanagari" panose="02040503050201020203" pitchFamily="18" charset="0"/>
+            </a:endParaRPr>
+          </a:p>
+        </p:txBody>
+      </p:sp>
+      <p:sp>
+        <p:nvSpPr>
+          <p:cNvPr id="44" name="TextBox 43"/>
+          <p:cNvSpPr txBox="1"/>
+          <p:nvPr/>
+        </p:nvSpPr>
+        <p:spPr>
+          <a:xfrm>
+            <a:off x="5568070" y="3599277"/>
+            <a:ext cx="817853" cy="230832"/>
+          </a:xfrm>
+          <a:prstGeom prst="rect">
+            <a:avLst/>
+          </a:prstGeom>
+          <a:noFill/>
+        </p:spPr>
+        <p:txBody>
+          <a:bodyPr wrap="none" rtlCol="0">
+            <a:spAutoFit/>
+          </a:bodyPr>
+          <a:lstStyle/>
+          <a:p>
+            <a:pPr algn="ctr"/>
+            <a:r>
+              <a:rPr lang="en-US" sz="900" b="1" dirty="0" smtClean="0">
+                <a:latin typeface="Century Gothic" panose="020B0502020202020204" pitchFamily="34" charset="0"/>
+                <a:cs typeface="Adobe Devanagari" panose="02040503050201020203" pitchFamily="18" charset="0"/>
+              </a:rPr>
+              <a:t>Modulation</a:t>
+            </a:r>
+            <a:endParaRPr lang="en-US" sz="900" b="1" dirty="0">
+              <a:latin typeface="Century Gothic" panose="020B0502020202020204" pitchFamily="34" charset="0"/>
+              <a:cs typeface="Adobe Devanagari" panose="02040503050201020203" pitchFamily="18" charset="0"/>
+            </a:endParaRPr>
+          </a:p>
+        </p:txBody>
+      </p:sp>
+      <p:sp>
+        <p:nvSpPr>
+          <p:cNvPr id="45" name="TextBox 44"/>
+          <p:cNvSpPr txBox="1"/>
+          <p:nvPr/>
+        </p:nvSpPr>
+        <p:spPr>
+          <a:xfrm>
+            <a:off x="6465006" y="3601431"/>
+            <a:ext cx="684804" cy="230832"/>
+          </a:xfrm>
+          <a:prstGeom prst="rect">
+            <a:avLst/>
+          </a:prstGeom>
+          <a:noFill/>
+        </p:spPr>
+        <p:txBody>
+          <a:bodyPr wrap="none" rtlCol="0">
+            <a:spAutoFit/>
+          </a:bodyPr>
+          <a:lstStyle/>
+          <a:p>
+            <a:pPr algn="ctr"/>
+            <a:r>
+              <a:rPr lang="en-US" sz="900" b="1" dirty="0" err="1" smtClean="0">
+                <a:latin typeface="Century Gothic" panose="020B0502020202020204" pitchFamily="34" charset="0"/>
+                <a:cs typeface="Adobe Devanagari" panose="02040503050201020203" pitchFamily="18" charset="0"/>
+              </a:rPr>
+              <a:t>PreDelay</a:t>
+            </a:r>
+            <a:endParaRPr lang="en-US" sz="900" b="1" dirty="0">
+              <a:latin typeface="Century Gothic" panose="020B0502020202020204" pitchFamily="34" charset="0"/>
+              <a:cs typeface="Adobe Devanagari" panose="02040503050201020203" pitchFamily="18" charset="0"/>
+            </a:endParaRPr>
+          </a:p>
+        </p:txBody>
+      </p:sp>
+      <p:sp>
+        <p:nvSpPr>
+          <p:cNvPr id="46" name="Rectangle 45"/>
+          <p:cNvSpPr/>
+          <p:nvPr/>
+        </p:nvSpPr>
+        <p:spPr>
+          <a:xfrm>
+            <a:off x="6386218" y="1669911"/>
+            <a:ext cx="744238" cy="1928454"/>
+          </a:xfrm>
+          <a:prstGeom prst="rect">
+            <a:avLst/>
+          </a:prstGeom>
+          <a:noFill/>
+        </p:spPr>
+        <p:style>
+          <a:lnRef idx="2">
+            <a:schemeClr val="dk1">
+              <a:shade val="50000"/>
+            </a:schemeClr>
+          </a:lnRef>
+          <a:fillRef idx="1">
+            <a:schemeClr val="dk1"/>
+          </a:fillRef>
+          <a:effectRef idx="0">
+            <a:schemeClr val="dk1"/>
+          </a:effectRef>
+          <a:fontRef idx="minor">
+            <a:schemeClr val="lt1"/>
+          </a:fontRef>
+        </p:style>
+        <p:txBody>
+          <a:bodyPr rtlCol="0" anchor="ctr"/>
+          <a:lstStyle/>
+          <a:p>
+            <a:pPr algn="ctr"/>
+            <a:endParaRPr lang="en-US"/>
+          </a:p>
+        </p:txBody>
+      </p:sp>
+      <p:sp>
+        <p:nvSpPr>
+          <p:cNvPr id="47" name="TextBox 46"/>
+          <p:cNvSpPr txBox="1"/>
+          <p:nvPr/>
+        </p:nvSpPr>
+        <p:spPr>
+          <a:xfrm>
+            <a:off x="6449776" y="5574572"/>
+            <a:ext cx="585418" cy="246221"/>
+          </a:xfrm>
+          <a:prstGeom prst="rect">
+            <a:avLst/>
+          </a:prstGeom>
+          <a:noFill/>
+        </p:spPr>
+        <p:txBody>
+          <a:bodyPr wrap="none" rtlCol="0">
+            <a:spAutoFit/>
+          </a:bodyPr>
+          <a:lstStyle/>
+          <a:p>
+            <a:pPr algn="ctr"/>
+            <a:r>
+              <a:rPr lang="en-US" sz="1000" b="1" dirty="0" smtClean="0">
+                <a:latin typeface="Century Gothic" panose="020B0502020202020204" pitchFamily="34" charset="0"/>
+                <a:cs typeface="Adobe Devanagari" panose="02040503050201020203" pitchFamily="18" charset="0"/>
+              </a:rPr>
+              <a:t>FREEZE</a:t>
+            </a:r>
+            <a:endParaRPr lang="en-US" sz="1000" b="1" dirty="0">
+              <a:latin typeface="Century Gothic" panose="020B0502020202020204" pitchFamily="34" charset="0"/>
+              <a:cs typeface="Adobe Devanagari" panose="02040503050201020203" pitchFamily="18" charset="0"/>
+            </a:endParaRPr>
+          </a:p>
+        </p:txBody>
+      </p:sp>
+      <p:sp>
+        <p:nvSpPr>
+          <p:cNvPr id="55" name="Rectangle 54"/>
+          <p:cNvSpPr/>
+          <p:nvPr/>
+        </p:nvSpPr>
+        <p:spPr>
+          <a:xfrm>
+            <a:off x="518160" y="1582168"/>
+            <a:ext cx="3748726" cy="1543632"/>
+          </a:xfrm>
+          <a:prstGeom prst="rect">
+            <a:avLst/>
+          </a:prstGeom>
+        </p:spPr>
+        <p:style>
+          <a:lnRef idx="2">
+            <a:schemeClr val="dk1">
+              <a:shade val="50000"/>
+            </a:schemeClr>
+          </a:lnRef>
+          <a:fillRef idx="1003">
+            <a:schemeClr val="lt1"/>
+          </a:fillRef>
+          <a:effectRef idx="0">
+            <a:schemeClr val="dk1"/>
+          </a:effectRef>
+          <a:fontRef idx="minor">
+            <a:schemeClr val="lt1"/>
+          </a:fontRef>
+        </p:style>
+        <p:txBody>
+          <a:bodyPr rtlCol="0" anchor="ctr"/>
+          <a:lstStyle/>
+          <a:p>
+            <a:r>
+              <a:rPr lang="en-US" sz="1600" b="1" dirty="0" smtClean="0">
+                <a:solidFill>
+                  <a:schemeClr val="tx1"/>
+                </a:solidFill>
+              </a:rPr>
+              <a:t>Decay</a:t>
+            </a:r>
+            <a:r>
+              <a:rPr lang="en-US" sz="1600" dirty="0" smtClean="0">
+                <a:solidFill>
+                  <a:schemeClr val="tx1"/>
+                </a:solidFill>
+              </a:rPr>
+              <a:t>: Length of reverb decay, exponential taper, ~300ms to 60 seconds. </a:t>
+            </a:r>
+          </a:p>
+          <a:p>
+            <a:r>
+              <a:rPr lang="en-US" sz="1600" b="1" dirty="0" smtClean="0">
+                <a:solidFill>
+                  <a:schemeClr val="tx1"/>
+                </a:solidFill>
+              </a:rPr>
+              <a:t>Low </a:t>
+            </a:r>
+            <a:r>
+              <a:rPr lang="en-US" sz="1600" b="1" dirty="0" err="1" smtClean="0">
+                <a:solidFill>
+                  <a:schemeClr val="tx1"/>
+                </a:solidFill>
+              </a:rPr>
+              <a:t>Freq</a:t>
+            </a:r>
+            <a:r>
+              <a:rPr lang="en-US" sz="1600" dirty="0" smtClean="0">
+                <a:solidFill>
+                  <a:schemeClr val="tx1"/>
+                </a:solidFill>
+              </a:rPr>
+              <a:t>: Low Shelf cutoff frequency, full left lets everything through</a:t>
+            </a:r>
+          </a:p>
+          <a:p>
+            <a:r>
+              <a:rPr lang="en-US" sz="1600" b="1" dirty="0" smtClean="0">
+                <a:solidFill>
+                  <a:schemeClr val="tx1"/>
+                </a:solidFill>
+              </a:rPr>
+              <a:t>High </a:t>
+            </a:r>
+            <a:r>
+              <a:rPr lang="en-US" sz="1600" b="1" dirty="0" err="1" smtClean="0">
+                <a:solidFill>
+                  <a:schemeClr val="tx1"/>
+                </a:solidFill>
+              </a:rPr>
+              <a:t>Freq</a:t>
+            </a:r>
+            <a:r>
+              <a:rPr lang="en-US" sz="1600" b="1" dirty="0" smtClean="0">
+                <a:solidFill>
+                  <a:schemeClr val="tx1"/>
+                </a:solidFill>
+              </a:rPr>
+              <a:t>:</a:t>
+            </a:r>
+            <a:r>
+              <a:rPr lang="en-US" sz="1600" dirty="0" smtClean="0">
+                <a:solidFill>
+                  <a:schemeClr val="tx1"/>
+                </a:solidFill>
+              </a:rPr>
+              <a:t> High Shelf cutoff frequency, full right lets everything through</a:t>
+            </a:r>
+            <a:endParaRPr lang="en-US" sz="1600" b="1" dirty="0" smtClean="0">
+              <a:solidFill>
+                <a:schemeClr val="tx1"/>
+              </a:solidFill>
+            </a:endParaRPr>
+          </a:p>
+        </p:txBody>
+      </p:sp>
+      <p:sp>
+        <p:nvSpPr>
+          <p:cNvPr id="56" name="Rectangle 55"/>
+          <p:cNvSpPr/>
+          <p:nvPr/>
+        </p:nvSpPr>
+        <p:spPr>
+          <a:xfrm>
+            <a:off x="7609878" y="1944093"/>
+            <a:ext cx="4014544" cy="1206011"/>
+          </a:xfrm>
+          <a:prstGeom prst="rect">
+            <a:avLst/>
+          </a:prstGeom>
+        </p:spPr>
+        <p:style>
+          <a:lnRef idx="2">
+            <a:schemeClr val="dk1">
+              <a:shade val="50000"/>
+            </a:schemeClr>
+          </a:lnRef>
+          <a:fillRef idx="1003">
+            <a:schemeClr val="lt1"/>
+          </a:fillRef>
+          <a:effectRef idx="0">
+            <a:schemeClr val="dk1"/>
+          </a:effectRef>
+          <a:fontRef idx="minor">
+            <a:schemeClr val="lt1"/>
+          </a:fontRef>
+        </p:style>
+        <p:txBody>
+          <a:bodyPr rtlCol="0" anchor="ctr"/>
+          <a:lstStyle/>
+          <a:p>
+            <a:r>
+              <a:rPr lang="en-US" sz="1600" b="1" dirty="0" smtClean="0">
+                <a:solidFill>
+                  <a:schemeClr val="tx1"/>
+                </a:solidFill>
+              </a:rPr>
+              <a:t>Mix: </a:t>
+            </a:r>
+            <a:r>
+              <a:rPr lang="en-US" sz="1600" dirty="0" smtClean="0">
+                <a:solidFill>
+                  <a:schemeClr val="tx1"/>
+                </a:solidFill>
+              </a:rPr>
+              <a:t>Dry/Wet mix knob</a:t>
+            </a:r>
+          </a:p>
+          <a:p>
+            <a:r>
+              <a:rPr lang="en-US" sz="1600" b="1" dirty="0" smtClean="0">
+                <a:solidFill>
+                  <a:schemeClr val="tx1"/>
+                </a:solidFill>
+              </a:rPr>
+              <a:t>Low Shelf</a:t>
+            </a:r>
+            <a:r>
+              <a:rPr lang="en-US" sz="1600" dirty="0" smtClean="0">
+                <a:solidFill>
+                  <a:schemeClr val="tx1"/>
+                </a:solidFill>
+              </a:rPr>
+              <a:t>: Low shelf filter gain cut, left is </a:t>
+            </a:r>
+            <a:r>
+              <a:rPr lang="en-US" sz="1600" dirty="0" err="1" smtClean="0">
+                <a:solidFill>
+                  <a:schemeClr val="tx1"/>
+                </a:solidFill>
+              </a:rPr>
+              <a:t>inf</a:t>
+            </a:r>
+            <a:r>
+              <a:rPr lang="en-US" sz="1600" dirty="0" smtClean="0">
+                <a:solidFill>
+                  <a:schemeClr val="tx1"/>
+                </a:solidFill>
+              </a:rPr>
+              <a:t>, right is 0.0Db gain</a:t>
+            </a:r>
+          </a:p>
+          <a:p>
+            <a:r>
+              <a:rPr lang="en-US" sz="1600" b="1" dirty="0" smtClean="0">
+                <a:solidFill>
+                  <a:schemeClr val="tx1"/>
+                </a:solidFill>
+              </a:rPr>
+              <a:t>High Shelf</a:t>
+            </a:r>
+            <a:r>
+              <a:rPr lang="en-US" sz="1600" dirty="0" smtClean="0">
+                <a:solidFill>
+                  <a:schemeClr val="tx1"/>
+                </a:solidFill>
+              </a:rPr>
+              <a:t>: High shelf filter </a:t>
+            </a:r>
+            <a:r>
+              <a:rPr lang="en-US" sz="1600" dirty="0" err="1" smtClean="0">
+                <a:solidFill>
+                  <a:schemeClr val="tx1"/>
+                </a:solidFill>
+              </a:rPr>
+              <a:t>gian</a:t>
+            </a:r>
+            <a:r>
+              <a:rPr lang="en-US" sz="1600" dirty="0" smtClean="0">
+                <a:solidFill>
+                  <a:schemeClr val="tx1"/>
+                </a:solidFill>
+              </a:rPr>
+              <a:t> cut, left is </a:t>
+            </a:r>
+            <a:r>
+              <a:rPr lang="en-US" sz="1600" dirty="0" err="1" smtClean="0">
+                <a:solidFill>
+                  <a:schemeClr val="tx1"/>
+                </a:solidFill>
+              </a:rPr>
+              <a:t>inf</a:t>
+            </a:r>
+            <a:r>
+              <a:rPr lang="en-US" sz="1600" dirty="0" smtClean="0">
+                <a:solidFill>
+                  <a:schemeClr val="tx1"/>
+                </a:solidFill>
+              </a:rPr>
+              <a:t>, right is 0.0Db gain</a:t>
+            </a:r>
+            <a:endParaRPr lang="en-US" sz="1600" dirty="0">
+              <a:solidFill>
+                <a:schemeClr val="bg1"/>
+              </a:solidFill>
+            </a:endParaRPr>
+          </a:p>
+        </p:txBody>
+      </p:sp>
+      <p:sp>
+        <p:nvSpPr>
+          <p:cNvPr id="57" name="Rectangle 56"/>
+          <p:cNvSpPr/>
+          <p:nvPr/>
+        </p:nvSpPr>
+        <p:spPr>
+          <a:xfrm>
+            <a:off x="1036997" y="3168170"/>
+            <a:ext cx="3250889" cy="1141089"/>
+          </a:xfrm>
+          <a:prstGeom prst="rect">
+            <a:avLst/>
+          </a:prstGeom>
+        </p:spPr>
+        <p:style>
+          <a:lnRef idx="2">
+            <a:schemeClr val="dk1">
+              <a:shade val="50000"/>
+            </a:schemeClr>
+          </a:lnRef>
+          <a:fillRef idx="1003">
+            <a:schemeClr val="dk1"/>
+          </a:fillRef>
+          <a:effectRef idx="0">
+            <a:schemeClr val="dk1"/>
+          </a:effectRef>
+          <a:fontRef idx="minor">
+            <a:schemeClr val="lt1"/>
+          </a:fontRef>
+        </p:style>
+        <p:txBody>
+          <a:bodyPr rtlCol="0" anchor="ctr"/>
+          <a:lstStyle/>
+          <a:p>
+            <a:r>
+              <a:rPr lang="en-US" sz="1600" b="1" dirty="0" smtClean="0">
+                <a:solidFill>
+                  <a:schemeClr val="bg1"/>
+                </a:solidFill>
+              </a:rPr>
+              <a:t>Lushness Switch</a:t>
+            </a:r>
+          </a:p>
+          <a:p>
+            <a:r>
+              <a:rPr lang="en-US" sz="1600" b="1" dirty="0" smtClean="0">
+                <a:solidFill>
+                  <a:schemeClr val="bg1"/>
+                </a:solidFill>
+              </a:rPr>
+              <a:t>  Left:  Low lush, delay-like reverb</a:t>
+            </a:r>
+          </a:p>
+          <a:p>
+            <a:r>
+              <a:rPr lang="en-US" sz="1600" b="1" dirty="0">
+                <a:solidFill>
+                  <a:schemeClr val="bg1"/>
+                </a:solidFill>
+              </a:rPr>
+              <a:t> </a:t>
+            </a:r>
+            <a:r>
+              <a:rPr lang="en-US" sz="1600" b="1" dirty="0" smtClean="0">
+                <a:solidFill>
+                  <a:schemeClr val="bg1"/>
+                </a:solidFill>
+              </a:rPr>
+              <a:t> Center: Medium lushness</a:t>
+            </a:r>
+          </a:p>
+          <a:p>
+            <a:r>
+              <a:rPr lang="en-US" sz="1600" b="1" dirty="0">
+                <a:solidFill>
+                  <a:schemeClr val="bg1"/>
+                </a:solidFill>
+              </a:rPr>
+              <a:t> </a:t>
+            </a:r>
+            <a:r>
+              <a:rPr lang="en-US" sz="1600" b="1" dirty="0" smtClean="0">
+                <a:solidFill>
+                  <a:schemeClr val="bg1"/>
+                </a:solidFill>
+              </a:rPr>
+              <a:t> Right:  High, lots of diffusion</a:t>
+            </a:r>
+          </a:p>
+        </p:txBody>
+      </p:sp>
+      <p:sp>
+        <p:nvSpPr>
+          <p:cNvPr id="58" name="Rectangle 57"/>
+          <p:cNvSpPr/>
+          <p:nvPr/>
+        </p:nvSpPr>
+        <p:spPr>
+          <a:xfrm>
+            <a:off x="1231978" y="4351629"/>
+            <a:ext cx="3034908" cy="1141089"/>
+          </a:xfrm>
+          <a:prstGeom prst="rect">
+            <a:avLst/>
+          </a:prstGeom>
+        </p:spPr>
+        <p:style>
+          <a:lnRef idx="2">
+            <a:schemeClr val="dk1">
+              <a:shade val="50000"/>
+            </a:schemeClr>
+          </a:lnRef>
+          <a:fillRef idx="1003">
+            <a:schemeClr val="dk1"/>
+          </a:fillRef>
+          <a:effectRef idx="0">
+            <a:schemeClr val="dk1"/>
+          </a:effectRef>
+          <a:fontRef idx="minor">
+            <a:schemeClr val="lt1"/>
+          </a:fontRef>
+        </p:style>
+        <p:txBody>
+          <a:bodyPr rtlCol="0" anchor="ctr"/>
+          <a:lstStyle/>
+          <a:p>
+            <a:r>
+              <a:rPr lang="en-US" sz="1600" b="1" dirty="0" smtClean="0">
+                <a:solidFill>
+                  <a:schemeClr val="bg1"/>
+                </a:solidFill>
+              </a:rPr>
+              <a:t>Modulation </a:t>
+            </a:r>
+            <a:r>
+              <a:rPr lang="en-US" sz="1600" b="1" dirty="0" smtClean="0">
+                <a:solidFill>
+                  <a:schemeClr val="bg1"/>
+                </a:solidFill>
+              </a:rPr>
+              <a:t>Switch</a:t>
+            </a:r>
+          </a:p>
+          <a:p>
+            <a:r>
+              <a:rPr lang="en-US" sz="1600" b="1" dirty="0" smtClean="0">
+                <a:solidFill>
+                  <a:schemeClr val="bg1"/>
+                </a:solidFill>
+              </a:rPr>
+              <a:t>  Left:  Low mod amount/rate</a:t>
+            </a:r>
+          </a:p>
+          <a:p>
+            <a:r>
+              <a:rPr lang="en-US" sz="1600" b="1" dirty="0" smtClean="0">
+                <a:solidFill>
+                  <a:schemeClr val="bg1"/>
+                </a:solidFill>
+              </a:rPr>
+              <a:t>  Center: Med mod amount/rate</a:t>
+            </a:r>
+          </a:p>
+          <a:p>
+            <a:r>
+              <a:rPr lang="en-US" sz="1600" b="1" dirty="0" smtClean="0">
+                <a:solidFill>
+                  <a:schemeClr val="bg1"/>
+                </a:solidFill>
+              </a:rPr>
+              <a:t>  Right:  High mod amount/rate</a:t>
+            </a:r>
+          </a:p>
+        </p:txBody>
+      </p:sp>
+      <p:sp>
+        <p:nvSpPr>
+          <p:cNvPr id="59" name="Rectangle 58"/>
+          <p:cNvSpPr/>
+          <p:nvPr/>
+        </p:nvSpPr>
+        <p:spPr>
+          <a:xfrm>
+            <a:off x="7628237" y="3306313"/>
+            <a:ext cx="3034908" cy="1141089"/>
+          </a:xfrm>
+          <a:prstGeom prst="rect">
+            <a:avLst/>
+          </a:prstGeom>
+        </p:spPr>
+        <p:style>
+          <a:lnRef idx="2">
+            <a:schemeClr val="dk1">
+              <a:shade val="50000"/>
+            </a:schemeClr>
+          </a:lnRef>
+          <a:fillRef idx="1003">
+            <a:schemeClr val="dk1"/>
+          </a:fillRef>
+          <a:effectRef idx="0">
+            <a:schemeClr val="dk1"/>
+          </a:effectRef>
+          <a:fontRef idx="minor">
+            <a:schemeClr val="lt1"/>
+          </a:fontRef>
+        </p:style>
+        <p:txBody>
+          <a:bodyPr rtlCol="0" anchor="ctr"/>
+          <a:lstStyle/>
+          <a:p>
+            <a:r>
+              <a:rPr lang="en-US" sz="1600" b="1" dirty="0" err="1" smtClean="0">
+                <a:solidFill>
+                  <a:schemeClr val="bg1"/>
+                </a:solidFill>
+              </a:rPr>
+              <a:t>PreDelay</a:t>
+            </a:r>
+            <a:r>
+              <a:rPr lang="en-US" sz="1600" b="1" dirty="0" smtClean="0">
+                <a:solidFill>
+                  <a:schemeClr val="bg1"/>
+                </a:solidFill>
+              </a:rPr>
+              <a:t>:</a:t>
+            </a:r>
+          </a:p>
+          <a:p>
+            <a:r>
+              <a:rPr lang="en-US" sz="1600" b="1" dirty="0" smtClean="0">
+                <a:solidFill>
+                  <a:schemeClr val="bg1"/>
+                </a:solidFill>
+              </a:rPr>
+              <a:t>  Left:  no </a:t>
+            </a:r>
+            <a:r>
+              <a:rPr lang="en-US" sz="1600" b="1" dirty="0" err="1" smtClean="0">
+                <a:solidFill>
+                  <a:schemeClr val="bg1"/>
+                </a:solidFill>
+              </a:rPr>
+              <a:t>predelay</a:t>
+            </a:r>
+            <a:endParaRPr lang="en-US" sz="1600" b="1" dirty="0" smtClean="0">
+              <a:solidFill>
+                <a:schemeClr val="bg1"/>
+              </a:solidFill>
+            </a:endParaRPr>
+          </a:p>
+          <a:p>
+            <a:r>
+              <a:rPr lang="en-US" sz="1600" b="1" dirty="0" smtClean="0">
+                <a:solidFill>
+                  <a:schemeClr val="bg1"/>
+                </a:solidFill>
+              </a:rPr>
+              <a:t>  Center: 100ms </a:t>
+            </a:r>
+            <a:r>
+              <a:rPr lang="en-US" sz="1600" b="1" dirty="0" err="1" smtClean="0">
+                <a:solidFill>
+                  <a:schemeClr val="bg1"/>
+                </a:solidFill>
+              </a:rPr>
+              <a:t>predelay</a:t>
+            </a:r>
+            <a:endParaRPr lang="en-US" sz="1600" b="1" dirty="0" smtClean="0">
+              <a:solidFill>
+                <a:schemeClr val="bg1"/>
+              </a:solidFill>
+            </a:endParaRPr>
+          </a:p>
+          <a:p>
+            <a:r>
+              <a:rPr lang="en-US" sz="1600" b="1" dirty="0" smtClean="0">
+                <a:solidFill>
+                  <a:schemeClr val="bg1"/>
+                </a:solidFill>
+              </a:rPr>
+              <a:t>  Right:  200ms </a:t>
+            </a:r>
+            <a:r>
+              <a:rPr lang="en-US" sz="1600" b="1" dirty="0" err="1" smtClean="0">
+                <a:solidFill>
+                  <a:schemeClr val="bg1"/>
+                </a:solidFill>
+              </a:rPr>
+              <a:t>predelay</a:t>
+            </a:r>
+            <a:endParaRPr lang="en-US" sz="1600" b="1" dirty="0" smtClean="0">
+              <a:solidFill>
+                <a:schemeClr val="bg1"/>
+              </a:solidFill>
+            </a:endParaRPr>
+          </a:p>
+        </p:txBody>
+      </p:sp>
+      <p:sp>
+        <p:nvSpPr>
+          <p:cNvPr id="60" name="Rectangle 59"/>
+          <p:cNvSpPr/>
+          <p:nvPr/>
+        </p:nvSpPr>
+        <p:spPr>
+          <a:xfrm>
+            <a:off x="7628236" y="4711922"/>
+            <a:ext cx="3720483" cy="810200"/>
+          </a:xfrm>
+          <a:prstGeom prst="rect">
+            <a:avLst/>
+          </a:prstGeom>
+        </p:spPr>
+        <p:style>
+          <a:lnRef idx="2">
+            <a:schemeClr val="dk1">
+              <a:shade val="50000"/>
+            </a:schemeClr>
+          </a:lnRef>
+          <a:fillRef idx="1001">
+            <a:schemeClr val="dk2"/>
+          </a:fillRef>
+          <a:effectRef idx="0">
+            <a:schemeClr val="dk1"/>
+          </a:effectRef>
+          <a:fontRef idx="minor">
+            <a:schemeClr val="lt1"/>
+          </a:fontRef>
+        </p:style>
+        <p:txBody>
+          <a:bodyPr rtlCol="0" anchor="ctr"/>
+          <a:lstStyle/>
+          <a:p>
+            <a:r>
+              <a:rPr lang="en-US" sz="1600" b="1" dirty="0" smtClean="0">
+                <a:solidFill>
+                  <a:schemeClr val="bg1"/>
+                </a:solidFill>
+              </a:rPr>
+              <a:t>Dip Switches:</a:t>
+            </a:r>
+          </a:p>
+          <a:p>
+            <a:r>
+              <a:rPr lang="en-US" sz="1600" b="1" dirty="0" smtClean="0">
+                <a:solidFill>
+                  <a:schemeClr val="bg1"/>
+                </a:solidFill>
+              </a:rPr>
+              <a:t>  1: Stereo / MISO (Mono in Stereo out)</a:t>
+            </a:r>
+          </a:p>
+          <a:p>
+            <a:r>
+              <a:rPr lang="en-US" sz="1600" b="1" dirty="0" smtClean="0">
+                <a:solidFill>
+                  <a:schemeClr val="bg1"/>
+                </a:solidFill>
+              </a:rPr>
+              <a:t>  2: N/A</a:t>
+            </a:r>
+          </a:p>
+        </p:txBody>
+      </p:sp>
+      <p:sp>
+        <p:nvSpPr>
+          <p:cNvPr id="61" name="Rectangle 60"/>
+          <p:cNvSpPr/>
+          <p:nvPr/>
+        </p:nvSpPr>
+        <p:spPr>
+          <a:xfrm>
+            <a:off x="2306320" y="5986047"/>
+            <a:ext cx="3549309" cy="774200"/>
+          </a:xfrm>
+          <a:prstGeom prst="rect">
+            <a:avLst/>
+          </a:prstGeom>
+        </p:spPr>
+        <p:style>
+          <a:lnRef idx="2">
+            <a:schemeClr val="dk1">
+              <a:shade val="50000"/>
+            </a:schemeClr>
+          </a:lnRef>
+          <a:fillRef idx="1001">
+            <a:schemeClr val="dk2"/>
+          </a:fillRef>
+          <a:effectRef idx="0">
+            <a:schemeClr val="dk1"/>
+          </a:effectRef>
+          <a:fontRef idx="minor">
+            <a:schemeClr val="lt1"/>
+          </a:fontRef>
+        </p:style>
+        <p:txBody>
+          <a:bodyPr rtlCol="0" anchor="ctr"/>
+          <a:lstStyle/>
+          <a:p>
+            <a:r>
+              <a:rPr lang="en-US" sz="1600" b="1" dirty="0" smtClean="0">
+                <a:solidFill>
+                  <a:schemeClr val="bg1"/>
+                </a:solidFill>
+              </a:rPr>
+              <a:t>Left Footswitch: Bypass/Engage, hold to engage alternate mode (indicated by dimmed LED)</a:t>
+            </a:r>
+          </a:p>
+        </p:txBody>
+      </p:sp>
+      <p:sp>
+        <p:nvSpPr>
+          <p:cNvPr id="62" name="Rectangle 61"/>
+          <p:cNvSpPr/>
+          <p:nvPr/>
+        </p:nvSpPr>
+        <p:spPr>
+          <a:xfrm>
+            <a:off x="6585109" y="6016736"/>
+            <a:ext cx="3910171" cy="820299"/>
+          </a:xfrm>
+          <a:prstGeom prst="rect">
+            <a:avLst/>
+          </a:prstGeom>
+        </p:spPr>
+        <p:style>
+          <a:lnRef idx="2">
+            <a:schemeClr val="dk1">
+              <a:shade val="50000"/>
+            </a:schemeClr>
+          </a:lnRef>
+          <a:fillRef idx="1001">
+            <a:schemeClr val="dk2"/>
+          </a:fillRef>
+          <a:effectRef idx="0">
+            <a:schemeClr val="dk1"/>
+          </a:effectRef>
+          <a:fontRef idx="minor">
+            <a:schemeClr val="lt1"/>
+          </a:fontRef>
+        </p:style>
+        <p:txBody>
+          <a:bodyPr rtlCol="0" anchor="ctr"/>
+          <a:lstStyle/>
+          <a:p>
+            <a:r>
+              <a:rPr lang="en-US" sz="1600" b="1" dirty="0" smtClean="0">
+                <a:solidFill>
+                  <a:schemeClr val="bg1"/>
+                </a:solidFill>
+              </a:rPr>
+              <a:t>Right Footswitch: Freeze – holds the current holds current reverb decay, drops when released.</a:t>
+            </a:r>
+          </a:p>
+        </p:txBody>
+      </p:sp>
+      <p:sp>
+        <p:nvSpPr>
+          <p:cNvPr id="63" name="Rectangle 62"/>
+          <p:cNvSpPr/>
+          <p:nvPr/>
+        </p:nvSpPr>
+        <p:spPr>
+          <a:xfrm>
+            <a:off x="531745" y="176575"/>
+            <a:ext cx="3410335" cy="1273821"/>
+          </a:xfrm>
+          <a:prstGeom prst="rect">
+            <a:avLst/>
+          </a:prstGeom>
+          <a:ln/>
+        </p:spPr>
+        <p:style>
+          <a:lnRef idx="1">
+            <a:schemeClr val="accent5"/>
+          </a:lnRef>
+          <a:fillRef idx="2">
+            <a:schemeClr val="accent5"/>
+          </a:fillRef>
+          <a:effectRef idx="1">
+            <a:schemeClr val="accent5"/>
+          </a:effectRef>
+          <a:fontRef idx="minor">
+            <a:schemeClr val="dk1"/>
+          </a:fontRef>
+        </p:style>
+        <p:txBody>
+          <a:bodyPr rtlCol="0" anchor="ctr"/>
+          <a:lstStyle/>
+          <a:p>
+            <a:r>
+              <a:rPr lang="en-US" sz="2800" b="1" dirty="0" smtClean="0">
+                <a:solidFill>
+                  <a:schemeClr val="tx1"/>
+                </a:solidFill>
+              </a:rPr>
+              <a:t>Jupiter </a:t>
+            </a:r>
+            <a:r>
+              <a:rPr lang="en-US" sz="1600" b="1" dirty="0" smtClean="0">
+                <a:solidFill>
+                  <a:schemeClr val="tx1"/>
+                </a:solidFill>
+              </a:rPr>
+              <a:t>is a </a:t>
+            </a:r>
+            <a:r>
+              <a:rPr lang="en-US" sz="2800" b="1" dirty="0" smtClean="0">
+                <a:solidFill>
+                  <a:schemeClr val="tx1"/>
+                </a:solidFill>
+              </a:rPr>
+              <a:t>Reverb </a:t>
+            </a:r>
+            <a:r>
+              <a:rPr lang="en-US" sz="1600" b="1" dirty="0" smtClean="0">
+                <a:solidFill>
+                  <a:schemeClr val="tx1"/>
+                </a:solidFill>
+              </a:rPr>
+              <a:t>pedal with a focus on </a:t>
+            </a:r>
+            <a:r>
+              <a:rPr lang="en-US" sz="2800" b="1" dirty="0" smtClean="0">
+                <a:solidFill>
+                  <a:schemeClr val="tx1"/>
+                </a:solidFill>
+              </a:rPr>
+              <a:t> </a:t>
+            </a:r>
+            <a:r>
+              <a:rPr lang="en-US" sz="2400" b="1" dirty="0" smtClean="0">
+                <a:solidFill>
+                  <a:schemeClr val="tx1"/>
+                </a:solidFill>
+              </a:rPr>
+              <a:t>EQ </a:t>
+            </a:r>
+            <a:r>
+              <a:rPr lang="en-US" sz="1600" b="1" dirty="0" smtClean="0">
+                <a:solidFill>
+                  <a:schemeClr val="tx1"/>
+                </a:solidFill>
+              </a:rPr>
+              <a:t>for shaping unique and impossible spaces.</a:t>
+            </a:r>
+          </a:p>
+        </p:txBody>
+      </p:sp>
+      <p:sp>
+        <p:nvSpPr>
+          <p:cNvPr id="64" name="Rectangle 63"/>
+          <p:cNvSpPr/>
+          <p:nvPr/>
+        </p:nvSpPr>
+        <p:spPr>
+          <a:xfrm>
+            <a:off x="7596222" y="745832"/>
+            <a:ext cx="2670623" cy="963907"/>
+          </a:xfrm>
+          <a:prstGeom prst="rect">
+            <a:avLst/>
+          </a:prstGeom>
+          <a:ln/>
+        </p:spPr>
+        <p:style>
+          <a:lnRef idx="1">
+            <a:schemeClr val="accent5"/>
+          </a:lnRef>
+          <a:fillRef idx="2">
+            <a:schemeClr val="accent5"/>
+          </a:fillRef>
+          <a:effectRef idx="1">
+            <a:schemeClr val="accent5"/>
+          </a:effectRef>
+          <a:fontRef idx="minor">
+            <a:schemeClr val="dk1"/>
+          </a:fontRef>
+        </p:style>
+        <p:txBody>
+          <a:bodyPr rtlCol="0" anchor="ctr"/>
+          <a:lstStyle/>
+          <a:p>
+            <a:r>
+              <a:rPr lang="en-US" sz="1600" b="1" dirty="0" smtClean="0">
+                <a:solidFill>
+                  <a:schemeClr val="tx1"/>
+                </a:solidFill>
+              </a:rPr>
+              <a:t>Stereo In/Out Processing</a:t>
+            </a:r>
+          </a:p>
+          <a:p>
+            <a:r>
+              <a:rPr lang="en-US" sz="1600" b="1" dirty="0" smtClean="0">
+                <a:solidFill>
+                  <a:schemeClr val="tx1"/>
+                </a:solidFill>
+              </a:rPr>
+              <a:t>(MISO or Stereo)</a:t>
+            </a:r>
+            <a:endParaRPr lang="en-US" sz="1600" b="1" dirty="0">
+              <a:solidFill>
+                <a:schemeClr val="tx1"/>
+              </a:solidFill>
+            </a:endParaRPr>
+          </a:p>
+        </p:txBody>
+      </p:sp>
+      <p:cxnSp>
+        <p:nvCxnSpPr>
+          <p:cNvPr id="65" name="Straight Arrow Connector 64"/>
+          <p:cNvCxnSpPr>
+            <a:stCxn id="55" idx="3"/>
+          </p:cNvCxnSpPr>
+          <p:nvPr/>
+        </p:nvCxnSpPr>
+        <p:spPr>
+          <a:xfrm flipV="1">
+            <a:off x="4266886" y="2094330"/>
+            <a:ext cx="362267" cy="259654"/>
+          </a:xfrm>
+          <a:prstGeom prst="straightConnector1">
+            <a:avLst/>
+          </a:prstGeom>
+          <a:ln>
+            <a:tailEnd type="triangle"/>
+          </a:ln>
+        </p:spPr>
+        <p:style>
+          <a:lnRef idx="3">
+            <a:schemeClr val="dk1"/>
+          </a:lnRef>
+          <a:fillRef idx="0">
+            <a:schemeClr val="dk1"/>
+          </a:fillRef>
+          <a:effectRef idx="2">
+            <a:schemeClr val="dk1"/>
+          </a:effectRef>
+          <a:fontRef idx="minor">
+            <a:schemeClr val="tx1"/>
+          </a:fontRef>
+        </p:style>
+      </p:cxnSp>
+      <p:cxnSp>
+        <p:nvCxnSpPr>
+          <p:cNvPr id="66" name="Straight Arrow Connector 65"/>
+          <p:cNvCxnSpPr/>
+          <p:nvPr/>
+        </p:nvCxnSpPr>
+        <p:spPr>
+          <a:xfrm flipH="1">
+            <a:off x="7268295" y="3052004"/>
+            <a:ext cx="341583" cy="0"/>
+          </a:xfrm>
+          <a:prstGeom prst="straightConnector1">
+            <a:avLst/>
+          </a:prstGeom>
+          <a:ln>
+            <a:tailEnd type="triangle"/>
+          </a:ln>
+        </p:spPr>
+        <p:style>
+          <a:lnRef idx="3">
+            <a:schemeClr val="dk1"/>
+          </a:lnRef>
+          <a:fillRef idx="0">
+            <a:schemeClr val="dk1"/>
+          </a:fillRef>
+          <a:effectRef idx="2">
+            <a:schemeClr val="dk1"/>
+          </a:effectRef>
+          <a:fontRef idx="minor">
+            <a:schemeClr val="tx1"/>
+          </a:fontRef>
+        </p:style>
+      </p:cxnSp>
+      <p:cxnSp>
+        <p:nvCxnSpPr>
+          <p:cNvPr id="67" name="Straight Arrow Connector 66"/>
+          <p:cNvCxnSpPr/>
+          <p:nvPr/>
+        </p:nvCxnSpPr>
+        <p:spPr>
+          <a:xfrm>
+            <a:off x="4296534" y="3941322"/>
+            <a:ext cx="570112" cy="12433"/>
+          </a:xfrm>
+          <a:prstGeom prst="straightConnector1">
+            <a:avLst/>
+          </a:prstGeom>
+          <a:ln>
+            <a:tailEnd type="triangle"/>
+          </a:ln>
+        </p:spPr>
+        <p:style>
+          <a:lnRef idx="3">
+            <a:schemeClr val="dk1"/>
+          </a:lnRef>
+          <a:fillRef idx="0">
+            <a:schemeClr val="dk1"/>
+          </a:fillRef>
+          <a:effectRef idx="2">
+            <a:schemeClr val="dk1"/>
+          </a:effectRef>
+          <a:fontRef idx="minor">
+            <a:schemeClr val="tx1"/>
+          </a:fontRef>
+        </p:style>
+      </p:cxnSp>
+      <p:cxnSp>
+        <p:nvCxnSpPr>
+          <p:cNvPr id="68" name="Straight Arrow Connector 67"/>
+          <p:cNvCxnSpPr/>
+          <p:nvPr/>
+        </p:nvCxnSpPr>
+        <p:spPr>
+          <a:xfrm flipH="1" flipV="1">
+            <a:off x="7009724" y="3995871"/>
+            <a:ext cx="618513" cy="7881"/>
+          </a:xfrm>
+          <a:prstGeom prst="straightConnector1">
+            <a:avLst/>
+          </a:prstGeom>
+          <a:ln>
+            <a:tailEnd type="triangle"/>
+          </a:ln>
+        </p:spPr>
+        <p:style>
+          <a:lnRef idx="3">
+            <a:schemeClr val="dk1"/>
+          </a:lnRef>
+          <a:fillRef idx="0">
+            <a:schemeClr val="dk1"/>
+          </a:fillRef>
+          <a:effectRef idx="2">
+            <a:schemeClr val="dk1"/>
+          </a:effectRef>
+          <a:fontRef idx="minor">
+            <a:schemeClr val="tx1"/>
+          </a:fontRef>
+        </p:style>
+      </p:cxnSp>
+      <p:cxnSp>
+        <p:nvCxnSpPr>
+          <p:cNvPr id="69" name="Elbow Connector 68"/>
+          <p:cNvCxnSpPr/>
+          <p:nvPr/>
+        </p:nvCxnSpPr>
+        <p:spPr>
+          <a:xfrm flipV="1">
+            <a:off x="4296053" y="3963112"/>
+            <a:ext cx="1400247" cy="567633"/>
+          </a:xfrm>
+          <a:prstGeom prst="bentConnector3">
+            <a:avLst>
+              <a:gd name="adj1" fmla="val 83332"/>
+            </a:avLst>
+          </a:prstGeom>
+          <a:ln>
+            <a:tailEnd type="triangle"/>
+          </a:ln>
+        </p:spPr>
+        <p:style>
+          <a:lnRef idx="3">
+            <a:schemeClr val="dk1"/>
+          </a:lnRef>
+          <a:fillRef idx="0">
+            <a:schemeClr val="dk1"/>
+          </a:fillRef>
+          <a:effectRef idx="2">
+            <a:schemeClr val="dk1"/>
+          </a:effectRef>
+          <a:fontRef idx="minor">
+            <a:schemeClr val="tx1"/>
+          </a:fontRef>
+        </p:style>
+      </p:cxnSp>
+      <p:sp>
+        <p:nvSpPr>
+          <p:cNvPr id="70" name="Rectangle 69"/>
+          <p:cNvSpPr/>
+          <p:nvPr/>
+        </p:nvSpPr>
+        <p:spPr>
+          <a:xfrm>
+            <a:off x="7215630" y="4337891"/>
+            <a:ext cx="45719" cy="303523"/>
+          </a:xfrm>
+          <a:prstGeom prst="rect">
+            <a:avLst/>
+          </a:prstGeom>
+        </p:spPr>
+        <p:style>
+          <a:lnRef idx="2">
+            <a:schemeClr val="accent1">
+              <a:shade val="50000"/>
+            </a:schemeClr>
+          </a:lnRef>
+          <a:fillRef idx="1">
+            <a:schemeClr val="accent1"/>
+          </a:fillRef>
+          <a:effectRef idx="0">
+            <a:schemeClr val="accent1"/>
+          </a:effectRef>
+          <a:fontRef idx="minor">
+            <a:schemeClr val="lt1"/>
+          </a:fontRef>
+        </p:style>
+        <p:txBody>
+          <a:bodyPr rtlCol="0" anchor="ctr"/>
+          <a:lstStyle/>
+          <a:p>
+            <a:pPr algn="ctr"/>
+            <a:endParaRPr lang="en-US"/>
+          </a:p>
+        </p:txBody>
+      </p:sp>
+      <p:sp>
+        <p:nvSpPr>
+          <p:cNvPr id="71" name="Rectangle 70"/>
+          <p:cNvSpPr/>
+          <p:nvPr/>
+        </p:nvSpPr>
+        <p:spPr>
+          <a:xfrm>
+            <a:off x="7250162" y="4401258"/>
+            <a:ext cx="54086" cy="51892"/>
+          </a:xfrm>
+          <a:prstGeom prst="rect">
+            <a:avLst/>
+          </a:prstGeom>
+        </p:spPr>
+        <p:style>
+          <a:lnRef idx="2">
+            <a:schemeClr val="dk1"/>
+          </a:lnRef>
+          <a:fillRef idx="1">
+            <a:schemeClr val="lt1"/>
+          </a:fillRef>
+          <a:effectRef idx="0">
+            <a:schemeClr val="dk1"/>
+          </a:effectRef>
+          <a:fontRef idx="minor">
+            <a:schemeClr val="dk1"/>
+          </a:fontRef>
+        </p:style>
+        <p:txBody>
+          <a:bodyPr rtlCol="0" anchor="ctr"/>
+          <a:lstStyle/>
+          <a:p>
+            <a:pPr algn="ctr"/>
+            <a:endParaRPr lang="en-US"/>
+          </a:p>
+        </p:txBody>
+      </p:sp>
+      <p:sp>
+        <p:nvSpPr>
+          <p:cNvPr id="72" name="Rectangle 71"/>
+          <p:cNvSpPr/>
+          <p:nvPr/>
+        </p:nvSpPr>
+        <p:spPr>
+          <a:xfrm>
+            <a:off x="7249642" y="4495390"/>
+            <a:ext cx="54086" cy="51892"/>
+          </a:xfrm>
+          <a:prstGeom prst="rect">
+            <a:avLst/>
+          </a:prstGeom>
+        </p:spPr>
+        <p:style>
+          <a:lnRef idx="2">
+            <a:schemeClr val="dk1"/>
+          </a:lnRef>
+          <a:fillRef idx="1">
+            <a:schemeClr val="lt1"/>
+          </a:fillRef>
+          <a:effectRef idx="0">
+            <a:schemeClr val="dk1"/>
+          </a:effectRef>
+          <a:fontRef idx="minor">
+            <a:schemeClr val="dk1"/>
+          </a:fontRef>
+        </p:style>
+        <p:txBody>
+          <a:bodyPr rtlCol="0" anchor="ctr"/>
+          <a:lstStyle/>
+          <a:p>
+            <a:pPr algn="ctr"/>
+            <a:endParaRPr lang="en-US"/>
+          </a:p>
+        </p:txBody>
+      </p:sp>
+      <p:cxnSp>
+        <p:nvCxnSpPr>
+          <p:cNvPr id="73" name="Straight Arrow Connector 72"/>
+          <p:cNvCxnSpPr/>
+          <p:nvPr/>
+        </p:nvCxnSpPr>
+        <p:spPr>
+          <a:xfrm flipH="1" flipV="1">
+            <a:off x="7325161" y="4614946"/>
+            <a:ext cx="303076" cy="234573"/>
+          </a:xfrm>
+          <a:prstGeom prst="straightConnector1">
+            <a:avLst/>
+          </a:prstGeom>
+          <a:ln>
+            <a:tailEnd type="triangle"/>
+          </a:ln>
+        </p:spPr>
+        <p:style>
+          <a:lnRef idx="3">
+            <a:schemeClr val="dk1"/>
+          </a:lnRef>
+          <a:fillRef idx="0">
+            <a:schemeClr val="dk1"/>
+          </a:fillRef>
+          <a:effectRef idx="2">
+            <a:schemeClr val="dk1"/>
+          </a:effectRef>
+          <a:fontRef idx="minor">
+            <a:schemeClr val="tx1"/>
+          </a:fontRef>
+        </p:style>
+      </p:cxnSp>
+      <p:sp>
+        <p:nvSpPr>
+          <p:cNvPr id="74" name="Rectangle 73"/>
+          <p:cNvSpPr/>
+          <p:nvPr/>
+        </p:nvSpPr>
+        <p:spPr>
+          <a:xfrm>
+            <a:off x="4797481" y="1669911"/>
+            <a:ext cx="744238" cy="1928454"/>
+          </a:xfrm>
+          <a:prstGeom prst="rect">
+            <a:avLst/>
+          </a:prstGeom>
+          <a:noFill/>
+        </p:spPr>
+        <p:style>
+          <a:lnRef idx="2">
+            <a:schemeClr val="dk1">
+              <a:shade val="50000"/>
+            </a:schemeClr>
+          </a:lnRef>
+          <a:fillRef idx="1">
+            <a:schemeClr val="dk1"/>
+          </a:fillRef>
+          <a:effectRef idx="0">
+            <a:schemeClr val="dk1"/>
+          </a:effectRef>
+          <a:fontRef idx="minor">
+            <a:schemeClr val="lt1"/>
+          </a:fontRef>
+        </p:style>
+        <p:txBody>
+          <a:bodyPr rtlCol="0" anchor="ctr"/>
+          <a:lstStyle/>
+          <a:p>
+            <a:pPr algn="ctr"/>
+            <a:endParaRPr lang="en-US"/>
+          </a:p>
+        </p:txBody>
+      </p:sp>
+      <p:sp>
+        <p:nvSpPr>
+          <p:cNvPr id="75" name="TextBox 74"/>
+          <p:cNvSpPr txBox="1"/>
+          <p:nvPr/>
+        </p:nvSpPr>
+        <p:spPr>
+          <a:xfrm rot="16200000">
+            <a:off x="5762599" y="4064989"/>
+            <a:ext cx="410689" cy="461665"/>
+          </a:xfrm>
+          <a:prstGeom prst="rect">
+            <a:avLst/>
+          </a:prstGeom>
+          <a:noFill/>
+        </p:spPr>
+        <p:txBody>
+          <a:bodyPr wrap="none" rtlCol="0">
+            <a:spAutoFit/>
+          </a:bodyPr>
+          <a:lstStyle/>
+          <a:p>
+            <a:pPr algn="ctr"/>
+            <a:r>
+              <a:rPr lang="en-US" sz="800" b="1" dirty="0" smtClean="0">
+                <a:latin typeface="Century Gothic" panose="020B0502020202020204" pitchFamily="34" charset="0"/>
+                <a:cs typeface="Adobe Devanagari" panose="02040503050201020203" pitchFamily="18" charset="0"/>
+              </a:rPr>
+              <a:t>Low</a:t>
+            </a:r>
+          </a:p>
+          <a:p>
+            <a:pPr algn="ctr"/>
+            <a:r>
+              <a:rPr lang="en-US" sz="800" b="1" dirty="0" smtClean="0">
+                <a:latin typeface="Century Gothic" panose="020B0502020202020204" pitchFamily="34" charset="0"/>
+                <a:cs typeface="Adobe Devanagari" panose="02040503050201020203" pitchFamily="18" charset="0"/>
+              </a:rPr>
+              <a:t>Med</a:t>
+            </a:r>
+          </a:p>
+          <a:p>
+            <a:pPr algn="ctr"/>
+            <a:r>
+              <a:rPr lang="en-US" sz="800" b="1" dirty="0" smtClean="0">
+                <a:latin typeface="Century Gothic" panose="020B0502020202020204" pitchFamily="34" charset="0"/>
+                <a:cs typeface="Adobe Devanagari" panose="02040503050201020203" pitchFamily="18" charset="0"/>
+              </a:rPr>
+              <a:t>High</a:t>
+            </a:r>
+          </a:p>
+        </p:txBody>
+      </p:sp>
+      <p:sp>
+        <p:nvSpPr>
+          <p:cNvPr id="76" name="TextBox 75"/>
+          <p:cNvSpPr txBox="1"/>
+          <p:nvPr/>
+        </p:nvSpPr>
+        <p:spPr>
+          <a:xfrm rot="16200000">
+            <a:off x="6583736" y="4064989"/>
+            <a:ext cx="410689" cy="461665"/>
+          </a:xfrm>
+          <a:prstGeom prst="rect">
+            <a:avLst/>
+          </a:prstGeom>
+          <a:noFill/>
+        </p:spPr>
+        <p:txBody>
+          <a:bodyPr wrap="none" rtlCol="0">
+            <a:spAutoFit/>
+          </a:bodyPr>
+          <a:lstStyle/>
+          <a:p>
+            <a:pPr algn="ctr"/>
+            <a:r>
+              <a:rPr lang="en-US" sz="800" b="1" dirty="0" smtClean="0">
+                <a:latin typeface="Century Gothic" panose="020B0502020202020204" pitchFamily="34" charset="0"/>
+                <a:cs typeface="Adobe Devanagari" panose="02040503050201020203" pitchFamily="18" charset="0"/>
+              </a:rPr>
+              <a:t>Low</a:t>
+            </a:r>
+          </a:p>
+          <a:p>
+            <a:pPr algn="ctr"/>
+            <a:r>
+              <a:rPr lang="en-US" sz="800" b="1" dirty="0" smtClean="0">
+                <a:latin typeface="Century Gothic" panose="020B0502020202020204" pitchFamily="34" charset="0"/>
+                <a:cs typeface="Adobe Devanagari" panose="02040503050201020203" pitchFamily="18" charset="0"/>
+              </a:rPr>
+              <a:t>Med</a:t>
+            </a:r>
+          </a:p>
+          <a:p>
+            <a:pPr algn="ctr"/>
+            <a:r>
+              <a:rPr lang="en-US" sz="800" b="1" dirty="0" smtClean="0">
+                <a:latin typeface="Century Gothic" panose="020B0502020202020204" pitchFamily="34" charset="0"/>
+                <a:cs typeface="Adobe Devanagari" panose="02040503050201020203" pitchFamily="18" charset="0"/>
+              </a:rPr>
+              <a:t>High</a:t>
+            </a:r>
+          </a:p>
+        </p:txBody>
+      </p:sp>
+    </p:spTree>
+    <p:extLst>
+      <p:ext uri="{BB962C8B-B14F-4D97-AF65-F5344CB8AC3E}">
+        <p14:creationId xmlns:p14="http://schemas.microsoft.com/office/powerpoint/2010/main" val="2542036424"/>
+      </p:ext>
+    </p:extLst>
+  </p:cSld>
+  <p:clrMapOvr>
+    <a:masterClrMapping/>
+  </p:clrMapOvr>
+</p:sld>
+</file>
+
+<file path=ppt/slides/slide4.xml><?xml version="1.0" encoding="utf-8"?>
+<p:sld xmlns:a="http://schemas.openxmlformats.org/drawingml/2006/main" xmlns:r="http://schemas.openxmlformats.org/officeDocument/2006/relationships" xmlns:p="http://schemas.openxmlformats.org/presentationml/2006/main">
+  <p:cSld>
+    <p:spTree>
+      <p:nvGrpSpPr>
+        <p:cNvPr id="1" name=""/>
+        <p:cNvGrpSpPr/>
+        <p:nvPr/>
+      </p:nvGrpSpPr>
+      <p:grpSpPr>
+        <a:xfrm>
+          <a:off x="0" y="0"/>
+          <a:ext cx="0" cy="0"/>
+          <a:chOff x="0" y="0"/>
+          <a:chExt cx="0" cy="0"/>
+        </a:xfrm>
+      </p:grpSpPr>
+      <p:sp>
+        <p:nvSpPr>
+          <p:cNvPr id="2" name="Rounded Rectangle 1"/>
+          <p:cNvSpPr/>
+          <p:nvPr/>
+        </p:nvSpPr>
+        <p:spPr>
+          <a:xfrm>
+            <a:off x="4687514" y="1221568"/>
+            <a:ext cx="2502100" cy="4599225"/>
+          </a:xfrm>
+          <a:prstGeom prst="roundRect">
+            <a:avLst>
+              <a:gd name="adj" fmla="val 4232"/>
+            </a:avLst>
+          </a:prstGeom>
+          <a:solidFill>
+            <a:srgbClr val="EFEBE5"/>
+          </a:solidFill>
+          <a:ln w="57150"/>
+        </p:spPr>
+        <p:style>
+          <a:lnRef idx="2">
+            <a:schemeClr val="accent1">
+              <a:shade val="50000"/>
+            </a:schemeClr>
+          </a:lnRef>
+          <a:fillRef idx="1">
+            <a:schemeClr val="accent1"/>
+          </a:fillRef>
+          <a:effectRef idx="0">
+            <a:schemeClr val="accent1"/>
+          </a:effectRef>
+          <a:fontRef idx="minor">
+            <a:schemeClr val="lt1"/>
+          </a:fontRef>
+        </p:style>
+        <p:txBody>
+          <a:bodyPr rtlCol="0" anchor="ctr"/>
+          <a:lstStyle/>
+          <a:p>
+            <a:pPr algn="ctr"/>
+            <a:endParaRPr lang="en-US"/>
+          </a:p>
+        </p:txBody>
+      </p:sp>
+      <p:sp>
+        <p:nvSpPr>
+          <p:cNvPr id="3" name="Isosceles Triangle 2"/>
+          <p:cNvSpPr/>
+          <p:nvPr/>
+        </p:nvSpPr>
+        <p:spPr>
+          <a:xfrm>
+            <a:off x="5272231" y="1277448"/>
+            <a:ext cx="160020" cy="144780"/>
+          </a:xfrm>
+          <a:prstGeom prst="triangle">
+            <a:avLst/>
+          </a:prstGeom>
+          <a:solidFill>
+            <a:schemeClr val="tx1"/>
+          </a:solidFill>
+          <a:ln>
+            <a:solidFill>
+              <a:schemeClr val="tx1"/>
+            </a:solidFill>
+          </a:ln>
+        </p:spPr>
+        <p:style>
+          <a:lnRef idx="2">
+            <a:schemeClr val="accent1">
+              <a:shade val="50000"/>
+            </a:schemeClr>
+          </a:lnRef>
+          <a:fillRef idx="1">
+            <a:schemeClr val="accent1"/>
+          </a:fillRef>
+          <a:effectRef idx="0">
+            <a:schemeClr val="accent1"/>
+          </a:effectRef>
+          <a:fontRef idx="minor">
+            <a:schemeClr val="lt1"/>
+          </a:fontRef>
+        </p:style>
+        <p:txBody>
+          <a:bodyPr rtlCol="0" anchor="ctr"/>
+          <a:lstStyle/>
+          <a:p>
+            <a:pPr algn="ctr"/>
+            <a:endParaRPr lang="en-US" dirty="0"/>
+          </a:p>
+        </p:txBody>
+      </p:sp>
+      <p:sp>
+        <p:nvSpPr>
+          <p:cNvPr id="4" name="Isosceles Triangle 3"/>
+          <p:cNvSpPr/>
+          <p:nvPr/>
+        </p:nvSpPr>
+        <p:spPr>
+          <a:xfrm rot="10800000">
+            <a:off x="6477144" y="1277448"/>
+            <a:ext cx="160020" cy="144780"/>
+          </a:xfrm>
+          <a:prstGeom prst="triangle">
+            <a:avLst/>
+          </a:prstGeom>
+          <a:solidFill>
+            <a:schemeClr val="tx1"/>
+          </a:solidFill>
+          <a:ln>
+            <a:solidFill>
+              <a:schemeClr val="tx1"/>
+            </a:solidFill>
+          </a:ln>
+        </p:spPr>
+        <p:style>
+          <a:lnRef idx="2">
+            <a:schemeClr val="accent1">
+              <a:shade val="50000"/>
+            </a:schemeClr>
+          </a:lnRef>
+          <a:fillRef idx="1">
+            <a:schemeClr val="accent1"/>
+          </a:fillRef>
+          <a:effectRef idx="0">
+            <a:schemeClr val="accent1"/>
+          </a:effectRef>
+          <a:fontRef idx="minor">
+            <a:schemeClr val="lt1"/>
+          </a:fontRef>
+        </p:style>
+        <p:txBody>
+          <a:bodyPr rtlCol="0" anchor="ctr"/>
+          <a:lstStyle/>
+          <a:p>
+            <a:pPr algn="ctr"/>
+            <a:endParaRPr lang="en-US" dirty="0"/>
+          </a:p>
+        </p:txBody>
+      </p:sp>
+      <p:sp>
+        <p:nvSpPr>
+          <p:cNvPr id="5" name="Oval 4"/>
+          <p:cNvSpPr/>
+          <p:nvPr/>
+        </p:nvSpPr>
+        <p:spPr>
+          <a:xfrm>
+            <a:off x="4875991" y="1747348"/>
+            <a:ext cx="556260" cy="533400"/>
+          </a:xfrm>
+          <a:prstGeom prst="ellipse">
+            <a:avLst/>
+          </a:prstGeom>
+          <a:ln/>
+        </p:spPr>
+        <p:style>
+          <a:lnRef idx="1">
+            <a:schemeClr val="accent4"/>
+          </a:lnRef>
+          <a:fillRef idx="2">
+            <a:schemeClr val="accent4"/>
+          </a:fillRef>
+          <a:effectRef idx="1">
+            <a:schemeClr val="accent4"/>
+          </a:effectRef>
+          <a:fontRef idx="minor">
+            <a:schemeClr val="dk1"/>
+          </a:fontRef>
+        </p:style>
+        <p:txBody>
+          <a:bodyPr rtlCol="0" anchor="ctr"/>
+          <a:lstStyle/>
+          <a:p>
+            <a:pPr algn="ctr"/>
+            <a:endParaRPr lang="en-US"/>
+          </a:p>
+        </p:txBody>
+      </p:sp>
+      <p:sp>
+        <p:nvSpPr>
+          <p:cNvPr id="6" name="Oval 5"/>
+          <p:cNvSpPr/>
+          <p:nvPr/>
+        </p:nvSpPr>
+        <p:spPr>
+          <a:xfrm>
+            <a:off x="5660434" y="1747348"/>
+            <a:ext cx="556260" cy="533400"/>
+          </a:xfrm>
+          <a:prstGeom prst="ellipse">
+            <a:avLst/>
+          </a:prstGeom>
+          <a:ln/>
+        </p:spPr>
+        <p:style>
+          <a:lnRef idx="1">
+            <a:schemeClr val="accent4"/>
+          </a:lnRef>
+          <a:fillRef idx="2">
+            <a:schemeClr val="accent4"/>
+          </a:fillRef>
+          <a:effectRef idx="1">
+            <a:schemeClr val="accent4"/>
+          </a:effectRef>
+          <a:fontRef idx="minor">
+            <a:schemeClr val="dk1"/>
+          </a:fontRef>
+        </p:style>
+        <p:txBody>
+          <a:bodyPr rtlCol="0" anchor="ctr"/>
+          <a:lstStyle/>
+          <a:p>
+            <a:pPr algn="ctr"/>
+            <a:endParaRPr lang="en-US"/>
+          </a:p>
+        </p:txBody>
+      </p:sp>
+      <p:sp>
+        <p:nvSpPr>
+          <p:cNvPr id="7" name="Oval 6"/>
+          <p:cNvSpPr/>
+          <p:nvPr/>
+        </p:nvSpPr>
+        <p:spPr>
+          <a:xfrm>
+            <a:off x="6457944" y="1747348"/>
+            <a:ext cx="556260" cy="533400"/>
+          </a:xfrm>
+          <a:prstGeom prst="ellipse">
+            <a:avLst/>
+          </a:prstGeom>
+          <a:ln/>
+        </p:spPr>
+        <p:style>
+          <a:lnRef idx="1">
+            <a:schemeClr val="accent4"/>
+          </a:lnRef>
+          <a:fillRef idx="2">
+            <a:schemeClr val="accent4"/>
+          </a:fillRef>
+          <a:effectRef idx="1">
+            <a:schemeClr val="accent4"/>
+          </a:effectRef>
+          <a:fontRef idx="minor">
+            <a:schemeClr val="dk1"/>
+          </a:fontRef>
+        </p:style>
+        <p:txBody>
+          <a:bodyPr rtlCol="0" anchor="ctr"/>
+          <a:lstStyle/>
+          <a:p>
+            <a:pPr algn="ctr"/>
+            <a:endParaRPr lang="en-US"/>
+          </a:p>
+        </p:txBody>
+      </p:sp>
+      <p:sp>
+        <p:nvSpPr>
+          <p:cNvPr id="8" name="Oval 7"/>
+          <p:cNvSpPr/>
+          <p:nvPr/>
+        </p:nvSpPr>
+        <p:spPr>
+          <a:xfrm>
+            <a:off x="4875991" y="2745568"/>
+            <a:ext cx="556260" cy="533400"/>
+          </a:xfrm>
+          <a:prstGeom prst="ellipse">
+            <a:avLst/>
+          </a:prstGeom>
+          <a:solidFill>
+            <a:schemeClr val="bg2">
+              <a:lumMod val="50000"/>
+            </a:schemeClr>
+          </a:solidFill>
+          <a:ln w="28575">
+            <a:solidFill>
+              <a:schemeClr val="tx1"/>
+            </a:solidFill>
+          </a:ln>
+        </p:spPr>
+        <p:style>
+          <a:lnRef idx="2">
+            <a:schemeClr val="accent1">
+              <a:shade val="50000"/>
+            </a:schemeClr>
+          </a:lnRef>
+          <a:fillRef idx="1">
+            <a:schemeClr val="accent1"/>
+          </a:fillRef>
+          <a:effectRef idx="0">
+            <a:schemeClr val="accent1"/>
+          </a:effectRef>
+          <a:fontRef idx="minor">
+            <a:schemeClr val="lt1"/>
+          </a:fontRef>
+        </p:style>
+        <p:txBody>
+          <a:bodyPr rtlCol="0" anchor="ctr"/>
+          <a:lstStyle/>
+          <a:p>
+            <a:pPr algn="ctr"/>
+            <a:endParaRPr lang="en-US"/>
+          </a:p>
+        </p:txBody>
+      </p:sp>
+      <p:sp>
+        <p:nvSpPr>
+          <p:cNvPr id="9" name="Oval 8"/>
+          <p:cNvSpPr/>
+          <p:nvPr/>
+        </p:nvSpPr>
+        <p:spPr>
+          <a:xfrm>
+            <a:off x="5660434" y="2745568"/>
+            <a:ext cx="556260" cy="533400"/>
+          </a:xfrm>
+          <a:prstGeom prst="ellipse">
+            <a:avLst/>
+          </a:prstGeom>
+          <a:solidFill>
+            <a:schemeClr val="bg2">
+              <a:lumMod val="50000"/>
+            </a:schemeClr>
+          </a:solidFill>
+          <a:ln w="28575">
+            <a:solidFill>
+              <a:schemeClr val="tx1"/>
+            </a:solidFill>
+          </a:ln>
+        </p:spPr>
+        <p:style>
+          <a:lnRef idx="2">
+            <a:schemeClr val="accent1">
+              <a:shade val="50000"/>
+            </a:schemeClr>
+          </a:lnRef>
+          <a:fillRef idx="1">
+            <a:schemeClr val="accent1"/>
+          </a:fillRef>
+          <a:effectRef idx="0">
+            <a:schemeClr val="accent1"/>
+          </a:effectRef>
+          <a:fontRef idx="minor">
+            <a:schemeClr val="lt1"/>
+          </a:fontRef>
+        </p:style>
+        <p:txBody>
+          <a:bodyPr rtlCol="0" anchor="ctr"/>
+          <a:lstStyle/>
+          <a:p>
+            <a:pPr algn="ctr"/>
+            <a:endParaRPr lang="en-US"/>
+          </a:p>
+        </p:txBody>
+      </p:sp>
+      <p:sp>
+        <p:nvSpPr>
+          <p:cNvPr id="10" name="Oval 9"/>
+          <p:cNvSpPr/>
+          <p:nvPr/>
+        </p:nvSpPr>
+        <p:spPr>
+          <a:xfrm>
+            <a:off x="6457944" y="2745568"/>
+            <a:ext cx="556260" cy="533400"/>
+          </a:xfrm>
+          <a:prstGeom prst="ellipse">
+            <a:avLst/>
+          </a:prstGeom>
+          <a:solidFill>
+            <a:schemeClr val="bg2">
+              <a:lumMod val="50000"/>
+            </a:schemeClr>
+          </a:solidFill>
+          <a:ln w="28575">
+            <a:solidFill>
+              <a:schemeClr val="tx1"/>
+            </a:solidFill>
+          </a:ln>
+        </p:spPr>
+        <p:style>
+          <a:lnRef idx="2">
+            <a:schemeClr val="accent1">
+              <a:shade val="50000"/>
+            </a:schemeClr>
+          </a:lnRef>
+          <a:fillRef idx="1">
+            <a:schemeClr val="accent1"/>
+          </a:fillRef>
+          <a:effectRef idx="0">
+            <a:schemeClr val="accent1"/>
+          </a:effectRef>
+          <a:fontRef idx="minor">
+            <a:schemeClr val="lt1"/>
+          </a:fontRef>
+        </p:style>
+        <p:txBody>
+          <a:bodyPr rtlCol="0" anchor="ctr"/>
+          <a:lstStyle/>
+          <a:p>
+            <a:pPr algn="ctr"/>
+            <a:endParaRPr lang="en-US"/>
+          </a:p>
+        </p:txBody>
+      </p:sp>
+      <p:sp>
+        <p:nvSpPr>
+          <p:cNvPr id="11" name="Oval 10"/>
+          <p:cNvSpPr/>
+          <p:nvPr/>
+        </p:nvSpPr>
+        <p:spPr>
+          <a:xfrm rot="16200000">
+            <a:off x="5037119" y="3795700"/>
+            <a:ext cx="245746" cy="243840"/>
+          </a:xfrm>
+          <a:prstGeom prst="ellipse">
+            <a:avLst/>
+          </a:prstGeom>
+          <a:ln w="19050">
+            <a:solidFill>
+              <a:schemeClr val="tx1"/>
+            </a:solidFill>
+          </a:ln>
+        </p:spPr>
+        <p:style>
+          <a:lnRef idx="2">
+            <a:schemeClr val="accent1">
+              <a:shade val="50000"/>
+            </a:schemeClr>
+          </a:lnRef>
+          <a:fillRef idx="1">
+            <a:schemeClr val="accent1"/>
+          </a:fillRef>
+          <a:effectRef idx="0">
+            <a:schemeClr val="accent1"/>
+          </a:effectRef>
+          <a:fontRef idx="minor">
+            <a:schemeClr val="lt1"/>
+          </a:fontRef>
+        </p:style>
+        <p:txBody>
+          <a:bodyPr rtlCol="0" anchor="ctr"/>
+          <a:lstStyle/>
+          <a:p>
+            <a:pPr algn="ctr"/>
+            <a:endParaRPr lang="en-US"/>
+          </a:p>
+        </p:txBody>
+      </p:sp>
+      <p:sp>
+        <p:nvSpPr>
+          <p:cNvPr id="12" name="Flowchart: Terminator 11"/>
+          <p:cNvSpPr/>
+          <p:nvPr/>
+        </p:nvSpPr>
+        <p:spPr>
+          <a:xfrm rot="16200000">
+            <a:off x="5017245" y="3807751"/>
+            <a:ext cx="95488" cy="208168"/>
+          </a:xfrm>
+          <a:prstGeom prst="flowChartTerminator">
+            <a:avLst/>
+          </a:prstGeom>
+          <a:ln w="19050">
+            <a:solidFill>
+              <a:schemeClr val="tx1"/>
+            </a:solidFill>
+          </a:ln>
+        </p:spPr>
+        <p:style>
+          <a:lnRef idx="2">
+            <a:schemeClr val="accent1">
+              <a:shade val="50000"/>
+            </a:schemeClr>
+          </a:lnRef>
+          <a:fillRef idx="1">
+            <a:schemeClr val="accent1"/>
+          </a:fillRef>
+          <a:effectRef idx="0">
+            <a:schemeClr val="accent1"/>
+          </a:effectRef>
+          <a:fontRef idx="minor">
+            <a:schemeClr val="lt1"/>
+          </a:fontRef>
+        </p:style>
+        <p:txBody>
+          <a:bodyPr rtlCol="0" anchor="ctr"/>
+          <a:lstStyle/>
+          <a:p>
+            <a:pPr algn="ctr"/>
+            <a:endParaRPr lang="en-US"/>
+          </a:p>
+        </p:txBody>
+      </p:sp>
+      <p:sp>
+        <p:nvSpPr>
+          <p:cNvPr id="13" name="Oval 12"/>
+          <p:cNvSpPr/>
+          <p:nvPr/>
+        </p:nvSpPr>
+        <p:spPr>
+          <a:xfrm>
+            <a:off x="5074110" y="4501971"/>
+            <a:ext cx="160020" cy="150019"/>
+          </a:xfrm>
+          <a:prstGeom prst="ellipse">
+            <a:avLst/>
+          </a:prstGeom>
+        </p:spPr>
+        <p:style>
+          <a:lnRef idx="2">
+            <a:schemeClr val="accent1">
+              <a:shade val="50000"/>
+            </a:schemeClr>
+          </a:lnRef>
+          <a:fillRef idx="1">
+            <a:schemeClr val="accent1"/>
+          </a:fillRef>
+          <a:effectRef idx="0">
+            <a:schemeClr val="accent1"/>
+          </a:effectRef>
+          <a:fontRef idx="minor">
+            <a:schemeClr val="lt1"/>
+          </a:fontRef>
+        </p:style>
+        <p:txBody>
+          <a:bodyPr rtlCol="0" anchor="ctr"/>
+          <a:lstStyle/>
+          <a:p>
+            <a:pPr algn="ctr"/>
+            <a:endParaRPr lang="en-US"/>
+          </a:p>
+        </p:txBody>
+      </p:sp>
+      <p:sp>
+        <p:nvSpPr>
+          <p:cNvPr id="14" name="Oval 13"/>
+          <p:cNvSpPr/>
+          <p:nvPr/>
+        </p:nvSpPr>
+        <p:spPr>
+          <a:xfrm>
+            <a:off x="6625461" y="4501971"/>
+            <a:ext cx="160020" cy="150019"/>
+          </a:xfrm>
+          <a:prstGeom prst="ellipse">
+            <a:avLst/>
+          </a:prstGeom>
+        </p:spPr>
+        <p:style>
+          <a:lnRef idx="2">
+            <a:schemeClr val="accent1">
+              <a:shade val="50000"/>
+            </a:schemeClr>
+          </a:lnRef>
+          <a:fillRef idx="1">
+            <a:schemeClr val="accent1"/>
+          </a:fillRef>
+          <a:effectRef idx="0">
+            <a:schemeClr val="accent1"/>
+          </a:effectRef>
+          <a:fontRef idx="minor">
+            <a:schemeClr val="lt1"/>
+          </a:fontRef>
+        </p:style>
+        <p:txBody>
+          <a:bodyPr rtlCol="0" anchor="ctr"/>
+          <a:lstStyle/>
+          <a:p>
+            <a:pPr algn="ctr"/>
+            <a:endParaRPr lang="en-US"/>
+          </a:p>
+        </p:txBody>
+      </p:sp>
+      <p:sp>
+        <p:nvSpPr>
+          <p:cNvPr id="15" name="Oval 14"/>
+          <p:cNvSpPr/>
+          <p:nvPr/>
+        </p:nvSpPr>
+        <p:spPr>
+          <a:xfrm>
+            <a:off x="4863758" y="5009546"/>
+            <a:ext cx="580727" cy="560414"/>
+          </a:xfrm>
+          <a:prstGeom prst="ellipse">
+            <a:avLst/>
+          </a:prstGeom>
+          <a:ln w="28575">
+            <a:solidFill>
+              <a:schemeClr val="bg2"/>
+            </a:solidFill>
+          </a:ln>
+        </p:spPr>
+        <p:style>
+          <a:lnRef idx="2">
+            <a:schemeClr val="accent1">
+              <a:shade val="50000"/>
+            </a:schemeClr>
+          </a:lnRef>
+          <a:fillRef idx="1">
+            <a:schemeClr val="accent1"/>
+          </a:fillRef>
+          <a:effectRef idx="0">
+            <a:schemeClr val="accent1"/>
+          </a:effectRef>
+          <a:fontRef idx="minor">
+            <a:schemeClr val="lt1"/>
+          </a:fontRef>
+        </p:style>
+        <p:txBody>
+          <a:bodyPr rtlCol="0" anchor="ctr"/>
+          <a:lstStyle/>
+          <a:p>
+            <a:pPr algn="ctr"/>
+            <a:endParaRPr lang="en-US"/>
+          </a:p>
+        </p:txBody>
+      </p:sp>
+      <p:sp>
+        <p:nvSpPr>
+          <p:cNvPr id="16" name="Oval 15"/>
+          <p:cNvSpPr/>
+          <p:nvPr/>
+        </p:nvSpPr>
+        <p:spPr>
+          <a:xfrm>
+            <a:off x="4957086" y="5095929"/>
+            <a:ext cx="394069" cy="380371"/>
+          </a:xfrm>
+          <a:prstGeom prst="ellipse">
+            <a:avLst/>
+          </a:prstGeom>
+          <a:ln w="28575">
+            <a:solidFill>
+              <a:schemeClr val="bg2"/>
+            </a:solidFill>
+          </a:ln>
+        </p:spPr>
+        <p:style>
+          <a:lnRef idx="2">
+            <a:schemeClr val="accent1">
+              <a:shade val="50000"/>
+            </a:schemeClr>
+          </a:lnRef>
+          <a:fillRef idx="1">
+            <a:schemeClr val="accent1"/>
+          </a:fillRef>
+          <a:effectRef idx="0">
+            <a:schemeClr val="accent1"/>
+          </a:effectRef>
+          <a:fontRef idx="minor">
+            <a:schemeClr val="lt1"/>
+          </a:fontRef>
+        </p:style>
+        <p:txBody>
+          <a:bodyPr rtlCol="0" anchor="ctr"/>
+          <a:lstStyle/>
+          <a:p>
+            <a:pPr algn="ctr"/>
+            <a:endParaRPr lang="en-US"/>
+          </a:p>
+        </p:txBody>
+      </p:sp>
+      <p:sp>
+        <p:nvSpPr>
+          <p:cNvPr id="17" name="Oval 16"/>
+          <p:cNvSpPr/>
+          <p:nvPr/>
+        </p:nvSpPr>
+        <p:spPr>
+          <a:xfrm>
+            <a:off x="6422429" y="5000772"/>
+            <a:ext cx="580727" cy="560414"/>
+          </a:xfrm>
+          <a:prstGeom prst="ellipse">
+            <a:avLst/>
+          </a:prstGeom>
+          <a:ln w="28575">
+            <a:solidFill>
+              <a:schemeClr val="bg2"/>
+            </a:solidFill>
+          </a:ln>
+        </p:spPr>
+        <p:style>
+          <a:lnRef idx="2">
+            <a:schemeClr val="accent1">
+              <a:shade val="50000"/>
+            </a:schemeClr>
+          </a:lnRef>
+          <a:fillRef idx="1">
+            <a:schemeClr val="accent1"/>
+          </a:fillRef>
+          <a:effectRef idx="0">
+            <a:schemeClr val="accent1"/>
+          </a:effectRef>
+          <a:fontRef idx="minor">
+            <a:schemeClr val="lt1"/>
+          </a:fontRef>
+        </p:style>
+        <p:txBody>
+          <a:bodyPr rtlCol="0" anchor="ctr"/>
+          <a:lstStyle/>
+          <a:p>
+            <a:pPr algn="ctr"/>
+            <a:endParaRPr lang="en-US"/>
+          </a:p>
+        </p:txBody>
+      </p:sp>
+      <p:sp>
+        <p:nvSpPr>
+          <p:cNvPr id="18" name="Oval 17"/>
+          <p:cNvSpPr/>
+          <p:nvPr/>
+        </p:nvSpPr>
+        <p:spPr>
+          <a:xfrm>
+            <a:off x="6515757" y="5087155"/>
+            <a:ext cx="394069" cy="380371"/>
+          </a:xfrm>
+          <a:prstGeom prst="ellipse">
+            <a:avLst/>
+          </a:prstGeom>
+          <a:ln w="28575">
+            <a:solidFill>
+              <a:schemeClr val="bg2"/>
+            </a:solidFill>
+          </a:ln>
+        </p:spPr>
+        <p:style>
+          <a:lnRef idx="2">
+            <a:schemeClr val="accent1">
+              <a:shade val="50000"/>
+            </a:schemeClr>
+          </a:lnRef>
+          <a:fillRef idx="1">
+            <a:schemeClr val="accent1"/>
+          </a:fillRef>
+          <a:effectRef idx="0">
+            <a:schemeClr val="accent1"/>
+          </a:effectRef>
+          <a:fontRef idx="minor">
+            <a:schemeClr val="lt1"/>
+          </a:fontRef>
+        </p:style>
+        <p:txBody>
+          <a:bodyPr rtlCol="0" anchor="ctr"/>
+          <a:lstStyle/>
+          <a:p>
+            <a:pPr algn="ctr"/>
+            <a:endParaRPr lang="en-US"/>
+          </a:p>
+        </p:txBody>
+      </p:sp>
+      <p:cxnSp>
+        <p:nvCxnSpPr>
+          <p:cNvPr id="19" name="Straight Connector 18"/>
+          <p:cNvCxnSpPr>
+            <a:stCxn id="5" idx="0"/>
+          </p:cNvCxnSpPr>
+          <p:nvPr/>
+        </p:nvCxnSpPr>
+        <p:spPr>
+          <a:xfrm>
+            <a:off x="5154121" y="1747348"/>
+            <a:ext cx="1" cy="266700"/>
+          </a:xfrm>
+          <a:prstGeom prst="line">
+            <a:avLst/>
+          </a:prstGeom>
+          <a:ln w="38100"/>
+        </p:spPr>
+        <p:style>
+          <a:lnRef idx="3">
+            <a:schemeClr val="dk1"/>
+          </a:lnRef>
+          <a:fillRef idx="0">
+            <a:schemeClr val="dk1"/>
+          </a:fillRef>
+          <a:effectRef idx="2">
+            <a:schemeClr val="dk1"/>
+          </a:effectRef>
+          <a:fontRef idx="minor">
+            <a:schemeClr val="tx1"/>
+          </a:fontRef>
+        </p:style>
+      </p:cxnSp>
+      <p:cxnSp>
+        <p:nvCxnSpPr>
+          <p:cNvPr id="20" name="Straight Connector 19"/>
+          <p:cNvCxnSpPr/>
+          <p:nvPr/>
+        </p:nvCxnSpPr>
+        <p:spPr>
+          <a:xfrm>
+            <a:off x="5938564" y="1747348"/>
+            <a:ext cx="1" cy="266700"/>
+          </a:xfrm>
+          <a:prstGeom prst="line">
+            <a:avLst/>
+          </a:prstGeom>
+          <a:ln w="38100"/>
+        </p:spPr>
+        <p:style>
+          <a:lnRef idx="3">
+            <a:schemeClr val="dk1"/>
+          </a:lnRef>
+          <a:fillRef idx="0">
+            <a:schemeClr val="dk1"/>
+          </a:fillRef>
+          <a:effectRef idx="2">
+            <a:schemeClr val="dk1"/>
+          </a:effectRef>
+          <a:fontRef idx="minor">
+            <a:schemeClr val="tx1"/>
+          </a:fontRef>
+        </p:style>
+      </p:cxnSp>
+      <p:cxnSp>
+        <p:nvCxnSpPr>
+          <p:cNvPr id="21" name="Straight Connector 20"/>
+          <p:cNvCxnSpPr/>
+          <p:nvPr/>
+        </p:nvCxnSpPr>
+        <p:spPr>
+          <a:xfrm>
+            <a:off x="6734588" y="1753641"/>
+            <a:ext cx="1" cy="266700"/>
+          </a:xfrm>
+          <a:prstGeom prst="line">
+            <a:avLst/>
+          </a:prstGeom>
+          <a:ln w="38100"/>
+        </p:spPr>
+        <p:style>
+          <a:lnRef idx="3">
+            <a:schemeClr val="dk1"/>
+          </a:lnRef>
+          <a:fillRef idx="0">
+            <a:schemeClr val="dk1"/>
+          </a:fillRef>
+          <a:effectRef idx="2">
+            <a:schemeClr val="dk1"/>
+          </a:effectRef>
+          <a:fontRef idx="minor">
+            <a:schemeClr val="tx1"/>
+          </a:fontRef>
+        </p:style>
+      </p:cxnSp>
+      <p:cxnSp>
+        <p:nvCxnSpPr>
+          <p:cNvPr id="22" name="Straight Connector 21"/>
+          <p:cNvCxnSpPr/>
+          <p:nvPr/>
+        </p:nvCxnSpPr>
+        <p:spPr>
+          <a:xfrm>
+            <a:off x="5147733" y="2745568"/>
+            <a:ext cx="1" cy="266700"/>
+          </a:xfrm>
+          <a:prstGeom prst="line">
+            <a:avLst/>
+          </a:prstGeom>
+          <a:ln w="38100"/>
+        </p:spPr>
+        <p:style>
+          <a:lnRef idx="3">
+            <a:schemeClr val="dk1"/>
+          </a:lnRef>
+          <a:fillRef idx="0">
+            <a:schemeClr val="dk1"/>
+          </a:fillRef>
+          <a:effectRef idx="2">
+            <a:schemeClr val="dk1"/>
+          </a:effectRef>
+          <a:fontRef idx="minor">
+            <a:schemeClr val="tx1"/>
+          </a:fontRef>
+        </p:style>
+      </p:cxnSp>
+      <p:cxnSp>
+        <p:nvCxnSpPr>
+          <p:cNvPr id="23" name="Straight Connector 22"/>
+          <p:cNvCxnSpPr/>
+          <p:nvPr/>
+        </p:nvCxnSpPr>
+        <p:spPr>
+          <a:xfrm>
+            <a:off x="5938564" y="2745568"/>
+            <a:ext cx="1" cy="266700"/>
+          </a:xfrm>
+          <a:prstGeom prst="line">
+            <a:avLst/>
+          </a:prstGeom>
+          <a:ln w="38100"/>
+        </p:spPr>
+        <p:style>
+          <a:lnRef idx="3">
+            <a:schemeClr val="dk1"/>
+          </a:lnRef>
+          <a:fillRef idx="0">
+            <a:schemeClr val="dk1"/>
+          </a:fillRef>
+          <a:effectRef idx="2">
+            <a:schemeClr val="dk1"/>
+          </a:effectRef>
+          <a:fontRef idx="minor">
+            <a:schemeClr val="tx1"/>
+          </a:fontRef>
+        </p:style>
+      </p:cxnSp>
+      <p:cxnSp>
+        <p:nvCxnSpPr>
+          <p:cNvPr id="24" name="Straight Connector 23"/>
+          <p:cNvCxnSpPr/>
+          <p:nvPr/>
+        </p:nvCxnSpPr>
+        <p:spPr>
+          <a:xfrm>
+            <a:off x="6733635" y="2745568"/>
+            <a:ext cx="1" cy="266700"/>
+          </a:xfrm>
+          <a:prstGeom prst="line">
+            <a:avLst/>
+          </a:prstGeom>
+          <a:ln w="38100"/>
+        </p:spPr>
+        <p:style>
+          <a:lnRef idx="3">
+            <a:schemeClr val="dk1"/>
+          </a:lnRef>
+          <a:fillRef idx="0">
+            <a:schemeClr val="dk1"/>
+          </a:fillRef>
+          <a:effectRef idx="2">
+            <a:schemeClr val="dk1"/>
+          </a:effectRef>
+          <a:fontRef idx="minor">
+            <a:schemeClr val="tx1"/>
+          </a:fontRef>
+        </p:style>
+      </p:cxnSp>
+      <p:sp>
+        <p:nvSpPr>
+          <p:cNvPr id="25" name="TextBox 24"/>
+          <p:cNvSpPr txBox="1"/>
+          <p:nvPr/>
+        </p:nvSpPr>
+        <p:spPr>
+          <a:xfrm>
+            <a:off x="4829379" y="2261143"/>
+            <a:ext cx="636714" cy="246221"/>
+          </a:xfrm>
+          <a:prstGeom prst="rect">
+            <a:avLst/>
+          </a:prstGeom>
+          <a:noFill/>
+        </p:spPr>
+        <p:txBody>
+          <a:bodyPr wrap="none" rtlCol="0">
+            <a:spAutoFit/>
+          </a:bodyPr>
+          <a:lstStyle/>
+          <a:p>
+            <a:pPr algn="ctr"/>
+            <a:r>
+              <a:rPr lang="en-US" sz="1000" b="1" dirty="0" smtClean="0">
+                <a:latin typeface="Century Gothic" panose="020B0502020202020204" pitchFamily="34" charset="0"/>
+                <a:cs typeface="Adobe Devanagari" panose="02040503050201020203" pitchFamily="18" charset="0"/>
+              </a:rPr>
+              <a:t>Level A</a:t>
+            </a:r>
+            <a:endParaRPr lang="en-US" sz="1000" b="1" dirty="0">
+              <a:latin typeface="Century Gothic" panose="020B0502020202020204" pitchFamily="34" charset="0"/>
+              <a:cs typeface="Adobe Devanagari" panose="02040503050201020203" pitchFamily="18" charset="0"/>
+            </a:endParaRPr>
+          </a:p>
+        </p:txBody>
+      </p:sp>
+      <p:sp>
+        <p:nvSpPr>
+          <p:cNvPr id="26" name="TextBox 25"/>
+          <p:cNvSpPr txBox="1"/>
+          <p:nvPr/>
+        </p:nvSpPr>
+        <p:spPr>
+          <a:xfrm>
+            <a:off x="5614313" y="2261142"/>
+            <a:ext cx="676788" cy="400110"/>
+          </a:xfrm>
+          <a:prstGeom prst="rect">
+            <a:avLst/>
+          </a:prstGeom>
+          <a:noFill/>
+        </p:spPr>
+        <p:txBody>
+          <a:bodyPr wrap="none" rtlCol="0">
+            <a:spAutoFit/>
+          </a:bodyPr>
+          <a:lstStyle/>
+          <a:p>
+            <a:pPr algn="ctr"/>
+            <a:r>
+              <a:rPr lang="en-US" sz="1000" b="1" dirty="0" smtClean="0">
+                <a:latin typeface="Century Gothic" panose="020B0502020202020204" pitchFamily="34" charset="0"/>
+                <a:cs typeface="Adobe Devanagari" panose="02040503050201020203" pitchFamily="18" charset="0"/>
+              </a:rPr>
+              <a:t>Mod A</a:t>
+            </a:r>
+          </a:p>
+          <a:p>
+            <a:pPr algn="ctr"/>
+            <a:r>
+              <a:rPr lang="en-US" sz="1000" b="1" dirty="0" smtClean="0">
+                <a:latin typeface="Century Gothic" panose="020B0502020202020204" pitchFamily="34" charset="0"/>
+                <a:cs typeface="Adobe Devanagari" panose="02040503050201020203" pitchFamily="18" charset="0"/>
+              </a:rPr>
+              <a:t>(R Time)</a:t>
+            </a:r>
+            <a:endParaRPr lang="en-US" sz="1000" b="1" dirty="0">
+              <a:latin typeface="Century Gothic" panose="020B0502020202020204" pitchFamily="34" charset="0"/>
+              <a:cs typeface="Adobe Devanagari" panose="02040503050201020203" pitchFamily="18" charset="0"/>
+            </a:endParaRPr>
+          </a:p>
+        </p:txBody>
+      </p:sp>
+      <p:sp>
+        <p:nvSpPr>
+          <p:cNvPr id="27" name="TextBox 26"/>
+          <p:cNvSpPr txBox="1"/>
+          <p:nvPr/>
+        </p:nvSpPr>
+        <p:spPr>
+          <a:xfrm>
+            <a:off x="6425873" y="2267910"/>
+            <a:ext cx="615874" cy="246221"/>
+          </a:xfrm>
+          <a:prstGeom prst="rect">
+            <a:avLst/>
+          </a:prstGeom>
+          <a:noFill/>
+        </p:spPr>
+        <p:txBody>
+          <a:bodyPr wrap="none" rtlCol="0">
+            <a:spAutoFit/>
+          </a:bodyPr>
+          <a:lstStyle/>
+          <a:p>
+            <a:pPr algn="ctr"/>
+            <a:r>
+              <a:rPr lang="en-US" sz="1000" b="1" dirty="0" smtClean="0">
+                <a:latin typeface="Century Gothic" panose="020B0502020202020204" pitchFamily="34" charset="0"/>
+                <a:cs typeface="Adobe Devanagari" panose="02040503050201020203" pitchFamily="18" charset="0"/>
+              </a:rPr>
+              <a:t>Level B</a:t>
+            </a:r>
+            <a:endParaRPr lang="en-US" sz="1000" b="1" dirty="0">
+              <a:latin typeface="Century Gothic" panose="020B0502020202020204" pitchFamily="34" charset="0"/>
+              <a:cs typeface="Adobe Devanagari" panose="02040503050201020203" pitchFamily="18" charset="0"/>
+            </a:endParaRPr>
+          </a:p>
+        </p:txBody>
+      </p:sp>
+      <p:sp>
+        <p:nvSpPr>
+          <p:cNvPr id="28" name="TextBox 27"/>
+          <p:cNvSpPr txBox="1"/>
+          <p:nvPr/>
+        </p:nvSpPr>
+        <p:spPr>
+          <a:xfrm>
+            <a:off x="5572003" y="3267265"/>
+            <a:ext cx="769763" cy="400110"/>
+          </a:xfrm>
+          <a:prstGeom prst="rect">
+            <a:avLst/>
+          </a:prstGeom>
+          <a:noFill/>
+        </p:spPr>
+        <p:txBody>
+          <a:bodyPr wrap="none" rtlCol="0">
+            <a:spAutoFit/>
+          </a:bodyPr>
+          <a:lstStyle/>
+          <a:p>
+            <a:pPr algn="ctr"/>
+            <a:r>
+              <a:rPr lang="en-US" sz="1000" b="1" dirty="0" smtClean="0">
+                <a:latin typeface="Century Gothic" panose="020B0502020202020204" pitchFamily="34" charset="0"/>
+                <a:cs typeface="Adobe Devanagari" panose="02040503050201020203" pitchFamily="18" charset="0"/>
+              </a:rPr>
+              <a:t>Mod B</a:t>
+            </a:r>
+          </a:p>
+          <a:p>
+            <a:pPr algn="ctr"/>
+            <a:r>
+              <a:rPr lang="en-US" sz="1000" b="1" dirty="0" smtClean="0">
+                <a:latin typeface="Century Gothic" panose="020B0502020202020204" pitchFamily="34" charset="0"/>
+                <a:cs typeface="Adobe Devanagari" panose="02040503050201020203" pitchFamily="18" charset="0"/>
+              </a:rPr>
+              <a:t>(R Damp)</a:t>
+            </a:r>
+          </a:p>
+        </p:txBody>
+      </p:sp>
+      <p:sp>
+        <p:nvSpPr>
+          <p:cNvPr id="29" name="TextBox 28"/>
+          <p:cNvSpPr txBox="1"/>
+          <p:nvPr/>
+        </p:nvSpPr>
+        <p:spPr>
+          <a:xfrm>
+            <a:off x="6422376" y="3268464"/>
+            <a:ext cx="694422" cy="246221"/>
+          </a:xfrm>
+          <a:prstGeom prst="rect">
+            <a:avLst/>
+          </a:prstGeom>
+          <a:noFill/>
+        </p:spPr>
+        <p:txBody>
+          <a:bodyPr wrap="none" rtlCol="0">
+            <a:spAutoFit/>
+          </a:bodyPr>
+          <a:lstStyle/>
+          <a:p>
+            <a:pPr algn="ctr"/>
+            <a:r>
+              <a:rPr lang="en-US" sz="1000" b="1" dirty="0" smtClean="0">
+                <a:latin typeface="Century Gothic" panose="020B0502020202020204" pitchFamily="34" charset="0"/>
+                <a:cs typeface="Adobe Devanagari" panose="02040503050201020203" pitchFamily="18" charset="0"/>
+              </a:rPr>
+              <a:t>Speed B</a:t>
+            </a:r>
+          </a:p>
+        </p:txBody>
+      </p:sp>
+      <p:sp>
+        <p:nvSpPr>
+          <p:cNvPr id="30" name="TextBox 29"/>
+          <p:cNvSpPr txBox="1"/>
+          <p:nvPr/>
+        </p:nvSpPr>
+        <p:spPr>
+          <a:xfrm>
+            <a:off x="4776606" y="3296497"/>
+            <a:ext cx="715260" cy="246221"/>
+          </a:xfrm>
+          <a:prstGeom prst="rect">
+            <a:avLst/>
+          </a:prstGeom>
+          <a:noFill/>
+        </p:spPr>
+        <p:txBody>
+          <a:bodyPr wrap="none" rtlCol="0">
+            <a:spAutoFit/>
+          </a:bodyPr>
+          <a:lstStyle/>
+          <a:p>
+            <a:pPr algn="ctr"/>
+            <a:r>
+              <a:rPr lang="en-US" sz="1000" b="1" dirty="0" smtClean="0">
+                <a:latin typeface="Century Gothic" panose="020B0502020202020204" pitchFamily="34" charset="0"/>
+                <a:cs typeface="Adobe Devanagari" panose="02040503050201020203" pitchFamily="18" charset="0"/>
+              </a:rPr>
+              <a:t>Speed A</a:t>
+            </a:r>
+            <a:endParaRPr lang="en-US" sz="1000" b="1" dirty="0">
+              <a:latin typeface="Century Gothic" panose="020B0502020202020204" pitchFamily="34" charset="0"/>
+              <a:cs typeface="Adobe Devanagari" panose="02040503050201020203" pitchFamily="18" charset="0"/>
+            </a:endParaRPr>
+          </a:p>
+        </p:txBody>
+      </p:sp>
+      <p:sp>
+        <p:nvSpPr>
+          <p:cNvPr id="31" name="TextBox 30"/>
+          <p:cNvSpPr txBox="1"/>
+          <p:nvPr/>
+        </p:nvSpPr>
+        <p:spPr>
+          <a:xfrm>
+            <a:off x="4856373" y="5548458"/>
+            <a:ext cx="619080" cy="246221"/>
+          </a:xfrm>
+          <a:prstGeom prst="rect">
+            <a:avLst/>
+          </a:prstGeom>
+          <a:noFill/>
+        </p:spPr>
+        <p:txBody>
+          <a:bodyPr wrap="none" rtlCol="0">
+            <a:spAutoFit/>
+          </a:bodyPr>
+          <a:lstStyle/>
+          <a:p>
+            <a:pPr algn="ctr"/>
+            <a:r>
+              <a:rPr lang="en-US" sz="1000" b="1" dirty="0" smtClean="0">
+                <a:latin typeface="Century Gothic" panose="020B0502020202020204" pitchFamily="34" charset="0"/>
+                <a:cs typeface="Adobe Devanagari" panose="02040503050201020203" pitchFamily="18" charset="0"/>
+              </a:rPr>
+              <a:t>Loop A</a:t>
+            </a:r>
+            <a:endParaRPr lang="en-US" sz="1000" b="1" dirty="0">
+              <a:latin typeface="Century Gothic" panose="020B0502020202020204" pitchFamily="34" charset="0"/>
+              <a:cs typeface="Adobe Devanagari" panose="02040503050201020203" pitchFamily="18" charset="0"/>
+            </a:endParaRPr>
+          </a:p>
+        </p:txBody>
+      </p:sp>
+      <p:sp>
+        <p:nvSpPr>
+          <p:cNvPr id="32" name="TextBox 31"/>
+          <p:cNvSpPr txBox="1"/>
+          <p:nvPr/>
+        </p:nvSpPr>
+        <p:spPr>
+          <a:xfrm rot="16200000">
+            <a:off x="4842042" y="4030683"/>
+            <a:ext cx="556564" cy="461665"/>
+          </a:xfrm>
+          <a:prstGeom prst="rect">
+            <a:avLst/>
+          </a:prstGeom>
+          <a:noFill/>
+        </p:spPr>
+        <p:txBody>
+          <a:bodyPr wrap="none" rtlCol="0">
+            <a:spAutoFit/>
+          </a:bodyPr>
+          <a:lstStyle/>
+          <a:p>
+            <a:pPr algn="ctr"/>
+            <a:r>
+              <a:rPr lang="en-US" sz="800" b="1" dirty="0" smtClean="0">
+                <a:latin typeface="Century Gothic" panose="020B0502020202020204" pitchFamily="34" charset="0"/>
+                <a:cs typeface="Adobe Devanagari" panose="02040503050201020203" pitchFamily="18" charset="0"/>
+              </a:rPr>
+              <a:t>Smooth</a:t>
+            </a:r>
+          </a:p>
+          <a:p>
+            <a:pPr algn="ctr"/>
+            <a:r>
+              <a:rPr lang="en-US" sz="800" b="1" dirty="0" smtClean="0">
+                <a:latin typeface="Century Gothic" panose="020B0502020202020204" pitchFamily="34" charset="0"/>
+                <a:cs typeface="Adobe Devanagari" panose="02040503050201020203" pitchFamily="18" charset="0"/>
+              </a:rPr>
+              <a:t>Step</a:t>
+            </a:r>
+          </a:p>
+          <a:p>
+            <a:pPr algn="ctr"/>
+            <a:r>
+              <a:rPr lang="en-US" sz="800" b="1" dirty="0" smtClean="0">
+                <a:latin typeface="Century Gothic" panose="020B0502020202020204" pitchFamily="34" charset="0"/>
+                <a:cs typeface="Adobe Devanagari" panose="02040503050201020203" pitchFamily="18" charset="0"/>
+              </a:rPr>
+              <a:t>Rand</a:t>
+            </a:r>
+          </a:p>
+        </p:txBody>
+      </p:sp>
+      <p:sp>
+        <p:nvSpPr>
+          <p:cNvPr id="33" name="TextBox 32"/>
+          <p:cNvSpPr txBox="1"/>
+          <p:nvPr/>
+        </p:nvSpPr>
+        <p:spPr>
+          <a:xfrm>
+            <a:off x="5245469" y="4500003"/>
+            <a:ext cx="1386190" cy="523220"/>
+          </a:xfrm>
+          <a:prstGeom prst="rect">
+            <a:avLst/>
+          </a:prstGeom>
+          <a:noFill/>
+        </p:spPr>
+        <p:txBody>
+          <a:bodyPr wrap="square" rtlCol="0">
+            <a:spAutoFit/>
+          </a:bodyPr>
+          <a:lstStyle/>
+          <a:p>
+            <a:pPr algn="ctr"/>
+            <a:r>
+              <a:rPr lang="en-US" sz="2800" b="1" dirty="0" smtClean="0">
+                <a:latin typeface="Broadway" panose="04040905080B02020502" pitchFamily="82" charset="0"/>
+                <a:cs typeface="Adobe Devanagari" panose="02040503050201020203" pitchFamily="18" charset="0"/>
+              </a:rPr>
+              <a:t>Pluto</a:t>
+            </a:r>
+            <a:endParaRPr lang="en-US" sz="2800" b="1" dirty="0">
+              <a:latin typeface="Broadway" panose="04040905080B02020502" pitchFamily="82" charset="0"/>
+              <a:cs typeface="Adobe Devanagari" panose="02040503050201020203" pitchFamily="18" charset="0"/>
+            </a:endParaRPr>
+          </a:p>
+        </p:txBody>
+      </p:sp>
+      <p:sp>
+        <p:nvSpPr>
+          <p:cNvPr id="34" name="TextBox 33"/>
+          <p:cNvSpPr txBox="1"/>
+          <p:nvPr/>
+        </p:nvSpPr>
+        <p:spPr>
+          <a:xfrm>
+            <a:off x="5466892" y="4877231"/>
+            <a:ext cx="944490" cy="246221"/>
+          </a:xfrm>
+          <a:prstGeom prst="rect">
+            <a:avLst/>
+          </a:prstGeom>
+          <a:noFill/>
+        </p:spPr>
+        <p:txBody>
+          <a:bodyPr wrap="none" rtlCol="0">
+            <a:spAutoFit/>
+          </a:bodyPr>
+          <a:lstStyle/>
+          <a:p>
+            <a:pPr algn="ctr"/>
+            <a:r>
+              <a:rPr lang="en-US" sz="1000" dirty="0" smtClean="0">
+                <a:latin typeface="Century Gothic" panose="020B0502020202020204" pitchFamily="34" charset="0"/>
+                <a:cs typeface="Adobe Devanagari" panose="02040503050201020203" pitchFamily="18" charset="0"/>
+              </a:rPr>
+              <a:t>Dual </a:t>
+            </a:r>
+            <a:r>
+              <a:rPr lang="en-US" sz="1000" dirty="0" err="1" smtClean="0">
+                <a:latin typeface="Century Gothic" panose="020B0502020202020204" pitchFamily="34" charset="0"/>
+                <a:cs typeface="Adobe Devanagari" panose="02040503050201020203" pitchFamily="18" charset="0"/>
+              </a:rPr>
+              <a:t>Looper</a:t>
+            </a:r>
+            <a:endParaRPr lang="en-US" sz="1000" dirty="0">
+              <a:latin typeface="Century Gothic" panose="020B0502020202020204" pitchFamily="34" charset="0"/>
+              <a:cs typeface="Adobe Devanagari" panose="02040503050201020203" pitchFamily="18" charset="0"/>
+            </a:endParaRPr>
+          </a:p>
+        </p:txBody>
+      </p:sp>
+      <p:sp>
+        <p:nvSpPr>
+          <p:cNvPr id="35" name="Oval 34"/>
+          <p:cNvSpPr/>
+          <p:nvPr/>
+        </p:nvSpPr>
+        <p:spPr>
+          <a:xfrm rot="16200000">
+            <a:off x="5830387" y="3795700"/>
+            <a:ext cx="245746" cy="243840"/>
+          </a:xfrm>
+          <a:prstGeom prst="ellipse">
+            <a:avLst/>
+          </a:prstGeom>
+          <a:ln w="19050">
+            <a:solidFill>
+              <a:schemeClr val="tx1"/>
+            </a:solidFill>
+          </a:ln>
+        </p:spPr>
+        <p:style>
+          <a:lnRef idx="2">
+            <a:schemeClr val="accent1">
+              <a:shade val="50000"/>
+            </a:schemeClr>
+          </a:lnRef>
+          <a:fillRef idx="1">
+            <a:schemeClr val="accent1"/>
+          </a:fillRef>
+          <a:effectRef idx="0">
+            <a:schemeClr val="accent1"/>
+          </a:effectRef>
+          <a:fontRef idx="minor">
+            <a:schemeClr val="lt1"/>
+          </a:fontRef>
+        </p:style>
+        <p:txBody>
+          <a:bodyPr rtlCol="0" anchor="ctr"/>
+          <a:lstStyle/>
+          <a:p>
+            <a:pPr algn="ctr"/>
+            <a:endParaRPr lang="en-US"/>
+          </a:p>
+        </p:txBody>
+      </p:sp>
+      <p:sp>
+        <p:nvSpPr>
+          <p:cNvPr id="36" name="Flowchart: Terminator 35"/>
+          <p:cNvSpPr/>
+          <p:nvPr/>
+        </p:nvSpPr>
+        <p:spPr>
+          <a:xfrm rot="16200000">
+            <a:off x="5810513" y="3807751"/>
+            <a:ext cx="95488" cy="208168"/>
+          </a:xfrm>
+          <a:prstGeom prst="flowChartTerminator">
+            <a:avLst/>
+          </a:prstGeom>
+          <a:ln w="19050">
+            <a:solidFill>
+              <a:schemeClr val="tx1"/>
+            </a:solidFill>
+          </a:ln>
+        </p:spPr>
+        <p:style>
+          <a:lnRef idx="2">
+            <a:schemeClr val="accent1">
+              <a:shade val="50000"/>
+            </a:schemeClr>
+          </a:lnRef>
+          <a:fillRef idx="1">
+            <a:schemeClr val="accent1"/>
+          </a:fillRef>
+          <a:effectRef idx="0">
+            <a:schemeClr val="accent1"/>
+          </a:effectRef>
+          <a:fontRef idx="minor">
+            <a:schemeClr val="lt1"/>
+          </a:fontRef>
+        </p:style>
+        <p:txBody>
+          <a:bodyPr rtlCol="0" anchor="ctr"/>
+          <a:lstStyle/>
+          <a:p>
+            <a:pPr algn="ctr"/>
+            <a:endParaRPr lang="en-US"/>
+          </a:p>
+        </p:txBody>
+      </p:sp>
+      <p:sp>
+        <p:nvSpPr>
+          <p:cNvPr id="37" name="Oval 36"/>
+          <p:cNvSpPr/>
+          <p:nvPr/>
+        </p:nvSpPr>
+        <p:spPr>
+          <a:xfrm rot="16200000">
+            <a:off x="6651163" y="3795700"/>
+            <a:ext cx="245746" cy="243840"/>
+          </a:xfrm>
+          <a:prstGeom prst="ellipse">
+            <a:avLst/>
+          </a:prstGeom>
+          <a:ln w="19050">
+            <a:solidFill>
+              <a:schemeClr val="tx1"/>
+            </a:solidFill>
+          </a:ln>
+        </p:spPr>
+        <p:style>
+          <a:lnRef idx="2">
+            <a:schemeClr val="accent1">
+              <a:shade val="50000"/>
+            </a:schemeClr>
+          </a:lnRef>
+          <a:fillRef idx="1">
+            <a:schemeClr val="accent1"/>
+          </a:fillRef>
+          <a:effectRef idx="0">
+            <a:schemeClr val="accent1"/>
+          </a:effectRef>
+          <a:fontRef idx="minor">
+            <a:schemeClr val="lt1"/>
+          </a:fontRef>
+        </p:style>
+        <p:txBody>
+          <a:bodyPr rtlCol="0" anchor="ctr"/>
+          <a:lstStyle/>
+          <a:p>
+            <a:pPr algn="ctr"/>
+            <a:endParaRPr lang="en-US"/>
+          </a:p>
+        </p:txBody>
+      </p:sp>
+      <p:sp>
+        <p:nvSpPr>
+          <p:cNvPr id="38" name="Flowchart: Terminator 37"/>
+          <p:cNvSpPr/>
+          <p:nvPr/>
+        </p:nvSpPr>
+        <p:spPr>
+          <a:xfrm rot="16200000">
+            <a:off x="6631289" y="3807751"/>
+            <a:ext cx="95488" cy="208168"/>
+          </a:xfrm>
+          <a:prstGeom prst="flowChartTerminator">
+            <a:avLst/>
+          </a:prstGeom>
+          <a:ln w="19050">
+            <a:solidFill>
+              <a:schemeClr val="tx1"/>
+            </a:solidFill>
+          </a:ln>
+        </p:spPr>
+        <p:style>
+          <a:lnRef idx="2">
+            <a:schemeClr val="accent1">
+              <a:shade val="50000"/>
+            </a:schemeClr>
+          </a:lnRef>
+          <a:fillRef idx="1">
+            <a:schemeClr val="accent1"/>
+          </a:fillRef>
+          <a:effectRef idx="0">
+            <a:schemeClr val="accent1"/>
+          </a:effectRef>
+          <a:fontRef idx="minor">
+            <a:schemeClr val="lt1"/>
+          </a:fontRef>
+        </p:style>
+        <p:txBody>
+          <a:bodyPr rtlCol="0" anchor="ctr"/>
+          <a:lstStyle/>
+          <a:p>
+            <a:pPr algn="ctr"/>
+            <a:endParaRPr lang="en-US"/>
+          </a:p>
+        </p:txBody>
+      </p:sp>
+      <p:sp>
+        <p:nvSpPr>
+          <p:cNvPr id="39" name="TextBox 38"/>
+          <p:cNvSpPr txBox="1"/>
+          <p:nvPr/>
+        </p:nvSpPr>
+        <p:spPr>
+          <a:xfrm rot="16200000">
+            <a:off x="5650540" y="4049121"/>
+            <a:ext cx="564578" cy="461665"/>
+          </a:xfrm>
+          <a:prstGeom prst="rect">
+            <a:avLst/>
+          </a:prstGeom>
+          <a:noFill/>
+        </p:spPr>
+        <p:txBody>
+          <a:bodyPr wrap="none" rtlCol="0">
+            <a:spAutoFit/>
+          </a:bodyPr>
+          <a:lstStyle/>
+          <a:p>
+            <a:pPr algn="ctr"/>
+            <a:r>
+              <a:rPr lang="en-US" sz="800" b="1" dirty="0" smtClean="0">
+                <a:latin typeface="Century Gothic" panose="020B0502020202020204" pitchFamily="34" charset="0"/>
+                <a:cs typeface="Adobe Devanagari" panose="02040503050201020203" pitchFamily="18" charset="0"/>
+              </a:rPr>
+              <a:t>Stability</a:t>
+            </a:r>
+          </a:p>
+          <a:p>
+            <a:pPr algn="ctr"/>
+            <a:r>
+              <a:rPr lang="en-US" sz="800" b="1" dirty="0" smtClean="0">
+                <a:latin typeface="Century Gothic" panose="020B0502020202020204" pitchFamily="34" charset="0"/>
+                <a:cs typeface="Adobe Devanagari" panose="02040503050201020203" pitchFamily="18" charset="0"/>
+              </a:rPr>
+              <a:t>Filter</a:t>
+            </a:r>
+          </a:p>
+          <a:p>
+            <a:pPr algn="ctr"/>
+            <a:r>
+              <a:rPr lang="en-US" sz="800" b="1" dirty="0" smtClean="0">
+                <a:latin typeface="Century Gothic" panose="020B0502020202020204" pitchFamily="34" charset="0"/>
+                <a:cs typeface="Adobe Devanagari" panose="02040503050201020203" pitchFamily="18" charset="0"/>
+              </a:rPr>
+              <a:t>Reverb</a:t>
+            </a:r>
+          </a:p>
+        </p:txBody>
+      </p:sp>
+      <p:sp>
+        <p:nvSpPr>
+          <p:cNvPr id="40" name="TextBox 39"/>
+          <p:cNvSpPr txBox="1"/>
+          <p:nvPr/>
+        </p:nvSpPr>
+        <p:spPr>
+          <a:xfrm rot="16200000">
+            <a:off x="6528922" y="4039021"/>
+            <a:ext cx="479618" cy="461665"/>
+          </a:xfrm>
+          <a:prstGeom prst="rect">
+            <a:avLst/>
+          </a:prstGeom>
+          <a:noFill/>
+        </p:spPr>
+        <p:txBody>
+          <a:bodyPr wrap="none" rtlCol="0">
+            <a:spAutoFit/>
+          </a:bodyPr>
+          <a:lstStyle/>
+          <a:p>
+            <a:pPr algn="ctr"/>
+            <a:r>
+              <a:rPr lang="en-US" sz="800" b="1" dirty="0" smtClean="0">
+                <a:latin typeface="Century Gothic" panose="020B0502020202020204" pitchFamily="34" charset="0"/>
+                <a:cs typeface="Adobe Devanagari" panose="02040503050201020203" pitchFamily="18" charset="0"/>
+              </a:rPr>
+              <a:t>Norm</a:t>
+            </a:r>
+          </a:p>
+          <a:p>
+            <a:pPr algn="ctr"/>
+            <a:r>
+              <a:rPr lang="en-US" sz="800" b="1" dirty="0" smtClean="0">
+                <a:latin typeface="Century Gothic" panose="020B0502020202020204" pitchFamily="34" charset="0"/>
+                <a:cs typeface="Adobe Devanagari" panose="02040503050201020203" pitchFamily="18" charset="0"/>
+              </a:rPr>
+              <a:t>Single</a:t>
+            </a:r>
+          </a:p>
+          <a:p>
+            <a:pPr algn="ctr"/>
+            <a:r>
+              <a:rPr lang="en-US" sz="800" b="1" dirty="0" err="1" smtClean="0">
+                <a:latin typeface="Century Gothic" panose="020B0502020202020204" pitchFamily="34" charset="0"/>
+                <a:cs typeface="Adobe Devanagari" panose="02040503050201020203" pitchFamily="18" charset="0"/>
+              </a:rPr>
+              <a:t>Fripp</a:t>
+            </a:r>
+            <a:endParaRPr lang="en-US" sz="800" b="1" dirty="0" smtClean="0">
+              <a:latin typeface="Century Gothic" panose="020B0502020202020204" pitchFamily="34" charset="0"/>
+              <a:cs typeface="Adobe Devanagari" panose="02040503050201020203" pitchFamily="18" charset="0"/>
+            </a:endParaRPr>
+          </a:p>
+        </p:txBody>
+      </p:sp>
+      <p:sp>
+        <p:nvSpPr>
+          <p:cNvPr id="41" name="TextBox 40"/>
+          <p:cNvSpPr txBox="1"/>
+          <p:nvPr/>
+        </p:nvSpPr>
+        <p:spPr>
+          <a:xfrm>
+            <a:off x="4681228" y="3542377"/>
+            <a:ext cx="906017" cy="230832"/>
+          </a:xfrm>
+          <a:prstGeom prst="rect">
+            <a:avLst/>
+          </a:prstGeom>
+          <a:noFill/>
+        </p:spPr>
+        <p:txBody>
+          <a:bodyPr wrap="none" rtlCol="0">
+            <a:spAutoFit/>
+          </a:bodyPr>
+          <a:lstStyle/>
+          <a:p>
+            <a:pPr algn="ctr"/>
+            <a:r>
+              <a:rPr lang="en-US" sz="900" b="1" dirty="0" smtClean="0">
+                <a:latin typeface="Century Gothic" panose="020B0502020202020204" pitchFamily="34" charset="0"/>
+                <a:cs typeface="Adobe Devanagari" panose="02040503050201020203" pitchFamily="18" charset="0"/>
+              </a:rPr>
+              <a:t>Speed Mode</a:t>
+            </a:r>
+            <a:endParaRPr lang="en-US" sz="900" b="1" dirty="0">
+              <a:latin typeface="Century Gothic" panose="020B0502020202020204" pitchFamily="34" charset="0"/>
+              <a:cs typeface="Adobe Devanagari" panose="02040503050201020203" pitchFamily="18" charset="0"/>
+            </a:endParaRPr>
+          </a:p>
+        </p:txBody>
+      </p:sp>
+      <p:sp>
+        <p:nvSpPr>
+          <p:cNvPr id="42" name="TextBox 41"/>
+          <p:cNvSpPr txBox="1"/>
+          <p:nvPr/>
+        </p:nvSpPr>
+        <p:spPr>
+          <a:xfrm>
+            <a:off x="5707285" y="3560229"/>
+            <a:ext cx="490840" cy="230832"/>
+          </a:xfrm>
+          <a:prstGeom prst="rect">
+            <a:avLst/>
+          </a:prstGeom>
+          <a:noFill/>
+        </p:spPr>
+        <p:txBody>
+          <a:bodyPr wrap="none" rtlCol="0">
+            <a:spAutoFit/>
+          </a:bodyPr>
+          <a:lstStyle/>
+          <a:p>
+            <a:pPr algn="ctr"/>
+            <a:r>
+              <a:rPr lang="en-US" sz="900" b="1" dirty="0" smtClean="0">
+                <a:latin typeface="Century Gothic" panose="020B0502020202020204" pitchFamily="34" charset="0"/>
+                <a:cs typeface="Adobe Devanagari" panose="02040503050201020203" pitchFamily="18" charset="0"/>
+              </a:rPr>
+              <a:t>Effect</a:t>
+            </a:r>
+            <a:endParaRPr lang="en-US" sz="900" b="1" dirty="0">
+              <a:latin typeface="Century Gothic" panose="020B0502020202020204" pitchFamily="34" charset="0"/>
+              <a:cs typeface="Adobe Devanagari" panose="02040503050201020203" pitchFamily="18" charset="0"/>
+            </a:endParaRPr>
+          </a:p>
+        </p:txBody>
+      </p:sp>
+      <p:sp>
+        <p:nvSpPr>
+          <p:cNvPr id="43" name="TextBox 42"/>
+          <p:cNvSpPr txBox="1"/>
+          <p:nvPr/>
+        </p:nvSpPr>
+        <p:spPr>
+          <a:xfrm>
+            <a:off x="6290499" y="3562199"/>
+            <a:ext cx="947696" cy="230832"/>
+          </a:xfrm>
+          <a:prstGeom prst="rect">
+            <a:avLst/>
+          </a:prstGeom>
+          <a:noFill/>
+        </p:spPr>
+        <p:txBody>
+          <a:bodyPr wrap="none" rtlCol="0">
+            <a:spAutoFit/>
+          </a:bodyPr>
+          <a:lstStyle/>
+          <a:p>
+            <a:pPr algn="ctr"/>
+            <a:r>
+              <a:rPr lang="en-US" sz="900" b="1" dirty="0" smtClean="0">
+                <a:latin typeface="Century Gothic" panose="020B0502020202020204" pitchFamily="34" charset="0"/>
+                <a:cs typeface="Adobe Devanagari" panose="02040503050201020203" pitchFamily="18" charset="0"/>
+              </a:rPr>
+              <a:t>Record Mode</a:t>
+            </a:r>
+            <a:endParaRPr lang="en-US" sz="900" b="1" dirty="0">
+              <a:latin typeface="Century Gothic" panose="020B0502020202020204" pitchFamily="34" charset="0"/>
+              <a:cs typeface="Adobe Devanagari" panose="02040503050201020203" pitchFamily="18" charset="0"/>
+            </a:endParaRPr>
+          </a:p>
+        </p:txBody>
+      </p:sp>
+      <p:sp>
+        <p:nvSpPr>
+          <p:cNvPr id="44" name="Rectangle 43"/>
+          <p:cNvSpPr/>
+          <p:nvPr/>
+        </p:nvSpPr>
+        <p:spPr>
+          <a:xfrm>
+            <a:off x="6333306" y="1646304"/>
+            <a:ext cx="778693" cy="1864597"/>
+          </a:xfrm>
+          <a:prstGeom prst="rect">
+            <a:avLst/>
+          </a:prstGeom>
+          <a:noFill/>
+        </p:spPr>
+        <p:style>
+          <a:lnRef idx="2">
+            <a:schemeClr val="dk1">
+              <a:shade val="50000"/>
+            </a:schemeClr>
+          </a:lnRef>
+          <a:fillRef idx="1">
+            <a:schemeClr val="dk1"/>
+          </a:fillRef>
+          <a:effectRef idx="0">
+            <a:schemeClr val="dk1"/>
+          </a:effectRef>
+          <a:fontRef idx="minor">
+            <a:schemeClr val="lt1"/>
+          </a:fontRef>
+        </p:style>
+        <p:txBody>
+          <a:bodyPr rtlCol="0" anchor="ctr"/>
+          <a:lstStyle/>
+          <a:p>
+            <a:pPr algn="ctr"/>
+            <a:endParaRPr lang="en-US"/>
+          </a:p>
+        </p:txBody>
+      </p:sp>
+      <p:sp>
+        <p:nvSpPr>
+          <p:cNvPr id="49" name="Rectangle 48"/>
+          <p:cNvSpPr/>
+          <p:nvPr/>
+        </p:nvSpPr>
+        <p:spPr>
+          <a:xfrm>
+            <a:off x="180975" y="1574800"/>
+            <a:ext cx="4066081" cy="1169168"/>
+          </a:xfrm>
+          <a:prstGeom prst="rect">
+            <a:avLst/>
+          </a:prstGeom>
+        </p:spPr>
+        <p:style>
+          <a:lnRef idx="2">
+            <a:schemeClr val="dk1">
+              <a:shade val="50000"/>
+            </a:schemeClr>
+          </a:lnRef>
+          <a:fillRef idx="1003">
+            <a:schemeClr val="lt1"/>
+          </a:fillRef>
+          <a:effectRef idx="0">
+            <a:schemeClr val="dk1"/>
+          </a:effectRef>
+          <a:fontRef idx="minor">
+            <a:schemeClr val="lt1"/>
+          </a:fontRef>
+        </p:style>
+        <p:txBody>
+          <a:bodyPr rtlCol="0" anchor="ctr"/>
+          <a:lstStyle/>
+          <a:p>
+            <a:r>
+              <a:rPr lang="en-US" sz="1600" b="1" dirty="0" smtClean="0">
+                <a:solidFill>
+                  <a:schemeClr val="tx1"/>
+                </a:solidFill>
+              </a:rPr>
+              <a:t>Level A</a:t>
+            </a:r>
+            <a:r>
+              <a:rPr lang="en-US" sz="1600" dirty="0" smtClean="0">
+                <a:solidFill>
+                  <a:schemeClr val="tx1"/>
+                </a:solidFill>
+              </a:rPr>
+              <a:t>: Volume of Loop A, 0 to 2x</a:t>
+            </a:r>
+          </a:p>
+          <a:p>
+            <a:r>
+              <a:rPr lang="en-US" sz="1600" b="1" dirty="0" smtClean="0">
+                <a:solidFill>
+                  <a:schemeClr val="tx1"/>
+                </a:solidFill>
+              </a:rPr>
+              <a:t>Mod A</a:t>
+            </a:r>
+            <a:r>
+              <a:rPr lang="en-US" sz="1600" dirty="0" smtClean="0">
+                <a:solidFill>
+                  <a:schemeClr val="tx1"/>
+                </a:solidFill>
+              </a:rPr>
+              <a:t>: Effect modifier for Loop A, or if reverb is selected, reverb time for both Loop A and B</a:t>
+            </a:r>
+          </a:p>
+          <a:p>
+            <a:r>
+              <a:rPr lang="en-US" sz="1600" b="1" dirty="0" smtClean="0">
+                <a:solidFill>
+                  <a:schemeClr val="tx1"/>
+                </a:solidFill>
+              </a:rPr>
+              <a:t>Level B:</a:t>
+            </a:r>
+            <a:r>
+              <a:rPr lang="en-US" sz="1600" dirty="0" smtClean="0">
+                <a:solidFill>
+                  <a:schemeClr val="tx1"/>
+                </a:solidFill>
+              </a:rPr>
+              <a:t> Volume of Loop B, 0 to 2x</a:t>
+            </a:r>
+            <a:endParaRPr lang="en-US" sz="1600" b="1" dirty="0" smtClean="0">
+              <a:solidFill>
+                <a:schemeClr val="tx1"/>
+              </a:solidFill>
+            </a:endParaRPr>
+          </a:p>
+        </p:txBody>
+      </p:sp>
+      <p:sp>
+        <p:nvSpPr>
+          <p:cNvPr id="50" name="Rectangle 49"/>
+          <p:cNvSpPr/>
+          <p:nvPr/>
+        </p:nvSpPr>
+        <p:spPr>
+          <a:xfrm>
+            <a:off x="7618077" y="1904358"/>
+            <a:ext cx="4014544" cy="1206011"/>
+          </a:xfrm>
+          <a:prstGeom prst="rect">
+            <a:avLst/>
+          </a:prstGeom>
+        </p:spPr>
+        <p:style>
+          <a:lnRef idx="2">
+            <a:schemeClr val="dk1">
+              <a:shade val="50000"/>
+            </a:schemeClr>
+          </a:lnRef>
+          <a:fillRef idx="1003">
+            <a:schemeClr val="lt1"/>
+          </a:fillRef>
+          <a:effectRef idx="0">
+            <a:schemeClr val="dk1"/>
+          </a:effectRef>
+          <a:fontRef idx="minor">
+            <a:schemeClr val="lt1"/>
+          </a:fontRef>
+        </p:style>
+        <p:txBody>
+          <a:bodyPr rtlCol="0" anchor="ctr"/>
+          <a:lstStyle/>
+          <a:p>
+            <a:r>
+              <a:rPr lang="en-US" sz="1600" b="1" dirty="0" smtClean="0">
+                <a:solidFill>
+                  <a:schemeClr val="tx1"/>
+                </a:solidFill>
+              </a:rPr>
+              <a:t>Speed A</a:t>
+            </a:r>
+            <a:r>
+              <a:rPr lang="en-US" sz="1600" dirty="0" smtClean="0">
+                <a:solidFill>
+                  <a:schemeClr val="tx1"/>
+                </a:solidFill>
+              </a:rPr>
+              <a:t>: Speed/Direction of Loop A</a:t>
+            </a:r>
+          </a:p>
+          <a:p>
+            <a:r>
+              <a:rPr lang="en-US" sz="1600" b="1" dirty="0" smtClean="0">
+                <a:solidFill>
+                  <a:schemeClr val="tx1"/>
+                </a:solidFill>
+              </a:rPr>
+              <a:t>Mod B</a:t>
+            </a:r>
+            <a:r>
+              <a:rPr lang="en-US" sz="1600" dirty="0" smtClean="0">
+                <a:solidFill>
+                  <a:schemeClr val="tx1"/>
+                </a:solidFill>
+              </a:rPr>
+              <a:t>: Effect modifier for Loop B, or if reverb is selected, reverb time for both Loop A and B</a:t>
+            </a:r>
+          </a:p>
+          <a:p>
+            <a:r>
+              <a:rPr lang="en-US" sz="1600" b="1" dirty="0" smtClean="0">
+                <a:solidFill>
+                  <a:schemeClr val="tx1"/>
+                </a:solidFill>
+              </a:rPr>
+              <a:t>Speed B</a:t>
+            </a:r>
+            <a:r>
+              <a:rPr lang="en-US" sz="1600" dirty="0" smtClean="0">
+                <a:solidFill>
+                  <a:schemeClr val="tx1"/>
+                </a:solidFill>
+              </a:rPr>
+              <a:t>: Speed/Direction of Loop B</a:t>
+            </a:r>
+            <a:endParaRPr lang="en-US" sz="1600" dirty="0">
+              <a:solidFill>
+                <a:schemeClr val="bg1"/>
+              </a:solidFill>
+            </a:endParaRPr>
+          </a:p>
+        </p:txBody>
+      </p:sp>
+      <p:sp>
+        <p:nvSpPr>
+          <p:cNvPr id="52" name="Rectangle 51"/>
+          <p:cNvSpPr/>
+          <p:nvPr/>
+        </p:nvSpPr>
+        <p:spPr>
+          <a:xfrm>
+            <a:off x="180976" y="2800978"/>
+            <a:ext cx="4104918" cy="1560543"/>
+          </a:xfrm>
+          <a:prstGeom prst="rect">
+            <a:avLst/>
+          </a:prstGeom>
+        </p:spPr>
+        <p:style>
+          <a:lnRef idx="2">
+            <a:schemeClr val="dk1">
+              <a:shade val="50000"/>
+            </a:schemeClr>
+          </a:lnRef>
+          <a:fillRef idx="1003">
+            <a:schemeClr val="dk1"/>
+          </a:fillRef>
+          <a:effectRef idx="0">
+            <a:schemeClr val="dk1"/>
+          </a:effectRef>
+          <a:fontRef idx="minor">
+            <a:schemeClr val="lt1"/>
+          </a:fontRef>
+        </p:style>
+        <p:txBody>
+          <a:bodyPr rtlCol="0" anchor="ctr"/>
+          <a:lstStyle/>
+          <a:p>
+            <a:r>
+              <a:rPr lang="en-US" sz="1600" b="1" dirty="0" smtClean="0">
+                <a:solidFill>
+                  <a:schemeClr val="bg1"/>
+                </a:solidFill>
+              </a:rPr>
+              <a:t>Speed Mode:</a:t>
+            </a:r>
+          </a:p>
+          <a:p>
+            <a:r>
+              <a:rPr lang="en-US" sz="1600" b="1" dirty="0" smtClean="0">
+                <a:solidFill>
+                  <a:schemeClr val="bg1"/>
+                </a:solidFill>
+              </a:rPr>
+              <a:t>  Left:  Smooth like a tape mode, reverse 2x to </a:t>
+            </a:r>
+            <a:r>
+              <a:rPr lang="en-US" sz="1600" b="1" dirty="0" err="1" smtClean="0">
+                <a:solidFill>
+                  <a:schemeClr val="bg1"/>
+                </a:solidFill>
+              </a:rPr>
+              <a:t>fwd</a:t>
+            </a:r>
+            <a:r>
+              <a:rPr lang="en-US" sz="1600" b="1" dirty="0" smtClean="0">
+                <a:solidFill>
+                  <a:schemeClr val="bg1"/>
+                </a:solidFill>
+              </a:rPr>
+              <a:t> 2x speed.</a:t>
+            </a:r>
+          </a:p>
+          <a:p>
+            <a:r>
+              <a:rPr lang="en-US" sz="1600" b="1" dirty="0">
+                <a:solidFill>
+                  <a:schemeClr val="bg1"/>
+                </a:solidFill>
+              </a:rPr>
+              <a:t> </a:t>
+            </a:r>
+            <a:r>
+              <a:rPr lang="en-US" sz="1600" b="1" dirty="0" smtClean="0">
+                <a:solidFill>
+                  <a:schemeClr val="bg1"/>
+                </a:solidFill>
+              </a:rPr>
+              <a:t> Center: Stepped in 5ths and Octaves from reverse 2x to forward 3x, noon is 1x speed</a:t>
+            </a:r>
+          </a:p>
+          <a:p>
+            <a:r>
+              <a:rPr lang="en-US" sz="1600" b="1" dirty="0">
+                <a:solidFill>
+                  <a:schemeClr val="bg1"/>
+                </a:solidFill>
+              </a:rPr>
+              <a:t> </a:t>
+            </a:r>
+            <a:r>
+              <a:rPr lang="en-US" sz="1600" b="1" dirty="0" smtClean="0">
+                <a:solidFill>
+                  <a:schemeClr val="bg1"/>
+                </a:solidFill>
+              </a:rPr>
+              <a:t> Right:  TBD</a:t>
+            </a:r>
+          </a:p>
+        </p:txBody>
+      </p:sp>
+      <p:sp>
+        <p:nvSpPr>
+          <p:cNvPr id="54" name="Rectangle 53"/>
+          <p:cNvSpPr/>
+          <p:nvPr/>
+        </p:nvSpPr>
+        <p:spPr>
+          <a:xfrm>
+            <a:off x="76199" y="4385397"/>
+            <a:ext cx="4452576" cy="1141089"/>
+          </a:xfrm>
+          <a:prstGeom prst="rect">
+            <a:avLst/>
+          </a:prstGeom>
+        </p:spPr>
+        <p:style>
+          <a:lnRef idx="2">
+            <a:schemeClr val="dk1">
+              <a:shade val="50000"/>
+            </a:schemeClr>
+          </a:lnRef>
+          <a:fillRef idx="1003">
+            <a:schemeClr val="dk1"/>
+          </a:fillRef>
+          <a:effectRef idx="0">
+            <a:schemeClr val="dk1"/>
+          </a:effectRef>
+          <a:fontRef idx="minor">
+            <a:schemeClr val="lt1"/>
+          </a:fontRef>
+        </p:style>
+        <p:txBody>
+          <a:bodyPr rtlCol="0" anchor="ctr"/>
+          <a:lstStyle/>
+          <a:p>
+            <a:r>
+              <a:rPr lang="en-US" sz="1600" b="1" dirty="0" smtClean="0">
+                <a:solidFill>
+                  <a:schemeClr val="bg1"/>
+                </a:solidFill>
+              </a:rPr>
+              <a:t>Effect (Applied to loops):</a:t>
+            </a:r>
+          </a:p>
+          <a:p>
+            <a:r>
+              <a:rPr lang="en-US" sz="1600" b="1" dirty="0" smtClean="0">
+                <a:solidFill>
+                  <a:schemeClr val="bg1"/>
+                </a:solidFill>
+              </a:rPr>
+              <a:t>  Left:  Stability, adds random variations in speed</a:t>
+            </a:r>
+          </a:p>
+          <a:p>
+            <a:r>
+              <a:rPr lang="en-US" sz="1600" b="1" dirty="0" smtClean="0">
+                <a:solidFill>
+                  <a:schemeClr val="bg1"/>
+                </a:solidFill>
+              </a:rPr>
+              <a:t>  Center: Filter, left of noon is </a:t>
+            </a:r>
+            <a:r>
+              <a:rPr lang="en-US" sz="1600" b="1" dirty="0" err="1" smtClean="0">
+                <a:solidFill>
+                  <a:schemeClr val="bg1"/>
+                </a:solidFill>
+              </a:rPr>
+              <a:t>lowpass</a:t>
+            </a:r>
+            <a:r>
+              <a:rPr lang="en-US" sz="1600" b="1" dirty="0" smtClean="0">
+                <a:solidFill>
+                  <a:schemeClr val="bg1"/>
+                </a:solidFill>
+              </a:rPr>
+              <a:t>, right is high</a:t>
+            </a:r>
+          </a:p>
+          <a:p>
+            <a:r>
+              <a:rPr lang="en-US" sz="1600" b="1" dirty="0" smtClean="0">
+                <a:solidFill>
+                  <a:schemeClr val="bg1"/>
+                </a:solidFill>
+              </a:rPr>
+              <a:t>  Right:  Stereo reverb applied to both A/B loops</a:t>
+            </a:r>
+          </a:p>
+        </p:txBody>
+      </p:sp>
+      <p:sp>
+        <p:nvSpPr>
+          <p:cNvPr id="55" name="Rectangle 54"/>
+          <p:cNvSpPr/>
+          <p:nvPr/>
+        </p:nvSpPr>
+        <p:spPr>
+          <a:xfrm>
+            <a:off x="7618077" y="3110369"/>
+            <a:ext cx="4150901" cy="1491309"/>
+          </a:xfrm>
+          <a:prstGeom prst="rect">
+            <a:avLst/>
+          </a:prstGeom>
+        </p:spPr>
+        <p:style>
+          <a:lnRef idx="2">
+            <a:schemeClr val="dk1">
+              <a:shade val="50000"/>
+            </a:schemeClr>
+          </a:lnRef>
+          <a:fillRef idx="1003">
+            <a:schemeClr val="dk1"/>
+          </a:fillRef>
+          <a:effectRef idx="0">
+            <a:schemeClr val="dk1"/>
+          </a:effectRef>
+          <a:fontRef idx="minor">
+            <a:schemeClr val="lt1"/>
+          </a:fontRef>
+        </p:style>
+        <p:txBody>
+          <a:bodyPr rtlCol="0" anchor="ctr"/>
+          <a:lstStyle/>
+          <a:p>
+            <a:r>
+              <a:rPr lang="en-US" sz="1600" b="1" dirty="0" smtClean="0">
+                <a:solidFill>
+                  <a:schemeClr val="bg1"/>
+                </a:solidFill>
+              </a:rPr>
+              <a:t>Record Mode Switch:</a:t>
+            </a:r>
+            <a:endParaRPr lang="en-US" sz="1600" b="1" dirty="0" smtClean="0">
+              <a:solidFill>
+                <a:schemeClr val="bg1"/>
+              </a:solidFill>
+            </a:endParaRPr>
+          </a:p>
+          <a:p>
+            <a:r>
+              <a:rPr lang="en-US" sz="1600" b="1" dirty="0" smtClean="0">
+                <a:solidFill>
+                  <a:schemeClr val="bg1"/>
+                </a:solidFill>
+              </a:rPr>
+              <a:t>  Left:  Normal </a:t>
+            </a:r>
+            <a:r>
+              <a:rPr lang="en-US" sz="1600" b="1" dirty="0" smtClean="0">
+                <a:solidFill>
+                  <a:schemeClr val="bg1"/>
+                </a:solidFill>
+              </a:rPr>
+              <a:t>Record w/ repeated overdub </a:t>
+            </a:r>
+            <a:endParaRPr lang="en-US" sz="1600" b="1" dirty="0" smtClean="0">
+              <a:solidFill>
+                <a:schemeClr val="bg1"/>
+              </a:solidFill>
+            </a:endParaRPr>
+          </a:p>
+          <a:p>
+            <a:r>
+              <a:rPr lang="en-US" sz="1600" b="1" dirty="0" smtClean="0">
+                <a:solidFill>
+                  <a:schemeClr val="bg1"/>
+                </a:solidFill>
+              </a:rPr>
+              <a:t>  Center: </a:t>
+            </a:r>
+            <a:r>
+              <a:rPr lang="en-US" sz="1600" b="1" dirty="0" smtClean="0">
+                <a:solidFill>
+                  <a:schemeClr val="bg1"/>
+                </a:solidFill>
+              </a:rPr>
+              <a:t>Single record, starts at beginning of   loop, stops recording at end of loop</a:t>
+            </a:r>
+            <a:endParaRPr lang="en-US" sz="1600" b="1" dirty="0" smtClean="0">
+              <a:solidFill>
+                <a:schemeClr val="bg1"/>
+              </a:solidFill>
+            </a:endParaRPr>
+          </a:p>
+          <a:p>
+            <a:r>
+              <a:rPr lang="en-US" sz="1600" b="1" dirty="0" smtClean="0">
+                <a:solidFill>
+                  <a:schemeClr val="bg1"/>
+                </a:solidFill>
+              </a:rPr>
+              <a:t>  Right:  </a:t>
+            </a:r>
+            <a:r>
+              <a:rPr lang="en-US" sz="1600" b="1" dirty="0" err="1" smtClean="0">
+                <a:solidFill>
+                  <a:schemeClr val="bg1"/>
+                </a:solidFill>
+              </a:rPr>
+              <a:t>Frippertronics</a:t>
+            </a:r>
+            <a:r>
+              <a:rPr lang="en-US" sz="1600" b="1" dirty="0">
+                <a:solidFill>
+                  <a:schemeClr val="bg1"/>
+                </a:solidFill>
+              </a:rPr>
+              <a:t> </a:t>
+            </a:r>
+            <a:r>
+              <a:rPr lang="en-US" sz="1600" b="1" dirty="0" smtClean="0">
+                <a:solidFill>
+                  <a:schemeClr val="bg1"/>
+                </a:solidFill>
+              </a:rPr>
+              <a:t>mode, delay-like loop with a decay while recording.</a:t>
+            </a:r>
+            <a:endParaRPr lang="en-US" sz="1600" b="1" dirty="0" smtClean="0">
+              <a:solidFill>
+                <a:schemeClr val="bg1"/>
+              </a:solidFill>
+            </a:endParaRPr>
+          </a:p>
+        </p:txBody>
+      </p:sp>
+      <p:sp>
+        <p:nvSpPr>
+          <p:cNvPr id="56" name="Rectangle 55"/>
+          <p:cNvSpPr/>
+          <p:nvPr/>
+        </p:nvSpPr>
+        <p:spPr>
+          <a:xfrm>
+            <a:off x="7618077" y="4672186"/>
+            <a:ext cx="3034908" cy="810200"/>
+          </a:xfrm>
+          <a:prstGeom prst="rect">
+            <a:avLst/>
+          </a:prstGeom>
+        </p:spPr>
+        <p:style>
+          <a:lnRef idx="2">
+            <a:schemeClr val="dk1">
+              <a:shade val="50000"/>
+            </a:schemeClr>
+          </a:lnRef>
+          <a:fillRef idx="1001">
+            <a:schemeClr val="dk2"/>
+          </a:fillRef>
+          <a:effectRef idx="0">
+            <a:schemeClr val="dk1"/>
+          </a:effectRef>
+          <a:fontRef idx="minor">
+            <a:schemeClr val="lt1"/>
+          </a:fontRef>
+        </p:style>
+        <p:txBody>
+          <a:bodyPr rtlCol="0" anchor="ctr"/>
+          <a:lstStyle/>
+          <a:p>
+            <a:r>
+              <a:rPr lang="en-US" sz="1600" b="1" dirty="0" smtClean="0">
+                <a:solidFill>
+                  <a:schemeClr val="bg1"/>
+                </a:solidFill>
+              </a:rPr>
+              <a:t>Dip Switches:</a:t>
+            </a:r>
+          </a:p>
+          <a:p>
+            <a:r>
+              <a:rPr lang="en-US" sz="1600" b="1" dirty="0" smtClean="0">
+                <a:solidFill>
+                  <a:schemeClr val="bg1"/>
+                </a:solidFill>
+              </a:rPr>
+              <a:t>  1: </a:t>
+            </a:r>
+            <a:r>
+              <a:rPr lang="en-US" sz="1600" b="1" dirty="0" smtClean="0">
+                <a:solidFill>
+                  <a:schemeClr val="bg1"/>
+                </a:solidFill>
+              </a:rPr>
+              <a:t>Stereo </a:t>
+            </a:r>
+            <a:r>
+              <a:rPr lang="en-US" sz="1600" b="1" dirty="0" err="1" smtClean="0">
+                <a:solidFill>
+                  <a:schemeClr val="bg1"/>
+                </a:solidFill>
+              </a:rPr>
+              <a:t>Looper</a:t>
+            </a:r>
+            <a:r>
+              <a:rPr lang="en-US" sz="1600" b="1" dirty="0" smtClean="0">
+                <a:solidFill>
+                  <a:schemeClr val="bg1"/>
+                </a:solidFill>
+              </a:rPr>
+              <a:t>/Dual </a:t>
+            </a:r>
+            <a:r>
+              <a:rPr lang="en-US" sz="1600" b="1" dirty="0" err="1" smtClean="0">
+                <a:solidFill>
+                  <a:schemeClr val="bg1"/>
+                </a:solidFill>
+              </a:rPr>
+              <a:t>Loopers</a:t>
+            </a:r>
+            <a:endParaRPr lang="en-US" sz="1600" b="1" dirty="0" smtClean="0">
+              <a:solidFill>
+                <a:schemeClr val="bg1"/>
+              </a:solidFill>
+            </a:endParaRPr>
+          </a:p>
+          <a:p>
+            <a:r>
+              <a:rPr lang="en-US" sz="1600" b="1" dirty="0" smtClean="0">
+                <a:solidFill>
+                  <a:schemeClr val="bg1"/>
+                </a:solidFill>
+              </a:rPr>
+              <a:t>  2</a:t>
+            </a:r>
+            <a:r>
+              <a:rPr lang="en-US" sz="1600" b="1" dirty="0" smtClean="0">
+                <a:solidFill>
+                  <a:schemeClr val="bg1"/>
+                </a:solidFill>
+              </a:rPr>
+              <a:t>:</a:t>
+            </a:r>
+            <a:endParaRPr lang="en-US" sz="1600" b="1" dirty="0" smtClean="0">
+              <a:solidFill>
+                <a:schemeClr val="bg1"/>
+              </a:solidFill>
+            </a:endParaRPr>
+          </a:p>
+        </p:txBody>
+      </p:sp>
+      <p:sp>
+        <p:nvSpPr>
+          <p:cNvPr id="57" name="Rectangle 56"/>
+          <p:cNvSpPr/>
+          <p:nvPr/>
+        </p:nvSpPr>
+        <p:spPr>
+          <a:xfrm>
+            <a:off x="76199" y="5647570"/>
+            <a:ext cx="4410505" cy="1044754"/>
+          </a:xfrm>
+          <a:prstGeom prst="rect">
+            <a:avLst/>
+          </a:prstGeom>
+        </p:spPr>
+        <p:style>
+          <a:lnRef idx="2">
+            <a:schemeClr val="dk1">
+              <a:shade val="50000"/>
+            </a:schemeClr>
+          </a:lnRef>
+          <a:fillRef idx="1001">
+            <a:schemeClr val="dk2"/>
+          </a:fillRef>
+          <a:effectRef idx="0">
+            <a:schemeClr val="dk1"/>
+          </a:effectRef>
+          <a:fontRef idx="minor">
+            <a:schemeClr val="lt1"/>
+          </a:fontRef>
+        </p:style>
+        <p:txBody>
+          <a:bodyPr rtlCol="0" anchor="ctr"/>
+          <a:lstStyle/>
+          <a:p>
+            <a:r>
+              <a:rPr lang="en-US" sz="1600" b="1" dirty="0" smtClean="0">
+                <a:solidFill>
+                  <a:schemeClr val="bg1"/>
+                </a:solidFill>
+              </a:rPr>
+              <a:t>Left Footswitch: </a:t>
+            </a:r>
+            <a:r>
+              <a:rPr lang="en-US" sz="1400" dirty="0" smtClean="0">
+                <a:solidFill>
+                  <a:schemeClr val="bg1"/>
+                </a:solidFill>
+              </a:rPr>
+              <a:t>Loop A, press once to begin recording, press again to stop recording and start playback. Repeat to overdub. Hold to clear loop. Double tap to pause loop.</a:t>
+            </a:r>
+            <a:r>
+              <a:rPr lang="en-US" sz="1600" b="1" dirty="0" smtClean="0">
+                <a:solidFill>
+                  <a:schemeClr val="bg1"/>
+                </a:solidFill>
+              </a:rPr>
+              <a:t> </a:t>
+            </a:r>
+          </a:p>
+        </p:txBody>
+      </p:sp>
+      <p:sp>
+        <p:nvSpPr>
+          <p:cNvPr id="59" name="Rectangle 58"/>
+          <p:cNvSpPr/>
+          <p:nvPr/>
+        </p:nvSpPr>
+        <p:spPr>
+          <a:xfrm>
+            <a:off x="76199" y="81280"/>
+            <a:ext cx="7401561" cy="1023772"/>
+          </a:xfrm>
+          <a:prstGeom prst="rect">
+            <a:avLst/>
+          </a:prstGeom>
+          <a:ln/>
+        </p:spPr>
+        <p:style>
+          <a:lnRef idx="1">
+            <a:schemeClr val="accent4"/>
+          </a:lnRef>
+          <a:fillRef idx="2">
+            <a:schemeClr val="accent4"/>
+          </a:fillRef>
+          <a:effectRef idx="1">
+            <a:schemeClr val="accent4"/>
+          </a:effectRef>
+          <a:fontRef idx="minor">
+            <a:schemeClr val="dk1"/>
+          </a:fontRef>
+        </p:style>
+        <p:txBody>
+          <a:bodyPr rtlCol="0" anchor="ctr"/>
+          <a:lstStyle/>
+          <a:p>
+            <a:r>
+              <a:rPr lang="en-US" sz="2800" b="1" dirty="0" smtClean="0">
+                <a:solidFill>
+                  <a:schemeClr val="tx1"/>
+                </a:solidFill>
+              </a:rPr>
+              <a:t>Pluto</a:t>
+            </a:r>
+            <a:r>
+              <a:rPr lang="en-US" sz="1400" b="1" dirty="0" smtClean="0">
+                <a:solidFill>
+                  <a:schemeClr val="tx1"/>
+                </a:solidFill>
+              </a:rPr>
+              <a:t> is a dual/stereo variable speed </a:t>
+            </a:r>
+            <a:r>
+              <a:rPr lang="en-US" sz="1400" b="1" dirty="0" err="1" smtClean="0">
+                <a:solidFill>
+                  <a:schemeClr val="tx1"/>
+                </a:solidFill>
+              </a:rPr>
+              <a:t>looper</a:t>
+            </a:r>
+            <a:r>
+              <a:rPr lang="en-US" sz="1400" b="1" dirty="0" smtClean="0">
+                <a:solidFill>
+                  <a:schemeClr val="tx1"/>
+                </a:solidFill>
+              </a:rPr>
+              <a:t> pedal </a:t>
+            </a:r>
+            <a:r>
+              <a:rPr lang="en-US" sz="1400" b="1" dirty="0" smtClean="0">
+                <a:solidFill>
+                  <a:schemeClr val="tx1"/>
+                </a:solidFill>
+              </a:rPr>
+              <a:t>with </a:t>
+            </a:r>
+            <a:r>
+              <a:rPr lang="en-US" sz="1400" b="1" dirty="0" smtClean="0">
+                <a:solidFill>
+                  <a:schemeClr val="tx1"/>
+                </a:solidFill>
+              </a:rPr>
+              <a:t>real-time effects</a:t>
+            </a:r>
+            <a:r>
+              <a:rPr lang="en-US" sz="1400" b="1" dirty="0" smtClean="0">
+                <a:solidFill>
+                  <a:schemeClr val="tx1"/>
+                </a:solidFill>
+              </a:rPr>
+              <a:t>. If Stereo is engaged, the two loops are synced (A=Left channel, B=Right channel). If Dual </a:t>
+            </a:r>
+            <a:r>
+              <a:rPr lang="en-US" sz="1400" b="1" dirty="0" err="1" smtClean="0">
+                <a:solidFill>
+                  <a:schemeClr val="tx1"/>
+                </a:solidFill>
+              </a:rPr>
+              <a:t>Looper</a:t>
+            </a:r>
+            <a:r>
+              <a:rPr lang="en-US" sz="1400" b="1" dirty="0" smtClean="0">
+                <a:solidFill>
+                  <a:schemeClr val="tx1"/>
+                </a:solidFill>
+              </a:rPr>
+              <a:t> is engaged, Loop A and B are completely separate. Loops are recorded to the current Speed setting, so if you record while at 2x it wil</a:t>
+            </a:r>
+            <a:r>
+              <a:rPr lang="en-US" sz="1400" b="1" dirty="0" smtClean="0">
+                <a:solidFill>
+                  <a:schemeClr val="tx1"/>
+                </a:solidFill>
+              </a:rPr>
+              <a:t>l sound normal, if you drop to 1x it will sound like half speed, etc.</a:t>
+            </a:r>
+            <a:endParaRPr lang="en-US" sz="1600" b="1" dirty="0" smtClean="0">
+              <a:solidFill>
+                <a:schemeClr val="tx1"/>
+              </a:solidFill>
+            </a:endParaRPr>
+          </a:p>
+        </p:txBody>
+      </p:sp>
+      <p:sp>
+        <p:nvSpPr>
+          <p:cNvPr id="60" name="Rectangle 59"/>
+          <p:cNvSpPr/>
+          <p:nvPr/>
+        </p:nvSpPr>
+        <p:spPr>
+          <a:xfrm>
+            <a:off x="7586062" y="81281"/>
+            <a:ext cx="4433218" cy="1425570"/>
+          </a:xfrm>
+          <a:prstGeom prst="rect">
+            <a:avLst/>
+          </a:prstGeom>
+          <a:ln/>
+        </p:spPr>
+        <p:style>
+          <a:lnRef idx="1">
+            <a:schemeClr val="accent4"/>
+          </a:lnRef>
+          <a:fillRef idx="2">
+            <a:schemeClr val="accent4"/>
+          </a:fillRef>
+          <a:effectRef idx="1">
+            <a:schemeClr val="accent4"/>
+          </a:effectRef>
+          <a:fontRef idx="minor">
+            <a:schemeClr val="dk1"/>
+          </a:fontRef>
+        </p:style>
+        <p:txBody>
+          <a:bodyPr rtlCol="0" anchor="ctr"/>
+          <a:lstStyle/>
+          <a:p>
+            <a:r>
+              <a:rPr lang="en-US" sz="1600" b="1" dirty="0" smtClean="0">
+                <a:solidFill>
+                  <a:schemeClr val="tx1"/>
+                </a:solidFill>
+              </a:rPr>
+              <a:t>Stereo/Miso: If using Dual </a:t>
+            </a:r>
+            <a:r>
+              <a:rPr lang="en-US" sz="1600" b="1" dirty="0" err="1" smtClean="0">
+                <a:solidFill>
+                  <a:schemeClr val="tx1"/>
+                </a:solidFill>
+              </a:rPr>
+              <a:t>looper</a:t>
+            </a:r>
+            <a:r>
+              <a:rPr lang="en-US" sz="1600" b="1" dirty="0" smtClean="0">
+                <a:solidFill>
+                  <a:schemeClr val="tx1"/>
+                </a:solidFill>
+              </a:rPr>
+              <a:t>, Left channel is copied to right for both Loop A and loop B. While in Stereo mode, Loop A is the left channel, Loop B is the right channel (Loop B footswitch </a:t>
+            </a:r>
+            <a:r>
+              <a:rPr lang="en-US" sz="1600" b="1" smtClean="0">
+                <a:solidFill>
+                  <a:schemeClr val="tx1"/>
+                </a:solidFill>
+              </a:rPr>
+              <a:t>is inactive).</a:t>
+            </a:r>
+            <a:endParaRPr lang="en-US" sz="1600" b="1" dirty="0" smtClean="0">
+              <a:solidFill>
+                <a:schemeClr val="tx1"/>
+              </a:solidFill>
+            </a:endParaRPr>
+          </a:p>
+          <a:p>
+            <a:endParaRPr lang="en-US" sz="800" b="1" dirty="0" smtClean="0">
+              <a:solidFill>
+                <a:schemeClr val="tx1"/>
+              </a:solidFill>
+            </a:endParaRPr>
+          </a:p>
+          <a:p>
+            <a:r>
+              <a:rPr lang="en-US" sz="1600" b="1" dirty="0" smtClean="0">
+                <a:solidFill>
+                  <a:schemeClr val="tx1"/>
+                </a:solidFill>
+              </a:rPr>
+              <a:t>Pluto runs at 96kHz (instead of 48kHz)</a:t>
+            </a:r>
+            <a:endParaRPr lang="en-US" sz="1600" b="1" dirty="0" smtClean="0">
+              <a:solidFill>
+                <a:schemeClr val="tx1"/>
+              </a:solidFill>
+            </a:endParaRPr>
+          </a:p>
+        </p:txBody>
+      </p:sp>
+      <p:cxnSp>
+        <p:nvCxnSpPr>
+          <p:cNvPr id="62" name="Straight Arrow Connector 61"/>
+          <p:cNvCxnSpPr>
+            <a:stCxn id="49" idx="3"/>
+          </p:cNvCxnSpPr>
+          <p:nvPr/>
+        </p:nvCxnSpPr>
+        <p:spPr>
+          <a:xfrm flipV="1">
+            <a:off x="4247056" y="2054594"/>
+            <a:ext cx="371937" cy="104790"/>
+          </a:xfrm>
+          <a:prstGeom prst="straightConnector1">
+            <a:avLst/>
+          </a:prstGeom>
+          <a:ln>
+            <a:tailEnd type="triangle"/>
+          </a:ln>
+        </p:spPr>
+        <p:style>
+          <a:lnRef idx="3">
+            <a:schemeClr val="dk1"/>
+          </a:lnRef>
+          <a:fillRef idx="0">
+            <a:schemeClr val="dk1"/>
+          </a:fillRef>
+          <a:effectRef idx="2">
+            <a:schemeClr val="dk1"/>
+          </a:effectRef>
+          <a:fontRef idx="minor">
+            <a:schemeClr val="tx1"/>
+          </a:fontRef>
+        </p:style>
+      </p:cxnSp>
+      <p:cxnSp>
+        <p:nvCxnSpPr>
+          <p:cNvPr id="64" name="Straight Arrow Connector 63"/>
+          <p:cNvCxnSpPr/>
+          <p:nvPr/>
+        </p:nvCxnSpPr>
+        <p:spPr>
+          <a:xfrm flipH="1">
+            <a:off x="7258135" y="3012268"/>
+            <a:ext cx="341583" cy="0"/>
+          </a:xfrm>
+          <a:prstGeom prst="straightConnector1">
+            <a:avLst/>
+          </a:prstGeom>
+          <a:ln>
+            <a:tailEnd type="triangle"/>
+          </a:ln>
+        </p:spPr>
+        <p:style>
+          <a:lnRef idx="3">
+            <a:schemeClr val="dk1"/>
+          </a:lnRef>
+          <a:fillRef idx="0">
+            <a:schemeClr val="dk1"/>
+          </a:fillRef>
+          <a:effectRef idx="2">
+            <a:schemeClr val="dk1"/>
+          </a:effectRef>
+          <a:fontRef idx="minor">
+            <a:schemeClr val="tx1"/>
+          </a:fontRef>
+        </p:style>
+      </p:cxnSp>
+      <p:cxnSp>
+        <p:nvCxnSpPr>
+          <p:cNvPr id="68" name="Straight Arrow Connector 67"/>
+          <p:cNvCxnSpPr/>
+          <p:nvPr/>
+        </p:nvCxnSpPr>
+        <p:spPr>
+          <a:xfrm>
+            <a:off x="4286374" y="3901586"/>
+            <a:ext cx="570112" cy="12433"/>
+          </a:xfrm>
+          <a:prstGeom prst="straightConnector1">
+            <a:avLst/>
+          </a:prstGeom>
+          <a:ln>
+            <a:tailEnd type="triangle"/>
+          </a:ln>
+        </p:spPr>
+        <p:style>
+          <a:lnRef idx="3">
+            <a:schemeClr val="dk1"/>
+          </a:lnRef>
+          <a:fillRef idx="0">
+            <a:schemeClr val="dk1"/>
+          </a:fillRef>
+          <a:effectRef idx="2">
+            <a:schemeClr val="dk1"/>
+          </a:effectRef>
+          <a:fontRef idx="minor">
+            <a:schemeClr val="tx1"/>
+          </a:fontRef>
+        </p:style>
+      </p:cxnSp>
+      <p:cxnSp>
+        <p:nvCxnSpPr>
+          <p:cNvPr id="75" name="Straight Arrow Connector 74"/>
+          <p:cNvCxnSpPr/>
+          <p:nvPr/>
+        </p:nvCxnSpPr>
+        <p:spPr>
+          <a:xfrm flipH="1" flipV="1">
+            <a:off x="6999564" y="3956135"/>
+            <a:ext cx="618513" cy="7881"/>
+          </a:xfrm>
+          <a:prstGeom prst="straightConnector1">
+            <a:avLst/>
+          </a:prstGeom>
+          <a:ln>
+            <a:tailEnd type="triangle"/>
+          </a:ln>
+        </p:spPr>
+        <p:style>
+          <a:lnRef idx="3">
+            <a:schemeClr val="dk1"/>
+          </a:lnRef>
+          <a:fillRef idx="0">
+            <a:schemeClr val="dk1"/>
+          </a:fillRef>
+          <a:effectRef idx="2">
+            <a:schemeClr val="dk1"/>
+          </a:effectRef>
+          <a:fontRef idx="minor">
+            <a:schemeClr val="tx1"/>
+          </a:fontRef>
+        </p:style>
+      </p:cxnSp>
+      <p:cxnSp>
+        <p:nvCxnSpPr>
+          <p:cNvPr id="78" name="Elbow Connector 77"/>
+          <p:cNvCxnSpPr/>
+          <p:nvPr/>
+        </p:nvCxnSpPr>
+        <p:spPr>
+          <a:xfrm flipV="1">
+            <a:off x="4528775" y="3923378"/>
+            <a:ext cx="1157365" cy="616420"/>
+          </a:xfrm>
+          <a:prstGeom prst="bentConnector3">
+            <a:avLst>
+              <a:gd name="adj1" fmla="val 79628"/>
+            </a:avLst>
+          </a:prstGeom>
+          <a:ln>
+            <a:tailEnd type="triangle"/>
+          </a:ln>
+        </p:spPr>
+        <p:style>
+          <a:lnRef idx="3">
+            <a:schemeClr val="dk1"/>
+          </a:lnRef>
+          <a:fillRef idx="0">
+            <a:schemeClr val="dk1"/>
+          </a:fillRef>
+          <a:effectRef idx="2">
+            <a:schemeClr val="dk1"/>
+          </a:effectRef>
+          <a:fontRef idx="minor">
+            <a:schemeClr val="tx1"/>
+          </a:fontRef>
+        </p:style>
+      </p:cxnSp>
+      <p:sp>
+        <p:nvSpPr>
+          <p:cNvPr id="81" name="Rectangle 80"/>
+          <p:cNvSpPr/>
+          <p:nvPr/>
+        </p:nvSpPr>
+        <p:spPr>
+          <a:xfrm>
+            <a:off x="7205470" y="4298155"/>
+            <a:ext cx="45719" cy="303523"/>
+          </a:xfrm>
+          <a:prstGeom prst="rect">
+            <a:avLst/>
+          </a:prstGeom>
+        </p:spPr>
+        <p:style>
+          <a:lnRef idx="2">
+            <a:schemeClr val="accent1">
+              <a:shade val="50000"/>
+            </a:schemeClr>
+          </a:lnRef>
+          <a:fillRef idx="1">
+            <a:schemeClr val="accent1"/>
+          </a:fillRef>
+          <a:effectRef idx="0">
+            <a:schemeClr val="accent1"/>
+          </a:effectRef>
+          <a:fontRef idx="minor">
+            <a:schemeClr val="lt1"/>
+          </a:fontRef>
+        </p:style>
+        <p:txBody>
+          <a:bodyPr rtlCol="0" anchor="ctr"/>
+          <a:lstStyle/>
+          <a:p>
+            <a:pPr algn="ctr"/>
+            <a:endParaRPr lang="en-US"/>
+          </a:p>
+        </p:txBody>
+      </p:sp>
+      <p:sp>
+        <p:nvSpPr>
+          <p:cNvPr id="82" name="Rectangle 81"/>
+          <p:cNvSpPr/>
+          <p:nvPr/>
+        </p:nvSpPr>
+        <p:spPr>
+          <a:xfrm>
+            <a:off x="7240002" y="4361522"/>
+            <a:ext cx="54086" cy="51892"/>
+          </a:xfrm>
+          <a:prstGeom prst="rect">
+            <a:avLst/>
+          </a:prstGeom>
+        </p:spPr>
+        <p:style>
+          <a:lnRef idx="2">
+            <a:schemeClr val="dk1"/>
+          </a:lnRef>
+          <a:fillRef idx="1">
+            <a:schemeClr val="lt1"/>
+          </a:fillRef>
+          <a:effectRef idx="0">
+            <a:schemeClr val="dk1"/>
+          </a:effectRef>
+          <a:fontRef idx="minor">
+            <a:schemeClr val="dk1"/>
+          </a:fontRef>
+        </p:style>
+        <p:txBody>
+          <a:bodyPr rtlCol="0" anchor="ctr"/>
+          <a:lstStyle/>
+          <a:p>
+            <a:pPr algn="ctr"/>
+            <a:endParaRPr lang="en-US"/>
+          </a:p>
+        </p:txBody>
+      </p:sp>
+      <p:sp>
+        <p:nvSpPr>
+          <p:cNvPr id="83" name="Rectangle 82"/>
+          <p:cNvSpPr/>
+          <p:nvPr/>
+        </p:nvSpPr>
+        <p:spPr>
+          <a:xfrm>
+            <a:off x="7239482" y="4455654"/>
+            <a:ext cx="54086" cy="51892"/>
+          </a:xfrm>
+          <a:prstGeom prst="rect">
+            <a:avLst/>
+          </a:prstGeom>
+        </p:spPr>
+        <p:style>
+          <a:lnRef idx="2">
+            <a:schemeClr val="dk1"/>
+          </a:lnRef>
+          <a:fillRef idx="1">
+            <a:schemeClr val="lt1"/>
+          </a:fillRef>
+          <a:effectRef idx="0">
+            <a:schemeClr val="dk1"/>
+          </a:effectRef>
+          <a:fontRef idx="minor">
+            <a:schemeClr val="dk1"/>
+          </a:fontRef>
+        </p:style>
+        <p:txBody>
+          <a:bodyPr rtlCol="0" anchor="ctr"/>
+          <a:lstStyle/>
+          <a:p>
+            <a:pPr algn="ctr"/>
+            <a:endParaRPr lang="en-US"/>
+          </a:p>
+        </p:txBody>
+      </p:sp>
+      <p:cxnSp>
+        <p:nvCxnSpPr>
+          <p:cNvPr id="95" name="Straight Arrow Connector 94"/>
+          <p:cNvCxnSpPr/>
+          <p:nvPr/>
+        </p:nvCxnSpPr>
+        <p:spPr>
+          <a:xfrm flipH="1" flipV="1">
+            <a:off x="7315001" y="4575210"/>
+            <a:ext cx="303076" cy="234573"/>
+          </a:xfrm>
+          <a:prstGeom prst="straightConnector1">
+            <a:avLst/>
+          </a:prstGeom>
+          <a:ln>
+            <a:tailEnd type="triangle"/>
+          </a:ln>
+        </p:spPr>
+        <p:style>
+          <a:lnRef idx="3">
+            <a:schemeClr val="dk1"/>
+          </a:lnRef>
+          <a:fillRef idx="0">
+            <a:schemeClr val="dk1"/>
+          </a:fillRef>
+          <a:effectRef idx="2">
+            <a:schemeClr val="dk1"/>
+          </a:effectRef>
+          <a:fontRef idx="minor">
+            <a:schemeClr val="tx1"/>
+          </a:fontRef>
+        </p:style>
+      </p:cxnSp>
+      <p:sp>
+        <p:nvSpPr>
+          <p:cNvPr id="66" name="TextBox 65"/>
+          <p:cNvSpPr txBox="1"/>
+          <p:nvPr/>
+        </p:nvSpPr>
+        <p:spPr>
+          <a:xfrm>
+            <a:off x="6396602" y="5529158"/>
+            <a:ext cx="619080" cy="246221"/>
+          </a:xfrm>
+          <a:prstGeom prst="rect">
+            <a:avLst/>
+          </a:prstGeom>
+          <a:noFill/>
+        </p:spPr>
+        <p:txBody>
+          <a:bodyPr wrap="none" rtlCol="0">
+            <a:spAutoFit/>
+          </a:bodyPr>
+          <a:lstStyle/>
+          <a:p>
+            <a:pPr algn="ctr"/>
+            <a:r>
+              <a:rPr lang="en-US" sz="1000" b="1" dirty="0" smtClean="0">
+                <a:latin typeface="Century Gothic" panose="020B0502020202020204" pitchFamily="34" charset="0"/>
+                <a:cs typeface="Adobe Devanagari" panose="02040503050201020203" pitchFamily="18" charset="0"/>
+              </a:rPr>
+              <a:t>Loop B</a:t>
+            </a:r>
+            <a:endParaRPr lang="en-US" sz="1000" b="1" dirty="0">
+              <a:latin typeface="Century Gothic" panose="020B0502020202020204" pitchFamily="34" charset="0"/>
+              <a:cs typeface="Adobe Devanagari" panose="02040503050201020203" pitchFamily="18" charset="0"/>
+            </a:endParaRPr>
+          </a:p>
+        </p:txBody>
+      </p:sp>
+      <p:sp>
+        <p:nvSpPr>
+          <p:cNvPr id="65" name="Rectangle 64"/>
+          <p:cNvSpPr/>
+          <p:nvPr/>
+        </p:nvSpPr>
+        <p:spPr>
+          <a:xfrm>
+            <a:off x="7358473" y="5592348"/>
+            <a:ext cx="4410505" cy="1099975"/>
+          </a:xfrm>
+          <a:prstGeom prst="rect">
+            <a:avLst/>
+          </a:prstGeom>
+        </p:spPr>
+        <p:style>
+          <a:lnRef idx="2">
+            <a:schemeClr val="dk1">
+              <a:shade val="50000"/>
+            </a:schemeClr>
+          </a:lnRef>
+          <a:fillRef idx="1001">
+            <a:schemeClr val="dk2"/>
+          </a:fillRef>
+          <a:effectRef idx="0">
+            <a:schemeClr val="dk1"/>
+          </a:effectRef>
+          <a:fontRef idx="minor">
+            <a:schemeClr val="lt1"/>
+          </a:fontRef>
+        </p:style>
+        <p:txBody>
+          <a:bodyPr rtlCol="0" anchor="ctr"/>
+          <a:lstStyle/>
+          <a:p>
+            <a:r>
+              <a:rPr lang="en-US" sz="1600" b="1" dirty="0" smtClean="0">
+                <a:solidFill>
+                  <a:schemeClr val="bg1"/>
+                </a:solidFill>
+              </a:rPr>
+              <a:t>Right </a:t>
+            </a:r>
+            <a:r>
+              <a:rPr lang="en-US" sz="1600" b="1" dirty="0" smtClean="0">
+                <a:solidFill>
+                  <a:schemeClr val="bg1"/>
+                </a:solidFill>
+              </a:rPr>
+              <a:t>Footswitch: </a:t>
+            </a:r>
+            <a:r>
+              <a:rPr lang="en-US" sz="1400" dirty="0" smtClean="0">
+                <a:solidFill>
+                  <a:schemeClr val="bg1"/>
+                </a:solidFill>
+              </a:rPr>
+              <a:t>Loop </a:t>
+            </a:r>
+            <a:r>
+              <a:rPr lang="en-US" sz="1400" dirty="0" smtClean="0">
+                <a:solidFill>
+                  <a:schemeClr val="bg1"/>
+                </a:solidFill>
+              </a:rPr>
+              <a:t>B, same action as Loop A. If Stereo dipswitch enabled, Loop B footswitch is inactive, and Pluto becomes a Stereo </a:t>
+            </a:r>
+            <a:r>
+              <a:rPr lang="en-US" sz="1400" dirty="0" err="1" smtClean="0">
+                <a:solidFill>
+                  <a:schemeClr val="bg1"/>
+                </a:solidFill>
+              </a:rPr>
+              <a:t>Looper</a:t>
+            </a:r>
+            <a:r>
+              <a:rPr lang="en-US" sz="1400" dirty="0" smtClean="0">
+                <a:solidFill>
+                  <a:schemeClr val="bg1"/>
+                </a:solidFill>
+              </a:rPr>
+              <a:t>. </a:t>
+            </a:r>
+            <a:r>
+              <a:rPr lang="en-US" sz="1400" dirty="0" smtClean="0">
+                <a:solidFill>
+                  <a:schemeClr val="bg1"/>
+                </a:solidFill>
+              </a:rPr>
+              <a:t>Loop B controls are applied to Right Channel, Loop A controls are applied to Left channel.</a:t>
+            </a:r>
+            <a:endParaRPr lang="en-US" sz="1600" b="1" dirty="0" smtClean="0">
+              <a:solidFill>
+                <a:schemeClr val="bg1"/>
+              </a:solidFill>
+            </a:endParaRPr>
+          </a:p>
+        </p:txBody>
+      </p:sp>
+    </p:spTree>
+    <p:extLst>
+      <p:ext uri="{BB962C8B-B14F-4D97-AF65-F5344CB8AC3E}">
+        <p14:creationId xmlns:p14="http://schemas.microsoft.com/office/powerpoint/2010/main" val="1612069438"/>
       </p:ext>
     </p:extLst>
   </p:cSld>

--- a/software/images/Infographics.pptx
+++ b/software/images/Infographics.pptx
@@ -9,6 +9,7 @@
     <p:sldId id="256" r:id="rId3"/>
     <p:sldId id="258" r:id="rId4"/>
     <p:sldId id="259" r:id="rId5"/>
+    <p:sldId id="260" r:id="rId6"/>
   </p:sldIdLst>
   <p:sldSz cx="12192000" cy="6858000"/>
   <p:notesSz cx="6858000" cy="9144000"/>
@@ -115,6 +116,35 @@
 </p:presentation>
 </file>
 
+<file path=ppt/changesInfos/changesInfo1.xml><?xml version="1.0" encoding="utf-8"?>
+<pc:chgInfo xmlns:a="http://schemas.openxmlformats.org/drawingml/2006/main" xmlns:r="http://schemas.openxmlformats.org/officeDocument/2006/relationships" xmlns:ac="http://schemas.microsoft.com/office/drawing/2013/main/command" xmlns:pc="http://schemas.microsoft.com/office/powerpoint/2013/main/command">
+  <pc:docChgLst>
+    <pc:chgData name="Rachel Bloemer" userId="77b46c2fcbe54245" providerId="LiveId" clId="{24D81073-3E66-491E-88CB-7DBD340A974C}"/>
+    <pc:docChg chg="modSld">
+      <pc:chgData name="Rachel Bloemer" userId="77b46c2fcbe54245" providerId="LiveId" clId="{24D81073-3E66-491E-88CB-7DBD340A974C}" dt="2024-06-20T23:02:13.296" v="1" actId="20577"/>
+      <pc:docMkLst>
+        <pc:docMk/>
+      </pc:docMkLst>
+      <pc:sldChg chg="modSp mod">
+        <pc:chgData name="Rachel Bloemer" userId="77b46c2fcbe54245" providerId="LiveId" clId="{24D81073-3E66-491E-88CB-7DBD340A974C}" dt="2024-06-20T23:02:13.296" v="1" actId="20577"/>
+        <pc:sldMkLst>
+          <pc:docMk/>
+          <pc:sldMk cId="2542036424" sldId="258"/>
+        </pc:sldMkLst>
+        <pc:spChg chg="mod">
+          <ac:chgData name="Rachel Bloemer" userId="77b46c2fcbe54245" providerId="LiveId" clId="{24D81073-3E66-491E-88CB-7DBD340A974C}" dt="2024-06-20T23:02:13.296" v="1" actId="20577"/>
+          <ac:spMkLst>
+            <pc:docMk/>
+            <pc:sldMk cId="2542036424" sldId="258"/>
+            <ac:spMk id="64" creationId="{00000000-0000-0000-0000-000000000000}"/>
+          </ac:spMkLst>
+        </pc:spChg>
+      </pc:sldChg>
+    </pc:docChg>
+  </pc:docChgLst>
+</pc:chgInfo>
+</file>
+
 <file path=ppt/slideLayouts/slideLayout1.xml><?xml version="1.0" encoding="utf-8"?>
 <p:sldLayout xmlns:a="http://schemas.openxmlformats.org/drawingml/2006/main" xmlns:r="http://schemas.openxmlformats.org/officeDocument/2006/relationships" xmlns:p="http://schemas.openxmlformats.org/presentationml/2006/main" type="title" preserve="1">
   <p:cSld name="Title Slide">
@@ -157,10 +187,9 @@
           </a:lstStyle>
           <a:p>
             <a:r>
-              <a:rPr lang="en-US" smtClean="0"/>
+              <a:rPr lang="en-US"/>
               <a:t>Click to edit Master title style</a:t>
             </a:r>
-            <a:endParaRPr lang="en-US"/>
           </a:p>
         </p:txBody>
       </p:sp>
@@ -222,10 +251,9 @@
           </a:lstStyle>
           <a:p>
             <a:r>
-              <a:rPr lang="en-US" smtClean="0"/>
+              <a:rPr lang="en-US"/>
               <a:t>Click to edit Master subtitle style</a:t>
             </a:r>
-            <a:endParaRPr lang="en-US"/>
           </a:p>
         </p:txBody>
       </p:sp>
@@ -246,7 +274,7 @@
           <a:p>
             <a:fld id="{E65F16E8-9810-4F67-B618-098E0E399057}" type="datetimeFigureOut">
               <a:rPr lang="en-US" smtClean="0"/>
-              <a:t>6/10/2024</a:t>
+              <a:t>6/20/2024</a:t>
             </a:fld>
             <a:endParaRPr lang="en-US"/>
           </a:p>
@@ -340,10 +368,9 @@
           <a:lstStyle/>
           <a:p>
             <a:r>
-              <a:rPr lang="en-US" smtClean="0"/>
+              <a:rPr lang="en-US"/>
               <a:t>Click to edit Master title style</a:t>
             </a:r>
-            <a:endParaRPr lang="en-US"/>
           </a:p>
         </p:txBody>
       </p:sp>
@@ -364,38 +391,37 @@
           <a:p>
             <a:pPr lvl="0"/>
             <a:r>
-              <a:rPr lang="en-US" smtClean="0"/>
+              <a:rPr lang="en-US"/>
               <a:t>Edit Master text styles</a:t>
             </a:r>
           </a:p>
           <a:p>
             <a:pPr lvl="1"/>
             <a:r>
-              <a:rPr lang="en-US" smtClean="0"/>
+              <a:rPr lang="en-US"/>
               <a:t>Second level</a:t>
             </a:r>
           </a:p>
           <a:p>
             <a:pPr lvl="2"/>
             <a:r>
-              <a:rPr lang="en-US" smtClean="0"/>
+              <a:rPr lang="en-US"/>
               <a:t>Third level</a:t>
             </a:r>
           </a:p>
           <a:p>
             <a:pPr lvl="3"/>
             <a:r>
-              <a:rPr lang="en-US" smtClean="0"/>
+              <a:rPr lang="en-US"/>
               <a:t>Fourth level</a:t>
             </a:r>
           </a:p>
           <a:p>
             <a:pPr lvl="4"/>
             <a:r>
-              <a:rPr lang="en-US" smtClean="0"/>
+              <a:rPr lang="en-US"/>
               <a:t>Fifth level</a:t>
             </a:r>
-            <a:endParaRPr lang="en-US"/>
           </a:p>
         </p:txBody>
       </p:sp>
@@ -416,7 +442,7 @@
           <a:p>
             <a:fld id="{E65F16E8-9810-4F67-B618-098E0E399057}" type="datetimeFigureOut">
               <a:rPr lang="en-US" smtClean="0"/>
-              <a:t>6/10/2024</a:t>
+              <a:t>6/20/2024</a:t>
             </a:fld>
             <a:endParaRPr lang="en-US"/>
           </a:p>
@@ -515,10 +541,9 @@
           <a:lstStyle/>
           <a:p>
             <a:r>
-              <a:rPr lang="en-US" smtClean="0"/>
+              <a:rPr lang="en-US"/>
               <a:t>Click to edit Master title style</a:t>
             </a:r>
-            <a:endParaRPr lang="en-US"/>
           </a:p>
         </p:txBody>
       </p:sp>
@@ -544,38 +569,37 @@
           <a:p>
             <a:pPr lvl="0"/>
             <a:r>
-              <a:rPr lang="en-US" smtClean="0"/>
+              <a:rPr lang="en-US"/>
               <a:t>Edit Master text styles</a:t>
             </a:r>
           </a:p>
           <a:p>
             <a:pPr lvl="1"/>
             <a:r>
-              <a:rPr lang="en-US" smtClean="0"/>
+              <a:rPr lang="en-US"/>
               <a:t>Second level</a:t>
             </a:r>
           </a:p>
           <a:p>
             <a:pPr lvl="2"/>
             <a:r>
-              <a:rPr lang="en-US" smtClean="0"/>
+              <a:rPr lang="en-US"/>
               <a:t>Third level</a:t>
             </a:r>
           </a:p>
           <a:p>
             <a:pPr lvl="3"/>
             <a:r>
-              <a:rPr lang="en-US" smtClean="0"/>
+              <a:rPr lang="en-US"/>
               <a:t>Fourth level</a:t>
             </a:r>
           </a:p>
           <a:p>
             <a:pPr lvl="4"/>
             <a:r>
-              <a:rPr lang="en-US" smtClean="0"/>
+              <a:rPr lang="en-US"/>
               <a:t>Fifth level</a:t>
             </a:r>
-            <a:endParaRPr lang="en-US"/>
           </a:p>
         </p:txBody>
       </p:sp>
@@ -596,7 +620,7 @@
           <a:p>
             <a:fld id="{E65F16E8-9810-4F67-B618-098E0E399057}" type="datetimeFigureOut">
               <a:rPr lang="en-US" smtClean="0"/>
-              <a:t>6/10/2024</a:t>
+              <a:t>6/20/2024</a:t>
             </a:fld>
             <a:endParaRPr lang="en-US"/>
           </a:p>
@@ -690,10 +714,9 @@
           <a:lstStyle/>
           <a:p>
             <a:r>
-              <a:rPr lang="en-US" smtClean="0"/>
+              <a:rPr lang="en-US"/>
               <a:t>Click to edit Master title style</a:t>
             </a:r>
-            <a:endParaRPr lang="en-US"/>
           </a:p>
         </p:txBody>
       </p:sp>
@@ -714,38 +737,37 @@
           <a:p>
             <a:pPr lvl="0"/>
             <a:r>
-              <a:rPr lang="en-US" smtClean="0"/>
+              <a:rPr lang="en-US"/>
               <a:t>Edit Master text styles</a:t>
             </a:r>
           </a:p>
           <a:p>
             <a:pPr lvl="1"/>
             <a:r>
-              <a:rPr lang="en-US" smtClean="0"/>
+              <a:rPr lang="en-US"/>
               <a:t>Second level</a:t>
             </a:r>
           </a:p>
           <a:p>
             <a:pPr lvl="2"/>
             <a:r>
-              <a:rPr lang="en-US" smtClean="0"/>
+              <a:rPr lang="en-US"/>
               <a:t>Third level</a:t>
             </a:r>
           </a:p>
           <a:p>
             <a:pPr lvl="3"/>
             <a:r>
-              <a:rPr lang="en-US" smtClean="0"/>
+              <a:rPr lang="en-US"/>
               <a:t>Fourth level</a:t>
             </a:r>
           </a:p>
           <a:p>
             <a:pPr lvl="4"/>
             <a:r>
-              <a:rPr lang="en-US" smtClean="0"/>
+              <a:rPr lang="en-US"/>
               <a:t>Fifth level</a:t>
             </a:r>
-            <a:endParaRPr lang="en-US"/>
           </a:p>
         </p:txBody>
       </p:sp>
@@ -766,7 +788,7 @@
           <a:p>
             <a:fld id="{E65F16E8-9810-4F67-B618-098E0E399057}" type="datetimeFigureOut">
               <a:rPr lang="en-US" smtClean="0"/>
-              <a:t>6/10/2024</a:t>
+              <a:t>6/20/2024</a:t>
             </a:fld>
             <a:endParaRPr lang="en-US"/>
           </a:p>
@@ -869,10 +891,9 @@
           </a:lstStyle>
           <a:p>
             <a:r>
-              <a:rPr lang="en-US" smtClean="0"/>
+              <a:rPr lang="en-US"/>
               <a:t>Click to edit Master title style</a:t>
             </a:r>
-            <a:endParaRPr lang="en-US"/>
           </a:p>
         </p:txBody>
       </p:sp>
@@ -989,7 +1010,7 @@
           <a:p>
             <a:pPr lvl="0"/>
             <a:r>
-              <a:rPr lang="en-US" smtClean="0"/>
+              <a:rPr lang="en-US"/>
               <a:t>Edit Master text styles</a:t>
             </a:r>
           </a:p>
@@ -1012,7 +1033,7 @@
           <a:p>
             <a:fld id="{E65F16E8-9810-4F67-B618-098E0E399057}" type="datetimeFigureOut">
               <a:rPr lang="en-US" smtClean="0"/>
-              <a:t>6/10/2024</a:t>
+              <a:t>6/20/2024</a:t>
             </a:fld>
             <a:endParaRPr lang="en-US"/>
           </a:p>
@@ -1106,10 +1127,9 @@
           <a:lstStyle/>
           <a:p>
             <a:r>
-              <a:rPr lang="en-US" smtClean="0"/>
+              <a:rPr lang="en-US"/>
               <a:t>Click to edit Master title style</a:t>
             </a:r>
-            <a:endParaRPr lang="en-US"/>
           </a:p>
         </p:txBody>
       </p:sp>
@@ -1135,38 +1155,37 @@
           <a:p>
             <a:pPr lvl="0"/>
             <a:r>
-              <a:rPr lang="en-US" smtClean="0"/>
+              <a:rPr lang="en-US"/>
               <a:t>Edit Master text styles</a:t>
             </a:r>
           </a:p>
           <a:p>
             <a:pPr lvl="1"/>
             <a:r>
-              <a:rPr lang="en-US" smtClean="0"/>
+              <a:rPr lang="en-US"/>
               <a:t>Second level</a:t>
             </a:r>
           </a:p>
           <a:p>
             <a:pPr lvl="2"/>
             <a:r>
-              <a:rPr lang="en-US" smtClean="0"/>
+              <a:rPr lang="en-US"/>
               <a:t>Third level</a:t>
             </a:r>
           </a:p>
           <a:p>
             <a:pPr lvl="3"/>
             <a:r>
-              <a:rPr lang="en-US" smtClean="0"/>
+              <a:rPr lang="en-US"/>
               <a:t>Fourth level</a:t>
             </a:r>
           </a:p>
           <a:p>
             <a:pPr lvl="4"/>
             <a:r>
-              <a:rPr lang="en-US" smtClean="0"/>
+              <a:rPr lang="en-US"/>
               <a:t>Fifth level</a:t>
             </a:r>
-            <a:endParaRPr lang="en-US"/>
           </a:p>
         </p:txBody>
       </p:sp>
@@ -1192,38 +1211,37 @@
           <a:p>
             <a:pPr lvl="0"/>
             <a:r>
-              <a:rPr lang="en-US" smtClean="0"/>
+              <a:rPr lang="en-US"/>
               <a:t>Edit Master text styles</a:t>
             </a:r>
           </a:p>
           <a:p>
             <a:pPr lvl="1"/>
             <a:r>
-              <a:rPr lang="en-US" smtClean="0"/>
+              <a:rPr lang="en-US"/>
               <a:t>Second level</a:t>
             </a:r>
           </a:p>
           <a:p>
             <a:pPr lvl="2"/>
             <a:r>
-              <a:rPr lang="en-US" smtClean="0"/>
+              <a:rPr lang="en-US"/>
               <a:t>Third level</a:t>
             </a:r>
           </a:p>
           <a:p>
             <a:pPr lvl="3"/>
             <a:r>
-              <a:rPr lang="en-US" smtClean="0"/>
+              <a:rPr lang="en-US"/>
               <a:t>Fourth level</a:t>
             </a:r>
           </a:p>
           <a:p>
             <a:pPr lvl="4"/>
             <a:r>
-              <a:rPr lang="en-US" smtClean="0"/>
+              <a:rPr lang="en-US"/>
               <a:t>Fifth level</a:t>
             </a:r>
-            <a:endParaRPr lang="en-US"/>
           </a:p>
         </p:txBody>
       </p:sp>
@@ -1244,7 +1262,7 @@
           <a:p>
             <a:fld id="{E65F16E8-9810-4F67-B618-098E0E399057}" type="datetimeFigureOut">
               <a:rPr lang="en-US" smtClean="0"/>
-              <a:t>6/10/2024</a:t>
+              <a:t>6/20/2024</a:t>
             </a:fld>
             <a:endParaRPr lang="en-US"/>
           </a:p>
@@ -1343,10 +1361,9 @@
           <a:lstStyle/>
           <a:p>
             <a:r>
-              <a:rPr lang="en-US" smtClean="0"/>
+              <a:rPr lang="en-US"/>
               <a:t>Click to edit Master title style</a:t>
             </a:r>
-            <a:endParaRPr lang="en-US"/>
           </a:p>
         </p:txBody>
       </p:sp>
@@ -1409,7 +1426,7 @@
           <a:p>
             <a:pPr lvl="0"/>
             <a:r>
-              <a:rPr lang="en-US" smtClean="0"/>
+              <a:rPr lang="en-US"/>
               <a:t>Edit Master text styles</a:t>
             </a:r>
           </a:p>
@@ -1437,38 +1454,37 @@
           <a:p>
             <a:pPr lvl="0"/>
             <a:r>
-              <a:rPr lang="en-US" smtClean="0"/>
+              <a:rPr lang="en-US"/>
               <a:t>Edit Master text styles</a:t>
             </a:r>
           </a:p>
           <a:p>
             <a:pPr lvl="1"/>
             <a:r>
-              <a:rPr lang="en-US" smtClean="0"/>
+              <a:rPr lang="en-US"/>
               <a:t>Second level</a:t>
             </a:r>
           </a:p>
           <a:p>
             <a:pPr lvl="2"/>
             <a:r>
-              <a:rPr lang="en-US" smtClean="0"/>
+              <a:rPr lang="en-US"/>
               <a:t>Third level</a:t>
             </a:r>
           </a:p>
           <a:p>
             <a:pPr lvl="3"/>
             <a:r>
-              <a:rPr lang="en-US" smtClean="0"/>
+              <a:rPr lang="en-US"/>
               <a:t>Fourth level</a:t>
             </a:r>
           </a:p>
           <a:p>
             <a:pPr lvl="4"/>
             <a:r>
-              <a:rPr lang="en-US" smtClean="0"/>
+              <a:rPr lang="en-US"/>
               <a:t>Fifth level</a:t>
             </a:r>
-            <a:endParaRPr lang="en-US"/>
           </a:p>
         </p:txBody>
       </p:sp>
@@ -1531,7 +1547,7 @@
           <a:p>
             <a:pPr lvl="0"/>
             <a:r>
-              <a:rPr lang="en-US" smtClean="0"/>
+              <a:rPr lang="en-US"/>
               <a:t>Edit Master text styles</a:t>
             </a:r>
           </a:p>
@@ -1559,38 +1575,37 @@
           <a:p>
             <a:pPr lvl="0"/>
             <a:r>
-              <a:rPr lang="en-US" smtClean="0"/>
+              <a:rPr lang="en-US"/>
               <a:t>Edit Master text styles</a:t>
             </a:r>
           </a:p>
           <a:p>
             <a:pPr lvl="1"/>
             <a:r>
-              <a:rPr lang="en-US" smtClean="0"/>
+              <a:rPr lang="en-US"/>
               <a:t>Second level</a:t>
             </a:r>
           </a:p>
           <a:p>
             <a:pPr lvl="2"/>
             <a:r>
-              <a:rPr lang="en-US" smtClean="0"/>
+              <a:rPr lang="en-US"/>
               <a:t>Third level</a:t>
             </a:r>
           </a:p>
           <a:p>
             <a:pPr lvl="3"/>
             <a:r>
-              <a:rPr lang="en-US" smtClean="0"/>
+              <a:rPr lang="en-US"/>
               <a:t>Fourth level</a:t>
             </a:r>
           </a:p>
           <a:p>
             <a:pPr lvl="4"/>
             <a:r>
-              <a:rPr lang="en-US" smtClean="0"/>
+              <a:rPr lang="en-US"/>
               <a:t>Fifth level</a:t>
             </a:r>
-            <a:endParaRPr lang="en-US"/>
           </a:p>
         </p:txBody>
       </p:sp>
@@ -1611,7 +1626,7 @@
           <a:p>
             <a:fld id="{E65F16E8-9810-4F67-B618-098E0E399057}" type="datetimeFigureOut">
               <a:rPr lang="en-US" smtClean="0"/>
-              <a:t>6/10/2024</a:t>
+              <a:t>6/20/2024</a:t>
             </a:fld>
             <a:endParaRPr lang="en-US"/>
           </a:p>
@@ -1705,10 +1720,9 @@
           <a:lstStyle/>
           <a:p>
             <a:r>
-              <a:rPr lang="en-US" smtClean="0"/>
+              <a:rPr lang="en-US"/>
               <a:t>Click to edit Master title style</a:t>
             </a:r>
-            <a:endParaRPr lang="en-US"/>
           </a:p>
         </p:txBody>
       </p:sp>
@@ -1729,7 +1743,7 @@
           <a:p>
             <a:fld id="{E65F16E8-9810-4F67-B618-098E0E399057}" type="datetimeFigureOut">
               <a:rPr lang="en-US" smtClean="0"/>
-              <a:t>6/10/2024</a:t>
+              <a:t>6/20/2024</a:t>
             </a:fld>
             <a:endParaRPr lang="en-US"/>
           </a:p>
@@ -1824,7 +1838,7 @@
           <a:p>
             <a:fld id="{E65F16E8-9810-4F67-B618-098E0E399057}" type="datetimeFigureOut">
               <a:rPr lang="en-US" smtClean="0"/>
-              <a:t>6/10/2024</a:t>
+              <a:t>6/20/2024</a:t>
             </a:fld>
             <a:endParaRPr lang="en-US"/>
           </a:p>
@@ -1927,10 +1941,9 @@
           </a:lstStyle>
           <a:p>
             <a:r>
-              <a:rPr lang="en-US" smtClean="0"/>
+              <a:rPr lang="en-US"/>
               <a:t>Click to edit Master title style</a:t>
             </a:r>
-            <a:endParaRPr lang="en-US"/>
           </a:p>
         </p:txBody>
       </p:sp>
@@ -1984,38 +1997,37 @@
           <a:p>
             <a:pPr lvl="0"/>
             <a:r>
-              <a:rPr lang="en-US" smtClean="0"/>
+              <a:rPr lang="en-US"/>
               <a:t>Edit Master text styles</a:t>
             </a:r>
           </a:p>
           <a:p>
             <a:pPr lvl="1"/>
             <a:r>
-              <a:rPr lang="en-US" smtClean="0"/>
+              <a:rPr lang="en-US"/>
               <a:t>Second level</a:t>
             </a:r>
           </a:p>
           <a:p>
             <a:pPr lvl="2"/>
             <a:r>
-              <a:rPr lang="en-US" smtClean="0"/>
+              <a:rPr lang="en-US"/>
               <a:t>Third level</a:t>
             </a:r>
           </a:p>
           <a:p>
             <a:pPr lvl="3"/>
             <a:r>
-              <a:rPr lang="en-US" smtClean="0"/>
+              <a:rPr lang="en-US"/>
               <a:t>Fourth level</a:t>
             </a:r>
           </a:p>
           <a:p>
             <a:pPr lvl="4"/>
             <a:r>
-              <a:rPr lang="en-US" smtClean="0"/>
+              <a:rPr lang="en-US"/>
               <a:t>Fifth level</a:t>
             </a:r>
-            <a:endParaRPr lang="en-US"/>
           </a:p>
         </p:txBody>
       </p:sp>
@@ -2078,7 +2090,7 @@
           <a:p>
             <a:pPr lvl="0"/>
             <a:r>
-              <a:rPr lang="en-US" smtClean="0"/>
+              <a:rPr lang="en-US"/>
               <a:t>Edit Master text styles</a:t>
             </a:r>
           </a:p>
@@ -2101,7 +2113,7 @@
           <a:p>
             <a:fld id="{E65F16E8-9810-4F67-B618-098E0E399057}" type="datetimeFigureOut">
               <a:rPr lang="en-US" smtClean="0"/>
-              <a:t>6/10/2024</a:t>
+              <a:t>6/20/2024</a:t>
             </a:fld>
             <a:endParaRPr lang="en-US"/>
           </a:p>
@@ -2204,10 +2216,9 @@
           </a:lstStyle>
           <a:p>
             <a:r>
-              <a:rPr lang="en-US" smtClean="0"/>
+              <a:rPr lang="en-US"/>
               <a:t>Click to edit Master title style</a:t>
             </a:r>
-            <a:endParaRPr lang="en-US"/>
           </a:p>
         </p:txBody>
       </p:sp>
@@ -2331,7 +2342,7 @@
           <a:p>
             <a:pPr lvl="0"/>
             <a:r>
-              <a:rPr lang="en-US" smtClean="0"/>
+              <a:rPr lang="en-US"/>
               <a:t>Edit Master text styles</a:t>
             </a:r>
           </a:p>
@@ -2354,7 +2365,7 @@
           <a:p>
             <a:fld id="{E65F16E8-9810-4F67-B618-098E0E399057}" type="datetimeFigureOut">
               <a:rPr lang="en-US" smtClean="0"/>
-              <a:t>6/10/2024</a:t>
+              <a:t>6/20/2024</a:t>
             </a:fld>
             <a:endParaRPr lang="en-US"/>
           </a:p>
@@ -2463,10 +2474,9 @@
           <a:lstStyle/>
           <a:p>
             <a:r>
-              <a:rPr lang="en-US" smtClean="0"/>
+              <a:rPr lang="en-US"/>
               <a:t>Click to edit Master title style</a:t>
             </a:r>
-            <a:endParaRPr lang="en-US"/>
           </a:p>
         </p:txBody>
       </p:sp>
@@ -2497,38 +2507,37 @@
           <a:p>
             <a:pPr lvl="0"/>
             <a:r>
-              <a:rPr lang="en-US" smtClean="0"/>
+              <a:rPr lang="en-US"/>
               <a:t>Edit Master text styles</a:t>
             </a:r>
           </a:p>
           <a:p>
             <a:pPr lvl="1"/>
             <a:r>
-              <a:rPr lang="en-US" smtClean="0"/>
+              <a:rPr lang="en-US"/>
               <a:t>Second level</a:t>
             </a:r>
           </a:p>
           <a:p>
             <a:pPr lvl="2"/>
             <a:r>
-              <a:rPr lang="en-US" smtClean="0"/>
+              <a:rPr lang="en-US"/>
               <a:t>Third level</a:t>
             </a:r>
           </a:p>
           <a:p>
             <a:pPr lvl="3"/>
             <a:r>
-              <a:rPr lang="en-US" smtClean="0"/>
+              <a:rPr lang="en-US"/>
               <a:t>Fourth level</a:t>
             </a:r>
           </a:p>
           <a:p>
             <a:pPr lvl="4"/>
             <a:r>
-              <a:rPr lang="en-US" smtClean="0"/>
+              <a:rPr lang="en-US"/>
               <a:t>Fifth level</a:t>
             </a:r>
-            <a:endParaRPr lang="en-US"/>
           </a:p>
         </p:txBody>
       </p:sp>
@@ -2567,7 +2576,7 @@
           <a:p>
             <a:fld id="{E65F16E8-9810-4F67-B618-098E0E399057}" type="datetimeFigureOut">
               <a:rPr lang="en-US" smtClean="0"/>
-              <a:t>6/10/2024</a:t>
+              <a:t>6/20/2024</a:t>
             </a:fld>
             <a:endParaRPr lang="en-US"/>
           </a:p>
@@ -3970,29 +3979,313 @@
           <a:p>
             <a:pPr algn="ctr"/>
             <a:r>
-              <a:rPr lang="en-US" sz="1000" b="1" dirty="0" smtClean="0">
+              <a:rPr lang="en-US" sz="1000" b="1" dirty="0">
                 <a:latin typeface="Century Gothic" panose="020B0502020202020204" pitchFamily="34" charset="0"/>
                 <a:cs typeface="Adobe Devanagari" panose="02040503050201020203" pitchFamily="18" charset="0"/>
               </a:rPr>
               <a:t>GAIN</a:t>
             </a:r>
-            <a:endParaRPr lang="en-US" sz="1000" b="1" dirty="0">
+          </a:p>
+        </p:txBody>
+      </p:sp>
+      <p:sp>
+        <p:nvSpPr>
+          <p:cNvPr id="26" name="TextBox 25"/>
+          <p:cNvSpPr txBox="1"/>
+          <p:nvPr/>
+        </p:nvSpPr>
+        <p:spPr>
+          <a:xfrm>
+            <a:off x="5741751" y="2261142"/>
+            <a:ext cx="421910" cy="246221"/>
+          </a:xfrm>
+          <a:prstGeom prst="rect">
+            <a:avLst/>
+          </a:prstGeom>
+          <a:noFill/>
+        </p:spPr>
+        <p:txBody>
+          <a:bodyPr wrap="none" rtlCol="0">
+            <a:spAutoFit/>
+          </a:bodyPr>
+          <a:lstStyle/>
+          <a:p>
+            <a:pPr algn="ctr"/>
+            <a:r>
+              <a:rPr lang="en-US" sz="1000" b="1" dirty="0">
+                <a:latin typeface="Century Gothic" panose="020B0502020202020204" pitchFamily="34" charset="0"/>
+                <a:cs typeface="Adobe Devanagari" panose="02040503050201020203" pitchFamily="18" charset="0"/>
+              </a:rPr>
+              <a:t>MIX</a:t>
+            </a:r>
+          </a:p>
+        </p:txBody>
+      </p:sp>
+      <p:sp>
+        <p:nvSpPr>
+          <p:cNvPr id="27" name="TextBox 26"/>
+          <p:cNvSpPr txBox="1"/>
+          <p:nvPr/>
+        </p:nvSpPr>
+        <p:spPr>
+          <a:xfrm>
+            <a:off x="6473161" y="2267910"/>
+            <a:ext cx="521297" cy="246221"/>
+          </a:xfrm>
+          <a:prstGeom prst="rect">
+            <a:avLst/>
+          </a:prstGeom>
+          <a:noFill/>
+        </p:spPr>
+        <p:txBody>
+          <a:bodyPr wrap="none" rtlCol="0">
+            <a:spAutoFit/>
+          </a:bodyPr>
+          <a:lstStyle/>
+          <a:p>
+            <a:pPr algn="ctr"/>
+            <a:r>
+              <a:rPr lang="en-US" sz="1000" b="1" dirty="0">
+                <a:latin typeface="Century Gothic" panose="020B0502020202020204" pitchFamily="34" charset="0"/>
+                <a:cs typeface="Adobe Devanagari" panose="02040503050201020203" pitchFamily="18" charset="0"/>
+              </a:rPr>
+              <a:t>LEVEL</a:t>
+            </a:r>
+          </a:p>
+        </p:txBody>
+      </p:sp>
+      <p:sp>
+        <p:nvSpPr>
+          <p:cNvPr id="28" name="TextBox 27"/>
+          <p:cNvSpPr txBox="1"/>
+          <p:nvPr/>
+        </p:nvSpPr>
+        <p:spPr>
+          <a:xfrm>
+            <a:off x="5728295" y="3267265"/>
+            <a:ext cx="457176" cy="246221"/>
+          </a:xfrm>
+          <a:prstGeom prst="rect">
+            <a:avLst/>
+          </a:prstGeom>
+          <a:noFill/>
+        </p:spPr>
+        <p:txBody>
+          <a:bodyPr wrap="none" rtlCol="0">
+            <a:spAutoFit/>
+          </a:bodyPr>
+          <a:lstStyle/>
+          <a:p>
+            <a:pPr algn="ctr"/>
+            <a:r>
+              <a:rPr lang="en-US" sz="1000" b="1" dirty="0">
+                <a:latin typeface="Century Gothic" panose="020B0502020202020204" pitchFamily="34" charset="0"/>
+                <a:cs typeface="Adobe Devanagari" panose="02040503050201020203" pitchFamily="18" charset="0"/>
+              </a:rPr>
+              <a:t>TIME</a:t>
+            </a:r>
+          </a:p>
+        </p:txBody>
+      </p:sp>
+      <p:sp>
+        <p:nvSpPr>
+          <p:cNvPr id="29" name="TextBox 28"/>
+          <p:cNvSpPr txBox="1"/>
+          <p:nvPr/>
+        </p:nvSpPr>
+        <p:spPr>
+          <a:xfrm>
+            <a:off x="6495372" y="3267265"/>
+            <a:ext cx="489236" cy="246221"/>
+          </a:xfrm>
+          <a:prstGeom prst="rect">
+            <a:avLst/>
+          </a:prstGeom>
+          <a:noFill/>
+        </p:spPr>
+        <p:txBody>
+          <a:bodyPr wrap="none" rtlCol="0">
+            <a:spAutoFit/>
+          </a:bodyPr>
+          <a:lstStyle/>
+          <a:p>
+            <a:pPr algn="ctr"/>
+            <a:r>
+              <a:rPr lang="en-US" sz="1000" b="1" dirty="0">
+                <a:latin typeface="Century Gothic" panose="020B0502020202020204" pitchFamily="34" charset="0"/>
+                <a:cs typeface="Adobe Devanagari" panose="02040503050201020203" pitchFamily="18" charset="0"/>
+              </a:rPr>
+              <a:t>FDBK</a:t>
+            </a:r>
+          </a:p>
+        </p:txBody>
+      </p:sp>
+      <p:sp>
+        <p:nvSpPr>
+          <p:cNvPr id="30" name="TextBox 29"/>
+          <p:cNvSpPr txBox="1"/>
+          <p:nvPr/>
+        </p:nvSpPr>
+        <p:spPr>
+          <a:xfrm>
+            <a:off x="4919923" y="3267265"/>
+            <a:ext cx="468398" cy="246221"/>
+          </a:xfrm>
+          <a:prstGeom prst="rect">
+            <a:avLst/>
+          </a:prstGeom>
+          <a:noFill/>
+        </p:spPr>
+        <p:txBody>
+          <a:bodyPr wrap="none" rtlCol="0">
+            <a:spAutoFit/>
+          </a:bodyPr>
+          <a:lstStyle/>
+          <a:p>
+            <a:pPr algn="ctr"/>
+            <a:r>
+              <a:rPr lang="en-US" sz="1000" b="1" dirty="0">
+                <a:latin typeface="Century Gothic" panose="020B0502020202020204" pitchFamily="34" charset="0"/>
+                <a:cs typeface="Adobe Devanagari" panose="02040503050201020203" pitchFamily="18" charset="0"/>
+              </a:rPr>
+              <a:t>Filter</a:t>
+            </a:r>
+          </a:p>
+        </p:txBody>
+      </p:sp>
+      <p:sp>
+        <p:nvSpPr>
+          <p:cNvPr id="31" name="TextBox 30"/>
+          <p:cNvSpPr txBox="1"/>
+          <p:nvPr/>
+        </p:nvSpPr>
+        <p:spPr>
+          <a:xfrm>
+            <a:off x="4845951" y="5548458"/>
+            <a:ext cx="639920" cy="246221"/>
+          </a:xfrm>
+          <a:prstGeom prst="rect">
+            <a:avLst/>
+          </a:prstGeom>
+          <a:noFill/>
+        </p:spPr>
+        <p:txBody>
+          <a:bodyPr wrap="none" rtlCol="0">
+            <a:spAutoFit/>
+          </a:bodyPr>
+          <a:lstStyle/>
+          <a:p>
+            <a:pPr algn="ctr"/>
+            <a:r>
+              <a:rPr lang="en-US" sz="1000" b="1" dirty="0">
+                <a:latin typeface="Century Gothic" panose="020B0502020202020204" pitchFamily="34" charset="0"/>
+                <a:cs typeface="Adobe Devanagari" panose="02040503050201020203" pitchFamily="18" charset="0"/>
+              </a:rPr>
+              <a:t>BYPASS</a:t>
+            </a:r>
+          </a:p>
+        </p:txBody>
+      </p:sp>
+      <p:sp>
+        <p:nvSpPr>
+          <p:cNvPr id="32" name="TextBox 31"/>
+          <p:cNvSpPr txBox="1"/>
+          <p:nvPr/>
+        </p:nvSpPr>
+        <p:spPr>
+          <a:xfrm rot="16200000">
+            <a:off x="4869292" y="4030683"/>
+            <a:ext cx="502061" cy="461665"/>
+          </a:xfrm>
+          <a:prstGeom prst="rect">
+            <a:avLst/>
+          </a:prstGeom>
+          <a:noFill/>
+        </p:spPr>
+        <p:txBody>
+          <a:bodyPr wrap="none" rtlCol="0">
+            <a:spAutoFit/>
+          </a:bodyPr>
+          <a:lstStyle/>
+          <a:p>
+            <a:pPr algn="ctr"/>
+            <a:r>
+              <a:rPr lang="en-US" sz="800" b="1" dirty="0">
+                <a:latin typeface="Century Gothic" panose="020B0502020202020204" pitchFamily="34" charset="0"/>
+                <a:cs typeface="Adobe Devanagari" panose="02040503050201020203" pitchFamily="18" charset="0"/>
+              </a:rPr>
+              <a:t>Match</a:t>
+            </a:r>
+          </a:p>
+          <a:p>
+            <a:pPr algn="ctr"/>
+            <a:r>
+              <a:rPr lang="en-US" sz="800" b="1" dirty="0" err="1">
+                <a:latin typeface="Century Gothic" panose="020B0502020202020204" pitchFamily="34" charset="0"/>
+                <a:cs typeface="Adobe Devanagari" panose="02040503050201020203" pitchFamily="18" charset="0"/>
+              </a:rPr>
+              <a:t>Klone</a:t>
+            </a:r>
+            <a:endParaRPr lang="en-US" sz="800" b="1" dirty="0">
               <a:latin typeface="Century Gothic" panose="020B0502020202020204" pitchFamily="34" charset="0"/>
               <a:cs typeface="Adobe Devanagari" panose="02040503050201020203" pitchFamily="18" charset="0"/>
             </a:endParaRPr>
           </a:p>
-        </p:txBody>
-      </p:sp>
-      <p:sp>
-        <p:nvSpPr>
-          <p:cNvPr id="26" name="TextBox 25"/>
+          <a:p>
+            <a:pPr algn="ctr"/>
+            <a:r>
+              <a:rPr lang="en-US" sz="800" b="1" dirty="0">
+                <a:latin typeface="Century Gothic" panose="020B0502020202020204" pitchFamily="34" charset="0"/>
+                <a:cs typeface="Adobe Devanagari" panose="02040503050201020203" pitchFamily="18" charset="0"/>
+              </a:rPr>
+              <a:t>Mesa</a:t>
+            </a:r>
+          </a:p>
+        </p:txBody>
+      </p:sp>
+      <p:sp>
+        <p:nvSpPr>
+          <p:cNvPr id="33" name="TextBox 32"/>
           <p:cNvSpPr txBox="1"/>
           <p:nvPr/>
         </p:nvSpPr>
         <p:spPr>
           <a:xfrm>
-            <a:off x="5741751" y="2261142"/>
-            <a:ext cx="421910" cy="246221"/>
+            <a:off x="5245469" y="4500003"/>
+            <a:ext cx="1386190" cy="523220"/>
+          </a:xfrm>
+          <a:prstGeom prst="rect">
+            <a:avLst/>
+          </a:prstGeom>
+          <a:noFill/>
+        </p:spPr>
+        <p:txBody>
+          <a:bodyPr wrap="square" rtlCol="0">
+            <a:spAutoFit/>
+          </a:bodyPr>
+          <a:lstStyle/>
+          <a:p>
+            <a:pPr algn="ctr"/>
+            <a:r>
+              <a:rPr lang="en-US" sz="2800" b="1" dirty="0">
+                <a:latin typeface="Broadway" panose="04040905080B02020502" pitchFamily="82" charset="0"/>
+                <a:cs typeface="Adobe Devanagari" panose="02040503050201020203" pitchFamily="18" charset="0"/>
+              </a:rPr>
+              <a:t>MARS</a:t>
+            </a:r>
+          </a:p>
+        </p:txBody>
+      </p:sp>
+      <p:sp>
+        <p:nvSpPr>
+          <p:cNvPr id="34" name="TextBox 33"/>
+          <p:cNvSpPr txBox="1"/>
+          <p:nvPr/>
+        </p:nvSpPr>
+        <p:spPr>
+          <a:xfrm>
+            <a:off x="5376321" y="4877231"/>
+            <a:ext cx="1125629" cy="400110"/>
           </a:xfrm>
           <a:prstGeom prst="rect">
             <a:avLst/>
@@ -4007,348 +4300,36 @@
           <a:p>
             <a:pPr algn="ctr"/>
             <a:r>
-              <a:rPr lang="en-US" sz="1000" b="1" dirty="0" smtClean="0">
+              <a:rPr lang="en-US" sz="1000" dirty="0">
                 <a:latin typeface="Century Gothic" panose="020B0502020202020204" pitchFamily="34" charset="0"/>
                 <a:cs typeface="Adobe Devanagari" panose="02040503050201020203" pitchFamily="18" charset="0"/>
               </a:rPr>
-              <a:t>MIX</a:t>
-            </a:r>
-            <a:endParaRPr lang="en-US" sz="1000" b="1" dirty="0">
-              <a:latin typeface="Century Gothic" panose="020B0502020202020204" pitchFamily="34" charset="0"/>
-              <a:cs typeface="Adobe Devanagari" panose="02040503050201020203" pitchFamily="18" charset="0"/>
-            </a:endParaRPr>
-          </a:p>
-        </p:txBody>
-      </p:sp>
-      <p:sp>
-        <p:nvSpPr>
-          <p:cNvPr id="27" name="TextBox 26"/>
-          <p:cNvSpPr txBox="1"/>
-          <p:nvPr/>
-        </p:nvSpPr>
-        <p:spPr>
-          <a:xfrm>
-            <a:off x="6473161" y="2267910"/>
-            <a:ext cx="521297" cy="246221"/>
-          </a:xfrm>
-          <a:prstGeom prst="rect">
-            <a:avLst/>
-          </a:prstGeom>
-          <a:noFill/>
-        </p:spPr>
-        <p:txBody>
-          <a:bodyPr wrap="none" rtlCol="0">
-            <a:spAutoFit/>
-          </a:bodyPr>
-          <a:lstStyle/>
-          <a:p>
-            <a:pPr algn="ctr"/>
-            <a:r>
-              <a:rPr lang="en-US" sz="1000" b="1" dirty="0" smtClean="0">
+              <a:t>Amp </a:t>
+            </a:r>
+            <a:r>
+              <a:rPr lang="en-US" sz="1000" dirty="0" err="1">
                 <a:latin typeface="Century Gothic" panose="020B0502020202020204" pitchFamily="34" charset="0"/>
                 <a:cs typeface="Adobe Devanagari" panose="02040503050201020203" pitchFamily="18" charset="0"/>
               </a:rPr>
-              <a:t>LEVEL</a:t>
-            </a:r>
-            <a:endParaRPr lang="en-US" sz="1000" b="1" dirty="0">
-              <a:latin typeface="Century Gothic" panose="020B0502020202020204" pitchFamily="34" charset="0"/>
-              <a:cs typeface="Adobe Devanagari" panose="02040503050201020203" pitchFamily="18" charset="0"/>
-            </a:endParaRPr>
-          </a:p>
-        </p:txBody>
-      </p:sp>
-      <p:sp>
-        <p:nvSpPr>
-          <p:cNvPr id="28" name="TextBox 27"/>
-          <p:cNvSpPr txBox="1"/>
-          <p:nvPr/>
-        </p:nvSpPr>
-        <p:spPr>
-          <a:xfrm>
-            <a:off x="5728295" y="3267265"/>
-            <a:ext cx="457176" cy="246221"/>
-          </a:xfrm>
-          <a:prstGeom prst="rect">
-            <a:avLst/>
-          </a:prstGeom>
-          <a:noFill/>
-        </p:spPr>
-        <p:txBody>
-          <a:bodyPr wrap="none" rtlCol="0">
-            <a:spAutoFit/>
-          </a:bodyPr>
-          <a:lstStyle/>
-          <a:p>
-            <a:pPr algn="ctr"/>
-            <a:r>
-              <a:rPr lang="en-US" sz="1000" b="1" dirty="0" smtClean="0">
+              <a:t>Modeller</a:t>
+            </a:r>
+            <a:r>
+              <a:rPr lang="en-US" sz="1000" dirty="0">
                 <a:latin typeface="Century Gothic" panose="020B0502020202020204" pitchFamily="34" charset="0"/>
                 <a:cs typeface="Adobe Devanagari" panose="02040503050201020203" pitchFamily="18" charset="0"/>
               </a:rPr>
-              <a:t>TIME</a:t>
-            </a:r>
-          </a:p>
-        </p:txBody>
-      </p:sp>
-      <p:sp>
-        <p:nvSpPr>
-          <p:cNvPr id="29" name="TextBox 28"/>
-          <p:cNvSpPr txBox="1"/>
-          <p:nvPr/>
-        </p:nvSpPr>
-        <p:spPr>
-          <a:xfrm>
-            <a:off x="6495372" y="3267265"/>
-            <a:ext cx="489236" cy="246221"/>
-          </a:xfrm>
-          <a:prstGeom prst="rect">
-            <a:avLst/>
-          </a:prstGeom>
-          <a:noFill/>
-        </p:spPr>
-        <p:txBody>
-          <a:bodyPr wrap="none" rtlCol="0">
-            <a:spAutoFit/>
-          </a:bodyPr>
-          <a:lstStyle/>
-          <a:p>
-            <a:pPr algn="ctr"/>
-            <a:r>
-              <a:rPr lang="en-US" sz="1000" b="1" dirty="0" smtClean="0">
+              <a:t>/</a:t>
+            </a:r>
+          </a:p>
+          <a:p>
+            <a:pPr algn="ctr"/>
+            <a:r>
+              <a:rPr lang="en-US" sz="1000" dirty="0">
                 <a:latin typeface="Century Gothic" panose="020B0502020202020204" pitchFamily="34" charset="0"/>
                 <a:cs typeface="Adobe Devanagari" panose="02040503050201020203" pitchFamily="18" charset="0"/>
               </a:rPr>
-              <a:t>FDBK</a:t>
-            </a:r>
-          </a:p>
-        </p:txBody>
-      </p:sp>
-      <p:sp>
-        <p:nvSpPr>
-          <p:cNvPr id="30" name="TextBox 29"/>
-          <p:cNvSpPr txBox="1"/>
-          <p:nvPr/>
-        </p:nvSpPr>
-        <p:spPr>
-          <a:xfrm>
-            <a:off x="4919923" y="3267265"/>
-            <a:ext cx="468398" cy="246221"/>
-          </a:xfrm>
-          <a:prstGeom prst="rect">
-            <a:avLst/>
-          </a:prstGeom>
-          <a:noFill/>
-        </p:spPr>
-        <p:txBody>
-          <a:bodyPr wrap="none" rtlCol="0">
-            <a:spAutoFit/>
-          </a:bodyPr>
-          <a:lstStyle/>
-          <a:p>
-            <a:pPr algn="ctr"/>
-            <a:r>
-              <a:rPr lang="en-US" sz="1000" b="1" dirty="0" smtClean="0">
-                <a:latin typeface="Century Gothic" panose="020B0502020202020204" pitchFamily="34" charset="0"/>
-                <a:cs typeface="Adobe Devanagari" panose="02040503050201020203" pitchFamily="18" charset="0"/>
-              </a:rPr>
-              <a:t>Filter</a:t>
-            </a:r>
-            <a:endParaRPr lang="en-US" sz="1000" b="1" dirty="0">
-              <a:latin typeface="Century Gothic" panose="020B0502020202020204" pitchFamily="34" charset="0"/>
-              <a:cs typeface="Adobe Devanagari" panose="02040503050201020203" pitchFamily="18" charset="0"/>
-            </a:endParaRPr>
-          </a:p>
-        </p:txBody>
-      </p:sp>
-      <p:sp>
-        <p:nvSpPr>
-          <p:cNvPr id="31" name="TextBox 30"/>
-          <p:cNvSpPr txBox="1"/>
-          <p:nvPr/>
-        </p:nvSpPr>
-        <p:spPr>
-          <a:xfrm>
-            <a:off x="4845951" y="5548458"/>
-            <a:ext cx="639920" cy="246221"/>
-          </a:xfrm>
-          <a:prstGeom prst="rect">
-            <a:avLst/>
-          </a:prstGeom>
-          <a:noFill/>
-        </p:spPr>
-        <p:txBody>
-          <a:bodyPr wrap="none" rtlCol="0">
-            <a:spAutoFit/>
-          </a:bodyPr>
-          <a:lstStyle/>
-          <a:p>
-            <a:pPr algn="ctr"/>
-            <a:r>
-              <a:rPr lang="en-US" sz="1000" b="1" dirty="0" smtClean="0">
-                <a:latin typeface="Century Gothic" panose="020B0502020202020204" pitchFamily="34" charset="0"/>
-                <a:cs typeface="Adobe Devanagari" panose="02040503050201020203" pitchFamily="18" charset="0"/>
-              </a:rPr>
-              <a:t>BYPASS</a:t>
-            </a:r>
-            <a:endParaRPr lang="en-US" sz="1000" b="1" dirty="0">
-              <a:latin typeface="Century Gothic" panose="020B0502020202020204" pitchFamily="34" charset="0"/>
-              <a:cs typeface="Adobe Devanagari" panose="02040503050201020203" pitchFamily="18" charset="0"/>
-            </a:endParaRPr>
-          </a:p>
-        </p:txBody>
-      </p:sp>
-      <p:sp>
-        <p:nvSpPr>
-          <p:cNvPr id="32" name="TextBox 31"/>
-          <p:cNvSpPr txBox="1"/>
-          <p:nvPr/>
-        </p:nvSpPr>
-        <p:spPr>
-          <a:xfrm rot="16200000">
-            <a:off x="4869292" y="4030683"/>
-            <a:ext cx="502061" cy="461665"/>
-          </a:xfrm>
-          <a:prstGeom prst="rect">
-            <a:avLst/>
-          </a:prstGeom>
-          <a:noFill/>
-        </p:spPr>
-        <p:txBody>
-          <a:bodyPr wrap="none" rtlCol="0">
-            <a:spAutoFit/>
-          </a:bodyPr>
-          <a:lstStyle/>
-          <a:p>
-            <a:pPr algn="ctr"/>
-            <a:r>
-              <a:rPr lang="en-US" sz="800" b="1" dirty="0" smtClean="0">
-                <a:latin typeface="Century Gothic" panose="020B0502020202020204" pitchFamily="34" charset="0"/>
-                <a:cs typeface="Adobe Devanagari" panose="02040503050201020203" pitchFamily="18" charset="0"/>
-              </a:rPr>
-              <a:t>Match</a:t>
-            </a:r>
-          </a:p>
-          <a:p>
-            <a:pPr algn="ctr"/>
-            <a:r>
-              <a:rPr lang="en-US" sz="800" b="1" dirty="0" err="1" smtClean="0">
-                <a:latin typeface="Century Gothic" panose="020B0502020202020204" pitchFamily="34" charset="0"/>
-                <a:cs typeface="Adobe Devanagari" panose="02040503050201020203" pitchFamily="18" charset="0"/>
-              </a:rPr>
-              <a:t>Klone</a:t>
-            </a:r>
-            <a:endParaRPr lang="en-US" sz="800" b="1" dirty="0" smtClean="0">
-              <a:latin typeface="Century Gothic" panose="020B0502020202020204" pitchFamily="34" charset="0"/>
-              <a:cs typeface="Adobe Devanagari" panose="02040503050201020203" pitchFamily="18" charset="0"/>
-            </a:endParaRPr>
-          </a:p>
-          <a:p>
-            <a:pPr algn="ctr"/>
-            <a:r>
-              <a:rPr lang="en-US" sz="800" b="1" dirty="0" smtClean="0">
-                <a:latin typeface="Century Gothic" panose="020B0502020202020204" pitchFamily="34" charset="0"/>
-                <a:cs typeface="Adobe Devanagari" panose="02040503050201020203" pitchFamily="18" charset="0"/>
-              </a:rPr>
-              <a:t>Mesa</a:t>
-            </a:r>
-          </a:p>
-        </p:txBody>
-      </p:sp>
-      <p:sp>
-        <p:nvSpPr>
-          <p:cNvPr id="33" name="TextBox 32"/>
-          <p:cNvSpPr txBox="1"/>
-          <p:nvPr/>
-        </p:nvSpPr>
-        <p:spPr>
-          <a:xfrm>
-            <a:off x="5245469" y="4500003"/>
-            <a:ext cx="1386190" cy="523220"/>
-          </a:xfrm>
-          <a:prstGeom prst="rect">
-            <a:avLst/>
-          </a:prstGeom>
-          <a:noFill/>
-        </p:spPr>
-        <p:txBody>
-          <a:bodyPr wrap="square" rtlCol="0">
-            <a:spAutoFit/>
-          </a:bodyPr>
-          <a:lstStyle/>
-          <a:p>
-            <a:pPr algn="ctr"/>
-            <a:r>
-              <a:rPr lang="en-US" sz="2800" b="1" dirty="0" smtClean="0">
-                <a:latin typeface="Broadway" panose="04040905080B02020502" pitchFamily="82" charset="0"/>
-                <a:cs typeface="Adobe Devanagari" panose="02040503050201020203" pitchFamily="18" charset="0"/>
-              </a:rPr>
-              <a:t>MARS</a:t>
-            </a:r>
-            <a:endParaRPr lang="en-US" sz="2800" b="1" dirty="0">
-              <a:latin typeface="Broadway" panose="04040905080B02020502" pitchFamily="82" charset="0"/>
-              <a:cs typeface="Adobe Devanagari" panose="02040503050201020203" pitchFamily="18" charset="0"/>
-            </a:endParaRPr>
-          </a:p>
-        </p:txBody>
-      </p:sp>
-      <p:sp>
-        <p:nvSpPr>
-          <p:cNvPr id="34" name="TextBox 33"/>
-          <p:cNvSpPr txBox="1"/>
-          <p:nvPr/>
-        </p:nvSpPr>
-        <p:spPr>
-          <a:xfrm>
-            <a:off x="5376321" y="4877231"/>
-            <a:ext cx="1125629" cy="400110"/>
-          </a:xfrm>
-          <a:prstGeom prst="rect">
-            <a:avLst/>
-          </a:prstGeom>
-          <a:noFill/>
-        </p:spPr>
-        <p:txBody>
-          <a:bodyPr wrap="none" rtlCol="0">
-            <a:spAutoFit/>
-          </a:bodyPr>
-          <a:lstStyle/>
-          <a:p>
-            <a:pPr algn="ctr"/>
-            <a:r>
-              <a:rPr lang="en-US" sz="1000" dirty="0" smtClean="0">
-                <a:latin typeface="Century Gothic" panose="020B0502020202020204" pitchFamily="34" charset="0"/>
-                <a:cs typeface="Adobe Devanagari" panose="02040503050201020203" pitchFamily="18" charset="0"/>
-              </a:rPr>
-              <a:t>Amp </a:t>
-            </a:r>
-            <a:r>
-              <a:rPr lang="en-US" sz="1000" dirty="0" err="1" smtClean="0">
-                <a:latin typeface="Century Gothic" panose="020B0502020202020204" pitchFamily="34" charset="0"/>
-                <a:cs typeface="Adobe Devanagari" panose="02040503050201020203" pitchFamily="18" charset="0"/>
-              </a:rPr>
-              <a:t>Modeller</a:t>
-            </a:r>
-            <a:r>
-              <a:rPr lang="en-US" sz="1000" dirty="0" smtClean="0">
-                <a:latin typeface="Century Gothic" panose="020B0502020202020204" pitchFamily="34" charset="0"/>
-                <a:cs typeface="Adobe Devanagari" panose="02040503050201020203" pitchFamily="18" charset="0"/>
-              </a:rPr>
-              <a:t>/</a:t>
-            </a:r>
-          </a:p>
-          <a:p>
-            <a:pPr algn="ctr"/>
-            <a:r>
-              <a:rPr lang="en-US" sz="1000" dirty="0" smtClean="0">
-                <a:latin typeface="Century Gothic" panose="020B0502020202020204" pitchFamily="34" charset="0"/>
-                <a:cs typeface="Adobe Devanagari" panose="02040503050201020203" pitchFamily="18" charset="0"/>
-              </a:rPr>
               <a:t>Delay</a:t>
             </a:r>
-            <a:endParaRPr lang="en-US" sz="1000" dirty="0">
-              <a:latin typeface="Century Gothic" panose="020B0502020202020204" pitchFamily="34" charset="0"/>
-              <a:cs typeface="Adobe Devanagari" panose="02040503050201020203" pitchFamily="18" charset="0"/>
-            </a:endParaRPr>
           </a:p>
         </p:txBody>
       </p:sp>
@@ -4556,7 +4537,7 @@
           <a:p>
             <a:pPr algn="ctr"/>
             <a:r>
-              <a:rPr lang="en-US" sz="800" b="1" dirty="0" smtClean="0">
+              <a:rPr lang="en-US" sz="800" b="1" dirty="0">
                 <a:latin typeface="Century Gothic" panose="020B0502020202020204" pitchFamily="34" charset="0"/>
                 <a:cs typeface="Adobe Devanagari" panose="02040503050201020203" pitchFamily="18" charset="0"/>
               </a:rPr>
@@ -4566,13 +4547,13 @@
           <a:p>
             <a:pPr algn="ctr"/>
             <a:r>
-              <a:rPr lang="en-US" sz="800" b="1" dirty="0" err="1" smtClean="0">
+              <a:rPr lang="en-US" sz="800" b="1" dirty="0" err="1">
                 <a:latin typeface="Century Gothic" panose="020B0502020202020204" pitchFamily="34" charset="0"/>
                 <a:cs typeface="Adobe Devanagari" panose="02040503050201020203" pitchFamily="18" charset="0"/>
               </a:rPr>
               <a:t>Ameri</a:t>
             </a:r>
-            <a:endParaRPr lang="en-US" sz="800" b="1" dirty="0" smtClean="0">
+            <a:endParaRPr lang="en-US" sz="800" b="1" dirty="0">
               <a:latin typeface="Century Gothic" panose="020B0502020202020204" pitchFamily="34" charset="0"/>
               <a:cs typeface="Adobe Devanagari" panose="02040503050201020203" pitchFamily="18" charset="0"/>
             </a:endParaRPr>
@@ -4580,7 +4561,7 @@
           <a:p>
             <a:pPr algn="ctr"/>
             <a:r>
-              <a:rPr lang="en-US" sz="800" b="1" dirty="0" smtClean="0">
+              <a:rPr lang="en-US" sz="800" b="1" dirty="0">
                 <a:latin typeface="Century Gothic" panose="020B0502020202020204" pitchFamily="34" charset="0"/>
                 <a:cs typeface="Adobe Devanagari" panose="02040503050201020203" pitchFamily="18" charset="0"/>
               </a:rPr>
@@ -4613,7 +4594,7 @@
           <a:p>
             <a:pPr algn="ctr"/>
             <a:r>
-              <a:rPr lang="en-US" sz="800" b="1" dirty="0" smtClean="0">
+              <a:rPr lang="en-US" sz="800" b="1" dirty="0">
                 <a:latin typeface="Century Gothic" panose="020B0502020202020204" pitchFamily="34" charset="0"/>
                 <a:cs typeface="Adobe Devanagari" panose="02040503050201020203" pitchFamily="18" charset="0"/>
               </a:rPr>
@@ -4623,20 +4604,20 @@
           <a:p>
             <a:pPr algn="ctr"/>
             <a:r>
-              <a:rPr lang="en-US" sz="800" b="1" dirty="0" smtClean="0">
+              <a:rPr lang="en-US" sz="800" b="1" dirty="0">
                 <a:latin typeface="Century Gothic" panose="020B0502020202020204" pitchFamily="34" charset="0"/>
                 <a:cs typeface="Adobe Devanagari" panose="02040503050201020203" pitchFamily="18" charset="0"/>
               </a:rPr>
               <a:t>Dot 8</a:t>
             </a:r>
             <a:r>
-              <a:rPr lang="en-US" sz="800" b="1" baseline="30000" dirty="0" smtClean="0">
+              <a:rPr lang="en-US" sz="800" b="1" baseline="30000" dirty="0">
                 <a:latin typeface="Century Gothic" panose="020B0502020202020204" pitchFamily="34" charset="0"/>
                 <a:cs typeface="Adobe Devanagari" panose="02040503050201020203" pitchFamily="18" charset="0"/>
               </a:rPr>
               <a:t>th</a:t>
             </a:r>
-            <a:endParaRPr lang="en-US" sz="800" b="1" dirty="0" smtClean="0">
+            <a:endParaRPr lang="en-US" sz="800" b="1" dirty="0">
               <a:latin typeface="Century Gothic" panose="020B0502020202020204" pitchFamily="34" charset="0"/>
               <a:cs typeface="Adobe Devanagari" panose="02040503050201020203" pitchFamily="18" charset="0"/>
             </a:endParaRPr>
@@ -4644,7 +4625,7 @@
           <a:p>
             <a:pPr algn="ctr"/>
             <a:r>
-              <a:rPr lang="en-US" sz="800" b="1" dirty="0" smtClean="0">
+              <a:rPr lang="en-US" sz="800" b="1" dirty="0">
                 <a:latin typeface="Century Gothic" panose="020B0502020202020204" pitchFamily="34" charset="0"/>
                 <a:cs typeface="Adobe Devanagari" panose="02040503050201020203" pitchFamily="18" charset="0"/>
               </a:rPr>
@@ -4677,16 +4658,12 @@
           <a:p>
             <a:pPr algn="ctr"/>
             <a:r>
-              <a:rPr lang="en-US" sz="900" b="1" dirty="0" smtClean="0">
+              <a:rPr lang="en-US" sz="900" b="1" dirty="0">
                 <a:latin typeface="Century Gothic" panose="020B0502020202020204" pitchFamily="34" charset="0"/>
                 <a:cs typeface="Adobe Devanagari" panose="02040503050201020203" pitchFamily="18" charset="0"/>
               </a:rPr>
               <a:t>Amp</a:t>
             </a:r>
-            <a:endParaRPr lang="en-US" sz="900" b="1" dirty="0">
-              <a:latin typeface="Century Gothic" panose="020B0502020202020204" pitchFamily="34" charset="0"/>
-              <a:cs typeface="Adobe Devanagari" panose="02040503050201020203" pitchFamily="18" charset="0"/>
-            </a:endParaRPr>
           </a:p>
         </p:txBody>
       </p:sp>
@@ -4714,16 +4691,12 @@
           <a:p>
             <a:pPr algn="ctr"/>
             <a:r>
-              <a:rPr lang="en-US" sz="900" b="1" dirty="0" smtClean="0">
+              <a:rPr lang="en-US" sz="900" b="1" dirty="0">
                 <a:latin typeface="Century Gothic" panose="020B0502020202020204" pitchFamily="34" charset="0"/>
                 <a:cs typeface="Adobe Devanagari" panose="02040503050201020203" pitchFamily="18" charset="0"/>
               </a:rPr>
               <a:t>Cab</a:t>
             </a:r>
-            <a:endParaRPr lang="en-US" sz="900" b="1" dirty="0">
-              <a:latin typeface="Century Gothic" panose="020B0502020202020204" pitchFamily="34" charset="0"/>
-              <a:cs typeface="Adobe Devanagari" panose="02040503050201020203" pitchFamily="18" charset="0"/>
-            </a:endParaRPr>
           </a:p>
         </p:txBody>
       </p:sp>
@@ -4751,16 +4724,12 @@
           <a:p>
             <a:pPr algn="ctr"/>
             <a:r>
-              <a:rPr lang="en-US" sz="900" b="1" dirty="0" smtClean="0">
+              <a:rPr lang="en-US" sz="900" b="1" dirty="0">
                 <a:latin typeface="Century Gothic" panose="020B0502020202020204" pitchFamily="34" charset="0"/>
                 <a:cs typeface="Adobe Devanagari" panose="02040503050201020203" pitchFamily="18" charset="0"/>
               </a:rPr>
               <a:t>Delay</a:t>
             </a:r>
-            <a:endParaRPr lang="en-US" sz="900" b="1" dirty="0">
-              <a:latin typeface="Century Gothic" panose="020B0502020202020204" pitchFamily="34" charset="0"/>
-              <a:cs typeface="Adobe Devanagari" panose="02040503050201020203" pitchFamily="18" charset="0"/>
-            </a:endParaRPr>
           </a:p>
         </p:txBody>
       </p:sp>
@@ -4903,7 +4872,7 @@
           <a:lstStyle/>
           <a:p>
             <a:r>
-              <a:rPr lang="en-US" sz="1600" b="1" dirty="0" smtClean="0">
+              <a:rPr lang="en-US" sz="1600" b="1" dirty="0">
                 <a:solidFill>
                   <a:schemeClr val="tx1"/>
                 </a:solidFill>
@@ -4911,7 +4880,7 @@
               <a:t>Gain</a:t>
             </a:r>
             <a:r>
-              <a:rPr lang="en-US" sz="1600" dirty="0" smtClean="0">
+              <a:rPr lang="en-US" sz="1600" dirty="0">
                 <a:solidFill>
                   <a:schemeClr val="tx1"/>
                 </a:solidFill>
@@ -4921,7 +4890,7 @@
           </a:p>
           <a:p>
             <a:r>
-              <a:rPr lang="en-US" sz="1600" b="1" dirty="0" smtClean="0">
+              <a:rPr lang="en-US" sz="1600" b="1" dirty="0">
                 <a:solidFill>
                   <a:schemeClr val="tx1"/>
                 </a:solidFill>
@@ -4929,7 +4898,7 @@
               <a:t>Mix</a:t>
             </a:r>
             <a:r>
-              <a:rPr lang="en-US" sz="1600" dirty="0" smtClean="0">
+              <a:rPr lang="en-US" sz="1600" dirty="0">
                 <a:solidFill>
                   <a:schemeClr val="tx1"/>
                 </a:solidFill>
@@ -4939,7 +4908,7 @@
           </a:p>
           <a:p>
             <a:r>
-              <a:rPr lang="en-US" sz="1600" b="1" dirty="0" smtClean="0">
+              <a:rPr lang="en-US" sz="1600" b="1" dirty="0">
                 <a:solidFill>
                   <a:schemeClr val="tx1"/>
                 </a:solidFill>
@@ -4947,14 +4916,14 @@
               <a:t>Level:</a:t>
             </a:r>
             <a:r>
-              <a:rPr lang="en-US" sz="1600" dirty="0" smtClean="0">
+              <a:rPr lang="en-US" sz="1600" dirty="0">
                 <a:solidFill>
                   <a:schemeClr val="tx1"/>
                 </a:solidFill>
               </a:rPr>
               <a:t> Overall output volume</a:t>
             </a:r>
-            <a:endParaRPr lang="en-US" sz="1600" b="1" dirty="0" smtClean="0">
+            <a:endParaRPr lang="en-US" sz="1600" b="1" dirty="0">
               <a:solidFill>
                 <a:schemeClr val="tx1"/>
               </a:solidFill>
@@ -4998,7 +4967,7 @@
           <a:lstStyle/>
           <a:p>
             <a:r>
-              <a:rPr lang="en-US" sz="1600" b="1" dirty="0" smtClean="0">
+              <a:rPr lang="en-US" sz="1600" b="1" dirty="0">
                 <a:solidFill>
                   <a:schemeClr val="tx1"/>
                 </a:solidFill>
@@ -5006,7 +4975,7 @@
               <a:t>Filter</a:t>
             </a:r>
             <a:r>
-              <a:rPr lang="en-US" sz="1600" dirty="0" smtClean="0">
+              <a:rPr lang="en-US" sz="1600" dirty="0">
                 <a:solidFill>
                   <a:schemeClr val="tx1"/>
                 </a:solidFill>
@@ -5014,7 +4983,7 @@
               <a:t>: </a:t>
             </a:r>
             <a:r>
-              <a:rPr lang="en-US" sz="1600" dirty="0" err="1" smtClean="0">
+              <a:rPr lang="en-US" sz="1600" dirty="0" err="1">
                 <a:solidFill>
                   <a:schemeClr val="tx1"/>
                 </a:solidFill>
@@ -5022,7 +4991,7 @@
               <a:t>Lowpass</a:t>
             </a:r>
             <a:r>
-              <a:rPr lang="en-US" sz="1600" dirty="0" smtClean="0">
+              <a:rPr lang="en-US" sz="1600" dirty="0">
                 <a:solidFill>
                   <a:schemeClr val="tx1"/>
                 </a:solidFill>
@@ -5030,7 +4999,7 @@
               <a:t> left of center, </a:t>
             </a:r>
             <a:r>
-              <a:rPr lang="en-US" sz="1600" dirty="0" err="1" smtClean="0">
+              <a:rPr lang="en-US" sz="1600" dirty="0" err="1">
                 <a:solidFill>
                   <a:schemeClr val="tx1"/>
                 </a:solidFill>
@@ -5038,7 +5007,7 @@
               <a:t>highpass</a:t>
             </a:r>
             <a:r>
-              <a:rPr lang="en-US" sz="1600" dirty="0" smtClean="0">
+              <a:rPr lang="en-US" sz="1600" dirty="0">
                 <a:solidFill>
                   <a:schemeClr val="tx1"/>
                 </a:solidFill>
@@ -5048,7 +5017,7 @@
           </a:p>
           <a:p>
             <a:r>
-              <a:rPr lang="en-US" sz="1600" b="1" dirty="0" smtClean="0">
+              <a:rPr lang="en-US" sz="1600" b="1" dirty="0">
                 <a:solidFill>
                   <a:schemeClr val="tx1"/>
                 </a:solidFill>
@@ -5056,7 +5025,7 @@
               <a:t>Time</a:t>
             </a:r>
             <a:r>
-              <a:rPr lang="en-US" sz="1600" dirty="0" smtClean="0">
+              <a:rPr lang="en-US" sz="1600" dirty="0">
                 <a:solidFill>
                   <a:schemeClr val="tx1"/>
                 </a:solidFill>
@@ -5066,7 +5035,7 @@
           </a:p>
           <a:p>
             <a:r>
-              <a:rPr lang="en-US" sz="1600" b="1" dirty="0" smtClean="0">
+              <a:rPr lang="en-US" sz="1600" b="1" dirty="0">
                 <a:solidFill>
                   <a:schemeClr val="tx1"/>
                 </a:solidFill>
@@ -5074,7 +5043,7 @@
               <a:t>FDBK</a:t>
             </a:r>
             <a:r>
-              <a:rPr lang="en-US" sz="1600" dirty="0" smtClean="0">
+              <a:rPr lang="en-US" sz="1600" dirty="0">
                 <a:solidFill>
                   <a:schemeClr val="tx1"/>
                 </a:solidFill>
@@ -5125,7 +5094,7 @@
           <a:lstStyle/>
           <a:p>
             <a:r>
-              <a:rPr lang="en-US" sz="1600" b="1" dirty="0" smtClean="0">
+              <a:rPr lang="en-US" sz="1600" b="1" dirty="0">
                 <a:solidFill>
                   <a:schemeClr val="bg1"/>
                 </a:solidFill>
@@ -5135,7 +5104,7 @@
           </a:p>
           <a:p>
             <a:r>
-              <a:rPr lang="en-US" sz="1600" b="1" dirty="0" smtClean="0">
+              <a:rPr lang="en-US" sz="1600" b="1" dirty="0">
                 <a:solidFill>
                   <a:schemeClr val="bg1"/>
                 </a:solidFill>
@@ -5150,60 +5119,44 @@
                   <a:schemeClr val="bg1"/>
                 </a:solidFill>
               </a:rPr>
-              <a:t> </a:t>
-            </a:r>
-            <a:r>
-              <a:rPr lang="en-US" sz="1600" b="1" dirty="0" smtClean="0">
+              <a:t>  Center: </a:t>
+            </a:r>
+            <a:r>
+              <a:rPr lang="en-US" sz="1600" b="1" dirty="0" err="1">
                 <a:solidFill>
                   <a:schemeClr val="bg1"/>
                 </a:solidFill>
               </a:rPr>
-              <a:t> Center: </a:t>
-            </a:r>
-            <a:r>
-              <a:rPr lang="en-US" sz="1600" b="1" dirty="0" err="1" smtClean="0">
+              <a:t>Klon</a:t>
+            </a:r>
+            <a:r>
+              <a:rPr lang="en-US" sz="1600" b="1" dirty="0">
                 <a:solidFill>
                   <a:schemeClr val="bg1"/>
                 </a:solidFill>
               </a:rPr>
-              <a:t>Klon</a:t>
-            </a:r>
-            <a:r>
-              <a:rPr lang="en-US" sz="1600" b="1" dirty="0" smtClean="0">
+              <a:t> clone </a:t>
+            </a:r>
+          </a:p>
+          <a:p>
+            <a:r>
+              <a:rPr lang="en-US" sz="1600" b="1" dirty="0">
                 <a:solidFill>
                   <a:schemeClr val="bg1"/>
                 </a:solidFill>
               </a:rPr>
-              <a:t> clone </a:t>
-            </a:r>
-          </a:p>
-          <a:p>
+              <a:t>  Right:  Mesa </a:t>
+            </a:r>
+            <a:r>
+              <a:rPr lang="en-US" sz="1600" b="1" dirty="0" err="1">
+                <a:solidFill>
+                  <a:schemeClr val="bg1"/>
+                </a:solidFill>
+              </a:rPr>
+              <a:t>iib</a:t>
+            </a:r>
             <a:r>
               <a:rPr lang="en-US" sz="1600" b="1" dirty="0">
-                <a:solidFill>
-                  <a:schemeClr val="bg1"/>
-                </a:solidFill>
-              </a:rPr>
-              <a:t> </a:t>
-            </a:r>
-            <a:r>
-              <a:rPr lang="en-US" sz="1600" b="1" dirty="0" smtClean="0">
-                <a:solidFill>
-                  <a:schemeClr val="bg1"/>
-                </a:solidFill>
-              </a:rPr>
-              <a:t> Right:  Mesa </a:t>
-            </a:r>
-            <a:r>
-              <a:rPr lang="en-US" sz="1600" b="1" dirty="0" err="1" smtClean="0">
-                <a:solidFill>
-                  <a:schemeClr val="bg1"/>
-                </a:solidFill>
-              </a:rPr>
-              <a:t>iib</a:t>
-            </a:r>
-            <a:r>
-              <a:rPr lang="en-US" sz="1600" b="1" dirty="0" smtClean="0">
                 <a:solidFill>
                   <a:schemeClr val="bg1"/>
                 </a:solidFill>
@@ -5249,7 +5202,7 @@
           <a:lstStyle/>
           <a:p>
             <a:r>
-              <a:rPr lang="en-US" sz="1600" b="1" dirty="0" smtClean="0">
+              <a:rPr lang="en-US" sz="1600" b="1" dirty="0">
                 <a:solidFill>
                   <a:schemeClr val="bg1"/>
                 </a:solidFill>
@@ -5259,7 +5212,7 @@
           </a:p>
           <a:p>
             <a:r>
-              <a:rPr lang="en-US" sz="1600" b="1" dirty="0" smtClean="0">
+              <a:rPr lang="en-US" sz="1600" b="1" dirty="0">
                 <a:solidFill>
                   <a:schemeClr val="bg1"/>
                 </a:solidFill>
@@ -5269,7 +5222,7 @@
           </a:p>
           <a:p>
             <a:r>
-              <a:rPr lang="en-US" sz="1600" b="1" dirty="0" smtClean="0">
+              <a:rPr lang="en-US" sz="1600" b="1" dirty="0">
                 <a:solidFill>
                   <a:schemeClr val="bg1"/>
                 </a:solidFill>
@@ -5279,7 +5232,7 @@
           </a:p>
           <a:p>
             <a:r>
-              <a:rPr lang="en-US" sz="1600" b="1" dirty="0" smtClean="0">
+              <a:rPr lang="en-US" sz="1600" b="1" dirty="0">
                 <a:solidFill>
                   <a:schemeClr val="bg1"/>
                 </a:solidFill>
@@ -5325,7 +5278,7 @@
           <a:lstStyle/>
           <a:p>
             <a:r>
-              <a:rPr lang="en-US" sz="1600" b="1" dirty="0" smtClean="0">
+              <a:rPr lang="en-US" sz="1600" b="1" dirty="0">
                 <a:solidFill>
                   <a:schemeClr val="bg1"/>
                 </a:solidFill>
@@ -5335,7 +5288,7 @@
           </a:p>
           <a:p>
             <a:r>
-              <a:rPr lang="en-US" sz="1600" b="1" dirty="0" smtClean="0">
+              <a:rPr lang="en-US" sz="1600" b="1" dirty="0">
                 <a:solidFill>
                   <a:schemeClr val="bg1"/>
                 </a:solidFill>
@@ -5345,7 +5298,7 @@
           </a:p>
           <a:p>
             <a:r>
-              <a:rPr lang="en-US" sz="1600" b="1" dirty="0" smtClean="0">
+              <a:rPr lang="en-US" sz="1600" b="1" dirty="0">
                 <a:solidFill>
                   <a:schemeClr val="bg1"/>
                 </a:solidFill>
@@ -5353,7 +5306,7 @@
               <a:t>  Center: Dotted 8</a:t>
             </a:r>
             <a:r>
-              <a:rPr lang="en-US" sz="1600" b="1" baseline="30000" dirty="0" smtClean="0">
+              <a:rPr lang="en-US" sz="1600" b="1" baseline="30000" dirty="0">
                 <a:solidFill>
                   <a:schemeClr val="bg1"/>
                 </a:solidFill>
@@ -5361,7 +5314,7 @@
               <a:t>th</a:t>
             </a:r>
             <a:r>
-              <a:rPr lang="en-US" sz="1600" b="1" dirty="0" smtClean="0">
+              <a:rPr lang="en-US" sz="1600" b="1" dirty="0">
                 <a:solidFill>
                   <a:schemeClr val="bg1"/>
                 </a:solidFill>
@@ -5371,7 +5324,7 @@
           </a:p>
           <a:p>
             <a:r>
-              <a:rPr lang="en-US" sz="1600" b="1" dirty="0" smtClean="0">
+              <a:rPr lang="en-US" sz="1600" b="1" dirty="0">
                 <a:solidFill>
                   <a:schemeClr val="bg1"/>
                 </a:solidFill>
@@ -5417,7 +5370,7 @@
           <a:lstStyle/>
           <a:p>
             <a:r>
-              <a:rPr lang="en-US" sz="1600" b="1" dirty="0" smtClean="0">
+              <a:rPr lang="en-US" sz="1600" b="1" dirty="0">
                 <a:solidFill>
                   <a:schemeClr val="bg1"/>
                 </a:solidFill>
@@ -5427,7 +5380,7 @@
           </a:p>
           <a:p>
             <a:r>
-              <a:rPr lang="en-US" sz="1600" b="1" dirty="0" smtClean="0">
+              <a:rPr lang="en-US" sz="1600" b="1" dirty="0">
                 <a:solidFill>
                   <a:schemeClr val="bg1"/>
                 </a:solidFill>
@@ -5437,7 +5390,7 @@
           </a:p>
           <a:p>
             <a:r>
-              <a:rPr lang="en-US" sz="1600" b="1" dirty="0" smtClean="0">
+              <a:rPr lang="en-US" sz="1600" b="1" dirty="0">
                 <a:solidFill>
                   <a:schemeClr val="bg1"/>
                 </a:solidFill>
@@ -5483,7 +5436,7 @@
           <a:lstStyle/>
           <a:p>
             <a:r>
-              <a:rPr lang="en-US" sz="1600" b="1" dirty="0" smtClean="0">
+              <a:rPr lang="en-US" sz="1600" b="1" dirty="0">
                 <a:solidFill>
                   <a:schemeClr val="bg1"/>
                 </a:solidFill>
@@ -5501,8 +5454,8 @@
         </p:nvSpPr>
         <p:spPr>
           <a:xfrm>
-            <a:off x="6574949" y="5977002"/>
-            <a:ext cx="3034908" cy="410432"/>
+            <a:off x="6574948" y="5977001"/>
+            <a:ext cx="4891147" cy="630663"/>
           </a:xfrm>
           <a:prstGeom prst="rect">
             <a:avLst/>
@@ -5529,26 +5482,13 @@
           <a:lstStyle/>
           <a:p>
             <a:r>
-              <a:rPr lang="en-US" sz="1600" b="1" dirty="0" smtClean="0">
+              <a:rPr lang="en-US" sz="1600" b="1" dirty="0">
                 <a:solidFill>
                   <a:schemeClr val="bg1"/>
                 </a:solidFill>
               </a:rPr>
-              <a:t>Right Footswitch</a:t>
-            </a:r>
-            <a:r>
-              <a:rPr lang="en-US" sz="1600" b="1" smtClean="0">
-                <a:solidFill>
-                  <a:schemeClr val="bg1"/>
-                </a:solidFill>
-              </a:rPr>
-              <a:t>: TBD</a:t>
-            </a:r>
-            <a:endParaRPr lang="en-US" sz="1600" b="1" dirty="0" smtClean="0">
-              <a:solidFill>
-                <a:schemeClr val="bg1"/>
-              </a:solidFill>
-            </a:endParaRPr>
+              <a:t>Right Footswitch: Hold to save preset. Press to engage/disengage preset. Saves between power cycles.</a:t>
+            </a:r>
           </a:p>
         </p:txBody>
       </p:sp>
@@ -5587,7 +5527,7 @@
           <a:lstStyle/>
           <a:p>
             <a:r>
-              <a:rPr lang="en-US" sz="2800" b="1" dirty="0" smtClean="0">
+              <a:rPr lang="en-US" sz="2800" b="1" dirty="0">
                 <a:solidFill>
                   <a:schemeClr val="tx1"/>
                 </a:solidFill>
@@ -5595,7 +5535,7 @@
               <a:t>Mars</a:t>
             </a:r>
             <a:r>
-              <a:rPr lang="en-US" sz="1600" b="1" dirty="0" smtClean="0">
+              <a:rPr lang="en-US" sz="1600" b="1" dirty="0">
                 <a:solidFill>
                   <a:schemeClr val="tx1"/>
                 </a:solidFill>
@@ -5603,7 +5543,7 @@
               <a:t> is an </a:t>
             </a:r>
             <a:r>
-              <a:rPr lang="en-US" sz="2400" b="1" dirty="0" smtClean="0">
+              <a:rPr lang="en-US" sz="2400" b="1" dirty="0">
                 <a:solidFill>
                   <a:schemeClr val="tx1"/>
                 </a:solidFill>
@@ -5611,7 +5551,7 @@
               <a:t>Amp Modeler / Delay </a:t>
             </a:r>
             <a:r>
-              <a:rPr lang="en-US" sz="1600" b="1" dirty="0" smtClean="0">
+              <a:rPr lang="en-US" sz="1600" b="1" dirty="0">
                 <a:solidFill>
                   <a:schemeClr val="tx1"/>
                 </a:solidFill>
@@ -5630,7 +5570,7 @@
         <p:spPr>
           <a:xfrm>
             <a:off x="7586062" y="182880"/>
-            <a:ext cx="3559458" cy="1277827"/>
+            <a:ext cx="4289106" cy="1456957"/>
           </a:xfrm>
           <a:prstGeom prst="rect">
             <a:avLst/>
@@ -5656,41 +5596,51 @@
           <a:lstStyle/>
           <a:p>
             <a:r>
-              <a:rPr lang="en-US" sz="1600" b="1" dirty="0" smtClean="0">
+              <a:rPr lang="en-US" sz="1600" b="1" dirty="0">
                 <a:solidFill>
                   <a:schemeClr val="tx1"/>
                 </a:solidFill>
               </a:rPr>
               <a:t>Mono In/Out Processing</a:t>
             </a:r>
-            <a:endParaRPr lang="en-US" sz="1600" b="1" dirty="0">
-              <a:solidFill>
-                <a:schemeClr val="tx1"/>
-              </a:solidFill>
-            </a:endParaRPr>
-          </a:p>
-          <a:p>
-            <a:r>
-              <a:rPr lang="en-US" sz="1600" b="1" dirty="0" smtClean="0">
+          </a:p>
+          <a:p>
+            <a:r>
+              <a:rPr lang="en-US" sz="1600" b="1" dirty="0">
                 <a:solidFill>
                   <a:schemeClr val="tx1"/>
                 </a:solidFill>
               </a:rPr>
-              <a:t>If using TRS, only takes left channel for input, and copies Left to Right for </a:t>
-            </a:r>
-            <a:r>
-              <a:rPr lang="en-US" sz="1600" b="1" dirty="0" smtClean="0">
+              <a:t>If using TRS, only takes left channel for input, and copies Left to Right for output</a:t>
+            </a:r>
+          </a:p>
+          <a:p>
+            <a:pPr marL="285750" indent="-285750">
+              <a:buFontTx/>
+              <a:buChar char="-"/>
+            </a:pPr>
+            <a:r>
+              <a:rPr lang="en-US" sz="1600" b="1" dirty="0">
                 <a:solidFill>
                   <a:schemeClr val="tx1"/>
                 </a:solidFill>
               </a:rPr>
-              <a:t>output</a:t>
-            </a:r>
-            <a:endParaRPr lang="en-US" sz="1600" b="1" dirty="0" smtClean="0">
-              <a:solidFill>
-                <a:schemeClr val="tx1"/>
-              </a:solidFill>
-            </a:endParaRPr>
+              <a:t>Expression: YES</a:t>
+            </a:r>
+          </a:p>
+          <a:p>
+            <a:pPr marL="285750" indent="-285750">
+              <a:buFontTx/>
+              <a:buChar char="-"/>
+            </a:pPr>
+            <a:r>
+              <a:rPr lang="en-US" sz="1600" b="1" dirty="0">
+                <a:solidFill>
+                  <a:schemeClr val="tx1"/>
+                </a:solidFill>
+              </a:rPr>
+              <a:t>MIDI: NO</a:t>
+            </a:r>
           </a:p>
         </p:txBody>
       </p:sp>
@@ -6012,6 +5962,39 @@
           </a:fontRef>
         </p:style>
       </p:cxnSp>
+      <p:sp>
+        <p:nvSpPr>
+          <p:cNvPr id="66" name="TextBox 65"/>
+          <p:cNvSpPr txBox="1"/>
+          <p:nvPr/>
+        </p:nvSpPr>
+        <p:spPr>
+          <a:xfrm>
+            <a:off x="6445824" y="5548457"/>
+            <a:ext cx="587020" cy="246221"/>
+          </a:xfrm>
+          <a:prstGeom prst="rect">
+            <a:avLst/>
+          </a:prstGeom>
+          <a:noFill/>
+        </p:spPr>
+        <p:txBody>
+          <a:bodyPr wrap="none" rtlCol="0">
+            <a:spAutoFit/>
+          </a:bodyPr>
+          <a:lstStyle/>
+          <a:p>
+            <a:pPr algn="ctr"/>
+            <a:r>
+              <a:rPr lang="en-US" sz="1000" b="1" dirty="0">
+                <a:latin typeface="Century Gothic" panose="020B0502020202020204" pitchFamily="34" charset="0"/>
+                <a:cs typeface="Adobe Devanagari" panose="02040503050201020203" pitchFamily="18" charset="0"/>
+              </a:rPr>
+              <a:t>PRESET</a:t>
+            </a:r>
+          </a:p>
+        </p:txBody>
+      </p:sp>
     </p:spTree>
     <p:extLst>
       <p:ext uri="{BB962C8B-B14F-4D97-AF65-F5344CB8AC3E}">
@@ -7052,16 +7035,12 @@
           <a:p>
             <a:pPr algn="ctr"/>
             <a:r>
-              <a:rPr lang="en-US" sz="1000" b="1" dirty="0" smtClean="0">
+              <a:rPr lang="en-US" sz="1000" b="1" dirty="0">
                 <a:latin typeface="Century Gothic" panose="020B0502020202020204" pitchFamily="34" charset="0"/>
                 <a:cs typeface="Adobe Devanagari" panose="02040503050201020203" pitchFamily="18" charset="0"/>
               </a:rPr>
               <a:t>Decay</a:t>
             </a:r>
-            <a:endParaRPr lang="en-US" sz="1000" b="1" dirty="0">
-              <a:latin typeface="Century Gothic" panose="020B0502020202020204" pitchFamily="34" charset="0"/>
-              <a:cs typeface="Adobe Devanagari" panose="02040503050201020203" pitchFamily="18" charset="0"/>
-            </a:endParaRPr>
           </a:p>
         </p:txBody>
       </p:sp>
@@ -7089,7 +7068,7 @@
           <a:p>
             <a:pPr algn="ctr"/>
             <a:r>
-              <a:rPr lang="en-US" sz="1000" b="1" dirty="0" smtClean="0">
+              <a:rPr lang="en-US" sz="1000" b="1" dirty="0">
                 <a:latin typeface="Century Gothic" panose="020B0502020202020204" pitchFamily="34" charset="0"/>
                 <a:cs typeface="Adobe Devanagari" panose="02040503050201020203" pitchFamily="18" charset="0"/>
               </a:rPr>
@@ -7099,16 +7078,12 @@
           <a:p>
             <a:pPr algn="ctr"/>
             <a:r>
-              <a:rPr lang="en-US" sz="1000" b="1" dirty="0" smtClean="0">
+              <a:rPr lang="en-US" sz="1000" b="1" dirty="0">
                 <a:latin typeface="Century Gothic" panose="020B0502020202020204" pitchFamily="34" charset="0"/>
                 <a:cs typeface="Adobe Devanagari" panose="02040503050201020203" pitchFamily="18" charset="0"/>
               </a:rPr>
               <a:t>(R/D)</a:t>
             </a:r>
-            <a:endParaRPr lang="en-US" sz="1000" b="1" dirty="0">
-              <a:latin typeface="Century Gothic" panose="020B0502020202020204" pitchFamily="34" charset="0"/>
-              <a:cs typeface="Adobe Devanagari" panose="02040503050201020203" pitchFamily="18" charset="0"/>
-            </a:endParaRPr>
           </a:p>
         </p:txBody>
       </p:sp>
@@ -7136,16 +7111,12 @@
           <a:p>
             <a:pPr algn="ctr"/>
             <a:r>
-              <a:rPr lang="en-US" sz="1000" b="1" dirty="0" smtClean="0">
+              <a:rPr lang="en-US" sz="1000" b="1" dirty="0">
                 <a:latin typeface="Century Gothic" panose="020B0502020202020204" pitchFamily="34" charset="0"/>
                 <a:cs typeface="Adobe Devanagari" panose="02040503050201020203" pitchFamily="18" charset="0"/>
               </a:rPr>
               <a:t>Time</a:t>
             </a:r>
-            <a:endParaRPr lang="en-US" sz="1000" b="1" dirty="0">
-              <a:latin typeface="Century Gothic" panose="020B0502020202020204" pitchFamily="34" charset="0"/>
-              <a:cs typeface="Adobe Devanagari" panose="02040503050201020203" pitchFamily="18" charset="0"/>
-            </a:endParaRPr>
           </a:p>
         </p:txBody>
       </p:sp>
@@ -7173,7 +7144,7 @@
           <a:p>
             <a:pPr algn="ctr"/>
             <a:r>
-              <a:rPr lang="en-US" sz="1000" b="1" dirty="0" smtClean="0">
+              <a:rPr lang="en-US" sz="1000" b="1" dirty="0">
                 <a:latin typeface="Century Gothic" panose="020B0502020202020204" pitchFamily="34" charset="0"/>
                 <a:cs typeface="Adobe Devanagari" panose="02040503050201020203" pitchFamily="18" charset="0"/>
               </a:rPr>
@@ -7206,7 +7177,7 @@
           <a:p>
             <a:pPr algn="ctr"/>
             <a:r>
-              <a:rPr lang="en-US" sz="1000" b="1" dirty="0" smtClean="0">
+              <a:rPr lang="en-US" sz="1000" b="1" dirty="0">
                 <a:latin typeface="Century Gothic" panose="020B0502020202020204" pitchFamily="34" charset="0"/>
                 <a:cs typeface="Adobe Devanagari" panose="02040503050201020203" pitchFamily="18" charset="0"/>
               </a:rPr>
@@ -7239,7 +7210,7 @@
           <a:p>
             <a:pPr algn="ctr"/>
             <a:r>
-              <a:rPr lang="en-US" sz="1000" b="1" dirty="0" smtClean="0">
+              <a:rPr lang="en-US" sz="1000" b="1" dirty="0">
                 <a:latin typeface="Century Gothic" panose="020B0502020202020204" pitchFamily="34" charset="0"/>
                 <a:cs typeface="Adobe Devanagari" panose="02040503050201020203" pitchFamily="18" charset="0"/>
               </a:rPr>
@@ -7249,16 +7220,12 @@
           <a:p>
             <a:pPr algn="ctr"/>
             <a:r>
-              <a:rPr lang="en-US" sz="1000" b="1" dirty="0" smtClean="0">
+              <a:rPr lang="en-US" sz="1000" b="1" dirty="0">
                 <a:latin typeface="Century Gothic" panose="020B0502020202020204" pitchFamily="34" charset="0"/>
                 <a:cs typeface="Adobe Devanagari" panose="02040503050201020203" pitchFamily="18" charset="0"/>
               </a:rPr>
               <a:t>(Rate)</a:t>
             </a:r>
-            <a:endParaRPr lang="en-US" sz="1000" b="1" dirty="0">
-              <a:latin typeface="Century Gothic" panose="020B0502020202020204" pitchFamily="34" charset="0"/>
-              <a:cs typeface="Adobe Devanagari" panose="02040503050201020203" pitchFamily="18" charset="0"/>
-            </a:endParaRPr>
           </a:p>
         </p:txBody>
       </p:sp>
@@ -7286,16 +7253,12 @@
           <a:p>
             <a:pPr algn="ctr"/>
             <a:r>
-              <a:rPr lang="en-US" sz="1000" b="1" dirty="0" smtClean="0">
+              <a:rPr lang="en-US" sz="1000" b="1" dirty="0">
                 <a:latin typeface="Century Gothic" panose="020B0502020202020204" pitchFamily="34" charset="0"/>
                 <a:cs typeface="Adobe Devanagari" panose="02040503050201020203" pitchFamily="18" charset="0"/>
               </a:rPr>
               <a:t>BYPASS / ALT</a:t>
             </a:r>
-            <a:endParaRPr lang="en-US" sz="1000" b="1" dirty="0">
-              <a:latin typeface="Century Gothic" panose="020B0502020202020204" pitchFamily="34" charset="0"/>
-              <a:cs typeface="Adobe Devanagari" panose="02040503050201020203" pitchFamily="18" charset="0"/>
-            </a:endParaRPr>
           </a:p>
         </p:txBody>
       </p:sp>
@@ -7323,7 +7286,7 @@
           <a:p>
             <a:pPr algn="ctr"/>
             <a:r>
-              <a:rPr lang="en-US" sz="800" b="1" dirty="0" smtClean="0">
+              <a:rPr lang="en-US" sz="800" b="1" dirty="0">
                 <a:latin typeface="Century Gothic" panose="020B0502020202020204" pitchFamily="34" charset="0"/>
                 <a:cs typeface="Adobe Devanagari" panose="02040503050201020203" pitchFamily="18" charset="0"/>
               </a:rPr>
@@ -7333,7 +7296,7 @@
           <a:p>
             <a:pPr algn="ctr"/>
             <a:r>
-              <a:rPr lang="en-US" sz="800" b="1" dirty="0" smtClean="0">
+              <a:rPr lang="en-US" sz="800" b="1" dirty="0">
                 <a:latin typeface="Century Gothic" panose="020B0502020202020204" pitchFamily="34" charset="0"/>
                 <a:cs typeface="Adobe Devanagari" panose="02040503050201020203" pitchFamily="18" charset="0"/>
               </a:rPr>
@@ -7343,7 +7306,7 @@
           <a:p>
             <a:pPr algn="ctr"/>
             <a:r>
-              <a:rPr lang="en-US" sz="800" b="1" dirty="0" smtClean="0">
+              <a:rPr lang="en-US" sz="800" b="1" dirty="0">
                 <a:latin typeface="Century Gothic" panose="020B0502020202020204" pitchFamily="34" charset="0"/>
                 <a:cs typeface="Adobe Devanagari" panose="02040503050201020203" pitchFamily="18" charset="0"/>
               </a:rPr>
@@ -7376,16 +7339,12 @@
           <a:p>
             <a:pPr algn="ctr"/>
             <a:r>
-              <a:rPr lang="en-US" sz="2000" b="1" dirty="0" smtClean="0">
+              <a:rPr lang="en-US" sz="2000" b="1" dirty="0">
                 <a:latin typeface="Broadway" panose="04040905080B02020502" pitchFamily="82" charset="0"/>
                 <a:cs typeface="Adobe Devanagari" panose="02040503050201020203" pitchFamily="18" charset="0"/>
               </a:rPr>
               <a:t>NEPTUNE</a:t>
             </a:r>
-            <a:endParaRPr lang="en-US" sz="2000" b="1" dirty="0">
-              <a:latin typeface="Broadway" panose="04040905080B02020502" pitchFamily="82" charset="0"/>
-              <a:cs typeface="Adobe Devanagari" panose="02040503050201020203" pitchFamily="18" charset="0"/>
-            </a:endParaRPr>
           </a:p>
         </p:txBody>
       </p:sp>
@@ -7413,16 +7372,12 @@
           <a:p>
             <a:pPr algn="ctr"/>
             <a:r>
-              <a:rPr lang="en-US" sz="1000" dirty="0" smtClean="0">
+              <a:rPr lang="en-US" sz="1000" dirty="0">
                 <a:latin typeface="Century Gothic" panose="020B0502020202020204" pitchFamily="34" charset="0"/>
                 <a:cs typeface="Adobe Devanagari" panose="02040503050201020203" pitchFamily="18" charset="0"/>
               </a:rPr>
               <a:t>REVERB/DELAY</a:t>
             </a:r>
-            <a:endParaRPr lang="en-US" sz="1000" dirty="0">
-              <a:latin typeface="Century Gothic" panose="020B0502020202020204" pitchFamily="34" charset="0"/>
-              <a:cs typeface="Adobe Devanagari" panose="02040503050201020203" pitchFamily="18" charset="0"/>
-            </a:endParaRPr>
           </a:p>
         </p:txBody>
       </p:sp>
@@ -7630,7 +7585,7 @@
           <a:p>
             <a:pPr algn="ctr"/>
             <a:r>
-              <a:rPr lang="en-US" sz="800" b="1" dirty="0" smtClean="0">
+              <a:rPr lang="en-US" sz="800" b="1" dirty="0">
                 <a:latin typeface="Century Gothic" panose="020B0502020202020204" pitchFamily="34" charset="0"/>
                 <a:cs typeface="Adobe Devanagari" panose="02040503050201020203" pitchFamily="18" charset="0"/>
               </a:rPr>
@@ -7640,7 +7595,7 @@
           <a:p>
             <a:pPr algn="ctr"/>
             <a:r>
-              <a:rPr lang="en-US" sz="800" b="1" dirty="0" smtClean="0">
+              <a:rPr lang="en-US" sz="800" b="1" dirty="0">
                 <a:latin typeface="Century Gothic" panose="020B0502020202020204" pitchFamily="34" charset="0"/>
                 <a:cs typeface="Adobe Devanagari" panose="02040503050201020203" pitchFamily="18" charset="0"/>
               </a:rPr>
@@ -7650,7 +7605,7 @@
           <a:p>
             <a:pPr algn="ctr"/>
             <a:r>
-              <a:rPr lang="en-US" sz="800" b="1" dirty="0" smtClean="0">
+              <a:rPr lang="en-US" sz="800" b="1" dirty="0">
                 <a:latin typeface="Century Gothic" panose="020B0502020202020204" pitchFamily="34" charset="0"/>
                 <a:cs typeface="Adobe Devanagari" panose="02040503050201020203" pitchFamily="18" charset="0"/>
               </a:rPr>
@@ -7683,7 +7638,7 @@
           <a:p>
             <a:pPr algn="ctr"/>
             <a:r>
-              <a:rPr lang="en-US" sz="800" b="1" dirty="0" smtClean="0">
+              <a:rPr lang="en-US" sz="800" b="1" dirty="0">
                 <a:latin typeface="Century Gothic" panose="020B0502020202020204" pitchFamily="34" charset="0"/>
                 <a:cs typeface="Adobe Devanagari" panose="02040503050201020203" pitchFamily="18" charset="0"/>
               </a:rPr>
@@ -7693,7 +7648,7 @@
           <a:p>
             <a:pPr algn="ctr"/>
             <a:r>
-              <a:rPr lang="en-US" sz="800" b="1" dirty="0" smtClean="0">
+              <a:rPr lang="en-US" sz="800" b="1" dirty="0">
                 <a:latin typeface="Century Gothic" panose="020B0502020202020204" pitchFamily="34" charset="0"/>
                 <a:cs typeface="Adobe Devanagari" panose="02040503050201020203" pitchFamily="18" charset="0"/>
               </a:rPr>
@@ -7703,7 +7658,7 @@
           <a:p>
             <a:pPr algn="ctr"/>
             <a:r>
-              <a:rPr lang="en-US" sz="800" b="1" dirty="0" smtClean="0">
+              <a:rPr lang="en-US" sz="800" b="1" dirty="0">
                 <a:latin typeface="Century Gothic" panose="020B0502020202020204" pitchFamily="34" charset="0"/>
                 <a:cs typeface="Adobe Devanagari" panose="02040503050201020203" pitchFamily="18" charset="0"/>
               </a:rPr>
@@ -7736,16 +7691,12 @@
           <a:p>
             <a:pPr algn="ctr"/>
             <a:r>
-              <a:rPr lang="en-US" sz="900" b="1" dirty="0" smtClean="0">
+              <a:rPr lang="en-US" sz="900" b="1" dirty="0">
                 <a:latin typeface="Century Gothic" panose="020B0502020202020204" pitchFamily="34" charset="0"/>
                 <a:cs typeface="Adobe Devanagari" panose="02040503050201020203" pitchFamily="18" charset="0"/>
               </a:rPr>
               <a:t>Reverb</a:t>
             </a:r>
-            <a:endParaRPr lang="en-US" sz="900" b="1" dirty="0">
-              <a:latin typeface="Century Gothic" panose="020B0502020202020204" pitchFamily="34" charset="0"/>
-              <a:cs typeface="Adobe Devanagari" panose="02040503050201020203" pitchFamily="18" charset="0"/>
-            </a:endParaRPr>
           </a:p>
         </p:txBody>
       </p:sp>
@@ -7773,16 +7724,12 @@
           <a:p>
             <a:pPr algn="ctr"/>
             <a:r>
-              <a:rPr lang="en-US" sz="900" b="1" dirty="0" smtClean="0">
+              <a:rPr lang="en-US" sz="900" b="1" dirty="0">
                 <a:latin typeface="Century Gothic" panose="020B0502020202020204" pitchFamily="34" charset="0"/>
                 <a:cs typeface="Adobe Devanagari" panose="02040503050201020203" pitchFamily="18" charset="0"/>
               </a:rPr>
               <a:t>Routing</a:t>
             </a:r>
-            <a:endParaRPr lang="en-US" sz="900" b="1" dirty="0">
-              <a:latin typeface="Century Gothic" panose="020B0502020202020204" pitchFamily="34" charset="0"/>
-              <a:cs typeface="Adobe Devanagari" panose="02040503050201020203" pitchFamily="18" charset="0"/>
-            </a:endParaRPr>
           </a:p>
         </p:txBody>
       </p:sp>
@@ -7810,16 +7757,12 @@
           <a:p>
             <a:pPr algn="ctr"/>
             <a:r>
-              <a:rPr lang="en-US" sz="900" b="1" dirty="0" smtClean="0">
+              <a:rPr lang="en-US" sz="900" b="1" dirty="0">
                 <a:latin typeface="Century Gothic" panose="020B0502020202020204" pitchFamily="34" charset="0"/>
                 <a:cs typeface="Adobe Devanagari" panose="02040503050201020203" pitchFamily="18" charset="0"/>
               </a:rPr>
               <a:t>Delay</a:t>
             </a:r>
-            <a:endParaRPr lang="en-US" sz="900" b="1" dirty="0">
-              <a:latin typeface="Century Gothic" panose="020B0502020202020204" pitchFamily="34" charset="0"/>
-              <a:cs typeface="Adobe Devanagari" panose="02040503050201020203" pitchFamily="18" charset="0"/>
-            </a:endParaRPr>
           </a:p>
         </p:txBody>
       </p:sp>
@@ -7872,8 +7815,8 @@
         </p:nvSpPr>
         <p:spPr>
           <a:xfrm>
-            <a:off x="6449776" y="5574572"/>
-            <a:ext cx="585418" cy="246221"/>
+            <a:off x="6448975" y="5574572"/>
+            <a:ext cx="587020" cy="246221"/>
           </a:xfrm>
           <a:prstGeom prst="rect">
             <a:avLst/>
@@ -7888,16 +7831,12 @@
           <a:p>
             <a:pPr algn="ctr"/>
             <a:r>
-              <a:rPr lang="en-US" sz="1000" b="1" dirty="0" smtClean="0">
+              <a:rPr lang="en-US" sz="1000" b="1" dirty="0">
                 <a:latin typeface="Century Gothic" panose="020B0502020202020204" pitchFamily="34" charset="0"/>
                 <a:cs typeface="Adobe Devanagari" panose="02040503050201020203" pitchFamily="18" charset="0"/>
               </a:rPr>
-              <a:t>FREEZE</a:t>
-            </a:r>
-            <a:endParaRPr lang="en-US" sz="1000" b="1" dirty="0">
-              <a:latin typeface="Century Gothic" panose="020B0502020202020204" pitchFamily="34" charset="0"/>
-              <a:cs typeface="Adobe Devanagari" panose="02040503050201020203" pitchFamily="18" charset="0"/>
-            </a:endParaRPr>
+              <a:t>PRESET</a:t>
+            </a:r>
           </a:p>
         </p:txBody>
       </p:sp>
@@ -8154,7 +8093,7 @@
           <a:lstStyle/>
           <a:p>
             <a:r>
-              <a:rPr lang="en-US" sz="1600" b="1" dirty="0" smtClean="0">
+              <a:rPr lang="en-US" sz="1600" b="1" dirty="0">
                 <a:solidFill>
                   <a:schemeClr val="tx1"/>
                 </a:solidFill>
@@ -8162,7 +8101,7 @@
               <a:t>Decay</a:t>
             </a:r>
             <a:r>
-              <a:rPr lang="en-US" sz="1600" dirty="0" smtClean="0">
+              <a:rPr lang="en-US" sz="1600" dirty="0">
                 <a:solidFill>
                   <a:schemeClr val="tx1"/>
                 </a:solidFill>
@@ -8172,7 +8111,7 @@
           </a:p>
           <a:p>
             <a:r>
-              <a:rPr lang="en-US" sz="1600" b="1" dirty="0" smtClean="0">
+              <a:rPr lang="en-US" sz="1600" b="1" dirty="0">
                 <a:solidFill>
                   <a:schemeClr val="tx1"/>
                 </a:solidFill>
@@ -8180,7 +8119,7 @@
               <a:t>Mix</a:t>
             </a:r>
             <a:r>
-              <a:rPr lang="en-US" sz="1600" dirty="0" smtClean="0">
+              <a:rPr lang="en-US" sz="1600" dirty="0">
                 <a:solidFill>
                   <a:schemeClr val="tx1"/>
                 </a:solidFill>
@@ -8190,7 +8129,7 @@
           </a:p>
           <a:p>
             <a:r>
-              <a:rPr lang="en-US" sz="1600" b="1" dirty="0" smtClean="0">
+              <a:rPr lang="en-US" sz="1600" b="1" dirty="0">
                 <a:solidFill>
                   <a:schemeClr val="tx1"/>
                 </a:solidFill>
@@ -8198,14 +8137,14 @@
               <a:t>Time:</a:t>
             </a:r>
             <a:r>
-              <a:rPr lang="en-US" sz="1600" dirty="0" smtClean="0">
+              <a:rPr lang="en-US" sz="1600" dirty="0">
                 <a:solidFill>
                   <a:schemeClr val="tx1"/>
                 </a:solidFill>
               </a:rPr>
               <a:t> Delay time 0 to 4 seconds (2 seconds max for octave, double speed)</a:t>
             </a:r>
-            <a:endParaRPr lang="en-US" sz="1600" b="1" dirty="0" smtClean="0">
+            <a:endParaRPr lang="en-US" sz="1600" b="1" dirty="0">
               <a:solidFill>
                 <a:schemeClr val="tx1"/>
               </a:solidFill>
@@ -8249,7 +8188,7 @@
           <a:lstStyle/>
           <a:p>
             <a:r>
-              <a:rPr lang="en-US" sz="1600" b="1" dirty="0" smtClean="0">
+              <a:rPr lang="en-US" sz="1600" b="1" dirty="0">
                 <a:solidFill>
                   <a:schemeClr val="tx1"/>
                 </a:solidFill>
@@ -8257,7 +8196,7 @@
               <a:t>Mod (Rate)</a:t>
             </a:r>
             <a:r>
-              <a:rPr lang="en-US" sz="1600" dirty="0" smtClean="0">
+              <a:rPr lang="en-US" sz="1600" dirty="0">
                 <a:solidFill>
                   <a:schemeClr val="tx1"/>
                 </a:solidFill>
@@ -8267,7 +8206,7 @@
           </a:p>
           <a:p>
             <a:r>
-              <a:rPr lang="en-US" sz="1600" b="1" dirty="0" smtClean="0">
+              <a:rPr lang="en-US" sz="1600" b="1" dirty="0">
                 <a:solidFill>
                   <a:schemeClr val="tx1"/>
                 </a:solidFill>
@@ -8275,7 +8214,7 @@
               <a:t>Damp</a:t>
             </a:r>
             <a:r>
-              <a:rPr lang="en-US" sz="1600" dirty="0" smtClean="0">
+              <a:rPr lang="en-US" sz="1600" dirty="0">
                 <a:solidFill>
                   <a:schemeClr val="tx1"/>
                 </a:solidFill>
@@ -8283,7 +8222,7 @@
               <a:t>: </a:t>
             </a:r>
             <a:r>
-              <a:rPr lang="en-US" sz="1600" dirty="0" err="1" smtClean="0">
+              <a:rPr lang="en-US" sz="1600" dirty="0" err="1">
                 <a:solidFill>
                   <a:schemeClr val="tx1"/>
                 </a:solidFill>
@@ -8291,7 +8230,7 @@
               <a:t>Lowpass</a:t>
             </a:r>
             <a:r>
-              <a:rPr lang="en-US" sz="1600" dirty="0" smtClean="0">
+              <a:rPr lang="en-US" sz="1600" dirty="0">
                 <a:solidFill>
                   <a:schemeClr val="tx1"/>
                 </a:solidFill>
@@ -8301,7 +8240,7 @@
           </a:p>
           <a:p>
             <a:r>
-              <a:rPr lang="en-US" sz="1600" b="1" dirty="0" smtClean="0">
+              <a:rPr lang="en-US" sz="1600" b="1" dirty="0">
                 <a:solidFill>
                   <a:schemeClr val="tx1"/>
                 </a:solidFill>
@@ -8309,7 +8248,7 @@
               <a:t>FDBK</a:t>
             </a:r>
             <a:r>
-              <a:rPr lang="en-US" sz="1600" dirty="0" smtClean="0">
+              <a:rPr lang="en-US" sz="1600" dirty="0">
                 <a:solidFill>
                   <a:schemeClr val="tx1"/>
                 </a:solidFill>
@@ -8360,7 +8299,7 @@
           <a:lstStyle/>
           <a:p>
             <a:r>
-              <a:rPr lang="en-US" sz="1600" b="1" dirty="0" smtClean="0">
+              <a:rPr lang="en-US" sz="1600" b="1" dirty="0">
                 <a:solidFill>
                   <a:schemeClr val="bg1"/>
                 </a:solidFill>
@@ -8370,7 +8309,7 @@
           </a:p>
           <a:p>
             <a:r>
-              <a:rPr lang="en-US" sz="1600" b="1" dirty="0" smtClean="0">
+              <a:rPr lang="en-US" sz="1600" b="1" dirty="0">
                 <a:solidFill>
                   <a:schemeClr val="bg1"/>
                 </a:solidFill>
@@ -8385,55 +8324,34 @@
                   <a:schemeClr val="bg1"/>
                 </a:solidFill>
               </a:rPr>
-              <a:t> </a:t>
-            </a:r>
-            <a:r>
-              <a:rPr lang="en-US" sz="1600" b="1" dirty="0" smtClean="0">
+              <a:t>  Center: Hall (Medium space)</a:t>
+            </a:r>
+          </a:p>
+          <a:p>
+            <a:r>
+              <a:rPr lang="en-US" sz="1600" b="1" dirty="0">
                 <a:solidFill>
                   <a:schemeClr val="bg1"/>
                 </a:solidFill>
               </a:rPr>
-              <a:t> Center: Hall (Medium space)</a:t>
-            </a:r>
-          </a:p>
-          <a:p>
+              <a:t>  Right:  Cloud (</a:t>
+            </a:r>
+            <a:r>
+              <a:rPr lang="en-US" sz="1600" b="1" dirty="0" err="1">
+                <a:solidFill>
+                  <a:schemeClr val="bg1"/>
+                </a:solidFill>
+              </a:rPr>
+              <a:t>RubiKa</a:t>
+            </a:r>
             <a:r>
               <a:rPr lang="en-US" sz="1600" b="1" dirty="0">
                 <a:solidFill>
                   <a:schemeClr val="bg1"/>
                 </a:solidFill>
               </a:rPr>
-              <a:t> </a:t>
-            </a:r>
-            <a:r>
-              <a:rPr lang="en-US" sz="1600" b="1" dirty="0" smtClean="0">
-                <a:solidFill>
-                  <a:schemeClr val="bg1"/>
-                </a:solidFill>
-              </a:rPr>
-              <a:t> Right:  Cloud (</a:t>
-            </a:r>
-            <a:r>
-              <a:rPr lang="en-US" sz="1600" b="1" dirty="0" err="1" smtClean="0">
-                <a:solidFill>
-                  <a:schemeClr val="bg1"/>
-                </a:solidFill>
-              </a:rPr>
-              <a:t>RubiKa</a:t>
-            </a:r>
-            <a:r>
-              <a:rPr lang="en-US" sz="1600" b="1" dirty="0" smtClean="0">
-                <a:solidFill>
-                  <a:schemeClr val="bg1"/>
-                </a:solidFill>
-              </a:rPr>
               <a:t>)</a:t>
             </a:r>
-            <a:endParaRPr lang="en-US" sz="1600" b="1" dirty="0" smtClean="0">
-              <a:solidFill>
-                <a:schemeClr val="bg1"/>
-              </a:solidFill>
-            </a:endParaRPr>
           </a:p>
         </p:txBody>
       </p:sp>
@@ -8473,7 +8391,7 @@
           <a:lstStyle/>
           <a:p>
             <a:r>
-              <a:rPr lang="en-US" sz="1600" b="1" dirty="0" smtClean="0">
+              <a:rPr lang="en-US" sz="1600" b="1" dirty="0">
                 <a:solidFill>
                   <a:schemeClr val="bg1"/>
                 </a:solidFill>
@@ -8483,7 +8401,7 @@
           </a:p>
           <a:p>
             <a:r>
-              <a:rPr lang="en-US" sz="1600" b="1" dirty="0" smtClean="0">
+              <a:rPr lang="en-US" sz="1600" b="1" dirty="0">
                 <a:solidFill>
                   <a:schemeClr val="bg1"/>
                 </a:solidFill>
@@ -8493,7 +8411,7 @@
           </a:p>
           <a:p>
             <a:r>
-              <a:rPr lang="en-US" sz="1600" b="1" dirty="0" smtClean="0">
+              <a:rPr lang="en-US" sz="1600" b="1" dirty="0">
                 <a:solidFill>
                   <a:schemeClr val="bg1"/>
                 </a:solidFill>
@@ -8503,7 +8421,7 @@
           </a:p>
           <a:p>
             <a:r>
-              <a:rPr lang="en-US" sz="1600" b="1" dirty="0" smtClean="0">
+              <a:rPr lang="en-US" sz="1600" b="1" dirty="0">
                 <a:solidFill>
                   <a:schemeClr val="bg1"/>
                 </a:solidFill>
@@ -8549,7 +8467,7 @@
           <a:lstStyle/>
           <a:p>
             <a:r>
-              <a:rPr lang="en-US" sz="1600" b="1" dirty="0" smtClean="0">
+              <a:rPr lang="en-US" sz="1600" b="1" dirty="0">
                 <a:solidFill>
                   <a:schemeClr val="bg1"/>
                 </a:solidFill>
@@ -8559,7 +8477,7 @@
           </a:p>
           <a:p>
             <a:r>
-              <a:rPr lang="en-US" sz="1600" b="1" dirty="0" smtClean="0">
+              <a:rPr lang="en-US" sz="1600" b="1" dirty="0">
                 <a:solidFill>
                   <a:schemeClr val="bg1"/>
                 </a:solidFill>
@@ -8569,7 +8487,7 @@
           </a:p>
           <a:p>
             <a:r>
-              <a:rPr lang="en-US" sz="1600" b="1" dirty="0" smtClean="0">
+              <a:rPr lang="en-US" sz="1600" b="1" dirty="0">
                 <a:solidFill>
                   <a:schemeClr val="bg1"/>
                 </a:solidFill>
@@ -8579,7 +8497,7 @@
           </a:p>
           <a:p>
             <a:r>
-              <a:rPr lang="en-US" sz="1600" b="1" dirty="0" smtClean="0">
+              <a:rPr lang="en-US" sz="1600" b="1" dirty="0">
                 <a:solidFill>
                   <a:schemeClr val="bg1"/>
                 </a:solidFill>
@@ -8625,7 +8543,7 @@
           <a:lstStyle/>
           <a:p>
             <a:r>
-              <a:rPr lang="en-US" sz="1600" b="1" dirty="0" smtClean="0">
+              <a:rPr lang="en-US" sz="1600" b="1" dirty="0">
                 <a:solidFill>
                   <a:schemeClr val="bg1"/>
                 </a:solidFill>
@@ -8635,7 +8553,7 @@
           </a:p>
           <a:p>
             <a:r>
-              <a:rPr lang="en-US" sz="1600" b="1" dirty="0" smtClean="0">
+              <a:rPr lang="en-US" sz="1600" b="1" dirty="0">
                 <a:solidFill>
                   <a:schemeClr val="bg1"/>
                 </a:solidFill>
@@ -8645,7 +8563,7 @@
           </a:p>
           <a:p>
             <a:r>
-              <a:rPr lang="en-US" sz="1600" b="1" dirty="0" smtClean="0">
+              <a:rPr lang="en-US" sz="1600" b="1" dirty="0">
                 <a:solidFill>
                   <a:schemeClr val="bg1"/>
                 </a:solidFill>
@@ -8691,58 +8609,12 @@
           <a:lstStyle/>
           <a:p>
             <a:r>
-              <a:rPr lang="en-US" sz="1600" b="1" dirty="0" smtClean="0">
+              <a:rPr lang="en-US" sz="1600" b="1" dirty="0">
                 <a:solidFill>
                   <a:schemeClr val="bg1"/>
                 </a:solidFill>
               </a:rPr>
               <a:t>Left Footswitch: Bypass/Engage, hold to engage alternate mode (indicated by dimmed LED)</a:t>
-            </a:r>
-          </a:p>
-        </p:txBody>
-      </p:sp>
-      <p:sp>
-        <p:nvSpPr>
-          <p:cNvPr id="62" name="Rectangle 61"/>
-          <p:cNvSpPr/>
-          <p:nvPr/>
-        </p:nvSpPr>
-        <p:spPr>
-          <a:xfrm>
-            <a:off x="6585109" y="6016737"/>
-            <a:ext cx="3920331" cy="599739"/>
-          </a:xfrm>
-          <a:prstGeom prst="rect">
-            <a:avLst/>
-          </a:prstGeom>
-        </p:spPr>
-        <p:style>
-          <a:lnRef idx="2">
-            <a:schemeClr val="dk1">
-              <a:shade val="50000"/>
-            </a:schemeClr>
-          </a:lnRef>
-          <a:fillRef idx="1001">
-            <a:schemeClr val="dk2"/>
-          </a:fillRef>
-          <a:effectRef idx="0">
-            <a:schemeClr val="dk1"/>
-          </a:effectRef>
-          <a:fontRef idx="minor">
-            <a:schemeClr val="lt1"/>
-          </a:fontRef>
-        </p:style>
-        <p:txBody>
-          <a:bodyPr rtlCol="0" anchor="ctr"/>
-          <a:lstStyle/>
-          <a:p>
-            <a:r>
-              <a:rPr lang="en-US" sz="1600" b="1" dirty="0" smtClean="0">
-                <a:solidFill>
-                  <a:schemeClr val="bg1"/>
-                </a:solidFill>
-              </a:rPr>
-              <a:t>Right Footswitch: Freeze – holds the current delay/reverb feedback/decay</a:t>
             </a:r>
           </a:p>
         </p:txBody>
@@ -8782,7 +8654,7 @@
           <a:lstStyle/>
           <a:p>
             <a:r>
-              <a:rPr lang="en-US" sz="2800" b="1" dirty="0" smtClean="0">
+              <a:rPr lang="en-US" sz="2800" b="1" dirty="0">
                 <a:solidFill>
                   <a:schemeClr val="tx1"/>
                 </a:solidFill>
@@ -8790,7 +8662,7 @@
               <a:t>Neptune </a:t>
             </a:r>
             <a:r>
-              <a:rPr lang="en-US" sz="1600" b="1" dirty="0" smtClean="0">
+              <a:rPr lang="en-US" sz="1600" b="1" dirty="0">
                 <a:solidFill>
                   <a:schemeClr val="tx1"/>
                 </a:solidFill>
@@ -8798,7 +8670,7 @@
               <a:t>is a </a:t>
             </a:r>
             <a:r>
-              <a:rPr lang="en-US" sz="2800" b="1" dirty="0" smtClean="0">
+              <a:rPr lang="en-US" sz="2800" b="1" dirty="0">
                 <a:solidFill>
                   <a:schemeClr val="tx1"/>
                 </a:solidFill>
@@ -8806,7 +8678,7 @@
               <a:t>Reverb/Delay </a:t>
             </a:r>
             <a:r>
-              <a:rPr lang="en-US" sz="1600" b="1" dirty="0" smtClean="0">
+              <a:rPr lang="en-US" sz="1600" b="1" dirty="0">
                 <a:solidFill>
                   <a:schemeClr val="tx1"/>
                 </a:solidFill>
@@ -8814,7 +8686,7 @@
               <a:t>pedal</a:t>
             </a:r>
             <a:r>
-              <a:rPr lang="en-US" sz="2800" b="1" dirty="0" smtClean="0">
+              <a:rPr lang="en-US" sz="2800" b="1" dirty="0">
                 <a:solidFill>
                   <a:schemeClr val="tx1"/>
                 </a:solidFill>
@@ -8822,7 +8694,7 @@
               <a:t> </a:t>
             </a:r>
             <a:r>
-              <a:rPr lang="en-US" sz="1600" b="1" dirty="0" smtClean="0">
+              <a:rPr lang="en-US" sz="1600" b="1" dirty="0">
                 <a:solidFill>
                   <a:schemeClr val="tx1"/>
                 </a:solidFill>
@@ -8840,8 +8712,8 @@
         </p:nvSpPr>
         <p:spPr>
           <a:xfrm>
-            <a:off x="7596222" y="745832"/>
-            <a:ext cx="2670623" cy="963907"/>
+            <a:off x="7596222" y="382276"/>
+            <a:ext cx="3496894" cy="1164311"/>
           </a:xfrm>
           <a:prstGeom prst="rect">
             <a:avLst/>
@@ -8867,7 +8739,7 @@
           <a:lstStyle/>
           <a:p>
             <a:r>
-              <a:rPr lang="en-US" sz="1600" b="1" dirty="0" smtClean="0">
+              <a:rPr lang="en-US" sz="1600" b="1" dirty="0">
                 <a:solidFill>
                   <a:schemeClr val="tx1"/>
                 </a:solidFill>
@@ -8877,18 +8749,41 @@
           </a:p>
           <a:p>
             <a:r>
-              <a:rPr lang="en-US" sz="1600" b="1" dirty="0" smtClean="0">
+              <a:rPr lang="en-US" sz="1600" b="1" dirty="0">
                 <a:solidFill>
                   <a:schemeClr val="tx1"/>
                 </a:solidFill>
               </a:rPr>
               <a:t>(MISO or Stereo)</a:t>
             </a:r>
-            <a:endParaRPr lang="en-US" sz="1600" b="1" dirty="0">
-              <a:solidFill>
-                <a:schemeClr val="tx1"/>
-              </a:solidFill>
-            </a:endParaRPr>
+          </a:p>
+          <a:p>
+            <a:pPr marL="285750" indent="-285750">
+              <a:buFontTx/>
+              <a:buChar char="-"/>
+            </a:pPr>
+            <a:r>
+              <a:rPr lang="en-US" sz="1600" b="1" dirty="0">
+                <a:solidFill>
+                  <a:schemeClr val="tx1"/>
+                </a:solidFill>
+              </a:rPr>
+              <a:t>Expression: YES</a:t>
+            </a:r>
+          </a:p>
+          <a:p>
+            <a:pPr marL="285750" indent="-285750">
+              <a:buFontTx/>
+              <a:buChar char="-"/>
+            </a:pPr>
+            <a:r>
+              <a:rPr lang="en-US" sz="1600" b="1" dirty="0">
+                <a:solidFill>
+                  <a:schemeClr val="tx1"/>
+                </a:solidFill>
+              </a:rPr>
+              <a:t>MIDI: NO</a:t>
+            </a:r>
           </a:p>
         </p:txBody>
       </p:sp>
@@ -9210,6 +9105,52 @@
           </a:fontRef>
         </p:style>
       </p:cxnSp>
+      <p:sp>
+        <p:nvSpPr>
+          <p:cNvPr id="74" name="Rectangle 73"/>
+          <p:cNvSpPr/>
+          <p:nvPr/>
+        </p:nvSpPr>
+        <p:spPr>
+          <a:xfrm>
+            <a:off x="6552369" y="6012306"/>
+            <a:ext cx="4891147" cy="630663"/>
+          </a:xfrm>
+          <a:prstGeom prst="rect">
+            <a:avLst/>
+          </a:prstGeom>
+        </p:spPr>
+        <p:style>
+          <a:lnRef idx="2">
+            <a:schemeClr val="dk1">
+              <a:shade val="50000"/>
+            </a:schemeClr>
+          </a:lnRef>
+          <a:fillRef idx="1001">
+            <a:schemeClr val="dk2"/>
+          </a:fillRef>
+          <a:effectRef idx="0">
+            <a:schemeClr val="dk1"/>
+          </a:effectRef>
+          <a:fontRef idx="minor">
+            <a:schemeClr val="lt1"/>
+          </a:fontRef>
+        </p:style>
+        <p:txBody>
+          <a:bodyPr rtlCol="0" anchor="ctr"/>
+          <a:lstStyle/>
+          <a:p>
+            <a:r>
+              <a:rPr lang="en-US" sz="1600" b="1" dirty="0">
+                <a:solidFill>
+                  <a:schemeClr val="bg1"/>
+                </a:solidFill>
+              </a:rPr>
+              <a:t>Right Footswitch: Hold to save preset. Press to engage/disengage preset. Saves between power cycles.</a:t>
+            </a:r>
+          </a:p>
+        </p:txBody>
+      </p:sp>
     </p:spTree>
     <p:extLst>
       <p:ext uri="{BB962C8B-B14F-4D97-AF65-F5344CB8AC3E}">
@@ -10250,11 +10191,51 @@
           <a:p>
             <a:pPr algn="ctr"/>
             <a:r>
-              <a:rPr lang="en-US" sz="1000" b="1" dirty="0" smtClean="0">
+              <a:rPr lang="en-US" sz="1000" b="1" dirty="0">
                 <a:latin typeface="Century Gothic" panose="020B0502020202020204" pitchFamily="34" charset="0"/>
                 <a:cs typeface="Adobe Devanagari" panose="02040503050201020203" pitchFamily="18" charset="0"/>
               </a:rPr>
               <a:t>Decay</a:t>
+            </a:r>
+          </a:p>
+        </p:txBody>
+      </p:sp>
+      <p:sp>
+        <p:nvSpPr>
+          <p:cNvPr id="28" name="TextBox 27"/>
+          <p:cNvSpPr txBox="1"/>
+          <p:nvPr/>
+        </p:nvSpPr>
+        <p:spPr>
+          <a:xfrm>
+            <a:off x="5612152" y="2300190"/>
+            <a:ext cx="729688" cy="246221"/>
+          </a:xfrm>
+          <a:prstGeom prst="rect">
+            <a:avLst/>
+          </a:prstGeom>
+          <a:noFill/>
+        </p:spPr>
+        <p:txBody>
+          <a:bodyPr wrap="none" rtlCol="0">
+            <a:spAutoFit/>
+          </a:bodyPr>
+          <a:lstStyle/>
+          <a:p>
+            <a:pPr algn="ctr"/>
+            <a:r>
+              <a:rPr lang="en-US" sz="1000" b="1" dirty="0">
+                <a:latin typeface="Century Gothic" panose="020B0502020202020204" pitchFamily="34" charset="0"/>
+                <a:cs typeface="Adobe Devanagari" panose="02040503050201020203" pitchFamily="18" charset="0"/>
+              </a:rPr>
+              <a:t>Low </a:t>
+            </a:r>
+            <a:r>
+              <a:rPr lang="en-US" sz="1000" b="1" dirty="0" err="1">
+                <a:latin typeface="Century Gothic" panose="020B0502020202020204" pitchFamily="34" charset="0"/>
+                <a:cs typeface="Adobe Devanagari" panose="02040503050201020203" pitchFamily="18" charset="0"/>
+              </a:rPr>
+              <a:t>Freq</a:t>
             </a:r>
             <a:endParaRPr lang="en-US" sz="1000" b="1" dirty="0">
               <a:latin typeface="Century Gothic" panose="020B0502020202020204" pitchFamily="34" charset="0"/>
@@ -10265,14 +10246,14 @@
       </p:sp>
       <p:sp>
         <p:nvSpPr>
-          <p:cNvPr id="28" name="TextBox 27"/>
+          <p:cNvPr id="29" name="TextBox 28"/>
           <p:cNvSpPr txBox="1"/>
           <p:nvPr/>
         </p:nvSpPr>
         <p:spPr>
           <a:xfrm>
-            <a:off x="5612152" y="2300190"/>
-            <a:ext cx="729688" cy="246221"/>
+            <a:off x="6374021" y="2306958"/>
+            <a:ext cx="768159" cy="246221"/>
           </a:xfrm>
           <a:prstGeom prst="rect">
             <a:avLst/>
@@ -10287,14 +10268,14 @@
           <a:p>
             <a:pPr algn="ctr"/>
             <a:r>
-              <a:rPr lang="en-US" sz="1000" b="1" dirty="0" smtClean="0">
+              <a:rPr lang="en-US" sz="1000" b="1" dirty="0">
                 <a:latin typeface="Century Gothic" panose="020B0502020202020204" pitchFamily="34" charset="0"/>
                 <a:cs typeface="Adobe Devanagari" panose="02040503050201020203" pitchFamily="18" charset="0"/>
               </a:rPr>
-              <a:t>Low </a:t>
-            </a:r>
-            <a:r>
-              <a:rPr lang="en-US" sz="1000" b="1" dirty="0" err="1" smtClean="0">
+              <a:t>High </a:t>
+            </a:r>
+            <a:r>
+              <a:rPr lang="en-US" sz="1000" b="1" dirty="0" err="1">
                 <a:latin typeface="Century Gothic" panose="020B0502020202020204" pitchFamily="34" charset="0"/>
                 <a:cs typeface="Adobe Devanagari" panose="02040503050201020203" pitchFamily="18" charset="0"/>
               </a:rPr>
@@ -10309,14 +10290,14 @@
       </p:sp>
       <p:sp>
         <p:nvSpPr>
-          <p:cNvPr id="29" name="TextBox 28"/>
+          <p:cNvPr id="30" name="TextBox 29"/>
           <p:cNvSpPr txBox="1"/>
           <p:nvPr/>
         </p:nvSpPr>
         <p:spPr>
           <a:xfrm>
-            <a:off x="6374021" y="2306958"/>
-            <a:ext cx="768159" cy="246221"/>
+            <a:off x="5605111" y="3306313"/>
+            <a:ext cx="752130" cy="246221"/>
           </a:xfrm>
           <a:prstGeom prst="rect">
             <a:avLst/>
@@ -10331,36 +10312,25 @@
           <a:p>
             <a:pPr algn="ctr"/>
             <a:r>
-              <a:rPr lang="en-US" sz="1000" b="1" dirty="0" smtClean="0">
+              <a:rPr lang="en-US" sz="1000" b="1" dirty="0">
                 <a:latin typeface="Century Gothic" panose="020B0502020202020204" pitchFamily="34" charset="0"/>
                 <a:cs typeface="Adobe Devanagari" panose="02040503050201020203" pitchFamily="18" charset="0"/>
               </a:rPr>
-              <a:t>High </a:t>
-            </a:r>
-            <a:r>
-              <a:rPr lang="en-US" sz="1000" b="1" dirty="0" err="1" smtClean="0">
-                <a:latin typeface="Century Gothic" panose="020B0502020202020204" pitchFamily="34" charset="0"/>
-                <a:cs typeface="Adobe Devanagari" panose="02040503050201020203" pitchFamily="18" charset="0"/>
-              </a:rPr>
-              <a:t>Freq</a:t>
-            </a:r>
-            <a:endParaRPr lang="en-US" sz="1000" b="1" dirty="0">
-              <a:latin typeface="Century Gothic" panose="020B0502020202020204" pitchFamily="34" charset="0"/>
-              <a:cs typeface="Adobe Devanagari" panose="02040503050201020203" pitchFamily="18" charset="0"/>
-            </a:endParaRPr>
-          </a:p>
-        </p:txBody>
-      </p:sp>
-      <p:sp>
-        <p:nvSpPr>
-          <p:cNvPr id="30" name="TextBox 29"/>
+              <a:t>Low Shelf</a:t>
+            </a:r>
+          </a:p>
+        </p:txBody>
+      </p:sp>
+      <p:sp>
+        <p:nvSpPr>
+          <p:cNvPr id="31" name="TextBox 30"/>
           <p:cNvSpPr txBox="1"/>
           <p:nvPr/>
         </p:nvSpPr>
         <p:spPr>
           <a:xfrm>
-            <a:off x="5605111" y="3306313"/>
-            <a:ext cx="752130" cy="246221"/>
+            <a:off x="6368980" y="3306313"/>
+            <a:ext cx="790602" cy="246221"/>
           </a:xfrm>
           <a:prstGeom prst="rect">
             <a:avLst/>
@@ -10375,25 +10345,25 @@
           <a:p>
             <a:pPr algn="ctr"/>
             <a:r>
-              <a:rPr lang="en-US" sz="1000" b="1" dirty="0" smtClean="0">
+              <a:rPr lang="en-US" sz="1000" b="1" dirty="0">
                 <a:latin typeface="Century Gothic" panose="020B0502020202020204" pitchFamily="34" charset="0"/>
                 <a:cs typeface="Adobe Devanagari" panose="02040503050201020203" pitchFamily="18" charset="0"/>
               </a:rPr>
-              <a:t>Low Shelf</a:t>
-            </a:r>
-          </a:p>
-        </p:txBody>
-      </p:sp>
-      <p:sp>
-        <p:nvSpPr>
-          <p:cNvPr id="31" name="TextBox 30"/>
+              <a:t>High Shelf</a:t>
+            </a:r>
+          </a:p>
+        </p:txBody>
+      </p:sp>
+      <p:sp>
+        <p:nvSpPr>
+          <p:cNvPr id="32" name="TextBox 31"/>
           <p:cNvSpPr txBox="1"/>
           <p:nvPr/>
         </p:nvSpPr>
         <p:spPr>
           <a:xfrm>
-            <a:off x="6368980" y="3306313"/>
-            <a:ext cx="790602" cy="246221"/>
+            <a:off x="4977076" y="3306313"/>
+            <a:ext cx="402675" cy="246221"/>
           </a:xfrm>
           <a:prstGeom prst="rect">
             <a:avLst/>
@@ -10408,25 +10378,25 @@
           <a:p>
             <a:pPr algn="ctr"/>
             <a:r>
-              <a:rPr lang="en-US" sz="1000" b="1" dirty="0" smtClean="0">
+              <a:rPr lang="en-US" sz="1000" b="1" dirty="0">
                 <a:latin typeface="Century Gothic" panose="020B0502020202020204" pitchFamily="34" charset="0"/>
                 <a:cs typeface="Adobe Devanagari" panose="02040503050201020203" pitchFamily="18" charset="0"/>
               </a:rPr>
-              <a:t>High Shelf</a:t>
-            </a:r>
-          </a:p>
-        </p:txBody>
-      </p:sp>
-      <p:sp>
-        <p:nvSpPr>
-          <p:cNvPr id="32" name="TextBox 31"/>
+              <a:t>Mix</a:t>
+            </a:r>
+          </a:p>
+        </p:txBody>
+      </p:sp>
+      <p:sp>
+        <p:nvSpPr>
+          <p:cNvPr id="33" name="TextBox 32"/>
           <p:cNvSpPr txBox="1"/>
           <p:nvPr/>
         </p:nvSpPr>
         <p:spPr>
           <a:xfrm>
-            <a:off x="4977076" y="3306313"/>
-            <a:ext cx="402675" cy="246221"/>
+            <a:off x="4702728" y="5587506"/>
+            <a:ext cx="974947" cy="246221"/>
           </a:xfrm>
           <a:prstGeom prst="rect">
             <a:avLst/>
@@ -10441,29 +10411,25 @@
           <a:p>
             <a:pPr algn="ctr"/>
             <a:r>
-              <a:rPr lang="en-US" sz="1000" b="1" dirty="0" smtClean="0">
+              <a:rPr lang="en-US" sz="1000" b="1" dirty="0">
                 <a:latin typeface="Century Gothic" panose="020B0502020202020204" pitchFamily="34" charset="0"/>
                 <a:cs typeface="Adobe Devanagari" panose="02040503050201020203" pitchFamily="18" charset="0"/>
               </a:rPr>
-              <a:t>Mix</a:t>
-            </a:r>
-            <a:endParaRPr lang="en-US" sz="1000" b="1" dirty="0">
-              <a:latin typeface="Century Gothic" panose="020B0502020202020204" pitchFamily="34" charset="0"/>
-              <a:cs typeface="Adobe Devanagari" panose="02040503050201020203" pitchFamily="18" charset="0"/>
-            </a:endParaRPr>
-          </a:p>
-        </p:txBody>
-      </p:sp>
-      <p:sp>
-        <p:nvSpPr>
-          <p:cNvPr id="33" name="TextBox 32"/>
+              <a:t>BYPASS / ALT</a:t>
+            </a:r>
+          </a:p>
+        </p:txBody>
+      </p:sp>
+      <p:sp>
+        <p:nvSpPr>
+          <p:cNvPr id="34" name="TextBox 33"/>
           <p:cNvSpPr txBox="1"/>
           <p:nvPr/>
         </p:nvSpPr>
         <p:spPr>
-          <a:xfrm>
-            <a:off x="4702728" y="5587506"/>
-            <a:ext cx="974947" cy="246221"/>
+          <a:xfrm rot="16200000">
+            <a:off x="4939266" y="4069731"/>
+            <a:ext cx="410689" cy="461665"/>
           </a:xfrm>
           <a:prstGeom prst="rect">
             <a:avLst/>
@@ -10478,29 +10444,78 @@
           <a:p>
             <a:pPr algn="ctr"/>
             <a:r>
-              <a:rPr lang="en-US" sz="1000" b="1" dirty="0" smtClean="0">
+              <a:rPr lang="en-US" sz="800" b="1" dirty="0">
                 <a:latin typeface="Century Gothic" panose="020B0502020202020204" pitchFamily="34" charset="0"/>
                 <a:cs typeface="Adobe Devanagari" panose="02040503050201020203" pitchFamily="18" charset="0"/>
               </a:rPr>
-              <a:t>BYPASS / ALT</a:t>
-            </a:r>
-            <a:endParaRPr lang="en-US" sz="1000" b="1" dirty="0">
-              <a:latin typeface="Century Gothic" panose="020B0502020202020204" pitchFamily="34" charset="0"/>
-              <a:cs typeface="Adobe Devanagari" panose="02040503050201020203" pitchFamily="18" charset="0"/>
-            </a:endParaRPr>
-          </a:p>
-        </p:txBody>
-      </p:sp>
-      <p:sp>
-        <p:nvSpPr>
-          <p:cNvPr id="34" name="TextBox 33"/>
+              <a:t>Low</a:t>
+            </a:r>
+          </a:p>
+          <a:p>
+            <a:pPr algn="ctr"/>
+            <a:r>
+              <a:rPr lang="en-US" sz="800" b="1" dirty="0">
+                <a:latin typeface="Century Gothic" panose="020B0502020202020204" pitchFamily="34" charset="0"/>
+                <a:cs typeface="Adobe Devanagari" panose="02040503050201020203" pitchFamily="18" charset="0"/>
+              </a:rPr>
+              <a:t>Med</a:t>
+            </a:r>
+          </a:p>
+          <a:p>
+            <a:pPr algn="ctr"/>
+            <a:r>
+              <a:rPr lang="en-US" sz="800" b="1" dirty="0">
+                <a:latin typeface="Century Gothic" panose="020B0502020202020204" pitchFamily="34" charset="0"/>
+                <a:cs typeface="Adobe Devanagari" panose="02040503050201020203" pitchFamily="18" charset="0"/>
+              </a:rPr>
+              <a:t>High</a:t>
+            </a:r>
+          </a:p>
+        </p:txBody>
+      </p:sp>
+      <p:sp>
+        <p:nvSpPr>
+          <p:cNvPr id="35" name="TextBox 34"/>
           <p:cNvSpPr txBox="1"/>
           <p:nvPr/>
         </p:nvSpPr>
         <p:spPr>
-          <a:xfrm rot="16200000">
-            <a:off x="4939266" y="4069731"/>
-            <a:ext cx="410689" cy="461665"/>
+          <a:xfrm>
+            <a:off x="4952460" y="4616479"/>
+            <a:ext cx="2037473" cy="400110"/>
+          </a:xfrm>
+          <a:prstGeom prst="rect">
+            <a:avLst/>
+          </a:prstGeom>
+          <a:noFill/>
+        </p:spPr>
+        <p:txBody>
+          <a:bodyPr wrap="square" rtlCol="0">
+            <a:spAutoFit/>
+          </a:bodyPr>
+          <a:lstStyle/>
+          <a:p>
+            <a:pPr algn="ctr"/>
+            <a:r>
+              <a:rPr lang="en-US" sz="2000" b="1" dirty="0">
+                <a:latin typeface="Broadway" panose="04040905080B02020502" pitchFamily="82" charset="0"/>
+                <a:cs typeface="Adobe Devanagari" panose="02040503050201020203" pitchFamily="18" charset="0"/>
+              </a:rPr>
+              <a:t>Jupiter</a:t>
+            </a:r>
+          </a:p>
+        </p:txBody>
+      </p:sp>
+      <p:sp>
+        <p:nvSpPr>
+          <p:cNvPr id="36" name="TextBox 35"/>
+          <p:cNvSpPr txBox="1"/>
+          <p:nvPr/>
+        </p:nvSpPr>
+        <p:spPr>
+          <a:xfrm>
+            <a:off x="5641864" y="4916279"/>
+            <a:ext cx="643125" cy="246221"/>
           </a:xfrm>
           <a:prstGeom prst="rect">
             <a:avLst/>
@@ -10515,106 +10530,12 @@
           <a:p>
             <a:pPr algn="ctr"/>
             <a:r>
-              <a:rPr lang="en-US" sz="800" b="1" dirty="0" smtClean="0">
+              <a:rPr lang="en-US" sz="1000" dirty="0">
                 <a:latin typeface="Century Gothic" panose="020B0502020202020204" pitchFamily="34" charset="0"/>
                 <a:cs typeface="Adobe Devanagari" panose="02040503050201020203" pitchFamily="18" charset="0"/>
               </a:rPr>
-              <a:t>Low</a:t>
-            </a:r>
-          </a:p>
-          <a:p>
-            <a:pPr algn="ctr"/>
-            <a:r>
-              <a:rPr lang="en-US" sz="800" b="1" dirty="0" smtClean="0">
-                <a:latin typeface="Century Gothic" panose="020B0502020202020204" pitchFamily="34" charset="0"/>
-                <a:cs typeface="Adobe Devanagari" panose="02040503050201020203" pitchFamily="18" charset="0"/>
-              </a:rPr>
-              <a:t>Med</a:t>
-            </a:r>
-          </a:p>
-          <a:p>
-            <a:pPr algn="ctr"/>
-            <a:r>
-              <a:rPr lang="en-US" sz="800" b="1" dirty="0" smtClean="0">
-                <a:latin typeface="Century Gothic" panose="020B0502020202020204" pitchFamily="34" charset="0"/>
-                <a:cs typeface="Adobe Devanagari" panose="02040503050201020203" pitchFamily="18" charset="0"/>
-              </a:rPr>
-              <a:t>High</a:t>
-            </a:r>
-          </a:p>
-        </p:txBody>
-      </p:sp>
-      <p:sp>
-        <p:nvSpPr>
-          <p:cNvPr id="35" name="TextBox 34"/>
-          <p:cNvSpPr txBox="1"/>
-          <p:nvPr/>
-        </p:nvSpPr>
-        <p:spPr>
-          <a:xfrm>
-            <a:off x="4952460" y="4616479"/>
-            <a:ext cx="2037473" cy="400110"/>
-          </a:xfrm>
-          <a:prstGeom prst="rect">
-            <a:avLst/>
-          </a:prstGeom>
-          <a:noFill/>
-        </p:spPr>
-        <p:txBody>
-          <a:bodyPr wrap="square" rtlCol="0">
-            <a:spAutoFit/>
-          </a:bodyPr>
-          <a:lstStyle/>
-          <a:p>
-            <a:pPr algn="ctr"/>
-            <a:r>
-              <a:rPr lang="en-US" sz="2000" b="1" dirty="0" smtClean="0">
-                <a:latin typeface="Broadway" panose="04040905080B02020502" pitchFamily="82" charset="0"/>
-                <a:cs typeface="Adobe Devanagari" panose="02040503050201020203" pitchFamily="18" charset="0"/>
-              </a:rPr>
-              <a:t>Jupiter</a:t>
-            </a:r>
-            <a:endParaRPr lang="en-US" sz="2000" b="1" dirty="0">
-              <a:latin typeface="Broadway" panose="04040905080B02020502" pitchFamily="82" charset="0"/>
-              <a:cs typeface="Adobe Devanagari" panose="02040503050201020203" pitchFamily="18" charset="0"/>
-            </a:endParaRPr>
-          </a:p>
-        </p:txBody>
-      </p:sp>
-      <p:sp>
-        <p:nvSpPr>
-          <p:cNvPr id="36" name="TextBox 35"/>
-          <p:cNvSpPr txBox="1"/>
-          <p:nvPr/>
-        </p:nvSpPr>
-        <p:spPr>
-          <a:xfrm>
-            <a:off x="5641864" y="4916279"/>
-            <a:ext cx="643125" cy="246221"/>
-          </a:xfrm>
-          <a:prstGeom prst="rect">
-            <a:avLst/>
-          </a:prstGeom>
-          <a:noFill/>
-        </p:spPr>
-        <p:txBody>
-          <a:bodyPr wrap="none" rtlCol="0">
-            <a:spAutoFit/>
-          </a:bodyPr>
-          <a:lstStyle/>
-          <a:p>
-            <a:pPr algn="ctr"/>
-            <a:r>
-              <a:rPr lang="en-US" sz="1000" dirty="0" smtClean="0">
-                <a:latin typeface="Century Gothic" panose="020B0502020202020204" pitchFamily="34" charset="0"/>
-                <a:cs typeface="Adobe Devanagari" panose="02040503050201020203" pitchFamily="18" charset="0"/>
-              </a:rPr>
               <a:t>REVERB</a:t>
             </a:r>
-            <a:endParaRPr lang="en-US" sz="1000" dirty="0">
-              <a:latin typeface="Century Gothic" panose="020B0502020202020204" pitchFamily="34" charset="0"/>
-              <a:cs typeface="Adobe Devanagari" panose="02040503050201020203" pitchFamily="18" charset="0"/>
-            </a:endParaRPr>
           </a:p>
         </p:txBody>
       </p:sp>
@@ -10822,11 +10743,77 @@
           <a:p>
             <a:pPr algn="ctr"/>
             <a:r>
-              <a:rPr lang="en-US" sz="900" b="1" dirty="0" smtClean="0">
+              <a:rPr lang="en-US" sz="900" b="1" dirty="0">
                 <a:latin typeface="Century Gothic" panose="020B0502020202020204" pitchFamily="34" charset="0"/>
                 <a:cs typeface="Adobe Devanagari" panose="02040503050201020203" pitchFamily="18" charset="0"/>
               </a:rPr>
               <a:t>Lushness</a:t>
+            </a:r>
+          </a:p>
+        </p:txBody>
+      </p:sp>
+      <p:sp>
+        <p:nvSpPr>
+          <p:cNvPr id="44" name="TextBox 43"/>
+          <p:cNvSpPr txBox="1"/>
+          <p:nvPr/>
+        </p:nvSpPr>
+        <p:spPr>
+          <a:xfrm>
+            <a:off x="5568070" y="3599277"/>
+            <a:ext cx="817853" cy="230832"/>
+          </a:xfrm>
+          <a:prstGeom prst="rect">
+            <a:avLst/>
+          </a:prstGeom>
+          <a:noFill/>
+        </p:spPr>
+        <p:txBody>
+          <a:bodyPr wrap="none" rtlCol="0">
+            <a:spAutoFit/>
+          </a:bodyPr>
+          <a:lstStyle/>
+          <a:p>
+            <a:pPr algn="ctr"/>
+            <a:r>
+              <a:rPr lang="en-US" sz="900" b="1" dirty="0">
+                <a:latin typeface="Century Gothic" panose="020B0502020202020204" pitchFamily="34" charset="0"/>
+                <a:cs typeface="Adobe Devanagari" panose="02040503050201020203" pitchFamily="18" charset="0"/>
+              </a:rPr>
+              <a:t>Modulation</a:t>
+            </a:r>
+          </a:p>
+        </p:txBody>
+      </p:sp>
+      <p:sp>
+        <p:nvSpPr>
+          <p:cNvPr id="45" name="TextBox 44"/>
+          <p:cNvSpPr txBox="1"/>
+          <p:nvPr/>
+        </p:nvSpPr>
+        <p:spPr>
+          <a:xfrm>
+            <a:off x="6465006" y="3601431"/>
+            <a:ext cx="684804" cy="230832"/>
+          </a:xfrm>
+          <a:prstGeom prst="rect">
+            <a:avLst/>
+          </a:prstGeom>
+          <a:noFill/>
+        </p:spPr>
+        <p:txBody>
+          <a:bodyPr wrap="none" rtlCol="0">
+            <a:spAutoFit/>
+          </a:bodyPr>
+          <a:lstStyle/>
+          <a:p>
+            <a:pPr algn="ctr"/>
+            <a:r>
+              <a:rPr lang="en-US" sz="900" b="1" dirty="0" err="1">
+                <a:latin typeface="Century Gothic" panose="020B0502020202020204" pitchFamily="34" charset="0"/>
+                <a:cs typeface="Adobe Devanagari" panose="02040503050201020203" pitchFamily="18" charset="0"/>
+              </a:rPr>
+              <a:t>PreDelay</a:t>
             </a:r>
             <a:endParaRPr lang="en-US" sz="900" b="1" dirty="0">
               <a:latin typeface="Century Gothic" panose="020B0502020202020204" pitchFamily="34" charset="0"/>
@@ -10837,80 +10824,6 @@
       </p:sp>
       <p:sp>
         <p:nvSpPr>
-          <p:cNvPr id="44" name="TextBox 43"/>
-          <p:cNvSpPr txBox="1"/>
-          <p:nvPr/>
-        </p:nvSpPr>
-        <p:spPr>
-          <a:xfrm>
-            <a:off x="5568070" y="3599277"/>
-            <a:ext cx="817853" cy="230832"/>
-          </a:xfrm>
-          <a:prstGeom prst="rect">
-            <a:avLst/>
-          </a:prstGeom>
-          <a:noFill/>
-        </p:spPr>
-        <p:txBody>
-          <a:bodyPr wrap="none" rtlCol="0">
-            <a:spAutoFit/>
-          </a:bodyPr>
-          <a:lstStyle/>
-          <a:p>
-            <a:pPr algn="ctr"/>
-            <a:r>
-              <a:rPr lang="en-US" sz="900" b="1" dirty="0" smtClean="0">
-                <a:latin typeface="Century Gothic" panose="020B0502020202020204" pitchFamily="34" charset="0"/>
-                <a:cs typeface="Adobe Devanagari" panose="02040503050201020203" pitchFamily="18" charset="0"/>
-              </a:rPr>
-              <a:t>Modulation</a:t>
-            </a:r>
-            <a:endParaRPr lang="en-US" sz="900" b="1" dirty="0">
-              <a:latin typeface="Century Gothic" panose="020B0502020202020204" pitchFamily="34" charset="0"/>
-              <a:cs typeface="Adobe Devanagari" panose="02040503050201020203" pitchFamily="18" charset="0"/>
-            </a:endParaRPr>
-          </a:p>
-        </p:txBody>
-      </p:sp>
-      <p:sp>
-        <p:nvSpPr>
-          <p:cNvPr id="45" name="TextBox 44"/>
-          <p:cNvSpPr txBox="1"/>
-          <p:nvPr/>
-        </p:nvSpPr>
-        <p:spPr>
-          <a:xfrm>
-            <a:off x="6465006" y="3601431"/>
-            <a:ext cx="684804" cy="230832"/>
-          </a:xfrm>
-          <a:prstGeom prst="rect">
-            <a:avLst/>
-          </a:prstGeom>
-          <a:noFill/>
-        </p:spPr>
-        <p:txBody>
-          <a:bodyPr wrap="none" rtlCol="0">
-            <a:spAutoFit/>
-          </a:bodyPr>
-          <a:lstStyle/>
-          <a:p>
-            <a:pPr algn="ctr"/>
-            <a:r>
-              <a:rPr lang="en-US" sz="900" b="1" dirty="0" err="1" smtClean="0">
-                <a:latin typeface="Century Gothic" panose="020B0502020202020204" pitchFamily="34" charset="0"/>
-                <a:cs typeface="Adobe Devanagari" panose="02040503050201020203" pitchFamily="18" charset="0"/>
-              </a:rPr>
-              <a:t>PreDelay</a:t>
-            </a:r>
-            <a:endParaRPr lang="en-US" sz="900" b="1" dirty="0">
-              <a:latin typeface="Century Gothic" panose="020B0502020202020204" pitchFamily="34" charset="0"/>
-              <a:cs typeface="Adobe Devanagari" panose="02040503050201020203" pitchFamily="18" charset="0"/>
-            </a:endParaRPr>
-          </a:p>
-        </p:txBody>
-      </p:sp>
-      <p:sp>
-        <p:nvSpPr>
           <p:cNvPr id="46" name="Rectangle 45"/>
           <p:cNvSpPr/>
           <p:nvPr/>
@@ -10958,8 +10871,8 @@
         </p:nvSpPr>
         <p:spPr>
           <a:xfrm>
-            <a:off x="6449776" y="5574572"/>
-            <a:ext cx="585418" cy="246221"/>
+            <a:off x="6448975" y="5574572"/>
+            <a:ext cx="587020" cy="246221"/>
           </a:xfrm>
           <a:prstGeom prst="rect">
             <a:avLst/>
@@ -10974,16 +10887,12 @@
           <a:p>
             <a:pPr algn="ctr"/>
             <a:r>
-              <a:rPr lang="en-US" sz="1000" b="1" dirty="0" smtClean="0">
+              <a:rPr lang="en-US" sz="1000" b="1" dirty="0">
                 <a:latin typeface="Century Gothic" panose="020B0502020202020204" pitchFamily="34" charset="0"/>
                 <a:cs typeface="Adobe Devanagari" panose="02040503050201020203" pitchFamily="18" charset="0"/>
               </a:rPr>
-              <a:t>FREEZE</a:t>
-            </a:r>
-            <a:endParaRPr lang="en-US" sz="1000" b="1" dirty="0">
-              <a:latin typeface="Century Gothic" panose="020B0502020202020204" pitchFamily="34" charset="0"/>
-              <a:cs typeface="Adobe Devanagari" panose="02040503050201020203" pitchFamily="18" charset="0"/>
-            </a:endParaRPr>
+              <a:t>PRESET</a:t>
+            </a:r>
           </a:p>
         </p:txBody>
       </p:sp>
@@ -11023,7 +10932,7 @@
           <a:lstStyle/>
           <a:p>
             <a:r>
-              <a:rPr lang="en-US" sz="1600" b="1" dirty="0" smtClean="0">
+              <a:rPr lang="en-US" sz="1600" b="1" dirty="0">
                 <a:solidFill>
                   <a:schemeClr val="tx1"/>
                 </a:solidFill>
@@ -11031,7 +10940,7 @@
               <a:t>Decay</a:t>
             </a:r>
             <a:r>
-              <a:rPr lang="en-US" sz="1600" dirty="0" smtClean="0">
+              <a:rPr lang="en-US" sz="1600" dirty="0">
                 <a:solidFill>
                   <a:schemeClr val="tx1"/>
                 </a:solidFill>
@@ -11041,7 +10950,7 @@
           </a:p>
           <a:p>
             <a:r>
-              <a:rPr lang="en-US" sz="1600" b="1" dirty="0" smtClean="0">
+              <a:rPr lang="en-US" sz="1600" b="1" dirty="0">
                 <a:solidFill>
                   <a:schemeClr val="tx1"/>
                 </a:solidFill>
@@ -11049,7 +10958,7 @@
               <a:t>Low </a:t>
             </a:r>
             <a:r>
-              <a:rPr lang="en-US" sz="1600" b="1" dirty="0" err="1" smtClean="0">
+              <a:rPr lang="en-US" sz="1600" b="1" dirty="0" err="1">
                 <a:solidFill>
                   <a:schemeClr val="tx1"/>
                 </a:solidFill>
@@ -11057,7 +10966,7 @@
               <a:t>Freq</a:t>
             </a:r>
             <a:r>
-              <a:rPr lang="en-US" sz="1600" dirty="0" smtClean="0">
+              <a:rPr lang="en-US" sz="1600" dirty="0">
                 <a:solidFill>
                   <a:schemeClr val="tx1"/>
                 </a:solidFill>
@@ -11067,7 +10976,7 @@
           </a:p>
           <a:p>
             <a:r>
-              <a:rPr lang="en-US" sz="1600" b="1" dirty="0" smtClean="0">
+              <a:rPr lang="en-US" sz="1600" b="1" dirty="0">
                 <a:solidFill>
                   <a:schemeClr val="tx1"/>
                 </a:solidFill>
@@ -11075,7 +10984,7 @@
               <a:t>High </a:t>
             </a:r>
             <a:r>
-              <a:rPr lang="en-US" sz="1600" b="1" dirty="0" err="1" smtClean="0">
+              <a:rPr lang="en-US" sz="1600" b="1" dirty="0" err="1">
                 <a:solidFill>
                   <a:schemeClr val="tx1"/>
                 </a:solidFill>
@@ -11083,7 +10992,7 @@
               <a:t>Freq</a:t>
             </a:r>
             <a:r>
-              <a:rPr lang="en-US" sz="1600" b="1" dirty="0" smtClean="0">
+              <a:rPr lang="en-US" sz="1600" b="1" dirty="0">
                 <a:solidFill>
                   <a:schemeClr val="tx1"/>
                 </a:solidFill>
@@ -11091,14 +11000,14 @@
               <a:t>:</a:t>
             </a:r>
             <a:r>
-              <a:rPr lang="en-US" sz="1600" dirty="0" smtClean="0">
+              <a:rPr lang="en-US" sz="1600" dirty="0">
                 <a:solidFill>
                   <a:schemeClr val="tx1"/>
                 </a:solidFill>
               </a:rPr>
               <a:t> High Shelf cutoff frequency, full right lets everything through</a:t>
             </a:r>
-            <a:endParaRPr lang="en-US" sz="1600" b="1" dirty="0" smtClean="0">
+            <a:endParaRPr lang="en-US" sz="1600" b="1" dirty="0">
               <a:solidFill>
                 <a:schemeClr val="tx1"/>
               </a:solidFill>
@@ -11142,7 +11051,7 @@
           <a:lstStyle/>
           <a:p>
             <a:r>
-              <a:rPr lang="en-US" sz="1600" b="1" dirty="0" smtClean="0">
+              <a:rPr lang="en-US" sz="1600" b="1" dirty="0">
                 <a:solidFill>
                   <a:schemeClr val="tx1"/>
                 </a:solidFill>
@@ -11150,7 +11059,7 @@
               <a:t>Mix: </a:t>
             </a:r>
             <a:r>
-              <a:rPr lang="en-US" sz="1600" dirty="0" smtClean="0">
+              <a:rPr lang="en-US" sz="1600" dirty="0">
                 <a:solidFill>
                   <a:schemeClr val="tx1"/>
                 </a:solidFill>
@@ -11160,7 +11069,7 @@
           </a:p>
           <a:p>
             <a:r>
-              <a:rPr lang="en-US" sz="1600" b="1" dirty="0" smtClean="0">
+              <a:rPr lang="en-US" sz="1600" b="1" dirty="0">
                 <a:solidFill>
                   <a:schemeClr val="tx1"/>
                 </a:solidFill>
@@ -11168,7 +11077,7 @@
               <a:t>Low Shelf</a:t>
             </a:r>
             <a:r>
-              <a:rPr lang="en-US" sz="1600" dirty="0" smtClean="0">
+              <a:rPr lang="en-US" sz="1600" dirty="0">
                 <a:solidFill>
                   <a:schemeClr val="tx1"/>
                 </a:solidFill>
@@ -11176,7 +11085,7 @@
               <a:t>: Low shelf filter gain cut, left is </a:t>
             </a:r>
             <a:r>
-              <a:rPr lang="en-US" sz="1600" dirty="0" err="1" smtClean="0">
+              <a:rPr lang="en-US" sz="1600" dirty="0" err="1">
                 <a:solidFill>
                   <a:schemeClr val="tx1"/>
                 </a:solidFill>
@@ -11184,7 +11093,7 @@
               <a:t>inf</a:t>
             </a:r>
             <a:r>
-              <a:rPr lang="en-US" sz="1600" dirty="0" smtClean="0">
+              <a:rPr lang="en-US" sz="1600" dirty="0">
                 <a:solidFill>
                   <a:schemeClr val="tx1"/>
                 </a:solidFill>
@@ -11194,7 +11103,7 @@
           </a:p>
           <a:p>
             <a:r>
-              <a:rPr lang="en-US" sz="1600" b="1" dirty="0" smtClean="0">
+              <a:rPr lang="en-US" sz="1600" b="1" dirty="0">
                 <a:solidFill>
                   <a:schemeClr val="tx1"/>
                 </a:solidFill>
@@ -11202,7 +11111,7 @@
               <a:t>High Shelf</a:t>
             </a:r>
             <a:r>
-              <a:rPr lang="en-US" sz="1600" dirty="0" smtClean="0">
+              <a:rPr lang="en-US" sz="1600" dirty="0">
                 <a:solidFill>
                   <a:schemeClr val="tx1"/>
                 </a:solidFill>
@@ -11210,7 +11119,7 @@
               <a:t>: High shelf filter </a:t>
             </a:r>
             <a:r>
-              <a:rPr lang="en-US" sz="1600" dirty="0" err="1" smtClean="0">
+              <a:rPr lang="en-US" sz="1600" dirty="0" err="1">
                 <a:solidFill>
                   <a:schemeClr val="tx1"/>
                 </a:solidFill>
@@ -11218,7 +11127,7 @@
               <a:t>gian</a:t>
             </a:r>
             <a:r>
-              <a:rPr lang="en-US" sz="1600" dirty="0" smtClean="0">
+              <a:rPr lang="en-US" sz="1600" dirty="0">
                 <a:solidFill>
                   <a:schemeClr val="tx1"/>
                 </a:solidFill>
@@ -11226,7 +11135,7 @@
               <a:t> cut, left is </a:t>
             </a:r>
             <a:r>
-              <a:rPr lang="en-US" sz="1600" dirty="0" err="1" smtClean="0">
+              <a:rPr lang="en-US" sz="1600" dirty="0" err="1">
                 <a:solidFill>
                   <a:schemeClr val="tx1"/>
                 </a:solidFill>
@@ -11234,7 +11143,7 @@
               <a:t>inf</a:t>
             </a:r>
             <a:r>
-              <a:rPr lang="en-US" sz="1600" dirty="0" smtClean="0">
+              <a:rPr lang="en-US" sz="1600" dirty="0">
                 <a:solidFill>
                   <a:schemeClr val="tx1"/>
                 </a:solidFill>
@@ -11285,7 +11194,7 @@
           <a:lstStyle/>
           <a:p>
             <a:r>
-              <a:rPr lang="en-US" sz="1600" b="1" dirty="0" smtClean="0">
+              <a:rPr lang="en-US" sz="1600" b="1" dirty="0">
                 <a:solidFill>
                   <a:schemeClr val="bg1"/>
                 </a:solidFill>
@@ -11295,7 +11204,7 @@
           </a:p>
           <a:p>
             <a:r>
-              <a:rPr lang="en-US" sz="1600" b="1" dirty="0" smtClean="0">
+              <a:rPr lang="en-US" sz="1600" b="1" dirty="0">
                 <a:solidFill>
                   <a:schemeClr val="bg1"/>
                 </a:solidFill>
@@ -11310,33 +11219,17 @@
                   <a:schemeClr val="bg1"/>
                 </a:solidFill>
               </a:rPr>
-              <a:t> </a:t>
-            </a:r>
-            <a:r>
-              <a:rPr lang="en-US" sz="1600" b="1" dirty="0" smtClean="0">
+              <a:t>  Center: Medium lushness</a:t>
+            </a:r>
+          </a:p>
+          <a:p>
+            <a:r>
+              <a:rPr lang="en-US" sz="1600" b="1" dirty="0">
                 <a:solidFill>
                   <a:schemeClr val="bg1"/>
                 </a:solidFill>
               </a:rPr>
-              <a:t> Center: Medium lushness</a:t>
-            </a:r>
-          </a:p>
-          <a:p>
-            <a:r>
-              <a:rPr lang="en-US" sz="1600" b="1" dirty="0">
-                <a:solidFill>
-                  <a:schemeClr val="bg1"/>
-                </a:solidFill>
-              </a:rPr>
-              <a:t> </a:t>
-            </a:r>
-            <a:r>
-              <a:rPr lang="en-US" sz="1600" b="1" dirty="0" smtClean="0">
-                <a:solidFill>
-                  <a:schemeClr val="bg1"/>
-                </a:solidFill>
-              </a:rPr>
-              <a:t> Right:  High, lots of diffusion</a:t>
+              <a:t>  Right:  High, lots of diffusion</a:t>
             </a:r>
           </a:p>
         </p:txBody>
@@ -11377,45 +11270,37 @@
           <a:lstStyle/>
           <a:p>
             <a:r>
-              <a:rPr lang="en-US" sz="1600" b="1" dirty="0" smtClean="0">
+              <a:rPr lang="en-US" sz="1600" b="1" dirty="0">
                 <a:solidFill>
                   <a:schemeClr val="bg1"/>
                 </a:solidFill>
               </a:rPr>
-              <a:t>Modulation </a:t>
-            </a:r>
-            <a:r>
-              <a:rPr lang="en-US" sz="1600" b="1" dirty="0" smtClean="0">
+              <a:t>Modulation Switch</a:t>
+            </a:r>
+          </a:p>
+          <a:p>
+            <a:r>
+              <a:rPr lang="en-US" sz="1600" b="1" dirty="0">
                 <a:solidFill>
                   <a:schemeClr val="bg1"/>
                 </a:solidFill>
               </a:rPr>
-              <a:t>Switch</a:t>
-            </a:r>
-          </a:p>
-          <a:p>
-            <a:r>
-              <a:rPr lang="en-US" sz="1600" b="1" dirty="0" smtClean="0">
+              <a:t>  Left:  Low mod amount/rate</a:t>
+            </a:r>
+          </a:p>
+          <a:p>
+            <a:r>
+              <a:rPr lang="en-US" sz="1600" b="1" dirty="0">
                 <a:solidFill>
                   <a:schemeClr val="bg1"/>
                 </a:solidFill>
               </a:rPr>
-              <a:t>  Left:  Low mod amount/rate</a:t>
-            </a:r>
-          </a:p>
-          <a:p>
-            <a:r>
-              <a:rPr lang="en-US" sz="1600" b="1" dirty="0" smtClean="0">
-                <a:solidFill>
-                  <a:schemeClr val="bg1"/>
-                </a:solidFill>
-              </a:rPr>
               <a:t>  Center: Med mod amount/rate</a:t>
             </a:r>
           </a:p>
           <a:p>
             <a:r>
-              <a:rPr lang="en-US" sz="1600" b="1" dirty="0" smtClean="0">
+              <a:rPr lang="en-US" sz="1600" b="1" dirty="0">
                 <a:solidFill>
                   <a:schemeClr val="bg1"/>
                 </a:solidFill>
@@ -11461,7 +11346,7 @@
           <a:lstStyle/>
           <a:p>
             <a:r>
-              <a:rPr lang="en-US" sz="1600" b="1" dirty="0" err="1" smtClean="0">
+              <a:rPr lang="en-US" sz="1600" b="1" dirty="0" err="1">
                 <a:solidFill>
                   <a:schemeClr val="bg1"/>
                 </a:solidFill>
@@ -11469,7 +11354,7 @@
               <a:t>PreDelay</a:t>
             </a:r>
             <a:r>
-              <a:rPr lang="en-US" sz="1600" b="1" dirty="0" smtClean="0">
+              <a:rPr lang="en-US" sz="1600" b="1" dirty="0">
                 <a:solidFill>
                   <a:schemeClr val="bg1"/>
                 </a:solidFill>
@@ -11479,7 +11364,7 @@
           </a:p>
           <a:p>
             <a:r>
-              <a:rPr lang="en-US" sz="1600" b="1" dirty="0" smtClean="0">
+              <a:rPr lang="en-US" sz="1600" b="1" dirty="0">
                 <a:solidFill>
                   <a:schemeClr val="bg1"/>
                 </a:solidFill>
@@ -11487,14 +11372,14 @@
               <a:t>  Left:  no </a:t>
             </a:r>
             <a:r>
-              <a:rPr lang="en-US" sz="1600" b="1" dirty="0" err="1" smtClean="0">
+              <a:rPr lang="en-US" sz="1600" b="1" dirty="0" err="1">
                 <a:solidFill>
                   <a:schemeClr val="bg1"/>
                 </a:solidFill>
               </a:rPr>
               <a:t>predelay</a:t>
             </a:r>
-            <a:endParaRPr lang="en-US" sz="1600" b="1" dirty="0" smtClean="0">
+            <a:endParaRPr lang="en-US" sz="1600" b="1" dirty="0">
               <a:solidFill>
                 <a:schemeClr val="bg1"/>
               </a:solidFill>
@@ -11502,7 +11387,7 @@
           </a:p>
           <a:p>
             <a:r>
-              <a:rPr lang="en-US" sz="1600" b="1" dirty="0" smtClean="0">
+              <a:rPr lang="en-US" sz="1600" b="1" dirty="0">
                 <a:solidFill>
                   <a:schemeClr val="bg1"/>
                 </a:solidFill>
@@ -11510,14 +11395,14 @@
               <a:t>  Center: 100ms </a:t>
             </a:r>
             <a:r>
-              <a:rPr lang="en-US" sz="1600" b="1" dirty="0" err="1" smtClean="0">
+              <a:rPr lang="en-US" sz="1600" b="1" dirty="0" err="1">
                 <a:solidFill>
                   <a:schemeClr val="bg1"/>
                 </a:solidFill>
               </a:rPr>
               <a:t>predelay</a:t>
             </a:r>
-            <a:endParaRPr lang="en-US" sz="1600" b="1" dirty="0" smtClean="0">
+            <a:endParaRPr lang="en-US" sz="1600" b="1" dirty="0">
               <a:solidFill>
                 <a:schemeClr val="bg1"/>
               </a:solidFill>
@@ -11525,7 +11410,7 @@
           </a:p>
           <a:p>
             <a:r>
-              <a:rPr lang="en-US" sz="1600" b="1" dirty="0" smtClean="0">
+              <a:rPr lang="en-US" sz="1600" b="1" dirty="0">
                 <a:solidFill>
                   <a:schemeClr val="bg1"/>
                 </a:solidFill>
@@ -11533,14 +11418,14 @@
               <a:t>  Right:  200ms </a:t>
             </a:r>
             <a:r>
-              <a:rPr lang="en-US" sz="1600" b="1" dirty="0" err="1" smtClean="0">
+              <a:rPr lang="en-US" sz="1600" b="1" dirty="0" err="1">
                 <a:solidFill>
                   <a:schemeClr val="bg1"/>
                 </a:solidFill>
               </a:rPr>
               <a:t>predelay</a:t>
             </a:r>
-            <a:endParaRPr lang="en-US" sz="1600" b="1" dirty="0" smtClean="0">
+            <a:endParaRPr lang="en-US" sz="1600" b="1" dirty="0">
               <a:solidFill>
                 <a:schemeClr val="bg1"/>
               </a:solidFill>
@@ -11584,7 +11469,7 @@
           <a:lstStyle/>
           <a:p>
             <a:r>
-              <a:rPr lang="en-US" sz="1600" b="1" dirty="0" smtClean="0">
+              <a:rPr lang="en-US" sz="1600" b="1" dirty="0">
                 <a:solidFill>
                   <a:schemeClr val="bg1"/>
                 </a:solidFill>
@@ -11594,7 +11479,7 @@
           </a:p>
           <a:p>
             <a:r>
-              <a:rPr lang="en-US" sz="1600" b="1" dirty="0" smtClean="0">
+              <a:rPr lang="en-US" sz="1600" b="1" dirty="0">
                 <a:solidFill>
                   <a:schemeClr val="bg1"/>
                 </a:solidFill>
@@ -11604,7 +11489,7 @@
           </a:p>
           <a:p>
             <a:r>
-              <a:rPr lang="en-US" sz="1600" b="1" dirty="0" smtClean="0">
+              <a:rPr lang="en-US" sz="1600" b="1" dirty="0">
                 <a:solidFill>
                   <a:schemeClr val="bg1"/>
                 </a:solidFill>
@@ -11650,58 +11535,12 @@
           <a:lstStyle/>
           <a:p>
             <a:r>
-              <a:rPr lang="en-US" sz="1600" b="1" dirty="0" smtClean="0">
+              <a:rPr lang="en-US" sz="1600" b="1" dirty="0">
                 <a:solidFill>
                   <a:schemeClr val="bg1"/>
                 </a:solidFill>
               </a:rPr>
               <a:t>Left Footswitch: Bypass/Engage, hold to engage alternate mode (indicated by dimmed LED)</a:t>
-            </a:r>
-          </a:p>
-        </p:txBody>
-      </p:sp>
-      <p:sp>
-        <p:nvSpPr>
-          <p:cNvPr id="62" name="Rectangle 61"/>
-          <p:cNvSpPr/>
-          <p:nvPr/>
-        </p:nvSpPr>
-        <p:spPr>
-          <a:xfrm>
-            <a:off x="6585109" y="6016736"/>
-            <a:ext cx="3910171" cy="820299"/>
-          </a:xfrm>
-          <a:prstGeom prst="rect">
-            <a:avLst/>
-          </a:prstGeom>
-        </p:spPr>
-        <p:style>
-          <a:lnRef idx="2">
-            <a:schemeClr val="dk1">
-              <a:shade val="50000"/>
-            </a:schemeClr>
-          </a:lnRef>
-          <a:fillRef idx="1001">
-            <a:schemeClr val="dk2"/>
-          </a:fillRef>
-          <a:effectRef idx="0">
-            <a:schemeClr val="dk1"/>
-          </a:effectRef>
-          <a:fontRef idx="minor">
-            <a:schemeClr val="lt1"/>
-          </a:fontRef>
-        </p:style>
-        <p:txBody>
-          <a:bodyPr rtlCol="0" anchor="ctr"/>
-          <a:lstStyle/>
-          <a:p>
-            <a:r>
-              <a:rPr lang="en-US" sz="1600" b="1" dirty="0" smtClean="0">
-                <a:solidFill>
-                  <a:schemeClr val="bg1"/>
-                </a:solidFill>
-              </a:rPr>
-              <a:t>Right Footswitch: Freeze – holds the current holds current reverb decay, drops when released.</a:t>
             </a:r>
           </a:p>
         </p:txBody>
@@ -11741,7 +11580,7 @@
           <a:lstStyle/>
           <a:p>
             <a:r>
-              <a:rPr lang="en-US" sz="2800" b="1" dirty="0" smtClean="0">
+              <a:rPr lang="en-US" sz="2800" b="1" dirty="0">
                 <a:solidFill>
                   <a:schemeClr val="tx1"/>
                 </a:solidFill>
@@ -11749,7 +11588,7 @@
               <a:t>Jupiter </a:t>
             </a:r>
             <a:r>
-              <a:rPr lang="en-US" sz="1600" b="1" dirty="0" smtClean="0">
+              <a:rPr lang="en-US" sz="1600" b="1" dirty="0">
                 <a:solidFill>
                   <a:schemeClr val="tx1"/>
                 </a:solidFill>
@@ -11757,7 +11596,7 @@
               <a:t>is a </a:t>
             </a:r>
             <a:r>
-              <a:rPr lang="en-US" sz="2800" b="1" dirty="0" smtClean="0">
+              <a:rPr lang="en-US" sz="2800" b="1" dirty="0">
                 <a:solidFill>
                   <a:schemeClr val="tx1"/>
                 </a:solidFill>
@@ -11765,7 +11604,7 @@
               <a:t>Reverb </a:t>
             </a:r>
             <a:r>
-              <a:rPr lang="en-US" sz="1600" b="1" dirty="0" smtClean="0">
+              <a:rPr lang="en-US" sz="1600" b="1" dirty="0">
                 <a:solidFill>
                   <a:schemeClr val="tx1"/>
                 </a:solidFill>
@@ -11773,7 +11612,7 @@
               <a:t>pedal with a focus on </a:t>
             </a:r>
             <a:r>
-              <a:rPr lang="en-US" sz="2800" b="1" dirty="0" smtClean="0">
+              <a:rPr lang="en-US" sz="2800" b="1" dirty="0">
                 <a:solidFill>
                   <a:schemeClr val="tx1"/>
                 </a:solidFill>
@@ -11781,7 +11620,7 @@
               <a:t> </a:t>
             </a:r>
             <a:r>
-              <a:rPr lang="en-US" sz="2400" b="1" dirty="0" smtClean="0">
+              <a:rPr lang="en-US" sz="2400" b="1" dirty="0">
                 <a:solidFill>
                   <a:schemeClr val="tx1"/>
                 </a:solidFill>
@@ -11789,7 +11628,7 @@
               <a:t>EQ </a:t>
             </a:r>
             <a:r>
-              <a:rPr lang="en-US" sz="1600" b="1" dirty="0" smtClean="0">
+              <a:rPr lang="en-US" sz="1600" b="1" dirty="0">
                 <a:solidFill>
                   <a:schemeClr val="tx1"/>
                 </a:solidFill>
@@ -11807,8 +11646,8 @@
         </p:nvSpPr>
         <p:spPr>
           <a:xfrm>
-            <a:off x="7596222" y="745832"/>
-            <a:ext cx="2670623" cy="963907"/>
+            <a:off x="7596222" y="176575"/>
+            <a:ext cx="4028200" cy="1370012"/>
           </a:xfrm>
           <a:prstGeom prst="rect">
             <a:avLst/>
@@ -11834,7 +11673,7 @@
           <a:lstStyle/>
           <a:p>
             <a:r>
-              <a:rPr lang="en-US" sz="1600" b="1" dirty="0" smtClean="0">
+              <a:rPr lang="en-US" sz="1600" b="1" dirty="0">
                 <a:solidFill>
                   <a:schemeClr val="tx1"/>
                 </a:solidFill>
@@ -11844,12 +11683,48 @@
           </a:p>
           <a:p>
             <a:r>
-              <a:rPr lang="en-US" sz="1600" b="1" dirty="0" smtClean="0">
+              <a:rPr lang="en-US" sz="1600" b="1" dirty="0">
                 <a:solidFill>
                   <a:schemeClr val="tx1"/>
                 </a:solidFill>
               </a:rPr>
               <a:t>(MISO or Stereo)</a:t>
+            </a:r>
+          </a:p>
+          <a:p>
+            <a:pPr marL="285750" indent="-285750">
+              <a:buFontTx/>
+              <a:buChar char="-"/>
+            </a:pPr>
+            <a:r>
+              <a:rPr lang="en-US" sz="1600" b="1" dirty="0">
+                <a:solidFill>
+                  <a:schemeClr val="tx1"/>
+                </a:solidFill>
+              </a:rPr>
+              <a:t>Expression: YES</a:t>
+            </a:r>
+          </a:p>
+          <a:p>
+            <a:pPr marL="285750" indent="-285750">
+              <a:buFontTx/>
+              <a:buChar char="-"/>
+            </a:pPr>
+            <a:r>
+              <a:rPr lang="en-US" sz="1600" b="1" dirty="0">
+                <a:solidFill>
+                  <a:schemeClr val="tx1"/>
+                </a:solidFill>
+              </a:rPr>
+              <a:t>MIDI</a:t>
+            </a:r>
+            <a:r>
+              <a:rPr lang="en-US" sz="1600" b="1">
+                <a:solidFill>
+                  <a:schemeClr val="tx1"/>
+                </a:solidFill>
+              </a:rPr>
+              <a:t>: NO</a:t>
             </a:r>
             <a:endParaRPr lang="en-US" sz="1600" b="1" dirty="0">
               <a:solidFill>
@@ -12242,7 +12117,7 @@
           <a:p>
             <a:pPr algn="ctr"/>
             <a:r>
-              <a:rPr lang="en-US" sz="800" b="1" dirty="0" smtClean="0">
+              <a:rPr lang="en-US" sz="800" b="1" dirty="0">
                 <a:latin typeface="Century Gothic" panose="020B0502020202020204" pitchFamily="34" charset="0"/>
                 <a:cs typeface="Adobe Devanagari" panose="02040503050201020203" pitchFamily="18" charset="0"/>
               </a:rPr>
@@ -12252,7 +12127,7 @@
           <a:p>
             <a:pPr algn="ctr"/>
             <a:r>
-              <a:rPr lang="en-US" sz="800" b="1" dirty="0" smtClean="0">
+              <a:rPr lang="en-US" sz="800" b="1" dirty="0">
                 <a:latin typeface="Century Gothic" panose="020B0502020202020204" pitchFamily="34" charset="0"/>
                 <a:cs typeface="Adobe Devanagari" panose="02040503050201020203" pitchFamily="18" charset="0"/>
               </a:rPr>
@@ -12262,7 +12137,7 @@
           <a:p>
             <a:pPr algn="ctr"/>
             <a:r>
-              <a:rPr lang="en-US" sz="800" b="1" dirty="0" smtClean="0">
+              <a:rPr lang="en-US" sz="800" b="1" dirty="0">
                 <a:latin typeface="Century Gothic" panose="020B0502020202020204" pitchFamily="34" charset="0"/>
                 <a:cs typeface="Adobe Devanagari" panose="02040503050201020203" pitchFamily="18" charset="0"/>
               </a:rPr>
@@ -12295,7 +12170,7 @@
           <a:p>
             <a:pPr algn="ctr"/>
             <a:r>
-              <a:rPr lang="en-US" sz="800" b="1" dirty="0" smtClean="0">
+              <a:rPr lang="en-US" sz="800" b="1" dirty="0">
                 <a:latin typeface="Century Gothic" panose="020B0502020202020204" pitchFamily="34" charset="0"/>
                 <a:cs typeface="Adobe Devanagari" panose="02040503050201020203" pitchFamily="18" charset="0"/>
               </a:rPr>
@@ -12305,7 +12180,7 @@
           <a:p>
             <a:pPr algn="ctr"/>
             <a:r>
-              <a:rPr lang="en-US" sz="800" b="1" dirty="0" smtClean="0">
+              <a:rPr lang="en-US" sz="800" b="1" dirty="0">
                 <a:latin typeface="Century Gothic" panose="020B0502020202020204" pitchFamily="34" charset="0"/>
                 <a:cs typeface="Adobe Devanagari" panose="02040503050201020203" pitchFamily="18" charset="0"/>
               </a:rPr>
@@ -12315,11 +12190,57 @@
           <a:p>
             <a:pPr algn="ctr"/>
             <a:r>
-              <a:rPr lang="en-US" sz="800" b="1" dirty="0" smtClean="0">
+              <a:rPr lang="en-US" sz="800" b="1" dirty="0">
                 <a:latin typeface="Century Gothic" panose="020B0502020202020204" pitchFamily="34" charset="0"/>
                 <a:cs typeface="Adobe Devanagari" panose="02040503050201020203" pitchFamily="18" charset="0"/>
               </a:rPr>
               <a:t>High</a:t>
+            </a:r>
+          </a:p>
+        </p:txBody>
+      </p:sp>
+      <p:sp>
+        <p:nvSpPr>
+          <p:cNvPr id="77" name="Rectangle 76"/>
+          <p:cNvSpPr/>
+          <p:nvPr/>
+        </p:nvSpPr>
+        <p:spPr>
+          <a:xfrm>
+            <a:off x="6574948" y="5977001"/>
+            <a:ext cx="4891147" cy="630663"/>
+          </a:xfrm>
+          <a:prstGeom prst="rect">
+            <a:avLst/>
+          </a:prstGeom>
+        </p:spPr>
+        <p:style>
+          <a:lnRef idx="2">
+            <a:schemeClr val="dk1">
+              <a:shade val="50000"/>
+            </a:schemeClr>
+          </a:lnRef>
+          <a:fillRef idx="1001">
+            <a:schemeClr val="dk2"/>
+          </a:fillRef>
+          <a:effectRef idx="0">
+            <a:schemeClr val="dk1"/>
+          </a:effectRef>
+          <a:fontRef idx="minor">
+            <a:schemeClr val="lt1"/>
+          </a:fontRef>
+        </p:style>
+        <p:txBody>
+          <a:bodyPr rtlCol="0" anchor="ctr"/>
+          <a:lstStyle/>
+          <a:p>
+            <a:r>
+              <a:rPr lang="en-US" sz="1600" b="1" dirty="0">
+                <a:solidFill>
+                  <a:schemeClr val="bg1"/>
+                </a:solidFill>
+              </a:rPr>
+              <a:t>Right Footswitch: Hold to save preset. Press to engage/disengage preset. Saves between power cycles.</a:t>
             </a:r>
           </a:p>
         </p:txBody>
@@ -13325,16 +13246,12 @@
           <a:p>
             <a:pPr algn="ctr"/>
             <a:r>
-              <a:rPr lang="en-US" sz="1000" b="1" dirty="0" smtClean="0">
+              <a:rPr lang="en-US" sz="1000" b="1" dirty="0">
                 <a:latin typeface="Century Gothic" panose="020B0502020202020204" pitchFamily="34" charset="0"/>
                 <a:cs typeface="Adobe Devanagari" panose="02040503050201020203" pitchFamily="18" charset="0"/>
               </a:rPr>
               <a:t>Level A</a:t>
             </a:r>
-            <a:endParaRPr lang="en-US" sz="1000" b="1" dirty="0">
-              <a:latin typeface="Century Gothic" panose="020B0502020202020204" pitchFamily="34" charset="0"/>
-              <a:cs typeface="Adobe Devanagari" panose="02040503050201020203" pitchFamily="18" charset="0"/>
-            </a:endParaRPr>
           </a:p>
         </p:txBody>
       </p:sp>
@@ -13362,7 +13279,7 @@
           <a:p>
             <a:pPr algn="ctr"/>
             <a:r>
-              <a:rPr lang="en-US" sz="1000" b="1" dirty="0" smtClean="0">
+              <a:rPr lang="en-US" sz="1000" b="1" dirty="0">
                 <a:latin typeface="Century Gothic" panose="020B0502020202020204" pitchFamily="34" charset="0"/>
                 <a:cs typeface="Adobe Devanagari" panose="02040503050201020203" pitchFamily="18" charset="0"/>
               </a:rPr>
@@ -13372,16 +13289,12 @@
           <a:p>
             <a:pPr algn="ctr"/>
             <a:r>
-              <a:rPr lang="en-US" sz="1000" b="1" dirty="0" smtClean="0">
+              <a:rPr lang="en-US" sz="1000" b="1" dirty="0">
                 <a:latin typeface="Century Gothic" panose="020B0502020202020204" pitchFamily="34" charset="0"/>
                 <a:cs typeface="Adobe Devanagari" panose="02040503050201020203" pitchFamily="18" charset="0"/>
               </a:rPr>
               <a:t>(R Time)</a:t>
             </a:r>
-            <a:endParaRPr lang="en-US" sz="1000" b="1" dirty="0">
-              <a:latin typeface="Century Gothic" panose="020B0502020202020204" pitchFamily="34" charset="0"/>
-              <a:cs typeface="Adobe Devanagari" panose="02040503050201020203" pitchFamily="18" charset="0"/>
-            </a:endParaRPr>
           </a:p>
         </p:txBody>
       </p:sp>
@@ -13409,16 +13322,12 @@
           <a:p>
             <a:pPr algn="ctr"/>
             <a:r>
-              <a:rPr lang="en-US" sz="1000" b="1" dirty="0" smtClean="0">
+              <a:rPr lang="en-US" sz="1000" b="1" dirty="0">
                 <a:latin typeface="Century Gothic" panose="020B0502020202020204" pitchFamily="34" charset="0"/>
                 <a:cs typeface="Adobe Devanagari" panose="02040503050201020203" pitchFamily="18" charset="0"/>
               </a:rPr>
               <a:t>Level B</a:t>
             </a:r>
-            <a:endParaRPr lang="en-US" sz="1000" b="1" dirty="0">
-              <a:latin typeface="Century Gothic" panose="020B0502020202020204" pitchFamily="34" charset="0"/>
-              <a:cs typeface="Adobe Devanagari" panose="02040503050201020203" pitchFamily="18" charset="0"/>
-            </a:endParaRPr>
           </a:p>
         </p:txBody>
       </p:sp>
@@ -13446,7 +13355,7 @@
           <a:p>
             <a:pPr algn="ctr"/>
             <a:r>
-              <a:rPr lang="en-US" sz="1000" b="1" dirty="0" smtClean="0">
+              <a:rPr lang="en-US" sz="1000" b="1" dirty="0">
                 <a:latin typeface="Century Gothic" panose="020B0502020202020204" pitchFamily="34" charset="0"/>
                 <a:cs typeface="Adobe Devanagari" panose="02040503050201020203" pitchFamily="18" charset="0"/>
               </a:rPr>
@@ -13456,7 +13365,7 @@
           <a:p>
             <a:pPr algn="ctr"/>
             <a:r>
-              <a:rPr lang="en-US" sz="1000" b="1" dirty="0" smtClean="0">
+              <a:rPr lang="en-US" sz="1000" b="1" dirty="0">
                 <a:latin typeface="Century Gothic" panose="020B0502020202020204" pitchFamily="34" charset="0"/>
                 <a:cs typeface="Adobe Devanagari" panose="02040503050201020203" pitchFamily="18" charset="0"/>
               </a:rPr>
@@ -13489,7 +13398,7 @@
           <a:p>
             <a:pPr algn="ctr"/>
             <a:r>
-              <a:rPr lang="en-US" sz="1000" b="1" dirty="0" smtClean="0">
+              <a:rPr lang="en-US" sz="1000" b="1" dirty="0">
                 <a:latin typeface="Century Gothic" panose="020B0502020202020204" pitchFamily="34" charset="0"/>
                 <a:cs typeface="Adobe Devanagari" panose="02040503050201020203" pitchFamily="18" charset="0"/>
               </a:rPr>
@@ -13522,16 +13431,12 @@
           <a:p>
             <a:pPr algn="ctr"/>
             <a:r>
-              <a:rPr lang="en-US" sz="1000" b="1" dirty="0" smtClean="0">
+              <a:rPr lang="en-US" sz="1000" b="1" dirty="0">
                 <a:latin typeface="Century Gothic" panose="020B0502020202020204" pitchFamily="34" charset="0"/>
                 <a:cs typeface="Adobe Devanagari" panose="02040503050201020203" pitchFamily="18" charset="0"/>
               </a:rPr>
               <a:t>Speed A</a:t>
             </a:r>
-            <a:endParaRPr lang="en-US" sz="1000" b="1" dirty="0">
-              <a:latin typeface="Century Gothic" panose="020B0502020202020204" pitchFamily="34" charset="0"/>
-              <a:cs typeface="Adobe Devanagari" panose="02040503050201020203" pitchFamily="18" charset="0"/>
-            </a:endParaRPr>
           </a:p>
         </p:txBody>
       </p:sp>
@@ -13559,16 +13464,12 @@
           <a:p>
             <a:pPr algn="ctr"/>
             <a:r>
-              <a:rPr lang="en-US" sz="1000" b="1" dirty="0" smtClean="0">
+              <a:rPr lang="en-US" sz="1000" b="1" dirty="0">
                 <a:latin typeface="Century Gothic" panose="020B0502020202020204" pitchFamily="34" charset="0"/>
                 <a:cs typeface="Adobe Devanagari" panose="02040503050201020203" pitchFamily="18" charset="0"/>
               </a:rPr>
               <a:t>Loop A</a:t>
             </a:r>
-            <a:endParaRPr lang="en-US" sz="1000" b="1" dirty="0">
-              <a:latin typeface="Century Gothic" panose="020B0502020202020204" pitchFamily="34" charset="0"/>
-              <a:cs typeface="Adobe Devanagari" panose="02040503050201020203" pitchFamily="18" charset="0"/>
-            </a:endParaRPr>
           </a:p>
         </p:txBody>
       </p:sp>
@@ -13596,7 +13497,7 @@
           <a:p>
             <a:pPr algn="ctr"/>
             <a:r>
-              <a:rPr lang="en-US" sz="800" b="1" dirty="0" smtClean="0">
+              <a:rPr lang="en-US" sz="800" b="1" dirty="0">
                 <a:latin typeface="Century Gothic" panose="020B0502020202020204" pitchFamily="34" charset="0"/>
                 <a:cs typeface="Adobe Devanagari" panose="02040503050201020203" pitchFamily="18" charset="0"/>
               </a:rPr>
@@ -13606,7 +13507,7 @@
           <a:p>
             <a:pPr algn="ctr"/>
             <a:r>
-              <a:rPr lang="en-US" sz="800" b="1" dirty="0" smtClean="0">
+              <a:rPr lang="en-US" sz="800" b="1" dirty="0">
                 <a:latin typeface="Century Gothic" panose="020B0502020202020204" pitchFamily="34" charset="0"/>
                 <a:cs typeface="Adobe Devanagari" panose="02040503050201020203" pitchFamily="18" charset="0"/>
               </a:rPr>
@@ -13616,7 +13517,7 @@
           <a:p>
             <a:pPr algn="ctr"/>
             <a:r>
-              <a:rPr lang="en-US" sz="800" b="1" dirty="0" smtClean="0">
+              <a:rPr lang="en-US" sz="800" b="1" dirty="0">
                 <a:latin typeface="Century Gothic" panose="020B0502020202020204" pitchFamily="34" charset="0"/>
                 <a:cs typeface="Adobe Devanagari" panose="02040503050201020203" pitchFamily="18" charset="0"/>
               </a:rPr>
@@ -13649,16 +13550,12 @@
           <a:p>
             <a:pPr algn="ctr"/>
             <a:r>
-              <a:rPr lang="en-US" sz="2800" b="1" dirty="0" smtClean="0">
+              <a:rPr lang="en-US" sz="2800" b="1" dirty="0">
                 <a:latin typeface="Broadway" panose="04040905080B02020502" pitchFamily="82" charset="0"/>
                 <a:cs typeface="Adobe Devanagari" panose="02040503050201020203" pitchFamily="18" charset="0"/>
               </a:rPr>
               <a:t>Pluto</a:t>
             </a:r>
-            <a:endParaRPr lang="en-US" sz="2800" b="1" dirty="0">
-              <a:latin typeface="Broadway" panose="04040905080B02020502" pitchFamily="82" charset="0"/>
-              <a:cs typeface="Adobe Devanagari" panose="02040503050201020203" pitchFamily="18" charset="0"/>
-            </a:endParaRPr>
           </a:p>
         </p:txBody>
       </p:sp>
@@ -13686,14 +13583,14 @@
           <a:p>
             <a:pPr algn="ctr"/>
             <a:r>
-              <a:rPr lang="en-US" sz="1000" dirty="0" smtClean="0">
+              <a:rPr lang="en-US" sz="1000" dirty="0">
                 <a:latin typeface="Century Gothic" panose="020B0502020202020204" pitchFamily="34" charset="0"/>
                 <a:cs typeface="Adobe Devanagari" panose="02040503050201020203" pitchFamily="18" charset="0"/>
               </a:rPr>
               <a:t>Dual </a:t>
             </a:r>
             <a:r>
-              <a:rPr lang="en-US" sz="1000" dirty="0" err="1" smtClean="0">
+              <a:rPr lang="en-US" sz="1000" dirty="0" err="1">
                 <a:latin typeface="Century Gothic" panose="020B0502020202020204" pitchFamily="34" charset="0"/>
                 <a:cs typeface="Adobe Devanagari" panose="02040503050201020203" pitchFamily="18" charset="0"/>
               </a:rPr>
@@ -13910,7 +13807,7 @@
           <a:p>
             <a:pPr algn="ctr"/>
             <a:r>
-              <a:rPr lang="en-US" sz="800" b="1" dirty="0" smtClean="0">
+              <a:rPr lang="en-US" sz="800" b="1" dirty="0">
                 <a:latin typeface="Century Gothic" panose="020B0502020202020204" pitchFamily="34" charset="0"/>
                 <a:cs typeface="Adobe Devanagari" panose="02040503050201020203" pitchFamily="18" charset="0"/>
               </a:rPr>
@@ -13920,7 +13817,7 @@
           <a:p>
             <a:pPr algn="ctr"/>
             <a:r>
-              <a:rPr lang="en-US" sz="800" b="1" dirty="0" smtClean="0">
+              <a:rPr lang="en-US" sz="800" b="1" dirty="0">
                 <a:latin typeface="Century Gothic" panose="020B0502020202020204" pitchFamily="34" charset="0"/>
                 <a:cs typeface="Adobe Devanagari" panose="02040503050201020203" pitchFamily="18" charset="0"/>
               </a:rPr>
@@ -13930,7 +13827,7 @@
           <a:p>
             <a:pPr algn="ctr"/>
             <a:r>
-              <a:rPr lang="en-US" sz="800" b="1" dirty="0" smtClean="0">
+              <a:rPr lang="en-US" sz="800" b="1" dirty="0">
                 <a:latin typeface="Century Gothic" panose="020B0502020202020204" pitchFamily="34" charset="0"/>
                 <a:cs typeface="Adobe Devanagari" panose="02040503050201020203" pitchFamily="18" charset="0"/>
               </a:rPr>
@@ -13963,7 +13860,7 @@
           <a:p>
             <a:pPr algn="ctr"/>
             <a:r>
-              <a:rPr lang="en-US" sz="800" b="1" dirty="0" smtClean="0">
+              <a:rPr lang="en-US" sz="800" b="1" dirty="0">
                 <a:latin typeface="Century Gothic" panose="020B0502020202020204" pitchFamily="34" charset="0"/>
                 <a:cs typeface="Adobe Devanagari" panose="02040503050201020203" pitchFamily="18" charset="0"/>
               </a:rPr>
@@ -13973,7 +13870,7 @@
           <a:p>
             <a:pPr algn="ctr"/>
             <a:r>
-              <a:rPr lang="en-US" sz="800" b="1" dirty="0" smtClean="0">
+              <a:rPr lang="en-US" sz="800" b="1" dirty="0">
                 <a:latin typeface="Century Gothic" panose="020B0502020202020204" pitchFamily="34" charset="0"/>
                 <a:cs typeface="Adobe Devanagari" panose="02040503050201020203" pitchFamily="18" charset="0"/>
               </a:rPr>
@@ -13983,13 +13880,13 @@
           <a:p>
             <a:pPr algn="ctr"/>
             <a:r>
-              <a:rPr lang="en-US" sz="800" b="1" dirty="0" err="1" smtClean="0">
+              <a:rPr lang="en-US" sz="800" b="1" dirty="0" err="1">
                 <a:latin typeface="Century Gothic" panose="020B0502020202020204" pitchFamily="34" charset="0"/>
                 <a:cs typeface="Adobe Devanagari" panose="02040503050201020203" pitchFamily="18" charset="0"/>
               </a:rPr>
               <a:t>Fripp</a:t>
             </a:r>
-            <a:endParaRPr lang="en-US" sz="800" b="1" dirty="0" smtClean="0">
+            <a:endParaRPr lang="en-US" sz="800" b="1" dirty="0">
               <a:latin typeface="Century Gothic" panose="020B0502020202020204" pitchFamily="34" charset="0"/>
               <a:cs typeface="Adobe Devanagari" panose="02040503050201020203" pitchFamily="18" charset="0"/>
             </a:endParaRPr>
@@ -14020,16 +13917,12 @@
           <a:p>
             <a:pPr algn="ctr"/>
             <a:r>
-              <a:rPr lang="en-US" sz="900" b="1" dirty="0" smtClean="0">
+              <a:rPr lang="en-US" sz="900" b="1" dirty="0">
                 <a:latin typeface="Century Gothic" panose="020B0502020202020204" pitchFamily="34" charset="0"/>
                 <a:cs typeface="Adobe Devanagari" panose="02040503050201020203" pitchFamily="18" charset="0"/>
               </a:rPr>
               <a:t>Speed Mode</a:t>
             </a:r>
-            <a:endParaRPr lang="en-US" sz="900" b="1" dirty="0">
-              <a:latin typeface="Century Gothic" panose="020B0502020202020204" pitchFamily="34" charset="0"/>
-              <a:cs typeface="Adobe Devanagari" panose="02040503050201020203" pitchFamily="18" charset="0"/>
-            </a:endParaRPr>
           </a:p>
         </p:txBody>
       </p:sp>
@@ -14057,16 +13950,12 @@
           <a:p>
             <a:pPr algn="ctr"/>
             <a:r>
-              <a:rPr lang="en-US" sz="900" b="1" dirty="0" smtClean="0">
+              <a:rPr lang="en-US" sz="900" b="1" dirty="0">
                 <a:latin typeface="Century Gothic" panose="020B0502020202020204" pitchFamily="34" charset="0"/>
                 <a:cs typeface="Adobe Devanagari" panose="02040503050201020203" pitchFamily="18" charset="0"/>
               </a:rPr>
               <a:t>Effect</a:t>
             </a:r>
-            <a:endParaRPr lang="en-US" sz="900" b="1" dirty="0">
-              <a:latin typeface="Century Gothic" panose="020B0502020202020204" pitchFamily="34" charset="0"/>
-              <a:cs typeface="Adobe Devanagari" panose="02040503050201020203" pitchFamily="18" charset="0"/>
-            </a:endParaRPr>
           </a:p>
         </p:txBody>
       </p:sp>
@@ -14094,16 +13983,12 @@
           <a:p>
             <a:pPr algn="ctr"/>
             <a:r>
-              <a:rPr lang="en-US" sz="900" b="1" dirty="0" smtClean="0">
+              <a:rPr lang="en-US" sz="900" b="1" dirty="0">
                 <a:latin typeface="Century Gothic" panose="020B0502020202020204" pitchFamily="34" charset="0"/>
                 <a:cs typeface="Adobe Devanagari" panose="02040503050201020203" pitchFamily="18" charset="0"/>
               </a:rPr>
               <a:t>Record Mode</a:t>
             </a:r>
-            <a:endParaRPr lang="en-US" sz="900" b="1" dirty="0">
-              <a:latin typeface="Century Gothic" panose="020B0502020202020204" pitchFamily="34" charset="0"/>
-              <a:cs typeface="Adobe Devanagari" panose="02040503050201020203" pitchFamily="18" charset="0"/>
-            </a:endParaRPr>
           </a:p>
         </p:txBody>
       </p:sp>
@@ -14184,7 +14069,7 @@
           <a:lstStyle/>
           <a:p>
             <a:r>
-              <a:rPr lang="en-US" sz="1600" b="1" dirty="0" smtClean="0">
+              <a:rPr lang="en-US" sz="1600" b="1" dirty="0">
                 <a:solidFill>
                   <a:schemeClr val="tx1"/>
                 </a:solidFill>
@@ -14192,7 +14077,7 @@
               <a:t>Level A</a:t>
             </a:r>
             <a:r>
-              <a:rPr lang="en-US" sz="1600" dirty="0" smtClean="0">
+              <a:rPr lang="en-US" sz="1600" dirty="0">
                 <a:solidFill>
                   <a:schemeClr val="tx1"/>
                 </a:solidFill>
@@ -14202,7 +14087,7 @@
           </a:p>
           <a:p>
             <a:r>
-              <a:rPr lang="en-US" sz="1600" b="1" dirty="0" smtClean="0">
+              <a:rPr lang="en-US" sz="1600" b="1" dirty="0">
                 <a:solidFill>
                   <a:schemeClr val="tx1"/>
                 </a:solidFill>
@@ -14210,7 +14095,7 @@
               <a:t>Mod A</a:t>
             </a:r>
             <a:r>
-              <a:rPr lang="en-US" sz="1600" dirty="0" smtClean="0">
+              <a:rPr lang="en-US" sz="1600" dirty="0">
                 <a:solidFill>
                   <a:schemeClr val="tx1"/>
                 </a:solidFill>
@@ -14220,7 +14105,7 @@
           </a:p>
           <a:p>
             <a:r>
-              <a:rPr lang="en-US" sz="1600" b="1" dirty="0" smtClean="0">
+              <a:rPr lang="en-US" sz="1600" b="1" dirty="0">
                 <a:solidFill>
                   <a:schemeClr val="tx1"/>
                 </a:solidFill>
@@ -14228,14 +14113,14 @@
               <a:t>Level B:</a:t>
             </a:r>
             <a:r>
-              <a:rPr lang="en-US" sz="1600" dirty="0" smtClean="0">
+              <a:rPr lang="en-US" sz="1600" dirty="0">
                 <a:solidFill>
                   <a:schemeClr val="tx1"/>
                 </a:solidFill>
               </a:rPr>
               <a:t> Volume of Loop B, 0 to 2x</a:t>
             </a:r>
-            <a:endParaRPr lang="en-US" sz="1600" b="1" dirty="0" smtClean="0">
+            <a:endParaRPr lang="en-US" sz="1600" b="1" dirty="0">
               <a:solidFill>
                 <a:schemeClr val="tx1"/>
               </a:solidFill>
@@ -14251,7 +14136,7 @@
         </p:nvSpPr>
         <p:spPr>
           <a:xfrm>
-            <a:off x="7618077" y="1904358"/>
+            <a:off x="7590754" y="1952574"/>
             <a:ext cx="4014544" cy="1206011"/>
           </a:xfrm>
           <a:prstGeom prst="rect">
@@ -14279,7 +14164,7 @@
           <a:lstStyle/>
           <a:p>
             <a:r>
-              <a:rPr lang="en-US" sz="1600" b="1" dirty="0" smtClean="0">
+              <a:rPr lang="en-US" sz="1600" b="1" dirty="0">
                 <a:solidFill>
                   <a:schemeClr val="tx1"/>
                 </a:solidFill>
@@ -14287,7 +14172,7 @@
               <a:t>Speed A</a:t>
             </a:r>
             <a:r>
-              <a:rPr lang="en-US" sz="1600" dirty="0" smtClean="0">
+              <a:rPr lang="en-US" sz="1600" dirty="0">
                 <a:solidFill>
                   <a:schemeClr val="tx1"/>
                 </a:solidFill>
@@ -14297,7 +14182,7 @@
           </a:p>
           <a:p>
             <a:r>
-              <a:rPr lang="en-US" sz="1600" b="1" dirty="0" smtClean="0">
+              <a:rPr lang="en-US" sz="1600" b="1" dirty="0">
                 <a:solidFill>
                   <a:schemeClr val="tx1"/>
                 </a:solidFill>
@@ -14305,7 +14190,7 @@
               <a:t>Mod B</a:t>
             </a:r>
             <a:r>
-              <a:rPr lang="en-US" sz="1600" dirty="0" smtClean="0">
+              <a:rPr lang="en-US" sz="1600" dirty="0">
                 <a:solidFill>
                   <a:schemeClr val="tx1"/>
                 </a:solidFill>
@@ -14315,7 +14200,7 @@
           </a:p>
           <a:p>
             <a:r>
-              <a:rPr lang="en-US" sz="1600" b="1" dirty="0" smtClean="0">
+              <a:rPr lang="en-US" sz="1600" b="1" dirty="0">
                 <a:solidFill>
                   <a:schemeClr val="tx1"/>
                 </a:solidFill>
@@ -14323,7 +14208,7 @@
               <a:t>Speed B</a:t>
             </a:r>
             <a:r>
-              <a:rPr lang="en-US" sz="1600" dirty="0" smtClean="0">
+              <a:rPr lang="en-US" sz="1600" dirty="0">
                 <a:solidFill>
                   <a:schemeClr val="tx1"/>
                 </a:solidFill>
@@ -14374,7 +14259,7 @@
           <a:lstStyle/>
           <a:p>
             <a:r>
-              <a:rPr lang="en-US" sz="1600" b="1" dirty="0" smtClean="0">
+              <a:rPr lang="en-US" sz="1600" b="1" dirty="0">
                 <a:solidFill>
                   <a:schemeClr val="bg1"/>
                 </a:solidFill>
@@ -14384,7 +14269,7 @@
           </a:p>
           <a:p>
             <a:r>
-              <a:rPr lang="en-US" sz="1600" b="1" dirty="0" smtClean="0">
+              <a:rPr lang="en-US" sz="1600" b="1" dirty="0">
                 <a:solidFill>
                   <a:schemeClr val="bg1"/>
                 </a:solidFill>
@@ -14392,7 +14277,7 @@
               <a:t>  Left:  Smooth like a tape mode, reverse 2x to </a:t>
             </a:r>
             <a:r>
-              <a:rPr lang="en-US" sz="1600" b="1" dirty="0" err="1" smtClean="0">
+              <a:rPr lang="en-US" sz="1600" b="1" dirty="0" err="1">
                 <a:solidFill>
                   <a:schemeClr val="bg1"/>
                 </a:solidFill>
@@ -14400,7 +14285,7 @@
               <a:t>fwd</a:t>
             </a:r>
             <a:r>
-              <a:rPr lang="en-US" sz="1600" b="1" dirty="0" smtClean="0">
+              <a:rPr lang="en-US" sz="1600" b="1" dirty="0">
                 <a:solidFill>
                   <a:schemeClr val="bg1"/>
                 </a:solidFill>
@@ -14415,33 +14300,17 @@
                   <a:schemeClr val="bg1"/>
                 </a:solidFill>
               </a:rPr>
-              <a:t> </a:t>
-            </a:r>
-            <a:r>
-              <a:rPr lang="en-US" sz="1600" b="1" dirty="0" smtClean="0">
+              <a:t>  Center: Stepped in 5ths and Octaves from reverse 2x to forward 3x, noon is 1x speed</a:t>
+            </a:r>
+          </a:p>
+          <a:p>
+            <a:r>
+              <a:rPr lang="en-US" sz="1600" b="1" dirty="0">
                 <a:solidFill>
                   <a:schemeClr val="bg1"/>
                 </a:solidFill>
               </a:rPr>
-              <a:t> Center: Stepped in 5ths and Octaves from reverse 2x to forward 3x, noon is 1x speed</a:t>
-            </a:r>
-          </a:p>
-          <a:p>
-            <a:r>
-              <a:rPr lang="en-US" sz="1600" b="1" dirty="0">
-                <a:solidFill>
-                  <a:schemeClr val="bg1"/>
-                </a:solidFill>
-              </a:rPr>
-              <a:t> </a:t>
-            </a:r>
-            <a:r>
-              <a:rPr lang="en-US" sz="1600" b="1" dirty="0" smtClean="0">
-                <a:solidFill>
-                  <a:schemeClr val="bg1"/>
-                </a:solidFill>
-              </a:rPr>
-              <a:t> Right:  TBD</a:t>
+              <a:t>  Right:  TBD</a:t>
             </a:r>
           </a:p>
         </p:txBody>
@@ -14454,7 +14323,7 @@
         </p:nvSpPr>
         <p:spPr>
           <a:xfrm>
-            <a:off x="76199" y="4385397"/>
+            <a:off x="76199" y="4434001"/>
             <a:ext cx="4452576" cy="1141089"/>
           </a:xfrm>
           <a:prstGeom prst="rect">
@@ -14482,7 +14351,7 @@
           <a:lstStyle/>
           <a:p>
             <a:r>
-              <a:rPr lang="en-US" sz="1600" b="1" dirty="0" smtClean="0">
+              <a:rPr lang="en-US" sz="1600" b="1" dirty="0">
                 <a:solidFill>
                   <a:schemeClr val="bg1"/>
                 </a:solidFill>
@@ -14492,7 +14361,7 @@
           </a:p>
           <a:p>
             <a:r>
-              <a:rPr lang="en-US" sz="1600" b="1" dirty="0" smtClean="0">
+              <a:rPr lang="en-US" sz="1600" b="1" dirty="0">
                 <a:solidFill>
                   <a:schemeClr val="bg1"/>
                 </a:solidFill>
@@ -14502,7 +14371,7 @@
           </a:p>
           <a:p>
             <a:r>
-              <a:rPr lang="en-US" sz="1600" b="1" dirty="0" smtClean="0">
+              <a:rPr lang="en-US" sz="1600" b="1" dirty="0">
                 <a:solidFill>
                   <a:schemeClr val="bg1"/>
                 </a:solidFill>
@@ -14510,7 +14379,7 @@
               <a:t>  Center: Filter, left of noon is </a:t>
             </a:r>
             <a:r>
-              <a:rPr lang="en-US" sz="1600" b="1" dirty="0" err="1" smtClean="0">
+              <a:rPr lang="en-US" sz="1600" b="1" dirty="0" err="1">
                 <a:solidFill>
                   <a:schemeClr val="bg1"/>
                 </a:solidFill>
@@ -14518,7 +14387,7 @@
               <a:t>lowpass</a:t>
             </a:r>
             <a:r>
-              <a:rPr lang="en-US" sz="1600" b="1" dirty="0" smtClean="0">
+              <a:rPr lang="en-US" sz="1600" b="1" dirty="0">
                 <a:solidFill>
                   <a:schemeClr val="bg1"/>
                 </a:solidFill>
@@ -14528,7 +14397,7 @@
           </a:p>
           <a:p>
             <a:r>
-              <a:rPr lang="en-US" sz="1600" b="1" dirty="0" smtClean="0">
+              <a:rPr lang="en-US" sz="1600" b="1" dirty="0">
                 <a:solidFill>
                   <a:schemeClr val="bg1"/>
                 </a:solidFill>
@@ -14546,7 +14415,7 @@
         </p:nvSpPr>
         <p:spPr>
           <a:xfrm>
-            <a:off x="7618077" y="3110369"/>
+            <a:off x="7630072" y="3206802"/>
             <a:ext cx="4150901" cy="1491309"/>
           </a:xfrm>
           <a:prstGeom prst="rect">
@@ -14574,14 +14443,140 @@
           <a:lstStyle/>
           <a:p>
             <a:r>
-              <a:rPr lang="en-US" sz="1600" b="1" dirty="0" smtClean="0">
+              <a:rPr lang="en-US" sz="1600" b="1" dirty="0">
                 <a:solidFill>
                   <a:schemeClr val="bg1"/>
                 </a:solidFill>
               </a:rPr>
               <a:t>Record Mode Switch:</a:t>
             </a:r>
-            <a:endParaRPr lang="en-US" sz="1600" b="1" dirty="0" smtClean="0">
+          </a:p>
+          <a:p>
+            <a:r>
+              <a:rPr lang="en-US" sz="1600" b="1" dirty="0">
+                <a:solidFill>
+                  <a:schemeClr val="bg1"/>
+                </a:solidFill>
+              </a:rPr>
+              <a:t>  Left:  Normal Record w/ repeated overdub </a:t>
+            </a:r>
+          </a:p>
+          <a:p>
+            <a:r>
+              <a:rPr lang="en-US" sz="1600" b="1" dirty="0">
+                <a:solidFill>
+                  <a:schemeClr val="bg1"/>
+                </a:solidFill>
+              </a:rPr>
+              <a:t>  Center: Single record, starts at beginning of   loop, stops recording at end of loop</a:t>
+            </a:r>
+          </a:p>
+          <a:p>
+            <a:r>
+              <a:rPr lang="en-US" sz="1600" b="1" dirty="0">
+                <a:solidFill>
+                  <a:schemeClr val="bg1"/>
+                </a:solidFill>
+              </a:rPr>
+              <a:t>  Right:  </a:t>
+            </a:r>
+            <a:r>
+              <a:rPr lang="en-US" sz="1600" b="1" dirty="0" err="1">
+                <a:solidFill>
+                  <a:schemeClr val="bg1"/>
+                </a:solidFill>
+              </a:rPr>
+              <a:t>Frippertronics</a:t>
+            </a:r>
+            <a:r>
+              <a:rPr lang="en-US" sz="1600" b="1" dirty="0">
+                <a:solidFill>
+                  <a:schemeClr val="bg1"/>
+                </a:solidFill>
+              </a:rPr>
+              <a:t> mode, delay-like loop with a decay while recording.</a:t>
+            </a:r>
+          </a:p>
+        </p:txBody>
+      </p:sp>
+      <p:sp>
+        <p:nvSpPr>
+          <p:cNvPr id="56" name="Rectangle 55"/>
+          <p:cNvSpPr/>
+          <p:nvPr/>
+        </p:nvSpPr>
+        <p:spPr>
+          <a:xfrm>
+            <a:off x="7630071" y="4759760"/>
+            <a:ext cx="3246475" cy="810200"/>
+          </a:xfrm>
+          <a:prstGeom prst="rect">
+            <a:avLst/>
+          </a:prstGeom>
+        </p:spPr>
+        <p:style>
+          <a:lnRef idx="2">
+            <a:schemeClr val="dk1">
+              <a:shade val="50000"/>
+            </a:schemeClr>
+          </a:lnRef>
+          <a:fillRef idx="1001">
+            <a:schemeClr val="dk2"/>
+          </a:fillRef>
+          <a:effectRef idx="0">
+            <a:schemeClr val="dk1"/>
+          </a:effectRef>
+          <a:fontRef idx="minor">
+            <a:schemeClr val="lt1"/>
+          </a:fontRef>
+        </p:style>
+        <p:txBody>
+          <a:bodyPr rtlCol="0" anchor="ctr"/>
+          <a:lstStyle/>
+          <a:p>
+            <a:r>
+              <a:rPr lang="en-US" sz="1600" b="1" dirty="0">
+                <a:solidFill>
+                  <a:schemeClr val="bg1"/>
+                </a:solidFill>
+              </a:rPr>
+              <a:t>Dip Switches:</a:t>
+            </a:r>
+          </a:p>
+          <a:p>
+            <a:r>
+              <a:rPr lang="en-US" sz="1600" b="1" dirty="0">
+                <a:solidFill>
+                  <a:schemeClr val="bg1"/>
+                </a:solidFill>
+              </a:rPr>
+              <a:t>  1: Stereo </a:t>
+            </a:r>
+            <a:r>
+              <a:rPr lang="en-US" sz="1600" b="1" dirty="0" err="1">
+                <a:solidFill>
+                  <a:schemeClr val="bg1"/>
+                </a:solidFill>
+              </a:rPr>
+              <a:t>Looper</a:t>
+            </a:r>
+            <a:r>
+              <a:rPr lang="en-US" sz="1600" b="1" dirty="0">
+                <a:solidFill>
+                  <a:schemeClr val="bg1"/>
+                </a:solidFill>
+              </a:rPr>
+              <a:t>/Dual </a:t>
+            </a:r>
+            <a:r>
+              <a:rPr lang="en-US" sz="1600" b="1" dirty="0" err="1">
+                <a:solidFill>
+                  <a:schemeClr val="bg1"/>
+                </a:solidFill>
+              </a:rPr>
+              <a:t>Loopers</a:t>
+            </a:r>
+            <a:endParaRPr lang="en-US" sz="1600" b="1" dirty="0">
               <a:solidFill>
                 <a:schemeClr val="bg1"/>
               </a:solidFill>
@@ -14589,101 +14584,26 @@
           </a:p>
           <a:p>
             <a:r>
-              <a:rPr lang="en-US" sz="1600" b="1" dirty="0" smtClean="0">
+              <a:rPr lang="en-US" sz="1600" b="1" dirty="0">
                 <a:solidFill>
                   <a:schemeClr val="bg1"/>
                 </a:solidFill>
               </a:rPr>
-              <a:t>  Left:  Normal </a:t>
-            </a:r>
-            <a:r>
-              <a:rPr lang="en-US" sz="1600" b="1" dirty="0" smtClean="0">
-                <a:solidFill>
-                  <a:schemeClr val="bg1"/>
-                </a:solidFill>
-              </a:rPr>
-              <a:t>Record w/ repeated overdub </a:t>
-            </a:r>
-            <a:endParaRPr lang="en-US" sz="1600" b="1" dirty="0" smtClean="0">
-              <a:solidFill>
-                <a:schemeClr val="bg1"/>
-              </a:solidFill>
-            </a:endParaRPr>
-          </a:p>
-          <a:p>
-            <a:r>
-              <a:rPr lang="en-US" sz="1600" b="1" dirty="0" smtClean="0">
-                <a:solidFill>
-                  <a:schemeClr val="bg1"/>
-                </a:solidFill>
-              </a:rPr>
-              <a:t>  Center: </a:t>
-            </a:r>
-            <a:r>
-              <a:rPr lang="en-US" sz="1600" b="1" dirty="0" smtClean="0">
-                <a:solidFill>
-                  <a:schemeClr val="bg1"/>
-                </a:solidFill>
-              </a:rPr>
-              <a:t>Single record, starts at beginning of   loop, stops recording at end of loop</a:t>
-            </a:r>
-            <a:endParaRPr lang="en-US" sz="1600" b="1" dirty="0" smtClean="0">
-              <a:solidFill>
-                <a:schemeClr val="bg1"/>
-              </a:solidFill>
-            </a:endParaRPr>
-          </a:p>
-          <a:p>
-            <a:r>
-              <a:rPr lang="en-US" sz="1600" b="1" dirty="0" smtClean="0">
-                <a:solidFill>
-                  <a:schemeClr val="bg1"/>
-                </a:solidFill>
-              </a:rPr>
-              <a:t>  Right:  </a:t>
-            </a:r>
-            <a:r>
-              <a:rPr lang="en-US" sz="1600" b="1" dirty="0" err="1" smtClean="0">
-                <a:solidFill>
-                  <a:schemeClr val="bg1"/>
-                </a:solidFill>
-              </a:rPr>
-              <a:t>Frippertronics</a:t>
-            </a:r>
-            <a:r>
-              <a:rPr lang="en-US" sz="1600" b="1" dirty="0">
-                <a:solidFill>
-                  <a:schemeClr val="bg1"/>
-                </a:solidFill>
-              </a:rPr>
-              <a:t> </a:t>
-            </a:r>
-            <a:r>
-              <a:rPr lang="en-US" sz="1600" b="1" dirty="0" smtClean="0">
-                <a:solidFill>
-                  <a:schemeClr val="bg1"/>
-                </a:solidFill>
-              </a:rPr>
-              <a:t>mode, delay-like loop with a decay while recording.</a:t>
-            </a:r>
-            <a:endParaRPr lang="en-US" sz="1600" b="1" dirty="0" smtClean="0">
-              <a:solidFill>
-                <a:schemeClr val="bg1"/>
-              </a:solidFill>
-            </a:endParaRPr>
-          </a:p>
-        </p:txBody>
-      </p:sp>
-      <p:sp>
-        <p:nvSpPr>
-          <p:cNvPr id="56" name="Rectangle 55"/>
+              <a:t>  3: Expression Toggle (see Readme)</a:t>
+            </a:r>
+          </a:p>
+        </p:txBody>
+      </p:sp>
+      <p:sp>
+        <p:nvSpPr>
+          <p:cNvPr id="57" name="Rectangle 56"/>
           <p:cNvSpPr/>
           <p:nvPr/>
         </p:nvSpPr>
         <p:spPr>
           <a:xfrm>
-            <a:off x="7618077" y="4672186"/>
-            <a:ext cx="3034908" cy="810200"/>
+            <a:off x="76199" y="5647570"/>
+            <a:ext cx="4410505" cy="1044754"/>
           </a:xfrm>
           <a:prstGeom prst="rect">
             <a:avLst/>
@@ -14710,139 +14630,23 @@
           <a:lstStyle/>
           <a:p>
             <a:r>
-              <a:rPr lang="en-US" sz="1600" b="1" dirty="0" smtClean="0">
+              <a:rPr lang="en-US" sz="1600" b="1" dirty="0">
                 <a:solidFill>
                   <a:schemeClr val="bg1"/>
                 </a:solidFill>
               </a:rPr>
-              <a:t>Dip Switches:</a:t>
-            </a:r>
-          </a:p>
-          <a:p>
-            <a:r>
-              <a:rPr lang="en-US" sz="1600" b="1" dirty="0" smtClean="0">
+              <a:t>Left Footswitch: </a:t>
+            </a:r>
+            <a:r>
+              <a:rPr lang="en-US" sz="1400" dirty="0">
                 <a:solidFill>
                   <a:schemeClr val="bg1"/>
                 </a:solidFill>
               </a:rPr>
-              <a:t>  1: </a:t>
-            </a:r>
-            <a:r>
-              <a:rPr lang="en-US" sz="1600" b="1" dirty="0" smtClean="0">
-                <a:solidFill>
-                  <a:schemeClr val="bg1"/>
-                </a:solidFill>
-              </a:rPr>
-              <a:t>Stereo </a:t>
-            </a:r>
-            <a:r>
-              <a:rPr lang="en-US" sz="1600" b="1" dirty="0" err="1" smtClean="0">
-                <a:solidFill>
-                  <a:schemeClr val="bg1"/>
-                </a:solidFill>
-              </a:rPr>
-              <a:t>Looper</a:t>
-            </a:r>
-            <a:r>
-              <a:rPr lang="en-US" sz="1600" b="1" dirty="0" smtClean="0">
-                <a:solidFill>
-                  <a:schemeClr val="bg1"/>
-                </a:solidFill>
-              </a:rPr>
-              <a:t>/Dual </a:t>
-            </a:r>
-            <a:r>
-              <a:rPr lang="en-US" sz="1600" b="1" dirty="0" err="1" smtClean="0">
-                <a:solidFill>
-                  <a:schemeClr val="bg1"/>
-                </a:solidFill>
-              </a:rPr>
-              <a:t>Loopers</a:t>
-            </a:r>
-            <a:endParaRPr lang="en-US" sz="1600" b="1" dirty="0" smtClean="0">
-              <a:solidFill>
-                <a:schemeClr val="bg1"/>
-              </a:solidFill>
-            </a:endParaRPr>
-          </a:p>
-          <a:p>
-            <a:r>
-              <a:rPr lang="en-US" sz="1600" b="1" dirty="0" smtClean="0">
-                <a:solidFill>
-                  <a:schemeClr val="bg1"/>
-                </a:solidFill>
-              </a:rPr>
-              <a:t>  2</a:t>
-            </a:r>
-            <a:r>
-              <a:rPr lang="en-US" sz="1600" b="1" dirty="0" smtClean="0">
-                <a:solidFill>
-                  <a:schemeClr val="bg1"/>
-                </a:solidFill>
-              </a:rPr>
-              <a:t>:</a:t>
-            </a:r>
-            <a:endParaRPr lang="en-US" sz="1600" b="1" dirty="0" smtClean="0">
-              <a:solidFill>
-                <a:schemeClr val="bg1"/>
-              </a:solidFill>
-            </a:endParaRPr>
-          </a:p>
-        </p:txBody>
-      </p:sp>
-      <p:sp>
-        <p:nvSpPr>
-          <p:cNvPr id="57" name="Rectangle 56"/>
-          <p:cNvSpPr/>
-          <p:nvPr/>
-        </p:nvSpPr>
-        <p:spPr>
-          <a:xfrm>
-            <a:off x="76199" y="5647570"/>
-            <a:ext cx="4410505" cy="1044754"/>
-          </a:xfrm>
-          <a:prstGeom prst="rect">
-            <a:avLst/>
-          </a:prstGeom>
-        </p:spPr>
-        <p:style>
-          <a:lnRef idx="2">
-            <a:schemeClr val="dk1">
-              <a:shade val="50000"/>
-            </a:schemeClr>
-          </a:lnRef>
-          <a:fillRef idx="1001">
-            <a:schemeClr val="dk2"/>
-          </a:fillRef>
-          <a:effectRef idx="0">
-            <a:schemeClr val="dk1"/>
-          </a:effectRef>
-          <a:fontRef idx="minor">
-            <a:schemeClr val="lt1"/>
-          </a:fontRef>
-        </p:style>
-        <p:txBody>
-          <a:bodyPr rtlCol="0" anchor="ctr"/>
-          <a:lstStyle/>
-          <a:p>
-            <a:r>
-              <a:rPr lang="en-US" sz="1600" b="1" dirty="0" smtClean="0">
-                <a:solidFill>
-                  <a:schemeClr val="bg1"/>
-                </a:solidFill>
-              </a:rPr>
-              <a:t>Left Footswitch: </a:t>
-            </a:r>
-            <a:r>
-              <a:rPr lang="en-US" sz="1400" dirty="0" smtClean="0">
-                <a:solidFill>
-                  <a:schemeClr val="bg1"/>
-                </a:solidFill>
-              </a:rPr>
               <a:t>Loop A, press once to begin recording, press again to stop recording and start playback. Repeat to overdub. Hold to clear loop. Double tap to pause loop.</a:t>
             </a:r>
             <a:r>
-              <a:rPr lang="en-US" sz="1600" b="1" dirty="0" smtClean="0">
+              <a:rPr lang="en-US" sz="1600" b="1" dirty="0">
                 <a:solidFill>
                   <a:schemeClr val="bg1"/>
                 </a:solidFill>
@@ -14887,7 +14691,7 @@
           <a:lstStyle/>
           <a:p>
             <a:r>
-              <a:rPr lang="en-US" sz="2800" b="1" dirty="0" smtClean="0">
+              <a:rPr lang="en-US" sz="2800" b="1" dirty="0">
                 <a:solidFill>
                   <a:schemeClr val="tx1"/>
                 </a:solidFill>
@@ -14895,7 +14699,7 @@
               <a:t>Pluto</a:t>
             </a:r>
             <a:r>
-              <a:rPr lang="en-US" sz="1400" b="1" dirty="0" smtClean="0">
+              <a:rPr lang="en-US" sz="1400" b="1" dirty="0">
                 <a:solidFill>
                   <a:schemeClr val="tx1"/>
                 </a:solidFill>
@@ -14903,7 +14707,7 @@
               <a:t> is a dual/stereo variable speed </a:t>
             </a:r>
             <a:r>
-              <a:rPr lang="en-US" sz="1400" b="1" dirty="0" err="1" smtClean="0">
+              <a:rPr lang="en-US" sz="1400" b="1" dirty="0" err="1">
                 <a:solidFill>
                   <a:schemeClr val="tx1"/>
                 </a:solidFill>
@@ -14911,62 +14715,30 @@
               <a:t>looper</a:t>
             </a:r>
             <a:r>
-              <a:rPr lang="en-US" sz="1400" b="1" dirty="0" smtClean="0">
+              <a:rPr lang="en-US" sz="1400" b="1" dirty="0">
                 <a:solidFill>
                   <a:schemeClr val="tx1"/>
                 </a:solidFill>
               </a:rPr>
-              <a:t> pedal </a:t>
-            </a:r>
-            <a:r>
-              <a:rPr lang="en-US" sz="1400" b="1" dirty="0" smtClean="0">
+              <a:t> pedal with real-time effects. If Stereo is engaged, the two loops are synced (A=Left channel, B=Right channel). If Dual </a:t>
+            </a:r>
+            <a:r>
+              <a:rPr lang="en-US" sz="1400" b="1" dirty="0" err="1">
                 <a:solidFill>
                   <a:schemeClr val="tx1"/>
                 </a:solidFill>
               </a:rPr>
-              <a:t>with </a:t>
-            </a:r>
-            <a:r>
-              <a:rPr lang="en-US" sz="1400" b="1" dirty="0" smtClean="0">
+              <a:t>Looper</a:t>
+            </a:r>
+            <a:r>
+              <a:rPr lang="en-US" sz="1400" b="1" dirty="0">
                 <a:solidFill>
                   <a:schemeClr val="tx1"/>
                 </a:solidFill>
               </a:rPr>
-              <a:t>real-time effects</a:t>
-            </a:r>
-            <a:r>
-              <a:rPr lang="en-US" sz="1400" b="1" dirty="0" smtClean="0">
-                <a:solidFill>
-                  <a:schemeClr val="tx1"/>
-                </a:solidFill>
-              </a:rPr>
-              <a:t>. If Stereo is engaged, the two loops are synced (A=Left channel, B=Right channel). If Dual </a:t>
-            </a:r>
-            <a:r>
-              <a:rPr lang="en-US" sz="1400" b="1" dirty="0" err="1" smtClean="0">
-                <a:solidFill>
-                  <a:schemeClr val="tx1"/>
-                </a:solidFill>
-              </a:rPr>
-              <a:t>Looper</a:t>
-            </a:r>
-            <a:r>
-              <a:rPr lang="en-US" sz="1400" b="1" dirty="0" smtClean="0">
-                <a:solidFill>
-                  <a:schemeClr val="tx1"/>
-                </a:solidFill>
-              </a:rPr>
-              <a:t> is engaged, Loop A and B are completely separate. Loops are recorded to the current Speed setting, so if you record while at 2x it wil</a:t>
-            </a:r>
-            <a:r>
-              <a:rPr lang="en-US" sz="1400" b="1" dirty="0" smtClean="0">
-                <a:solidFill>
-                  <a:schemeClr val="tx1"/>
-                </a:solidFill>
-              </a:rPr>
-              <a:t>l sound normal, if you drop to 1x it will sound like half speed, etc.</a:t>
-            </a:r>
-            <a:endParaRPr lang="en-US" sz="1600" b="1" dirty="0" smtClean="0">
+              <a:t> is engaged, Loop A and B are completely separate. Loops are recorded to the current Speed setting, so if you record while at 2x it will sound normal, if you drop to 1x it will sound like half speed, etc.</a:t>
+            </a:r>
+            <a:endParaRPr lang="en-US" sz="1600" b="1" dirty="0">
               <a:solidFill>
                 <a:schemeClr val="tx1"/>
               </a:solidFill>
@@ -14982,8 +14754,8 @@
         </p:nvSpPr>
         <p:spPr>
           <a:xfrm>
-            <a:off x="7586062" y="81281"/>
-            <a:ext cx="4433218" cy="1425570"/>
+            <a:off x="7586062" y="81280"/>
+            <a:ext cx="4605938" cy="1823077"/>
           </a:xfrm>
           <a:prstGeom prst="rect">
             <a:avLst/>
@@ -15009,7 +14781,7 @@
           <a:lstStyle/>
           <a:p>
             <a:r>
-              <a:rPr lang="en-US" sz="1600" b="1" dirty="0" smtClean="0">
+              <a:rPr lang="en-US" sz="1600" b="1" dirty="0">
                 <a:solidFill>
                   <a:schemeClr val="tx1"/>
                 </a:solidFill>
@@ -15017,7 +14789,7 @@
               <a:t>Stereo/Miso: If using Dual </a:t>
             </a:r>
             <a:r>
-              <a:rPr lang="en-US" sz="1600" b="1" dirty="0" err="1" smtClean="0">
+              <a:rPr lang="en-US" sz="1600" b="1" dirty="0" err="1">
                 <a:solidFill>
                   <a:schemeClr val="tx1"/>
                 </a:solidFill>
@@ -15025,48 +14797,51 @@
               <a:t>looper</a:t>
             </a:r>
             <a:r>
-              <a:rPr lang="en-US" sz="1600" b="1" dirty="0" smtClean="0">
+              <a:rPr lang="en-US" sz="1600" b="1" dirty="0">
                 <a:solidFill>
                   <a:schemeClr val="tx1"/>
                 </a:solidFill>
               </a:rPr>
-              <a:t>, Left channel is copied to right for both Loop A and loop B. While in Stereo mode, Loop A is the left channel, Loop B is the right channel (Loop B footswitch </a:t>
-            </a:r>
-            <a:r>
-              <a:rPr lang="en-US" sz="1600" b="1" smtClean="0">
+              <a:t>, Left channel is copied to right for both Loop A and loop B. While in Stereo mode, Loop A is the left channel, Loop B is the right channel (Loop B footswitch is inactive).</a:t>
+            </a:r>
+          </a:p>
+          <a:p>
+            <a:r>
+              <a:rPr lang="en-US" sz="1600" b="1" dirty="0">
                 <a:solidFill>
                   <a:schemeClr val="tx1"/>
                 </a:solidFill>
               </a:rPr>
-              <a:t>is inactive).</a:t>
-            </a:r>
-            <a:endParaRPr lang="en-US" sz="1600" b="1" dirty="0" smtClean="0">
-              <a:solidFill>
-                <a:schemeClr val="tx1"/>
-              </a:solidFill>
-            </a:endParaRPr>
-          </a:p>
-          <a:p>
-            <a:endParaRPr lang="en-US" sz="800" b="1" dirty="0" smtClean="0">
-              <a:solidFill>
-                <a:schemeClr val="tx1"/>
-              </a:solidFill>
-            </a:endParaRPr>
-          </a:p>
-          <a:p>
-            <a:r>
-              <a:rPr lang="en-US" sz="1600" b="1" dirty="0" smtClean="0">
+              <a:t>- Pluto runs at 96kHz (instead of 48kHz)</a:t>
+            </a:r>
+          </a:p>
+          <a:p>
+            <a:pPr marL="285750" indent="-285750">
+              <a:buFontTx/>
+              <a:buChar char="-"/>
+            </a:pPr>
+            <a:r>
+              <a:rPr lang="en-US" sz="1600" b="1" dirty="0">
                 <a:solidFill>
                   <a:schemeClr val="tx1"/>
                 </a:solidFill>
               </a:rPr>
-              <a:t>Pluto runs at 96kHz (instead of 48kHz)</a:t>
-            </a:r>
-            <a:endParaRPr lang="en-US" sz="1600" b="1" dirty="0" smtClean="0">
-              <a:solidFill>
-                <a:schemeClr val="tx1"/>
-              </a:solidFill>
-            </a:endParaRPr>
+              <a:t>Expression: YES</a:t>
+            </a:r>
+          </a:p>
+          <a:p>
+            <a:pPr marL="285750" indent="-285750">
+              <a:buFontTx/>
+              <a:buChar char="-"/>
+            </a:pPr>
+            <a:r>
+              <a:rPr lang="en-US" sz="1600" b="1" dirty="0">
+                <a:solidFill>
+                  <a:schemeClr val="tx1"/>
+                </a:solidFill>
+              </a:rPr>
+              <a:t>MIDI: YES (Knobs and Toggles, see Readme cc)</a:t>
+            </a:r>
           </a:p>
         </p:txBody>
       </p:sp>
@@ -15287,7 +15062,7 @@
         </p:nvSpPr>
         <p:spPr>
           <a:xfrm>
-            <a:off x="7240002" y="4361522"/>
+            <a:off x="7238195" y="4382641"/>
             <a:ext cx="54086" cy="51892"/>
           </a:xfrm>
           <a:prstGeom prst="rect">
@@ -15412,16 +15187,12 @@
           <a:p>
             <a:pPr algn="ctr"/>
             <a:r>
-              <a:rPr lang="en-US" sz="1000" b="1" dirty="0" smtClean="0">
+              <a:rPr lang="en-US" sz="1000" b="1" dirty="0">
                 <a:latin typeface="Century Gothic" panose="020B0502020202020204" pitchFamily="34" charset="0"/>
                 <a:cs typeface="Adobe Devanagari" panose="02040503050201020203" pitchFamily="18" charset="0"/>
               </a:rPr>
               <a:t>Loop B</a:t>
             </a:r>
-            <a:endParaRPr lang="en-US" sz="1000" b="1" dirty="0">
-              <a:latin typeface="Century Gothic" panose="020B0502020202020204" pitchFamily="34" charset="0"/>
-              <a:cs typeface="Adobe Devanagari" panose="02040503050201020203" pitchFamily="18" charset="0"/>
-            </a:endParaRPr>
           </a:p>
         </p:txBody>
       </p:sp>
@@ -15433,7 +15204,7 @@
         </p:nvSpPr>
         <p:spPr>
           <a:xfrm>
-            <a:off x="7358473" y="5592348"/>
+            <a:off x="7599718" y="5671568"/>
             <a:ext cx="4410505" cy="1099975"/>
           </a:xfrm>
           <a:prstGeom prst="rect">
@@ -15461,62 +15232,38 @@
           <a:lstStyle/>
           <a:p>
             <a:r>
-              <a:rPr lang="en-US" sz="1600" b="1" dirty="0" smtClean="0">
+              <a:rPr lang="en-US" sz="1600" b="1" dirty="0">
                 <a:solidFill>
                   <a:schemeClr val="bg1"/>
                 </a:solidFill>
               </a:rPr>
-              <a:t>Right </a:t>
-            </a:r>
-            <a:r>
-              <a:rPr lang="en-US" sz="1600" b="1" dirty="0" smtClean="0">
+              <a:t>Right Footswitch: </a:t>
+            </a:r>
+            <a:r>
+              <a:rPr lang="en-US" sz="1400" dirty="0">
                 <a:solidFill>
                   <a:schemeClr val="bg1"/>
                 </a:solidFill>
               </a:rPr>
-              <a:t>Footswitch: </a:t>
-            </a:r>
-            <a:r>
-              <a:rPr lang="en-US" sz="1400" dirty="0" smtClean="0">
+              <a:t>Loop B, same action as Loop A. If Stereo dipswitch enabled, Loop B footswitch is inactive, and Pluto becomes a Stereo </a:t>
+            </a:r>
+            <a:r>
+              <a:rPr lang="en-US" sz="1400" dirty="0" err="1">
                 <a:solidFill>
                   <a:schemeClr val="bg1"/>
                 </a:solidFill>
               </a:rPr>
-              <a:t>Loop </a:t>
-            </a:r>
-            <a:r>
-              <a:rPr lang="en-US" sz="1400" dirty="0" smtClean="0">
+              <a:t>Looper</a:t>
+            </a:r>
+            <a:r>
+              <a:rPr lang="en-US" sz="1400" dirty="0">
                 <a:solidFill>
                   <a:schemeClr val="bg1"/>
                 </a:solidFill>
               </a:rPr>
-              <a:t>B, same action as Loop A. If Stereo dipswitch enabled, Loop B footswitch is inactive, and Pluto becomes a Stereo </a:t>
-            </a:r>
-            <a:r>
-              <a:rPr lang="en-US" sz="1400" dirty="0" err="1" smtClean="0">
-                <a:solidFill>
-                  <a:schemeClr val="bg1"/>
-                </a:solidFill>
-              </a:rPr>
-              <a:t>Looper</a:t>
-            </a:r>
-            <a:r>
-              <a:rPr lang="en-US" sz="1400" dirty="0" smtClean="0">
-                <a:solidFill>
-                  <a:schemeClr val="bg1"/>
-                </a:solidFill>
-              </a:rPr>
-              <a:t>. </a:t>
-            </a:r>
-            <a:r>
-              <a:rPr lang="en-US" sz="1400" dirty="0" smtClean="0">
-                <a:solidFill>
-                  <a:schemeClr val="bg1"/>
-                </a:solidFill>
-              </a:rPr>
-              <a:t>Loop B controls are applied to Right Channel, Loop A controls are applied to Left channel.</a:t>
-            </a:r>
-            <a:endParaRPr lang="en-US" sz="1600" b="1" dirty="0" smtClean="0">
+              <a:t>. Loop B controls are applied to Right Channel, Loop A controls are applied to Left channel.</a:t>
+            </a:r>
+            <a:endParaRPr lang="en-US" sz="1600" b="1" dirty="0">
               <a:solidFill>
                 <a:schemeClr val="bg1"/>
               </a:solidFill>
@@ -15524,10 +15271,2907 @@
           </a:p>
         </p:txBody>
       </p:sp>
+      <p:sp>
+        <p:nvSpPr>
+          <p:cNvPr id="67" name="Rectangle 66"/>
+          <p:cNvSpPr/>
+          <p:nvPr/>
+        </p:nvSpPr>
+        <p:spPr>
+          <a:xfrm>
+            <a:off x="7238195" y="4536297"/>
+            <a:ext cx="54086" cy="51892"/>
+          </a:xfrm>
+          <a:prstGeom prst="rect">
+            <a:avLst/>
+          </a:prstGeom>
+        </p:spPr>
+        <p:style>
+          <a:lnRef idx="2">
+            <a:schemeClr val="dk1"/>
+          </a:lnRef>
+          <a:fillRef idx="1">
+            <a:schemeClr val="lt1"/>
+          </a:fillRef>
+          <a:effectRef idx="0">
+            <a:schemeClr val="dk1"/>
+          </a:effectRef>
+          <a:fontRef idx="minor">
+            <a:schemeClr val="dk1"/>
+          </a:fontRef>
+        </p:style>
+        <p:txBody>
+          <a:bodyPr rtlCol="0" anchor="ctr"/>
+          <a:lstStyle/>
+          <a:p>
+            <a:pPr algn="ctr"/>
+            <a:endParaRPr lang="en-US"/>
+          </a:p>
+        </p:txBody>
+      </p:sp>
+      <p:sp>
+        <p:nvSpPr>
+          <p:cNvPr id="69" name="Rectangle 68"/>
+          <p:cNvSpPr/>
+          <p:nvPr/>
+        </p:nvSpPr>
+        <p:spPr>
+          <a:xfrm>
+            <a:off x="7238195" y="4309629"/>
+            <a:ext cx="54086" cy="51892"/>
+          </a:xfrm>
+          <a:prstGeom prst="rect">
+            <a:avLst/>
+          </a:prstGeom>
+        </p:spPr>
+        <p:style>
+          <a:lnRef idx="2">
+            <a:schemeClr val="dk1"/>
+          </a:lnRef>
+          <a:fillRef idx="1">
+            <a:schemeClr val="lt1"/>
+          </a:fillRef>
+          <a:effectRef idx="0">
+            <a:schemeClr val="dk1"/>
+          </a:effectRef>
+          <a:fontRef idx="minor">
+            <a:schemeClr val="dk1"/>
+          </a:fontRef>
+        </p:style>
+        <p:txBody>
+          <a:bodyPr rtlCol="0" anchor="ctr"/>
+          <a:lstStyle/>
+          <a:p>
+            <a:pPr algn="ctr"/>
+            <a:endParaRPr lang="en-US"/>
+          </a:p>
+        </p:txBody>
+      </p:sp>
     </p:spTree>
     <p:extLst>
       <p:ext uri="{BB962C8B-B14F-4D97-AF65-F5344CB8AC3E}">
         <p14:creationId xmlns:p14="http://schemas.microsoft.com/office/powerpoint/2010/main" val="1612069438"/>
+      </p:ext>
+    </p:extLst>
+  </p:cSld>
+  <p:clrMapOvr>
+    <a:masterClrMapping/>
+  </p:clrMapOvr>
+</p:sld>
+</file>
+
+<file path=ppt/slides/slide5.xml><?xml version="1.0" encoding="utf-8"?>
+<p:sld xmlns:a="http://schemas.openxmlformats.org/drawingml/2006/main" xmlns:r="http://schemas.openxmlformats.org/officeDocument/2006/relationships" xmlns:p="http://schemas.openxmlformats.org/presentationml/2006/main">
+  <p:cSld>
+    <p:spTree>
+      <p:nvGrpSpPr>
+        <p:cNvPr id="1" name=""/>
+        <p:cNvGrpSpPr/>
+        <p:nvPr/>
+      </p:nvGrpSpPr>
+      <p:grpSpPr>
+        <a:xfrm>
+          <a:off x="0" y="0"/>
+          <a:ext cx="0" cy="0"/>
+          <a:chOff x="0" y="0"/>
+          <a:chExt cx="0" cy="0"/>
+        </a:xfrm>
+      </p:grpSpPr>
+      <p:sp>
+        <p:nvSpPr>
+          <p:cNvPr id="2" name="Rounded Rectangle 1"/>
+          <p:cNvSpPr/>
+          <p:nvPr/>
+        </p:nvSpPr>
+        <p:spPr>
+          <a:xfrm>
+            <a:off x="4687514" y="1221568"/>
+            <a:ext cx="2502100" cy="4599225"/>
+          </a:xfrm>
+          <a:prstGeom prst="roundRect">
+            <a:avLst>
+              <a:gd name="adj" fmla="val 4232"/>
+            </a:avLst>
+          </a:prstGeom>
+          <a:solidFill>
+            <a:srgbClr val="EFEBE5"/>
+          </a:solidFill>
+          <a:ln w="57150"/>
+        </p:spPr>
+        <p:style>
+          <a:lnRef idx="2">
+            <a:schemeClr val="accent1">
+              <a:shade val="50000"/>
+            </a:schemeClr>
+          </a:lnRef>
+          <a:fillRef idx="1">
+            <a:schemeClr val="accent1"/>
+          </a:fillRef>
+          <a:effectRef idx="0">
+            <a:schemeClr val="accent1"/>
+          </a:effectRef>
+          <a:fontRef idx="minor">
+            <a:schemeClr val="lt1"/>
+          </a:fontRef>
+        </p:style>
+        <p:txBody>
+          <a:bodyPr rtlCol="0" anchor="ctr"/>
+          <a:lstStyle/>
+          <a:p>
+            <a:pPr algn="ctr"/>
+            <a:endParaRPr lang="en-US"/>
+          </a:p>
+        </p:txBody>
+      </p:sp>
+      <p:sp>
+        <p:nvSpPr>
+          <p:cNvPr id="3" name="Isosceles Triangle 2"/>
+          <p:cNvSpPr/>
+          <p:nvPr/>
+        </p:nvSpPr>
+        <p:spPr>
+          <a:xfrm>
+            <a:off x="5272231" y="1277448"/>
+            <a:ext cx="160020" cy="144780"/>
+          </a:xfrm>
+          <a:prstGeom prst="triangle">
+            <a:avLst/>
+          </a:prstGeom>
+          <a:solidFill>
+            <a:schemeClr val="tx1"/>
+          </a:solidFill>
+          <a:ln>
+            <a:solidFill>
+              <a:schemeClr val="tx1"/>
+            </a:solidFill>
+          </a:ln>
+        </p:spPr>
+        <p:style>
+          <a:lnRef idx="2">
+            <a:schemeClr val="accent1">
+              <a:shade val="50000"/>
+            </a:schemeClr>
+          </a:lnRef>
+          <a:fillRef idx="1">
+            <a:schemeClr val="accent1"/>
+          </a:fillRef>
+          <a:effectRef idx="0">
+            <a:schemeClr val="accent1"/>
+          </a:effectRef>
+          <a:fontRef idx="minor">
+            <a:schemeClr val="lt1"/>
+          </a:fontRef>
+        </p:style>
+        <p:txBody>
+          <a:bodyPr rtlCol="0" anchor="ctr"/>
+          <a:lstStyle/>
+          <a:p>
+            <a:pPr algn="ctr"/>
+            <a:endParaRPr lang="en-US" dirty="0"/>
+          </a:p>
+        </p:txBody>
+      </p:sp>
+      <p:sp>
+        <p:nvSpPr>
+          <p:cNvPr id="4" name="Isosceles Triangle 3"/>
+          <p:cNvSpPr/>
+          <p:nvPr/>
+        </p:nvSpPr>
+        <p:spPr>
+          <a:xfrm rot="10800000">
+            <a:off x="6477144" y="1277448"/>
+            <a:ext cx="160020" cy="144780"/>
+          </a:xfrm>
+          <a:prstGeom prst="triangle">
+            <a:avLst/>
+          </a:prstGeom>
+          <a:solidFill>
+            <a:schemeClr val="tx1"/>
+          </a:solidFill>
+          <a:ln>
+            <a:solidFill>
+              <a:schemeClr val="tx1"/>
+            </a:solidFill>
+          </a:ln>
+        </p:spPr>
+        <p:style>
+          <a:lnRef idx="2">
+            <a:schemeClr val="accent1">
+              <a:shade val="50000"/>
+            </a:schemeClr>
+          </a:lnRef>
+          <a:fillRef idx="1">
+            <a:schemeClr val="accent1"/>
+          </a:fillRef>
+          <a:effectRef idx="0">
+            <a:schemeClr val="accent1"/>
+          </a:effectRef>
+          <a:fontRef idx="minor">
+            <a:schemeClr val="lt1"/>
+          </a:fontRef>
+        </p:style>
+        <p:txBody>
+          <a:bodyPr rtlCol="0" anchor="ctr"/>
+          <a:lstStyle/>
+          <a:p>
+            <a:pPr algn="ctr"/>
+            <a:endParaRPr lang="en-US" dirty="0"/>
+          </a:p>
+        </p:txBody>
+      </p:sp>
+      <p:sp>
+        <p:nvSpPr>
+          <p:cNvPr id="5" name="Oval 4"/>
+          <p:cNvSpPr/>
+          <p:nvPr/>
+        </p:nvSpPr>
+        <p:spPr>
+          <a:xfrm>
+            <a:off x="4875991" y="1747348"/>
+            <a:ext cx="556260" cy="533400"/>
+          </a:xfrm>
+          <a:prstGeom prst="ellipse">
+            <a:avLst/>
+          </a:prstGeom>
+          <a:solidFill>
+            <a:schemeClr val="bg2">
+              <a:lumMod val="50000"/>
+            </a:schemeClr>
+          </a:solidFill>
+          <a:ln w="28575">
+            <a:solidFill>
+              <a:schemeClr val="tx1"/>
+            </a:solidFill>
+          </a:ln>
+        </p:spPr>
+        <p:style>
+          <a:lnRef idx="2">
+            <a:schemeClr val="accent1">
+              <a:shade val="50000"/>
+            </a:schemeClr>
+          </a:lnRef>
+          <a:fillRef idx="1">
+            <a:schemeClr val="accent1"/>
+          </a:fillRef>
+          <a:effectRef idx="0">
+            <a:schemeClr val="accent1"/>
+          </a:effectRef>
+          <a:fontRef idx="minor">
+            <a:schemeClr val="lt1"/>
+          </a:fontRef>
+        </p:style>
+        <p:txBody>
+          <a:bodyPr rtlCol="0" anchor="ctr"/>
+          <a:lstStyle/>
+          <a:p>
+            <a:pPr algn="ctr"/>
+            <a:endParaRPr lang="en-US"/>
+          </a:p>
+        </p:txBody>
+      </p:sp>
+      <p:sp>
+        <p:nvSpPr>
+          <p:cNvPr id="6" name="Oval 5"/>
+          <p:cNvSpPr/>
+          <p:nvPr/>
+        </p:nvSpPr>
+        <p:spPr>
+          <a:xfrm>
+            <a:off x="5660434" y="1747348"/>
+            <a:ext cx="556260" cy="533400"/>
+          </a:xfrm>
+          <a:prstGeom prst="ellipse">
+            <a:avLst/>
+          </a:prstGeom>
+          <a:solidFill>
+            <a:schemeClr val="bg2">
+              <a:lumMod val="50000"/>
+            </a:schemeClr>
+          </a:solidFill>
+          <a:ln w="28575">
+            <a:solidFill>
+              <a:schemeClr val="tx1"/>
+            </a:solidFill>
+          </a:ln>
+        </p:spPr>
+        <p:style>
+          <a:lnRef idx="2">
+            <a:schemeClr val="accent1">
+              <a:shade val="50000"/>
+            </a:schemeClr>
+          </a:lnRef>
+          <a:fillRef idx="1">
+            <a:schemeClr val="accent1"/>
+          </a:fillRef>
+          <a:effectRef idx="0">
+            <a:schemeClr val="accent1"/>
+          </a:effectRef>
+          <a:fontRef idx="minor">
+            <a:schemeClr val="lt1"/>
+          </a:fontRef>
+        </p:style>
+        <p:txBody>
+          <a:bodyPr rtlCol="0" anchor="ctr"/>
+          <a:lstStyle/>
+          <a:p>
+            <a:pPr algn="ctr"/>
+            <a:endParaRPr lang="en-US"/>
+          </a:p>
+        </p:txBody>
+      </p:sp>
+      <p:sp>
+        <p:nvSpPr>
+          <p:cNvPr id="7" name="Oval 6"/>
+          <p:cNvSpPr/>
+          <p:nvPr/>
+        </p:nvSpPr>
+        <p:spPr>
+          <a:xfrm>
+            <a:off x="6457944" y="1747348"/>
+            <a:ext cx="556260" cy="533400"/>
+          </a:xfrm>
+          <a:prstGeom prst="ellipse">
+            <a:avLst/>
+          </a:prstGeom>
+          <a:solidFill>
+            <a:schemeClr val="bg2">
+              <a:lumMod val="50000"/>
+            </a:schemeClr>
+          </a:solidFill>
+          <a:ln w="28575">
+            <a:solidFill>
+              <a:schemeClr val="tx1"/>
+            </a:solidFill>
+          </a:ln>
+        </p:spPr>
+        <p:style>
+          <a:lnRef idx="2">
+            <a:schemeClr val="accent1">
+              <a:shade val="50000"/>
+            </a:schemeClr>
+          </a:lnRef>
+          <a:fillRef idx="1">
+            <a:schemeClr val="accent1"/>
+          </a:fillRef>
+          <a:effectRef idx="0">
+            <a:schemeClr val="accent1"/>
+          </a:effectRef>
+          <a:fontRef idx="minor">
+            <a:schemeClr val="lt1"/>
+          </a:fontRef>
+        </p:style>
+        <p:txBody>
+          <a:bodyPr rtlCol="0" anchor="ctr"/>
+          <a:lstStyle/>
+          <a:p>
+            <a:pPr algn="ctr"/>
+            <a:endParaRPr lang="en-US"/>
+          </a:p>
+        </p:txBody>
+      </p:sp>
+      <p:sp>
+        <p:nvSpPr>
+          <p:cNvPr id="8" name="Oval 7"/>
+          <p:cNvSpPr/>
+          <p:nvPr/>
+        </p:nvSpPr>
+        <p:spPr>
+          <a:xfrm>
+            <a:off x="4875991" y="2745568"/>
+            <a:ext cx="556260" cy="533400"/>
+          </a:xfrm>
+          <a:prstGeom prst="ellipse">
+            <a:avLst/>
+          </a:prstGeom>
+          <a:solidFill>
+            <a:schemeClr val="bg2">
+              <a:lumMod val="50000"/>
+            </a:schemeClr>
+          </a:solidFill>
+          <a:ln w="28575">
+            <a:solidFill>
+              <a:schemeClr val="tx1"/>
+            </a:solidFill>
+          </a:ln>
+        </p:spPr>
+        <p:style>
+          <a:lnRef idx="2">
+            <a:schemeClr val="accent1">
+              <a:shade val="50000"/>
+            </a:schemeClr>
+          </a:lnRef>
+          <a:fillRef idx="1">
+            <a:schemeClr val="accent1"/>
+          </a:fillRef>
+          <a:effectRef idx="0">
+            <a:schemeClr val="accent1"/>
+          </a:effectRef>
+          <a:fontRef idx="minor">
+            <a:schemeClr val="lt1"/>
+          </a:fontRef>
+        </p:style>
+        <p:txBody>
+          <a:bodyPr rtlCol="0" anchor="ctr"/>
+          <a:lstStyle/>
+          <a:p>
+            <a:pPr algn="ctr"/>
+            <a:endParaRPr lang="en-US"/>
+          </a:p>
+        </p:txBody>
+      </p:sp>
+      <p:sp>
+        <p:nvSpPr>
+          <p:cNvPr id="9" name="Oval 8"/>
+          <p:cNvSpPr/>
+          <p:nvPr/>
+        </p:nvSpPr>
+        <p:spPr>
+          <a:xfrm>
+            <a:off x="5660434" y="2745568"/>
+            <a:ext cx="556260" cy="533400"/>
+          </a:xfrm>
+          <a:prstGeom prst="ellipse">
+            <a:avLst/>
+          </a:prstGeom>
+          <a:solidFill>
+            <a:schemeClr val="bg2">
+              <a:lumMod val="50000"/>
+            </a:schemeClr>
+          </a:solidFill>
+          <a:ln w="28575">
+            <a:solidFill>
+              <a:schemeClr val="tx1"/>
+            </a:solidFill>
+          </a:ln>
+        </p:spPr>
+        <p:style>
+          <a:lnRef idx="2">
+            <a:schemeClr val="accent1">
+              <a:shade val="50000"/>
+            </a:schemeClr>
+          </a:lnRef>
+          <a:fillRef idx="1">
+            <a:schemeClr val="accent1"/>
+          </a:fillRef>
+          <a:effectRef idx="0">
+            <a:schemeClr val="accent1"/>
+          </a:effectRef>
+          <a:fontRef idx="minor">
+            <a:schemeClr val="lt1"/>
+          </a:fontRef>
+        </p:style>
+        <p:txBody>
+          <a:bodyPr rtlCol="0" anchor="ctr"/>
+          <a:lstStyle/>
+          <a:p>
+            <a:pPr algn="ctr"/>
+            <a:endParaRPr lang="en-US"/>
+          </a:p>
+        </p:txBody>
+      </p:sp>
+      <p:sp>
+        <p:nvSpPr>
+          <p:cNvPr id="10" name="Oval 9"/>
+          <p:cNvSpPr/>
+          <p:nvPr/>
+        </p:nvSpPr>
+        <p:spPr>
+          <a:xfrm>
+            <a:off x="6457944" y="2745568"/>
+            <a:ext cx="556260" cy="533400"/>
+          </a:xfrm>
+          <a:prstGeom prst="ellipse">
+            <a:avLst/>
+          </a:prstGeom>
+          <a:solidFill>
+            <a:schemeClr val="bg2">
+              <a:lumMod val="50000"/>
+            </a:schemeClr>
+          </a:solidFill>
+          <a:ln w="28575">
+            <a:solidFill>
+              <a:schemeClr val="tx1"/>
+            </a:solidFill>
+          </a:ln>
+        </p:spPr>
+        <p:style>
+          <a:lnRef idx="2">
+            <a:schemeClr val="accent1">
+              <a:shade val="50000"/>
+            </a:schemeClr>
+          </a:lnRef>
+          <a:fillRef idx="1">
+            <a:schemeClr val="accent1"/>
+          </a:fillRef>
+          <a:effectRef idx="0">
+            <a:schemeClr val="accent1"/>
+          </a:effectRef>
+          <a:fontRef idx="minor">
+            <a:schemeClr val="lt1"/>
+          </a:fontRef>
+        </p:style>
+        <p:txBody>
+          <a:bodyPr rtlCol="0" anchor="ctr"/>
+          <a:lstStyle/>
+          <a:p>
+            <a:pPr algn="ctr"/>
+            <a:endParaRPr lang="en-US"/>
+          </a:p>
+        </p:txBody>
+      </p:sp>
+      <p:sp>
+        <p:nvSpPr>
+          <p:cNvPr id="11" name="Oval 10"/>
+          <p:cNvSpPr/>
+          <p:nvPr/>
+        </p:nvSpPr>
+        <p:spPr>
+          <a:xfrm rot="16200000">
+            <a:off x="5037119" y="3795700"/>
+            <a:ext cx="245746" cy="243840"/>
+          </a:xfrm>
+          <a:prstGeom prst="ellipse">
+            <a:avLst/>
+          </a:prstGeom>
+          <a:ln w="19050">
+            <a:solidFill>
+              <a:schemeClr val="tx1"/>
+            </a:solidFill>
+          </a:ln>
+        </p:spPr>
+        <p:style>
+          <a:lnRef idx="2">
+            <a:schemeClr val="accent1">
+              <a:shade val="50000"/>
+            </a:schemeClr>
+          </a:lnRef>
+          <a:fillRef idx="1">
+            <a:schemeClr val="accent1"/>
+          </a:fillRef>
+          <a:effectRef idx="0">
+            <a:schemeClr val="accent1"/>
+          </a:effectRef>
+          <a:fontRef idx="minor">
+            <a:schemeClr val="lt1"/>
+          </a:fontRef>
+        </p:style>
+        <p:txBody>
+          <a:bodyPr rtlCol="0" anchor="ctr"/>
+          <a:lstStyle/>
+          <a:p>
+            <a:pPr algn="ctr"/>
+            <a:endParaRPr lang="en-US"/>
+          </a:p>
+        </p:txBody>
+      </p:sp>
+      <p:sp>
+        <p:nvSpPr>
+          <p:cNvPr id="12" name="Flowchart: Terminator 11"/>
+          <p:cNvSpPr/>
+          <p:nvPr/>
+        </p:nvSpPr>
+        <p:spPr>
+          <a:xfrm rot="16200000">
+            <a:off x="5017245" y="3807751"/>
+            <a:ext cx="95488" cy="208168"/>
+          </a:xfrm>
+          <a:prstGeom prst="flowChartTerminator">
+            <a:avLst/>
+          </a:prstGeom>
+          <a:ln w="19050">
+            <a:solidFill>
+              <a:schemeClr val="tx1"/>
+            </a:solidFill>
+          </a:ln>
+        </p:spPr>
+        <p:style>
+          <a:lnRef idx="2">
+            <a:schemeClr val="accent1">
+              <a:shade val="50000"/>
+            </a:schemeClr>
+          </a:lnRef>
+          <a:fillRef idx="1">
+            <a:schemeClr val="accent1"/>
+          </a:fillRef>
+          <a:effectRef idx="0">
+            <a:schemeClr val="accent1"/>
+          </a:effectRef>
+          <a:fontRef idx="minor">
+            <a:schemeClr val="lt1"/>
+          </a:fontRef>
+        </p:style>
+        <p:txBody>
+          <a:bodyPr rtlCol="0" anchor="ctr"/>
+          <a:lstStyle/>
+          <a:p>
+            <a:pPr algn="ctr"/>
+            <a:endParaRPr lang="en-US"/>
+          </a:p>
+        </p:txBody>
+      </p:sp>
+      <p:sp>
+        <p:nvSpPr>
+          <p:cNvPr id="13" name="Oval 12"/>
+          <p:cNvSpPr/>
+          <p:nvPr/>
+        </p:nvSpPr>
+        <p:spPr>
+          <a:xfrm>
+            <a:off x="5074110" y="4501971"/>
+            <a:ext cx="160020" cy="150019"/>
+          </a:xfrm>
+          <a:prstGeom prst="ellipse">
+            <a:avLst/>
+          </a:prstGeom>
+        </p:spPr>
+        <p:style>
+          <a:lnRef idx="2">
+            <a:schemeClr val="accent1">
+              <a:shade val="50000"/>
+            </a:schemeClr>
+          </a:lnRef>
+          <a:fillRef idx="1">
+            <a:schemeClr val="accent1"/>
+          </a:fillRef>
+          <a:effectRef idx="0">
+            <a:schemeClr val="accent1"/>
+          </a:effectRef>
+          <a:fontRef idx="minor">
+            <a:schemeClr val="lt1"/>
+          </a:fontRef>
+        </p:style>
+        <p:txBody>
+          <a:bodyPr rtlCol="0" anchor="ctr"/>
+          <a:lstStyle/>
+          <a:p>
+            <a:pPr algn="ctr"/>
+            <a:endParaRPr lang="en-US"/>
+          </a:p>
+        </p:txBody>
+      </p:sp>
+      <p:sp>
+        <p:nvSpPr>
+          <p:cNvPr id="14" name="Oval 13"/>
+          <p:cNvSpPr/>
+          <p:nvPr/>
+        </p:nvSpPr>
+        <p:spPr>
+          <a:xfrm>
+            <a:off x="6625461" y="4501971"/>
+            <a:ext cx="160020" cy="150019"/>
+          </a:xfrm>
+          <a:prstGeom prst="ellipse">
+            <a:avLst/>
+          </a:prstGeom>
+        </p:spPr>
+        <p:style>
+          <a:lnRef idx="2">
+            <a:schemeClr val="accent1">
+              <a:shade val="50000"/>
+            </a:schemeClr>
+          </a:lnRef>
+          <a:fillRef idx="1">
+            <a:schemeClr val="accent1"/>
+          </a:fillRef>
+          <a:effectRef idx="0">
+            <a:schemeClr val="accent1"/>
+          </a:effectRef>
+          <a:fontRef idx="minor">
+            <a:schemeClr val="lt1"/>
+          </a:fontRef>
+        </p:style>
+        <p:txBody>
+          <a:bodyPr rtlCol="0" anchor="ctr"/>
+          <a:lstStyle/>
+          <a:p>
+            <a:pPr algn="ctr"/>
+            <a:endParaRPr lang="en-US"/>
+          </a:p>
+        </p:txBody>
+      </p:sp>
+      <p:sp>
+        <p:nvSpPr>
+          <p:cNvPr id="15" name="Oval 14"/>
+          <p:cNvSpPr/>
+          <p:nvPr/>
+        </p:nvSpPr>
+        <p:spPr>
+          <a:xfrm>
+            <a:off x="4863758" y="5009546"/>
+            <a:ext cx="580727" cy="560414"/>
+          </a:xfrm>
+          <a:prstGeom prst="ellipse">
+            <a:avLst/>
+          </a:prstGeom>
+          <a:ln w="28575">
+            <a:solidFill>
+              <a:schemeClr val="bg2"/>
+            </a:solidFill>
+          </a:ln>
+        </p:spPr>
+        <p:style>
+          <a:lnRef idx="2">
+            <a:schemeClr val="accent1">
+              <a:shade val="50000"/>
+            </a:schemeClr>
+          </a:lnRef>
+          <a:fillRef idx="1">
+            <a:schemeClr val="accent1"/>
+          </a:fillRef>
+          <a:effectRef idx="0">
+            <a:schemeClr val="accent1"/>
+          </a:effectRef>
+          <a:fontRef idx="minor">
+            <a:schemeClr val="lt1"/>
+          </a:fontRef>
+        </p:style>
+        <p:txBody>
+          <a:bodyPr rtlCol="0" anchor="ctr"/>
+          <a:lstStyle/>
+          <a:p>
+            <a:pPr algn="ctr"/>
+            <a:endParaRPr lang="en-US"/>
+          </a:p>
+        </p:txBody>
+      </p:sp>
+      <p:sp>
+        <p:nvSpPr>
+          <p:cNvPr id="16" name="Oval 15"/>
+          <p:cNvSpPr/>
+          <p:nvPr/>
+        </p:nvSpPr>
+        <p:spPr>
+          <a:xfrm>
+            <a:off x="4957086" y="5095929"/>
+            <a:ext cx="394069" cy="380371"/>
+          </a:xfrm>
+          <a:prstGeom prst="ellipse">
+            <a:avLst/>
+          </a:prstGeom>
+          <a:ln w="28575">
+            <a:solidFill>
+              <a:schemeClr val="bg2"/>
+            </a:solidFill>
+          </a:ln>
+        </p:spPr>
+        <p:style>
+          <a:lnRef idx="2">
+            <a:schemeClr val="accent1">
+              <a:shade val="50000"/>
+            </a:schemeClr>
+          </a:lnRef>
+          <a:fillRef idx="1">
+            <a:schemeClr val="accent1"/>
+          </a:fillRef>
+          <a:effectRef idx="0">
+            <a:schemeClr val="accent1"/>
+          </a:effectRef>
+          <a:fontRef idx="minor">
+            <a:schemeClr val="lt1"/>
+          </a:fontRef>
+        </p:style>
+        <p:txBody>
+          <a:bodyPr rtlCol="0" anchor="ctr"/>
+          <a:lstStyle/>
+          <a:p>
+            <a:pPr algn="ctr"/>
+            <a:endParaRPr lang="en-US"/>
+          </a:p>
+        </p:txBody>
+      </p:sp>
+      <p:sp>
+        <p:nvSpPr>
+          <p:cNvPr id="17" name="Oval 16"/>
+          <p:cNvSpPr/>
+          <p:nvPr/>
+        </p:nvSpPr>
+        <p:spPr>
+          <a:xfrm>
+            <a:off x="6422429" y="5000772"/>
+            <a:ext cx="580727" cy="560414"/>
+          </a:xfrm>
+          <a:prstGeom prst="ellipse">
+            <a:avLst/>
+          </a:prstGeom>
+          <a:ln w="28575">
+            <a:solidFill>
+              <a:schemeClr val="bg2"/>
+            </a:solidFill>
+          </a:ln>
+        </p:spPr>
+        <p:style>
+          <a:lnRef idx="2">
+            <a:schemeClr val="accent1">
+              <a:shade val="50000"/>
+            </a:schemeClr>
+          </a:lnRef>
+          <a:fillRef idx="1">
+            <a:schemeClr val="accent1"/>
+          </a:fillRef>
+          <a:effectRef idx="0">
+            <a:schemeClr val="accent1"/>
+          </a:effectRef>
+          <a:fontRef idx="minor">
+            <a:schemeClr val="lt1"/>
+          </a:fontRef>
+        </p:style>
+        <p:txBody>
+          <a:bodyPr rtlCol="0" anchor="ctr"/>
+          <a:lstStyle/>
+          <a:p>
+            <a:pPr algn="ctr"/>
+            <a:endParaRPr lang="en-US"/>
+          </a:p>
+        </p:txBody>
+      </p:sp>
+      <p:sp>
+        <p:nvSpPr>
+          <p:cNvPr id="18" name="Oval 17"/>
+          <p:cNvSpPr/>
+          <p:nvPr/>
+        </p:nvSpPr>
+        <p:spPr>
+          <a:xfrm>
+            <a:off x="6515757" y="5087155"/>
+            <a:ext cx="394069" cy="380371"/>
+          </a:xfrm>
+          <a:prstGeom prst="ellipse">
+            <a:avLst/>
+          </a:prstGeom>
+          <a:ln w="28575">
+            <a:solidFill>
+              <a:schemeClr val="bg2"/>
+            </a:solidFill>
+          </a:ln>
+        </p:spPr>
+        <p:style>
+          <a:lnRef idx="2">
+            <a:schemeClr val="accent1">
+              <a:shade val="50000"/>
+            </a:schemeClr>
+          </a:lnRef>
+          <a:fillRef idx="1">
+            <a:schemeClr val="accent1"/>
+          </a:fillRef>
+          <a:effectRef idx="0">
+            <a:schemeClr val="accent1"/>
+          </a:effectRef>
+          <a:fontRef idx="minor">
+            <a:schemeClr val="lt1"/>
+          </a:fontRef>
+        </p:style>
+        <p:txBody>
+          <a:bodyPr rtlCol="0" anchor="ctr"/>
+          <a:lstStyle/>
+          <a:p>
+            <a:pPr algn="ctr"/>
+            <a:endParaRPr lang="en-US"/>
+          </a:p>
+        </p:txBody>
+      </p:sp>
+      <p:cxnSp>
+        <p:nvCxnSpPr>
+          <p:cNvPr id="19" name="Straight Connector 18"/>
+          <p:cNvCxnSpPr>
+            <a:stCxn id="5" idx="0"/>
+          </p:cNvCxnSpPr>
+          <p:nvPr/>
+        </p:nvCxnSpPr>
+        <p:spPr>
+          <a:xfrm>
+            <a:off x="5154121" y="1747348"/>
+            <a:ext cx="1" cy="266700"/>
+          </a:xfrm>
+          <a:prstGeom prst="line">
+            <a:avLst/>
+          </a:prstGeom>
+          <a:ln w="38100"/>
+        </p:spPr>
+        <p:style>
+          <a:lnRef idx="3">
+            <a:schemeClr val="dk1"/>
+          </a:lnRef>
+          <a:fillRef idx="0">
+            <a:schemeClr val="dk1"/>
+          </a:fillRef>
+          <a:effectRef idx="2">
+            <a:schemeClr val="dk1"/>
+          </a:effectRef>
+          <a:fontRef idx="minor">
+            <a:schemeClr val="tx1"/>
+          </a:fontRef>
+        </p:style>
+      </p:cxnSp>
+      <p:cxnSp>
+        <p:nvCxnSpPr>
+          <p:cNvPr id="20" name="Straight Connector 19"/>
+          <p:cNvCxnSpPr/>
+          <p:nvPr/>
+        </p:nvCxnSpPr>
+        <p:spPr>
+          <a:xfrm>
+            <a:off x="5938564" y="1747348"/>
+            <a:ext cx="1" cy="266700"/>
+          </a:xfrm>
+          <a:prstGeom prst="line">
+            <a:avLst/>
+          </a:prstGeom>
+          <a:ln w="38100"/>
+        </p:spPr>
+        <p:style>
+          <a:lnRef idx="3">
+            <a:schemeClr val="dk1"/>
+          </a:lnRef>
+          <a:fillRef idx="0">
+            <a:schemeClr val="dk1"/>
+          </a:fillRef>
+          <a:effectRef idx="2">
+            <a:schemeClr val="dk1"/>
+          </a:effectRef>
+          <a:fontRef idx="minor">
+            <a:schemeClr val="tx1"/>
+          </a:fontRef>
+        </p:style>
+      </p:cxnSp>
+      <p:cxnSp>
+        <p:nvCxnSpPr>
+          <p:cNvPr id="21" name="Straight Connector 20"/>
+          <p:cNvCxnSpPr/>
+          <p:nvPr/>
+        </p:nvCxnSpPr>
+        <p:spPr>
+          <a:xfrm>
+            <a:off x="6734588" y="1753641"/>
+            <a:ext cx="1" cy="266700"/>
+          </a:xfrm>
+          <a:prstGeom prst="line">
+            <a:avLst/>
+          </a:prstGeom>
+          <a:ln w="38100"/>
+        </p:spPr>
+        <p:style>
+          <a:lnRef idx="3">
+            <a:schemeClr val="dk1"/>
+          </a:lnRef>
+          <a:fillRef idx="0">
+            <a:schemeClr val="dk1"/>
+          </a:fillRef>
+          <a:effectRef idx="2">
+            <a:schemeClr val="dk1"/>
+          </a:effectRef>
+          <a:fontRef idx="minor">
+            <a:schemeClr val="tx1"/>
+          </a:fontRef>
+        </p:style>
+      </p:cxnSp>
+      <p:cxnSp>
+        <p:nvCxnSpPr>
+          <p:cNvPr id="22" name="Straight Connector 21"/>
+          <p:cNvCxnSpPr/>
+          <p:nvPr/>
+        </p:nvCxnSpPr>
+        <p:spPr>
+          <a:xfrm>
+            <a:off x="5147733" y="2745568"/>
+            <a:ext cx="1" cy="266700"/>
+          </a:xfrm>
+          <a:prstGeom prst="line">
+            <a:avLst/>
+          </a:prstGeom>
+          <a:ln w="38100"/>
+        </p:spPr>
+        <p:style>
+          <a:lnRef idx="3">
+            <a:schemeClr val="dk1"/>
+          </a:lnRef>
+          <a:fillRef idx="0">
+            <a:schemeClr val="dk1"/>
+          </a:fillRef>
+          <a:effectRef idx="2">
+            <a:schemeClr val="dk1"/>
+          </a:effectRef>
+          <a:fontRef idx="minor">
+            <a:schemeClr val="tx1"/>
+          </a:fontRef>
+        </p:style>
+      </p:cxnSp>
+      <p:cxnSp>
+        <p:nvCxnSpPr>
+          <p:cNvPr id="23" name="Straight Connector 22"/>
+          <p:cNvCxnSpPr/>
+          <p:nvPr/>
+        </p:nvCxnSpPr>
+        <p:spPr>
+          <a:xfrm>
+            <a:off x="5938564" y="2745568"/>
+            <a:ext cx="1" cy="266700"/>
+          </a:xfrm>
+          <a:prstGeom prst="line">
+            <a:avLst/>
+          </a:prstGeom>
+          <a:ln w="38100"/>
+        </p:spPr>
+        <p:style>
+          <a:lnRef idx="3">
+            <a:schemeClr val="dk1"/>
+          </a:lnRef>
+          <a:fillRef idx="0">
+            <a:schemeClr val="dk1"/>
+          </a:fillRef>
+          <a:effectRef idx="2">
+            <a:schemeClr val="dk1"/>
+          </a:effectRef>
+          <a:fontRef idx="minor">
+            <a:schemeClr val="tx1"/>
+          </a:fontRef>
+        </p:style>
+      </p:cxnSp>
+      <p:cxnSp>
+        <p:nvCxnSpPr>
+          <p:cNvPr id="24" name="Straight Connector 23"/>
+          <p:cNvCxnSpPr/>
+          <p:nvPr/>
+        </p:nvCxnSpPr>
+        <p:spPr>
+          <a:xfrm>
+            <a:off x="6733635" y="2745568"/>
+            <a:ext cx="1" cy="266700"/>
+          </a:xfrm>
+          <a:prstGeom prst="line">
+            <a:avLst/>
+          </a:prstGeom>
+          <a:ln w="38100"/>
+        </p:spPr>
+        <p:style>
+          <a:lnRef idx="3">
+            <a:schemeClr val="dk1"/>
+          </a:lnRef>
+          <a:fillRef idx="0">
+            <a:schemeClr val="dk1"/>
+          </a:fillRef>
+          <a:effectRef idx="2">
+            <a:schemeClr val="dk1"/>
+          </a:effectRef>
+          <a:fontRef idx="minor">
+            <a:schemeClr val="tx1"/>
+          </a:fontRef>
+        </p:style>
+      </p:cxnSp>
+      <p:sp>
+        <p:nvSpPr>
+          <p:cNvPr id="25" name="TextBox 24"/>
+          <p:cNvSpPr txBox="1"/>
+          <p:nvPr/>
+        </p:nvSpPr>
+        <p:spPr>
+          <a:xfrm>
+            <a:off x="4839796" y="2261143"/>
+            <a:ext cx="615874" cy="246221"/>
+          </a:xfrm>
+          <a:prstGeom prst="rect">
+            <a:avLst/>
+          </a:prstGeom>
+          <a:noFill/>
+        </p:spPr>
+        <p:txBody>
+          <a:bodyPr wrap="none" rtlCol="0">
+            <a:spAutoFit/>
+          </a:bodyPr>
+          <a:lstStyle/>
+          <a:p>
+            <a:pPr algn="ctr"/>
+            <a:r>
+              <a:rPr lang="en-US" sz="1000" b="1" dirty="0">
+                <a:latin typeface="Century Gothic" panose="020B0502020202020204" pitchFamily="34" charset="0"/>
+                <a:cs typeface="Adobe Devanagari" panose="02040503050201020203" pitchFamily="18" charset="0"/>
+              </a:rPr>
+              <a:t>Knob 1</a:t>
+            </a:r>
+          </a:p>
+        </p:txBody>
+      </p:sp>
+      <p:sp>
+        <p:nvSpPr>
+          <p:cNvPr id="26" name="TextBox 25"/>
+          <p:cNvSpPr txBox="1"/>
+          <p:nvPr/>
+        </p:nvSpPr>
+        <p:spPr>
+          <a:xfrm>
+            <a:off x="5644770" y="2261142"/>
+            <a:ext cx="615874" cy="246221"/>
+          </a:xfrm>
+          <a:prstGeom prst="rect">
+            <a:avLst/>
+          </a:prstGeom>
+          <a:noFill/>
+        </p:spPr>
+        <p:txBody>
+          <a:bodyPr wrap="none" rtlCol="0">
+            <a:spAutoFit/>
+          </a:bodyPr>
+          <a:lstStyle/>
+          <a:p>
+            <a:pPr algn="ctr"/>
+            <a:r>
+              <a:rPr lang="en-US" sz="1000" b="1" dirty="0">
+                <a:latin typeface="Century Gothic" panose="020B0502020202020204" pitchFamily="34" charset="0"/>
+                <a:cs typeface="Adobe Devanagari" panose="02040503050201020203" pitchFamily="18" charset="0"/>
+              </a:rPr>
+              <a:t>Knob 2</a:t>
+            </a:r>
+          </a:p>
+        </p:txBody>
+      </p:sp>
+      <p:sp>
+        <p:nvSpPr>
+          <p:cNvPr id="27" name="TextBox 26"/>
+          <p:cNvSpPr txBox="1"/>
+          <p:nvPr/>
+        </p:nvSpPr>
+        <p:spPr>
+          <a:xfrm>
+            <a:off x="6425873" y="2267910"/>
+            <a:ext cx="615874" cy="246221"/>
+          </a:xfrm>
+          <a:prstGeom prst="rect">
+            <a:avLst/>
+          </a:prstGeom>
+          <a:noFill/>
+        </p:spPr>
+        <p:txBody>
+          <a:bodyPr wrap="none" rtlCol="0">
+            <a:spAutoFit/>
+          </a:bodyPr>
+          <a:lstStyle/>
+          <a:p>
+            <a:pPr algn="ctr"/>
+            <a:r>
+              <a:rPr lang="en-US" sz="1000" b="1" dirty="0">
+                <a:latin typeface="Century Gothic" panose="020B0502020202020204" pitchFamily="34" charset="0"/>
+                <a:cs typeface="Adobe Devanagari" panose="02040503050201020203" pitchFamily="18" charset="0"/>
+              </a:rPr>
+              <a:t>Knob 3</a:t>
+            </a:r>
+          </a:p>
+        </p:txBody>
+      </p:sp>
+      <p:sp>
+        <p:nvSpPr>
+          <p:cNvPr id="28" name="TextBox 27"/>
+          <p:cNvSpPr txBox="1"/>
+          <p:nvPr/>
+        </p:nvSpPr>
+        <p:spPr>
+          <a:xfrm>
+            <a:off x="5648947" y="3267265"/>
+            <a:ext cx="615874" cy="246221"/>
+          </a:xfrm>
+          <a:prstGeom prst="rect">
+            <a:avLst/>
+          </a:prstGeom>
+          <a:noFill/>
+        </p:spPr>
+        <p:txBody>
+          <a:bodyPr wrap="none" rtlCol="0">
+            <a:spAutoFit/>
+          </a:bodyPr>
+          <a:lstStyle/>
+          <a:p>
+            <a:pPr algn="ctr"/>
+            <a:r>
+              <a:rPr lang="en-US" sz="1000" b="1" dirty="0">
+                <a:latin typeface="Century Gothic" panose="020B0502020202020204" pitchFamily="34" charset="0"/>
+                <a:cs typeface="Adobe Devanagari" panose="02040503050201020203" pitchFamily="18" charset="0"/>
+              </a:rPr>
+              <a:t>Knob 5</a:t>
+            </a:r>
+          </a:p>
+        </p:txBody>
+      </p:sp>
+      <p:sp>
+        <p:nvSpPr>
+          <p:cNvPr id="29" name="TextBox 28"/>
+          <p:cNvSpPr txBox="1"/>
+          <p:nvPr/>
+        </p:nvSpPr>
+        <p:spPr>
+          <a:xfrm>
+            <a:off x="6432054" y="3267265"/>
+            <a:ext cx="615874" cy="246221"/>
+          </a:xfrm>
+          <a:prstGeom prst="rect">
+            <a:avLst/>
+          </a:prstGeom>
+          <a:noFill/>
+        </p:spPr>
+        <p:txBody>
+          <a:bodyPr wrap="none" rtlCol="0">
+            <a:spAutoFit/>
+          </a:bodyPr>
+          <a:lstStyle/>
+          <a:p>
+            <a:pPr algn="ctr"/>
+            <a:r>
+              <a:rPr lang="en-US" sz="1000" b="1" dirty="0">
+                <a:latin typeface="Century Gothic" panose="020B0502020202020204" pitchFamily="34" charset="0"/>
+                <a:cs typeface="Adobe Devanagari" panose="02040503050201020203" pitchFamily="18" charset="0"/>
+              </a:rPr>
+              <a:t>Knob 6</a:t>
+            </a:r>
+          </a:p>
+        </p:txBody>
+      </p:sp>
+      <p:sp>
+        <p:nvSpPr>
+          <p:cNvPr id="30" name="TextBox 29"/>
+          <p:cNvSpPr txBox="1"/>
+          <p:nvPr/>
+        </p:nvSpPr>
+        <p:spPr>
+          <a:xfrm>
+            <a:off x="4846186" y="3267265"/>
+            <a:ext cx="615874" cy="246221"/>
+          </a:xfrm>
+          <a:prstGeom prst="rect">
+            <a:avLst/>
+          </a:prstGeom>
+          <a:noFill/>
+        </p:spPr>
+        <p:txBody>
+          <a:bodyPr wrap="none" rtlCol="0">
+            <a:spAutoFit/>
+          </a:bodyPr>
+          <a:lstStyle/>
+          <a:p>
+            <a:pPr algn="ctr"/>
+            <a:r>
+              <a:rPr lang="en-US" sz="1000" b="1" dirty="0">
+                <a:latin typeface="Century Gothic" panose="020B0502020202020204" pitchFamily="34" charset="0"/>
+                <a:cs typeface="Adobe Devanagari" panose="02040503050201020203" pitchFamily="18" charset="0"/>
+              </a:rPr>
+              <a:t>Knob 4</a:t>
+            </a:r>
+          </a:p>
+        </p:txBody>
+      </p:sp>
+      <p:sp>
+        <p:nvSpPr>
+          <p:cNvPr id="31" name="TextBox 30"/>
+          <p:cNvSpPr txBox="1"/>
+          <p:nvPr/>
+        </p:nvSpPr>
+        <p:spPr>
+          <a:xfrm>
+            <a:off x="4803473" y="5548458"/>
+            <a:ext cx="724878" cy="246221"/>
+          </a:xfrm>
+          <a:prstGeom prst="rect">
+            <a:avLst/>
+          </a:prstGeom>
+          <a:noFill/>
+        </p:spPr>
+        <p:txBody>
+          <a:bodyPr wrap="none" rtlCol="0">
+            <a:spAutoFit/>
+          </a:bodyPr>
+          <a:lstStyle/>
+          <a:p>
+            <a:pPr algn="ctr"/>
+            <a:r>
+              <a:rPr lang="en-US" sz="1000" b="1" dirty="0" err="1">
+                <a:latin typeface="Century Gothic" panose="020B0502020202020204" pitchFamily="34" charset="0"/>
+                <a:cs typeface="Adobe Devanagari" panose="02040503050201020203" pitchFamily="18" charset="0"/>
+              </a:rPr>
+              <a:t>FootSw</a:t>
+            </a:r>
+            <a:r>
+              <a:rPr lang="en-US" sz="1000" b="1" dirty="0">
+                <a:latin typeface="Century Gothic" panose="020B0502020202020204" pitchFamily="34" charset="0"/>
+                <a:cs typeface="Adobe Devanagari" panose="02040503050201020203" pitchFamily="18" charset="0"/>
+              </a:rPr>
+              <a:t> 1</a:t>
+            </a:r>
+          </a:p>
+        </p:txBody>
+      </p:sp>
+      <p:sp>
+        <p:nvSpPr>
+          <p:cNvPr id="32" name="TextBox 31"/>
+          <p:cNvSpPr txBox="1"/>
+          <p:nvPr/>
+        </p:nvSpPr>
+        <p:spPr>
+          <a:xfrm rot="16200000">
+            <a:off x="4892535" y="4030683"/>
+            <a:ext cx="455573" cy="461665"/>
+          </a:xfrm>
+          <a:prstGeom prst="rect">
+            <a:avLst/>
+          </a:prstGeom>
+          <a:noFill/>
+        </p:spPr>
+        <p:txBody>
+          <a:bodyPr wrap="none" rtlCol="0">
+            <a:spAutoFit/>
+          </a:bodyPr>
+          <a:lstStyle/>
+          <a:p>
+            <a:pPr algn="ctr"/>
+            <a:r>
+              <a:rPr lang="en-US" sz="800" b="1" dirty="0">
+                <a:latin typeface="Century Gothic" panose="020B0502020202020204" pitchFamily="34" charset="0"/>
+                <a:cs typeface="Adobe Devanagari" panose="02040503050201020203" pitchFamily="18" charset="0"/>
+              </a:rPr>
+              <a:t>Opt 1</a:t>
+            </a:r>
+          </a:p>
+          <a:p>
+            <a:pPr algn="ctr"/>
+            <a:r>
+              <a:rPr lang="en-US" sz="800" b="1" dirty="0">
+                <a:latin typeface="Century Gothic" panose="020B0502020202020204" pitchFamily="34" charset="0"/>
+                <a:cs typeface="Adobe Devanagari" panose="02040503050201020203" pitchFamily="18" charset="0"/>
+              </a:rPr>
+              <a:t>Opt 2</a:t>
+            </a:r>
+          </a:p>
+          <a:p>
+            <a:pPr algn="ctr"/>
+            <a:r>
+              <a:rPr lang="en-US" sz="800" b="1" dirty="0">
+                <a:latin typeface="Century Gothic" panose="020B0502020202020204" pitchFamily="34" charset="0"/>
+                <a:cs typeface="Adobe Devanagari" panose="02040503050201020203" pitchFamily="18" charset="0"/>
+              </a:rPr>
+              <a:t>Opt 3</a:t>
+            </a:r>
+          </a:p>
+        </p:txBody>
+      </p:sp>
+      <p:sp>
+        <p:nvSpPr>
+          <p:cNvPr id="33" name="TextBox 32"/>
+          <p:cNvSpPr txBox="1"/>
+          <p:nvPr/>
+        </p:nvSpPr>
+        <p:spPr>
+          <a:xfrm>
+            <a:off x="5081621" y="4570836"/>
+            <a:ext cx="1742170" cy="461665"/>
+          </a:xfrm>
+          <a:prstGeom prst="rect">
+            <a:avLst/>
+          </a:prstGeom>
+          <a:noFill/>
+        </p:spPr>
+        <p:txBody>
+          <a:bodyPr wrap="square" rtlCol="0">
+            <a:spAutoFit/>
+          </a:bodyPr>
+          <a:lstStyle/>
+          <a:p>
+            <a:pPr algn="ctr"/>
+            <a:r>
+              <a:rPr lang="en-US" sz="2400" b="1" dirty="0" err="1">
+                <a:latin typeface="Broadway" panose="04040905080B02020502" pitchFamily="82" charset="0"/>
+                <a:cs typeface="Adobe Devanagari" panose="02040503050201020203" pitchFamily="18" charset="0"/>
+              </a:rPr>
+              <a:t>FunBox</a:t>
+            </a:r>
+            <a:endParaRPr lang="en-US" sz="2400" b="1" dirty="0">
+              <a:latin typeface="Broadway" panose="04040905080B02020502" pitchFamily="82" charset="0"/>
+              <a:cs typeface="Adobe Devanagari" panose="02040503050201020203" pitchFamily="18" charset="0"/>
+            </a:endParaRPr>
+          </a:p>
+        </p:txBody>
+      </p:sp>
+      <p:sp>
+        <p:nvSpPr>
+          <p:cNvPr id="35" name="Oval 34"/>
+          <p:cNvSpPr/>
+          <p:nvPr/>
+        </p:nvSpPr>
+        <p:spPr>
+          <a:xfrm rot="16200000">
+            <a:off x="5830387" y="3795700"/>
+            <a:ext cx="245746" cy="243840"/>
+          </a:xfrm>
+          <a:prstGeom prst="ellipse">
+            <a:avLst/>
+          </a:prstGeom>
+          <a:ln w="19050">
+            <a:solidFill>
+              <a:schemeClr val="tx1"/>
+            </a:solidFill>
+          </a:ln>
+        </p:spPr>
+        <p:style>
+          <a:lnRef idx="2">
+            <a:schemeClr val="accent1">
+              <a:shade val="50000"/>
+            </a:schemeClr>
+          </a:lnRef>
+          <a:fillRef idx="1">
+            <a:schemeClr val="accent1"/>
+          </a:fillRef>
+          <a:effectRef idx="0">
+            <a:schemeClr val="accent1"/>
+          </a:effectRef>
+          <a:fontRef idx="minor">
+            <a:schemeClr val="lt1"/>
+          </a:fontRef>
+        </p:style>
+        <p:txBody>
+          <a:bodyPr rtlCol="0" anchor="ctr"/>
+          <a:lstStyle/>
+          <a:p>
+            <a:pPr algn="ctr"/>
+            <a:endParaRPr lang="en-US"/>
+          </a:p>
+        </p:txBody>
+      </p:sp>
+      <p:sp>
+        <p:nvSpPr>
+          <p:cNvPr id="36" name="Flowchart: Terminator 35"/>
+          <p:cNvSpPr/>
+          <p:nvPr/>
+        </p:nvSpPr>
+        <p:spPr>
+          <a:xfrm rot="16200000">
+            <a:off x="5810513" y="3807751"/>
+            <a:ext cx="95488" cy="208168"/>
+          </a:xfrm>
+          <a:prstGeom prst="flowChartTerminator">
+            <a:avLst/>
+          </a:prstGeom>
+          <a:ln w="19050">
+            <a:solidFill>
+              <a:schemeClr val="tx1"/>
+            </a:solidFill>
+          </a:ln>
+        </p:spPr>
+        <p:style>
+          <a:lnRef idx="2">
+            <a:schemeClr val="accent1">
+              <a:shade val="50000"/>
+            </a:schemeClr>
+          </a:lnRef>
+          <a:fillRef idx="1">
+            <a:schemeClr val="accent1"/>
+          </a:fillRef>
+          <a:effectRef idx="0">
+            <a:schemeClr val="accent1"/>
+          </a:effectRef>
+          <a:fontRef idx="minor">
+            <a:schemeClr val="lt1"/>
+          </a:fontRef>
+        </p:style>
+        <p:txBody>
+          <a:bodyPr rtlCol="0" anchor="ctr"/>
+          <a:lstStyle/>
+          <a:p>
+            <a:pPr algn="ctr"/>
+            <a:endParaRPr lang="en-US"/>
+          </a:p>
+        </p:txBody>
+      </p:sp>
+      <p:sp>
+        <p:nvSpPr>
+          <p:cNvPr id="37" name="Oval 36"/>
+          <p:cNvSpPr/>
+          <p:nvPr/>
+        </p:nvSpPr>
+        <p:spPr>
+          <a:xfrm rot="16200000">
+            <a:off x="6651163" y="3795700"/>
+            <a:ext cx="245746" cy="243840"/>
+          </a:xfrm>
+          <a:prstGeom prst="ellipse">
+            <a:avLst/>
+          </a:prstGeom>
+          <a:ln w="19050">
+            <a:solidFill>
+              <a:schemeClr val="tx1"/>
+            </a:solidFill>
+          </a:ln>
+        </p:spPr>
+        <p:style>
+          <a:lnRef idx="2">
+            <a:schemeClr val="accent1">
+              <a:shade val="50000"/>
+            </a:schemeClr>
+          </a:lnRef>
+          <a:fillRef idx="1">
+            <a:schemeClr val="accent1"/>
+          </a:fillRef>
+          <a:effectRef idx="0">
+            <a:schemeClr val="accent1"/>
+          </a:effectRef>
+          <a:fontRef idx="minor">
+            <a:schemeClr val="lt1"/>
+          </a:fontRef>
+        </p:style>
+        <p:txBody>
+          <a:bodyPr rtlCol="0" anchor="ctr"/>
+          <a:lstStyle/>
+          <a:p>
+            <a:pPr algn="ctr"/>
+            <a:endParaRPr lang="en-US"/>
+          </a:p>
+        </p:txBody>
+      </p:sp>
+      <p:sp>
+        <p:nvSpPr>
+          <p:cNvPr id="38" name="Flowchart: Terminator 37"/>
+          <p:cNvSpPr/>
+          <p:nvPr/>
+        </p:nvSpPr>
+        <p:spPr>
+          <a:xfrm rot="16200000">
+            <a:off x="6631289" y="3807751"/>
+            <a:ext cx="95488" cy="208168"/>
+          </a:xfrm>
+          <a:prstGeom prst="flowChartTerminator">
+            <a:avLst/>
+          </a:prstGeom>
+          <a:ln w="19050">
+            <a:solidFill>
+              <a:schemeClr val="tx1"/>
+            </a:solidFill>
+          </a:ln>
+        </p:spPr>
+        <p:style>
+          <a:lnRef idx="2">
+            <a:schemeClr val="accent1">
+              <a:shade val="50000"/>
+            </a:schemeClr>
+          </a:lnRef>
+          <a:fillRef idx="1">
+            <a:schemeClr val="accent1"/>
+          </a:fillRef>
+          <a:effectRef idx="0">
+            <a:schemeClr val="accent1"/>
+          </a:effectRef>
+          <a:fontRef idx="minor">
+            <a:schemeClr val="lt1"/>
+          </a:fontRef>
+        </p:style>
+        <p:txBody>
+          <a:bodyPr rtlCol="0" anchor="ctr"/>
+          <a:lstStyle/>
+          <a:p>
+            <a:pPr algn="ctr"/>
+            <a:endParaRPr lang="en-US"/>
+          </a:p>
+        </p:txBody>
+      </p:sp>
+      <p:sp>
+        <p:nvSpPr>
+          <p:cNvPr id="39" name="TextBox 38"/>
+          <p:cNvSpPr txBox="1"/>
+          <p:nvPr/>
+        </p:nvSpPr>
+        <p:spPr>
+          <a:xfrm rot="16200000">
+            <a:off x="5705042" y="4049121"/>
+            <a:ext cx="455574" cy="461665"/>
+          </a:xfrm>
+          <a:prstGeom prst="rect">
+            <a:avLst/>
+          </a:prstGeom>
+          <a:noFill/>
+        </p:spPr>
+        <p:txBody>
+          <a:bodyPr wrap="none" rtlCol="0">
+            <a:spAutoFit/>
+          </a:bodyPr>
+          <a:lstStyle/>
+          <a:p>
+            <a:pPr algn="ctr"/>
+            <a:r>
+              <a:rPr lang="en-US" sz="800" b="1" dirty="0">
+                <a:latin typeface="Century Gothic" panose="020B0502020202020204" pitchFamily="34" charset="0"/>
+                <a:cs typeface="Adobe Devanagari" panose="02040503050201020203" pitchFamily="18" charset="0"/>
+              </a:rPr>
+              <a:t>Opt 1</a:t>
+            </a:r>
+          </a:p>
+          <a:p>
+            <a:pPr algn="ctr"/>
+            <a:r>
+              <a:rPr lang="en-US" sz="800" b="1" dirty="0">
+                <a:latin typeface="Century Gothic" panose="020B0502020202020204" pitchFamily="34" charset="0"/>
+                <a:cs typeface="Adobe Devanagari" panose="02040503050201020203" pitchFamily="18" charset="0"/>
+              </a:rPr>
+              <a:t>Opt 2</a:t>
+            </a:r>
+          </a:p>
+          <a:p>
+            <a:pPr algn="ctr"/>
+            <a:r>
+              <a:rPr lang="en-US" sz="800" b="1" dirty="0">
+                <a:latin typeface="Century Gothic" panose="020B0502020202020204" pitchFamily="34" charset="0"/>
+                <a:cs typeface="Adobe Devanagari" panose="02040503050201020203" pitchFamily="18" charset="0"/>
+              </a:rPr>
+              <a:t>Opt 3</a:t>
+            </a:r>
+          </a:p>
+        </p:txBody>
+      </p:sp>
+      <p:sp>
+        <p:nvSpPr>
+          <p:cNvPr id="40" name="TextBox 39"/>
+          <p:cNvSpPr txBox="1"/>
+          <p:nvPr/>
+        </p:nvSpPr>
+        <p:spPr>
+          <a:xfrm rot="16200000">
+            <a:off x="6540944" y="4039021"/>
+            <a:ext cx="455574" cy="461665"/>
+          </a:xfrm>
+          <a:prstGeom prst="rect">
+            <a:avLst/>
+          </a:prstGeom>
+          <a:noFill/>
+        </p:spPr>
+        <p:txBody>
+          <a:bodyPr wrap="none" rtlCol="0">
+            <a:spAutoFit/>
+          </a:bodyPr>
+          <a:lstStyle/>
+          <a:p>
+            <a:pPr algn="ctr"/>
+            <a:r>
+              <a:rPr lang="en-US" sz="800" b="1" dirty="0">
+                <a:latin typeface="Century Gothic" panose="020B0502020202020204" pitchFamily="34" charset="0"/>
+                <a:cs typeface="Adobe Devanagari" panose="02040503050201020203" pitchFamily="18" charset="0"/>
+              </a:rPr>
+              <a:t>Opt 1</a:t>
+            </a:r>
+          </a:p>
+          <a:p>
+            <a:pPr algn="ctr"/>
+            <a:r>
+              <a:rPr lang="en-US" sz="800" b="1" dirty="0">
+                <a:latin typeface="Century Gothic" panose="020B0502020202020204" pitchFamily="34" charset="0"/>
+                <a:cs typeface="Adobe Devanagari" panose="02040503050201020203" pitchFamily="18" charset="0"/>
+              </a:rPr>
+              <a:t>Opt 2</a:t>
+            </a:r>
+          </a:p>
+          <a:p>
+            <a:pPr algn="ctr"/>
+            <a:r>
+              <a:rPr lang="en-US" sz="800" b="1" dirty="0">
+                <a:latin typeface="Century Gothic" panose="020B0502020202020204" pitchFamily="34" charset="0"/>
+                <a:cs typeface="Adobe Devanagari" panose="02040503050201020203" pitchFamily="18" charset="0"/>
+              </a:rPr>
+              <a:t>Opt 3</a:t>
+            </a:r>
+          </a:p>
+        </p:txBody>
+      </p:sp>
+      <p:sp>
+        <p:nvSpPr>
+          <p:cNvPr id="41" name="TextBox 40"/>
+          <p:cNvSpPr txBox="1"/>
+          <p:nvPr/>
+        </p:nvSpPr>
+        <p:spPr>
+          <a:xfrm>
+            <a:off x="4837137" y="3551712"/>
+            <a:ext cx="657552" cy="230832"/>
+          </a:xfrm>
+          <a:prstGeom prst="rect">
+            <a:avLst/>
+          </a:prstGeom>
+          <a:noFill/>
+        </p:spPr>
+        <p:txBody>
+          <a:bodyPr wrap="none" rtlCol="0">
+            <a:spAutoFit/>
+          </a:bodyPr>
+          <a:lstStyle/>
+          <a:p>
+            <a:pPr algn="ctr"/>
+            <a:r>
+              <a:rPr lang="en-US" sz="900" b="1" dirty="0">
+                <a:latin typeface="Century Gothic" panose="020B0502020202020204" pitchFamily="34" charset="0"/>
+                <a:cs typeface="Adobe Devanagari" panose="02040503050201020203" pitchFamily="18" charset="0"/>
+              </a:rPr>
+              <a:t>Toggle 1</a:t>
+            </a:r>
+          </a:p>
+        </p:txBody>
+      </p:sp>
+      <p:sp>
+        <p:nvSpPr>
+          <p:cNvPr id="42" name="TextBox 41"/>
+          <p:cNvSpPr txBox="1"/>
+          <p:nvPr/>
+        </p:nvSpPr>
+        <p:spPr>
+          <a:xfrm>
+            <a:off x="5623930" y="3560229"/>
+            <a:ext cx="657552" cy="230832"/>
+          </a:xfrm>
+          <a:prstGeom prst="rect">
+            <a:avLst/>
+          </a:prstGeom>
+          <a:noFill/>
+        </p:spPr>
+        <p:txBody>
+          <a:bodyPr wrap="none" rtlCol="0">
+            <a:spAutoFit/>
+          </a:bodyPr>
+          <a:lstStyle/>
+          <a:p>
+            <a:pPr algn="ctr"/>
+            <a:r>
+              <a:rPr lang="en-US" sz="900" b="1" dirty="0">
+                <a:latin typeface="Century Gothic" panose="020B0502020202020204" pitchFamily="34" charset="0"/>
+                <a:cs typeface="Adobe Devanagari" panose="02040503050201020203" pitchFamily="18" charset="0"/>
+              </a:rPr>
+              <a:t>Toggle 2</a:t>
+            </a:r>
+          </a:p>
+        </p:txBody>
+      </p:sp>
+      <p:sp>
+        <p:nvSpPr>
+          <p:cNvPr id="43" name="TextBox 42"/>
+          <p:cNvSpPr txBox="1"/>
+          <p:nvPr/>
+        </p:nvSpPr>
+        <p:spPr>
+          <a:xfrm>
+            <a:off x="6454343" y="3562383"/>
+            <a:ext cx="657552" cy="230832"/>
+          </a:xfrm>
+          <a:prstGeom prst="rect">
+            <a:avLst/>
+          </a:prstGeom>
+          <a:noFill/>
+        </p:spPr>
+        <p:txBody>
+          <a:bodyPr wrap="none" rtlCol="0">
+            <a:spAutoFit/>
+          </a:bodyPr>
+          <a:lstStyle/>
+          <a:p>
+            <a:pPr algn="ctr"/>
+            <a:r>
+              <a:rPr lang="en-US" sz="900" b="1" dirty="0">
+                <a:latin typeface="Century Gothic" panose="020B0502020202020204" pitchFamily="34" charset="0"/>
+                <a:cs typeface="Adobe Devanagari" panose="02040503050201020203" pitchFamily="18" charset="0"/>
+              </a:rPr>
+              <a:t>Toggle 3</a:t>
+            </a:r>
+          </a:p>
+        </p:txBody>
+      </p:sp>
+      <p:sp>
+        <p:nvSpPr>
+          <p:cNvPr id="49" name="Rectangle 48"/>
+          <p:cNvSpPr/>
+          <p:nvPr/>
+        </p:nvSpPr>
+        <p:spPr>
+          <a:xfrm>
+            <a:off x="4552601" y="262549"/>
+            <a:ext cx="2675728" cy="727102"/>
+          </a:xfrm>
+          <a:prstGeom prst="rect">
+            <a:avLst/>
+          </a:prstGeom>
+        </p:spPr>
+        <p:style>
+          <a:lnRef idx="2">
+            <a:schemeClr val="dk1">
+              <a:shade val="50000"/>
+            </a:schemeClr>
+          </a:lnRef>
+          <a:fillRef idx="1003">
+            <a:schemeClr val="lt1"/>
+          </a:fillRef>
+          <a:effectRef idx="0">
+            <a:schemeClr val="dk1"/>
+          </a:effectRef>
+          <a:fontRef idx="minor">
+            <a:schemeClr val="lt1"/>
+          </a:fontRef>
+        </p:style>
+        <p:txBody>
+          <a:bodyPr rtlCol="0" anchor="ctr"/>
+          <a:lstStyle/>
+          <a:p>
+            <a:pPr marL="285750" indent="-285750">
+              <a:buFont typeface="Arial" panose="020B0604020202020204" pitchFamily="34" charset="0"/>
+              <a:buChar char="•"/>
+            </a:pPr>
+            <a:r>
+              <a:rPr lang="en-US" sz="1600" b="1" dirty="0">
+                <a:solidFill>
+                  <a:schemeClr val="tx1"/>
+                </a:solidFill>
+              </a:rPr>
+              <a:t>Stereo ¼” In/Out Jacks</a:t>
+            </a:r>
+          </a:p>
+          <a:p>
+            <a:pPr marL="285750" indent="-285750">
+              <a:buFont typeface="Arial" panose="020B0604020202020204" pitchFamily="34" charset="0"/>
+              <a:buChar char="•"/>
+            </a:pPr>
+            <a:r>
+              <a:rPr lang="en-US" sz="1600" b="1" dirty="0">
+                <a:solidFill>
+                  <a:schemeClr val="tx1"/>
+                </a:solidFill>
+              </a:rPr>
+              <a:t>9v Center Negative Power</a:t>
+            </a:r>
+          </a:p>
+        </p:txBody>
+      </p:sp>
+      <p:sp>
+        <p:nvSpPr>
+          <p:cNvPr id="52" name="Rectangle 51"/>
+          <p:cNvSpPr/>
+          <p:nvPr/>
+        </p:nvSpPr>
+        <p:spPr>
+          <a:xfrm>
+            <a:off x="7503067" y="1963518"/>
+            <a:ext cx="2433413" cy="428695"/>
+          </a:xfrm>
+          <a:prstGeom prst="rect">
+            <a:avLst/>
+          </a:prstGeom>
+        </p:spPr>
+        <p:style>
+          <a:lnRef idx="2">
+            <a:schemeClr val="dk1">
+              <a:shade val="50000"/>
+            </a:schemeClr>
+          </a:lnRef>
+          <a:fillRef idx="1003">
+            <a:schemeClr val="dk1"/>
+          </a:fillRef>
+          <a:effectRef idx="0">
+            <a:schemeClr val="dk1"/>
+          </a:effectRef>
+          <a:fontRef idx="minor">
+            <a:schemeClr val="lt1"/>
+          </a:fontRef>
+        </p:style>
+        <p:txBody>
+          <a:bodyPr rtlCol="0" anchor="ctr"/>
+          <a:lstStyle/>
+          <a:p>
+            <a:r>
+              <a:rPr lang="en-US" sz="1600" b="1" dirty="0">
+                <a:solidFill>
+                  <a:schemeClr val="bg1"/>
+                </a:solidFill>
+              </a:rPr>
+              <a:t>MIDI Input (1/8” TRS Jack)</a:t>
+            </a:r>
+          </a:p>
+        </p:txBody>
+      </p:sp>
+      <p:sp>
+        <p:nvSpPr>
+          <p:cNvPr id="55" name="Rectangle 54"/>
+          <p:cNvSpPr/>
+          <p:nvPr/>
+        </p:nvSpPr>
+        <p:spPr>
+          <a:xfrm>
+            <a:off x="7503067" y="2923436"/>
+            <a:ext cx="2016853" cy="448087"/>
+          </a:xfrm>
+          <a:prstGeom prst="rect">
+            <a:avLst/>
+          </a:prstGeom>
+        </p:spPr>
+        <p:style>
+          <a:lnRef idx="2">
+            <a:schemeClr val="dk1">
+              <a:shade val="50000"/>
+            </a:schemeClr>
+          </a:lnRef>
+          <a:fillRef idx="1003">
+            <a:schemeClr val="dk1"/>
+          </a:fillRef>
+          <a:effectRef idx="0">
+            <a:schemeClr val="dk1"/>
+          </a:effectRef>
+          <a:fontRef idx="minor">
+            <a:schemeClr val="lt1"/>
+          </a:fontRef>
+        </p:style>
+        <p:txBody>
+          <a:bodyPr rtlCol="0" anchor="ctr"/>
+          <a:lstStyle/>
+          <a:p>
+            <a:r>
+              <a:rPr lang="en-US" sz="1600" b="1" dirty="0">
+                <a:solidFill>
+                  <a:schemeClr val="bg1"/>
+                </a:solidFill>
+              </a:rPr>
+              <a:t>Daisy Seed USB port</a:t>
+            </a:r>
+          </a:p>
+        </p:txBody>
+      </p:sp>
+      <p:sp>
+        <p:nvSpPr>
+          <p:cNvPr id="56" name="Rectangle 55"/>
+          <p:cNvSpPr/>
+          <p:nvPr/>
+        </p:nvSpPr>
+        <p:spPr>
+          <a:xfrm>
+            <a:off x="7503067" y="4556498"/>
+            <a:ext cx="2016853" cy="328586"/>
+          </a:xfrm>
+          <a:prstGeom prst="rect">
+            <a:avLst/>
+          </a:prstGeom>
+        </p:spPr>
+        <p:style>
+          <a:lnRef idx="2">
+            <a:schemeClr val="dk1">
+              <a:shade val="50000"/>
+            </a:schemeClr>
+          </a:lnRef>
+          <a:fillRef idx="1001">
+            <a:schemeClr val="dk2"/>
+          </a:fillRef>
+          <a:effectRef idx="0">
+            <a:schemeClr val="dk1"/>
+          </a:effectRef>
+          <a:fontRef idx="minor">
+            <a:schemeClr val="lt1"/>
+          </a:fontRef>
+        </p:style>
+        <p:txBody>
+          <a:bodyPr rtlCol="0" anchor="ctr"/>
+          <a:lstStyle/>
+          <a:p>
+            <a:r>
+              <a:rPr lang="en-US" sz="1600" b="1" dirty="0">
+                <a:solidFill>
+                  <a:schemeClr val="bg1"/>
+                </a:solidFill>
+              </a:rPr>
+              <a:t>4 On/Off Dipswitches</a:t>
+            </a:r>
+          </a:p>
+        </p:txBody>
+      </p:sp>
+      <p:sp>
+        <p:nvSpPr>
+          <p:cNvPr id="57" name="Rectangle 56"/>
+          <p:cNvSpPr/>
+          <p:nvPr/>
+        </p:nvSpPr>
+        <p:spPr>
+          <a:xfrm>
+            <a:off x="4585160" y="5990039"/>
+            <a:ext cx="2778082" cy="480080"/>
+          </a:xfrm>
+          <a:prstGeom prst="rect">
+            <a:avLst/>
+          </a:prstGeom>
+        </p:spPr>
+        <p:style>
+          <a:lnRef idx="2">
+            <a:schemeClr val="dk1">
+              <a:shade val="50000"/>
+            </a:schemeClr>
+          </a:lnRef>
+          <a:fillRef idx="1001">
+            <a:schemeClr val="dk2"/>
+          </a:fillRef>
+          <a:effectRef idx="0">
+            <a:schemeClr val="dk1"/>
+          </a:effectRef>
+          <a:fontRef idx="minor">
+            <a:schemeClr val="lt1"/>
+          </a:fontRef>
+        </p:style>
+        <p:txBody>
+          <a:bodyPr rtlCol="0" anchor="ctr"/>
+          <a:lstStyle/>
+          <a:p>
+            <a:r>
+              <a:rPr lang="en-US" sz="1600" b="1" dirty="0">
+                <a:solidFill>
+                  <a:schemeClr val="bg1"/>
+                </a:solidFill>
+              </a:rPr>
+              <a:t>Two Momentary Footswitches</a:t>
+            </a:r>
+          </a:p>
+          <a:p>
+            <a:r>
+              <a:rPr lang="en-US" sz="1600" b="1" dirty="0">
+                <a:solidFill>
+                  <a:schemeClr val="bg1"/>
+                </a:solidFill>
+              </a:rPr>
+              <a:t>with indication LEDs.</a:t>
+            </a:r>
+          </a:p>
+        </p:txBody>
+      </p:sp>
+      <p:sp>
+        <p:nvSpPr>
+          <p:cNvPr id="59" name="Rectangle 58"/>
+          <p:cNvSpPr/>
+          <p:nvPr/>
+        </p:nvSpPr>
+        <p:spPr>
+          <a:xfrm>
+            <a:off x="259856" y="262029"/>
+            <a:ext cx="4226847" cy="1015417"/>
+          </a:xfrm>
+          <a:prstGeom prst="rect">
+            <a:avLst/>
+          </a:prstGeom>
+          <a:ln/>
+        </p:spPr>
+        <p:style>
+          <a:lnRef idx="1">
+            <a:schemeClr val="accent2"/>
+          </a:lnRef>
+          <a:fillRef idx="2">
+            <a:schemeClr val="accent2"/>
+          </a:fillRef>
+          <a:effectRef idx="1">
+            <a:schemeClr val="accent2"/>
+          </a:effectRef>
+          <a:fontRef idx="minor">
+            <a:schemeClr val="dk1"/>
+          </a:fontRef>
+        </p:style>
+        <p:txBody>
+          <a:bodyPr rtlCol="0" anchor="ctr"/>
+          <a:lstStyle/>
+          <a:p>
+            <a:r>
+              <a:rPr lang="en-US" sz="2800" b="1" dirty="0" err="1">
+                <a:solidFill>
+                  <a:schemeClr val="tx1"/>
+                </a:solidFill>
+              </a:rPr>
+              <a:t>FunBox</a:t>
+            </a:r>
+            <a:r>
+              <a:rPr lang="en-US" sz="2800" b="1" dirty="0">
+                <a:solidFill>
+                  <a:schemeClr val="tx1"/>
+                </a:solidFill>
+              </a:rPr>
+              <a:t> </a:t>
+            </a:r>
+            <a:r>
+              <a:rPr lang="en-US" b="1" dirty="0">
+                <a:solidFill>
+                  <a:schemeClr val="tx1"/>
+                </a:solidFill>
+              </a:rPr>
+              <a:t>is a pedal platform designed around the Daisy Seed. Fits in a 125B enclosure.</a:t>
+            </a:r>
+          </a:p>
+        </p:txBody>
+      </p:sp>
+      <p:sp>
+        <p:nvSpPr>
+          <p:cNvPr id="81" name="Rectangle 80"/>
+          <p:cNvSpPr/>
+          <p:nvPr/>
+        </p:nvSpPr>
+        <p:spPr>
+          <a:xfrm>
+            <a:off x="7205470" y="4326731"/>
+            <a:ext cx="45719" cy="404813"/>
+          </a:xfrm>
+          <a:prstGeom prst="rect">
+            <a:avLst/>
+          </a:prstGeom>
+        </p:spPr>
+        <p:style>
+          <a:lnRef idx="2">
+            <a:schemeClr val="accent1">
+              <a:shade val="50000"/>
+            </a:schemeClr>
+          </a:lnRef>
+          <a:fillRef idx="1">
+            <a:schemeClr val="accent1"/>
+          </a:fillRef>
+          <a:effectRef idx="0">
+            <a:schemeClr val="accent1"/>
+          </a:effectRef>
+          <a:fontRef idx="minor">
+            <a:schemeClr val="lt1"/>
+          </a:fontRef>
+        </p:style>
+        <p:txBody>
+          <a:bodyPr rtlCol="0" anchor="ctr"/>
+          <a:lstStyle/>
+          <a:p>
+            <a:pPr algn="ctr"/>
+            <a:endParaRPr lang="en-US"/>
+          </a:p>
+        </p:txBody>
+      </p:sp>
+      <p:sp>
+        <p:nvSpPr>
+          <p:cNvPr id="82" name="Rectangle 81"/>
+          <p:cNvSpPr/>
+          <p:nvPr/>
+        </p:nvSpPr>
+        <p:spPr>
+          <a:xfrm>
+            <a:off x="7240002" y="4361522"/>
+            <a:ext cx="54086" cy="51892"/>
+          </a:xfrm>
+          <a:prstGeom prst="rect">
+            <a:avLst/>
+          </a:prstGeom>
+        </p:spPr>
+        <p:style>
+          <a:lnRef idx="2">
+            <a:schemeClr val="dk1"/>
+          </a:lnRef>
+          <a:fillRef idx="1">
+            <a:schemeClr val="lt1"/>
+          </a:fillRef>
+          <a:effectRef idx="0">
+            <a:schemeClr val="dk1"/>
+          </a:effectRef>
+          <a:fontRef idx="minor">
+            <a:schemeClr val="dk1"/>
+          </a:fontRef>
+        </p:style>
+        <p:txBody>
+          <a:bodyPr rtlCol="0" anchor="ctr"/>
+          <a:lstStyle/>
+          <a:p>
+            <a:pPr algn="ctr"/>
+            <a:endParaRPr lang="en-US"/>
+          </a:p>
+        </p:txBody>
+      </p:sp>
+      <p:sp>
+        <p:nvSpPr>
+          <p:cNvPr id="83" name="Rectangle 82"/>
+          <p:cNvSpPr/>
+          <p:nvPr/>
+        </p:nvSpPr>
+        <p:spPr>
+          <a:xfrm>
+            <a:off x="7239482" y="4455654"/>
+            <a:ext cx="54086" cy="51892"/>
+          </a:xfrm>
+          <a:prstGeom prst="rect">
+            <a:avLst/>
+          </a:prstGeom>
+        </p:spPr>
+        <p:style>
+          <a:lnRef idx="2">
+            <a:schemeClr val="dk1"/>
+          </a:lnRef>
+          <a:fillRef idx="1">
+            <a:schemeClr val="lt1"/>
+          </a:fillRef>
+          <a:effectRef idx="0">
+            <a:schemeClr val="dk1"/>
+          </a:effectRef>
+          <a:fontRef idx="minor">
+            <a:schemeClr val="dk1"/>
+          </a:fontRef>
+        </p:style>
+        <p:txBody>
+          <a:bodyPr rtlCol="0" anchor="ctr"/>
+          <a:lstStyle/>
+          <a:p>
+            <a:pPr algn="ctr"/>
+            <a:endParaRPr lang="en-US"/>
+          </a:p>
+        </p:txBody>
+      </p:sp>
+      <p:sp>
+        <p:nvSpPr>
+          <p:cNvPr id="66" name="TextBox 65"/>
+          <p:cNvSpPr txBox="1"/>
+          <p:nvPr/>
+        </p:nvSpPr>
+        <p:spPr>
+          <a:xfrm>
+            <a:off x="6376896" y="5548457"/>
+            <a:ext cx="724878" cy="246221"/>
+          </a:xfrm>
+          <a:prstGeom prst="rect">
+            <a:avLst/>
+          </a:prstGeom>
+          <a:noFill/>
+        </p:spPr>
+        <p:txBody>
+          <a:bodyPr wrap="none" rtlCol="0">
+            <a:spAutoFit/>
+          </a:bodyPr>
+          <a:lstStyle/>
+          <a:p>
+            <a:pPr algn="ctr"/>
+            <a:r>
+              <a:rPr lang="en-US" sz="1000" b="1" dirty="0" err="1">
+                <a:latin typeface="Century Gothic" panose="020B0502020202020204" pitchFamily="34" charset="0"/>
+                <a:cs typeface="Adobe Devanagari" panose="02040503050201020203" pitchFamily="18" charset="0"/>
+              </a:rPr>
+              <a:t>FootSw</a:t>
+            </a:r>
+            <a:r>
+              <a:rPr lang="en-US" sz="1000" b="1" dirty="0">
+                <a:latin typeface="Century Gothic" panose="020B0502020202020204" pitchFamily="34" charset="0"/>
+                <a:cs typeface="Adobe Devanagari" panose="02040503050201020203" pitchFamily="18" charset="0"/>
+              </a:rPr>
+              <a:t> 2</a:t>
+            </a:r>
+          </a:p>
+        </p:txBody>
+      </p:sp>
+      <p:sp>
+        <p:nvSpPr>
+          <p:cNvPr id="67" name="Rectangle 66"/>
+          <p:cNvSpPr/>
+          <p:nvPr/>
+        </p:nvSpPr>
+        <p:spPr>
+          <a:xfrm>
+            <a:off x="7239482" y="4543676"/>
+            <a:ext cx="54086" cy="51892"/>
+          </a:xfrm>
+          <a:prstGeom prst="rect">
+            <a:avLst/>
+          </a:prstGeom>
+        </p:spPr>
+        <p:style>
+          <a:lnRef idx="2">
+            <a:schemeClr val="dk1"/>
+          </a:lnRef>
+          <a:fillRef idx="1">
+            <a:schemeClr val="lt1"/>
+          </a:fillRef>
+          <a:effectRef idx="0">
+            <a:schemeClr val="dk1"/>
+          </a:effectRef>
+          <a:fontRef idx="minor">
+            <a:schemeClr val="dk1"/>
+          </a:fontRef>
+        </p:style>
+        <p:txBody>
+          <a:bodyPr rtlCol="0" anchor="ctr"/>
+          <a:lstStyle/>
+          <a:p>
+            <a:pPr algn="ctr"/>
+            <a:endParaRPr lang="en-US"/>
+          </a:p>
+        </p:txBody>
+      </p:sp>
+      <p:sp>
+        <p:nvSpPr>
+          <p:cNvPr id="69" name="Rectangle 68"/>
+          <p:cNvSpPr/>
+          <p:nvPr/>
+        </p:nvSpPr>
+        <p:spPr>
+          <a:xfrm>
+            <a:off x="7239482" y="4633048"/>
+            <a:ext cx="54086" cy="51892"/>
+          </a:xfrm>
+          <a:prstGeom prst="rect">
+            <a:avLst/>
+          </a:prstGeom>
+        </p:spPr>
+        <p:style>
+          <a:lnRef idx="2">
+            <a:schemeClr val="dk1"/>
+          </a:lnRef>
+          <a:fillRef idx="1">
+            <a:schemeClr val="lt1"/>
+          </a:fillRef>
+          <a:effectRef idx="0">
+            <a:schemeClr val="dk1"/>
+          </a:effectRef>
+          <a:fontRef idx="minor">
+            <a:schemeClr val="dk1"/>
+          </a:fontRef>
+        </p:style>
+        <p:txBody>
+          <a:bodyPr rtlCol="0" anchor="ctr"/>
+          <a:lstStyle/>
+          <a:p>
+            <a:pPr algn="ctr"/>
+            <a:endParaRPr lang="en-US"/>
+          </a:p>
+        </p:txBody>
+      </p:sp>
+      <p:sp>
+        <p:nvSpPr>
+          <p:cNvPr id="70" name="TextBox 69"/>
+          <p:cNvSpPr txBox="1"/>
+          <p:nvPr/>
+        </p:nvSpPr>
+        <p:spPr>
+          <a:xfrm rot="5400000">
+            <a:off x="4369644" y="2091586"/>
+            <a:ext cx="833883" cy="246221"/>
+          </a:xfrm>
+          <a:prstGeom prst="rect">
+            <a:avLst/>
+          </a:prstGeom>
+          <a:noFill/>
+        </p:spPr>
+        <p:txBody>
+          <a:bodyPr wrap="none" rtlCol="0">
+            <a:spAutoFit/>
+          </a:bodyPr>
+          <a:lstStyle/>
+          <a:p>
+            <a:pPr algn="ctr"/>
+            <a:r>
+              <a:rPr lang="en-US" sz="1000" b="1" dirty="0">
+                <a:latin typeface="Century Gothic" panose="020B0502020202020204" pitchFamily="34" charset="0"/>
+                <a:cs typeface="Adobe Devanagari" panose="02040503050201020203" pitchFamily="18" charset="0"/>
+              </a:rPr>
+              <a:t>Expression</a:t>
+            </a:r>
+          </a:p>
+        </p:txBody>
+      </p:sp>
+      <p:sp>
+        <p:nvSpPr>
+          <p:cNvPr id="71" name="TextBox 70"/>
+          <p:cNvSpPr txBox="1"/>
+          <p:nvPr/>
+        </p:nvSpPr>
+        <p:spPr>
+          <a:xfrm rot="16200000">
+            <a:off x="6867601" y="2070599"/>
+            <a:ext cx="460382" cy="246221"/>
+          </a:xfrm>
+          <a:prstGeom prst="rect">
+            <a:avLst/>
+          </a:prstGeom>
+          <a:noFill/>
+        </p:spPr>
+        <p:txBody>
+          <a:bodyPr wrap="none" rtlCol="0">
+            <a:spAutoFit/>
+          </a:bodyPr>
+          <a:lstStyle/>
+          <a:p>
+            <a:pPr algn="ctr"/>
+            <a:r>
+              <a:rPr lang="en-US" sz="1000" b="1" dirty="0">
+                <a:latin typeface="Century Gothic" panose="020B0502020202020204" pitchFamily="34" charset="0"/>
+                <a:cs typeface="Adobe Devanagari" panose="02040503050201020203" pitchFamily="18" charset="0"/>
+              </a:rPr>
+              <a:t>MIDI</a:t>
+            </a:r>
+          </a:p>
+        </p:txBody>
+      </p:sp>
+      <p:sp>
+        <p:nvSpPr>
+          <p:cNvPr id="72" name="TextBox 71"/>
+          <p:cNvSpPr txBox="1"/>
+          <p:nvPr/>
+        </p:nvSpPr>
+        <p:spPr>
+          <a:xfrm rot="16200000">
+            <a:off x="6888870" y="3101168"/>
+            <a:ext cx="407484" cy="246221"/>
+          </a:xfrm>
+          <a:prstGeom prst="rect">
+            <a:avLst/>
+          </a:prstGeom>
+          <a:noFill/>
+        </p:spPr>
+        <p:txBody>
+          <a:bodyPr wrap="none" rtlCol="0">
+            <a:spAutoFit/>
+          </a:bodyPr>
+          <a:lstStyle/>
+          <a:p>
+            <a:pPr algn="ctr"/>
+            <a:r>
+              <a:rPr lang="en-US" sz="1000" b="1" dirty="0">
+                <a:latin typeface="Century Gothic" panose="020B0502020202020204" pitchFamily="34" charset="0"/>
+                <a:cs typeface="Adobe Devanagari" panose="02040503050201020203" pitchFamily="18" charset="0"/>
+              </a:rPr>
+              <a:t>USB</a:t>
+            </a:r>
+          </a:p>
+        </p:txBody>
+      </p:sp>
+      <p:sp>
+        <p:nvSpPr>
+          <p:cNvPr id="60" name="Rectangle 59"/>
+          <p:cNvSpPr/>
+          <p:nvPr/>
+        </p:nvSpPr>
+        <p:spPr>
+          <a:xfrm>
+            <a:off x="1130422" y="1955557"/>
+            <a:ext cx="3250889" cy="428695"/>
+          </a:xfrm>
+          <a:prstGeom prst="rect">
+            <a:avLst/>
+          </a:prstGeom>
+        </p:spPr>
+        <p:style>
+          <a:lnRef idx="2">
+            <a:schemeClr val="dk1">
+              <a:shade val="50000"/>
+            </a:schemeClr>
+          </a:lnRef>
+          <a:fillRef idx="1003">
+            <a:schemeClr val="dk1"/>
+          </a:fillRef>
+          <a:effectRef idx="0">
+            <a:schemeClr val="dk1"/>
+          </a:effectRef>
+          <a:fontRef idx="minor">
+            <a:schemeClr val="lt1"/>
+          </a:fontRef>
+        </p:style>
+        <p:txBody>
+          <a:bodyPr rtlCol="0" anchor="ctr"/>
+          <a:lstStyle/>
+          <a:p>
+            <a:r>
+              <a:rPr lang="en-US" sz="1600" b="1" dirty="0">
+                <a:solidFill>
+                  <a:schemeClr val="bg1"/>
+                </a:solidFill>
+              </a:rPr>
+              <a:t>Expression Input (1/8” TRS Jack)</a:t>
+            </a:r>
+          </a:p>
+        </p:txBody>
+      </p:sp>
+      <p:sp>
+        <p:nvSpPr>
+          <p:cNvPr id="61" name="Rectangle 60"/>
+          <p:cNvSpPr/>
+          <p:nvPr/>
+        </p:nvSpPr>
+        <p:spPr>
+          <a:xfrm>
+            <a:off x="1338617" y="3706618"/>
+            <a:ext cx="3023756" cy="410432"/>
+          </a:xfrm>
+          <a:prstGeom prst="rect">
+            <a:avLst/>
+          </a:prstGeom>
+        </p:spPr>
+        <p:style>
+          <a:lnRef idx="2">
+            <a:schemeClr val="dk1">
+              <a:shade val="50000"/>
+            </a:schemeClr>
+          </a:lnRef>
+          <a:fillRef idx="1001">
+            <a:schemeClr val="dk2"/>
+          </a:fillRef>
+          <a:effectRef idx="0">
+            <a:schemeClr val="dk1"/>
+          </a:effectRef>
+          <a:fontRef idx="minor">
+            <a:schemeClr val="lt1"/>
+          </a:fontRef>
+        </p:style>
+        <p:txBody>
+          <a:bodyPr rtlCol="0" anchor="ctr"/>
+          <a:lstStyle/>
+          <a:p>
+            <a:r>
+              <a:rPr lang="en-US" sz="1600" b="1" dirty="0">
+                <a:solidFill>
+                  <a:schemeClr val="bg1"/>
+                </a:solidFill>
+              </a:rPr>
+              <a:t>Three 3-way Toggles (On-Off-On)</a:t>
+            </a:r>
+          </a:p>
+        </p:txBody>
+      </p:sp>
+      <p:cxnSp>
+        <p:nvCxnSpPr>
+          <p:cNvPr id="62" name="Straight Arrow Connector 61"/>
+          <p:cNvCxnSpPr>
+            <a:stCxn id="61" idx="3"/>
+          </p:cNvCxnSpPr>
+          <p:nvPr/>
+        </p:nvCxnSpPr>
+        <p:spPr>
+          <a:xfrm>
+            <a:off x="4362373" y="3911834"/>
+            <a:ext cx="276302" cy="0"/>
+          </a:xfrm>
+          <a:prstGeom prst="straightConnector1">
+            <a:avLst/>
+          </a:prstGeom>
+          <a:ln>
+            <a:tailEnd type="triangle"/>
+          </a:ln>
+        </p:spPr>
+        <p:style>
+          <a:lnRef idx="3">
+            <a:schemeClr val="dk1"/>
+          </a:lnRef>
+          <a:fillRef idx="0">
+            <a:schemeClr val="dk1"/>
+          </a:fillRef>
+          <a:effectRef idx="2">
+            <a:schemeClr val="dk1"/>
+          </a:effectRef>
+          <a:fontRef idx="minor">
+            <a:schemeClr val="tx1"/>
+          </a:fontRef>
+        </p:style>
+      </p:cxnSp>
+      <p:cxnSp>
+        <p:nvCxnSpPr>
+          <p:cNvPr id="68" name="Straight Arrow Connector 67"/>
+          <p:cNvCxnSpPr/>
+          <p:nvPr/>
+        </p:nvCxnSpPr>
+        <p:spPr>
+          <a:xfrm>
+            <a:off x="4381311" y="2165058"/>
+            <a:ext cx="276302" cy="0"/>
+          </a:xfrm>
+          <a:prstGeom prst="straightConnector1">
+            <a:avLst/>
+          </a:prstGeom>
+          <a:ln>
+            <a:tailEnd type="triangle"/>
+          </a:ln>
+        </p:spPr>
+        <p:style>
+          <a:lnRef idx="3">
+            <a:schemeClr val="dk1"/>
+          </a:lnRef>
+          <a:fillRef idx="0">
+            <a:schemeClr val="dk1"/>
+          </a:fillRef>
+          <a:effectRef idx="2">
+            <a:schemeClr val="dk1"/>
+          </a:effectRef>
+          <a:fontRef idx="minor">
+            <a:schemeClr val="tx1"/>
+          </a:fontRef>
+        </p:style>
+      </p:cxnSp>
+      <p:cxnSp>
+        <p:nvCxnSpPr>
+          <p:cNvPr id="73" name="Straight Arrow Connector 72"/>
+          <p:cNvCxnSpPr/>
+          <p:nvPr/>
+        </p:nvCxnSpPr>
+        <p:spPr>
+          <a:xfrm flipH="1">
+            <a:off x="7266525" y="4623278"/>
+            <a:ext cx="236542" cy="0"/>
+          </a:xfrm>
+          <a:prstGeom prst="straightConnector1">
+            <a:avLst/>
+          </a:prstGeom>
+          <a:ln>
+            <a:tailEnd type="triangle"/>
+          </a:ln>
+        </p:spPr>
+        <p:style>
+          <a:lnRef idx="3">
+            <a:schemeClr val="dk1"/>
+          </a:lnRef>
+          <a:fillRef idx="0">
+            <a:schemeClr val="dk1"/>
+          </a:fillRef>
+          <a:effectRef idx="2">
+            <a:schemeClr val="dk1"/>
+          </a:effectRef>
+          <a:fontRef idx="minor">
+            <a:schemeClr val="tx1"/>
+          </a:fontRef>
+        </p:style>
+      </p:cxnSp>
+      <p:cxnSp>
+        <p:nvCxnSpPr>
+          <p:cNvPr id="74" name="Straight Arrow Connector 73"/>
+          <p:cNvCxnSpPr/>
+          <p:nvPr/>
+        </p:nvCxnSpPr>
+        <p:spPr>
+          <a:xfrm flipH="1">
+            <a:off x="7251189" y="3222216"/>
+            <a:ext cx="236542" cy="0"/>
+          </a:xfrm>
+          <a:prstGeom prst="straightConnector1">
+            <a:avLst/>
+          </a:prstGeom>
+          <a:ln>
+            <a:tailEnd type="triangle"/>
+          </a:ln>
+        </p:spPr>
+        <p:style>
+          <a:lnRef idx="3">
+            <a:schemeClr val="dk1"/>
+          </a:lnRef>
+          <a:fillRef idx="0">
+            <a:schemeClr val="dk1"/>
+          </a:fillRef>
+          <a:effectRef idx="2">
+            <a:schemeClr val="dk1"/>
+          </a:effectRef>
+          <a:fontRef idx="minor">
+            <a:schemeClr val="tx1"/>
+          </a:fontRef>
+        </p:style>
+      </p:cxnSp>
+      <p:cxnSp>
+        <p:nvCxnSpPr>
+          <p:cNvPr id="75" name="Straight Arrow Connector 74"/>
+          <p:cNvCxnSpPr/>
+          <p:nvPr/>
+        </p:nvCxnSpPr>
+        <p:spPr>
+          <a:xfrm flipH="1">
+            <a:off x="7244681" y="2193709"/>
+            <a:ext cx="236542" cy="0"/>
+          </a:xfrm>
+          <a:prstGeom prst="straightConnector1">
+            <a:avLst/>
+          </a:prstGeom>
+          <a:ln>
+            <a:tailEnd type="triangle"/>
+          </a:ln>
+        </p:spPr>
+        <p:style>
+          <a:lnRef idx="3">
+            <a:schemeClr val="dk1"/>
+          </a:lnRef>
+          <a:fillRef idx="0">
+            <a:schemeClr val="dk1"/>
+          </a:fillRef>
+          <a:effectRef idx="2">
+            <a:schemeClr val="dk1"/>
+          </a:effectRef>
+          <a:fontRef idx="minor">
+            <a:schemeClr val="tx1"/>
+          </a:fontRef>
+        </p:style>
+      </p:cxnSp>
+      <p:sp>
+        <p:nvSpPr>
+          <p:cNvPr id="65" name="Rectangle 64"/>
+          <p:cNvSpPr/>
+          <p:nvPr/>
+        </p:nvSpPr>
+        <p:spPr>
+          <a:xfrm>
+            <a:off x="2216110" y="2809545"/>
+            <a:ext cx="2146263" cy="410432"/>
+          </a:xfrm>
+          <a:prstGeom prst="rect">
+            <a:avLst/>
+          </a:prstGeom>
+        </p:spPr>
+        <p:style>
+          <a:lnRef idx="2">
+            <a:schemeClr val="dk1">
+              <a:shade val="50000"/>
+            </a:schemeClr>
+          </a:lnRef>
+          <a:fillRef idx="1001">
+            <a:schemeClr val="dk2"/>
+          </a:fillRef>
+          <a:effectRef idx="0">
+            <a:schemeClr val="dk1"/>
+          </a:effectRef>
+          <a:fontRef idx="minor">
+            <a:schemeClr val="lt1"/>
+          </a:fontRef>
+        </p:style>
+        <p:txBody>
+          <a:bodyPr rtlCol="0" anchor="ctr"/>
+          <a:lstStyle/>
+          <a:p>
+            <a:r>
+              <a:rPr lang="en-US" sz="1600" b="1" dirty="0">
+                <a:solidFill>
+                  <a:schemeClr val="bg1"/>
+                </a:solidFill>
+              </a:rPr>
+              <a:t>6 Potentiometer Knobs</a:t>
+            </a:r>
+          </a:p>
+        </p:txBody>
+      </p:sp>
+      <p:sp>
+        <p:nvSpPr>
+          <p:cNvPr id="76" name="Rectangle 75"/>
+          <p:cNvSpPr/>
+          <p:nvPr/>
+        </p:nvSpPr>
+        <p:spPr>
+          <a:xfrm>
+            <a:off x="166920" y="4373127"/>
+            <a:ext cx="4226847" cy="2096991"/>
+          </a:xfrm>
+          <a:prstGeom prst="rect">
+            <a:avLst/>
+          </a:prstGeom>
+          <a:ln/>
+        </p:spPr>
+        <p:style>
+          <a:lnRef idx="1">
+            <a:schemeClr val="accent2"/>
+          </a:lnRef>
+          <a:fillRef idx="2">
+            <a:schemeClr val="accent2"/>
+          </a:fillRef>
+          <a:effectRef idx="1">
+            <a:schemeClr val="accent2"/>
+          </a:effectRef>
+          <a:fontRef idx="minor">
+            <a:schemeClr val="dk1"/>
+          </a:fontRef>
+        </p:style>
+        <p:txBody>
+          <a:bodyPr rtlCol="0" anchor="ctr"/>
+          <a:lstStyle/>
+          <a:p>
+            <a:r>
+              <a:rPr lang="en-US" sz="2800" b="1" dirty="0">
+                <a:solidFill>
+                  <a:schemeClr val="tx1"/>
+                </a:solidFill>
+              </a:rPr>
+              <a:t>Specs:</a:t>
+            </a:r>
+          </a:p>
+          <a:p>
+            <a:pPr marL="285750" indent="-285750">
+              <a:buFont typeface="Arial" panose="020B0604020202020204" pitchFamily="34" charset="0"/>
+              <a:buChar char="•"/>
+            </a:pPr>
+            <a:r>
+              <a:rPr lang="en-US" sz="1400" b="1" dirty="0">
+                <a:solidFill>
+                  <a:schemeClr val="tx1"/>
+                </a:solidFill>
+              </a:rPr>
+              <a:t>Buffered Stereo In/Out Paths</a:t>
+            </a:r>
+          </a:p>
+          <a:p>
+            <a:pPr marL="285750" indent="-285750">
+              <a:buFont typeface="Arial" panose="020B0604020202020204" pitchFamily="34" charset="0"/>
+              <a:buChar char="•"/>
+            </a:pPr>
+            <a:r>
+              <a:rPr lang="en-US" sz="1400" b="1" dirty="0">
+                <a:solidFill>
+                  <a:schemeClr val="tx1"/>
+                </a:solidFill>
+              </a:rPr>
+              <a:t>Up to 96KHz, 24-bit Digital Processing</a:t>
+            </a:r>
+          </a:p>
+          <a:p>
+            <a:pPr marL="285750" indent="-285750">
+              <a:buFont typeface="Arial" panose="020B0604020202020204" pitchFamily="34" charset="0"/>
+              <a:buChar char="•"/>
+            </a:pPr>
+            <a:r>
+              <a:rPr lang="en-US" sz="1400" b="1" dirty="0">
+                <a:solidFill>
+                  <a:schemeClr val="tx1"/>
+                </a:solidFill>
+              </a:rPr>
+              <a:t>64MB SDRAM, 8MB Flash</a:t>
+            </a:r>
+          </a:p>
+          <a:p>
+            <a:pPr marL="285750" indent="-285750">
+              <a:buFont typeface="Arial" panose="020B0604020202020204" pitchFamily="34" charset="0"/>
+              <a:buChar char="•"/>
+            </a:pPr>
+            <a:r>
+              <a:rPr lang="en-US" sz="1400" b="1" dirty="0">
+                <a:solidFill>
+                  <a:schemeClr val="tx1"/>
+                </a:solidFill>
+              </a:rPr>
+              <a:t>ARM Cortex M7 480MHz</a:t>
+            </a:r>
+          </a:p>
+          <a:p>
+            <a:pPr marL="285750" indent="-285750">
+              <a:buFont typeface="Arial" panose="020B0604020202020204" pitchFamily="34" charset="0"/>
+              <a:buChar char="•"/>
+            </a:pPr>
+            <a:r>
+              <a:rPr lang="en-US" sz="1400" b="1" dirty="0">
+                <a:solidFill>
+                  <a:schemeClr val="tx1"/>
+                </a:solidFill>
+              </a:rPr>
+              <a:t>Expression and MIDI Inputs</a:t>
+            </a:r>
+          </a:p>
+          <a:p>
+            <a:pPr marL="285750" indent="-285750">
+              <a:buFont typeface="Arial" panose="020B0604020202020204" pitchFamily="34" charset="0"/>
+              <a:buChar char="•"/>
+            </a:pPr>
+            <a:r>
+              <a:rPr lang="en-US" sz="1400" b="1" dirty="0">
+                <a:solidFill>
+                  <a:schemeClr val="tx1"/>
+                </a:solidFill>
+              </a:rPr>
+              <a:t>Through Hole PCB</a:t>
+            </a:r>
+          </a:p>
+          <a:p>
+            <a:pPr marL="285750" indent="-285750">
+              <a:buFont typeface="Arial" panose="020B0604020202020204" pitchFamily="34" charset="0"/>
+              <a:buChar char="•"/>
+            </a:pPr>
+            <a:r>
+              <a:rPr lang="en-US" sz="1400" b="1" dirty="0">
+                <a:solidFill>
+                  <a:schemeClr val="tx1"/>
+                </a:solidFill>
+              </a:rPr>
+              <a:t>Digital Bypass only</a:t>
+            </a:r>
+          </a:p>
+        </p:txBody>
+      </p:sp>
+    </p:spTree>
+    <p:extLst>
+      <p:ext uri="{BB962C8B-B14F-4D97-AF65-F5344CB8AC3E}">
+        <p14:creationId xmlns:p14="http://schemas.microsoft.com/office/powerpoint/2010/main" val="2803695047"/>
       </p:ext>
     </p:extLst>
   </p:cSld>

--- a/software/images/Infographics.pptx
+++ b/software/images/Infographics.pptx
@@ -116,27 +116,58 @@
 </p:presentation>
 </file>
 
+<file path=ppt/revisionInfo.xml><?xml version="1.0" encoding="utf-8"?>
+<p1510:revInfo xmlns:a="http://schemas.openxmlformats.org/drawingml/2006/main" xmlns:r="http://schemas.openxmlformats.org/officeDocument/2006/relationships" xmlns:p1510="http://schemas.microsoft.com/office/powerpoint/2015/10/main">
+  <p1510:revLst>
+    <p1510:client id="{24D81073-3E66-491E-88CB-7DBD340A974C}" v="1" dt="2024-06-23T14:00:39.765"/>
+  </p1510:revLst>
+</p1510:revInfo>
+</file>
+
 <file path=ppt/changesInfos/changesInfo1.xml><?xml version="1.0" encoding="utf-8"?>
 <pc:chgInfo xmlns:a="http://schemas.openxmlformats.org/drawingml/2006/main" xmlns:r="http://schemas.openxmlformats.org/officeDocument/2006/relationships" xmlns:ac="http://schemas.microsoft.com/office/drawing/2013/main/command" xmlns:pc="http://schemas.microsoft.com/office/powerpoint/2013/main/command">
   <pc:docChgLst>
     <pc:chgData name="Rachel Bloemer" userId="77b46c2fcbe54245" providerId="LiveId" clId="{24D81073-3E66-491E-88CB-7DBD340A974C}"/>
     <pc:docChg chg="modSld">
-      <pc:chgData name="Rachel Bloemer" userId="77b46c2fcbe54245" providerId="LiveId" clId="{24D81073-3E66-491E-88CB-7DBD340A974C}" dt="2024-06-20T23:02:13.296" v="1" actId="20577"/>
+      <pc:chgData name="Rachel Bloemer" userId="77b46c2fcbe54245" providerId="LiveId" clId="{24D81073-3E66-491E-88CB-7DBD340A974C}" dt="2024-06-23T14:00:51.210" v="7" actId="1076"/>
       <pc:docMkLst>
         <pc:docMk/>
       </pc:docMkLst>
       <pc:sldChg chg="modSp mod">
-        <pc:chgData name="Rachel Bloemer" userId="77b46c2fcbe54245" providerId="LiveId" clId="{24D81073-3E66-491E-88CB-7DBD340A974C}" dt="2024-06-20T23:02:13.296" v="1" actId="20577"/>
+        <pc:chgData name="Rachel Bloemer" userId="77b46c2fcbe54245" providerId="LiveId" clId="{24D81073-3E66-491E-88CB-7DBD340A974C}" dt="2024-06-23T14:00:33.388" v="4" actId="20577"/>
         <pc:sldMkLst>
           <pc:docMk/>
           <pc:sldMk cId="2542036424" sldId="258"/>
         </pc:sldMkLst>
+        <pc:spChg chg="mod">
+          <ac:chgData name="Rachel Bloemer" userId="77b46c2fcbe54245" providerId="LiveId" clId="{24D81073-3E66-491E-88CB-7DBD340A974C}" dt="2024-06-23T14:00:33.388" v="4" actId="20577"/>
+          <ac:spMkLst>
+            <pc:docMk/>
+            <pc:sldMk cId="2542036424" sldId="258"/>
+            <ac:spMk id="33" creationId="{00000000-0000-0000-0000-000000000000}"/>
+          </ac:spMkLst>
+        </pc:spChg>
         <pc:spChg chg="mod">
           <ac:chgData name="Rachel Bloemer" userId="77b46c2fcbe54245" providerId="LiveId" clId="{24D81073-3E66-491E-88CB-7DBD340A974C}" dt="2024-06-20T23:02:13.296" v="1" actId="20577"/>
           <ac:spMkLst>
             <pc:docMk/>
             <pc:sldMk cId="2542036424" sldId="258"/>
             <ac:spMk id="64" creationId="{00000000-0000-0000-0000-000000000000}"/>
+          </ac:spMkLst>
+        </pc:spChg>
+      </pc:sldChg>
+      <pc:sldChg chg="addSp modSp mod">
+        <pc:chgData name="Rachel Bloemer" userId="77b46c2fcbe54245" providerId="LiveId" clId="{24D81073-3E66-491E-88CB-7DBD340A974C}" dt="2024-06-23T14:00:51.210" v="7" actId="1076"/>
+        <pc:sldMkLst>
+          <pc:docMk/>
+          <pc:sldMk cId="1612069438" sldId="259"/>
+        </pc:sldMkLst>
+        <pc:spChg chg="add mod">
+          <ac:chgData name="Rachel Bloemer" userId="77b46c2fcbe54245" providerId="LiveId" clId="{24D81073-3E66-491E-88CB-7DBD340A974C}" dt="2024-06-23T14:00:51.210" v="7" actId="1076"/>
+          <ac:spMkLst>
+            <pc:docMk/>
+            <pc:sldMk cId="1612069438" sldId="259"/>
+            <ac:spMk id="45" creationId="{3AED030E-BFED-3B45-051E-470C3F586D7C}"/>
           </ac:spMkLst>
         </pc:spChg>
       </pc:sldChg>
@@ -274,7 +305,7 @@
           <a:p>
             <a:fld id="{E65F16E8-9810-4F67-B618-098E0E399057}" type="datetimeFigureOut">
               <a:rPr lang="en-US" smtClean="0"/>
-              <a:t>6/20/2024</a:t>
+              <a:t>6/23/2024</a:t>
             </a:fld>
             <a:endParaRPr lang="en-US"/>
           </a:p>
@@ -442,7 +473,7 @@
           <a:p>
             <a:fld id="{E65F16E8-9810-4F67-B618-098E0E399057}" type="datetimeFigureOut">
               <a:rPr lang="en-US" smtClean="0"/>
-              <a:t>6/20/2024</a:t>
+              <a:t>6/23/2024</a:t>
             </a:fld>
             <a:endParaRPr lang="en-US"/>
           </a:p>
@@ -620,7 +651,7 @@
           <a:p>
             <a:fld id="{E65F16E8-9810-4F67-B618-098E0E399057}" type="datetimeFigureOut">
               <a:rPr lang="en-US" smtClean="0"/>
-              <a:t>6/20/2024</a:t>
+              <a:t>6/23/2024</a:t>
             </a:fld>
             <a:endParaRPr lang="en-US"/>
           </a:p>
@@ -788,7 +819,7 @@
           <a:p>
             <a:fld id="{E65F16E8-9810-4F67-B618-098E0E399057}" type="datetimeFigureOut">
               <a:rPr lang="en-US" smtClean="0"/>
-              <a:t>6/20/2024</a:t>
+              <a:t>6/23/2024</a:t>
             </a:fld>
             <a:endParaRPr lang="en-US"/>
           </a:p>
@@ -1033,7 +1064,7 @@
           <a:p>
             <a:fld id="{E65F16E8-9810-4F67-B618-098E0E399057}" type="datetimeFigureOut">
               <a:rPr lang="en-US" smtClean="0"/>
-              <a:t>6/20/2024</a:t>
+              <a:t>6/23/2024</a:t>
             </a:fld>
             <a:endParaRPr lang="en-US"/>
           </a:p>
@@ -1262,7 +1293,7 @@
           <a:p>
             <a:fld id="{E65F16E8-9810-4F67-B618-098E0E399057}" type="datetimeFigureOut">
               <a:rPr lang="en-US" smtClean="0"/>
-              <a:t>6/20/2024</a:t>
+              <a:t>6/23/2024</a:t>
             </a:fld>
             <a:endParaRPr lang="en-US"/>
           </a:p>
@@ -1626,7 +1657,7 @@
           <a:p>
             <a:fld id="{E65F16E8-9810-4F67-B618-098E0E399057}" type="datetimeFigureOut">
               <a:rPr lang="en-US" smtClean="0"/>
-              <a:t>6/20/2024</a:t>
+              <a:t>6/23/2024</a:t>
             </a:fld>
             <a:endParaRPr lang="en-US"/>
           </a:p>
@@ -1743,7 +1774,7 @@
           <a:p>
             <a:fld id="{E65F16E8-9810-4F67-B618-098E0E399057}" type="datetimeFigureOut">
               <a:rPr lang="en-US" smtClean="0"/>
-              <a:t>6/20/2024</a:t>
+              <a:t>6/23/2024</a:t>
             </a:fld>
             <a:endParaRPr lang="en-US"/>
           </a:p>
@@ -1838,7 +1869,7 @@
           <a:p>
             <a:fld id="{E65F16E8-9810-4F67-B618-098E0E399057}" type="datetimeFigureOut">
               <a:rPr lang="en-US" smtClean="0"/>
-              <a:t>6/20/2024</a:t>
+              <a:t>6/23/2024</a:t>
             </a:fld>
             <a:endParaRPr lang="en-US"/>
           </a:p>
@@ -2113,7 +2144,7 @@
           <a:p>
             <a:fld id="{E65F16E8-9810-4F67-B618-098E0E399057}" type="datetimeFigureOut">
               <a:rPr lang="en-US" smtClean="0"/>
-              <a:t>6/20/2024</a:t>
+              <a:t>6/23/2024</a:t>
             </a:fld>
             <a:endParaRPr lang="en-US"/>
           </a:p>
@@ -2365,7 +2396,7 @@
           <a:p>
             <a:fld id="{E65F16E8-9810-4F67-B618-098E0E399057}" type="datetimeFigureOut">
               <a:rPr lang="en-US" smtClean="0"/>
-              <a:t>6/20/2024</a:t>
+              <a:t>6/23/2024</a:t>
             </a:fld>
             <a:endParaRPr lang="en-US"/>
           </a:p>
@@ -2576,7 +2607,7 @@
           <a:p>
             <a:fld id="{E65F16E8-9810-4F67-B618-098E0E399057}" type="datetimeFigureOut">
               <a:rPr lang="en-US" smtClean="0"/>
-              <a:t>6/20/2024</a:t>
+              <a:t>6/23/2024</a:t>
             </a:fld>
             <a:endParaRPr lang="en-US"/>
           </a:p>
@@ -10395,8 +10426,8 @@
         </p:nvSpPr>
         <p:spPr>
           <a:xfrm>
-            <a:off x="4702728" y="5587506"/>
-            <a:ext cx="974947" cy="246221"/>
+            <a:off x="4870242" y="5587506"/>
+            <a:ext cx="639919" cy="246221"/>
           </a:xfrm>
           <a:prstGeom prst="rect">
             <a:avLst/>
@@ -10415,7 +10446,7 @@
                 <a:latin typeface="Century Gothic" panose="020B0502020202020204" pitchFamily="34" charset="0"/>
                 <a:cs typeface="Adobe Devanagari" panose="02040503050201020203" pitchFamily="18" charset="0"/>
               </a:rPr>
-              <a:t>BYPASS / ALT</a:t>
+              <a:t>BYPASS</a:t>
             </a:r>
           </a:p>
         </p:txBody>
@@ -15336,6 +15367,53 @@
           </a:effectRef>
           <a:fontRef idx="minor">
             <a:schemeClr val="dk1"/>
+          </a:fontRef>
+        </p:style>
+        <p:txBody>
+          <a:bodyPr rtlCol="0" anchor="ctr"/>
+          <a:lstStyle/>
+          <a:p>
+            <a:pPr algn="ctr"/>
+            <a:endParaRPr lang="en-US"/>
+          </a:p>
+        </p:txBody>
+      </p:sp>
+      <p:sp>
+        <p:nvSpPr>
+          <p:cNvPr id="45" name="Rectangle 44">
+            <a:extLst>
+              <a:ext uri="{FF2B5EF4-FFF2-40B4-BE49-F238E27FC236}">
+                <a16:creationId xmlns:a16="http://schemas.microsoft.com/office/drawing/2014/main" id="{3AED030E-BFED-3B45-051E-470C3F586D7C}"/>
+              </a:ext>
+            </a:extLst>
+          </p:cNvPr>
+          <p:cNvSpPr/>
+          <p:nvPr/>
+        </p:nvSpPr>
+        <p:spPr>
+          <a:xfrm>
+            <a:off x="4769132" y="1648888"/>
+            <a:ext cx="778693" cy="1864597"/>
+          </a:xfrm>
+          <a:prstGeom prst="rect">
+            <a:avLst/>
+          </a:prstGeom>
+          <a:noFill/>
+        </p:spPr>
+        <p:style>
+          <a:lnRef idx="2">
+            <a:schemeClr val="dk1">
+              <a:shade val="50000"/>
+            </a:schemeClr>
+          </a:lnRef>
+          <a:fillRef idx="1">
+            <a:schemeClr val="dk1"/>
+          </a:fillRef>
+          <a:effectRef idx="0">
+            <a:schemeClr val="dk1"/>
+          </a:effectRef>
+          <a:fontRef idx="minor">
+            <a:schemeClr val="lt1"/>
           </a:fontRef>
         </p:style>
         <p:txBody>

--- a/software/images/Infographics.pptx
+++ b/software/images/Infographics.pptx
@@ -129,12 +129,12 @@
   <pc:docChgLst>
     <pc:chgData name="Rachel Bloemer" userId="77b46c2fcbe54245" providerId="LiveId" clId="{24D81073-3E66-491E-88CB-7DBD340A974C}"/>
     <pc:docChg chg="modSld">
-      <pc:chgData name="Rachel Bloemer" userId="77b46c2fcbe54245" providerId="LiveId" clId="{24D81073-3E66-491E-88CB-7DBD340A974C}" dt="2024-06-23T14:00:51.210" v="7" actId="1076"/>
+      <pc:chgData name="Rachel Bloemer" userId="77b46c2fcbe54245" providerId="LiveId" clId="{24D81073-3E66-491E-88CB-7DBD340A974C}" dt="2024-06-25T01:16:22.725" v="28" actId="20577"/>
       <pc:docMkLst>
         <pc:docMk/>
       </pc:docMkLst>
       <pc:sldChg chg="modSp mod">
-        <pc:chgData name="Rachel Bloemer" userId="77b46c2fcbe54245" providerId="LiveId" clId="{24D81073-3E66-491E-88CB-7DBD340A974C}" dt="2024-06-23T14:00:33.388" v="4" actId="20577"/>
+        <pc:chgData name="Rachel Bloemer" userId="77b46c2fcbe54245" providerId="LiveId" clId="{24D81073-3E66-491E-88CB-7DBD340A974C}" dt="2024-06-25T01:16:22.725" v="28" actId="20577"/>
         <pc:sldMkLst>
           <pc:docMk/>
           <pc:sldMk cId="2542036424" sldId="258"/>
@@ -148,7 +148,7 @@
           </ac:spMkLst>
         </pc:spChg>
         <pc:spChg chg="mod">
-          <ac:chgData name="Rachel Bloemer" userId="77b46c2fcbe54245" providerId="LiveId" clId="{24D81073-3E66-491E-88CB-7DBD340A974C}" dt="2024-06-20T23:02:13.296" v="1" actId="20577"/>
+          <ac:chgData name="Rachel Bloemer" userId="77b46c2fcbe54245" providerId="LiveId" clId="{24D81073-3E66-491E-88CB-7DBD340A974C}" dt="2024-06-25T01:16:22.725" v="28" actId="20577"/>
           <ac:spMkLst>
             <pc:docMk/>
             <pc:sldMk cId="2542036424" sldId="258"/>
@@ -305,7 +305,7 @@
           <a:p>
             <a:fld id="{E65F16E8-9810-4F67-B618-098E0E399057}" type="datetimeFigureOut">
               <a:rPr lang="en-US" smtClean="0"/>
-              <a:t>6/23/2024</a:t>
+              <a:t>6/24/2024</a:t>
             </a:fld>
             <a:endParaRPr lang="en-US"/>
           </a:p>
@@ -473,7 +473,7 @@
           <a:p>
             <a:fld id="{E65F16E8-9810-4F67-B618-098E0E399057}" type="datetimeFigureOut">
               <a:rPr lang="en-US" smtClean="0"/>
-              <a:t>6/23/2024</a:t>
+              <a:t>6/24/2024</a:t>
             </a:fld>
             <a:endParaRPr lang="en-US"/>
           </a:p>
@@ -651,7 +651,7 @@
           <a:p>
             <a:fld id="{E65F16E8-9810-4F67-B618-098E0E399057}" type="datetimeFigureOut">
               <a:rPr lang="en-US" smtClean="0"/>
-              <a:t>6/23/2024</a:t>
+              <a:t>6/24/2024</a:t>
             </a:fld>
             <a:endParaRPr lang="en-US"/>
           </a:p>
@@ -819,7 +819,7 @@
           <a:p>
             <a:fld id="{E65F16E8-9810-4F67-B618-098E0E399057}" type="datetimeFigureOut">
               <a:rPr lang="en-US" smtClean="0"/>
-              <a:t>6/23/2024</a:t>
+              <a:t>6/24/2024</a:t>
             </a:fld>
             <a:endParaRPr lang="en-US"/>
           </a:p>
@@ -1064,7 +1064,7 @@
           <a:p>
             <a:fld id="{E65F16E8-9810-4F67-B618-098E0E399057}" type="datetimeFigureOut">
               <a:rPr lang="en-US" smtClean="0"/>
-              <a:t>6/23/2024</a:t>
+              <a:t>6/24/2024</a:t>
             </a:fld>
             <a:endParaRPr lang="en-US"/>
           </a:p>
@@ -1293,7 +1293,7 @@
           <a:p>
             <a:fld id="{E65F16E8-9810-4F67-B618-098E0E399057}" type="datetimeFigureOut">
               <a:rPr lang="en-US" smtClean="0"/>
-              <a:t>6/23/2024</a:t>
+              <a:t>6/24/2024</a:t>
             </a:fld>
             <a:endParaRPr lang="en-US"/>
           </a:p>
@@ -1657,7 +1657,7 @@
           <a:p>
             <a:fld id="{E65F16E8-9810-4F67-B618-098E0E399057}" type="datetimeFigureOut">
               <a:rPr lang="en-US" smtClean="0"/>
-              <a:t>6/23/2024</a:t>
+              <a:t>6/24/2024</a:t>
             </a:fld>
             <a:endParaRPr lang="en-US"/>
           </a:p>
@@ -1774,7 +1774,7 @@
           <a:p>
             <a:fld id="{E65F16E8-9810-4F67-B618-098E0E399057}" type="datetimeFigureOut">
               <a:rPr lang="en-US" smtClean="0"/>
-              <a:t>6/23/2024</a:t>
+              <a:t>6/24/2024</a:t>
             </a:fld>
             <a:endParaRPr lang="en-US"/>
           </a:p>
@@ -1869,7 +1869,7 @@
           <a:p>
             <a:fld id="{E65F16E8-9810-4F67-B618-098E0E399057}" type="datetimeFigureOut">
               <a:rPr lang="en-US" smtClean="0"/>
-              <a:t>6/23/2024</a:t>
+              <a:t>6/24/2024</a:t>
             </a:fld>
             <a:endParaRPr lang="en-US"/>
           </a:p>
@@ -2144,7 +2144,7 @@
           <a:p>
             <a:fld id="{E65F16E8-9810-4F67-B618-098E0E399057}" type="datetimeFigureOut">
               <a:rPr lang="en-US" smtClean="0"/>
-              <a:t>6/23/2024</a:t>
+              <a:t>6/24/2024</a:t>
             </a:fld>
             <a:endParaRPr lang="en-US"/>
           </a:p>
@@ -2396,7 +2396,7 @@
           <a:p>
             <a:fld id="{E65F16E8-9810-4F67-B618-098E0E399057}" type="datetimeFigureOut">
               <a:rPr lang="en-US" smtClean="0"/>
-              <a:t>6/23/2024</a:t>
+              <a:t>6/24/2024</a:t>
             </a:fld>
             <a:endParaRPr lang="en-US"/>
           </a:p>
@@ -2607,7 +2607,7 @@
           <a:p>
             <a:fld id="{E65F16E8-9810-4F67-B618-098E0E399057}" type="datetimeFigureOut">
               <a:rPr lang="en-US" smtClean="0"/>
-              <a:t>6/23/2024</a:t>
+              <a:t>6/24/2024</a:t>
             </a:fld>
             <a:endParaRPr lang="en-US"/>
           </a:p>
@@ -11755,7 +11755,7 @@
                   <a:schemeClr val="tx1"/>
                 </a:solidFill>
               </a:rPr>
-              <a:t>: NO</a:t>
+              <a:t>: YES</a:t>
             </a:r>
             <a:endParaRPr lang="en-US" sz="1600" b="1" dirty="0">
               <a:solidFill>

--- a/software/images/Infographics.pptx
+++ b/software/images/Infographics.pptx
@@ -129,10 +129,25 @@
   <pc:docChgLst>
     <pc:chgData name="Rachel Bloemer" userId="77b46c2fcbe54245" providerId="LiveId" clId="{24D81073-3E66-491E-88CB-7DBD340A974C}"/>
     <pc:docChg chg="modSld">
-      <pc:chgData name="Rachel Bloemer" userId="77b46c2fcbe54245" providerId="LiveId" clId="{24D81073-3E66-491E-88CB-7DBD340A974C}" dt="2024-06-25T01:16:22.725" v="28" actId="20577"/>
+      <pc:chgData name="Rachel Bloemer" userId="77b46c2fcbe54245" providerId="LiveId" clId="{24D81073-3E66-491E-88CB-7DBD340A974C}" dt="2024-06-26T23:15:55.332" v="31" actId="20577"/>
       <pc:docMkLst>
         <pc:docMk/>
       </pc:docMkLst>
+      <pc:sldChg chg="modSp mod">
+        <pc:chgData name="Rachel Bloemer" userId="77b46c2fcbe54245" providerId="LiveId" clId="{24D81073-3E66-491E-88CB-7DBD340A974C}" dt="2024-06-26T23:15:55.332" v="31" actId="20577"/>
+        <pc:sldMkLst>
+          <pc:docMk/>
+          <pc:sldMk cId="555711430" sldId="256"/>
+        </pc:sldMkLst>
+        <pc:spChg chg="mod">
+          <ac:chgData name="Rachel Bloemer" userId="77b46c2fcbe54245" providerId="LiveId" clId="{24D81073-3E66-491E-88CB-7DBD340A974C}" dt="2024-06-26T23:15:55.332" v="31" actId="20577"/>
+          <ac:spMkLst>
+            <pc:docMk/>
+            <pc:sldMk cId="555711430" sldId="256"/>
+            <ac:spMk id="64" creationId="{00000000-0000-0000-0000-000000000000}"/>
+          </ac:spMkLst>
+        </pc:spChg>
+      </pc:sldChg>
       <pc:sldChg chg="modSp mod">
         <pc:chgData name="Rachel Bloemer" userId="77b46c2fcbe54245" providerId="LiveId" clId="{24D81073-3E66-491E-88CB-7DBD340A974C}" dt="2024-06-25T01:16:22.725" v="28" actId="20577"/>
         <pc:sldMkLst>
@@ -305,7 +320,7 @@
           <a:p>
             <a:fld id="{E65F16E8-9810-4F67-B618-098E0E399057}" type="datetimeFigureOut">
               <a:rPr lang="en-US" smtClean="0"/>
-              <a:t>6/24/2024</a:t>
+              <a:t>6/26/2024</a:t>
             </a:fld>
             <a:endParaRPr lang="en-US"/>
           </a:p>
@@ -473,7 +488,7 @@
           <a:p>
             <a:fld id="{E65F16E8-9810-4F67-B618-098E0E399057}" type="datetimeFigureOut">
               <a:rPr lang="en-US" smtClean="0"/>
-              <a:t>6/24/2024</a:t>
+              <a:t>6/26/2024</a:t>
             </a:fld>
             <a:endParaRPr lang="en-US"/>
           </a:p>
@@ -651,7 +666,7 @@
           <a:p>
             <a:fld id="{E65F16E8-9810-4F67-B618-098E0E399057}" type="datetimeFigureOut">
               <a:rPr lang="en-US" smtClean="0"/>
-              <a:t>6/24/2024</a:t>
+              <a:t>6/26/2024</a:t>
             </a:fld>
             <a:endParaRPr lang="en-US"/>
           </a:p>
@@ -819,7 +834,7 @@
           <a:p>
             <a:fld id="{E65F16E8-9810-4F67-B618-098E0E399057}" type="datetimeFigureOut">
               <a:rPr lang="en-US" smtClean="0"/>
-              <a:t>6/24/2024</a:t>
+              <a:t>6/26/2024</a:t>
             </a:fld>
             <a:endParaRPr lang="en-US"/>
           </a:p>
@@ -1064,7 +1079,7 @@
           <a:p>
             <a:fld id="{E65F16E8-9810-4F67-B618-098E0E399057}" type="datetimeFigureOut">
               <a:rPr lang="en-US" smtClean="0"/>
-              <a:t>6/24/2024</a:t>
+              <a:t>6/26/2024</a:t>
             </a:fld>
             <a:endParaRPr lang="en-US"/>
           </a:p>
@@ -1293,7 +1308,7 @@
           <a:p>
             <a:fld id="{E65F16E8-9810-4F67-B618-098E0E399057}" type="datetimeFigureOut">
               <a:rPr lang="en-US" smtClean="0"/>
-              <a:t>6/24/2024</a:t>
+              <a:t>6/26/2024</a:t>
             </a:fld>
             <a:endParaRPr lang="en-US"/>
           </a:p>
@@ -1657,7 +1672,7 @@
           <a:p>
             <a:fld id="{E65F16E8-9810-4F67-B618-098E0E399057}" type="datetimeFigureOut">
               <a:rPr lang="en-US" smtClean="0"/>
-              <a:t>6/24/2024</a:t>
+              <a:t>6/26/2024</a:t>
             </a:fld>
             <a:endParaRPr lang="en-US"/>
           </a:p>
@@ -1774,7 +1789,7 @@
           <a:p>
             <a:fld id="{E65F16E8-9810-4F67-B618-098E0E399057}" type="datetimeFigureOut">
               <a:rPr lang="en-US" smtClean="0"/>
-              <a:t>6/24/2024</a:t>
+              <a:t>6/26/2024</a:t>
             </a:fld>
             <a:endParaRPr lang="en-US"/>
           </a:p>
@@ -1869,7 +1884,7 @@
           <a:p>
             <a:fld id="{E65F16E8-9810-4F67-B618-098E0E399057}" type="datetimeFigureOut">
               <a:rPr lang="en-US" smtClean="0"/>
-              <a:t>6/24/2024</a:t>
+              <a:t>6/26/2024</a:t>
             </a:fld>
             <a:endParaRPr lang="en-US"/>
           </a:p>
@@ -2144,7 +2159,7 @@
           <a:p>
             <a:fld id="{E65F16E8-9810-4F67-B618-098E0E399057}" type="datetimeFigureOut">
               <a:rPr lang="en-US" smtClean="0"/>
-              <a:t>6/24/2024</a:t>
+              <a:t>6/26/2024</a:t>
             </a:fld>
             <a:endParaRPr lang="en-US"/>
           </a:p>
@@ -2396,7 +2411,7 @@
           <a:p>
             <a:fld id="{E65F16E8-9810-4F67-B618-098E0E399057}" type="datetimeFigureOut">
               <a:rPr lang="en-US" smtClean="0"/>
-              <a:t>6/24/2024</a:t>
+              <a:t>6/26/2024</a:t>
             </a:fld>
             <a:endParaRPr lang="en-US"/>
           </a:p>
@@ -2607,7 +2622,7 @@
           <a:p>
             <a:fld id="{E65F16E8-9810-4F67-B618-098E0E399057}" type="datetimeFigureOut">
               <a:rPr lang="en-US" smtClean="0"/>
-              <a:t>6/24/2024</a:t>
+              <a:t>6/26/2024</a:t>
             </a:fld>
             <a:endParaRPr lang="en-US"/>
           </a:p>
@@ -8813,8 +8828,21 @@
                   <a:schemeClr val="tx1"/>
                 </a:solidFill>
               </a:rPr>
-              <a:t>MIDI: NO</a:t>
-            </a:r>
+              <a:t>MIDI</a:t>
+            </a:r>
+            <a:r>
+              <a:rPr lang="en-US" sz="1600" b="1">
+                <a:solidFill>
+                  <a:schemeClr val="tx1"/>
+                </a:solidFill>
+              </a:rPr>
+              <a:t>: YES</a:t>
+            </a:r>
+            <a:endParaRPr lang="en-US" sz="1600" b="1" dirty="0">
+              <a:solidFill>
+                <a:schemeClr val="tx1"/>
+              </a:solidFill>
+            </a:endParaRPr>
           </a:p>
         </p:txBody>
       </p:sp>

--- a/software/images/Infographics.pptx
+++ b/software/images/Infographics.pptx
@@ -9,7 +9,8 @@
     <p:sldId id="256" r:id="rId3"/>
     <p:sldId id="258" r:id="rId4"/>
     <p:sldId id="259" r:id="rId5"/>
-    <p:sldId id="260" r:id="rId6"/>
+    <p:sldId id="261" r:id="rId6"/>
+    <p:sldId id="260" r:id="rId7"/>
   </p:sldIdLst>
   <p:sldSz cx="12192000" cy="6858000"/>
   <p:notesSz cx="6858000" cy="9144000"/>
@@ -116,16 +117,32 @@
 </p:presentation>
 </file>
 
-<file path=ppt/revisionInfo.xml><?xml version="1.0" encoding="utf-8"?>
-<p1510:revInfo xmlns:a="http://schemas.openxmlformats.org/drawingml/2006/main" xmlns:r="http://schemas.openxmlformats.org/officeDocument/2006/relationships" xmlns:p1510="http://schemas.microsoft.com/office/powerpoint/2015/10/main">
-  <p1510:revLst>
-    <p1510:client id="{24D81073-3E66-491E-88CB-7DBD340A974C}" v="1" dt="2024-06-23T14:00:39.765"/>
-  </p1510:revLst>
-</p1510:revInfo>
-</file>
-
 <file path=ppt/changesInfos/changesInfo1.xml><?xml version="1.0" encoding="utf-8"?>
 <pc:chgInfo xmlns:a="http://schemas.openxmlformats.org/drawingml/2006/main" xmlns:r="http://schemas.openxmlformats.org/officeDocument/2006/relationships" xmlns:ac="http://schemas.microsoft.com/office/drawing/2013/main/command" xmlns:pc="http://schemas.microsoft.com/office/powerpoint/2013/main/command">
+  <pc:docChgLst>
+    <pc:chgData name="Rachel Bloemer" userId="77b46c2fcbe54245" providerId="LiveId" clId="{A84FB524-E67A-4211-8697-C15450D7CF1C}"/>
+    <pc:docChg chg="modSld">
+      <pc:chgData name="Rachel Bloemer" userId="77b46c2fcbe54245" providerId="LiveId" clId="{A84FB524-E67A-4211-8697-C15450D7CF1C}" dt="2024-07-27T00:14:07.011" v="8" actId="20577"/>
+      <pc:docMkLst>
+        <pc:docMk/>
+      </pc:docMkLst>
+      <pc:sldChg chg="modSp mod">
+        <pc:chgData name="Rachel Bloemer" userId="77b46c2fcbe54245" providerId="LiveId" clId="{A84FB524-E67A-4211-8697-C15450D7CF1C}" dt="2024-07-27T00:14:07.011" v="8" actId="20577"/>
+        <pc:sldMkLst>
+          <pc:docMk/>
+          <pc:sldMk cId="2892489643" sldId="261"/>
+        </pc:sldMkLst>
+        <pc:spChg chg="mod">
+          <ac:chgData name="Rachel Bloemer" userId="77b46c2fcbe54245" providerId="LiveId" clId="{A84FB524-E67A-4211-8697-C15450D7CF1C}" dt="2024-07-27T00:14:07.011" v="8" actId="20577"/>
+          <ac:spMkLst>
+            <pc:docMk/>
+            <pc:sldMk cId="2892489643" sldId="261"/>
+            <ac:spMk id="60" creationId="{00000000-0000-0000-0000-000000000000}"/>
+          </ac:spMkLst>
+        </pc:spChg>
+      </pc:sldChg>
+    </pc:docChg>
+  </pc:docChgLst>
   <pc:docChgLst>
     <pc:chgData name="Rachel Bloemer" userId="77b46c2fcbe54245" providerId="LiveId" clId="{24D81073-3E66-491E-88CB-7DBD340A974C}"/>
     <pc:docChg chg="modSld">
@@ -320,7 +337,7 @@
           <a:p>
             <a:fld id="{E65F16E8-9810-4F67-B618-098E0E399057}" type="datetimeFigureOut">
               <a:rPr lang="en-US" smtClean="0"/>
-              <a:t>6/26/2024</a:t>
+              <a:t>7/26/2024</a:t>
             </a:fld>
             <a:endParaRPr lang="en-US"/>
           </a:p>
@@ -488,7 +505,7 @@
           <a:p>
             <a:fld id="{E65F16E8-9810-4F67-B618-098E0E399057}" type="datetimeFigureOut">
               <a:rPr lang="en-US" smtClean="0"/>
-              <a:t>6/26/2024</a:t>
+              <a:t>7/26/2024</a:t>
             </a:fld>
             <a:endParaRPr lang="en-US"/>
           </a:p>
@@ -666,7 +683,7 @@
           <a:p>
             <a:fld id="{E65F16E8-9810-4F67-B618-098E0E399057}" type="datetimeFigureOut">
               <a:rPr lang="en-US" smtClean="0"/>
-              <a:t>6/26/2024</a:t>
+              <a:t>7/26/2024</a:t>
             </a:fld>
             <a:endParaRPr lang="en-US"/>
           </a:p>
@@ -834,7 +851,7 @@
           <a:p>
             <a:fld id="{E65F16E8-9810-4F67-B618-098E0E399057}" type="datetimeFigureOut">
               <a:rPr lang="en-US" smtClean="0"/>
-              <a:t>6/26/2024</a:t>
+              <a:t>7/26/2024</a:t>
             </a:fld>
             <a:endParaRPr lang="en-US"/>
           </a:p>
@@ -1079,7 +1096,7 @@
           <a:p>
             <a:fld id="{E65F16E8-9810-4F67-B618-098E0E399057}" type="datetimeFigureOut">
               <a:rPr lang="en-US" smtClean="0"/>
-              <a:t>6/26/2024</a:t>
+              <a:t>7/26/2024</a:t>
             </a:fld>
             <a:endParaRPr lang="en-US"/>
           </a:p>
@@ -1308,7 +1325,7 @@
           <a:p>
             <a:fld id="{E65F16E8-9810-4F67-B618-098E0E399057}" type="datetimeFigureOut">
               <a:rPr lang="en-US" smtClean="0"/>
-              <a:t>6/26/2024</a:t>
+              <a:t>7/26/2024</a:t>
             </a:fld>
             <a:endParaRPr lang="en-US"/>
           </a:p>
@@ -1672,7 +1689,7 @@
           <a:p>
             <a:fld id="{E65F16E8-9810-4F67-B618-098E0E399057}" type="datetimeFigureOut">
               <a:rPr lang="en-US" smtClean="0"/>
-              <a:t>6/26/2024</a:t>
+              <a:t>7/26/2024</a:t>
             </a:fld>
             <a:endParaRPr lang="en-US"/>
           </a:p>
@@ -1789,7 +1806,7 @@
           <a:p>
             <a:fld id="{E65F16E8-9810-4F67-B618-098E0E399057}" type="datetimeFigureOut">
               <a:rPr lang="en-US" smtClean="0"/>
-              <a:t>6/26/2024</a:t>
+              <a:t>7/26/2024</a:t>
             </a:fld>
             <a:endParaRPr lang="en-US"/>
           </a:p>
@@ -1884,7 +1901,7 @@
           <a:p>
             <a:fld id="{E65F16E8-9810-4F67-B618-098E0E399057}" type="datetimeFigureOut">
               <a:rPr lang="en-US" smtClean="0"/>
-              <a:t>6/26/2024</a:t>
+              <a:t>7/26/2024</a:t>
             </a:fld>
             <a:endParaRPr lang="en-US"/>
           </a:p>
@@ -2159,7 +2176,7 @@
           <a:p>
             <a:fld id="{E65F16E8-9810-4F67-B618-098E0E399057}" type="datetimeFigureOut">
               <a:rPr lang="en-US" smtClean="0"/>
-              <a:t>6/26/2024</a:t>
+              <a:t>7/26/2024</a:t>
             </a:fld>
             <a:endParaRPr lang="en-US"/>
           </a:p>
@@ -2411,7 +2428,7 @@
           <a:p>
             <a:fld id="{E65F16E8-9810-4F67-B618-098E0E399057}" type="datetimeFigureOut">
               <a:rPr lang="en-US" smtClean="0"/>
-              <a:t>6/26/2024</a:t>
+              <a:t>7/26/2024</a:t>
             </a:fld>
             <a:endParaRPr lang="en-US"/>
           </a:p>
@@ -2622,7 +2639,7 @@
           <a:p>
             <a:fld id="{E65F16E8-9810-4F67-B618-098E0E399057}" type="datetimeFigureOut">
               <a:rPr lang="en-US" smtClean="0"/>
-              <a:t>6/26/2024</a:t>
+              <a:t>7/26/2024</a:t>
             </a:fld>
             <a:endParaRPr lang="en-US"/>
           </a:p>
@@ -15640,6 +15657,3332 @@
             <a:avLst/>
           </a:prstGeom>
           <a:solidFill>
+            <a:srgbClr val="FF7575"/>
+          </a:solidFill>
+          <a:ln w="28575">
+            <a:solidFill>
+              <a:schemeClr val="tx1"/>
+            </a:solidFill>
+          </a:ln>
+        </p:spPr>
+        <p:style>
+          <a:lnRef idx="2">
+            <a:schemeClr val="accent1">
+              <a:shade val="50000"/>
+            </a:schemeClr>
+          </a:lnRef>
+          <a:fillRef idx="1">
+            <a:schemeClr val="accent1"/>
+          </a:fillRef>
+          <a:effectRef idx="0">
+            <a:schemeClr val="accent1"/>
+          </a:effectRef>
+          <a:fontRef idx="minor">
+            <a:schemeClr val="lt1"/>
+          </a:fontRef>
+        </p:style>
+        <p:txBody>
+          <a:bodyPr rtlCol="0" anchor="ctr"/>
+          <a:lstStyle/>
+          <a:p>
+            <a:pPr algn="ctr"/>
+            <a:endParaRPr lang="en-US"/>
+          </a:p>
+        </p:txBody>
+      </p:sp>
+      <p:sp>
+        <p:nvSpPr>
+          <p:cNvPr id="6" name="Oval 5"/>
+          <p:cNvSpPr/>
+          <p:nvPr/>
+        </p:nvSpPr>
+        <p:spPr>
+          <a:xfrm>
+            <a:off x="5660434" y="1747348"/>
+            <a:ext cx="556260" cy="533400"/>
+          </a:xfrm>
+          <a:prstGeom prst="ellipse">
+            <a:avLst/>
+          </a:prstGeom>
+          <a:solidFill>
+            <a:srgbClr val="FF7575"/>
+          </a:solidFill>
+          <a:ln w="28575">
+            <a:solidFill>
+              <a:schemeClr val="tx1"/>
+            </a:solidFill>
+          </a:ln>
+        </p:spPr>
+        <p:style>
+          <a:lnRef idx="2">
+            <a:schemeClr val="accent1">
+              <a:shade val="50000"/>
+            </a:schemeClr>
+          </a:lnRef>
+          <a:fillRef idx="1">
+            <a:schemeClr val="accent1"/>
+          </a:fillRef>
+          <a:effectRef idx="0">
+            <a:schemeClr val="accent1"/>
+          </a:effectRef>
+          <a:fontRef idx="minor">
+            <a:schemeClr val="lt1"/>
+          </a:fontRef>
+        </p:style>
+        <p:txBody>
+          <a:bodyPr rtlCol="0" anchor="ctr"/>
+          <a:lstStyle/>
+          <a:p>
+            <a:pPr algn="ctr"/>
+            <a:endParaRPr lang="en-US"/>
+          </a:p>
+        </p:txBody>
+      </p:sp>
+      <p:sp>
+        <p:nvSpPr>
+          <p:cNvPr id="7" name="Oval 6"/>
+          <p:cNvSpPr/>
+          <p:nvPr/>
+        </p:nvSpPr>
+        <p:spPr>
+          <a:xfrm>
+            <a:off x="6457944" y="1747348"/>
+            <a:ext cx="556260" cy="533400"/>
+          </a:xfrm>
+          <a:prstGeom prst="ellipse">
+            <a:avLst/>
+          </a:prstGeom>
+          <a:solidFill>
+            <a:srgbClr val="FF7575"/>
+          </a:solidFill>
+          <a:ln w="28575">
+            <a:solidFill>
+              <a:schemeClr val="tx1"/>
+            </a:solidFill>
+          </a:ln>
+        </p:spPr>
+        <p:style>
+          <a:lnRef idx="2">
+            <a:schemeClr val="accent1">
+              <a:shade val="50000"/>
+            </a:schemeClr>
+          </a:lnRef>
+          <a:fillRef idx="1">
+            <a:schemeClr val="accent1"/>
+          </a:fillRef>
+          <a:effectRef idx="0">
+            <a:schemeClr val="accent1"/>
+          </a:effectRef>
+          <a:fontRef idx="minor">
+            <a:schemeClr val="lt1"/>
+          </a:fontRef>
+        </p:style>
+        <p:txBody>
+          <a:bodyPr rtlCol="0" anchor="ctr"/>
+          <a:lstStyle/>
+          <a:p>
+            <a:pPr algn="ctr"/>
+            <a:endParaRPr lang="en-US"/>
+          </a:p>
+        </p:txBody>
+      </p:sp>
+      <p:sp>
+        <p:nvSpPr>
+          <p:cNvPr id="8" name="Oval 7"/>
+          <p:cNvSpPr/>
+          <p:nvPr/>
+        </p:nvSpPr>
+        <p:spPr>
+          <a:xfrm>
+            <a:off x="4875991" y="2745568"/>
+            <a:ext cx="556260" cy="533400"/>
+          </a:xfrm>
+          <a:prstGeom prst="ellipse">
+            <a:avLst/>
+          </a:prstGeom>
+          <a:solidFill>
+            <a:schemeClr val="bg2">
+              <a:lumMod val="50000"/>
+            </a:schemeClr>
+          </a:solidFill>
+          <a:ln w="28575">
+            <a:solidFill>
+              <a:schemeClr val="tx1"/>
+            </a:solidFill>
+          </a:ln>
+        </p:spPr>
+        <p:style>
+          <a:lnRef idx="2">
+            <a:schemeClr val="accent1">
+              <a:shade val="50000"/>
+            </a:schemeClr>
+          </a:lnRef>
+          <a:fillRef idx="1">
+            <a:schemeClr val="accent1"/>
+          </a:fillRef>
+          <a:effectRef idx="0">
+            <a:schemeClr val="accent1"/>
+          </a:effectRef>
+          <a:fontRef idx="minor">
+            <a:schemeClr val="lt1"/>
+          </a:fontRef>
+        </p:style>
+        <p:txBody>
+          <a:bodyPr rtlCol="0" anchor="ctr"/>
+          <a:lstStyle/>
+          <a:p>
+            <a:pPr algn="ctr"/>
+            <a:endParaRPr lang="en-US"/>
+          </a:p>
+        </p:txBody>
+      </p:sp>
+      <p:sp>
+        <p:nvSpPr>
+          <p:cNvPr id="9" name="Oval 8"/>
+          <p:cNvSpPr/>
+          <p:nvPr/>
+        </p:nvSpPr>
+        <p:spPr>
+          <a:xfrm>
+            <a:off x="5660434" y="2745568"/>
+            <a:ext cx="556260" cy="533400"/>
+          </a:xfrm>
+          <a:prstGeom prst="ellipse">
+            <a:avLst/>
+          </a:prstGeom>
+          <a:solidFill>
+            <a:schemeClr val="bg2">
+              <a:lumMod val="50000"/>
+            </a:schemeClr>
+          </a:solidFill>
+          <a:ln w="28575">
+            <a:solidFill>
+              <a:schemeClr val="tx1"/>
+            </a:solidFill>
+          </a:ln>
+        </p:spPr>
+        <p:style>
+          <a:lnRef idx="2">
+            <a:schemeClr val="accent1">
+              <a:shade val="50000"/>
+            </a:schemeClr>
+          </a:lnRef>
+          <a:fillRef idx="1">
+            <a:schemeClr val="accent1"/>
+          </a:fillRef>
+          <a:effectRef idx="0">
+            <a:schemeClr val="accent1"/>
+          </a:effectRef>
+          <a:fontRef idx="minor">
+            <a:schemeClr val="lt1"/>
+          </a:fontRef>
+        </p:style>
+        <p:txBody>
+          <a:bodyPr rtlCol="0" anchor="ctr"/>
+          <a:lstStyle/>
+          <a:p>
+            <a:pPr algn="ctr"/>
+            <a:endParaRPr lang="en-US"/>
+          </a:p>
+        </p:txBody>
+      </p:sp>
+      <p:sp>
+        <p:nvSpPr>
+          <p:cNvPr id="10" name="Oval 9"/>
+          <p:cNvSpPr/>
+          <p:nvPr/>
+        </p:nvSpPr>
+        <p:spPr>
+          <a:xfrm>
+            <a:off x="6457944" y="2745568"/>
+            <a:ext cx="556260" cy="533400"/>
+          </a:xfrm>
+          <a:prstGeom prst="ellipse">
+            <a:avLst/>
+          </a:prstGeom>
+          <a:solidFill>
+            <a:schemeClr val="bg2">
+              <a:lumMod val="50000"/>
+            </a:schemeClr>
+          </a:solidFill>
+          <a:ln w="28575">
+            <a:solidFill>
+              <a:schemeClr val="tx1"/>
+            </a:solidFill>
+          </a:ln>
+        </p:spPr>
+        <p:style>
+          <a:lnRef idx="2">
+            <a:schemeClr val="accent1">
+              <a:shade val="50000"/>
+            </a:schemeClr>
+          </a:lnRef>
+          <a:fillRef idx="1">
+            <a:schemeClr val="accent1"/>
+          </a:fillRef>
+          <a:effectRef idx="0">
+            <a:schemeClr val="accent1"/>
+          </a:effectRef>
+          <a:fontRef idx="minor">
+            <a:schemeClr val="lt1"/>
+          </a:fontRef>
+        </p:style>
+        <p:txBody>
+          <a:bodyPr rtlCol="0" anchor="ctr"/>
+          <a:lstStyle/>
+          <a:p>
+            <a:pPr algn="ctr"/>
+            <a:endParaRPr lang="en-US"/>
+          </a:p>
+        </p:txBody>
+      </p:sp>
+      <p:sp>
+        <p:nvSpPr>
+          <p:cNvPr id="11" name="Oval 10"/>
+          <p:cNvSpPr/>
+          <p:nvPr/>
+        </p:nvSpPr>
+        <p:spPr>
+          <a:xfrm rot="16200000">
+            <a:off x="5037119" y="3795700"/>
+            <a:ext cx="245746" cy="243840"/>
+          </a:xfrm>
+          <a:prstGeom prst="ellipse">
+            <a:avLst/>
+          </a:prstGeom>
+          <a:ln w="19050">
+            <a:solidFill>
+              <a:schemeClr val="tx1"/>
+            </a:solidFill>
+          </a:ln>
+        </p:spPr>
+        <p:style>
+          <a:lnRef idx="2">
+            <a:schemeClr val="accent1">
+              <a:shade val="50000"/>
+            </a:schemeClr>
+          </a:lnRef>
+          <a:fillRef idx="1">
+            <a:schemeClr val="accent1"/>
+          </a:fillRef>
+          <a:effectRef idx="0">
+            <a:schemeClr val="accent1"/>
+          </a:effectRef>
+          <a:fontRef idx="minor">
+            <a:schemeClr val="lt1"/>
+          </a:fontRef>
+        </p:style>
+        <p:txBody>
+          <a:bodyPr rtlCol="0" anchor="ctr"/>
+          <a:lstStyle/>
+          <a:p>
+            <a:pPr algn="ctr"/>
+            <a:endParaRPr lang="en-US"/>
+          </a:p>
+        </p:txBody>
+      </p:sp>
+      <p:sp>
+        <p:nvSpPr>
+          <p:cNvPr id="12" name="Flowchart: Terminator 11"/>
+          <p:cNvSpPr/>
+          <p:nvPr/>
+        </p:nvSpPr>
+        <p:spPr>
+          <a:xfrm rot="16200000">
+            <a:off x="5017245" y="3807751"/>
+            <a:ext cx="95488" cy="208168"/>
+          </a:xfrm>
+          <a:prstGeom prst="flowChartTerminator">
+            <a:avLst/>
+          </a:prstGeom>
+          <a:ln w="19050">
+            <a:solidFill>
+              <a:schemeClr val="tx1"/>
+            </a:solidFill>
+          </a:ln>
+        </p:spPr>
+        <p:style>
+          <a:lnRef idx="2">
+            <a:schemeClr val="accent1">
+              <a:shade val="50000"/>
+            </a:schemeClr>
+          </a:lnRef>
+          <a:fillRef idx="1">
+            <a:schemeClr val="accent1"/>
+          </a:fillRef>
+          <a:effectRef idx="0">
+            <a:schemeClr val="accent1"/>
+          </a:effectRef>
+          <a:fontRef idx="minor">
+            <a:schemeClr val="lt1"/>
+          </a:fontRef>
+        </p:style>
+        <p:txBody>
+          <a:bodyPr rtlCol="0" anchor="ctr"/>
+          <a:lstStyle/>
+          <a:p>
+            <a:pPr algn="ctr"/>
+            <a:endParaRPr lang="en-US"/>
+          </a:p>
+        </p:txBody>
+      </p:sp>
+      <p:sp>
+        <p:nvSpPr>
+          <p:cNvPr id="13" name="Oval 12"/>
+          <p:cNvSpPr/>
+          <p:nvPr/>
+        </p:nvSpPr>
+        <p:spPr>
+          <a:xfrm>
+            <a:off x="5074110" y="4501971"/>
+            <a:ext cx="160020" cy="150019"/>
+          </a:xfrm>
+          <a:prstGeom prst="ellipse">
+            <a:avLst/>
+          </a:prstGeom>
+        </p:spPr>
+        <p:style>
+          <a:lnRef idx="2">
+            <a:schemeClr val="accent1">
+              <a:shade val="50000"/>
+            </a:schemeClr>
+          </a:lnRef>
+          <a:fillRef idx="1">
+            <a:schemeClr val="accent1"/>
+          </a:fillRef>
+          <a:effectRef idx="0">
+            <a:schemeClr val="accent1"/>
+          </a:effectRef>
+          <a:fontRef idx="minor">
+            <a:schemeClr val="lt1"/>
+          </a:fontRef>
+        </p:style>
+        <p:txBody>
+          <a:bodyPr rtlCol="0" anchor="ctr"/>
+          <a:lstStyle/>
+          <a:p>
+            <a:pPr algn="ctr"/>
+            <a:endParaRPr lang="en-US"/>
+          </a:p>
+        </p:txBody>
+      </p:sp>
+      <p:sp>
+        <p:nvSpPr>
+          <p:cNvPr id="14" name="Oval 13"/>
+          <p:cNvSpPr/>
+          <p:nvPr/>
+        </p:nvSpPr>
+        <p:spPr>
+          <a:xfrm>
+            <a:off x="6625461" y="4501971"/>
+            <a:ext cx="160020" cy="150019"/>
+          </a:xfrm>
+          <a:prstGeom prst="ellipse">
+            <a:avLst/>
+          </a:prstGeom>
+        </p:spPr>
+        <p:style>
+          <a:lnRef idx="2">
+            <a:schemeClr val="accent1">
+              <a:shade val="50000"/>
+            </a:schemeClr>
+          </a:lnRef>
+          <a:fillRef idx="1">
+            <a:schemeClr val="accent1"/>
+          </a:fillRef>
+          <a:effectRef idx="0">
+            <a:schemeClr val="accent1"/>
+          </a:effectRef>
+          <a:fontRef idx="minor">
+            <a:schemeClr val="lt1"/>
+          </a:fontRef>
+        </p:style>
+        <p:txBody>
+          <a:bodyPr rtlCol="0" anchor="ctr"/>
+          <a:lstStyle/>
+          <a:p>
+            <a:pPr algn="ctr"/>
+            <a:endParaRPr lang="en-US"/>
+          </a:p>
+        </p:txBody>
+      </p:sp>
+      <p:sp>
+        <p:nvSpPr>
+          <p:cNvPr id="15" name="Oval 14"/>
+          <p:cNvSpPr/>
+          <p:nvPr/>
+        </p:nvSpPr>
+        <p:spPr>
+          <a:xfrm>
+            <a:off x="4863758" y="5009546"/>
+            <a:ext cx="580727" cy="560414"/>
+          </a:xfrm>
+          <a:prstGeom prst="ellipse">
+            <a:avLst/>
+          </a:prstGeom>
+          <a:ln w="28575">
+            <a:solidFill>
+              <a:schemeClr val="bg2"/>
+            </a:solidFill>
+          </a:ln>
+        </p:spPr>
+        <p:style>
+          <a:lnRef idx="2">
+            <a:schemeClr val="accent1">
+              <a:shade val="50000"/>
+            </a:schemeClr>
+          </a:lnRef>
+          <a:fillRef idx="1">
+            <a:schemeClr val="accent1"/>
+          </a:fillRef>
+          <a:effectRef idx="0">
+            <a:schemeClr val="accent1"/>
+          </a:effectRef>
+          <a:fontRef idx="minor">
+            <a:schemeClr val="lt1"/>
+          </a:fontRef>
+        </p:style>
+        <p:txBody>
+          <a:bodyPr rtlCol="0" anchor="ctr"/>
+          <a:lstStyle/>
+          <a:p>
+            <a:pPr algn="ctr"/>
+            <a:endParaRPr lang="en-US"/>
+          </a:p>
+        </p:txBody>
+      </p:sp>
+      <p:sp>
+        <p:nvSpPr>
+          <p:cNvPr id="16" name="Oval 15"/>
+          <p:cNvSpPr/>
+          <p:nvPr/>
+        </p:nvSpPr>
+        <p:spPr>
+          <a:xfrm>
+            <a:off x="4957086" y="5095929"/>
+            <a:ext cx="394069" cy="380371"/>
+          </a:xfrm>
+          <a:prstGeom prst="ellipse">
+            <a:avLst/>
+          </a:prstGeom>
+          <a:ln w="28575">
+            <a:solidFill>
+              <a:schemeClr val="bg2"/>
+            </a:solidFill>
+          </a:ln>
+        </p:spPr>
+        <p:style>
+          <a:lnRef idx="2">
+            <a:schemeClr val="accent1">
+              <a:shade val="50000"/>
+            </a:schemeClr>
+          </a:lnRef>
+          <a:fillRef idx="1">
+            <a:schemeClr val="accent1"/>
+          </a:fillRef>
+          <a:effectRef idx="0">
+            <a:schemeClr val="accent1"/>
+          </a:effectRef>
+          <a:fontRef idx="minor">
+            <a:schemeClr val="lt1"/>
+          </a:fontRef>
+        </p:style>
+        <p:txBody>
+          <a:bodyPr rtlCol="0" anchor="ctr"/>
+          <a:lstStyle/>
+          <a:p>
+            <a:pPr algn="ctr"/>
+            <a:endParaRPr lang="en-US"/>
+          </a:p>
+        </p:txBody>
+      </p:sp>
+      <p:sp>
+        <p:nvSpPr>
+          <p:cNvPr id="17" name="Oval 16"/>
+          <p:cNvSpPr/>
+          <p:nvPr/>
+        </p:nvSpPr>
+        <p:spPr>
+          <a:xfrm>
+            <a:off x="6422429" y="5000772"/>
+            <a:ext cx="580727" cy="560414"/>
+          </a:xfrm>
+          <a:prstGeom prst="ellipse">
+            <a:avLst/>
+          </a:prstGeom>
+          <a:ln w="28575">
+            <a:solidFill>
+              <a:schemeClr val="bg2"/>
+            </a:solidFill>
+          </a:ln>
+        </p:spPr>
+        <p:style>
+          <a:lnRef idx="2">
+            <a:schemeClr val="accent1">
+              <a:shade val="50000"/>
+            </a:schemeClr>
+          </a:lnRef>
+          <a:fillRef idx="1">
+            <a:schemeClr val="accent1"/>
+          </a:fillRef>
+          <a:effectRef idx="0">
+            <a:schemeClr val="accent1"/>
+          </a:effectRef>
+          <a:fontRef idx="minor">
+            <a:schemeClr val="lt1"/>
+          </a:fontRef>
+        </p:style>
+        <p:txBody>
+          <a:bodyPr rtlCol="0" anchor="ctr"/>
+          <a:lstStyle/>
+          <a:p>
+            <a:pPr algn="ctr"/>
+            <a:endParaRPr lang="en-US"/>
+          </a:p>
+        </p:txBody>
+      </p:sp>
+      <p:sp>
+        <p:nvSpPr>
+          <p:cNvPr id="18" name="Oval 17"/>
+          <p:cNvSpPr/>
+          <p:nvPr/>
+        </p:nvSpPr>
+        <p:spPr>
+          <a:xfrm>
+            <a:off x="6515757" y="5087155"/>
+            <a:ext cx="394069" cy="380371"/>
+          </a:xfrm>
+          <a:prstGeom prst="ellipse">
+            <a:avLst/>
+          </a:prstGeom>
+          <a:ln w="28575">
+            <a:solidFill>
+              <a:schemeClr val="bg2"/>
+            </a:solidFill>
+          </a:ln>
+        </p:spPr>
+        <p:style>
+          <a:lnRef idx="2">
+            <a:schemeClr val="accent1">
+              <a:shade val="50000"/>
+            </a:schemeClr>
+          </a:lnRef>
+          <a:fillRef idx="1">
+            <a:schemeClr val="accent1"/>
+          </a:fillRef>
+          <a:effectRef idx="0">
+            <a:schemeClr val="accent1"/>
+          </a:effectRef>
+          <a:fontRef idx="minor">
+            <a:schemeClr val="lt1"/>
+          </a:fontRef>
+        </p:style>
+        <p:txBody>
+          <a:bodyPr rtlCol="0" anchor="ctr"/>
+          <a:lstStyle/>
+          <a:p>
+            <a:pPr algn="ctr"/>
+            <a:endParaRPr lang="en-US"/>
+          </a:p>
+        </p:txBody>
+      </p:sp>
+      <p:cxnSp>
+        <p:nvCxnSpPr>
+          <p:cNvPr id="19" name="Straight Connector 18"/>
+          <p:cNvCxnSpPr>
+            <a:stCxn id="5" idx="0"/>
+          </p:cNvCxnSpPr>
+          <p:nvPr/>
+        </p:nvCxnSpPr>
+        <p:spPr>
+          <a:xfrm>
+            <a:off x="5154121" y="1747348"/>
+            <a:ext cx="1" cy="266700"/>
+          </a:xfrm>
+          <a:prstGeom prst="line">
+            <a:avLst/>
+          </a:prstGeom>
+          <a:ln w="38100"/>
+        </p:spPr>
+        <p:style>
+          <a:lnRef idx="3">
+            <a:schemeClr val="dk1"/>
+          </a:lnRef>
+          <a:fillRef idx="0">
+            <a:schemeClr val="dk1"/>
+          </a:fillRef>
+          <a:effectRef idx="2">
+            <a:schemeClr val="dk1"/>
+          </a:effectRef>
+          <a:fontRef idx="minor">
+            <a:schemeClr val="tx1"/>
+          </a:fontRef>
+        </p:style>
+      </p:cxnSp>
+      <p:cxnSp>
+        <p:nvCxnSpPr>
+          <p:cNvPr id="20" name="Straight Connector 19"/>
+          <p:cNvCxnSpPr/>
+          <p:nvPr/>
+        </p:nvCxnSpPr>
+        <p:spPr>
+          <a:xfrm>
+            <a:off x="5938564" y="1747348"/>
+            <a:ext cx="1" cy="266700"/>
+          </a:xfrm>
+          <a:prstGeom prst="line">
+            <a:avLst/>
+          </a:prstGeom>
+          <a:ln w="38100"/>
+        </p:spPr>
+        <p:style>
+          <a:lnRef idx="3">
+            <a:schemeClr val="dk1"/>
+          </a:lnRef>
+          <a:fillRef idx="0">
+            <a:schemeClr val="dk1"/>
+          </a:fillRef>
+          <a:effectRef idx="2">
+            <a:schemeClr val="dk1"/>
+          </a:effectRef>
+          <a:fontRef idx="minor">
+            <a:schemeClr val="tx1"/>
+          </a:fontRef>
+        </p:style>
+      </p:cxnSp>
+      <p:cxnSp>
+        <p:nvCxnSpPr>
+          <p:cNvPr id="21" name="Straight Connector 20"/>
+          <p:cNvCxnSpPr/>
+          <p:nvPr/>
+        </p:nvCxnSpPr>
+        <p:spPr>
+          <a:xfrm>
+            <a:off x="6734588" y="1753641"/>
+            <a:ext cx="1" cy="266700"/>
+          </a:xfrm>
+          <a:prstGeom prst="line">
+            <a:avLst/>
+          </a:prstGeom>
+          <a:ln w="38100"/>
+        </p:spPr>
+        <p:style>
+          <a:lnRef idx="3">
+            <a:schemeClr val="dk1"/>
+          </a:lnRef>
+          <a:fillRef idx="0">
+            <a:schemeClr val="dk1"/>
+          </a:fillRef>
+          <a:effectRef idx="2">
+            <a:schemeClr val="dk1"/>
+          </a:effectRef>
+          <a:fontRef idx="minor">
+            <a:schemeClr val="tx1"/>
+          </a:fontRef>
+        </p:style>
+      </p:cxnSp>
+      <p:cxnSp>
+        <p:nvCxnSpPr>
+          <p:cNvPr id="22" name="Straight Connector 21"/>
+          <p:cNvCxnSpPr/>
+          <p:nvPr/>
+        </p:nvCxnSpPr>
+        <p:spPr>
+          <a:xfrm>
+            <a:off x="5147733" y="2745568"/>
+            <a:ext cx="1" cy="266700"/>
+          </a:xfrm>
+          <a:prstGeom prst="line">
+            <a:avLst/>
+          </a:prstGeom>
+          <a:ln w="38100"/>
+        </p:spPr>
+        <p:style>
+          <a:lnRef idx="3">
+            <a:schemeClr val="dk1"/>
+          </a:lnRef>
+          <a:fillRef idx="0">
+            <a:schemeClr val="dk1"/>
+          </a:fillRef>
+          <a:effectRef idx="2">
+            <a:schemeClr val="dk1"/>
+          </a:effectRef>
+          <a:fontRef idx="minor">
+            <a:schemeClr val="tx1"/>
+          </a:fontRef>
+        </p:style>
+      </p:cxnSp>
+      <p:cxnSp>
+        <p:nvCxnSpPr>
+          <p:cNvPr id="23" name="Straight Connector 22"/>
+          <p:cNvCxnSpPr/>
+          <p:nvPr/>
+        </p:nvCxnSpPr>
+        <p:spPr>
+          <a:xfrm>
+            <a:off x="5938564" y="2745568"/>
+            <a:ext cx="1" cy="266700"/>
+          </a:xfrm>
+          <a:prstGeom prst="line">
+            <a:avLst/>
+          </a:prstGeom>
+          <a:ln w="38100"/>
+        </p:spPr>
+        <p:style>
+          <a:lnRef idx="3">
+            <a:schemeClr val="dk1"/>
+          </a:lnRef>
+          <a:fillRef idx="0">
+            <a:schemeClr val="dk1"/>
+          </a:fillRef>
+          <a:effectRef idx="2">
+            <a:schemeClr val="dk1"/>
+          </a:effectRef>
+          <a:fontRef idx="minor">
+            <a:schemeClr val="tx1"/>
+          </a:fontRef>
+        </p:style>
+      </p:cxnSp>
+      <p:cxnSp>
+        <p:nvCxnSpPr>
+          <p:cNvPr id="24" name="Straight Connector 23"/>
+          <p:cNvCxnSpPr/>
+          <p:nvPr/>
+        </p:nvCxnSpPr>
+        <p:spPr>
+          <a:xfrm>
+            <a:off x="6733635" y="2745568"/>
+            <a:ext cx="1" cy="266700"/>
+          </a:xfrm>
+          <a:prstGeom prst="line">
+            <a:avLst/>
+          </a:prstGeom>
+          <a:ln w="38100"/>
+        </p:spPr>
+        <p:style>
+          <a:lnRef idx="3">
+            <a:schemeClr val="dk1"/>
+          </a:lnRef>
+          <a:fillRef idx="0">
+            <a:schemeClr val="dk1"/>
+          </a:fillRef>
+          <a:effectRef idx="2">
+            <a:schemeClr val="dk1"/>
+          </a:effectRef>
+          <a:fontRef idx="minor">
+            <a:schemeClr val="tx1"/>
+          </a:fontRef>
+        </p:style>
+      </p:cxnSp>
+      <p:sp>
+        <p:nvSpPr>
+          <p:cNvPr id="25" name="TextBox 24"/>
+          <p:cNvSpPr txBox="1"/>
+          <p:nvPr/>
+        </p:nvSpPr>
+        <p:spPr>
+          <a:xfrm>
+            <a:off x="4849413" y="2261143"/>
+            <a:ext cx="596638" cy="246221"/>
+          </a:xfrm>
+          <a:prstGeom prst="rect">
+            <a:avLst/>
+          </a:prstGeom>
+          <a:noFill/>
+        </p:spPr>
+        <p:txBody>
+          <a:bodyPr wrap="none" rtlCol="0">
+            <a:spAutoFit/>
+          </a:bodyPr>
+          <a:lstStyle/>
+          <a:p>
+            <a:pPr algn="ctr"/>
+            <a:r>
+              <a:rPr lang="en-US" sz="1000" b="1" dirty="0">
+                <a:latin typeface="Century Gothic" panose="020B0502020202020204" pitchFamily="34" charset="0"/>
+                <a:cs typeface="Adobe Devanagari" panose="02040503050201020203" pitchFamily="18" charset="0"/>
+              </a:rPr>
+              <a:t>Decay</a:t>
+            </a:r>
+          </a:p>
+        </p:txBody>
+      </p:sp>
+      <p:sp>
+        <p:nvSpPr>
+          <p:cNvPr id="26" name="TextBox 25"/>
+          <p:cNvSpPr txBox="1"/>
+          <p:nvPr/>
+        </p:nvSpPr>
+        <p:spPr>
+          <a:xfrm>
+            <a:off x="5751369" y="2261142"/>
+            <a:ext cx="402675" cy="246221"/>
+          </a:xfrm>
+          <a:prstGeom prst="rect">
+            <a:avLst/>
+          </a:prstGeom>
+          <a:noFill/>
+        </p:spPr>
+        <p:txBody>
+          <a:bodyPr wrap="none" rtlCol="0">
+            <a:spAutoFit/>
+          </a:bodyPr>
+          <a:lstStyle/>
+          <a:p>
+            <a:pPr algn="ctr"/>
+            <a:r>
+              <a:rPr lang="en-US" sz="1000" b="1" dirty="0">
+                <a:latin typeface="Century Gothic" panose="020B0502020202020204" pitchFamily="34" charset="0"/>
+                <a:cs typeface="Adobe Devanagari" panose="02040503050201020203" pitchFamily="18" charset="0"/>
+              </a:rPr>
+              <a:t>Mix</a:t>
+            </a:r>
+          </a:p>
+        </p:txBody>
+      </p:sp>
+      <p:sp>
+        <p:nvSpPr>
+          <p:cNvPr id="27" name="TextBox 26"/>
+          <p:cNvSpPr txBox="1"/>
+          <p:nvPr/>
+        </p:nvSpPr>
+        <p:spPr>
+          <a:xfrm>
+            <a:off x="6451520" y="2267910"/>
+            <a:ext cx="564578" cy="246221"/>
+          </a:xfrm>
+          <a:prstGeom prst="rect">
+            <a:avLst/>
+          </a:prstGeom>
+          <a:noFill/>
+        </p:spPr>
+        <p:txBody>
+          <a:bodyPr wrap="none" rtlCol="0">
+            <a:spAutoFit/>
+          </a:bodyPr>
+          <a:lstStyle/>
+          <a:p>
+            <a:pPr algn="ctr"/>
+            <a:r>
+              <a:rPr lang="en-US" sz="1000" b="1" dirty="0">
+                <a:latin typeface="Century Gothic" panose="020B0502020202020204" pitchFamily="34" charset="0"/>
+                <a:cs typeface="Adobe Devanagari" panose="02040503050201020203" pitchFamily="18" charset="0"/>
+              </a:rPr>
+              <a:t>Damp</a:t>
+            </a:r>
+          </a:p>
+        </p:txBody>
+      </p:sp>
+      <p:sp>
+        <p:nvSpPr>
+          <p:cNvPr id="28" name="TextBox 27"/>
+          <p:cNvSpPr txBox="1"/>
+          <p:nvPr/>
+        </p:nvSpPr>
+        <p:spPr>
+          <a:xfrm>
+            <a:off x="5717074" y="3267265"/>
+            <a:ext cx="479618" cy="246221"/>
+          </a:xfrm>
+          <a:prstGeom prst="rect">
+            <a:avLst/>
+          </a:prstGeom>
+          <a:noFill/>
+        </p:spPr>
+        <p:txBody>
+          <a:bodyPr wrap="none" rtlCol="0">
+            <a:spAutoFit/>
+          </a:bodyPr>
+          <a:lstStyle/>
+          <a:p>
+            <a:pPr algn="ctr"/>
+            <a:r>
+              <a:rPr lang="en-US" sz="1000" b="1" dirty="0">
+                <a:latin typeface="Century Gothic" panose="020B0502020202020204" pitchFamily="34" charset="0"/>
+                <a:cs typeface="Adobe Devanagari" panose="02040503050201020203" pitchFamily="18" charset="0"/>
+              </a:rPr>
+              <a:t>Tone</a:t>
+            </a:r>
+          </a:p>
+        </p:txBody>
+      </p:sp>
+      <p:sp>
+        <p:nvSpPr>
+          <p:cNvPr id="29" name="TextBox 28"/>
+          <p:cNvSpPr txBox="1"/>
+          <p:nvPr/>
+        </p:nvSpPr>
+        <p:spPr>
+          <a:xfrm>
+            <a:off x="6424840" y="3267265"/>
+            <a:ext cx="630301" cy="246221"/>
+          </a:xfrm>
+          <a:prstGeom prst="rect">
+            <a:avLst/>
+          </a:prstGeom>
+          <a:noFill/>
+        </p:spPr>
+        <p:txBody>
+          <a:bodyPr wrap="none" rtlCol="0">
+            <a:spAutoFit/>
+          </a:bodyPr>
+          <a:lstStyle/>
+          <a:p>
+            <a:pPr algn="ctr"/>
+            <a:r>
+              <a:rPr lang="en-US" sz="1000" b="1" dirty="0">
+                <a:latin typeface="Century Gothic" panose="020B0502020202020204" pitchFamily="34" charset="0"/>
+                <a:cs typeface="Adobe Devanagari" panose="02040503050201020203" pitchFamily="18" charset="0"/>
+              </a:rPr>
+              <a:t>Detune</a:t>
+            </a:r>
+          </a:p>
+        </p:txBody>
+      </p:sp>
+      <p:sp>
+        <p:nvSpPr>
+          <p:cNvPr id="30" name="TextBox 29"/>
+          <p:cNvSpPr txBox="1"/>
+          <p:nvPr/>
+        </p:nvSpPr>
+        <p:spPr>
+          <a:xfrm>
+            <a:off x="4792486" y="3267265"/>
+            <a:ext cx="723276" cy="246221"/>
+          </a:xfrm>
+          <a:prstGeom prst="rect">
+            <a:avLst/>
+          </a:prstGeom>
+          <a:noFill/>
+        </p:spPr>
+        <p:txBody>
+          <a:bodyPr wrap="none" rtlCol="0">
+            <a:spAutoFit/>
+          </a:bodyPr>
+          <a:lstStyle/>
+          <a:p>
+            <a:pPr algn="ctr"/>
+            <a:r>
+              <a:rPr lang="en-US" sz="1000" b="1" dirty="0">
+                <a:latin typeface="Century Gothic" panose="020B0502020202020204" pitchFamily="34" charset="0"/>
+                <a:cs typeface="Adobe Devanagari" panose="02040503050201020203" pitchFamily="18" charset="0"/>
+              </a:rPr>
+              <a:t>Shimmer</a:t>
+            </a:r>
+          </a:p>
+        </p:txBody>
+      </p:sp>
+      <p:sp>
+        <p:nvSpPr>
+          <p:cNvPr id="31" name="TextBox 30"/>
+          <p:cNvSpPr txBox="1"/>
+          <p:nvPr/>
+        </p:nvSpPr>
+        <p:spPr>
+          <a:xfrm>
+            <a:off x="4845951" y="5548458"/>
+            <a:ext cx="639920" cy="246221"/>
+          </a:xfrm>
+          <a:prstGeom prst="rect">
+            <a:avLst/>
+          </a:prstGeom>
+          <a:noFill/>
+        </p:spPr>
+        <p:txBody>
+          <a:bodyPr wrap="none" rtlCol="0">
+            <a:spAutoFit/>
+          </a:bodyPr>
+          <a:lstStyle/>
+          <a:p>
+            <a:pPr algn="ctr"/>
+            <a:r>
+              <a:rPr lang="en-US" sz="1000" b="1" dirty="0">
+                <a:latin typeface="Century Gothic" panose="020B0502020202020204" pitchFamily="34" charset="0"/>
+                <a:cs typeface="Adobe Devanagari" panose="02040503050201020203" pitchFamily="18" charset="0"/>
+              </a:rPr>
+              <a:t>BYPASS</a:t>
+            </a:r>
+          </a:p>
+        </p:txBody>
+      </p:sp>
+      <p:sp>
+        <p:nvSpPr>
+          <p:cNvPr id="32" name="TextBox 31"/>
+          <p:cNvSpPr txBox="1"/>
+          <p:nvPr/>
+        </p:nvSpPr>
+        <p:spPr>
+          <a:xfrm rot="16200000">
+            <a:off x="4887727" y="4030683"/>
+            <a:ext cx="465191" cy="461665"/>
+          </a:xfrm>
+          <a:prstGeom prst="rect">
+            <a:avLst/>
+          </a:prstGeom>
+          <a:noFill/>
+        </p:spPr>
+        <p:txBody>
+          <a:bodyPr wrap="none" rtlCol="0">
+            <a:spAutoFit/>
+          </a:bodyPr>
+          <a:lstStyle/>
+          <a:p>
+            <a:pPr algn="ctr"/>
+            <a:r>
+              <a:rPr lang="en-US" sz="800" b="1" dirty="0">
+                <a:latin typeface="Century Gothic" panose="020B0502020202020204" pitchFamily="34" charset="0"/>
+                <a:cs typeface="Adobe Devanagari" panose="02040503050201020203" pitchFamily="18" charset="0"/>
+              </a:rPr>
+              <a:t>-OCT</a:t>
+            </a:r>
+          </a:p>
+          <a:p>
+            <a:pPr algn="ctr"/>
+            <a:r>
+              <a:rPr lang="en-US" sz="800" b="1" dirty="0">
+                <a:latin typeface="Century Gothic" panose="020B0502020202020204" pitchFamily="34" charset="0"/>
+                <a:cs typeface="Adobe Devanagari" panose="02040503050201020203" pitchFamily="18" charset="0"/>
+              </a:rPr>
+              <a:t>+OCT</a:t>
+            </a:r>
+          </a:p>
+          <a:p>
+            <a:pPr algn="ctr"/>
+            <a:r>
+              <a:rPr lang="en-US" sz="800" b="1" dirty="0">
+                <a:latin typeface="Century Gothic" panose="020B0502020202020204" pitchFamily="34" charset="0"/>
+                <a:cs typeface="Adobe Devanagari" panose="02040503050201020203" pitchFamily="18" charset="0"/>
+              </a:rPr>
+              <a:t>Both</a:t>
+            </a:r>
+          </a:p>
+        </p:txBody>
+      </p:sp>
+      <p:sp>
+        <p:nvSpPr>
+          <p:cNvPr id="33" name="TextBox 32"/>
+          <p:cNvSpPr txBox="1"/>
+          <p:nvPr/>
+        </p:nvSpPr>
+        <p:spPr>
+          <a:xfrm>
+            <a:off x="5245469" y="4500003"/>
+            <a:ext cx="1386190" cy="523220"/>
+          </a:xfrm>
+          <a:prstGeom prst="rect">
+            <a:avLst/>
+          </a:prstGeom>
+          <a:noFill/>
+        </p:spPr>
+        <p:txBody>
+          <a:bodyPr wrap="square" rtlCol="0">
+            <a:spAutoFit/>
+          </a:bodyPr>
+          <a:lstStyle/>
+          <a:p>
+            <a:pPr algn="ctr"/>
+            <a:r>
+              <a:rPr lang="en-US" sz="2800" b="1" dirty="0">
+                <a:latin typeface="Broadway" panose="04040905080B02020502" pitchFamily="82" charset="0"/>
+                <a:cs typeface="Adobe Devanagari" panose="02040503050201020203" pitchFamily="18" charset="0"/>
+              </a:rPr>
+              <a:t>Venus</a:t>
+            </a:r>
+          </a:p>
+        </p:txBody>
+      </p:sp>
+      <p:sp>
+        <p:nvSpPr>
+          <p:cNvPr id="34" name="TextBox 33"/>
+          <p:cNvSpPr txBox="1"/>
+          <p:nvPr/>
+        </p:nvSpPr>
+        <p:spPr>
+          <a:xfrm>
+            <a:off x="5350674" y="4877231"/>
+            <a:ext cx="1176925" cy="246221"/>
+          </a:xfrm>
+          <a:prstGeom prst="rect">
+            <a:avLst/>
+          </a:prstGeom>
+          <a:noFill/>
+        </p:spPr>
+        <p:txBody>
+          <a:bodyPr wrap="none" rtlCol="0">
+            <a:spAutoFit/>
+          </a:bodyPr>
+          <a:lstStyle/>
+          <a:p>
+            <a:pPr algn="ctr"/>
+            <a:r>
+              <a:rPr lang="en-US" sz="1000" dirty="0">
+                <a:latin typeface="Century Gothic" panose="020B0502020202020204" pitchFamily="34" charset="0"/>
+                <a:cs typeface="Adobe Devanagari" panose="02040503050201020203" pitchFamily="18" charset="0"/>
+              </a:rPr>
+              <a:t>Spectral Reverb</a:t>
+            </a:r>
+          </a:p>
+        </p:txBody>
+      </p:sp>
+      <p:sp>
+        <p:nvSpPr>
+          <p:cNvPr id="35" name="Oval 34"/>
+          <p:cNvSpPr/>
+          <p:nvPr/>
+        </p:nvSpPr>
+        <p:spPr>
+          <a:xfrm rot="16200000">
+            <a:off x="5830387" y="3795700"/>
+            <a:ext cx="245746" cy="243840"/>
+          </a:xfrm>
+          <a:prstGeom prst="ellipse">
+            <a:avLst/>
+          </a:prstGeom>
+          <a:ln w="19050">
+            <a:solidFill>
+              <a:schemeClr val="tx1"/>
+            </a:solidFill>
+          </a:ln>
+        </p:spPr>
+        <p:style>
+          <a:lnRef idx="2">
+            <a:schemeClr val="accent1">
+              <a:shade val="50000"/>
+            </a:schemeClr>
+          </a:lnRef>
+          <a:fillRef idx="1">
+            <a:schemeClr val="accent1"/>
+          </a:fillRef>
+          <a:effectRef idx="0">
+            <a:schemeClr val="accent1"/>
+          </a:effectRef>
+          <a:fontRef idx="minor">
+            <a:schemeClr val="lt1"/>
+          </a:fontRef>
+        </p:style>
+        <p:txBody>
+          <a:bodyPr rtlCol="0" anchor="ctr"/>
+          <a:lstStyle/>
+          <a:p>
+            <a:pPr algn="ctr"/>
+            <a:endParaRPr lang="en-US"/>
+          </a:p>
+        </p:txBody>
+      </p:sp>
+      <p:sp>
+        <p:nvSpPr>
+          <p:cNvPr id="36" name="Flowchart: Terminator 35"/>
+          <p:cNvSpPr/>
+          <p:nvPr/>
+        </p:nvSpPr>
+        <p:spPr>
+          <a:xfrm rot="16200000">
+            <a:off x="5810513" y="3807751"/>
+            <a:ext cx="95488" cy="208168"/>
+          </a:xfrm>
+          <a:prstGeom prst="flowChartTerminator">
+            <a:avLst/>
+          </a:prstGeom>
+          <a:ln w="19050">
+            <a:solidFill>
+              <a:schemeClr val="tx1"/>
+            </a:solidFill>
+          </a:ln>
+        </p:spPr>
+        <p:style>
+          <a:lnRef idx="2">
+            <a:schemeClr val="accent1">
+              <a:shade val="50000"/>
+            </a:schemeClr>
+          </a:lnRef>
+          <a:fillRef idx="1">
+            <a:schemeClr val="accent1"/>
+          </a:fillRef>
+          <a:effectRef idx="0">
+            <a:schemeClr val="accent1"/>
+          </a:effectRef>
+          <a:fontRef idx="minor">
+            <a:schemeClr val="lt1"/>
+          </a:fontRef>
+        </p:style>
+        <p:txBody>
+          <a:bodyPr rtlCol="0" anchor="ctr"/>
+          <a:lstStyle/>
+          <a:p>
+            <a:pPr algn="ctr"/>
+            <a:endParaRPr lang="en-US"/>
+          </a:p>
+        </p:txBody>
+      </p:sp>
+      <p:sp>
+        <p:nvSpPr>
+          <p:cNvPr id="37" name="Oval 36"/>
+          <p:cNvSpPr/>
+          <p:nvPr/>
+        </p:nvSpPr>
+        <p:spPr>
+          <a:xfrm rot="16200000">
+            <a:off x="6651163" y="3795700"/>
+            <a:ext cx="245746" cy="243840"/>
+          </a:xfrm>
+          <a:prstGeom prst="ellipse">
+            <a:avLst/>
+          </a:prstGeom>
+          <a:ln w="19050">
+            <a:solidFill>
+              <a:schemeClr val="tx1"/>
+            </a:solidFill>
+          </a:ln>
+        </p:spPr>
+        <p:style>
+          <a:lnRef idx="2">
+            <a:schemeClr val="accent1">
+              <a:shade val="50000"/>
+            </a:schemeClr>
+          </a:lnRef>
+          <a:fillRef idx="1">
+            <a:schemeClr val="accent1"/>
+          </a:fillRef>
+          <a:effectRef idx="0">
+            <a:schemeClr val="accent1"/>
+          </a:effectRef>
+          <a:fontRef idx="minor">
+            <a:schemeClr val="lt1"/>
+          </a:fontRef>
+        </p:style>
+        <p:txBody>
+          <a:bodyPr rtlCol="0" anchor="ctr"/>
+          <a:lstStyle/>
+          <a:p>
+            <a:pPr algn="ctr"/>
+            <a:endParaRPr lang="en-US"/>
+          </a:p>
+        </p:txBody>
+      </p:sp>
+      <p:sp>
+        <p:nvSpPr>
+          <p:cNvPr id="38" name="Flowchart: Terminator 37"/>
+          <p:cNvSpPr/>
+          <p:nvPr/>
+        </p:nvSpPr>
+        <p:spPr>
+          <a:xfrm rot="16200000">
+            <a:off x="6631289" y="3807751"/>
+            <a:ext cx="95488" cy="208168"/>
+          </a:xfrm>
+          <a:prstGeom prst="flowChartTerminator">
+            <a:avLst/>
+          </a:prstGeom>
+          <a:ln w="19050">
+            <a:solidFill>
+              <a:schemeClr val="tx1"/>
+            </a:solidFill>
+          </a:ln>
+        </p:spPr>
+        <p:style>
+          <a:lnRef idx="2">
+            <a:schemeClr val="accent1">
+              <a:shade val="50000"/>
+            </a:schemeClr>
+          </a:lnRef>
+          <a:fillRef idx="1">
+            <a:schemeClr val="accent1"/>
+          </a:fillRef>
+          <a:effectRef idx="0">
+            <a:schemeClr val="accent1"/>
+          </a:effectRef>
+          <a:fontRef idx="minor">
+            <a:schemeClr val="lt1"/>
+          </a:fontRef>
+        </p:style>
+        <p:txBody>
+          <a:bodyPr rtlCol="0" anchor="ctr"/>
+          <a:lstStyle/>
+          <a:p>
+            <a:pPr algn="ctr"/>
+            <a:endParaRPr lang="en-US"/>
+          </a:p>
+        </p:txBody>
+      </p:sp>
+      <p:sp>
+        <p:nvSpPr>
+          <p:cNvPr id="39" name="TextBox 38"/>
+          <p:cNvSpPr txBox="1"/>
+          <p:nvPr/>
+        </p:nvSpPr>
+        <p:spPr>
+          <a:xfrm rot="16200000">
+            <a:off x="5706646" y="4049121"/>
+            <a:ext cx="452368" cy="461665"/>
+          </a:xfrm>
+          <a:prstGeom prst="rect">
+            <a:avLst/>
+          </a:prstGeom>
+          <a:noFill/>
+        </p:spPr>
+        <p:txBody>
+          <a:bodyPr wrap="none" rtlCol="0">
+            <a:spAutoFit/>
+          </a:bodyPr>
+          <a:lstStyle/>
+          <a:p>
+            <a:pPr algn="ctr"/>
+            <a:r>
+              <a:rPr lang="en-US" sz="800" b="1" dirty="0">
+                <a:latin typeface="Century Gothic" panose="020B0502020202020204" pitchFamily="34" charset="0"/>
+                <a:cs typeface="Adobe Devanagari" panose="02040503050201020203" pitchFamily="18" charset="0"/>
+              </a:rPr>
+              <a:t>Less</a:t>
+            </a:r>
+          </a:p>
+          <a:p>
+            <a:pPr algn="ctr"/>
+            <a:r>
+              <a:rPr lang="en-US" sz="800" b="1" dirty="0">
+                <a:latin typeface="Century Gothic" panose="020B0502020202020204" pitchFamily="34" charset="0"/>
+                <a:cs typeface="Adobe Devanagari" panose="02040503050201020203" pitchFamily="18" charset="0"/>
+              </a:rPr>
+              <a:t>None</a:t>
+            </a:r>
+          </a:p>
+          <a:p>
+            <a:pPr algn="ctr"/>
+            <a:r>
+              <a:rPr lang="en-US" sz="800" b="1" dirty="0">
+                <a:latin typeface="Century Gothic" panose="020B0502020202020204" pitchFamily="34" charset="0"/>
+                <a:cs typeface="Adobe Devanagari" panose="02040503050201020203" pitchFamily="18" charset="0"/>
+              </a:rPr>
+              <a:t>More</a:t>
+            </a:r>
+          </a:p>
+        </p:txBody>
+      </p:sp>
+      <p:sp>
+        <p:nvSpPr>
+          <p:cNvPr id="40" name="TextBox 39"/>
+          <p:cNvSpPr txBox="1"/>
+          <p:nvPr/>
+        </p:nvSpPr>
+        <p:spPr>
+          <a:xfrm rot="16200000">
+            <a:off x="6542548" y="4039021"/>
+            <a:ext cx="452368" cy="461665"/>
+          </a:xfrm>
+          <a:prstGeom prst="rect">
+            <a:avLst/>
+          </a:prstGeom>
+          <a:noFill/>
+        </p:spPr>
+        <p:txBody>
+          <a:bodyPr wrap="none" rtlCol="0">
+            <a:spAutoFit/>
+          </a:bodyPr>
+          <a:lstStyle/>
+          <a:p>
+            <a:pPr algn="ctr"/>
+            <a:r>
+              <a:rPr lang="en-US" sz="800" b="1" dirty="0">
+                <a:latin typeface="Century Gothic" panose="020B0502020202020204" pitchFamily="34" charset="0"/>
+                <a:cs typeface="Adobe Devanagari" panose="02040503050201020203" pitchFamily="18" charset="0"/>
+              </a:rPr>
+              <a:t>Less</a:t>
+            </a:r>
+          </a:p>
+          <a:p>
+            <a:pPr algn="ctr"/>
+            <a:r>
+              <a:rPr lang="en-US" sz="800" b="1" dirty="0">
+                <a:latin typeface="Century Gothic" panose="020B0502020202020204" pitchFamily="34" charset="0"/>
+                <a:cs typeface="Adobe Devanagari" panose="02040503050201020203" pitchFamily="18" charset="0"/>
+              </a:rPr>
+              <a:t>None</a:t>
+            </a:r>
+          </a:p>
+          <a:p>
+            <a:pPr algn="ctr"/>
+            <a:r>
+              <a:rPr lang="en-US" sz="800" b="1" dirty="0">
+                <a:latin typeface="Century Gothic" panose="020B0502020202020204" pitchFamily="34" charset="0"/>
+                <a:cs typeface="Adobe Devanagari" panose="02040503050201020203" pitchFamily="18" charset="0"/>
+              </a:rPr>
+              <a:t>More</a:t>
+            </a:r>
+          </a:p>
+        </p:txBody>
+      </p:sp>
+      <p:sp>
+        <p:nvSpPr>
+          <p:cNvPr id="41" name="TextBox 40"/>
+          <p:cNvSpPr txBox="1"/>
+          <p:nvPr/>
+        </p:nvSpPr>
+        <p:spPr>
+          <a:xfrm>
+            <a:off x="4760994" y="3551712"/>
+            <a:ext cx="809837" cy="230832"/>
+          </a:xfrm>
+          <a:prstGeom prst="rect">
+            <a:avLst/>
+          </a:prstGeom>
+          <a:noFill/>
+        </p:spPr>
+        <p:txBody>
+          <a:bodyPr wrap="none" rtlCol="0">
+            <a:spAutoFit/>
+          </a:bodyPr>
+          <a:lstStyle/>
+          <a:p>
+            <a:pPr algn="ctr"/>
+            <a:r>
+              <a:rPr lang="en-US" sz="900" b="1" dirty="0">
+                <a:latin typeface="Century Gothic" panose="020B0502020202020204" pitchFamily="34" charset="0"/>
+                <a:cs typeface="Adobe Devanagari" panose="02040503050201020203" pitchFamily="18" charset="0"/>
+              </a:rPr>
+              <a:t>Shim Mode</a:t>
+            </a:r>
+          </a:p>
+        </p:txBody>
+      </p:sp>
+      <p:sp>
+        <p:nvSpPr>
+          <p:cNvPr id="42" name="TextBox 41"/>
+          <p:cNvSpPr txBox="1"/>
+          <p:nvPr/>
+        </p:nvSpPr>
+        <p:spPr>
+          <a:xfrm>
+            <a:off x="5575841" y="3560229"/>
+            <a:ext cx="753732" cy="230832"/>
+          </a:xfrm>
+          <a:prstGeom prst="rect">
+            <a:avLst/>
+          </a:prstGeom>
+          <a:noFill/>
+        </p:spPr>
+        <p:txBody>
+          <a:bodyPr wrap="none" rtlCol="0">
+            <a:spAutoFit/>
+          </a:bodyPr>
+          <a:lstStyle/>
+          <a:p>
+            <a:pPr algn="ctr"/>
+            <a:r>
+              <a:rPr lang="en-US" sz="900" b="1" dirty="0" err="1">
+                <a:latin typeface="Century Gothic" panose="020B0502020202020204" pitchFamily="34" charset="0"/>
+                <a:cs typeface="Adobe Devanagari" panose="02040503050201020203" pitchFamily="18" charset="0"/>
+              </a:rPr>
+              <a:t>LoFi</a:t>
+            </a:r>
+            <a:r>
+              <a:rPr lang="en-US" sz="900" b="1" dirty="0">
+                <a:latin typeface="Century Gothic" panose="020B0502020202020204" pitchFamily="34" charset="0"/>
+                <a:cs typeface="Adobe Devanagari" panose="02040503050201020203" pitchFamily="18" charset="0"/>
+              </a:rPr>
+              <a:t> Mode</a:t>
+            </a:r>
+          </a:p>
+        </p:txBody>
+      </p:sp>
+      <p:sp>
+        <p:nvSpPr>
+          <p:cNvPr id="43" name="TextBox 42"/>
+          <p:cNvSpPr txBox="1"/>
+          <p:nvPr/>
+        </p:nvSpPr>
+        <p:spPr>
+          <a:xfrm>
+            <a:off x="6584988" y="3562383"/>
+            <a:ext cx="396262" cy="230832"/>
+          </a:xfrm>
+          <a:prstGeom prst="rect">
+            <a:avLst/>
+          </a:prstGeom>
+          <a:noFill/>
+        </p:spPr>
+        <p:txBody>
+          <a:bodyPr wrap="none" rtlCol="0">
+            <a:spAutoFit/>
+          </a:bodyPr>
+          <a:lstStyle/>
+          <a:p>
+            <a:pPr algn="ctr"/>
+            <a:r>
+              <a:rPr lang="en-US" sz="900" b="1" dirty="0">
+                <a:latin typeface="Century Gothic" panose="020B0502020202020204" pitchFamily="34" charset="0"/>
+                <a:cs typeface="Adobe Devanagari" panose="02040503050201020203" pitchFamily="18" charset="0"/>
+              </a:rPr>
+              <a:t>Drift</a:t>
+            </a:r>
+          </a:p>
+        </p:txBody>
+      </p:sp>
+      <p:sp>
+        <p:nvSpPr>
+          <p:cNvPr id="44" name="Rectangle 43"/>
+          <p:cNvSpPr/>
+          <p:nvPr/>
+        </p:nvSpPr>
+        <p:spPr>
+          <a:xfrm>
+            <a:off x="4764898" y="2653473"/>
+            <a:ext cx="1554162" cy="847329"/>
+          </a:xfrm>
+          <a:prstGeom prst="rect">
+            <a:avLst/>
+          </a:prstGeom>
+          <a:noFill/>
+        </p:spPr>
+        <p:style>
+          <a:lnRef idx="2">
+            <a:schemeClr val="dk1">
+              <a:shade val="50000"/>
+            </a:schemeClr>
+          </a:lnRef>
+          <a:fillRef idx="1">
+            <a:schemeClr val="dk1"/>
+          </a:fillRef>
+          <a:effectRef idx="0">
+            <a:schemeClr val="dk1"/>
+          </a:effectRef>
+          <a:fontRef idx="minor">
+            <a:schemeClr val="lt1"/>
+          </a:fontRef>
+        </p:style>
+        <p:txBody>
+          <a:bodyPr rtlCol="0" anchor="ctr"/>
+          <a:lstStyle/>
+          <a:p>
+            <a:pPr algn="ctr"/>
+            <a:endParaRPr lang="en-US"/>
+          </a:p>
+        </p:txBody>
+      </p:sp>
+      <p:sp>
+        <p:nvSpPr>
+          <p:cNvPr id="49" name="Rectangle 48"/>
+          <p:cNvSpPr/>
+          <p:nvPr/>
+        </p:nvSpPr>
+        <p:spPr>
+          <a:xfrm>
+            <a:off x="457200" y="1542432"/>
+            <a:ext cx="3789856" cy="1024322"/>
+          </a:xfrm>
+          <a:prstGeom prst="rect">
+            <a:avLst/>
+          </a:prstGeom>
+        </p:spPr>
+        <p:style>
+          <a:lnRef idx="2">
+            <a:schemeClr val="dk1">
+              <a:shade val="50000"/>
+            </a:schemeClr>
+          </a:lnRef>
+          <a:fillRef idx="1003">
+            <a:schemeClr val="lt1"/>
+          </a:fillRef>
+          <a:effectRef idx="0">
+            <a:schemeClr val="dk1"/>
+          </a:effectRef>
+          <a:fontRef idx="minor">
+            <a:schemeClr val="lt1"/>
+          </a:fontRef>
+        </p:style>
+        <p:txBody>
+          <a:bodyPr rtlCol="0" anchor="ctr"/>
+          <a:lstStyle/>
+          <a:p>
+            <a:r>
+              <a:rPr lang="en-US" sz="1600" b="1" dirty="0">
+                <a:solidFill>
+                  <a:schemeClr val="tx1"/>
+                </a:solidFill>
+              </a:rPr>
+              <a:t>Decay</a:t>
+            </a:r>
+            <a:r>
+              <a:rPr lang="en-US" sz="1600" dirty="0">
+                <a:solidFill>
+                  <a:schemeClr val="tx1"/>
+                </a:solidFill>
+              </a:rPr>
+              <a:t>: Length of decay time</a:t>
+            </a:r>
+          </a:p>
+          <a:p>
+            <a:r>
+              <a:rPr lang="en-US" sz="1600" b="1" dirty="0">
+                <a:solidFill>
+                  <a:schemeClr val="tx1"/>
+                </a:solidFill>
+              </a:rPr>
+              <a:t>Mix</a:t>
+            </a:r>
+            <a:r>
+              <a:rPr lang="en-US" sz="1600" dirty="0">
+                <a:solidFill>
+                  <a:schemeClr val="tx1"/>
+                </a:solidFill>
+              </a:rPr>
+              <a:t>: Dry/Wet Mix</a:t>
+            </a:r>
+          </a:p>
+          <a:p>
+            <a:r>
+              <a:rPr lang="en-US" sz="1600" b="1" dirty="0">
+                <a:solidFill>
+                  <a:schemeClr val="tx1"/>
+                </a:solidFill>
+              </a:rPr>
+              <a:t>Damp:</a:t>
+            </a:r>
+            <a:r>
+              <a:rPr lang="en-US" sz="1600" dirty="0">
+                <a:solidFill>
+                  <a:schemeClr val="tx1"/>
+                </a:solidFill>
+              </a:rPr>
+              <a:t> Amount of Dampening</a:t>
+            </a:r>
+            <a:endParaRPr lang="en-US" sz="1600" b="1" dirty="0">
+              <a:solidFill>
+                <a:schemeClr val="tx1"/>
+              </a:solidFill>
+            </a:endParaRPr>
+          </a:p>
+        </p:txBody>
+      </p:sp>
+      <p:sp>
+        <p:nvSpPr>
+          <p:cNvPr id="50" name="Rectangle 49"/>
+          <p:cNvSpPr/>
+          <p:nvPr/>
+        </p:nvSpPr>
+        <p:spPr>
+          <a:xfrm>
+            <a:off x="7611996" y="1704463"/>
+            <a:ext cx="4263171" cy="1497488"/>
+          </a:xfrm>
+          <a:prstGeom prst="rect">
+            <a:avLst/>
+          </a:prstGeom>
+        </p:spPr>
+        <p:style>
+          <a:lnRef idx="2">
+            <a:schemeClr val="dk1">
+              <a:shade val="50000"/>
+            </a:schemeClr>
+          </a:lnRef>
+          <a:fillRef idx="1003">
+            <a:schemeClr val="lt1"/>
+          </a:fillRef>
+          <a:effectRef idx="0">
+            <a:schemeClr val="dk1"/>
+          </a:effectRef>
+          <a:fontRef idx="minor">
+            <a:schemeClr val="lt1"/>
+          </a:fontRef>
+        </p:style>
+        <p:txBody>
+          <a:bodyPr rtlCol="0" anchor="ctr"/>
+          <a:lstStyle/>
+          <a:p>
+            <a:r>
+              <a:rPr lang="en-US" sz="1600" b="1" dirty="0">
+                <a:solidFill>
+                  <a:schemeClr val="tx1"/>
+                </a:solidFill>
+              </a:rPr>
+              <a:t>Shimmer</a:t>
+            </a:r>
+            <a:r>
+              <a:rPr lang="en-US" sz="1600" dirty="0">
+                <a:solidFill>
+                  <a:schemeClr val="tx1"/>
+                </a:solidFill>
+              </a:rPr>
+              <a:t>: Adds octave string-like shimmer based on Shimmer mode toggle</a:t>
+            </a:r>
+          </a:p>
+          <a:p>
+            <a:r>
+              <a:rPr lang="en-US" sz="1600" b="1" dirty="0">
+                <a:solidFill>
+                  <a:schemeClr val="tx1"/>
+                </a:solidFill>
+              </a:rPr>
+              <a:t>Tone</a:t>
+            </a:r>
+            <a:r>
+              <a:rPr lang="en-US" sz="1600" dirty="0">
+                <a:solidFill>
+                  <a:schemeClr val="tx1"/>
+                </a:solidFill>
+              </a:rPr>
+              <a:t>: Adds octave + 5ths string-like shimmer</a:t>
+            </a:r>
+          </a:p>
+          <a:p>
+            <a:r>
+              <a:rPr lang="en-US" sz="1600" b="1" dirty="0">
+                <a:solidFill>
+                  <a:schemeClr val="tx1"/>
+                </a:solidFill>
+              </a:rPr>
+              <a:t>Detune</a:t>
+            </a:r>
+            <a:r>
+              <a:rPr lang="en-US" sz="1600" dirty="0">
+                <a:solidFill>
+                  <a:schemeClr val="tx1"/>
+                </a:solidFill>
+              </a:rPr>
+              <a:t>: Right of noon shifts reverb pitch up over time, Left of noon shifts reverb pitch down over time, center is no detuning</a:t>
+            </a:r>
+            <a:endParaRPr lang="en-US" sz="1600" dirty="0">
+              <a:solidFill>
+                <a:schemeClr val="bg1"/>
+              </a:solidFill>
+            </a:endParaRPr>
+          </a:p>
+        </p:txBody>
+      </p:sp>
+      <p:sp>
+        <p:nvSpPr>
+          <p:cNvPr id="52" name="Rectangle 51"/>
+          <p:cNvSpPr/>
+          <p:nvPr/>
+        </p:nvSpPr>
+        <p:spPr>
+          <a:xfrm>
+            <a:off x="1035004" y="2800979"/>
+            <a:ext cx="3250889" cy="1141089"/>
+          </a:xfrm>
+          <a:prstGeom prst="rect">
+            <a:avLst/>
+          </a:prstGeom>
+        </p:spPr>
+        <p:style>
+          <a:lnRef idx="2">
+            <a:schemeClr val="dk1">
+              <a:shade val="50000"/>
+            </a:schemeClr>
+          </a:lnRef>
+          <a:fillRef idx="1003">
+            <a:schemeClr val="dk1"/>
+          </a:fillRef>
+          <a:effectRef idx="0">
+            <a:schemeClr val="dk1"/>
+          </a:effectRef>
+          <a:fontRef idx="minor">
+            <a:schemeClr val="lt1"/>
+          </a:fontRef>
+        </p:style>
+        <p:txBody>
+          <a:bodyPr rtlCol="0" anchor="ctr"/>
+          <a:lstStyle/>
+          <a:p>
+            <a:r>
+              <a:rPr lang="en-US" sz="1600" b="1" dirty="0">
+                <a:solidFill>
+                  <a:schemeClr val="bg1"/>
+                </a:solidFill>
+              </a:rPr>
+              <a:t>Shimmer Mode Toggle</a:t>
+            </a:r>
+          </a:p>
+          <a:p>
+            <a:r>
+              <a:rPr lang="en-US" sz="1600" b="1" dirty="0">
+                <a:solidFill>
+                  <a:schemeClr val="bg1"/>
+                </a:solidFill>
+              </a:rPr>
+              <a:t>  Left:  Adds Octave Down</a:t>
+            </a:r>
+          </a:p>
+          <a:p>
+            <a:r>
+              <a:rPr lang="en-US" sz="1600" b="1" dirty="0">
+                <a:solidFill>
+                  <a:schemeClr val="bg1"/>
+                </a:solidFill>
+              </a:rPr>
+              <a:t>  Center: Adds Octave Up</a:t>
+            </a:r>
+          </a:p>
+          <a:p>
+            <a:r>
+              <a:rPr lang="en-US" sz="1600" b="1" dirty="0">
+                <a:solidFill>
+                  <a:schemeClr val="bg1"/>
+                </a:solidFill>
+              </a:rPr>
+              <a:t>  Right:  Both Octave Up and Down</a:t>
+            </a:r>
+          </a:p>
+        </p:txBody>
+      </p:sp>
+      <p:sp>
+        <p:nvSpPr>
+          <p:cNvPr id="54" name="Rectangle 53"/>
+          <p:cNvSpPr/>
+          <p:nvPr/>
+        </p:nvSpPr>
+        <p:spPr>
+          <a:xfrm>
+            <a:off x="64488" y="4194237"/>
+            <a:ext cx="4256140" cy="1600442"/>
+          </a:xfrm>
+          <a:prstGeom prst="rect">
+            <a:avLst/>
+          </a:prstGeom>
+        </p:spPr>
+        <p:style>
+          <a:lnRef idx="2">
+            <a:schemeClr val="dk1">
+              <a:shade val="50000"/>
+            </a:schemeClr>
+          </a:lnRef>
+          <a:fillRef idx="1003">
+            <a:schemeClr val="dk1"/>
+          </a:fillRef>
+          <a:effectRef idx="0">
+            <a:schemeClr val="dk1"/>
+          </a:effectRef>
+          <a:fontRef idx="minor">
+            <a:schemeClr val="lt1"/>
+          </a:fontRef>
+        </p:style>
+        <p:txBody>
+          <a:bodyPr rtlCol="0" anchor="ctr"/>
+          <a:lstStyle/>
+          <a:p>
+            <a:r>
+              <a:rPr lang="en-US" sz="1600" b="1" dirty="0" err="1">
+                <a:solidFill>
+                  <a:schemeClr val="bg1"/>
+                </a:solidFill>
+              </a:rPr>
+              <a:t>LoFi</a:t>
+            </a:r>
+            <a:r>
+              <a:rPr lang="en-US" sz="1600" b="1" dirty="0">
+                <a:solidFill>
+                  <a:schemeClr val="bg1"/>
+                </a:solidFill>
+              </a:rPr>
+              <a:t> Mode Toggle:</a:t>
+            </a:r>
+          </a:p>
+          <a:p>
+            <a:r>
+              <a:rPr lang="en-US" sz="1600" b="1" dirty="0">
+                <a:solidFill>
+                  <a:schemeClr val="bg1"/>
+                </a:solidFill>
+              </a:rPr>
+              <a:t>  Left:  Less applies some </a:t>
+            </a:r>
+            <a:r>
+              <a:rPr lang="en-US" sz="1600" b="1" dirty="0" err="1">
+                <a:solidFill>
+                  <a:schemeClr val="bg1"/>
+                </a:solidFill>
+              </a:rPr>
+              <a:t>samplerate</a:t>
+            </a:r>
+            <a:r>
+              <a:rPr lang="en-US" sz="1600" b="1" dirty="0">
+                <a:solidFill>
+                  <a:schemeClr val="bg1"/>
+                </a:solidFill>
+              </a:rPr>
+              <a:t> reduction with a </a:t>
+            </a:r>
+            <a:r>
+              <a:rPr lang="en-US" sz="1600" b="1" dirty="0" err="1">
+                <a:solidFill>
+                  <a:schemeClr val="bg1"/>
+                </a:solidFill>
+              </a:rPr>
+              <a:t>lowpass</a:t>
+            </a:r>
+            <a:r>
+              <a:rPr lang="en-US" sz="1600" b="1" dirty="0">
+                <a:solidFill>
+                  <a:schemeClr val="bg1"/>
+                </a:solidFill>
+              </a:rPr>
+              <a:t> filter  </a:t>
+            </a:r>
+          </a:p>
+          <a:p>
+            <a:r>
+              <a:rPr lang="en-US" sz="1600" b="1" dirty="0">
+                <a:solidFill>
+                  <a:schemeClr val="bg1"/>
+                </a:solidFill>
+              </a:rPr>
+              <a:t>  Center:  None – no </a:t>
+            </a:r>
+            <a:r>
+              <a:rPr lang="en-US" sz="1600" b="1" dirty="0" err="1">
+                <a:solidFill>
+                  <a:schemeClr val="bg1"/>
+                </a:solidFill>
+              </a:rPr>
+              <a:t>samplerate</a:t>
+            </a:r>
+            <a:r>
+              <a:rPr lang="en-US" sz="1600" b="1" dirty="0">
+                <a:solidFill>
+                  <a:schemeClr val="bg1"/>
+                </a:solidFill>
+              </a:rPr>
+              <a:t> reduction</a:t>
+            </a:r>
+          </a:p>
+          <a:p>
+            <a:r>
+              <a:rPr lang="en-US" sz="1600" b="1" dirty="0">
+                <a:solidFill>
+                  <a:schemeClr val="bg1"/>
+                </a:solidFill>
+              </a:rPr>
+              <a:t>  Right: More applies more </a:t>
+            </a:r>
+            <a:r>
+              <a:rPr lang="en-US" sz="1600" b="1" dirty="0" err="1">
+                <a:solidFill>
+                  <a:schemeClr val="bg1"/>
+                </a:solidFill>
+              </a:rPr>
+              <a:t>samplerate</a:t>
+            </a:r>
+            <a:r>
+              <a:rPr lang="en-US" sz="1600" b="1" dirty="0">
+                <a:solidFill>
+                  <a:schemeClr val="bg1"/>
+                </a:solidFill>
+              </a:rPr>
+              <a:t> reduction without a </a:t>
+            </a:r>
+            <a:r>
+              <a:rPr lang="en-US" sz="1600" b="1" dirty="0" err="1">
+                <a:solidFill>
+                  <a:schemeClr val="bg1"/>
+                </a:solidFill>
+              </a:rPr>
+              <a:t>lowpass</a:t>
+            </a:r>
+            <a:r>
+              <a:rPr lang="en-US" sz="1600" b="1" dirty="0">
+                <a:solidFill>
+                  <a:schemeClr val="bg1"/>
+                </a:solidFill>
+              </a:rPr>
+              <a:t> filter</a:t>
+            </a:r>
+          </a:p>
+        </p:txBody>
+      </p:sp>
+      <p:sp>
+        <p:nvSpPr>
+          <p:cNvPr id="55" name="Rectangle 54"/>
+          <p:cNvSpPr/>
+          <p:nvPr/>
+        </p:nvSpPr>
+        <p:spPr>
+          <a:xfrm>
+            <a:off x="7618076" y="3266577"/>
+            <a:ext cx="4360563" cy="1543206"/>
+          </a:xfrm>
+          <a:prstGeom prst="rect">
+            <a:avLst/>
+          </a:prstGeom>
+        </p:spPr>
+        <p:style>
+          <a:lnRef idx="2">
+            <a:schemeClr val="dk1">
+              <a:shade val="50000"/>
+            </a:schemeClr>
+          </a:lnRef>
+          <a:fillRef idx="1003">
+            <a:schemeClr val="dk1"/>
+          </a:fillRef>
+          <a:effectRef idx="0">
+            <a:schemeClr val="dk1"/>
+          </a:effectRef>
+          <a:fontRef idx="minor">
+            <a:schemeClr val="lt1"/>
+          </a:fontRef>
+        </p:style>
+        <p:txBody>
+          <a:bodyPr rtlCol="0" anchor="ctr"/>
+          <a:lstStyle/>
+          <a:p>
+            <a:r>
+              <a:rPr lang="en-US" sz="1600" b="1" dirty="0">
+                <a:solidFill>
+                  <a:schemeClr val="bg1"/>
+                </a:solidFill>
+              </a:rPr>
+              <a:t>Drift Toggle: Oscillates all the knob controls (except mix) between the current setting and 0 at a slow rate ( between 25 and 50 second periods). </a:t>
+            </a:r>
+          </a:p>
+          <a:p>
+            <a:r>
+              <a:rPr lang="en-US" sz="1600" b="1" dirty="0">
+                <a:solidFill>
+                  <a:schemeClr val="bg1"/>
+                </a:solidFill>
+              </a:rPr>
+              <a:t>  Left:  Slow drift, Sine wave, lower rate</a:t>
+            </a:r>
+          </a:p>
+          <a:p>
+            <a:r>
+              <a:rPr lang="en-US" sz="1600" b="1" dirty="0">
+                <a:solidFill>
+                  <a:schemeClr val="bg1"/>
+                </a:solidFill>
+              </a:rPr>
+              <a:t>  Center: No drift</a:t>
+            </a:r>
+          </a:p>
+          <a:p>
+            <a:r>
+              <a:rPr lang="en-US" sz="1600" b="1" dirty="0">
+                <a:solidFill>
+                  <a:schemeClr val="bg1"/>
+                </a:solidFill>
+              </a:rPr>
+              <a:t>  Right:  More drift, Triangle wave, higher rate</a:t>
+            </a:r>
+          </a:p>
+        </p:txBody>
+      </p:sp>
+      <p:sp>
+        <p:nvSpPr>
+          <p:cNvPr id="56" name="Rectangle 55"/>
+          <p:cNvSpPr/>
+          <p:nvPr/>
+        </p:nvSpPr>
+        <p:spPr>
+          <a:xfrm>
+            <a:off x="7676530" y="4874409"/>
+            <a:ext cx="3034908" cy="810200"/>
+          </a:xfrm>
+          <a:prstGeom prst="rect">
+            <a:avLst/>
+          </a:prstGeom>
+        </p:spPr>
+        <p:style>
+          <a:lnRef idx="2">
+            <a:schemeClr val="dk1">
+              <a:shade val="50000"/>
+            </a:schemeClr>
+          </a:lnRef>
+          <a:fillRef idx="1001">
+            <a:schemeClr val="dk2"/>
+          </a:fillRef>
+          <a:effectRef idx="0">
+            <a:schemeClr val="dk1"/>
+          </a:effectRef>
+          <a:fontRef idx="minor">
+            <a:schemeClr val="lt1"/>
+          </a:fontRef>
+        </p:style>
+        <p:txBody>
+          <a:bodyPr rtlCol="0" anchor="ctr"/>
+          <a:lstStyle/>
+          <a:p>
+            <a:r>
+              <a:rPr lang="en-US" sz="1600" b="1" dirty="0">
+                <a:solidFill>
+                  <a:schemeClr val="bg1"/>
+                </a:solidFill>
+              </a:rPr>
+              <a:t>Dip Switches:</a:t>
+            </a:r>
+          </a:p>
+          <a:p>
+            <a:r>
+              <a:rPr lang="en-US" sz="1600" b="1" dirty="0">
+                <a:solidFill>
+                  <a:schemeClr val="bg1"/>
+                </a:solidFill>
+              </a:rPr>
+              <a:t> 1,2,3,4: TBD (no action currently assigned to dip switches)</a:t>
+            </a:r>
+          </a:p>
+        </p:txBody>
+      </p:sp>
+      <p:sp>
+        <p:nvSpPr>
+          <p:cNvPr id="57" name="Rectangle 56"/>
+          <p:cNvSpPr/>
+          <p:nvPr/>
+        </p:nvSpPr>
+        <p:spPr>
+          <a:xfrm>
+            <a:off x="569071" y="5957124"/>
+            <a:ext cx="4863180" cy="798059"/>
+          </a:xfrm>
+          <a:prstGeom prst="rect">
+            <a:avLst/>
+          </a:prstGeom>
+        </p:spPr>
+        <p:style>
+          <a:lnRef idx="2">
+            <a:schemeClr val="dk1">
+              <a:shade val="50000"/>
+            </a:schemeClr>
+          </a:lnRef>
+          <a:fillRef idx="1001">
+            <a:schemeClr val="dk2"/>
+          </a:fillRef>
+          <a:effectRef idx="0">
+            <a:schemeClr val="dk1"/>
+          </a:effectRef>
+          <a:fontRef idx="minor">
+            <a:schemeClr val="lt1"/>
+          </a:fontRef>
+        </p:style>
+        <p:txBody>
+          <a:bodyPr rtlCol="0" anchor="ctr"/>
+          <a:lstStyle/>
+          <a:p>
+            <a:r>
+              <a:rPr lang="en-US" sz="1600" b="1" dirty="0">
+                <a:solidFill>
+                  <a:schemeClr val="bg1"/>
+                </a:solidFill>
+              </a:rPr>
+              <a:t>Left Footswitch: Bypass/Engage, hold more than a half second to enter/exit Set Expression mode. Hold for &gt; 2 seconds to clear all expression settings. </a:t>
+            </a:r>
+          </a:p>
+        </p:txBody>
+      </p:sp>
+      <p:sp>
+        <p:nvSpPr>
+          <p:cNvPr id="58" name="Rectangle 57"/>
+          <p:cNvSpPr/>
+          <p:nvPr/>
+        </p:nvSpPr>
+        <p:spPr>
+          <a:xfrm>
+            <a:off x="6574948" y="5977001"/>
+            <a:ext cx="4891147" cy="798059"/>
+          </a:xfrm>
+          <a:prstGeom prst="rect">
+            <a:avLst/>
+          </a:prstGeom>
+        </p:spPr>
+        <p:style>
+          <a:lnRef idx="2">
+            <a:schemeClr val="dk1">
+              <a:shade val="50000"/>
+            </a:schemeClr>
+          </a:lnRef>
+          <a:fillRef idx="1001">
+            <a:schemeClr val="dk2"/>
+          </a:fillRef>
+          <a:effectRef idx="0">
+            <a:schemeClr val="dk1"/>
+          </a:effectRef>
+          <a:fontRef idx="minor">
+            <a:schemeClr val="lt1"/>
+          </a:fontRef>
+        </p:style>
+        <p:txBody>
+          <a:bodyPr rtlCol="0" anchor="ctr"/>
+          <a:lstStyle/>
+          <a:p>
+            <a:r>
+              <a:rPr lang="en-US" sz="1600" b="1" dirty="0">
+                <a:solidFill>
+                  <a:schemeClr val="bg1"/>
+                </a:solidFill>
+              </a:rPr>
+              <a:t>Right Footswitch: Hold to Freeze the current reverb sound indefinitely. </a:t>
+            </a:r>
+          </a:p>
+        </p:txBody>
+      </p:sp>
+      <p:sp>
+        <p:nvSpPr>
+          <p:cNvPr id="59" name="Rectangle 58"/>
+          <p:cNvSpPr/>
+          <p:nvPr/>
+        </p:nvSpPr>
+        <p:spPr>
+          <a:xfrm>
+            <a:off x="259856" y="190712"/>
+            <a:ext cx="4226847" cy="1243622"/>
+          </a:xfrm>
+          <a:prstGeom prst="rect">
+            <a:avLst/>
+          </a:prstGeom>
+          <a:ln/>
+        </p:spPr>
+        <p:style>
+          <a:lnRef idx="1">
+            <a:schemeClr val="accent2"/>
+          </a:lnRef>
+          <a:fillRef idx="2">
+            <a:schemeClr val="accent2"/>
+          </a:fillRef>
+          <a:effectRef idx="1">
+            <a:schemeClr val="accent2"/>
+          </a:effectRef>
+          <a:fontRef idx="minor">
+            <a:schemeClr val="dk1"/>
+          </a:fontRef>
+        </p:style>
+        <p:txBody>
+          <a:bodyPr rtlCol="0" anchor="ctr"/>
+          <a:lstStyle/>
+          <a:p>
+            <a:r>
+              <a:rPr lang="en-US" sz="2800" b="1" dirty="0">
+                <a:solidFill>
+                  <a:schemeClr val="tx1"/>
+                </a:solidFill>
+              </a:rPr>
+              <a:t>Venus</a:t>
+            </a:r>
+            <a:r>
+              <a:rPr lang="en-US" sz="1600" b="1" dirty="0">
+                <a:solidFill>
+                  <a:schemeClr val="tx1"/>
+                </a:solidFill>
+              </a:rPr>
+              <a:t> is a </a:t>
+            </a:r>
+            <a:r>
+              <a:rPr lang="en-US" sz="2400" b="1" dirty="0">
+                <a:solidFill>
+                  <a:schemeClr val="tx1"/>
+                </a:solidFill>
+              </a:rPr>
+              <a:t>Spectral Reverb </a:t>
+            </a:r>
+            <a:r>
+              <a:rPr lang="en-US" sz="1600" b="1" dirty="0">
+                <a:solidFill>
+                  <a:schemeClr val="tx1"/>
+                </a:solidFill>
+              </a:rPr>
+              <a:t>pedal that operates in the frequency domain to create lush soundscapes. Features string-like overtones, detuning, and spectral freeze.</a:t>
+            </a:r>
+          </a:p>
+        </p:txBody>
+      </p:sp>
+      <p:sp>
+        <p:nvSpPr>
+          <p:cNvPr id="60" name="Rectangle 59"/>
+          <p:cNvSpPr/>
+          <p:nvPr/>
+        </p:nvSpPr>
+        <p:spPr>
+          <a:xfrm>
+            <a:off x="7586062" y="182880"/>
+            <a:ext cx="4289106" cy="1456957"/>
+          </a:xfrm>
+          <a:prstGeom prst="rect">
+            <a:avLst/>
+          </a:prstGeom>
+          <a:ln/>
+        </p:spPr>
+        <p:style>
+          <a:lnRef idx="1">
+            <a:schemeClr val="accent2"/>
+          </a:lnRef>
+          <a:fillRef idx="2">
+            <a:schemeClr val="accent2"/>
+          </a:fillRef>
+          <a:effectRef idx="1">
+            <a:schemeClr val="accent2"/>
+          </a:effectRef>
+          <a:fontRef idx="minor">
+            <a:schemeClr val="dk1"/>
+          </a:fontRef>
+        </p:style>
+        <p:txBody>
+          <a:bodyPr rtlCol="0" anchor="ctr"/>
+          <a:lstStyle/>
+          <a:p>
+            <a:r>
+              <a:rPr lang="en-US" sz="1600" b="1" dirty="0">
+                <a:solidFill>
+                  <a:schemeClr val="tx1"/>
+                </a:solidFill>
+              </a:rPr>
+              <a:t>Mono In/Out Processing</a:t>
+            </a:r>
+          </a:p>
+          <a:p>
+            <a:r>
+              <a:rPr lang="en-US" sz="1600" b="1" dirty="0">
+                <a:solidFill>
+                  <a:schemeClr val="tx1"/>
+                </a:solidFill>
+              </a:rPr>
+              <a:t>If using TRS, only takes left channel for input, and copies Left to Right for output</a:t>
+            </a:r>
+          </a:p>
+          <a:p>
+            <a:pPr marL="285750" indent="-285750">
+              <a:buFontTx/>
+              <a:buChar char="-"/>
+            </a:pPr>
+            <a:r>
+              <a:rPr lang="en-US" sz="1600" b="1" dirty="0">
+                <a:solidFill>
+                  <a:schemeClr val="tx1"/>
+                </a:solidFill>
+              </a:rPr>
+              <a:t>Expression: YES</a:t>
+            </a:r>
+          </a:p>
+          <a:p>
+            <a:pPr marL="285750" indent="-285750">
+              <a:buFontTx/>
+              <a:buChar char="-"/>
+            </a:pPr>
+            <a:r>
+              <a:rPr lang="en-US" sz="1600" b="1" dirty="0">
+                <a:solidFill>
+                  <a:schemeClr val="tx1"/>
+                </a:solidFill>
+              </a:rPr>
+              <a:t>MIDI: YES</a:t>
+            </a:r>
+          </a:p>
+        </p:txBody>
+      </p:sp>
+      <p:cxnSp>
+        <p:nvCxnSpPr>
+          <p:cNvPr id="62" name="Straight Arrow Connector 61"/>
+          <p:cNvCxnSpPr>
+            <a:stCxn id="49" idx="3"/>
+          </p:cNvCxnSpPr>
+          <p:nvPr/>
+        </p:nvCxnSpPr>
+        <p:spPr>
+          <a:xfrm>
+            <a:off x="4247056" y="2054593"/>
+            <a:ext cx="371937" cy="0"/>
+          </a:xfrm>
+          <a:prstGeom prst="straightConnector1">
+            <a:avLst/>
+          </a:prstGeom>
+          <a:ln>
+            <a:tailEnd type="triangle"/>
+          </a:ln>
+        </p:spPr>
+        <p:style>
+          <a:lnRef idx="3">
+            <a:schemeClr val="dk1"/>
+          </a:lnRef>
+          <a:fillRef idx="0">
+            <a:schemeClr val="dk1"/>
+          </a:fillRef>
+          <a:effectRef idx="2">
+            <a:schemeClr val="dk1"/>
+          </a:effectRef>
+          <a:fontRef idx="minor">
+            <a:schemeClr val="tx1"/>
+          </a:fontRef>
+        </p:style>
+      </p:cxnSp>
+      <p:cxnSp>
+        <p:nvCxnSpPr>
+          <p:cNvPr id="64" name="Straight Arrow Connector 63"/>
+          <p:cNvCxnSpPr/>
+          <p:nvPr/>
+        </p:nvCxnSpPr>
+        <p:spPr>
+          <a:xfrm flipH="1">
+            <a:off x="7258135" y="3012268"/>
+            <a:ext cx="341583" cy="0"/>
+          </a:xfrm>
+          <a:prstGeom prst="straightConnector1">
+            <a:avLst/>
+          </a:prstGeom>
+          <a:ln>
+            <a:tailEnd type="triangle"/>
+          </a:ln>
+        </p:spPr>
+        <p:style>
+          <a:lnRef idx="3">
+            <a:schemeClr val="dk1"/>
+          </a:lnRef>
+          <a:fillRef idx="0">
+            <a:schemeClr val="dk1"/>
+          </a:fillRef>
+          <a:effectRef idx="2">
+            <a:schemeClr val="dk1"/>
+          </a:effectRef>
+          <a:fontRef idx="minor">
+            <a:schemeClr val="tx1"/>
+          </a:fontRef>
+        </p:style>
+      </p:cxnSp>
+      <p:cxnSp>
+        <p:nvCxnSpPr>
+          <p:cNvPr id="68" name="Straight Arrow Connector 67"/>
+          <p:cNvCxnSpPr/>
+          <p:nvPr/>
+        </p:nvCxnSpPr>
+        <p:spPr>
+          <a:xfrm>
+            <a:off x="4286374" y="3901586"/>
+            <a:ext cx="570112" cy="12433"/>
+          </a:xfrm>
+          <a:prstGeom prst="straightConnector1">
+            <a:avLst/>
+          </a:prstGeom>
+          <a:ln>
+            <a:tailEnd type="triangle"/>
+          </a:ln>
+        </p:spPr>
+        <p:style>
+          <a:lnRef idx="3">
+            <a:schemeClr val="dk1"/>
+          </a:lnRef>
+          <a:fillRef idx="0">
+            <a:schemeClr val="dk1"/>
+          </a:fillRef>
+          <a:effectRef idx="2">
+            <a:schemeClr val="dk1"/>
+          </a:effectRef>
+          <a:fontRef idx="minor">
+            <a:schemeClr val="tx1"/>
+          </a:fontRef>
+        </p:style>
+      </p:cxnSp>
+      <p:cxnSp>
+        <p:nvCxnSpPr>
+          <p:cNvPr id="75" name="Straight Arrow Connector 74"/>
+          <p:cNvCxnSpPr/>
+          <p:nvPr/>
+        </p:nvCxnSpPr>
+        <p:spPr>
+          <a:xfrm flipH="1" flipV="1">
+            <a:off x="6999564" y="3956135"/>
+            <a:ext cx="618513" cy="7881"/>
+          </a:xfrm>
+          <a:prstGeom prst="straightConnector1">
+            <a:avLst/>
+          </a:prstGeom>
+          <a:ln>
+            <a:tailEnd type="triangle"/>
+          </a:ln>
+        </p:spPr>
+        <p:style>
+          <a:lnRef idx="3">
+            <a:schemeClr val="dk1"/>
+          </a:lnRef>
+          <a:fillRef idx="0">
+            <a:schemeClr val="dk1"/>
+          </a:fillRef>
+          <a:effectRef idx="2">
+            <a:schemeClr val="dk1"/>
+          </a:effectRef>
+          <a:fontRef idx="minor">
+            <a:schemeClr val="tx1"/>
+          </a:fontRef>
+        </p:style>
+      </p:cxnSp>
+      <p:cxnSp>
+        <p:nvCxnSpPr>
+          <p:cNvPr id="78" name="Elbow Connector 77"/>
+          <p:cNvCxnSpPr/>
+          <p:nvPr/>
+        </p:nvCxnSpPr>
+        <p:spPr>
+          <a:xfrm flipV="1">
+            <a:off x="4285893" y="3923376"/>
+            <a:ext cx="1400247" cy="567633"/>
+          </a:xfrm>
+          <a:prstGeom prst="bentConnector3">
+            <a:avLst>
+              <a:gd name="adj1" fmla="val 83332"/>
+            </a:avLst>
+          </a:prstGeom>
+          <a:ln>
+            <a:tailEnd type="triangle"/>
+          </a:ln>
+        </p:spPr>
+        <p:style>
+          <a:lnRef idx="3">
+            <a:schemeClr val="dk1"/>
+          </a:lnRef>
+          <a:fillRef idx="0">
+            <a:schemeClr val="dk1"/>
+          </a:fillRef>
+          <a:effectRef idx="2">
+            <a:schemeClr val="dk1"/>
+          </a:effectRef>
+          <a:fontRef idx="minor">
+            <a:schemeClr val="tx1"/>
+          </a:fontRef>
+        </p:style>
+      </p:cxnSp>
+      <p:sp>
+        <p:nvSpPr>
+          <p:cNvPr id="81" name="Rectangle 80"/>
+          <p:cNvSpPr/>
+          <p:nvPr/>
+        </p:nvSpPr>
+        <p:spPr>
+          <a:xfrm>
+            <a:off x="7205470" y="4298155"/>
+            <a:ext cx="45719" cy="303523"/>
+          </a:xfrm>
+          <a:prstGeom prst="rect">
+            <a:avLst/>
+          </a:prstGeom>
+        </p:spPr>
+        <p:style>
+          <a:lnRef idx="2">
+            <a:schemeClr val="accent1">
+              <a:shade val="50000"/>
+            </a:schemeClr>
+          </a:lnRef>
+          <a:fillRef idx="1">
+            <a:schemeClr val="accent1"/>
+          </a:fillRef>
+          <a:effectRef idx="0">
+            <a:schemeClr val="accent1"/>
+          </a:effectRef>
+          <a:fontRef idx="minor">
+            <a:schemeClr val="lt1"/>
+          </a:fontRef>
+        </p:style>
+        <p:txBody>
+          <a:bodyPr rtlCol="0" anchor="ctr"/>
+          <a:lstStyle/>
+          <a:p>
+            <a:pPr algn="ctr"/>
+            <a:endParaRPr lang="en-US"/>
+          </a:p>
+        </p:txBody>
+      </p:sp>
+      <p:cxnSp>
+        <p:nvCxnSpPr>
+          <p:cNvPr id="95" name="Straight Arrow Connector 94"/>
+          <p:cNvCxnSpPr>
+            <a:endCxn id="61" idx="2"/>
+          </p:cNvCxnSpPr>
+          <p:nvPr/>
+        </p:nvCxnSpPr>
+        <p:spPr>
+          <a:xfrm flipH="1" flipV="1">
+            <a:off x="7261055" y="4582016"/>
+            <a:ext cx="404085" cy="325867"/>
+          </a:xfrm>
+          <a:prstGeom prst="straightConnector1">
+            <a:avLst/>
+          </a:prstGeom>
+          <a:ln>
+            <a:tailEnd type="triangle"/>
+          </a:ln>
+        </p:spPr>
+        <p:style>
+          <a:lnRef idx="3">
+            <a:schemeClr val="dk1"/>
+          </a:lnRef>
+          <a:fillRef idx="0">
+            <a:schemeClr val="dk1"/>
+          </a:fillRef>
+          <a:effectRef idx="2">
+            <a:schemeClr val="dk1"/>
+          </a:effectRef>
+          <a:fontRef idx="minor">
+            <a:schemeClr val="tx1"/>
+          </a:fontRef>
+        </p:style>
+      </p:cxnSp>
+      <p:sp>
+        <p:nvSpPr>
+          <p:cNvPr id="66" name="TextBox 65"/>
+          <p:cNvSpPr txBox="1"/>
+          <p:nvPr/>
+        </p:nvSpPr>
+        <p:spPr>
+          <a:xfrm>
+            <a:off x="6446625" y="5548457"/>
+            <a:ext cx="585418" cy="246221"/>
+          </a:xfrm>
+          <a:prstGeom prst="rect">
+            <a:avLst/>
+          </a:prstGeom>
+          <a:noFill/>
+        </p:spPr>
+        <p:txBody>
+          <a:bodyPr wrap="none" rtlCol="0">
+            <a:spAutoFit/>
+          </a:bodyPr>
+          <a:lstStyle/>
+          <a:p>
+            <a:pPr algn="ctr"/>
+            <a:r>
+              <a:rPr lang="en-US" sz="1000" b="1" dirty="0">
+                <a:latin typeface="Century Gothic" panose="020B0502020202020204" pitchFamily="34" charset="0"/>
+                <a:cs typeface="Adobe Devanagari" panose="02040503050201020203" pitchFamily="18" charset="0"/>
+              </a:rPr>
+              <a:t>FREEZE</a:t>
+            </a:r>
+          </a:p>
+        </p:txBody>
+      </p:sp>
+      <p:sp>
+        <p:nvSpPr>
+          <p:cNvPr id="65" name="Rectangle 64"/>
+          <p:cNvSpPr/>
+          <p:nvPr/>
+        </p:nvSpPr>
+        <p:spPr>
+          <a:xfrm>
+            <a:off x="7238195" y="4382641"/>
+            <a:ext cx="45719" cy="45719"/>
+          </a:xfrm>
+          <a:prstGeom prst="rect">
+            <a:avLst/>
+          </a:prstGeom>
+        </p:spPr>
+        <p:style>
+          <a:lnRef idx="2">
+            <a:schemeClr val="dk1"/>
+          </a:lnRef>
+          <a:fillRef idx="1">
+            <a:schemeClr val="lt1"/>
+          </a:fillRef>
+          <a:effectRef idx="0">
+            <a:schemeClr val="dk1"/>
+          </a:effectRef>
+          <a:fontRef idx="minor">
+            <a:schemeClr val="dk1"/>
+          </a:fontRef>
+        </p:style>
+        <p:txBody>
+          <a:bodyPr rtlCol="0" anchor="ctr"/>
+          <a:lstStyle/>
+          <a:p>
+            <a:pPr algn="ctr"/>
+            <a:endParaRPr lang="en-US"/>
+          </a:p>
+        </p:txBody>
+      </p:sp>
+      <p:sp>
+        <p:nvSpPr>
+          <p:cNvPr id="67" name="Rectangle 66"/>
+          <p:cNvSpPr/>
+          <p:nvPr/>
+        </p:nvSpPr>
+        <p:spPr>
+          <a:xfrm>
+            <a:off x="7239482" y="4455654"/>
+            <a:ext cx="45719" cy="45719"/>
+          </a:xfrm>
+          <a:prstGeom prst="rect">
+            <a:avLst/>
+          </a:prstGeom>
+        </p:spPr>
+        <p:style>
+          <a:lnRef idx="2">
+            <a:schemeClr val="dk1"/>
+          </a:lnRef>
+          <a:fillRef idx="1">
+            <a:schemeClr val="lt1"/>
+          </a:fillRef>
+          <a:effectRef idx="0">
+            <a:schemeClr val="dk1"/>
+          </a:effectRef>
+          <a:fontRef idx="minor">
+            <a:schemeClr val="dk1"/>
+          </a:fontRef>
+        </p:style>
+        <p:txBody>
+          <a:bodyPr rtlCol="0" anchor="ctr"/>
+          <a:lstStyle/>
+          <a:p>
+            <a:pPr algn="ctr"/>
+            <a:endParaRPr lang="en-US"/>
+          </a:p>
+        </p:txBody>
+      </p:sp>
+      <p:sp>
+        <p:nvSpPr>
+          <p:cNvPr id="69" name="Rectangle 68"/>
+          <p:cNvSpPr/>
+          <p:nvPr/>
+        </p:nvSpPr>
+        <p:spPr>
+          <a:xfrm>
+            <a:off x="7238195" y="4536297"/>
+            <a:ext cx="45719" cy="45719"/>
+          </a:xfrm>
+          <a:prstGeom prst="rect">
+            <a:avLst/>
+          </a:prstGeom>
+        </p:spPr>
+        <p:style>
+          <a:lnRef idx="2">
+            <a:schemeClr val="dk1"/>
+          </a:lnRef>
+          <a:fillRef idx="1">
+            <a:schemeClr val="lt1"/>
+          </a:fillRef>
+          <a:effectRef idx="0">
+            <a:schemeClr val="dk1"/>
+          </a:effectRef>
+          <a:fontRef idx="minor">
+            <a:schemeClr val="dk1"/>
+          </a:fontRef>
+        </p:style>
+        <p:txBody>
+          <a:bodyPr rtlCol="0" anchor="ctr"/>
+          <a:lstStyle/>
+          <a:p>
+            <a:pPr algn="ctr"/>
+            <a:endParaRPr lang="en-US"/>
+          </a:p>
+        </p:txBody>
+      </p:sp>
+      <p:sp>
+        <p:nvSpPr>
+          <p:cNvPr id="70" name="Rectangle 69"/>
+          <p:cNvSpPr/>
+          <p:nvPr/>
+        </p:nvSpPr>
+        <p:spPr>
+          <a:xfrm>
+            <a:off x="7238195" y="4309629"/>
+            <a:ext cx="45719" cy="45719"/>
+          </a:xfrm>
+          <a:prstGeom prst="rect">
+            <a:avLst/>
+          </a:prstGeom>
+        </p:spPr>
+        <p:style>
+          <a:lnRef idx="2">
+            <a:schemeClr val="dk1"/>
+          </a:lnRef>
+          <a:fillRef idx="1">
+            <a:schemeClr val="lt1"/>
+          </a:fillRef>
+          <a:effectRef idx="0">
+            <a:schemeClr val="dk1"/>
+          </a:effectRef>
+          <a:fontRef idx="minor">
+            <a:schemeClr val="dk1"/>
+          </a:fontRef>
+        </p:style>
+        <p:txBody>
+          <a:bodyPr rtlCol="0" anchor="ctr"/>
+          <a:lstStyle/>
+          <a:p>
+            <a:pPr algn="ctr"/>
+            <a:endParaRPr lang="en-US"/>
+          </a:p>
+        </p:txBody>
+      </p:sp>
+      <p:sp>
+        <p:nvSpPr>
+          <p:cNvPr id="45" name="Rectangle 44"/>
+          <p:cNvSpPr/>
+          <p:nvPr/>
+        </p:nvSpPr>
+        <p:spPr>
+          <a:xfrm>
+            <a:off x="7238195" y="4382641"/>
+            <a:ext cx="45719" cy="45719"/>
+          </a:xfrm>
+          <a:prstGeom prst="rect">
+            <a:avLst/>
+          </a:prstGeom>
+        </p:spPr>
+        <p:style>
+          <a:lnRef idx="2">
+            <a:schemeClr val="dk1"/>
+          </a:lnRef>
+          <a:fillRef idx="1">
+            <a:schemeClr val="lt1"/>
+          </a:fillRef>
+          <a:effectRef idx="0">
+            <a:schemeClr val="dk1"/>
+          </a:effectRef>
+          <a:fontRef idx="minor">
+            <a:schemeClr val="dk1"/>
+          </a:fontRef>
+        </p:style>
+        <p:txBody>
+          <a:bodyPr rtlCol="0" anchor="ctr"/>
+          <a:lstStyle/>
+          <a:p>
+            <a:pPr algn="ctr"/>
+            <a:endParaRPr lang="en-US"/>
+          </a:p>
+        </p:txBody>
+      </p:sp>
+      <p:sp>
+        <p:nvSpPr>
+          <p:cNvPr id="46" name="Rectangle 45"/>
+          <p:cNvSpPr/>
+          <p:nvPr/>
+        </p:nvSpPr>
+        <p:spPr>
+          <a:xfrm>
+            <a:off x="7239482" y="4455654"/>
+            <a:ext cx="45719" cy="45719"/>
+          </a:xfrm>
+          <a:prstGeom prst="rect">
+            <a:avLst/>
+          </a:prstGeom>
+        </p:spPr>
+        <p:style>
+          <a:lnRef idx="2">
+            <a:schemeClr val="dk1"/>
+          </a:lnRef>
+          <a:fillRef idx="1">
+            <a:schemeClr val="lt1"/>
+          </a:fillRef>
+          <a:effectRef idx="0">
+            <a:schemeClr val="dk1"/>
+          </a:effectRef>
+          <a:fontRef idx="minor">
+            <a:schemeClr val="dk1"/>
+          </a:fontRef>
+        </p:style>
+        <p:txBody>
+          <a:bodyPr rtlCol="0" anchor="ctr"/>
+          <a:lstStyle/>
+          <a:p>
+            <a:pPr algn="ctr"/>
+            <a:endParaRPr lang="en-US"/>
+          </a:p>
+        </p:txBody>
+      </p:sp>
+      <p:sp>
+        <p:nvSpPr>
+          <p:cNvPr id="47" name="Rectangle 46"/>
+          <p:cNvSpPr/>
+          <p:nvPr/>
+        </p:nvSpPr>
+        <p:spPr>
+          <a:xfrm>
+            <a:off x="7238195" y="4536297"/>
+            <a:ext cx="45719" cy="45719"/>
+          </a:xfrm>
+          <a:prstGeom prst="rect">
+            <a:avLst/>
+          </a:prstGeom>
+        </p:spPr>
+        <p:style>
+          <a:lnRef idx="2">
+            <a:schemeClr val="dk1"/>
+          </a:lnRef>
+          <a:fillRef idx="1">
+            <a:schemeClr val="lt1"/>
+          </a:fillRef>
+          <a:effectRef idx="0">
+            <a:schemeClr val="dk1"/>
+          </a:effectRef>
+          <a:fontRef idx="minor">
+            <a:schemeClr val="dk1"/>
+          </a:fontRef>
+        </p:style>
+        <p:txBody>
+          <a:bodyPr rtlCol="0" anchor="ctr"/>
+          <a:lstStyle/>
+          <a:p>
+            <a:pPr algn="ctr"/>
+            <a:endParaRPr lang="en-US"/>
+          </a:p>
+        </p:txBody>
+      </p:sp>
+      <p:sp>
+        <p:nvSpPr>
+          <p:cNvPr id="48" name="Rectangle 47"/>
+          <p:cNvSpPr/>
+          <p:nvPr/>
+        </p:nvSpPr>
+        <p:spPr>
+          <a:xfrm>
+            <a:off x="7238195" y="4309629"/>
+            <a:ext cx="45719" cy="45719"/>
+          </a:xfrm>
+          <a:prstGeom prst="rect">
+            <a:avLst/>
+          </a:prstGeom>
+        </p:spPr>
+        <p:style>
+          <a:lnRef idx="2">
+            <a:schemeClr val="dk1"/>
+          </a:lnRef>
+          <a:fillRef idx="1">
+            <a:schemeClr val="lt1"/>
+          </a:fillRef>
+          <a:effectRef idx="0">
+            <a:schemeClr val="dk1"/>
+          </a:effectRef>
+          <a:fontRef idx="minor">
+            <a:schemeClr val="dk1"/>
+          </a:fontRef>
+        </p:style>
+        <p:txBody>
+          <a:bodyPr rtlCol="0" anchor="ctr"/>
+          <a:lstStyle/>
+          <a:p>
+            <a:pPr algn="ctr"/>
+            <a:endParaRPr lang="en-US"/>
+          </a:p>
+        </p:txBody>
+      </p:sp>
+      <p:sp>
+        <p:nvSpPr>
+          <p:cNvPr id="51" name="Rectangle 50"/>
+          <p:cNvSpPr/>
+          <p:nvPr/>
+        </p:nvSpPr>
+        <p:spPr>
+          <a:xfrm>
+            <a:off x="7238195" y="4382641"/>
+            <a:ext cx="45719" cy="45719"/>
+          </a:xfrm>
+          <a:prstGeom prst="rect">
+            <a:avLst/>
+          </a:prstGeom>
+        </p:spPr>
+        <p:style>
+          <a:lnRef idx="2">
+            <a:schemeClr val="dk1"/>
+          </a:lnRef>
+          <a:fillRef idx="1">
+            <a:schemeClr val="lt1"/>
+          </a:fillRef>
+          <a:effectRef idx="0">
+            <a:schemeClr val="dk1"/>
+          </a:effectRef>
+          <a:fontRef idx="minor">
+            <a:schemeClr val="dk1"/>
+          </a:fontRef>
+        </p:style>
+        <p:txBody>
+          <a:bodyPr rtlCol="0" anchor="ctr"/>
+          <a:lstStyle/>
+          <a:p>
+            <a:pPr algn="ctr"/>
+            <a:endParaRPr lang="en-US"/>
+          </a:p>
+        </p:txBody>
+      </p:sp>
+      <p:sp>
+        <p:nvSpPr>
+          <p:cNvPr id="53" name="Rectangle 52"/>
+          <p:cNvSpPr/>
+          <p:nvPr/>
+        </p:nvSpPr>
+        <p:spPr>
+          <a:xfrm>
+            <a:off x="7239482" y="4455654"/>
+            <a:ext cx="45719" cy="45719"/>
+          </a:xfrm>
+          <a:prstGeom prst="rect">
+            <a:avLst/>
+          </a:prstGeom>
+        </p:spPr>
+        <p:style>
+          <a:lnRef idx="2">
+            <a:schemeClr val="dk1"/>
+          </a:lnRef>
+          <a:fillRef idx="1">
+            <a:schemeClr val="lt1"/>
+          </a:fillRef>
+          <a:effectRef idx="0">
+            <a:schemeClr val="dk1"/>
+          </a:effectRef>
+          <a:fontRef idx="minor">
+            <a:schemeClr val="dk1"/>
+          </a:fontRef>
+        </p:style>
+        <p:txBody>
+          <a:bodyPr rtlCol="0" anchor="ctr"/>
+          <a:lstStyle/>
+          <a:p>
+            <a:pPr algn="ctr"/>
+            <a:endParaRPr lang="en-US"/>
+          </a:p>
+        </p:txBody>
+      </p:sp>
+      <p:sp>
+        <p:nvSpPr>
+          <p:cNvPr id="61" name="Rectangle 60"/>
+          <p:cNvSpPr/>
+          <p:nvPr/>
+        </p:nvSpPr>
+        <p:spPr>
+          <a:xfrm>
+            <a:off x="7238195" y="4536297"/>
+            <a:ext cx="45719" cy="45719"/>
+          </a:xfrm>
+          <a:prstGeom prst="rect">
+            <a:avLst/>
+          </a:prstGeom>
+        </p:spPr>
+        <p:style>
+          <a:lnRef idx="2">
+            <a:schemeClr val="dk1"/>
+          </a:lnRef>
+          <a:fillRef idx="1">
+            <a:schemeClr val="lt1"/>
+          </a:fillRef>
+          <a:effectRef idx="0">
+            <a:schemeClr val="dk1"/>
+          </a:effectRef>
+          <a:fontRef idx="minor">
+            <a:schemeClr val="dk1"/>
+          </a:fontRef>
+        </p:style>
+        <p:txBody>
+          <a:bodyPr rtlCol="0" anchor="ctr"/>
+          <a:lstStyle/>
+          <a:p>
+            <a:pPr algn="ctr"/>
+            <a:endParaRPr lang="en-US"/>
+          </a:p>
+        </p:txBody>
+      </p:sp>
+      <p:sp>
+        <p:nvSpPr>
+          <p:cNvPr id="63" name="Rectangle 62"/>
+          <p:cNvSpPr/>
+          <p:nvPr/>
+        </p:nvSpPr>
+        <p:spPr>
+          <a:xfrm>
+            <a:off x="7238195" y="4309629"/>
+            <a:ext cx="45719" cy="45719"/>
+          </a:xfrm>
+          <a:prstGeom prst="rect">
+            <a:avLst/>
+          </a:prstGeom>
+        </p:spPr>
+        <p:style>
+          <a:lnRef idx="2">
+            <a:schemeClr val="dk1"/>
+          </a:lnRef>
+          <a:fillRef idx="1">
+            <a:schemeClr val="lt1"/>
+          </a:fillRef>
+          <a:effectRef idx="0">
+            <a:schemeClr val="dk1"/>
+          </a:effectRef>
+          <a:fontRef idx="minor">
+            <a:schemeClr val="dk1"/>
+          </a:fontRef>
+        </p:style>
+        <p:txBody>
+          <a:bodyPr rtlCol="0" anchor="ctr"/>
+          <a:lstStyle/>
+          <a:p>
+            <a:pPr algn="ctr"/>
+            <a:endParaRPr lang="en-US"/>
+          </a:p>
+        </p:txBody>
+      </p:sp>
+    </p:spTree>
+    <p:extLst>
+      <p:ext uri="{BB962C8B-B14F-4D97-AF65-F5344CB8AC3E}">
+        <p14:creationId xmlns:p14="http://schemas.microsoft.com/office/powerpoint/2010/main" val="2892489643"/>
+      </p:ext>
+    </p:extLst>
+  </p:cSld>
+  <p:clrMapOvr>
+    <a:masterClrMapping/>
+  </p:clrMapOvr>
+</p:sld>
+</file>
+
+<file path=ppt/slides/slide6.xml><?xml version="1.0" encoding="utf-8"?>
+<p:sld xmlns:a="http://schemas.openxmlformats.org/drawingml/2006/main" xmlns:r="http://schemas.openxmlformats.org/officeDocument/2006/relationships" xmlns:p="http://schemas.openxmlformats.org/presentationml/2006/main">
+  <p:cSld>
+    <p:spTree>
+      <p:nvGrpSpPr>
+        <p:cNvPr id="1" name=""/>
+        <p:cNvGrpSpPr/>
+        <p:nvPr/>
+      </p:nvGrpSpPr>
+      <p:grpSpPr>
+        <a:xfrm>
+          <a:off x="0" y="0"/>
+          <a:ext cx="0" cy="0"/>
+          <a:chOff x="0" y="0"/>
+          <a:chExt cx="0" cy="0"/>
+        </a:xfrm>
+      </p:grpSpPr>
+      <p:sp>
+        <p:nvSpPr>
+          <p:cNvPr id="2" name="Rounded Rectangle 1"/>
+          <p:cNvSpPr/>
+          <p:nvPr/>
+        </p:nvSpPr>
+        <p:spPr>
+          <a:xfrm>
+            <a:off x="4687514" y="1221568"/>
+            <a:ext cx="2502100" cy="4599225"/>
+          </a:xfrm>
+          <a:prstGeom prst="roundRect">
+            <a:avLst>
+              <a:gd name="adj" fmla="val 4232"/>
+            </a:avLst>
+          </a:prstGeom>
+          <a:solidFill>
+            <a:srgbClr val="EFEBE5"/>
+          </a:solidFill>
+          <a:ln w="57150"/>
+        </p:spPr>
+        <p:style>
+          <a:lnRef idx="2">
+            <a:schemeClr val="accent1">
+              <a:shade val="50000"/>
+            </a:schemeClr>
+          </a:lnRef>
+          <a:fillRef idx="1">
+            <a:schemeClr val="accent1"/>
+          </a:fillRef>
+          <a:effectRef idx="0">
+            <a:schemeClr val="accent1"/>
+          </a:effectRef>
+          <a:fontRef idx="minor">
+            <a:schemeClr val="lt1"/>
+          </a:fontRef>
+        </p:style>
+        <p:txBody>
+          <a:bodyPr rtlCol="0" anchor="ctr"/>
+          <a:lstStyle/>
+          <a:p>
+            <a:pPr algn="ctr"/>
+            <a:endParaRPr lang="en-US"/>
+          </a:p>
+        </p:txBody>
+      </p:sp>
+      <p:sp>
+        <p:nvSpPr>
+          <p:cNvPr id="3" name="Isosceles Triangle 2"/>
+          <p:cNvSpPr/>
+          <p:nvPr/>
+        </p:nvSpPr>
+        <p:spPr>
+          <a:xfrm>
+            <a:off x="5272231" y="1277448"/>
+            <a:ext cx="160020" cy="144780"/>
+          </a:xfrm>
+          <a:prstGeom prst="triangle">
+            <a:avLst/>
+          </a:prstGeom>
+          <a:solidFill>
+            <a:schemeClr val="tx1"/>
+          </a:solidFill>
+          <a:ln>
+            <a:solidFill>
+              <a:schemeClr val="tx1"/>
+            </a:solidFill>
+          </a:ln>
+        </p:spPr>
+        <p:style>
+          <a:lnRef idx="2">
+            <a:schemeClr val="accent1">
+              <a:shade val="50000"/>
+            </a:schemeClr>
+          </a:lnRef>
+          <a:fillRef idx="1">
+            <a:schemeClr val="accent1"/>
+          </a:fillRef>
+          <a:effectRef idx="0">
+            <a:schemeClr val="accent1"/>
+          </a:effectRef>
+          <a:fontRef idx="minor">
+            <a:schemeClr val="lt1"/>
+          </a:fontRef>
+        </p:style>
+        <p:txBody>
+          <a:bodyPr rtlCol="0" anchor="ctr"/>
+          <a:lstStyle/>
+          <a:p>
+            <a:pPr algn="ctr"/>
+            <a:endParaRPr lang="en-US" dirty="0"/>
+          </a:p>
+        </p:txBody>
+      </p:sp>
+      <p:sp>
+        <p:nvSpPr>
+          <p:cNvPr id="4" name="Isosceles Triangle 3"/>
+          <p:cNvSpPr/>
+          <p:nvPr/>
+        </p:nvSpPr>
+        <p:spPr>
+          <a:xfrm rot="10800000">
+            <a:off x="6477144" y="1277448"/>
+            <a:ext cx="160020" cy="144780"/>
+          </a:xfrm>
+          <a:prstGeom prst="triangle">
+            <a:avLst/>
+          </a:prstGeom>
+          <a:solidFill>
+            <a:schemeClr val="tx1"/>
+          </a:solidFill>
+          <a:ln>
+            <a:solidFill>
+              <a:schemeClr val="tx1"/>
+            </a:solidFill>
+          </a:ln>
+        </p:spPr>
+        <p:style>
+          <a:lnRef idx="2">
+            <a:schemeClr val="accent1">
+              <a:shade val="50000"/>
+            </a:schemeClr>
+          </a:lnRef>
+          <a:fillRef idx="1">
+            <a:schemeClr val="accent1"/>
+          </a:fillRef>
+          <a:effectRef idx="0">
+            <a:schemeClr val="accent1"/>
+          </a:effectRef>
+          <a:fontRef idx="minor">
+            <a:schemeClr val="lt1"/>
+          </a:fontRef>
+        </p:style>
+        <p:txBody>
+          <a:bodyPr rtlCol="0" anchor="ctr"/>
+          <a:lstStyle/>
+          <a:p>
+            <a:pPr algn="ctr"/>
+            <a:endParaRPr lang="en-US" dirty="0"/>
+          </a:p>
+        </p:txBody>
+      </p:sp>
+      <p:sp>
+        <p:nvSpPr>
+          <p:cNvPr id="5" name="Oval 4"/>
+          <p:cNvSpPr/>
+          <p:nvPr/>
+        </p:nvSpPr>
+        <p:spPr>
+          <a:xfrm>
+            <a:off x="4875991" y="1747348"/>
+            <a:ext cx="556260" cy="533400"/>
+          </a:xfrm>
+          <a:prstGeom prst="ellipse">
+            <a:avLst/>
+          </a:prstGeom>
+          <a:solidFill>
             <a:schemeClr val="bg2">
               <a:lumMod val="50000"/>
             </a:schemeClr>

--- a/software/images/Infographics.pptx
+++ b/software/images/Infographics.pptx
@@ -10,7 +10,8 @@
     <p:sldId id="258" r:id="rId4"/>
     <p:sldId id="259" r:id="rId5"/>
     <p:sldId id="261" r:id="rId6"/>
-    <p:sldId id="260" r:id="rId7"/>
+    <p:sldId id="262" r:id="rId7"/>
+    <p:sldId id="260" r:id="rId8"/>
   </p:sldIdLst>
   <p:sldSz cx="12192000" cy="6858000"/>
   <p:notesSz cx="6858000" cy="9144000"/>
@@ -120,6 +121,38 @@
 <file path=ppt/changesInfos/changesInfo1.xml><?xml version="1.0" encoding="utf-8"?>
 <pc:chgInfo xmlns:a="http://schemas.openxmlformats.org/drawingml/2006/main" xmlns:r="http://schemas.openxmlformats.org/officeDocument/2006/relationships" xmlns:ac="http://schemas.microsoft.com/office/drawing/2013/main/command" xmlns:pc="http://schemas.microsoft.com/office/powerpoint/2013/main/command">
   <pc:docChgLst>
+    <pc:chgData name="Rachel Bloemer" userId="77b46c2fcbe54245" providerId="LiveId" clId="{9A7BBEF4-6F3C-4C64-8E1D-1FD87EBDAF77}"/>
+    <pc:docChg chg="modSld">
+      <pc:chgData name="Rachel Bloemer" userId="77b46c2fcbe54245" providerId="LiveId" clId="{9A7BBEF4-6F3C-4C64-8E1D-1FD87EBDAF77}" dt="2024-08-08T16:21:40.175" v="7" actId="20577"/>
+      <pc:docMkLst>
+        <pc:docMk/>
+      </pc:docMkLst>
+      <pc:sldChg chg="modSp mod">
+        <pc:chgData name="Rachel Bloemer" userId="77b46c2fcbe54245" providerId="LiveId" clId="{9A7BBEF4-6F3C-4C64-8E1D-1FD87EBDAF77}" dt="2024-08-08T16:21:40.175" v="7" actId="20577"/>
+        <pc:sldMkLst>
+          <pc:docMk/>
+          <pc:sldMk cId="1849713498" sldId="262"/>
+        </pc:sldMkLst>
+        <pc:spChg chg="mod">
+          <ac:chgData name="Rachel Bloemer" userId="77b46c2fcbe54245" providerId="LiveId" clId="{9A7BBEF4-6F3C-4C64-8E1D-1FD87EBDAF77}" dt="2024-08-08T16:21:19.920" v="4" actId="20577"/>
+          <ac:spMkLst>
+            <pc:docMk/>
+            <pc:sldMk cId="1849713498" sldId="262"/>
+            <ac:spMk id="49" creationId="{00000000-0000-0000-0000-000000000000}"/>
+          </ac:spMkLst>
+        </pc:spChg>
+        <pc:spChg chg="mod">
+          <ac:chgData name="Rachel Bloemer" userId="77b46c2fcbe54245" providerId="LiveId" clId="{9A7BBEF4-6F3C-4C64-8E1D-1FD87EBDAF77}" dt="2024-08-08T16:21:40.175" v="7" actId="20577"/>
+          <ac:spMkLst>
+            <pc:docMk/>
+            <pc:sldMk cId="1849713498" sldId="262"/>
+            <ac:spMk id="50" creationId="{00000000-0000-0000-0000-000000000000}"/>
+          </ac:spMkLst>
+        </pc:spChg>
+      </pc:sldChg>
+    </pc:docChg>
+  </pc:docChgLst>
+  <pc:docChgLst>
     <pc:chgData name="Rachel Bloemer" userId="77b46c2fcbe54245" providerId="LiveId" clId="{A84FB524-E67A-4211-8697-C15450D7CF1C}"/>
     <pc:docChg chg="modSld">
       <pc:chgData name="Rachel Bloemer" userId="77b46c2fcbe54245" providerId="LiveId" clId="{A84FB524-E67A-4211-8697-C15450D7CF1C}" dt="2024-07-27T00:14:07.011" v="8" actId="20577"/>
@@ -337,7 +370,7 @@
           <a:p>
             <a:fld id="{E65F16E8-9810-4F67-B618-098E0E399057}" type="datetimeFigureOut">
               <a:rPr lang="en-US" smtClean="0"/>
-              <a:t>7/26/2024</a:t>
+              <a:t>8/9/2024</a:t>
             </a:fld>
             <a:endParaRPr lang="en-US"/>
           </a:p>
@@ -505,7 +538,7 @@
           <a:p>
             <a:fld id="{E65F16E8-9810-4F67-B618-098E0E399057}" type="datetimeFigureOut">
               <a:rPr lang="en-US" smtClean="0"/>
-              <a:t>7/26/2024</a:t>
+              <a:t>8/9/2024</a:t>
             </a:fld>
             <a:endParaRPr lang="en-US"/>
           </a:p>
@@ -683,7 +716,7 @@
           <a:p>
             <a:fld id="{E65F16E8-9810-4F67-B618-098E0E399057}" type="datetimeFigureOut">
               <a:rPr lang="en-US" smtClean="0"/>
-              <a:t>7/26/2024</a:t>
+              <a:t>8/9/2024</a:t>
             </a:fld>
             <a:endParaRPr lang="en-US"/>
           </a:p>
@@ -851,7 +884,7 @@
           <a:p>
             <a:fld id="{E65F16E8-9810-4F67-B618-098E0E399057}" type="datetimeFigureOut">
               <a:rPr lang="en-US" smtClean="0"/>
-              <a:t>7/26/2024</a:t>
+              <a:t>8/9/2024</a:t>
             </a:fld>
             <a:endParaRPr lang="en-US"/>
           </a:p>
@@ -1096,7 +1129,7 @@
           <a:p>
             <a:fld id="{E65F16E8-9810-4F67-B618-098E0E399057}" type="datetimeFigureOut">
               <a:rPr lang="en-US" smtClean="0"/>
-              <a:t>7/26/2024</a:t>
+              <a:t>8/9/2024</a:t>
             </a:fld>
             <a:endParaRPr lang="en-US"/>
           </a:p>
@@ -1325,7 +1358,7 @@
           <a:p>
             <a:fld id="{E65F16E8-9810-4F67-B618-098E0E399057}" type="datetimeFigureOut">
               <a:rPr lang="en-US" smtClean="0"/>
-              <a:t>7/26/2024</a:t>
+              <a:t>8/9/2024</a:t>
             </a:fld>
             <a:endParaRPr lang="en-US"/>
           </a:p>
@@ -1689,7 +1722,7 @@
           <a:p>
             <a:fld id="{E65F16E8-9810-4F67-B618-098E0E399057}" type="datetimeFigureOut">
               <a:rPr lang="en-US" smtClean="0"/>
-              <a:t>7/26/2024</a:t>
+              <a:t>8/9/2024</a:t>
             </a:fld>
             <a:endParaRPr lang="en-US"/>
           </a:p>
@@ -1806,7 +1839,7 @@
           <a:p>
             <a:fld id="{E65F16E8-9810-4F67-B618-098E0E399057}" type="datetimeFigureOut">
               <a:rPr lang="en-US" smtClean="0"/>
-              <a:t>7/26/2024</a:t>
+              <a:t>8/9/2024</a:t>
             </a:fld>
             <a:endParaRPr lang="en-US"/>
           </a:p>
@@ -1901,7 +1934,7 @@
           <a:p>
             <a:fld id="{E65F16E8-9810-4F67-B618-098E0E399057}" type="datetimeFigureOut">
               <a:rPr lang="en-US" smtClean="0"/>
-              <a:t>7/26/2024</a:t>
+              <a:t>8/9/2024</a:t>
             </a:fld>
             <a:endParaRPr lang="en-US"/>
           </a:p>
@@ -2176,7 +2209,7 @@
           <a:p>
             <a:fld id="{E65F16E8-9810-4F67-B618-098E0E399057}" type="datetimeFigureOut">
               <a:rPr lang="en-US" smtClean="0"/>
-              <a:t>7/26/2024</a:t>
+              <a:t>8/9/2024</a:t>
             </a:fld>
             <a:endParaRPr lang="en-US"/>
           </a:p>
@@ -2428,7 +2461,7 @@
           <a:p>
             <a:fld id="{E65F16E8-9810-4F67-B618-098E0E399057}" type="datetimeFigureOut">
               <a:rPr lang="en-US" smtClean="0"/>
-              <a:t>7/26/2024</a:t>
+              <a:t>8/9/2024</a:t>
             </a:fld>
             <a:endParaRPr lang="en-US"/>
           </a:p>
@@ -2639,7 +2672,7 @@
           <a:p>
             <a:fld id="{E65F16E8-9810-4F67-B618-098E0E399057}" type="datetimeFigureOut">
               <a:rPr lang="en-US" smtClean="0"/>
-              <a:t>7/26/2024</a:t>
+              <a:t>8/9/2024</a:t>
             </a:fld>
             <a:endParaRPr lang="en-US"/>
           </a:p>
@@ -10885,16 +10918,12 @@
           <a:p>
             <a:pPr algn="ctr"/>
             <a:r>
-              <a:rPr lang="en-US" sz="900" b="1" dirty="0" err="1">
+              <a:rPr lang="en-US" sz="900" b="1" dirty="0">
                 <a:latin typeface="Century Gothic" panose="020B0502020202020204" pitchFamily="34" charset="0"/>
                 <a:cs typeface="Adobe Devanagari" panose="02040503050201020203" pitchFamily="18" charset="0"/>
               </a:rPr>
               <a:t>PreDelay</a:t>
             </a:r>
-            <a:endParaRPr lang="en-US" sz="900" b="1" dirty="0">
-              <a:latin typeface="Century Gothic" panose="020B0502020202020204" pitchFamily="34" charset="0"/>
-              <a:cs typeface="Adobe Devanagari" panose="02040503050201020203" pitchFamily="18" charset="0"/>
-            </a:endParaRPr>
           </a:p>
         </p:txBody>
       </p:sp>
@@ -11422,20 +11451,22 @@
           <a:lstStyle/>
           <a:p>
             <a:r>
-              <a:rPr lang="en-US" sz="1600" b="1" dirty="0" err="1">
+              <a:rPr lang="en-US" sz="1600" b="1" dirty="0">
                 <a:solidFill>
                   <a:schemeClr val="bg1"/>
                 </a:solidFill>
               </a:rPr>
-              <a:t>PreDelay</a:t>
-            </a:r>
+              <a:t>PreDelay:</a:t>
+            </a:r>
+          </a:p>
+          <a:p>
             <a:r>
               <a:rPr lang="en-US" sz="1600" b="1" dirty="0">
                 <a:solidFill>
                   <a:schemeClr val="bg1"/>
                 </a:solidFill>
               </a:rPr>
-              <a:t>:</a:t>
+              <a:t>  Left:  no predelay</a:t>
             </a:r>
           </a:p>
           <a:p>
@@ -11445,67 +11476,18 @@
                   <a:schemeClr val="bg1"/>
                 </a:solidFill>
               </a:rPr>
-              <a:t>  Left:  no </a:t>
-            </a:r>
-            <a:r>
-              <a:rPr lang="en-US" sz="1600" b="1" dirty="0" err="1">
+              <a:t>  Center: 100ms predelay</a:t>
+            </a:r>
+          </a:p>
+          <a:p>
+            <a:r>
+              <a:rPr lang="en-US" sz="1600" b="1" dirty="0">
                 <a:solidFill>
                   <a:schemeClr val="bg1"/>
                 </a:solidFill>
               </a:rPr>
-              <a:t>predelay</a:t>
-            </a:r>
-            <a:endParaRPr lang="en-US" sz="1600" b="1" dirty="0">
-              <a:solidFill>
-                <a:schemeClr val="bg1"/>
-              </a:solidFill>
-            </a:endParaRPr>
-          </a:p>
-          <a:p>
-            <a:r>
-              <a:rPr lang="en-US" sz="1600" b="1" dirty="0">
-                <a:solidFill>
-                  <a:schemeClr val="bg1"/>
-                </a:solidFill>
-              </a:rPr>
-              <a:t>  Center: 100ms </a:t>
-            </a:r>
-            <a:r>
-              <a:rPr lang="en-US" sz="1600" b="1" dirty="0" err="1">
-                <a:solidFill>
-                  <a:schemeClr val="bg1"/>
-                </a:solidFill>
-              </a:rPr>
-              <a:t>predelay</a:t>
-            </a:r>
-            <a:endParaRPr lang="en-US" sz="1600" b="1" dirty="0">
-              <a:solidFill>
-                <a:schemeClr val="bg1"/>
-              </a:solidFill>
-            </a:endParaRPr>
-          </a:p>
-          <a:p>
-            <a:r>
-              <a:rPr lang="en-US" sz="1600" b="1" dirty="0">
-                <a:solidFill>
-                  <a:schemeClr val="bg1"/>
-                </a:solidFill>
-              </a:rPr>
-              <a:t>  Right:  200ms </a:t>
-            </a:r>
-            <a:r>
-              <a:rPr lang="en-US" sz="1600" b="1" dirty="0" err="1">
-                <a:solidFill>
-                  <a:schemeClr val="bg1"/>
-                </a:solidFill>
-              </a:rPr>
-              <a:t>predelay</a:t>
-            </a:r>
-            <a:endParaRPr lang="en-US" sz="1600" b="1" dirty="0">
-              <a:solidFill>
-                <a:schemeClr val="bg1"/>
-              </a:solidFill>
-            </a:endParaRPr>
+              <a:t>  Right:  200ms predelay</a:t>
+            </a:r>
           </a:p>
         </p:txBody>
       </p:sp>
@@ -12283,7 +12265,7 @@
         </p:nvSpPr>
         <p:spPr>
           <a:xfrm>
-            <a:off x="6574948" y="5977001"/>
+            <a:off x="6737080" y="6018288"/>
             <a:ext cx="4891147" cy="630663"/>
           </a:xfrm>
           <a:prstGeom prst="rect">
@@ -18810,6 +18792,3286 @@
 </file>
 
 <file path=ppt/slides/slide6.xml><?xml version="1.0" encoding="utf-8"?>
+<p:sld xmlns:a="http://schemas.openxmlformats.org/drawingml/2006/main" xmlns:r="http://schemas.openxmlformats.org/officeDocument/2006/relationships" xmlns:p="http://schemas.openxmlformats.org/presentationml/2006/main">
+  <p:cSld>
+    <p:spTree>
+      <p:nvGrpSpPr>
+        <p:cNvPr id="1" name=""/>
+        <p:cNvGrpSpPr/>
+        <p:nvPr/>
+      </p:nvGrpSpPr>
+      <p:grpSpPr>
+        <a:xfrm>
+          <a:off x="0" y="0"/>
+          <a:ext cx="0" cy="0"/>
+          <a:chOff x="0" y="0"/>
+          <a:chExt cx="0" cy="0"/>
+        </a:xfrm>
+      </p:grpSpPr>
+      <p:sp>
+        <p:nvSpPr>
+          <p:cNvPr id="2" name="Rounded Rectangle 1"/>
+          <p:cNvSpPr/>
+          <p:nvPr/>
+        </p:nvSpPr>
+        <p:spPr>
+          <a:xfrm>
+            <a:off x="4684291" y="1240759"/>
+            <a:ext cx="2502100" cy="4599225"/>
+          </a:xfrm>
+          <a:prstGeom prst="roundRect">
+            <a:avLst>
+              <a:gd name="adj" fmla="val 4232"/>
+            </a:avLst>
+          </a:prstGeom>
+          <a:solidFill>
+            <a:srgbClr val="EFEBE5"/>
+          </a:solidFill>
+          <a:ln w="57150"/>
+        </p:spPr>
+        <p:style>
+          <a:lnRef idx="2">
+            <a:schemeClr val="accent1">
+              <a:shade val="50000"/>
+            </a:schemeClr>
+          </a:lnRef>
+          <a:fillRef idx="1">
+            <a:schemeClr val="accent1"/>
+          </a:fillRef>
+          <a:effectRef idx="0">
+            <a:schemeClr val="accent1"/>
+          </a:effectRef>
+          <a:fontRef idx="minor">
+            <a:schemeClr val="lt1"/>
+          </a:fontRef>
+        </p:style>
+        <p:txBody>
+          <a:bodyPr rtlCol="0" anchor="ctr"/>
+          <a:lstStyle/>
+          <a:p>
+            <a:pPr algn="ctr"/>
+            <a:endParaRPr lang="en-US"/>
+          </a:p>
+        </p:txBody>
+      </p:sp>
+      <p:sp>
+        <p:nvSpPr>
+          <p:cNvPr id="3" name="Isosceles Triangle 2"/>
+          <p:cNvSpPr/>
+          <p:nvPr/>
+        </p:nvSpPr>
+        <p:spPr>
+          <a:xfrm>
+            <a:off x="5272231" y="1277448"/>
+            <a:ext cx="160020" cy="144780"/>
+          </a:xfrm>
+          <a:prstGeom prst="triangle">
+            <a:avLst/>
+          </a:prstGeom>
+          <a:solidFill>
+            <a:schemeClr val="tx1"/>
+          </a:solidFill>
+          <a:ln>
+            <a:solidFill>
+              <a:schemeClr val="tx1"/>
+            </a:solidFill>
+          </a:ln>
+        </p:spPr>
+        <p:style>
+          <a:lnRef idx="2">
+            <a:schemeClr val="accent1">
+              <a:shade val="50000"/>
+            </a:schemeClr>
+          </a:lnRef>
+          <a:fillRef idx="1">
+            <a:schemeClr val="accent1"/>
+          </a:fillRef>
+          <a:effectRef idx="0">
+            <a:schemeClr val="accent1"/>
+          </a:effectRef>
+          <a:fontRef idx="minor">
+            <a:schemeClr val="lt1"/>
+          </a:fontRef>
+        </p:style>
+        <p:txBody>
+          <a:bodyPr rtlCol="0" anchor="ctr"/>
+          <a:lstStyle/>
+          <a:p>
+            <a:pPr algn="ctr"/>
+            <a:endParaRPr lang="en-US" dirty="0"/>
+          </a:p>
+        </p:txBody>
+      </p:sp>
+      <p:sp>
+        <p:nvSpPr>
+          <p:cNvPr id="4" name="Isosceles Triangle 3"/>
+          <p:cNvSpPr/>
+          <p:nvPr/>
+        </p:nvSpPr>
+        <p:spPr>
+          <a:xfrm rot="10800000">
+            <a:off x="6477144" y="1277448"/>
+            <a:ext cx="160020" cy="144780"/>
+          </a:xfrm>
+          <a:prstGeom prst="triangle">
+            <a:avLst/>
+          </a:prstGeom>
+          <a:solidFill>
+            <a:schemeClr val="tx1"/>
+          </a:solidFill>
+          <a:ln>
+            <a:solidFill>
+              <a:schemeClr val="tx1"/>
+            </a:solidFill>
+          </a:ln>
+        </p:spPr>
+        <p:style>
+          <a:lnRef idx="2">
+            <a:schemeClr val="accent1">
+              <a:shade val="50000"/>
+            </a:schemeClr>
+          </a:lnRef>
+          <a:fillRef idx="1">
+            <a:schemeClr val="accent1"/>
+          </a:fillRef>
+          <a:effectRef idx="0">
+            <a:schemeClr val="accent1"/>
+          </a:effectRef>
+          <a:fontRef idx="minor">
+            <a:schemeClr val="lt1"/>
+          </a:fontRef>
+        </p:style>
+        <p:txBody>
+          <a:bodyPr rtlCol="0" anchor="ctr"/>
+          <a:lstStyle/>
+          <a:p>
+            <a:pPr algn="ctr"/>
+            <a:endParaRPr lang="en-US" dirty="0"/>
+          </a:p>
+        </p:txBody>
+      </p:sp>
+      <p:sp>
+        <p:nvSpPr>
+          <p:cNvPr id="5" name="Oval 4"/>
+          <p:cNvSpPr/>
+          <p:nvPr/>
+        </p:nvSpPr>
+        <p:spPr>
+          <a:xfrm>
+            <a:off x="4875991" y="1747348"/>
+            <a:ext cx="556260" cy="533400"/>
+          </a:xfrm>
+          <a:prstGeom prst="ellipse">
+            <a:avLst/>
+          </a:prstGeom>
+          <a:solidFill>
+            <a:schemeClr val="accent2">
+              <a:lumMod val="60000"/>
+              <a:lumOff val="40000"/>
+            </a:schemeClr>
+          </a:solidFill>
+          <a:ln w="28575">
+            <a:solidFill>
+              <a:schemeClr val="tx1"/>
+            </a:solidFill>
+          </a:ln>
+        </p:spPr>
+        <p:style>
+          <a:lnRef idx="2">
+            <a:schemeClr val="accent1">
+              <a:shade val="50000"/>
+            </a:schemeClr>
+          </a:lnRef>
+          <a:fillRef idx="1">
+            <a:schemeClr val="accent1"/>
+          </a:fillRef>
+          <a:effectRef idx="0">
+            <a:schemeClr val="accent1"/>
+          </a:effectRef>
+          <a:fontRef idx="minor">
+            <a:schemeClr val="lt1"/>
+          </a:fontRef>
+        </p:style>
+        <p:txBody>
+          <a:bodyPr rtlCol="0" anchor="ctr"/>
+          <a:lstStyle/>
+          <a:p>
+            <a:pPr algn="ctr"/>
+            <a:endParaRPr lang="en-US"/>
+          </a:p>
+        </p:txBody>
+      </p:sp>
+      <p:sp>
+        <p:nvSpPr>
+          <p:cNvPr id="6" name="Oval 5"/>
+          <p:cNvSpPr/>
+          <p:nvPr/>
+        </p:nvSpPr>
+        <p:spPr>
+          <a:xfrm>
+            <a:off x="5660434" y="1747348"/>
+            <a:ext cx="556260" cy="533400"/>
+          </a:xfrm>
+          <a:prstGeom prst="ellipse">
+            <a:avLst/>
+          </a:prstGeom>
+          <a:solidFill>
+            <a:schemeClr val="accent2">
+              <a:lumMod val="60000"/>
+              <a:lumOff val="40000"/>
+            </a:schemeClr>
+          </a:solidFill>
+          <a:ln w="28575">
+            <a:solidFill>
+              <a:schemeClr val="tx1"/>
+            </a:solidFill>
+          </a:ln>
+        </p:spPr>
+        <p:style>
+          <a:lnRef idx="2">
+            <a:schemeClr val="accent1">
+              <a:shade val="50000"/>
+            </a:schemeClr>
+          </a:lnRef>
+          <a:fillRef idx="1">
+            <a:schemeClr val="accent1"/>
+          </a:fillRef>
+          <a:effectRef idx="0">
+            <a:schemeClr val="accent1"/>
+          </a:effectRef>
+          <a:fontRef idx="minor">
+            <a:schemeClr val="lt1"/>
+          </a:fontRef>
+        </p:style>
+        <p:txBody>
+          <a:bodyPr rtlCol="0" anchor="ctr"/>
+          <a:lstStyle/>
+          <a:p>
+            <a:pPr algn="ctr"/>
+            <a:endParaRPr lang="en-US"/>
+          </a:p>
+        </p:txBody>
+      </p:sp>
+      <p:sp>
+        <p:nvSpPr>
+          <p:cNvPr id="7" name="Oval 6"/>
+          <p:cNvSpPr/>
+          <p:nvPr/>
+        </p:nvSpPr>
+        <p:spPr>
+          <a:xfrm>
+            <a:off x="6457944" y="1747348"/>
+            <a:ext cx="556260" cy="533400"/>
+          </a:xfrm>
+          <a:prstGeom prst="ellipse">
+            <a:avLst/>
+          </a:prstGeom>
+          <a:solidFill>
+            <a:schemeClr val="accent2">
+              <a:lumMod val="60000"/>
+              <a:lumOff val="40000"/>
+            </a:schemeClr>
+          </a:solidFill>
+          <a:ln w="28575">
+            <a:solidFill>
+              <a:schemeClr val="tx1"/>
+            </a:solidFill>
+          </a:ln>
+        </p:spPr>
+        <p:style>
+          <a:lnRef idx="2">
+            <a:schemeClr val="accent1">
+              <a:shade val="50000"/>
+            </a:schemeClr>
+          </a:lnRef>
+          <a:fillRef idx="1">
+            <a:schemeClr val="accent1"/>
+          </a:fillRef>
+          <a:effectRef idx="0">
+            <a:schemeClr val="accent1"/>
+          </a:effectRef>
+          <a:fontRef idx="minor">
+            <a:schemeClr val="lt1"/>
+          </a:fontRef>
+        </p:style>
+        <p:txBody>
+          <a:bodyPr rtlCol="0" anchor="ctr"/>
+          <a:lstStyle/>
+          <a:p>
+            <a:pPr algn="ctr"/>
+            <a:endParaRPr lang="en-US"/>
+          </a:p>
+        </p:txBody>
+      </p:sp>
+      <p:sp>
+        <p:nvSpPr>
+          <p:cNvPr id="8" name="Oval 7"/>
+          <p:cNvSpPr/>
+          <p:nvPr/>
+        </p:nvSpPr>
+        <p:spPr>
+          <a:xfrm>
+            <a:off x="4875991" y="2745568"/>
+            <a:ext cx="556260" cy="533400"/>
+          </a:xfrm>
+          <a:prstGeom prst="ellipse">
+            <a:avLst/>
+          </a:prstGeom>
+          <a:solidFill>
+            <a:schemeClr val="bg2">
+              <a:lumMod val="50000"/>
+            </a:schemeClr>
+          </a:solidFill>
+          <a:ln w="28575">
+            <a:solidFill>
+              <a:schemeClr val="tx1"/>
+            </a:solidFill>
+          </a:ln>
+        </p:spPr>
+        <p:style>
+          <a:lnRef idx="2">
+            <a:schemeClr val="accent1">
+              <a:shade val="50000"/>
+            </a:schemeClr>
+          </a:lnRef>
+          <a:fillRef idx="1">
+            <a:schemeClr val="accent1"/>
+          </a:fillRef>
+          <a:effectRef idx="0">
+            <a:schemeClr val="accent1"/>
+          </a:effectRef>
+          <a:fontRef idx="minor">
+            <a:schemeClr val="lt1"/>
+          </a:fontRef>
+        </p:style>
+        <p:txBody>
+          <a:bodyPr rtlCol="0" anchor="ctr"/>
+          <a:lstStyle/>
+          <a:p>
+            <a:pPr algn="ctr"/>
+            <a:endParaRPr lang="en-US"/>
+          </a:p>
+        </p:txBody>
+      </p:sp>
+      <p:sp>
+        <p:nvSpPr>
+          <p:cNvPr id="9" name="Oval 8"/>
+          <p:cNvSpPr/>
+          <p:nvPr/>
+        </p:nvSpPr>
+        <p:spPr>
+          <a:xfrm>
+            <a:off x="5660434" y="2745568"/>
+            <a:ext cx="556260" cy="533400"/>
+          </a:xfrm>
+          <a:prstGeom prst="ellipse">
+            <a:avLst/>
+          </a:prstGeom>
+          <a:solidFill>
+            <a:schemeClr val="bg2">
+              <a:lumMod val="50000"/>
+            </a:schemeClr>
+          </a:solidFill>
+          <a:ln w="28575">
+            <a:solidFill>
+              <a:schemeClr val="tx1"/>
+            </a:solidFill>
+          </a:ln>
+        </p:spPr>
+        <p:style>
+          <a:lnRef idx="2">
+            <a:schemeClr val="accent1">
+              <a:shade val="50000"/>
+            </a:schemeClr>
+          </a:lnRef>
+          <a:fillRef idx="1">
+            <a:schemeClr val="accent1"/>
+          </a:fillRef>
+          <a:effectRef idx="0">
+            <a:schemeClr val="accent1"/>
+          </a:effectRef>
+          <a:fontRef idx="minor">
+            <a:schemeClr val="lt1"/>
+          </a:fontRef>
+        </p:style>
+        <p:txBody>
+          <a:bodyPr rtlCol="0" anchor="ctr"/>
+          <a:lstStyle/>
+          <a:p>
+            <a:pPr algn="ctr"/>
+            <a:endParaRPr lang="en-US"/>
+          </a:p>
+        </p:txBody>
+      </p:sp>
+      <p:sp>
+        <p:nvSpPr>
+          <p:cNvPr id="10" name="Oval 9"/>
+          <p:cNvSpPr/>
+          <p:nvPr/>
+        </p:nvSpPr>
+        <p:spPr>
+          <a:xfrm>
+            <a:off x="6457944" y="2745568"/>
+            <a:ext cx="556260" cy="533400"/>
+          </a:xfrm>
+          <a:prstGeom prst="ellipse">
+            <a:avLst/>
+          </a:prstGeom>
+          <a:solidFill>
+            <a:schemeClr val="bg2">
+              <a:lumMod val="50000"/>
+            </a:schemeClr>
+          </a:solidFill>
+          <a:ln w="28575">
+            <a:solidFill>
+              <a:schemeClr val="tx1"/>
+            </a:solidFill>
+          </a:ln>
+        </p:spPr>
+        <p:style>
+          <a:lnRef idx="2">
+            <a:schemeClr val="accent1">
+              <a:shade val="50000"/>
+            </a:schemeClr>
+          </a:lnRef>
+          <a:fillRef idx="1">
+            <a:schemeClr val="accent1"/>
+          </a:fillRef>
+          <a:effectRef idx="0">
+            <a:schemeClr val="accent1"/>
+          </a:effectRef>
+          <a:fontRef idx="minor">
+            <a:schemeClr val="lt1"/>
+          </a:fontRef>
+        </p:style>
+        <p:txBody>
+          <a:bodyPr rtlCol="0" anchor="ctr"/>
+          <a:lstStyle/>
+          <a:p>
+            <a:pPr algn="ctr"/>
+            <a:endParaRPr lang="en-US"/>
+          </a:p>
+        </p:txBody>
+      </p:sp>
+      <p:sp>
+        <p:nvSpPr>
+          <p:cNvPr id="11" name="Oval 10"/>
+          <p:cNvSpPr/>
+          <p:nvPr/>
+        </p:nvSpPr>
+        <p:spPr>
+          <a:xfrm rot="16200000">
+            <a:off x="5037119" y="3795700"/>
+            <a:ext cx="245746" cy="243840"/>
+          </a:xfrm>
+          <a:prstGeom prst="ellipse">
+            <a:avLst/>
+          </a:prstGeom>
+          <a:ln w="19050">
+            <a:solidFill>
+              <a:schemeClr val="tx1"/>
+            </a:solidFill>
+          </a:ln>
+        </p:spPr>
+        <p:style>
+          <a:lnRef idx="2">
+            <a:schemeClr val="accent1">
+              <a:shade val="50000"/>
+            </a:schemeClr>
+          </a:lnRef>
+          <a:fillRef idx="1">
+            <a:schemeClr val="accent1"/>
+          </a:fillRef>
+          <a:effectRef idx="0">
+            <a:schemeClr val="accent1"/>
+          </a:effectRef>
+          <a:fontRef idx="minor">
+            <a:schemeClr val="lt1"/>
+          </a:fontRef>
+        </p:style>
+        <p:txBody>
+          <a:bodyPr rtlCol="0" anchor="ctr"/>
+          <a:lstStyle/>
+          <a:p>
+            <a:pPr algn="ctr"/>
+            <a:endParaRPr lang="en-US"/>
+          </a:p>
+        </p:txBody>
+      </p:sp>
+      <p:sp>
+        <p:nvSpPr>
+          <p:cNvPr id="12" name="Flowchart: Terminator 11"/>
+          <p:cNvSpPr/>
+          <p:nvPr/>
+        </p:nvSpPr>
+        <p:spPr>
+          <a:xfrm rot="16200000">
+            <a:off x="5017245" y="3807751"/>
+            <a:ext cx="95488" cy="208168"/>
+          </a:xfrm>
+          <a:prstGeom prst="flowChartTerminator">
+            <a:avLst/>
+          </a:prstGeom>
+          <a:ln w="19050">
+            <a:solidFill>
+              <a:schemeClr val="tx1"/>
+            </a:solidFill>
+          </a:ln>
+        </p:spPr>
+        <p:style>
+          <a:lnRef idx="2">
+            <a:schemeClr val="accent1">
+              <a:shade val="50000"/>
+            </a:schemeClr>
+          </a:lnRef>
+          <a:fillRef idx="1">
+            <a:schemeClr val="accent1"/>
+          </a:fillRef>
+          <a:effectRef idx="0">
+            <a:schemeClr val="accent1"/>
+          </a:effectRef>
+          <a:fontRef idx="minor">
+            <a:schemeClr val="lt1"/>
+          </a:fontRef>
+        </p:style>
+        <p:txBody>
+          <a:bodyPr rtlCol="0" anchor="ctr"/>
+          <a:lstStyle/>
+          <a:p>
+            <a:pPr algn="ctr"/>
+            <a:endParaRPr lang="en-US"/>
+          </a:p>
+        </p:txBody>
+      </p:sp>
+      <p:sp>
+        <p:nvSpPr>
+          <p:cNvPr id="13" name="Oval 12"/>
+          <p:cNvSpPr/>
+          <p:nvPr/>
+        </p:nvSpPr>
+        <p:spPr>
+          <a:xfrm>
+            <a:off x="5074110" y="4501971"/>
+            <a:ext cx="160020" cy="150019"/>
+          </a:xfrm>
+          <a:prstGeom prst="ellipse">
+            <a:avLst/>
+          </a:prstGeom>
+        </p:spPr>
+        <p:style>
+          <a:lnRef idx="2">
+            <a:schemeClr val="accent1">
+              <a:shade val="50000"/>
+            </a:schemeClr>
+          </a:lnRef>
+          <a:fillRef idx="1">
+            <a:schemeClr val="accent1"/>
+          </a:fillRef>
+          <a:effectRef idx="0">
+            <a:schemeClr val="accent1"/>
+          </a:effectRef>
+          <a:fontRef idx="minor">
+            <a:schemeClr val="lt1"/>
+          </a:fontRef>
+        </p:style>
+        <p:txBody>
+          <a:bodyPr rtlCol="0" anchor="ctr"/>
+          <a:lstStyle/>
+          <a:p>
+            <a:pPr algn="ctr"/>
+            <a:endParaRPr lang="en-US"/>
+          </a:p>
+        </p:txBody>
+      </p:sp>
+      <p:sp>
+        <p:nvSpPr>
+          <p:cNvPr id="14" name="Oval 13"/>
+          <p:cNvSpPr/>
+          <p:nvPr/>
+        </p:nvSpPr>
+        <p:spPr>
+          <a:xfrm>
+            <a:off x="6625461" y="4501971"/>
+            <a:ext cx="160020" cy="150019"/>
+          </a:xfrm>
+          <a:prstGeom prst="ellipse">
+            <a:avLst/>
+          </a:prstGeom>
+        </p:spPr>
+        <p:style>
+          <a:lnRef idx="2">
+            <a:schemeClr val="accent1">
+              <a:shade val="50000"/>
+            </a:schemeClr>
+          </a:lnRef>
+          <a:fillRef idx="1">
+            <a:schemeClr val="accent1"/>
+          </a:fillRef>
+          <a:effectRef idx="0">
+            <a:schemeClr val="accent1"/>
+          </a:effectRef>
+          <a:fontRef idx="minor">
+            <a:schemeClr val="lt1"/>
+          </a:fontRef>
+        </p:style>
+        <p:txBody>
+          <a:bodyPr rtlCol="0" anchor="ctr"/>
+          <a:lstStyle/>
+          <a:p>
+            <a:pPr algn="ctr"/>
+            <a:endParaRPr lang="en-US"/>
+          </a:p>
+        </p:txBody>
+      </p:sp>
+      <p:sp>
+        <p:nvSpPr>
+          <p:cNvPr id="15" name="Oval 14"/>
+          <p:cNvSpPr/>
+          <p:nvPr/>
+        </p:nvSpPr>
+        <p:spPr>
+          <a:xfrm>
+            <a:off x="4863758" y="5009546"/>
+            <a:ext cx="580727" cy="560414"/>
+          </a:xfrm>
+          <a:prstGeom prst="ellipse">
+            <a:avLst/>
+          </a:prstGeom>
+          <a:ln w="28575">
+            <a:solidFill>
+              <a:schemeClr val="bg2"/>
+            </a:solidFill>
+          </a:ln>
+        </p:spPr>
+        <p:style>
+          <a:lnRef idx="2">
+            <a:schemeClr val="accent1">
+              <a:shade val="50000"/>
+            </a:schemeClr>
+          </a:lnRef>
+          <a:fillRef idx="1">
+            <a:schemeClr val="accent1"/>
+          </a:fillRef>
+          <a:effectRef idx="0">
+            <a:schemeClr val="accent1"/>
+          </a:effectRef>
+          <a:fontRef idx="minor">
+            <a:schemeClr val="lt1"/>
+          </a:fontRef>
+        </p:style>
+        <p:txBody>
+          <a:bodyPr rtlCol="0" anchor="ctr"/>
+          <a:lstStyle/>
+          <a:p>
+            <a:pPr algn="ctr"/>
+            <a:endParaRPr lang="en-US"/>
+          </a:p>
+        </p:txBody>
+      </p:sp>
+      <p:sp>
+        <p:nvSpPr>
+          <p:cNvPr id="16" name="Oval 15"/>
+          <p:cNvSpPr/>
+          <p:nvPr/>
+        </p:nvSpPr>
+        <p:spPr>
+          <a:xfrm>
+            <a:off x="4957086" y="5095929"/>
+            <a:ext cx="394069" cy="380371"/>
+          </a:xfrm>
+          <a:prstGeom prst="ellipse">
+            <a:avLst/>
+          </a:prstGeom>
+          <a:ln w="28575">
+            <a:solidFill>
+              <a:schemeClr val="bg2"/>
+            </a:solidFill>
+          </a:ln>
+        </p:spPr>
+        <p:style>
+          <a:lnRef idx="2">
+            <a:schemeClr val="accent1">
+              <a:shade val="50000"/>
+            </a:schemeClr>
+          </a:lnRef>
+          <a:fillRef idx="1">
+            <a:schemeClr val="accent1"/>
+          </a:fillRef>
+          <a:effectRef idx="0">
+            <a:schemeClr val="accent1"/>
+          </a:effectRef>
+          <a:fontRef idx="minor">
+            <a:schemeClr val="lt1"/>
+          </a:fontRef>
+        </p:style>
+        <p:txBody>
+          <a:bodyPr rtlCol="0" anchor="ctr"/>
+          <a:lstStyle/>
+          <a:p>
+            <a:pPr algn="ctr"/>
+            <a:endParaRPr lang="en-US"/>
+          </a:p>
+        </p:txBody>
+      </p:sp>
+      <p:sp>
+        <p:nvSpPr>
+          <p:cNvPr id="17" name="Oval 16"/>
+          <p:cNvSpPr/>
+          <p:nvPr/>
+        </p:nvSpPr>
+        <p:spPr>
+          <a:xfrm>
+            <a:off x="6422429" y="5000772"/>
+            <a:ext cx="580727" cy="560414"/>
+          </a:xfrm>
+          <a:prstGeom prst="ellipse">
+            <a:avLst/>
+          </a:prstGeom>
+          <a:ln w="28575">
+            <a:solidFill>
+              <a:schemeClr val="bg2"/>
+            </a:solidFill>
+          </a:ln>
+        </p:spPr>
+        <p:style>
+          <a:lnRef idx="2">
+            <a:schemeClr val="accent1">
+              <a:shade val="50000"/>
+            </a:schemeClr>
+          </a:lnRef>
+          <a:fillRef idx="1">
+            <a:schemeClr val="accent1"/>
+          </a:fillRef>
+          <a:effectRef idx="0">
+            <a:schemeClr val="accent1"/>
+          </a:effectRef>
+          <a:fontRef idx="minor">
+            <a:schemeClr val="lt1"/>
+          </a:fontRef>
+        </p:style>
+        <p:txBody>
+          <a:bodyPr rtlCol="0" anchor="ctr"/>
+          <a:lstStyle/>
+          <a:p>
+            <a:pPr algn="ctr"/>
+            <a:endParaRPr lang="en-US"/>
+          </a:p>
+        </p:txBody>
+      </p:sp>
+      <p:sp>
+        <p:nvSpPr>
+          <p:cNvPr id="18" name="Oval 17"/>
+          <p:cNvSpPr/>
+          <p:nvPr/>
+        </p:nvSpPr>
+        <p:spPr>
+          <a:xfrm>
+            <a:off x="6515757" y="5087155"/>
+            <a:ext cx="394069" cy="380371"/>
+          </a:xfrm>
+          <a:prstGeom prst="ellipse">
+            <a:avLst/>
+          </a:prstGeom>
+          <a:ln w="28575">
+            <a:solidFill>
+              <a:schemeClr val="bg2"/>
+            </a:solidFill>
+          </a:ln>
+        </p:spPr>
+        <p:style>
+          <a:lnRef idx="2">
+            <a:schemeClr val="accent1">
+              <a:shade val="50000"/>
+            </a:schemeClr>
+          </a:lnRef>
+          <a:fillRef idx="1">
+            <a:schemeClr val="accent1"/>
+          </a:fillRef>
+          <a:effectRef idx="0">
+            <a:schemeClr val="accent1"/>
+          </a:effectRef>
+          <a:fontRef idx="minor">
+            <a:schemeClr val="lt1"/>
+          </a:fontRef>
+        </p:style>
+        <p:txBody>
+          <a:bodyPr rtlCol="0" anchor="ctr"/>
+          <a:lstStyle/>
+          <a:p>
+            <a:pPr algn="ctr"/>
+            <a:endParaRPr lang="en-US"/>
+          </a:p>
+        </p:txBody>
+      </p:sp>
+      <p:cxnSp>
+        <p:nvCxnSpPr>
+          <p:cNvPr id="19" name="Straight Connector 18"/>
+          <p:cNvCxnSpPr>
+            <a:stCxn id="5" idx="0"/>
+          </p:cNvCxnSpPr>
+          <p:nvPr/>
+        </p:nvCxnSpPr>
+        <p:spPr>
+          <a:xfrm>
+            <a:off x="5154121" y="1747348"/>
+            <a:ext cx="1" cy="266700"/>
+          </a:xfrm>
+          <a:prstGeom prst="line">
+            <a:avLst/>
+          </a:prstGeom>
+          <a:ln w="38100"/>
+        </p:spPr>
+        <p:style>
+          <a:lnRef idx="3">
+            <a:schemeClr val="dk1"/>
+          </a:lnRef>
+          <a:fillRef idx="0">
+            <a:schemeClr val="dk1"/>
+          </a:fillRef>
+          <a:effectRef idx="2">
+            <a:schemeClr val="dk1"/>
+          </a:effectRef>
+          <a:fontRef idx="minor">
+            <a:schemeClr val="tx1"/>
+          </a:fontRef>
+        </p:style>
+      </p:cxnSp>
+      <p:cxnSp>
+        <p:nvCxnSpPr>
+          <p:cNvPr id="20" name="Straight Connector 19"/>
+          <p:cNvCxnSpPr/>
+          <p:nvPr/>
+        </p:nvCxnSpPr>
+        <p:spPr>
+          <a:xfrm>
+            <a:off x="5938564" y="1747348"/>
+            <a:ext cx="1" cy="266700"/>
+          </a:xfrm>
+          <a:prstGeom prst="line">
+            <a:avLst/>
+          </a:prstGeom>
+          <a:ln w="38100"/>
+        </p:spPr>
+        <p:style>
+          <a:lnRef idx="3">
+            <a:schemeClr val="dk1"/>
+          </a:lnRef>
+          <a:fillRef idx="0">
+            <a:schemeClr val="dk1"/>
+          </a:fillRef>
+          <a:effectRef idx="2">
+            <a:schemeClr val="dk1"/>
+          </a:effectRef>
+          <a:fontRef idx="minor">
+            <a:schemeClr val="tx1"/>
+          </a:fontRef>
+        </p:style>
+      </p:cxnSp>
+      <p:cxnSp>
+        <p:nvCxnSpPr>
+          <p:cNvPr id="21" name="Straight Connector 20"/>
+          <p:cNvCxnSpPr/>
+          <p:nvPr/>
+        </p:nvCxnSpPr>
+        <p:spPr>
+          <a:xfrm>
+            <a:off x="6734588" y="1753641"/>
+            <a:ext cx="1" cy="266700"/>
+          </a:xfrm>
+          <a:prstGeom prst="line">
+            <a:avLst/>
+          </a:prstGeom>
+          <a:ln w="38100"/>
+        </p:spPr>
+        <p:style>
+          <a:lnRef idx="3">
+            <a:schemeClr val="dk1"/>
+          </a:lnRef>
+          <a:fillRef idx="0">
+            <a:schemeClr val="dk1"/>
+          </a:fillRef>
+          <a:effectRef idx="2">
+            <a:schemeClr val="dk1"/>
+          </a:effectRef>
+          <a:fontRef idx="minor">
+            <a:schemeClr val="tx1"/>
+          </a:fontRef>
+        </p:style>
+      </p:cxnSp>
+      <p:cxnSp>
+        <p:nvCxnSpPr>
+          <p:cNvPr id="22" name="Straight Connector 21"/>
+          <p:cNvCxnSpPr/>
+          <p:nvPr/>
+        </p:nvCxnSpPr>
+        <p:spPr>
+          <a:xfrm>
+            <a:off x="5147733" y="2745568"/>
+            <a:ext cx="1" cy="266700"/>
+          </a:xfrm>
+          <a:prstGeom prst="line">
+            <a:avLst/>
+          </a:prstGeom>
+          <a:ln w="38100"/>
+        </p:spPr>
+        <p:style>
+          <a:lnRef idx="3">
+            <a:schemeClr val="dk1"/>
+          </a:lnRef>
+          <a:fillRef idx="0">
+            <a:schemeClr val="dk1"/>
+          </a:fillRef>
+          <a:effectRef idx="2">
+            <a:schemeClr val="dk1"/>
+          </a:effectRef>
+          <a:fontRef idx="minor">
+            <a:schemeClr val="tx1"/>
+          </a:fontRef>
+        </p:style>
+      </p:cxnSp>
+      <p:cxnSp>
+        <p:nvCxnSpPr>
+          <p:cNvPr id="23" name="Straight Connector 22"/>
+          <p:cNvCxnSpPr/>
+          <p:nvPr/>
+        </p:nvCxnSpPr>
+        <p:spPr>
+          <a:xfrm>
+            <a:off x="5938564" y="2745568"/>
+            <a:ext cx="1" cy="266700"/>
+          </a:xfrm>
+          <a:prstGeom prst="line">
+            <a:avLst/>
+          </a:prstGeom>
+          <a:ln w="38100"/>
+        </p:spPr>
+        <p:style>
+          <a:lnRef idx="3">
+            <a:schemeClr val="dk1"/>
+          </a:lnRef>
+          <a:fillRef idx="0">
+            <a:schemeClr val="dk1"/>
+          </a:fillRef>
+          <a:effectRef idx="2">
+            <a:schemeClr val="dk1"/>
+          </a:effectRef>
+          <a:fontRef idx="minor">
+            <a:schemeClr val="tx1"/>
+          </a:fontRef>
+        </p:style>
+      </p:cxnSp>
+      <p:cxnSp>
+        <p:nvCxnSpPr>
+          <p:cNvPr id="24" name="Straight Connector 23"/>
+          <p:cNvCxnSpPr/>
+          <p:nvPr/>
+        </p:nvCxnSpPr>
+        <p:spPr>
+          <a:xfrm>
+            <a:off x="6733635" y="2745568"/>
+            <a:ext cx="1" cy="266700"/>
+          </a:xfrm>
+          <a:prstGeom prst="line">
+            <a:avLst/>
+          </a:prstGeom>
+          <a:ln w="38100"/>
+        </p:spPr>
+        <p:style>
+          <a:lnRef idx="3">
+            <a:schemeClr val="dk1"/>
+          </a:lnRef>
+          <a:fillRef idx="0">
+            <a:schemeClr val="dk1"/>
+          </a:fillRef>
+          <a:effectRef idx="2">
+            <a:schemeClr val="dk1"/>
+          </a:effectRef>
+          <a:fontRef idx="minor">
+            <a:schemeClr val="tx1"/>
+          </a:fontRef>
+        </p:style>
+      </p:cxnSp>
+      <p:sp>
+        <p:nvSpPr>
+          <p:cNvPr id="25" name="TextBox 24"/>
+          <p:cNvSpPr txBox="1"/>
+          <p:nvPr/>
+        </p:nvSpPr>
+        <p:spPr>
+          <a:xfrm>
+            <a:off x="4777280" y="2261143"/>
+            <a:ext cx="740908" cy="246221"/>
+          </a:xfrm>
+          <a:prstGeom prst="rect">
+            <a:avLst/>
+          </a:prstGeom>
+          <a:noFill/>
+        </p:spPr>
+        <p:txBody>
+          <a:bodyPr wrap="none" rtlCol="0">
+            <a:spAutoFit/>
+          </a:bodyPr>
+          <a:lstStyle/>
+          <a:p>
+            <a:pPr algn="ctr"/>
+            <a:r>
+              <a:rPr lang="en-US" sz="1000" b="1" dirty="0">
+                <a:latin typeface="Century Gothic" panose="020B0502020202020204" pitchFamily="34" charset="0"/>
+                <a:cs typeface="Adobe Devanagari" panose="02040503050201020203" pitchFamily="18" charset="0"/>
+              </a:rPr>
+              <a:t>PreDelay</a:t>
+            </a:r>
+          </a:p>
+        </p:txBody>
+      </p:sp>
+      <p:sp>
+        <p:nvSpPr>
+          <p:cNvPr id="26" name="TextBox 25"/>
+          <p:cNvSpPr txBox="1"/>
+          <p:nvPr/>
+        </p:nvSpPr>
+        <p:spPr>
+          <a:xfrm>
+            <a:off x="5751369" y="2261142"/>
+            <a:ext cx="402675" cy="246221"/>
+          </a:xfrm>
+          <a:prstGeom prst="rect">
+            <a:avLst/>
+          </a:prstGeom>
+          <a:noFill/>
+        </p:spPr>
+        <p:txBody>
+          <a:bodyPr wrap="none" rtlCol="0">
+            <a:spAutoFit/>
+          </a:bodyPr>
+          <a:lstStyle/>
+          <a:p>
+            <a:pPr algn="ctr"/>
+            <a:r>
+              <a:rPr lang="en-US" sz="1000" b="1" dirty="0">
+                <a:latin typeface="Century Gothic" panose="020B0502020202020204" pitchFamily="34" charset="0"/>
+                <a:cs typeface="Adobe Devanagari" panose="02040503050201020203" pitchFamily="18" charset="0"/>
+              </a:rPr>
+              <a:t>Mix</a:t>
+            </a:r>
+          </a:p>
+        </p:txBody>
+      </p:sp>
+      <p:sp>
+        <p:nvSpPr>
+          <p:cNvPr id="27" name="TextBox 26"/>
+          <p:cNvSpPr txBox="1"/>
+          <p:nvPr/>
+        </p:nvSpPr>
+        <p:spPr>
+          <a:xfrm>
+            <a:off x="6499611" y="2267910"/>
+            <a:ext cx="468398" cy="246221"/>
+          </a:xfrm>
+          <a:prstGeom prst="rect">
+            <a:avLst/>
+          </a:prstGeom>
+          <a:noFill/>
+        </p:spPr>
+        <p:txBody>
+          <a:bodyPr wrap="none" rtlCol="0">
+            <a:spAutoFit/>
+          </a:bodyPr>
+          <a:lstStyle/>
+          <a:p>
+            <a:pPr algn="ctr"/>
+            <a:r>
+              <a:rPr lang="en-US" sz="1000" b="1" dirty="0">
+                <a:latin typeface="Century Gothic" panose="020B0502020202020204" pitchFamily="34" charset="0"/>
+                <a:cs typeface="Adobe Devanagari" panose="02040503050201020203" pitchFamily="18" charset="0"/>
+              </a:rPr>
+              <a:t>Filter</a:t>
+            </a:r>
+          </a:p>
+        </p:txBody>
+      </p:sp>
+      <p:sp>
+        <p:nvSpPr>
+          <p:cNvPr id="28" name="TextBox 27"/>
+          <p:cNvSpPr txBox="1"/>
+          <p:nvPr/>
+        </p:nvSpPr>
+        <p:spPr>
+          <a:xfrm>
+            <a:off x="5712266" y="3267265"/>
+            <a:ext cx="489236" cy="246221"/>
+          </a:xfrm>
+          <a:prstGeom prst="rect">
+            <a:avLst/>
+          </a:prstGeom>
+          <a:noFill/>
+        </p:spPr>
+        <p:txBody>
+          <a:bodyPr wrap="none" rtlCol="0">
+            <a:spAutoFit/>
+          </a:bodyPr>
+          <a:lstStyle/>
+          <a:p>
+            <a:pPr algn="ctr"/>
+            <a:r>
+              <a:rPr lang="en-US" sz="1000" b="1" dirty="0">
+                <a:latin typeface="Century Gothic" panose="020B0502020202020204" pitchFamily="34" charset="0"/>
+                <a:cs typeface="Adobe Devanagari" panose="02040503050201020203" pitchFamily="18" charset="0"/>
+              </a:rPr>
+              <a:t>FDBK</a:t>
+            </a:r>
+          </a:p>
+        </p:txBody>
+      </p:sp>
+      <p:sp>
+        <p:nvSpPr>
+          <p:cNvPr id="29" name="TextBox 28"/>
+          <p:cNvSpPr txBox="1"/>
+          <p:nvPr/>
+        </p:nvSpPr>
+        <p:spPr>
+          <a:xfrm>
+            <a:off x="6388775" y="3267265"/>
+            <a:ext cx="702436" cy="246221"/>
+          </a:xfrm>
+          <a:prstGeom prst="rect">
+            <a:avLst/>
+          </a:prstGeom>
+          <a:noFill/>
+        </p:spPr>
+        <p:txBody>
+          <a:bodyPr wrap="none" rtlCol="0">
+            <a:spAutoFit/>
+          </a:bodyPr>
+          <a:lstStyle/>
+          <a:p>
+            <a:pPr algn="ctr"/>
+            <a:r>
+              <a:rPr lang="en-US" sz="1000" b="1" dirty="0">
+                <a:latin typeface="Century Gothic" panose="020B0502020202020204" pitchFamily="34" charset="0"/>
+                <a:cs typeface="Adobe Devanagari" panose="02040503050201020203" pitchFamily="18" charset="0"/>
+              </a:rPr>
+              <a:t>DriftMod</a:t>
+            </a:r>
+          </a:p>
+        </p:txBody>
+      </p:sp>
+      <p:sp>
+        <p:nvSpPr>
+          <p:cNvPr id="30" name="TextBox 29"/>
+          <p:cNvSpPr txBox="1"/>
+          <p:nvPr/>
+        </p:nvSpPr>
+        <p:spPr>
+          <a:xfrm>
+            <a:off x="4918323" y="3267265"/>
+            <a:ext cx="471604" cy="246221"/>
+          </a:xfrm>
+          <a:prstGeom prst="rect">
+            <a:avLst/>
+          </a:prstGeom>
+          <a:noFill/>
+        </p:spPr>
+        <p:txBody>
+          <a:bodyPr wrap="none" rtlCol="0">
+            <a:spAutoFit/>
+          </a:bodyPr>
+          <a:lstStyle/>
+          <a:p>
+            <a:pPr algn="ctr"/>
+            <a:r>
+              <a:rPr lang="en-US" sz="1000" b="1" dirty="0">
+                <a:latin typeface="Century Gothic" panose="020B0502020202020204" pitchFamily="34" charset="0"/>
+                <a:cs typeface="Adobe Devanagari" panose="02040503050201020203" pitchFamily="18" charset="0"/>
+              </a:rPr>
+              <a:t>Time</a:t>
+            </a:r>
+          </a:p>
+        </p:txBody>
+      </p:sp>
+      <p:sp>
+        <p:nvSpPr>
+          <p:cNvPr id="31" name="TextBox 30"/>
+          <p:cNvSpPr txBox="1"/>
+          <p:nvPr/>
+        </p:nvSpPr>
+        <p:spPr>
+          <a:xfrm>
+            <a:off x="4845951" y="5548458"/>
+            <a:ext cx="639920" cy="246221"/>
+          </a:xfrm>
+          <a:prstGeom prst="rect">
+            <a:avLst/>
+          </a:prstGeom>
+          <a:noFill/>
+        </p:spPr>
+        <p:txBody>
+          <a:bodyPr wrap="none" rtlCol="0">
+            <a:spAutoFit/>
+          </a:bodyPr>
+          <a:lstStyle/>
+          <a:p>
+            <a:pPr algn="ctr"/>
+            <a:r>
+              <a:rPr lang="en-US" sz="1000" b="1" dirty="0">
+                <a:latin typeface="Century Gothic" panose="020B0502020202020204" pitchFamily="34" charset="0"/>
+                <a:cs typeface="Adobe Devanagari" panose="02040503050201020203" pitchFamily="18" charset="0"/>
+              </a:rPr>
+              <a:t>BYPASS</a:t>
+            </a:r>
+          </a:p>
+        </p:txBody>
+      </p:sp>
+      <p:sp>
+        <p:nvSpPr>
+          <p:cNvPr id="32" name="TextBox 31"/>
+          <p:cNvSpPr txBox="1"/>
+          <p:nvPr/>
+        </p:nvSpPr>
+        <p:spPr>
+          <a:xfrm rot="16200000">
+            <a:off x="5030524" y="4089229"/>
+            <a:ext cx="439544" cy="338554"/>
+          </a:xfrm>
+          <a:prstGeom prst="rect">
+            <a:avLst/>
+          </a:prstGeom>
+          <a:noFill/>
+        </p:spPr>
+        <p:txBody>
+          <a:bodyPr wrap="none" rtlCol="0">
+            <a:spAutoFit/>
+          </a:bodyPr>
+          <a:lstStyle/>
+          <a:p>
+            <a:pPr algn="ctr"/>
+            <a:endParaRPr lang="en-US" sz="800" b="1" dirty="0">
+              <a:latin typeface="Century Gothic" panose="020B0502020202020204" pitchFamily="34" charset="0"/>
+              <a:cs typeface="Adobe Devanagari" panose="02040503050201020203" pitchFamily="18" charset="0"/>
+            </a:endParaRPr>
+          </a:p>
+          <a:p>
+            <a:pPr algn="ctr"/>
+            <a:r>
+              <a:rPr lang="en-US" sz="800" b="1" dirty="0">
+                <a:latin typeface="Century Gothic" panose="020B0502020202020204" pitchFamily="34" charset="0"/>
+                <a:cs typeface="Adobe Devanagari" panose="02040503050201020203" pitchFamily="18" charset="0"/>
+              </a:rPr>
+              <a:t>Rand</a:t>
+            </a:r>
+          </a:p>
+        </p:txBody>
+      </p:sp>
+      <p:sp>
+        <p:nvSpPr>
+          <p:cNvPr id="33" name="TextBox 32"/>
+          <p:cNvSpPr txBox="1"/>
+          <p:nvPr/>
+        </p:nvSpPr>
+        <p:spPr>
+          <a:xfrm>
+            <a:off x="5146877" y="4499990"/>
+            <a:ext cx="1593113" cy="523220"/>
+          </a:xfrm>
+          <a:prstGeom prst="rect">
+            <a:avLst/>
+          </a:prstGeom>
+          <a:noFill/>
+        </p:spPr>
+        <p:txBody>
+          <a:bodyPr wrap="square" rtlCol="0">
+            <a:spAutoFit/>
+          </a:bodyPr>
+          <a:lstStyle/>
+          <a:p>
+            <a:pPr algn="ctr"/>
+            <a:r>
+              <a:rPr lang="en-US" sz="2800" b="1" dirty="0">
+                <a:latin typeface="Broadway" panose="04040905080B02020502" pitchFamily="82" charset="0"/>
+                <a:cs typeface="Adobe Devanagari" panose="02040503050201020203" pitchFamily="18" charset="0"/>
+              </a:rPr>
+              <a:t>Saturn</a:t>
+            </a:r>
+          </a:p>
+        </p:txBody>
+      </p:sp>
+      <p:sp>
+        <p:nvSpPr>
+          <p:cNvPr id="34" name="TextBox 33"/>
+          <p:cNvSpPr txBox="1"/>
+          <p:nvPr/>
+        </p:nvSpPr>
+        <p:spPr>
+          <a:xfrm>
+            <a:off x="5390750" y="4877231"/>
+            <a:ext cx="1096775" cy="246221"/>
+          </a:xfrm>
+          <a:prstGeom prst="rect">
+            <a:avLst/>
+          </a:prstGeom>
+          <a:noFill/>
+        </p:spPr>
+        <p:txBody>
+          <a:bodyPr wrap="none" rtlCol="0">
+            <a:spAutoFit/>
+          </a:bodyPr>
+          <a:lstStyle/>
+          <a:p>
+            <a:pPr algn="ctr"/>
+            <a:r>
+              <a:rPr lang="en-US" sz="1000" dirty="0">
+                <a:latin typeface="Century Gothic" panose="020B0502020202020204" pitchFamily="34" charset="0"/>
+                <a:cs typeface="Adobe Devanagari" panose="02040503050201020203" pitchFamily="18" charset="0"/>
+              </a:rPr>
+              <a:t>Spectral Delay</a:t>
+            </a:r>
+          </a:p>
+        </p:txBody>
+      </p:sp>
+      <p:sp>
+        <p:nvSpPr>
+          <p:cNvPr id="35" name="Oval 34"/>
+          <p:cNvSpPr/>
+          <p:nvPr/>
+        </p:nvSpPr>
+        <p:spPr>
+          <a:xfrm rot="16200000">
+            <a:off x="5830387" y="3795700"/>
+            <a:ext cx="245746" cy="243840"/>
+          </a:xfrm>
+          <a:prstGeom prst="ellipse">
+            <a:avLst/>
+          </a:prstGeom>
+          <a:ln w="19050">
+            <a:solidFill>
+              <a:schemeClr val="tx1"/>
+            </a:solidFill>
+          </a:ln>
+        </p:spPr>
+        <p:style>
+          <a:lnRef idx="2">
+            <a:schemeClr val="accent1">
+              <a:shade val="50000"/>
+            </a:schemeClr>
+          </a:lnRef>
+          <a:fillRef idx="1">
+            <a:schemeClr val="accent1"/>
+          </a:fillRef>
+          <a:effectRef idx="0">
+            <a:schemeClr val="accent1"/>
+          </a:effectRef>
+          <a:fontRef idx="minor">
+            <a:schemeClr val="lt1"/>
+          </a:fontRef>
+        </p:style>
+        <p:txBody>
+          <a:bodyPr rtlCol="0" anchor="ctr"/>
+          <a:lstStyle/>
+          <a:p>
+            <a:pPr algn="ctr"/>
+            <a:endParaRPr lang="en-US"/>
+          </a:p>
+        </p:txBody>
+      </p:sp>
+      <p:sp>
+        <p:nvSpPr>
+          <p:cNvPr id="36" name="Flowchart: Terminator 35"/>
+          <p:cNvSpPr/>
+          <p:nvPr/>
+        </p:nvSpPr>
+        <p:spPr>
+          <a:xfrm rot="16200000">
+            <a:off x="5810513" y="3807751"/>
+            <a:ext cx="95488" cy="208168"/>
+          </a:xfrm>
+          <a:prstGeom prst="flowChartTerminator">
+            <a:avLst/>
+          </a:prstGeom>
+          <a:ln w="19050">
+            <a:solidFill>
+              <a:schemeClr val="tx1"/>
+            </a:solidFill>
+          </a:ln>
+        </p:spPr>
+        <p:style>
+          <a:lnRef idx="2">
+            <a:schemeClr val="accent1">
+              <a:shade val="50000"/>
+            </a:schemeClr>
+          </a:lnRef>
+          <a:fillRef idx="1">
+            <a:schemeClr val="accent1"/>
+          </a:fillRef>
+          <a:effectRef idx="0">
+            <a:schemeClr val="accent1"/>
+          </a:effectRef>
+          <a:fontRef idx="minor">
+            <a:schemeClr val="lt1"/>
+          </a:fontRef>
+        </p:style>
+        <p:txBody>
+          <a:bodyPr rtlCol="0" anchor="ctr"/>
+          <a:lstStyle/>
+          <a:p>
+            <a:pPr algn="ctr"/>
+            <a:endParaRPr lang="en-US"/>
+          </a:p>
+        </p:txBody>
+      </p:sp>
+      <p:sp>
+        <p:nvSpPr>
+          <p:cNvPr id="37" name="Oval 36"/>
+          <p:cNvSpPr/>
+          <p:nvPr/>
+        </p:nvSpPr>
+        <p:spPr>
+          <a:xfrm rot="16200000">
+            <a:off x="6651163" y="3795700"/>
+            <a:ext cx="245746" cy="243840"/>
+          </a:xfrm>
+          <a:prstGeom prst="ellipse">
+            <a:avLst/>
+          </a:prstGeom>
+          <a:ln w="19050">
+            <a:solidFill>
+              <a:schemeClr val="tx1"/>
+            </a:solidFill>
+          </a:ln>
+        </p:spPr>
+        <p:style>
+          <a:lnRef idx="2">
+            <a:schemeClr val="accent1">
+              <a:shade val="50000"/>
+            </a:schemeClr>
+          </a:lnRef>
+          <a:fillRef idx="1">
+            <a:schemeClr val="accent1"/>
+          </a:fillRef>
+          <a:effectRef idx="0">
+            <a:schemeClr val="accent1"/>
+          </a:effectRef>
+          <a:fontRef idx="minor">
+            <a:schemeClr val="lt1"/>
+          </a:fontRef>
+        </p:style>
+        <p:txBody>
+          <a:bodyPr rtlCol="0" anchor="ctr"/>
+          <a:lstStyle/>
+          <a:p>
+            <a:pPr algn="ctr"/>
+            <a:endParaRPr lang="en-US"/>
+          </a:p>
+        </p:txBody>
+      </p:sp>
+      <p:sp>
+        <p:nvSpPr>
+          <p:cNvPr id="38" name="Flowchart: Terminator 37"/>
+          <p:cNvSpPr/>
+          <p:nvPr/>
+        </p:nvSpPr>
+        <p:spPr>
+          <a:xfrm rot="16200000">
+            <a:off x="6631289" y="3807751"/>
+            <a:ext cx="95488" cy="208168"/>
+          </a:xfrm>
+          <a:prstGeom prst="flowChartTerminator">
+            <a:avLst/>
+          </a:prstGeom>
+          <a:ln w="19050">
+            <a:solidFill>
+              <a:schemeClr val="tx1"/>
+            </a:solidFill>
+          </a:ln>
+        </p:spPr>
+        <p:style>
+          <a:lnRef idx="2">
+            <a:schemeClr val="accent1">
+              <a:shade val="50000"/>
+            </a:schemeClr>
+          </a:lnRef>
+          <a:fillRef idx="1">
+            <a:schemeClr val="accent1"/>
+          </a:fillRef>
+          <a:effectRef idx="0">
+            <a:schemeClr val="accent1"/>
+          </a:effectRef>
+          <a:fontRef idx="minor">
+            <a:schemeClr val="lt1"/>
+          </a:fontRef>
+        </p:style>
+        <p:txBody>
+          <a:bodyPr rtlCol="0" anchor="ctr"/>
+          <a:lstStyle/>
+          <a:p>
+            <a:pPr algn="ctr"/>
+            <a:endParaRPr lang="en-US"/>
+          </a:p>
+        </p:txBody>
+      </p:sp>
+      <p:sp>
+        <p:nvSpPr>
+          <p:cNvPr id="39" name="TextBox 38"/>
+          <p:cNvSpPr txBox="1"/>
+          <p:nvPr/>
+        </p:nvSpPr>
+        <p:spPr>
+          <a:xfrm rot="16200000">
+            <a:off x="5801885" y="4035684"/>
+            <a:ext cx="439543" cy="461665"/>
+          </a:xfrm>
+          <a:prstGeom prst="rect">
+            <a:avLst/>
+          </a:prstGeom>
+          <a:noFill/>
+        </p:spPr>
+        <p:txBody>
+          <a:bodyPr wrap="none" rtlCol="0">
+            <a:spAutoFit/>
+          </a:bodyPr>
+          <a:lstStyle/>
+          <a:p>
+            <a:pPr algn="ctr"/>
+            <a:endParaRPr lang="en-US" sz="800" b="1" dirty="0">
+              <a:latin typeface="Century Gothic" panose="020B0502020202020204" pitchFamily="34" charset="0"/>
+              <a:cs typeface="Adobe Devanagari" panose="02040503050201020203" pitchFamily="18" charset="0"/>
+            </a:endParaRPr>
+          </a:p>
+          <a:p>
+            <a:pPr algn="ctr"/>
+            <a:endParaRPr lang="en-US" sz="800" b="1" dirty="0">
+              <a:latin typeface="Century Gothic" panose="020B0502020202020204" pitchFamily="34" charset="0"/>
+              <a:cs typeface="Adobe Devanagari" panose="02040503050201020203" pitchFamily="18" charset="0"/>
+            </a:endParaRPr>
+          </a:p>
+          <a:p>
+            <a:pPr algn="ctr"/>
+            <a:r>
+              <a:rPr lang="en-US" sz="800" b="1" dirty="0">
+                <a:latin typeface="Century Gothic" panose="020B0502020202020204" pitchFamily="34" charset="0"/>
+                <a:cs typeface="Adobe Devanagari" panose="02040503050201020203" pitchFamily="18" charset="0"/>
+              </a:rPr>
+              <a:t>Rand</a:t>
+            </a:r>
+          </a:p>
+        </p:txBody>
+      </p:sp>
+      <p:sp>
+        <p:nvSpPr>
+          <p:cNvPr id="40" name="TextBox 39"/>
+          <p:cNvSpPr txBox="1"/>
+          <p:nvPr/>
+        </p:nvSpPr>
+        <p:spPr>
+          <a:xfrm rot="16200000">
+            <a:off x="6501671" y="4039021"/>
+            <a:ext cx="534122" cy="461665"/>
+          </a:xfrm>
+          <a:prstGeom prst="rect">
+            <a:avLst/>
+          </a:prstGeom>
+          <a:noFill/>
+        </p:spPr>
+        <p:txBody>
+          <a:bodyPr wrap="none" rtlCol="0">
+            <a:spAutoFit/>
+          </a:bodyPr>
+          <a:lstStyle/>
+          <a:p>
+            <a:pPr algn="ctr"/>
+            <a:r>
+              <a:rPr lang="en-US" sz="800" b="1" dirty="0">
+                <a:latin typeface="Century Gothic" panose="020B0502020202020204" pitchFamily="34" charset="0"/>
+                <a:cs typeface="Adobe Devanagari" panose="02040503050201020203" pitchFamily="18" charset="0"/>
+              </a:rPr>
+              <a:t>Mode1</a:t>
+            </a:r>
+          </a:p>
+          <a:p>
+            <a:pPr algn="ctr"/>
+            <a:r>
+              <a:rPr lang="en-US" sz="800" b="1" dirty="0">
+                <a:latin typeface="Century Gothic" panose="020B0502020202020204" pitchFamily="34" charset="0"/>
+                <a:cs typeface="Adobe Devanagari" panose="02040503050201020203" pitchFamily="18" charset="0"/>
+              </a:rPr>
+              <a:t>None</a:t>
+            </a:r>
+          </a:p>
+          <a:p>
+            <a:pPr algn="ctr"/>
+            <a:r>
+              <a:rPr lang="en-US" sz="800" b="1" dirty="0">
+                <a:latin typeface="Century Gothic" panose="020B0502020202020204" pitchFamily="34" charset="0"/>
+                <a:cs typeface="Adobe Devanagari" panose="02040503050201020203" pitchFamily="18" charset="0"/>
+              </a:rPr>
+              <a:t>Mode2</a:t>
+            </a:r>
+          </a:p>
+        </p:txBody>
+      </p:sp>
+      <p:sp>
+        <p:nvSpPr>
+          <p:cNvPr id="41" name="TextBox 40"/>
+          <p:cNvSpPr txBox="1"/>
+          <p:nvPr/>
+        </p:nvSpPr>
+        <p:spPr>
+          <a:xfrm>
+            <a:off x="4764201" y="3551712"/>
+            <a:ext cx="803426" cy="230832"/>
+          </a:xfrm>
+          <a:prstGeom prst="rect">
+            <a:avLst/>
+          </a:prstGeom>
+          <a:noFill/>
+        </p:spPr>
+        <p:txBody>
+          <a:bodyPr wrap="none" rtlCol="0">
+            <a:spAutoFit/>
+          </a:bodyPr>
+          <a:lstStyle/>
+          <a:p>
+            <a:pPr algn="ctr"/>
+            <a:r>
+              <a:rPr lang="en-US" sz="900" b="1" dirty="0">
+                <a:latin typeface="Century Gothic" panose="020B0502020202020204" pitchFamily="34" charset="0"/>
+                <a:cs typeface="Adobe Devanagari" panose="02040503050201020203" pitchFamily="18" charset="0"/>
+              </a:rPr>
+              <a:t>Time Mode</a:t>
+            </a:r>
+          </a:p>
+        </p:txBody>
+      </p:sp>
+      <p:sp>
+        <p:nvSpPr>
+          <p:cNvPr id="42" name="TextBox 41"/>
+          <p:cNvSpPr txBox="1"/>
+          <p:nvPr/>
+        </p:nvSpPr>
+        <p:spPr>
+          <a:xfrm>
+            <a:off x="5542178" y="3560229"/>
+            <a:ext cx="821059" cy="230832"/>
+          </a:xfrm>
+          <a:prstGeom prst="rect">
+            <a:avLst/>
+          </a:prstGeom>
+          <a:noFill/>
+        </p:spPr>
+        <p:txBody>
+          <a:bodyPr wrap="none" rtlCol="0">
+            <a:spAutoFit/>
+          </a:bodyPr>
+          <a:lstStyle/>
+          <a:p>
+            <a:pPr algn="ctr"/>
+            <a:r>
+              <a:rPr lang="en-US" sz="900" b="1" dirty="0">
+                <a:latin typeface="Century Gothic" panose="020B0502020202020204" pitchFamily="34" charset="0"/>
+                <a:cs typeface="Adobe Devanagari" panose="02040503050201020203" pitchFamily="18" charset="0"/>
+              </a:rPr>
+              <a:t>FDBK Mode</a:t>
+            </a:r>
+          </a:p>
+        </p:txBody>
+      </p:sp>
+      <p:sp>
+        <p:nvSpPr>
+          <p:cNvPr id="43" name="TextBox 42"/>
+          <p:cNvSpPr txBox="1"/>
+          <p:nvPr/>
+        </p:nvSpPr>
+        <p:spPr>
+          <a:xfrm>
+            <a:off x="6584988" y="3562383"/>
+            <a:ext cx="396262" cy="230832"/>
+          </a:xfrm>
+          <a:prstGeom prst="rect">
+            <a:avLst/>
+          </a:prstGeom>
+          <a:noFill/>
+        </p:spPr>
+        <p:txBody>
+          <a:bodyPr wrap="none" rtlCol="0">
+            <a:spAutoFit/>
+          </a:bodyPr>
+          <a:lstStyle/>
+          <a:p>
+            <a:pPr algn="ctr"/>
+            <a:r>
+              <a:rPr lang="en-US" sz="900" b="1" dirty="0">
+                <a:latin typeface="Century Gothic" panose="020B0502020202020204" pitchFamily="34" charset="0"/>
+                <a:cs typeface="Adobe Devanagari" panose="02040503050201020203" pitchFamily="18" charset="0"/>
+              </a:rPr>
+              <a:t>Drift</a:t>
+            </a:r>
+          </a:p>
+        </p:txBody>
+      </p:sp>
+      <p:sp>
+        <p:nvSpPr>
+          <p:cNvPr id="44" name="Rectangle 43"/>
+          <p:cNvSpPr/>
+          <p:nvPr/>
+        </p:nvSpPr>
+        <p:spPr>
+          <a:xfrm>
+            <a:off x="4764898" y="2653473"/>
+            <a:ext cx="735796" cy="1773798"/>
+          </a:xfrm>
+          <a:prstGeom prst="rect">
+            <a:avLst/>
+          </a:prstGeom>
+          <a:noFill/>
+        </p:spPr>
+        <p:style>
+          <a:lnRef idx="2">
+            <a:schemeClr val="dk1">
+              <a:shade val="50000"/>
+            </a:schemeClr>
+          </a:lnRef>
+          <a:fillRef idx="1">
+            <a:schemeClr val="dk1"/>
+          </a:fillRef>
+          <a:effectRef idx="0">
+            <a:schemeClr val="dk1"/>
+          </a:effectRef>
+          <a:fontRef idx="minor">
+            <a:schemeClr val="lt1"/>
+          </a:fontRef>
+        </p:style>
+        <p:txBody>
+          <a:bodyPr rtlCol="0" anchor="ctr"/>
+          <a:lstStyle/>
+          <a:p>
+            <a:pPr algn="ctr"/>
+            <a:endParaRPr lang="en-US"/>
+          </a:p>
+        </p:txBody>
+      </p:sp>
+      <p:sp>
+        <p:nvSpPr>
+          <p:cNvPr id="49" name="Rectangle 48"/>
+          <p:cNvSpPr/>
+          <p:nvPr/>
+        </p:nvSpPr>
+        <p:spPr>
+          <a:xfrm>
+            <a:off x="457200" y="1542432"/>
+            <a:ext cx="3789856" cy="1203136"/>
+          </a:xfrm>
+          <a:prstGeom prst="rect">
+            <a:avLst/>
+          </a:prstGeom>
+        </p:spPr>
+        <p:style>
+          <a:lnRef idx="2">
+            <a:schemeClr val="dk1">
+              <a:shade val="50000"/>
+            </a:schemeClr>
+          </a:lnRef>
+          <a:fillRef idx="1003">
+            <a:schemeClr val="lt1"/>
+          </a:fillRef>
+          <a:effectRef idx="0">
+            <a:schemeClr val="dk1"/>
+          </a:effectRef>
+          <a:fontRef idx="minor">
+            <a:schemeClr val="lt1"/>
+          </a:fontRef>
+        </p:style>
+        <p:txBody>
+          <a:bodyPr rtlCol="0" anchor="ctr"/>
+          <a:lstStyle/>
+          <a:p>
+            <a:r>
+              <a:rPr lang="en-US" sz="1600" b="1" dirty="0">
+                <a:solidFill>
+                  <a:schemeClr val="tx1"/>
+                </a:solidFill>
+              </a:rPr>
+              <a:t>PreDelay</a:t>
+            </a:r>
+            <a:r>
+              <a:rPr lang="en-US" sz="1600" dirty="0">
+                <a:solidFill>
+                  <a:schemeClr val="tx1"/>
+                </a:solidFill>
+              </a:rPr>
+              <a:t>: Up to 2 seconds of predelay prior to spectral delay</a:t>
+            </a:r>
+          </a:p>
+          <a:p>
+            <a:r>
+              <a:rPr lang="en-US" sz="1600" b="1" dirty="0">
+                <a:solidFill>
+                  <a:schemeClr val="tx1"/>
+                </a:solidFill>
+              </a:rPr>
+              <a:t>Mix</a:t>
+            </a:r>
+            <a:r>
+              <a:rPr lang="en-US" sz="1600" dirty="0">
+                <a:solidFill>
+                  <a:schemeClr val="tx1"/>
+                </a:solidFill>
+              </a:rPr>
+              <a:t>: Dry/Wet Mix</a:t>
+            </a:r>
+          </a:p>
+          <a:p>
+            <a:r>
+              <a:rPr lang="en-US" sz="1600" b="1" dirty="0">
+                <a:solidFill>
+                  <a:schemeClr val="tx1"/>
+                </a:solidFill>
+              </a:rPr>
+              <a:t>Filter:</a:t>
+            </a:r>
+            <a:r>
+              <a:rPr lang="en-US" sz="1600" dirty="0">
+                <a:solidFill>
+                  <a:schemeClr val="tx1"/>
+                </a:solidFill>
+              </a:rPr>
+              <a:t> Low Pass to the left, Highpass to the right, applied to the delaylines</a:t>
+            </a:r>
+            <a:endParaRPr lang="en-US" sz="1600" b="1" dirty="0">
+              <a:solidFill>
+                <a:schemeClr val="tx1"/>
+              </a:solidFill>
+            </a:endParaRPr>
+          </a:p>
+        </p:txBody>
+      </p:sp>
+      <p:sp>
+        <p:nvSpPr>
+          <p:cNvPr id="50" name="Rectangle 49"/>
+          <p:cNvSpPr/>
+          <p:nvPr/>
+        </p:nvSpPr>
+        <p:spPr>
+          <a:xfrm>
+            <a:off x="7611997" y="1580958"/>
+            <a:ext cx="4014544" cy="1471610"/>
+          </a:xfrm>
+          <a:prstGeom prst="rect">
+            <a:avLst/>
+          </a:prstGeom>
+        </p:spPr>
+        <p:style>
+          <a:lnRef idx="2">
+            <a:schemeClr val="dk1">
+              <a:shade val="50000"/>
+            </a:schemeClr>
+          </a:lnRef>
+          <a:fillRef idx="1003">
+            <a:schemeClr val="lt1"/>
+          </a:fillRef>
+          <a:effectRef idx="0">
+            <a:schemeClr val="dk1"/>
+          </a:effectRef>
+          <a:fontRef idx="minor">
+            <a:schemeClr val="lt1"/>
+          </a:fontRef>
+        </p:style>
+        <p:txBody>
+          <a:bodyPr rtlCol="0" anchor="ctr"/>
+          <a:lstStyle/>
+          <a:p>
+            <a:r>
+              <a:rPr lang="en-US" sz="1600" b="1" dirty="0">
+                <a:solidFill>
+                  <a:schemeClr val="tx1"/>
+                </a:solidFill>
+              </a:rPr>
+              <a:t>Time</a:t>
+            </a:r>
+            <a:r>
+              <a:rPr lang="en-US" sz="1600" dirty="0">
+                <a:solidFill>
+                  <a:schemeClr val="tx1"/>
+                </a:solidFill>
+              </a:rPr>
+              <a:t>: Up to 4 second delay spread of the individual frequency bins.</a:t>
+            </a:r>
+          </a:p>
+          <a:p>
+            <a:r>
+              <a:rPr lang="en-US" sz="1600" b="1" dirty="0">
+                <a:solidFill>
+                  <a:schemeClr val="tx1"/>
+                </a:solidFill>
+              </a:rPr>
+              <a:t>FDBK</a:t>
+            </a:r>
+            <a:r>
+              <a:rPr lang="en-US" sz="1600" dirty="0">
+                <a:solidFill>
+                  <a:schemeClr val="tx1"/>
+                </a:solidFill>
+              </a:rPr>
+              <a:t>: Feedback of the delay, behavior depends on the mode toggle.</a:t>
+            </a:r>
+          </a:p>
+          <a:p>
+            <a:r>
+              <a:rPr lang="en-US" sz="1600" b="1" dirty="0">
+                <a:solidFill>
+                  <a:schemeClr val="tx1"/>
+                </a:solidFill>
+              </a:rPr>
+              <a:t>DriftMod</a:t>
+            </a:r>
+            <a:r>
+              <a:rPr lang="en-US" sz="1600" dirty="0">
+                <a:solidFill>
+                  <a:schemeClr val="tx1"/>
+                </a:solidFill>
+              </a:rPr>
+              <a:t>: Frequency of drift (0 to 1Hz)</a:t>
+            </a:r>
+            <a:endParaRPr lang="en-US" sz="1600" dirty="0">
+              <a:solidFill>
+                <a:schemeClr val="bg1"/>
+              </a:solidFill>
+            </a:endParaRPr>
+          </a:p>
+        </p:txBody>
+      </p:sp>
+      <p:sp>
+        <p:nvSpPr>
+          <p:cNvPr id="52" name="Rectangle 51"/>
+          <p:cNvSpPr/>
+          <p:nvPr/>
+        </p:nvSpPr>
+        <p:spPr>
+          <a:xfrm>
+            <a:off x="80518" y="2800978"/>
+            <a:ext cx="4388214" cy="1344301"/>
+          </a:xfrm>
+          <a:prstGeom prst="rect">
+            <a:avLst/>
+          </a:prstGeom>
+        </p:spPr>
+        <p:style>
+          <a:lnRef idx="2">
+            <a:schemeClr val="dk1">
+              <a:shade val="50000"/>
+            </a:schemeClr>
+          </a:lnRef>
+          <a:fillRef idx="1003">
+            <a:schemeClr val="dk1"/>
+          </a:fillRef>
+          <a:effectRef idx="0">
+            <a:schemeClr val="dk1"/>
+          </a:effectRef>
+          <a:fontRef idx="minor">
+            <a:schemeClr val="lt1"/>
+          </a:fontRef>
+        </p:style>
+        <p:txBody>
+          <a:bodyPr rtlCol="0" anchor="ctr"/>
+          <a:lstStyle/>
+          <a:p>
+            <a:r>
+              <a:rPr lang="en-US" sz="1600" b="1" dirty="0">
+                <a:solidFill>
+                  <a:schemeClr val="bg1"/>
+                </a:solidFill>
+              </a:rPr>
+              <a:t>Time Mode </a:t>
+            </a:r>
+            <a:r>
+              <a:rPr lang="en-US" sz="1600" b="1" dirty="0" smtClean="0">
+                <a:solidFill>
+                  <a:schemeClr val="bg1"/>
+                </a:solidFill>
+              </a:rPr>
+              <a:t>Toggle:</a:t>
+            </a:r>
+            <a:endParaRPr lang="en-US" sz="1600" b="1" dirty="0">
+              <a:solidFill>
+                <a:schemeClr val="bg1"/>
+              </a:solidFill>
+            </a:endParaRPr>
+          </a:p>
+          <a:p>
+            <a:r>
+              <a:rPr lang="en-US" sz="1600" b="1" dirty="0">
+                <a:solidFill>
+                  <a:schemeClr val="bg1"/>
+                </a:solidFill>
+              </a:rPr>
+              <a:t>  Left:  Linear increase in delay from low to high frequencies</a:t>
+            </a:r>
+          </a:p>
+          <a:p>
+            <a:r>
+              <a:rPr lang="en-US" sz="1600" b="1" dirty="0">
+                <a:solidFill>
+                  <a:schemeClr val="bg1"/>
+                </a:solidFill>
+              </a:rPr>
+              <a:t>  Center: Sine wave over low to high frequencies</a:t>
+            </a:r>
+          </a:p>
+          <a:p>
+            <a:r>
+              <a:rPr lang="en-US" sz="1600" b="1" dirty="0">
+                <a:solidFill>
+                  <a:schemeClr val="bg1"/>
+                </a:solidFill>
+              </a:rPr>
+              <a:t>  Right:  Random delay times for each frequency</a:t>
+            </a:r>
+          </a:p>
+        </p:txBody>
+      </p:sp>
+      <p:sp>
+        <p:nvSpPr>
+          <p:cNvPr id="54" name="Rectangle 53"/>
+          <p:cNvSpPr/>
+          <p:nvPr/>
+        </p:nvSpPr>
+        <p:spPr>
+          <a:xfrm>
+            <a:off x="71060" y="4289010"/>
+            <a:ext cx="4259051" cy="1441072"/>
+          </a:xfrm>
+          <a:prstGeom prst="rect">
+            <a:avLst/>
+          </a:prstGeom>
+        </p:spPr>
+        <p:style>
+          <a:lnRef idx="2">
+            <a:schemeClr val="dk1">
+              <a:shade val="50000"/>
+            </a:schemeClr>
+          </a:lnRef>
+          <a:fillRef idx="1003">
+            <a:schemeClr val="dk1"/>
+          </a:fillRef>
+          <a:effectRef idx="0">
+            <a:schemeClr val="dk1"/>
+          </a:effectRef>
+          <a:fontRef idx="minor">
+            <a:schemeClr val="lt1"/>
+          </a:fontRef>
+        </p:style>
+        <p:txBody>
+          <a:bodyPr rtlCol="0" anchor="ctr"/>
+          <a:lstStyle/>
+          <a:p>
+            <a:r>
+              <a:rPr lang="en-US" sz="1600" b="1" dirty="0">
+                <a:solidFill>
+                  <a:schemeClr val="bg1"/>
+                </a:solidFill>
+              </a:rPr>
+              <a:t>Feedback Mode Toggle:</a:t>
+            </a:r>
+          </a:p>
+          <a:p>
+            <a:r>
+              <a:rPr lang="en-US" sz="1600" b="1" dirty="0">
+                <a:solidFill>
+                  <a:schemeClr val="bg1"/>
+                </a:solidFill>
+              </a:rPr>
+              <a:t>  Left:  Even, all delaylines have the same fdbk</a:t>
+            </a:r>
+          </a:p>
+          <a:p>
+            <a:r>
+              <a:rPr lang="en-US" sz="1600" b="1" dirty="0">
+                <a:solidFill>
+                  <a:schemeClr val="bg1"/>
+                </a:solidFill>
+              </a:rPr>
+              <a:t>  Center: linear decrease with frequency</a:t>
+            </a:r>
+          </a:p>
+          <a:p>
+            <a:r>
+              <a:rPr lang="en-US" sz="1600" b="1" dirty="0">
+                <a:solidFill>
+                  <a:schemeClr val="bg1"/>
+                </a:solidFill>
+              </a:rPr>
+              <a:t>  Right:  Random FDBK values for each freq.</a:t>
+            </a:r>
+          </a:p>
+        </p:txBody>
+      </p:sp>
+      <p:sp>
+        <p:nvSpPr>
+          <p:cNvPr id="55" name="Rectangle 54"/>
+          <p:cNvSpPr/>
+          <p:nvPr/>
+        </p:nvSpPr>
+        <p:spPr>
+          <a:xfrm>
+            <a:off x="7618076" y="3165399"/>
+            <a:ext cx="4441843" cy="1486591"/>
+          </a:xfrm>
+          <a:prstGeom prst="rect">
+            <a:avLst/>
+          </a:prstGeom>
+        </p:spPr>
+        <p:style>
+          <a:lnRef idx="2">
+            <a:schemeClr val="dk1">
+              <a:shade val="50000"/>
+            </a:schemeClr>
+          </a:lnRef>
+          <a:fillRef idx="1003">
+            <a:schemeClr val="dk1"/>
+          </a:fillRef>
+          <a:effectRef idx="0">
+            <a:schemeClr val="dk1"/>
+          </a:effectRef>
+          <a:fontRef idx="minor">
+            <a:schemeClr val="lt1"/>
+          </a:fontRef>
+        </p:style>
+        <p:txBody>
+          <a:bodyPr rtlCol="0" anchor="ctr"/>
+          <a:lstStyle/>
+          <a:p>
+            <a:r>
+              <a:rPr lang="en-US" sz="1600" b="1" dirty="0">
+                <a:solidFill>
+                  <a:schemeClr val="bg1"/>
+                </a:solidFill>
+              </a:rPr>
+              <a:t>Drift Toggle (slow modulation of all the knobs excluding mix, from the current position to 0) :</a:t>
+            </a:r>
+          </a:p>
+          <a:p>
+            <a:r>
+              <a:rPr lang="en-US" sz="1600" b="1" dirty="0">
+                <a:solidFill>
+                  <a:schemeClr val="bg1"/>
+                </a:solidFill>
+              </a:rPr>
+              <a:t>  Left:  Predelay not included in drift modulation</a:t>
+            </a:r>
+          </a:p>
+          <a:p>
+            <a:r>
+              <a:rPr lang="en-US" sz="1600" b="1" dirty="0">
+                <a:solidFill>
+                  <a:schemeClr val="bg1"/>
+                </a:solidFill>
+              </a:rPr>
+              <a:t>  Center: No Drift</a:t>
+            </a:r>
+          </a:p>
+          <a:p>
+            <a:r>
+              <a:rPr lang="en-US" sz="1600" b="1" dirty="0">
+                <a:solidFill>
+                  <a:schemeClr val="bg1"/>
+                </a:solidFill>
+              </a:rPr>
+              <a:t>  Right:  Adds Predelay to drift (wacky time stretching sounds)</a:t>
+            </a:r>
+          </a:p>
+        </p:txBody>
+      </p:sp>
+      <p:sp>
+        <p:nvSpPr>
+          <p:cNvPr id="56" name="Rectangle 55"/>
+          <p:cNvSpPr/>
+          <p:nvPr/>
+        </p:nvSpPr>
+        <p:spPr>
+          <a:xfrm>
+            <a:off x="7618076" y="4672185"/>
+            <a:ext cx="4257092" cy="1239728"/>
+          </a:xfrm>
+          <a:prstGeom prst="rect">
+            <a:avLst/>
+          </a:prstGeom>
+        </p:spPr>
+        <p:style>
+          <a:lnRef idx="2">
+            <a:schemeClr val="dk1">
+              <a:shade val="50000"/>
+            </a:schemeClr>
+          </a:lnRef>
+          <a:fillRef idx="1001">
+            <a:schemeClr val="dk2"/>
+          </a:fillRef>
+          <a:effectRef idx="0">
+            <a:schemeClr val="dk1"/>
+          </a:effectRef>
+          <a:fontRef idx="minor">
+            <a:schemeClr val="lt1"/>
+          </a:fontRef>
+        </p:style>
+        <p:txBody>
+          <a:bodyPr rtlCol="0" anchor="ctr"/>
+          <a:lstStyle/>
+          <a:p>
+            <a:r>
+              <a:rPr lang="en-US" sz="1600" b="1" dirty="0">
+                <a:solidFill>
+                  <a:schemeClr val="bg1"/>
+                </a:solidFill>
+              </a:rPr>
+              <a:t>Dip Switches</a:t>
+            </a:r>
+            <a:r>
+              <a:rPr lang="en-US" sz="1600" b="1" dirty="0" smtClean="0">
+                <a:solidFill>
+                  <a:schemeClr val="bg1"/>
+                </a:solidFill>
+              </a:rPr>
+              <a:t>:</a:t>
+            </a:r>
+          </a:p>
+          <a:p>
+            <a:r>
+              <a:rPr lang="en-US" sz="1600" b="1" dirty="0">
+                <a:solidFill>
+                  <a:schemeClr val="bg1"/>
+                </a:solidFill>
+              </a:rPr>
+              <a:t> </a:t>
+            </a:r>
+            <a:r>
+              <a:rPr lang="en-US" sz="1600" b="1" dirty="0" smtClean="0">
+                <a:solidFill>
+                  <a:schemeClr val="bg1"/>
+                </a:solidFill>
+              </a:rPr>
+              <a:t> 1: </a:t>
+            </a:r>
+            <a:r>
+              <a:rPr lang="en-US" sz="1600" b="1" dirty="0">
+                <a:solidFill>
+                  <a:schemeClr val="bg1"/>
+                </a:solidFill>
+              </a:rPr>
+              <a:t>Mono/Stereo (mono processes more freqs)</a:t>
+            </a:r>
+            <a:endParaRPr lang="en-US" sz="1600" b="1" dirty="0">
+              <a:solidFill>
+                <a:schemeClr val="bg1"/>
+              </a:solidFill>
+            </a:endParaRPr>
+          </a:p>
+          <a:p>
+            <a:r>
+              <a:rPr lang="en-US" sz="1600" b="1" dirty="0">
+                <a:solidFill>
+                  <a:schemeClr val="bg1"/>
+                </a:solidFill>
+              </a:rPr>
+              <a:t>  </a:t>
+            </a:r>
+            <a:r>
+              <a:rPr lang="en-US" sz="1600" b="1" dirty="0" smtClean="0">
+                <a:solidFill>
+                  <a:schemeClr val="bg1"/>
+                </a:solidFill>
+              </a:rPr>
+              <a:t>2: </a:t>
+            </a:r>
+            <a:r>
+              <a:rPr lang="en-US" sz="1600" b="1" dirty="0">
+                <a:solidFill>
+                  <a:schemeClr val="bg1"/>
+                </a:solidFill>
+              </a:rPr>
+              <a:t>MISO (mono in stereo out) / Stereo </a:t>
+            </a:r>
+          </a:p>
+          <a:p>
+            <a:r>
+              <a:rPr lang="en-US" sz="1600" b="1" dirty="0" smtClean="0">
+                <a:solidFill>
+                  <a:schemeClr val="bg1"/>
+                </a:solidFill>
+              </a:rPr>
+              <a:t>  3: </a:t>
+            </a:r>
+            <a:r>
+              <a:rPr lang="en-US" sz="1600" b="1" dirty="0">
+                <a:solidFill>
+                  <a:schemeClr val="bg1"/>
+                </a:solidFill>
+              </a:rPr>
+              <a:t>Stereo Spread Off/On</a:t>
+            </a:r>
+          </a:p>
+          <a:p>
+            <a:r>
+              <a:rPr lang="en-US" sz="1600" b="1" dirty="0" smtClean="0">
+                <a:solidFill>
+                  <a:schemeClr val="bg1"/>
+                </a:solidFill>
+              </a:rPr>
+              <a:t>  4</a:t>
+            </a:r>
+            <a:r>
+              <a:rPr lang="en-US" sz="1600" b="1" dirty="0">
+                <a:solidFill>
+                  <a:schemeClr val="bg1"/>
+                </a:solidFill>
+              </a:rPr>
+              <a:t>: Adds Feedback to Predelay </a:t>
+            </a:r>
+          </a:p>
+        </p:txBody>
+      </p:sp>
+      <p:sp>
+        <p:nvSpPr>
+          <p:cNvPr id="57" name="Rectangle 56"/>
+          <p:cNvSpPr/>
+          <p:nvPr/>
+        </p:nvSpPr>
+        <p:spPr>
+          <a:xfrm>
+            <a:off x="345440" y="5977002"/>
+            <a:ext cx="5871253" cy="788930"/>
+          </a:xfrm>
+          <a:prstGeom prst="rect">
+            <a:avLst/>
+          </a:prstGeom>
+        </p:spPr>
+        <p:style>
+          <a:lnRef idx="2">
+            <a:schemeClr val="dk1">
+              <a:shade val="50000"/>
+            </a:schemeClr>
+          </a:lnRef>
+          <a:fillRef idx="1001">
+            <a:schemeClr val="dk2"/>
+          </a:fillRef>
+          <a:effectRef idx="0">
+            <a:schemeClr val="dk1"/>
+          </a:effectRef>
+          <a:fontRef idx="minor">
+            <a:schemeClr val="lt1"/>
+          </a:fontRef>
+        </p:style>
+        <p:txBody>
+          <a:bodyPr rtlCol="0" anchor="ctr"/>
+          <a:lstStyle/>
+          <a:p>
+            <a:r>
+              <a:rPr lang="en-US" sz="1600" b="1" dirty="0">
+                <a:solidFill>
+                  <a:schemeClr val="bg1"/>
+                </a:solidFill>
+              </a:rPr>
+              <a:t>Left Footswitch: Bypass/Engage, hold both footswitches more than a half second to enter/exit Set Expression mode. Hold both footswitches for &gt; 2 seconds to clear all expression settings. </a:t>
+            </a:r>
+          </a:p>
+        </p:txBody>
+      </p:sp>
+      <p:sp>
+        <p:nvSpPr>
+          <p:cNvPr id="58" name="Rectangle 57"/>
+          <p:cNvSpPr/>
+          <p:nvPr/>
+        </p:nvSpPr>
+        <p:spPr>
+          <a:xfrm>
+            <a:off x="6574948" y="5977001"/>
+            <a:ext cx="4891147" cy="829219"/>
+          </a:xfrm>
+          <a:prstGeom prst="rect">
+            <a:avLst/>
+          </a:prstGeom>
+        </p:spPr>
+        <p:style>
+          <a:lnRef idx="2">
+            <a:schemeClr val="dk1">
+              <a:shade val="50000"/>
+            </a:schemeClr>
+          </a:lnRef>
+          <a:fillRef idx="1001">
+            <a:schemeClr val="dk2"/>
+          </a:fillRef>
+          <a:effectRef idx="0">
+            <a:schemeClr val="dk1"/>
+          </a:effectRef>
+          <a:fontRef idx="minor">
+            <a:schemeClr val="lt1"/>
+          </a:fontRef>
+        </p:style>
+        <p:txBody>
+          <a:bodyPr rtlCol="0" anchor="ctr"/>
+          <a:lstStyle/>
+          <a:p>
+            <a:r>
+              <a:rPr lang="en-US" sz="1600" b="1" dirty="0">
+                <a:solidFill>
+                  <a:schemeClr val="bg1"/>
+                </a:solidFill>
+              </a:rPr>
+              <a:t>Right Footswitch: Hold to save </a:t>
+            </a:r>
+            <a:r>
+              <a:rPr lang="en-US" sz="1600" b="1" dirty="0" smtClean="0">
+                <a:solidFill>
+                  <a:schemeClr val="bg1"/>
+                </a:solidFill>
+              </a:rPr>
+              <a:t>preset of all knobs, toggles, and dipswitches. </a:t>
+            </a:r>
+            <a:r>
+              <a:rPr lang="en-US" sz="1600" b="1" dirty="0">
+                <a:solidFill>
+                  <a:schemeClr val="bg1"/>
+                </a:solidFill>
+              </a:rPr>
+              <a:t>Press to engage/disengage preset. Saves between power cycles.</a:t>
+            </a:r>
+          </a:p>
+        </p:txBody>
+      </p:sp>
+      <p:sp>
+        <p:nvSpPr>
+          <p:cNvPr id="59" name="Rectangle 58"/>
+          <p:cNvSpPr/>
+          <p:nvPr/>
+        </p:nvSpPr>
+        <p:spPr>
+          <a:xfrm>
+            <a:off x="80518" y="56439"/>
+            <a:ext cx="4388215" cy="1430583"/>
+          </a:xfrm>
+          <a:prstGeom prst="rect">
+            <a:avLst/>
+          </a:prstGeom>
+          <a:ln/>
+        </p:spPr>
+        <p:style>
+          <a:lnRef idx="1">
+            <a:schemeClr val="accent2"/>
+          </a:lnRef>
+          <a:fillRef idx="2">
+            <a:schemeClr val="accent2"/>
+          </a:fillRef>
+          <a:effectRef idx="1">
+            <a:schemeClr val="accent2"/>
+          </a:effectRef>
+          <a:fontRef idx="minor">
+            <a:schemeClr val="dk1"/>
+          </a:fontRef>
+        </p:style>
+        <p:txBody>
+          <a:bodyPr rtlCol="0" anchor="ctr"/>
+          <a:lstStyle/>
+          <a:p>
+            <a:r>
+              <a:rPr lang="en-US" sz="2800" b="1" dirty="0">
+                <a:solidFill>
+                  <a:schemeClr val="tx1"/>
+                </a:solidFill>
+              </a:rPr>
+              <a:t>Saturn</a:t>
+            </a:r>
+            <a:r>
+              <a:rPr lang="en-US" sz="1600" b="1" dirty="0">
+                <a:solidFill>
+                  <a:schemeClr val="tx1"/>
+                </a:solidFill>
+              </a:rPr>
+              <a:t> is a </a:t>
+            </a:r>
+            <a:r>
+              <a:rPr lang="en-US" sz="2400" b="1" dirty="0">
+                <a:solidFill>
+                  <a:schemeClr val="tx1"/>
+                </a:solidFill>
+              </a:rPr>
+              <a:t>Spectral Delay </a:t>
+            </a:r>
+            <a:r>
+              <a:rPr lang="en-US" sz="1600" b="1" dirty="0">
+                <a:solidFill>
+                  <a:schemeClr val="tx1"/>
+                </a:solidFill>
+              </a:rPr>
+              <a:t>pedal that splits your signal into frequency particles and delays each part separately. Like a prism refracting white light into colors, Saturn turns your guitar into a kaleidoscope </a:t>
+            </a:r>
+            <a:r>
+              <a:rPr lang="en-US" sz="1600" b="1">
+                <a:solidFill>
+                  <a:schemeClr val="tx1"/>
+                </a:solidFill>
+              </a:rPr>
+              <a:t>of sounds.</a:t>
+            </a:r>
+            <a:endParaRPr lang="en-US" sz="1600" b="1" dirty="0">
+              <a:solidFill>
+                <a:schemeClr val="tx1"/>
+              </a:solidFill>
+            </a:endParaRPr>
+          </a:p>
+        </p:txBody>
+      </p:sp>
+      <p:sp>
+        <p:nvSpPr>
+          <p:cNvPr id="60" name="Rectangle 59"/>
+          <p:cNvSpPr/>
+          <p:nvPr/>
+        </p:nvSpPr>
+        <p:spPr>
+          <a:xfrm>
+            <a:off x="7586062" y="182881"/>
+            <a:ext cx="4289106" cy="1215660"/>
+          </a:xfrm>
+          <a:prstGeom prst="rect">
+            <a:avLst/>
+          </a:prstGeom>
+          <a:ln/>
+        </p:spPr>
+        <p:style>
+          <a:lnRef idx="1">
+            <a:schemeClr val="accent2"/>
+          </a:lnRef>
+          <a:fillRef idx="2">
+            <a:schemeClr val="accent2"/>
+          </a:fillRef>
+          <a:effectRef idx="1">
+            <a:schemeClr val="accent2"/>
+          </a:effectRef>
+          <a:fontRef idx="minor">
+            <a:schemeClr val="dk1"/>
+          </a:fontRef>
+        </p:style>
+        <p:txBody>
+          <a:bodyPr rtlCol="0" anchor="ctr"/>
+          <a:lstStyle/>
+          <a:p>
+            <a:r>
+              <a:rPr lang="en-US" sz="1600" b="1" dirty="0">
+                <a:solidFill>
+                  <a:schemeClr val="tx1"/>
+                </a:solidFill>
+              </a:rPr>
+              <a:t>Stereo In/Out Processing</a:t>
+            </a:r>
+          </a:p>
+          <a:p>
+            <a:r>
+              <a:rPr lang="en-US" sz="1600" b="1" dirty="0">
+                <a:solidFill>
+                  <a:schemeClr val="tx1"/>
+                </a:solidFill>
+              </a:rPr>
+              <a:t>Mono, MISO, and Stereo modes</a:t>
+            </a:r>
+          </a:p>
+          <a:p>
+            <a:pPr marL="285750" indent="-285750">
+              <a:buFontTx/>
+              <a:buChar char="-"/>
+            </a:pPr>
+            <a:r>
+              <a:rPr lang="en-US" sz="1600" b="1" dirty="0">
+                <a:solidFill>
+                  <a:schemeClr val="tx1"/>
+                </a:solidFill>
+              </a:rPr>
+              <a:t>Expression: YES</a:t>
+            </a:r>
+          </a:p>
+          <a:p>
+            <a:pPr marL="285750" indent="-285750">
+              <a:buFontTx/>
+              <a:buChar char="-"/>
+            </a:pPr>
+            <a:r>
+              <a:rPr lang="en-US" sz="1600" b="1" dirty="0">
+                <a:solidFill>
+                  <a:schemeClr val="tx1"/>
+                </a:solidFill>
+              </a:rPr>
+              <a:t>MIDI: YES</a:t>
+            </a:r>
+          </a:p>
+        </p:txBody>
+      </p:sp>
+      <p:cxnSp>
+        <p:nvCxnSpPr>
+          <p:cNvPr id="62" name="Straight Arrow Connector 61"/>
+          <p:cNvCxnSpPr>
+            <a:stCxn id="49" idx="3"/>
+          </p:cNvCxnSpPr>
+          <p:nvPr/>
+        </p:nvCxnSpPr>
+        <p:spPr>
+          <a:xfrm>
+            <a:off x="4247056" y="2054593"/>
+            <a:ext cx="371937" cy="0"/>
+          </a:xfrm>
+          <a:prstGeom prst="straightConnector1">
+            <a:avLst/>
+          </a:prstGeom>
+          <a:ln>
+            <a:tailEnd type="triangle"/>
+          </a:ln>
+        </p:spPr>
+        <p:style>
+          <a:lnRef idx="3">
+            <a:schemeClr val="dk1"/>
+          </a:lnRef>
+          <a:fillRef idx="0">
+            <a:schemeClr val="dk1"/>
+          </a:fillRef>
+          <a:effectRef idx="2">
+            <a:schemeClr val="dk1"/>
+          </a:effectRef>
+          <a:fontRef idx="minor">
+            <a:schemeClr val="tx1"/>
+          </a:fontRef>
+        </p:style>
+      </p:cxnSp>
+      <p:cxnSp>
+        <p:nvCxnSpPr>
+          <p:cNvPr id="64" name="Straight Arrow Connector 63"/>
+          <p:cNvCxnSpPr/>
+          <p:nvPr/>
+        </p:nvCxnSpPr>
+        <p:spPr>
+          <a:xfrm flipH="1">
+            <a:off x="7258135" y="3012268"/>
+            <a:ext cx="341583" cy="0"/>
+          </a:xfrm>
+          <a:prstGeom prst="straightConnector1">
+            <a:avLst/>
+          </a:prstGeom>
+          <a:ln>
+            <a:tailEnd type="triangle"/>
+          </a:ln>
+        </p:spPr>
+        <p:style>
+          <a:lnRef idx="3">
+            <a:schemeClr val="dk1"/>
+          </a:lnRef>
+          <a:fillRef idx="0">
+            <a:schemeClr val="dk1"/>
+          </a:fillRef>
+          <a:effectRef idx="2">
+            <a:schemeClr val="dk1"/>
+          </a:effectRef>
+          <a:fontRef idx="minor">
+            <a:schemeClr val="tx1"/>
+          </a:fontRef>
+        </p:style>
+      </p:cxnSp>
+      <p:cxnSp>
+        <p:nvCxnSpPr>
+          <p:cNvPr id="68" name="Straight Arrow Connector 67"/>
+          <p:cNvCxnSpPr/>
+          <p:nvPr/>
+        </p:nvCxnSpPr>
+        <p:spPr>
+          <a:xfrm>
+            <a:off x="4286374" y="3901586"/>
+            <a:ext cx="570112" cy="12433"/>
+          </a:xfrm>
+          <a:prstGeom prst="straightConnector1">
+            <a:avLst/>
+          </a:prstGeom>
+          <a:ln>
+            <a:tailEnd type="triangle"/>
+          </a:ln>
+        </p:spPr>
+        <p:style>
+          <a:lnRef idx="3">
+            <a:schemeClr val="dk1"/>
+          </a:lnRef>
+          <a:fillRef idx="0">
+            <a:schemeClr val="dk1"/>
+          </a:fillRef>
+          <a:effectRef idx="2">
+            <a:schemeClr val="dk1"/>
+          </a:effectRef>
+          <a:fontRef idx="minor">
+            <a:schemeClr val="tx1"/>
+          </a:fontRef>
+        </p:style>
+      </p:cxnSp>
+      <p:cxnSp>
+        <p:nvCxnSpPr>
+          <p:cNvPr id="75" name="Straight Arrow Connector 74"/>
+          <p:cNvCxnSpPr/>
+          <p:nvPr/>
+        </p:nvCxnSpPr>
+        <p:spPr>
+          <a:xfrm flipH="1" flipV="1">
+            <a:off x="6999564" y="3956135"/>
+            <a:ext cx="618513" cy="7881"/>
+          </a:xfrm>
+          <a:prstGeom prst="straightConnector1">
+            <a:avLst/>
+          </a:prstGeom>
+          <a:ln>
+            <a:tailEnd type="triangle"/>
+          </a:ln>
+        </p:spPr>
+        <p:style>
+          <a:lnRef idx="3">
+            <a:schemeClr val="dk1"/>
+          </a:lnRef>
+          <a:fillRef idx="0">
+            <a:schemeClr val="dk1"/>
+          </a:fillRef>
+          <a:effectRef idx="2">
+            <a:schemeClr val="dk1"/>
+          </a:effectRef>
+          <a:fontRef idx="minor">
+            <a:schemeClr val="tx1"/>
+          </a:fontRef>
+        </p:style>
+      </p:cxnSp>
+      <p:cxnSp>
+        <p:nvCxnSpPr>
+          <p:cNvPr id="78" name="Elbow Connector 77"/>
+          <p:cNvCxnSpPr/>
+          <p:nvPr/>
+        </p:nvCxnSpPr>
+        <p:spPr>
+          <a:xfrm flipV="1">
+            <a:off x="4285893" y="3923376"/>
+            <a:ext cx="1400247" cy="567633"/>
+          </a:xfrm>
+          <a:prstGeom prst="bentConnector3">
+            <a:avLst>
+              <a:gd name="adj1" fmla="val 83332"/>
+            </a:avLst>
+          </a:prstGeom>
+          <a:ln>
+            <a:tailEnd type="triangle"/>
+          </a:ln>
+        </p:spPr>
+        <p:style>
+          <a:lnRef idx="3">
+            <a:schemeClr val="dk1"/>
+          </a:lnRef>
+          <a:fillRef idx="0">
+            <a:schemeClr val="dk1"/>
+          </a:fillRef>
+          <a:effectRef idx="2">
+            <a:schemeClr val="dk1"/>
+          </a:effectRef>
+          <a:fontRef idx="minor">
+            <a:schemeClr val="tx1"/>
+          </a:fontRef>
+        </p:style>
+      </p:cxnSp>
+      <p:sp>
+        <p:nvSpPr>
+          <p:cNvPr id="81" name="Rectangle 80"/>
+          <p:cNvSpPr/>
+          <p:nvPr/>
+        </p:nvSpPr>
+        <p:spPr>
+          <a:xfrm>
+            <a:off x="7205470" y="4298155"/>
+            <a:ext cx="45719" cy="303523"/>
+          </a:xfrm>
+          <a:prstGeom prst="rect">
+            <a:avLst/>
+          </a:prstGeom>
+        </p:spPr>
+        <p:style>
+          <a:lnRef idx="2">
+            <a:schemeClr val="accent1">
+              <a:shade val="50000"/>
+            </a:schemeClr>
+          </a:lnRef>
+          <a:fillRef idx="1">
+            <a:schemeClr val="accent1"/>
+          </a:fillRef>
+          <a:effectRef idx="0">
+            <a:schemeClr val="accent1"/>
+          </a:effectRef>
+          <a:fontRef idx="minor">
+            <a:schemeClr val="lt1"/>
+          </a:fontRef>
+        </p:style>
+        <p:txBody>
+          <a:bodyPr rtlCol="0" anchor="ctr"/>
+          <a:lstStyle/>
+          <a:p>
+            <a:pPr algn="ctr"/>
+            <a:endParaRPr lang="en-US"/>
+          </a:p>
+        </p:txBody>
+      </p:sp>
+      <p:cxnSp>
+        <p:nvCxnSpPr>
+          <p:cNvPr id="95" name="Straight Arrow Connector 94"/>
+          <p:cNvCxnSpPr/>
+          <p:nvPr/>
+        </p:nvCxnSpPr>
+        <p:spPr>
+          <a:xfrm flipH="1" flipV="1">
+            <a:off x="7315001" y="4575210"/>
+            <a:ext cx="303076" cy="234573"/>
+          </a:xfrm>
+          <a:prstGeom prst="straightConnector1">
+            <a:avLst/>
+          </a:prstGeom>
+          <a:ln>
+            <a:tailEnd type="triangle"/>
+          </a:ln>
+        </p:spPr>
+        <p:style>
+          <a:lnRef idx="3">
+            <a:schemeClr val="dk1"/>
+          </a:lnRef>
+          <a:fillRef idx="0">
+            <a:schemeClr val="dk1"/>
+          </a:fillRef>
+          <a:effectRef idx="2">
+            <a:schemeClr val="dk1"/>
+          </a:effectRef>
+          <a:fontRef idx="minor">
+            <a:schemeClr val="tx1"/>
+          </a:fontRef>
+        </p:style>
+      </p:cxnSp>
+      <p:sp>
+        <p:nvSpPr>
+          <p:cNvPr id="66" name="TextBox 65"/>
+          <p:cNvSpPr txBox="1"/>
+          <p:nvPr/>
+        </p:nvSpPr>
+        <p:spPr>
+          <a:xfrm>
+            <a:off x="6445824" y="5548457"/>
+            <a:ext cx="587020" cy="246221"/>
+          </a:xfrm>
+          <a:prstGeom prst="rect">
+            <a:avLst/>
+          </a:prstGeom>
+          <a:noFill/>
+        </p:spPr>
+        <p:txBody>
+          <a:bodyPr wrap="none" rtlCol="0">
+            <a:spAutoFit/>
+          </a:bodyPr>
+          <a:lstStyle/>
+          <a:p>
+            <a:pPr algn="ctr"/>
+            <a:r>
+              <a:rPr lang="en-US" sz="1000" b="1" dirty="0">
+                <a:latin typeface="Century Gothic" panose="020B0502020202020204" pitchFamily="34" charset="0"/>
+                <a:cs typeface="Adobe Devanagari" panose="02040503050201020203" pitchFamily="18" charset="0"/>
+              </a:rPr>
+              <a:t>PRESET</a:t>
+            </a:r>
+          </a:p>
+        </p:txBody>
+      </p:sp>
+      <p:sp>
+        <p:nvSpPr>
+          <p:cNvPr id="65" name="Rectangle 64"/>
+          <p:cNvSpPr/>
+          <p:nvPr/>
+        </p:nvSpPr>
+        <p:spPr>
+          <a:xfrm>
+            <a:off x="7238195" y="4382641"/>
+            <a:ext cx="45719" cy="45719"/>
+          </a:xfrm>
+          <a:prstGeom prst="rect">
+            <a:avLst/>
+          </a:prstGeom>
+        </p:spPr>
+        <p:style>
+          <a:lnRef idx="2">
+            <a:schemeClr val="dk1"/>
+          </a:lnRef>
+          <a:fillRef idx="1">
+            <a:schemeClr val="lt1"/>
+          </a:fillRef>
+          <a:effectRef idx="0">
+            <a:schemeClr val="dk1"/>
+          </a:effectRef>
+          <a:fontRef idx="minor">
+            <a:schemeClr val="dk1"/>
+          </a:fontRef>
+        </p:style>
+        <p:txBody>
+          <a:bodyPr rtlCol="0" anchor="ctr"/>
+          <a:lstStyle/>
+          <a:p>
+            <a:pPr algn="ctr"/>
+            <a:endParaRPr lang="en-US"/>
+          </a:p>
+        </p:txBody>
+      </p:sp>
+      <p:sp>
+        <p:nvSpPr>
+          <p:cNvPr id="67" name="Rectangle 66"/>
+          <p:cNvSpPr/>
+          <p:nvPr/>
+        </p:nvSpPr>
+        <p:spPr>
+          <a:xfrm>
+            <a:off x="7239482" y="4455654"/>
+            <a:ext cx="45719" cy="45719"/>
+          </a:xfrm>
+          <a:prstGeom prst="rect">
+            <a:avLst/>
+          </a:prstGeom>
+        </p:spPr>
+        <p:style>
+          <a:lnRef idx="2">
+            <a:schemeClr val="dk1"/>
+          </a:lnRef>
+          <a:fillRef idx="1">
+            <a:schemeClr val="lt1"/>
+          </a:fillRef>
+          <a:effectRef idx="0">
+            <a:schemeClr val="dk1"/>
+          </a:effectRef>
+          <a:fontRef idx="minor">
+            <a:schemeClr val="dk1"/>
+          </a:fontRef>
+        </p:style>
+        <p:txBody>
+          <a:bodyPr rtlCol="0" anchor="ctr"/>
+          <a:lstStyle/>
+          <a:p>
+            <a:pPr algn="ctr"/>
+            <a:endParaRPr lang="en-US"/>
+          </a:p>
+        </p:txBody>
+      </p:sp>
+      <p:sp>
+        <p:nvSpPr>
+          <p:cNvPr id="69" name="Rectangle 68"/>
+          <p:cNvSpPr/>
+          <p:nvPr/>
+        </p:nvSpPr>
+        <p:spPr>
+          <a:xfrm>
+            <a:off x="7238195" y="4536297"/>
+            <a:ext cx="45719" cy="45719"/>
+          </a:xfrm>
+          <a:prstGeom prst="rect">
+            <a:avLst/>
+          </a:prstGeom>
+        </p:spPr>
+        <p:style>
+          <a:lnRef idx="2">
+            <a:schemeClr val="dk1"/>
+          </a:lnRef>
+          <a:fillRef idx="1">
+            <a:schemeClr val="lt1"/>
+          </a:fillRef>
+          <a:effectRef idx="0">
+            <a:schemeClr val="dk1"/>
+          </a:effectRef>
+          <a:fontRef idx="minor">
+            <a:schemeClr val="dk1"/>
+          </a:fontRef>
+        </p:style>
+        <p:txBody>
+          <a:bodyPr rtlCol="0" anchor="ctr"/>
+          <a:lstStyle/>
+          <a:p>
+            <a:pPr algn="ctr"/>
+            <a:endParaRPr lang="en-US"/>
+          </a:p>
+        </p:txBody>
+      </p:sp>
+      <p:sp>
+        <p:nvSpPr>
+          <p:cNvPr id="70" name="Rectangle 69"/>
+          <p:cNvSpPr/>
+          <p:nvPr/>
+        </p:nvSpPr>
+        <p:spPr>
+          <a:xfrm>
+            <a:off x="7238195" y="4309629"/>
+            <a:ext cx="45719" cy="45719"/>
+          </a:xfrm>
+          <a:prstGeom prst="rect">
+            <a:avLst/>
+          </a:prstGeom>
+        </p:spPr>
+        <p:style>
+          <a:lnRef idx="2">
+            <a:schemeClr val="dk1"/>
+          </a:lnRef>
+          <a:fillRef idx="1">
+            <a:schemeClr val="lt1"/>
+          </a:fillRef>
+          <a:effectRef idx="0">
+            <a:schemeClr val="dk1"/>
+          </a:effectRef>
+          <a:fontRef idx="minor">
+            <a:schemeClr val="dk1"/>
+          </a:fontRef>
+        </p:style>
+        <p:txBody>
+          <a:bodyPr rtlCol="0" anchor="ctr"/>
+          <a:lstStyle/>
+          <a:p>
+            <a:pPr algn="ctr"/>
+            <a:endParaRPr lang="en-US"/>
+          </a:p>
+        </p:txBody>
+      </p:sp>
+      <p:cxnSp>
+        <p:nvCxnSpPr>
+          <p:cNvPr id="46" name="Straight Connector 45"/>
+          <p:cNvCxnSpPr/>
+          <p:nvPr/>
+        </p:nvCxnSpPr>
+        <p:spPr>
+          <a:xfrm flipV="1">
+            <a:off x="4851015" y="4170809"/>
+            <a:ext cx="130841" cy="162817"/>
+          </a:xfrm>
+          <a:prstGeom prst="line">
+            <a:avLst/>
+          </a:prstGeom>
+          <a:ln w="12700">
+            <a:solidFill>
+              <a:schemeClr val="tx1"/>
+            </a:solidFill>
+          </a:ln>
+        </p:spPr>
+        <p:style>
+          <a:lnRef idx="1">
+            <a:schemeClr val="accent1"/>
+          </a:lnRef>
+          <a:fillRef idx="0">
+            <a:schemeClr val="accent1"/>
+          </a:fillRef>
+          <a:effectRef idx="0">
+            <a:schemeClr val="accent1"/>
+          </a:effectRef>
+          <a:fontRef idx="minor">
+            <a:schemeClr val="tx1"/>
+          </a:fontRef>
+        </p:style>
+      </p:cxnSp>
+      <p:cxnSp>
+        <p:nvCxnSpPr>
+          <p:cNvPr id="71" name="Straight Connector 70"/>
+          <p:cNvCxnSpPr/>
+          <p:nvPr/>
+        </p:nvCxnSpPr>
+        <p:spPr>
+          <a:xfrm>
+            <a:off x="5894033" y="4170682"/>
+            <a:ext cx="136616" cy="118201"/>
+          </a:xfrm>
+          <a:prstGeom prst="line">
+            <a:avLst/>
+          </a:prstGeom>
+          <a:ln w="12700">
+            <a:solidFill>
+              <a:schemeClr val="tx1"/>
+            </a:solidFill>
+          </a:ln>
+        </p:spPr>
+        <p:style>
+          <a:lnRef idx="1">
+            <a:schemeClr val="accent1"/>
+          </a:lnRef>
+          <a:fillRef idx="0">
+            <a:schemeClr val="accent1"/>
+          </a:fillRef>
+          <a:effectRef idx="0">
+            <a:schemeClr val="accent1"/>
+          </a:effectRef>
+          <a:fontRef idx="minor">
+            <a:schemeClr val="tx1"/>
+          </a:fontRef>
+        </p:style>
+      </p:cxnSp>
+      <p:cxnSp>
+        <p:nvCxnSpPr>
+          <p:cNvPr id="72" name="Straight Connector 71"/>
+          <p:cNvCxnSpPr/>
+          <p:nvPr/>
+        </p:nvCxnSpPr>
+        <p:spPr>
+          <a:xfrm>
+            <a:off x="5629479" y="4249620"/>
+            <a:ext cx="169705" cy="2597"/>
+          </a:xfrm>
+          <a:prstGeom prst="line">
+            <a:avLst/>
+          </a:prstGeom>
+          <a:ln w="12700">
+            <a:solidFill>
+              <a:schemeClr val="tx1"/>
+            </a:solidFill>
+          </a:ln>
+        </p:spPr>
+        <p:style>
+          <a:lnRef idx="1">
+            <a:schemeClr val="accent1"/>
+          </a:lnRef>
+          <a:fillRef idx="0">
+            <a:schemeClr val="accent1"/>
+          </a:fillRef>
+          <a:effectRef idx="0">
+            <a:schemeClr val="accent1"/>
+          </a:effectRef>
+          <a:fontRef idx="minor">
+            <a:schemeClr val="tx1"/>
+          </a:fontRef>
+        </p:style>
+      </p:cxnSp>
+      <p:sp>
+        <p:nvSpPr>
+          <p:cNvPr id="63" name="Freeform 62"/>
+          <p:cNvSpPr/>
+          <p:nvPr/>
+        </p:nvSpPr>
+        <p:spPr>
+          <a:xfrm>
+            <a:off x="5019663" y="4201051"/>
+            <a:ext cx="180975" cy="95250"/>
+          </a:xfrm>
+          <a:custGeom>
+            <a:avLst/>
+            <a:gdLst>
+              <a:gd name="connsiteX0" fmla="*/ 0 w 180975"/>
+              <a:gd name="connsiteY0" fmla="*/ 95250 h 95250"/>
+              <a:gd name="connsiteX1" fmla="*/ 73818 w 180975"/>
+              <a:gd name="connsiteY1" fmla="*/ 2381 h 95250"/>
+              <a:gd name="connsiteX2" fmla="*/ 130968 w 180975"/>
+              <a:gd name="connsiteY2" fmla="*/ 85725 h 95250"/>
+              <a:gd name="connsiteX3" fmla="*/ 180975 w 180975"/>
+              <a:gd name="connsiteY3" fmla="*/ 0 h 95250"/>
+            </a:gdLst>
+            <a:ahLst/>
+            <a:cxnLst>
+              <a:cxn ang="0">
+                <a:pos x="connsiteX0" y="connsiteY0"/>
+              </a:cxn>
+              <a:cxn ang="0">
+                <a:pos x="connsiteX1" y="connsiteY1"/>
+              </a:cxn>
+              <a:cxn ang="0">
+                <a:pos x="connsiteX2" y="connsiteY2"/>
+              </a:cxn>
+              <a:cxn ang="0">
+                <a:pos x="connsiteX3" y="connsiteY3"/>
+              </a:cxn>
+            </a:cxnLst>
+            <a:rect l="l" t="t" r="r" b="b"/>
+            <a:pathLst>
+              <a:path w="180975" h="95250">
+                <a:moveTo>
+                  <a:pt x="0" y="95250"/>
+                </a:moveTo>
+                <a:cubicBezTo>
+                  <a:pt x="25995" y="49609"/>
+                  <a:pt x="51990" y="3968"/>
+                  <a:pt x="73818" y="2381"/>
+                </a:cubicBezTo>
+                <a:cubicBezTo>
+                  <a:pt x="95646" y="794"/>
+                  <a:pt x="113109" y="86122"/>
+                  <a:pt x="130968" y="85725"/>
+                </a:cubicBezTo>
+                <a:cubicBezTo>
+                  <a:pt x="148827" y="85328"/>
+                  <a:pt x="171053" y="14684"/>
+                  <a:pt x="180975" y="0"/>
+                </a:cubicBezTo>
+              </a:path>
+            </a:pathLst>
+          </a:custGeom>
+        </p:spPr>
+        <p:style>
+          <a:lnRef idx="1">
+            <a:schemeClr val="dk1"/>
+          </a:lnRef>
+          <a:fillRef idx="0">
+            <a:schemeClr val="dk1"/>
+          </a:fillRef>
+          <a:effectRef idx="0">
+            <a:schemeClr val="dk1"/>
+          </a:effectRef>
+          <a:fontRef idx="minor">
+            <a:schemeClr val="tx1"/>
+          </a:fontRef>
+        </p:style>
+        <p:txBody>
+          <a:bodyPr rtlCol="0" anchor="ctr"/>
+          <a:lstStyle/>
+          <a:p>
+            <a:pPr algn="ctr"/>
+            <a:endParaRPr lang="en-US"/>
+          </a:p>
+        </p:txBody>
+      </p:sp>
+      <p:sp>
+        <p:nvSpPr>
+          <p:cNvPr id="79" name="Rectangle 78"/>
+          <p:cNvSpPr/>
+          <p:nvPr/>
+        </p:nvSpPr>
+        <p:spPr>
+          <a:xfrm>
+            <a:off x="5560186" y="2653473"/>
+            <a:ext cx="768928" cy="1773798"/>
+          </a:xfrm>
+          <a:prstGeom prst="rect">
+            <a:avLst/>
+          </a:prstGeom>
+          <a:noFill/>
+        </p:spPr>
+        <p:style>
+          <a:lnRef idx="2">
+            <a:schemeClr val="dk1">
+              <a:shade val="50000"/>
+            </a:schemeClr>
+          </a:lnRef>
+          <a:fillRef idx="1">
+            <a:schemeClr val="dk1"/>
+          </a:fillRef>
+          <a:effectRef idx="0">
+            <a:schemeClr val="dk1"/>
+          </a:effectRef>
+          <a:fontRef idx="minor">
+            <a:schemeClr val="lt1"/>
+          </a:fontRef>
+        </p:style>
+        <p:txBody>
+          <a:bodyPr rtlCol="0" anchor="ctr"/>
+          <a:lstStyle/>
+          <a:p>
+            <a:pPr algn="ctr"/>
+            <a:endParaRPr lang="en-US"/>
+          </a:p>
+        </p:txBody>
+      </p:sp>
+    </p:spTree>
+    <p:extLst>
+      <p:ext uri="{BB962C8B-B14F-4D97-AF65-F5344CB8AC3E}">
+        <p14:creationId xmlns:p14="http://schemas.microsoft.com/office/powerpoint/2010/main" val="1849713498"/>
+      </p:ext>
+    </p:extLst>
+  </p:cSld>
+  <p:clrMapOvr>
+    <a:masterClrMapping/>
+  </p:clrMapOvr>
+</p:sld>
+</file>
+
+<file path=ppt/slides/slide7.xml><?xml version="1.0" encoding="utf-8"?>
 <p:sld xmlns:a="http://schemas.openxmlformats.org/drawingml/2006/main" xmlns:r="http://schemas.openxmlformats.org/officeDocument/2006/relationships" xmlns:p="http://schemas.openxmlformats.org/presentationml/2006/main">
   <p:cSld>
     <p:spTree>

--- a/software/images/Infographics.pptx
+++ b/software/images/Infographics.pptx
@@ -11,7 +11,9 @@
     <p:sldId id="259" r:id="rId5"/>
     <p:sldId id="261" r:id="rId6"/>
     <p:sldId id="262" r:id="rId7"/>
-    <p:sldId id="260" r:id="rId8"/>
+    <p:sldId id="263" r:id="rId8"/>
+    <p:sldId id="264" r:id="rId9"/>
+    <p:sldId id="260" r:id="rId10"/>
   </p:sldIdLst>
   <p:sldSz cx="12192000" cy="6858000"/>
   <p:notesSz cx="6858000" cy="9144000"/>
@@ -370,7 +372,7 @@
           <a:p>
             <a:fld id="{E65F16E8-9810-4F67-B618-098E0E399057}" type="datetimeFigureOut">
               <a:rPr lang="en-US" smtClean="0"/>
-              <a:t>8/9/2024</a:t>
+              <a:t>1/9/2025</a:t>
             </a:fld>
             <a:endParaRPr lang="en-US"/>
           </a:p>
@@ -538,7 +540,7 @@
           <a:p>
             <a:fld id="{E65F16E8-9810-4F67-B618-098E0E399057}" type="datetimeFigureOut">
               <a:rPr lang="en-US" smtClean="0"/>
-              <a:t>8/9/2024</a:t>
+              <a:t>1/9/2025</a:t>
             </a:fld>
             <a:endParaRPr lang="en-US"/>
           </a:p>
@@ -716,7 +718,7 @@
           <a:p>
             <a:fld id="{E65F16E8-9810-4F67-B618-098E0E399057}" type="datetimeFigureOut">
               <a:rPr lang="en-US" smtClean="0"/>
-              <a:t>8/9/2024</a:t>
+              <a:t>1/9/2025</a:t>
             </a:fld>
             <a:endParaRPr lang="en-US"/>
           </a:p>
@@ -884,7 +886,7 @@
           <a:p>
             <a:fld id="{E65F16E8-9810-4F67-B618-098E0E399057}" type="datetimeFigureOut">
               <a:rPr lang="en-US" smtClean="0"/>
-              <a:t>8/9/2024</a:t>
+              <a:t>1/9/2025</a:t>
             </a:fld>
             <a:endParaRPr lang="en-US"/>
           </a:p>
@@ -1129,7 +1131,7 @@
           <a:p>
             <a:fld id="{E65F16E8-9810-4F67-B618-098E0E399057}" type="datetimeFigureOut">
               <a:rPr lang="en-US" smtClean="0"/>
-              <a:t>8/9/2024</a:t>
+              <a:t>1/9/2025</a:t>
             </a:fld>
             <a:endParaRPr lang="en-US"/>
           </a:p>
@@ -1358,7 +1360,7 @@
           <a:p>
             <a:fld id="{E65F16E8-9810-4F67-B618-098E0E399057}" type="datetimeFigureOut">
               <a:rPr lang="en-US" smtClean="0"/>
-              <a:t>8/9/2024</a:t>
+              <a:t>1/9/2025</a:t>
             </a:fld>
             <a:endParaRPr lang="en-US"/>
           </a:p>
@@ -1722,7 +1724,7 @@
           <a:p>
             <a:fld id="{E65F16E8-9810-4F67-B618-098E0E399057}" type="datetimeFigureOut">
               <a:rPr lang="en-US" smtClean="0"/>
-              <a:t>8/9/2024</a:t>
+              <a:t>1/9/2025</a:t>
             </a:fld>
             <a:endParaRPr lang="en-US"/>
           </a:p>
@@ -1839,7 +1841,7 @@
           <a:p>
             <a:fld id="{E65F16E8-9810-4F67-B618-098E0E399057}" type="datetimeFigureOut">
               <a:rPr lang="en-US" smtClean="0"/>
-              <a:t>8/9/2024</a:t>
+              <a:t>1/9/2025</a:t>
             </a:fld>
             <a:endParaRPr lang="en-US"/>
           </a:p>
@@ -1934,7 +1936,7 @@
           <a:p>
             <a:fld id="{E65F16E8-9810-4F67-B618-098E0E399057}" type="datetimeFigureOut">
               <a:rPr lang="en-US" smtClean="0"/>
-              <a:t>8/9/2024</a:t>
+              <a:t>1/9/2025</a:t>
             </a:fld>
             <a:endParaRPr lang="en-US"/>
           </a:p>
@@ -2209,7 +2211,7 @@
           <a:p>
             <a:fld id="{E65F16E8-9810-4F67-B618-098E0E399057}" type="datetimeFigureOut">
               <a:rPr lang="en-US" smtClean="0"/>
-              <a:t>8/9/2024</a:t>
+              <a:t>1/9/2025</a:t>
             </a:fld>
             <a:endParaRPr lang="en-US"/>
           </a:p>
@@ -2461,7 +2463,7 @@
           <a:p>
             <a:fld id="{E65F16E8-9810-4F67-B618-098E0E399057}" type="datetimeFigureOut">
               <a:rPr lang="en-US" smtClean="0"/>
-              <a:t>8/9/2024</a:t>
+              <a:t>1/9/2025</a:t>
             </a:fld>
             <a:endParaRPr lang="en-US"/>
           </a:p>
@@ -2672,7 +2674,7 @@
           <a:p>
             <a:fld id="{E65F16E8-9810-4F67-B618-098E0E399057}" type="datetimeFigureOut">
               <a:rPr lang="en-US" smtClean="0"/>
-              <a:t>8/9/2024</a:t>
+              <a:t>1/9/2025</a:t>
             </a:fld>
             <a:endParaRPr lang="en-US"/>
           </a:p>
@@ -21056,11 +21058,6 @@
               </a:rPr>
               <a:t>Mono/Stereo (mono processes more freqs)</a:t>
             </a:r>
-            <a:endParaRPr lang="en-US" sz="1600" b="1" dirty="0">
-              <a:solidFill>
-                <a:schemeClr val="bg1"/>
-              </a:solidFill>
-            </a:endParaRPr>
           </a:p>
           <a:p>
             <a:r>
@@ -22072,6 +22069,5999 @@
 </file>
 
 <file path=ppt/slides/slide7.xml><?xml version="1.0" encoding="utf-8"?>
+<p:sld xmlns:a="http://schemas.openxmlformats.org/drawingml/2006/main" xmlns:r="http://schemas.openxmlformats.org/officeDocument/2006/relationships" xmlns:p="http://schemas.openxmlformats.org/presentationml/2006/main">
+  <p:cSld>
+    <p:spTree>
+      <p:nvGrpSpPr>
+        <p:cNvPr id="1" name=""/>
+        <p:cNvGrpSpPr/>
+        <p:nvPr/>
+      </p:nvGrpSpPr>
+      <p:grpSpPr>
+        <a:xfrm>
+          <a:off x="0" y="0"/>
+          <a:ext cx="0" cy="0"/>
+          <a:chOff x="0" y="0"/>
+          <a:chExt cx="0" cy="0"/>
+        </a:xfrm>
+      </p:grpSpPr>
+      <p:sp>
+        <p:nvSpPr>
+          <p:cNvPr id="2" name="Rounded Rectangle 1"/>
+          <p:cNvSpPr/>
+          <p:nvPr/>
+        </p:nvSpPr>
+        <p:spPr>
+          <a:xfrm>
+            <a:off x="4687514" y="1221568"/>
+            <a:ext cx="2502100" cy="4599225"/>
+          </a:xfrm>
+          <a:prstGeom prst="roundRect">
+            <a:avLst>
+              <a:gd name="adj" fmla="val 4232"/>
+            </a:avLst>
+          </a:prstGeom>
+          <a:solidFill>
+            <a:srgbClr val="EFEBE5"/>
+          </a:solidFill>
+          <a:ln w="57150"/>
+        </p:spPr>
+        <p:style>
+          <a:lnRef idx="2">
+            <a:schemeClr val="accent1">
+              <a:shade val="50000"/>
+            </a:schemeClr>
+          </a:lnRef>
+          <a:fillRef idx="1">
+            <a:schemeClr val="accent1"/>
+          </a:fillRef>
+          <a:effectRef idx="0">
+            <a:schemeClr val="accent1"/>
+          </a:effectRef>
+          <a:fontRef idx="minor">
+            <a:schemeClr val="lt1"/>
+          </a:fontRef>
+        </p:style>
+        <p:txBody>
+          <a:bodyPr rtlCol="0" anchor="ctr"/>
+          <a:lstStyle/>
+          <a:p>
+            <a:pPr algn="ctr"/>
+            <a:endParaRPr lang="en-US"/>
+          </a:p>
+        </p:txBody>
+      </p:sp>
+      <p:sp>
+        <p:nvSpPr>
+          <p:cNvPr id="3" name="Isosceles Triangle 2"/>
+          <p:cNvSpPr/>
+          <p:nvPr/>
+        </p:nvSpPr>
+        <p:spPr>
+          <a:xfrm>
+            <a:off x="5272231" y="1277448"/>
+            <a:ext cx="160020" cy="144780"/>
+          </a:xfrm>
+          <a:prstGeom prst="triangle">
+            <a:avLst/>
+          </a:prstGeom>
+          <a:solidFill>
+            <a:schemeClr val="tx1"/>
+          </a:solidFill>
+          <a:ln>
+            <a:solidFill>
+              <a:schemeClr val="tx1"/>
+            </a:solidFill>
+          </a:ln>
+        </p:spPr>
+        <p:style>
+          <a:lnRef idx="2">
+            <a:schemeClr val="accent1">
+              <a:shade val="50000"/>
+            </a:schemeClr>
+          </a:lnRef>
+          <a:fillRef idx="1">
+            <a:schemeClr val="accent1"/>
+          </a:fillRef>
+          <a:effectRef idx="0">
+            <a:schemeClr val="accent1"/>
+          </a:effectRef>
+          <a:fontRef idx="minor">
+            <a:schemeClr val="lt1"/>
+          </a:fontRef>
+        </p:style>
+        <p:txBody>
+          <a:bodyPr rtlCol="0" anchor="ctr"/>
+          <a:lstStyle/>
+          <a:p>
+            <a:pPr algn="ctr"/>
+            <a:endParaRPr lang="en-US" dirty="0"/>
+          </a:p>
+        </p:txBody>
+      </p:sp>
+      <p:sp>
+        <p:nvSpPr>
+          <p:cNvPr id="4" name="Isosceles Triangle 3"/>
+          <p:cNvSpPr/>
+          <p:nvPr/>
+        </p:nvSpPr>
+        <p:spPr>
+          <a:xfrm rot="10800000">
+            <a:off x="6477144" y="1277448"/>
+            <a:ext cx="160020" cy="144780"/>
+          </a:xfrm>
+          <a:prstGeom prst="triangle">
+            <a:avLst/>
+          </a:prstGeom>
+          <a:solidFill>
+            <a:schemeClr val="tx1"/>
+          </a:solidFill>
+          <a:ln>
+            <a:solidFill>
+              <a:schemeClr val="tx1"/>
+            </a:solidFill>
+          </a:ln>
+        </p:spPr>
+        <p:style>
+          <a:lnRef idx="2">
+            <a:schemeClr val="accent1">
+              <a:shade val="50000"/>
+            </a:schemeClr>
+          </a:lnRef>
+          <a:fillRef idx="1">
+            <a:schemeClr val="accent1"/>
+          </a:fillRef>
+          <a:effectRef idx="0">
+            <a:schemeClr val="accent1"/>
+          </a:effectRef>
+          <a:fontRef idx="minor">
+            <a:schemeClr val="lt1"/>
+          </a:fontRef>
+        </p:style>
+        <p:txBody>
+          <a:bodyPr rtlCol="0" anchor="ctr"/>
+          <a:lstStyle/>
+          <a:p>
+            <a:pPr algn="ctr"/>
+            <a:endParaRPr lang="en-US" dirty="0"/>
+          </a:p>
+        </p:txBody>
+      </p:sp>
+      <p:sp>
+        <p:nvSpPr>
+          <p:cNvPr id="5" name="Oval 4"/>
+          <p:cNvSpPr/>
+          <p:nvPr/>
+        </p:nvSpPr>
+        <p:spPr>
+          <a:xfrm>
+            <a:off x="4875991" y="1747348"/>
+            <a:ext cx="556260" cy="533400"/>
+          </a:xfrm>
+          <a:prstGeom prst="ellipse">
+            <a:avLst/>
+          </a:prstGeom>
+          <a:solidFill>
+            <a:srgbClr val="FF7575"/>
+          </a:solidFill>
+          <a:ln w="28575">
+            <a:solidFill>
+              <a:schemeClr val="tx1"/>
+            </a:solidFill>
+          </a:ln>
+        </p:spPr>
+        <p:style>
+          <a:lnRef idx="2">
+            <a:schemeClr val="accent1">
+              <a:shade val="50000"/>
+            </a:schemeClr>
+          </a:lnRef>
+          <a:fillRef idx="1">
+            <a:schemeClr val="accent1"/>
+          </a:fillRef>
+          <a:effectRef idx="0">
+            <a:schemeClr val="accent1"/>
+          </a:effectRef>
+          <a:fontRef idx="minor">
+            <a:schemeClr val="lt1"/>
+          </a:fontRef>
+        </p:style>
+        <p:txBody>
+          <a:bodyPr rtlCol="0" anchor="ctr"/>
+          <a:lstStyle/>
+          <a:p>
+            <a:pPr algn="ctr"/>
+            <a:endParaRPr lang="en-US"/>
+          </a:p>
+        </p:txBody>
+      </p:sp>
+      <p:sp>
+        <p:nvSpPr>
+          <p:cNvPr id="6" name="Oval 5"/>
+          <p:cNvSpPr/>
+          <p:nvPr/>
+        </p:nvSpPr>
+        <p:spPr>
+          <a:xfrm>
+            <a:off x="5660434" y="1747348"/>
+            <a:ext cx="556260" cy="533400"/>
+          </a:xfrm>
+          <a:prstGeom prst="ellipse">
+            <a:avLst/>
+          </a:prstGeom>
+          <a:solidFill>
+            <a:srgbClr val="FF7575"/>
+          </a:solidFill>
+          <a:ln w="28575">
+            <a:solidFill>
+              <a:schemeClr val="tx1"/>
+            </a:solidFill>
+          </a:ln>
+        </p:spPr>
+        <p:style>
+          <a:lnRef idx="2">
+            <a:schemeClr val="accent1">
+              <a:shade val="50000"/>
+            </a:schemeClr>
+          </a:lnRef>
+          <a:fillRef idx="1">
+            <a:schemeClr val="accent1"/>
+          </a:fillRef>
+          <a:effectRef idx="0">
+            <a:schemeClr val="accent1"/>
+          </a:effectRef>
+          <a:fontRef idx="minor">
+            <a:schemeClr val="lt1"/>
+          </a:fontRef>
+        </p:style>
+        <p:txBody>
+          <a:bodyPr rtlCol="0" anchor="ctr"/>
+          <a:lstStyle/>
+          <a:p>
+            <a:pPr algn="ctr"/>
+            <a:endParaRPr lang="en-US"/>
+          </a:p>
+        </p:txBody>
+      </p:sp>
+      <p:sp>
+        <p:nvSpPr>
+          <p:cNvPr id="7" name="Oval 6"/>
+          <p:cNvSpPr/>
+          <p:nvPr/>
+        </p:nvSpPr>
+        <p:spPr>
+          <a:xfrm>
+            <a:off x="6457944" y="1747348"/>
+            <a:ext cx="556260" cy="533400"/>
+          </a:xfrm>
+          <a:prstGeom prst="ellipse">
+            <a:avLst/>
+          </a:prstGeom>
+          <a:solidFill>
+            <a:srgbClr val="FF7575"/>
+          </a:solidFill>
+          <a:ln w="28575">
+            <a:solidFill>
+              <a:schemeClr val="tx1"/>
+            </a:solidFill>
+          </a:ln>
+        </p:spPr>
+        <p:style>
+          <a:lnRef idx="2">
+            <a:schemeClr val="accent1">
+              <a:shade val="50000"/>
+            </a:schemeClr>
+          </a:lnRef>
+          <a:fillRef idx="1">
+            <a:schemeClr val="accent1"/>
+          </a:fillRef>
+          <a:effectRef idx="0">
+            <a:schemeClr val="accent1"/>
+          </a:effectRef>
+          <a:fontRef idx="minor">
+            <a:schemeClr val="lt1"/>
+          </a:fontRef>
+        </p:style>
+        <p:txBody>
+          <a:bodyPr rtlCol="0" anchor="ctr"/>
+          <a:lstStyle/>
+          <a:p>
+            <a:pPr algn="ctr"/>
+            <a:endParaRPr lang="en-US"/>
+          </a:p>
+        </p:txBody>
+      </p:sp>
+      <p:sp>
+        <p:nvSpPr>
+          <p:cNvPr id="8" name="Oval 7"/>
+          <p:cNvSpPr/>
+          <p:nvPr/>
+        </p:nvSpPr>
+        <p:spPr>
+          <a:xfrm>
+            <a:off x="4875991" y="2745568"/>
+            <a:ext cx="556260" cy="533400"/>
+          </a:xfrm>
+          <a:prstGeom prst="ellipse">
+            <a:avLst/>
+          </a:prstGeom>
+          <a:solidFill>
+            <a:schemeClr val="bg2">
+              <a:lumMod val="50000"/>
+            </a:schemeClr>
+          </a:solidFill>
+          <a:ln w="28575">
+            <a:solidFill>
+              <a:schemeClr val="tx1"/>
+            </a:solidFill>
+          </a:ln>
+        </p:spPr>
+        <p:style>
+          <a:lnRef idx="2">
+            <a:schemeClr val="accent1">
+              <a:shade val="50000"/>
+            </a:schemeClr>
+          </a:lnRef>
+          <a:fillRef idx="1">
+            <a:schemeClr val="accent1"/>
+          </a:fillRef>
+          <a:effectRef idx="0">
+            <a:schemeClr val="accent1"/>
+          </a:effectRef>
+          <a:fontRef idx="minor">
+            <a:schemeClr val="lt1"/>
+          </a:fontRef>
+        </p:style>
+        <p:txBody>
+          <a:bodyPr rtlCol="0" anchor="ctr"/>
+          <a:lstStyle/>
+          <a:p>
+            <a:pPr algn="ctr"/>
+            <a:endParaRPr lang="en-US"/>
+          </a:p>
+        </p:txBody>
+      </p:sp>
+      <p:sp>
+        <p:nvSpPr>
+          <p:cNvPr id="9" name="Oval 8"/>
+          <p:cNvSpPr/>
+          <p:nvPr/>
+        </p:nvSpPr>
+        <p:spPr>
+          <a:xfrm>
+            <a:off x="5660434" y="2745568"/>
+            <a:ext cx="556260" cy="533400"/>
+          </a:xfrm>
+          <a:prstGeom prst="ellipse">
+            <a:avLst/>
+          </a:prstGeom>
+          <a:solidFill>
+            <a:schemeClr val="bg2">
+              <a:lumMod val="50000"/>
+            </a:schemeClr>
+          </a:solidFill>
+          <a:ln w="28575">
+            <a:solidFill>
+              <a:schemeClr val="tx1"/>
+            </a:solidFill>
+          </a:ln>
+        </p:spPr>
+        <p:style>
+          <a:lnRef idx="2">
+            <a:schemeClr val="accent1">
+              <a:shade val="50000"/>
+            </a:schemeClr>
+          </a:lnRef>
+          <a:fillRef idx="1">
+            <a:schemeClr val="accent1"/>
+          </a:fillRef>
+          <a:effectRef idx="0">
+            <a:schemeClr val="accent1"/>
+          </a:effectRef>
+          <a:fontRef idx="minor">
+            <a:schemeClr val="lt1"/>
+          </a:fontRef>
+        </p:style>
+        <p:txBody>
+          <a:bodyPr rtlCol="0" anchor="ctr"/>
+          <a:lstStyle/>
+          <a:p>
+            <a:pPr algn="ctr"/>
+            <a:endParaRPr lang="en-US"/>
+          </a:p>
+        </p:txBody>
+      </p:sp>
+      <p:sp>
+        <p:nvSpPr>
+          <p:cNvPr id="10" name="Oval 9"/>
+          <p:cNvSpPr/>
+          <p:nvPr/>
+        </p:nvSpPr>
+        <p:spPr>
+          <a:xfrm>
+            <a:off x="6457944" y="2745568"/>
+            <a:ext cx="556260" cy="533400"/>
+          </a:xfrm>
+          <a:prstGeom prst="ellipse">
+            <a:avLst/>
+          </a:prstGeom>
+          <a:solidFill>
+            <a:schemeClr val="bg2">
+              <a:lumMod val="50000"/>
+            </a:schemeClr>
+          </a:solidFill>
+          <a:ln w="28575">
+            <a:solidFill>
+              <a:schemeClr val="tx1"/>
+            </a:solidFill>
+          </a:ln>
+        </p:spPr>
+        <p:style>
+          <a:lnRef idx="2">
+            <a:schemeClr val="accent1">
+              <a:shade val="50000"/>
+            </a:schemeClr>
+          </a:lnRef>
+          <a:fillRef idx="1">
+            <a:schemeClr val="accent1"/>
+          </a:fillRef>
+          <a:effectRef idx="0">
+            <a:schemeClr val="accent1"/>
+          </a:effectRef>
+          <a:fontRef idx="minor">
+            <a:schemeClr val="lt1"/>
+          </a:fontRef>
+        </p:style>
+        <p:txBody>
+          <a:bodyPr rtlCol="0" anchor="ctr"/>
+          <a:lstStyle/>
+          <a:p>
+            <a:pPr algn="ctr"/>
+            <a:endParaRPr lang="en-US"/>
+          </a:p>
+        </p:txBody>
+      </p:sp>
+      <p:sp>
+        <p:nvSpPr>
+          <p:cNvPr id="11" name="Oval 10"/>
+          <p:cNvSpPr/>
+          <p:nvPr/>
+        </p:nvSpPr>
+        <p:spPr>
+          <a:xfrm rot="16200000">
+            <a:off x="5037119" y="3795700"/>
+            <a:ext cx="245746" cy="243840"/>
+          </a:xfrm>
+          <a:prstGeom prst="ellipse">
+            <a:avLst/>
+          </a:prstGeom>
+          <a:ln w="19050">
+            <a:solidFill>
+              <a:schemeClr val="tx1"/>
+            </a:solidFill>
+          </a:ln>
+        </p:spPr>
+        <p:style>
+          <a:lnRef idx="2">
+            <a:schemeClr val="accent1">
+              <a:shade val="50000"/>
+            </a:schemeClr>
+          </a:lnRef>
+          <a:fillRef idx="1">
+            <a:schemeClr val="accent1"/>
+          </a:fillRef>
+          <a:effectRef idx="0">
+            <a:schemeClr val="accent1"/>
+          </a:effectRef>
+          <a:fontRef idx="minor">
+            <a:schemeClr val="lt1"/>
+          </a:fontRef>
+        </p:style>
+        <p:txBody>
+          <a:bodyPr rtlCol="0" anchor="ctr"/>
+          <a:lstStyle/>
+          <a:p>
+            <a:pPr algn="ctr"/>
+            <a:endParaRPr lang="en-US"/>
+          </a:p>
+        </p:txBody>
+      </p:sp>
+      <p:sp>
+        <p:nvSpPr>
+          <p:cNvPr id="12" name="Flowchart: Terminator 11"/>
+          <p:cNvSpPr/>
+          <p:nvPr/>
+        </p:nvSpPr>
+        <p:spPr>
+          <a:xfrm rot="16200000">
+            <a:off x="5017245" y="3807751"/>
+            <a:ext cx="95488" cy="208168"/>
+          </a:xfrm>
+          <a:prstGeom prst="flowChartTerminator">
+            <a:avLst/>
+          </a:prstGeom>
+          <a:ln w="19050">
+            <a:solidFill>
+              <a:schemeClr val="tx1"/>
+            </a:solidFill>
+          </a:ln>
+        </p:spPr>
+        <p:style>
+          <a:lnRef idx="2">
+            <a:schemeClr val="accent1">
+              <a:shade val="50000"/>
+            </a:schemeClr>
+          </a:lnRef>
+          <a:fillRef idx="1">
+            <a:schemeClr val="accent1"/>
+          </a:fillRef>
+          <a:effectRef idx="0">
+            <a:schemeClr val="accent1"/>
+          </a:effectRef>
+          <a:fontRef idx="minor">
+            <a:schemeClr val="lt1"/>
+          </a:fontRef>
+        </p:style>
+        <p:txBody>
+          <a:bodyPr rtlCol="0" anchor="ctr"/>
+          <a:lstStyle/>
+          <a:p>
+            <a:pPr algn="ctr"/>
+            <a:endParaRPr lang="en-US"/>
+          </a:p>
+        </p:txBody>
+      </p:sp>
+      <p:sp>
+        <p:nvSpPr>
+          <p:cNvPr id="13" name="Oval 12"/>
+          <p:cNvSpPr/>
+          <p:nvPr/>
+        </p:nvSpPr>
+        <p:spPr>
+          <a:xfrm>
+            <a:off x="5074110" y="4501971"/>
+            <a:ext cx="160020" cy="150019"/>
+          </a:xfrm>
+          <a:prstGeom prst="ellipse">
+            <a:avLst/>
+          </a:prstGeom>
+        </p:spPr>
+        <p:style>
+          <a:lnRef idx="2">
+            <a:schemeClr val="accent1">
+              <a:shade val="50000"/>
+            </a:schemeClr>
+          </a:lnRef>
+          <a:fillRef idx="1">
+            <a:schemeClr val="accent1"/>
+          </a:fillRef>
+          <a:effectRef idx="0">
+            <a:schemeClr val="accent1"/>
+          </a:effectRef>
+          <a:fontRef idx="minor">
+            <a:schemeClr val="lt1"/>
+          </a:fontRef>
+        </p:style>
+        <p:txBody>
+          <a:bodyPr rtlCol="0" anchor="ctr"/>
+          <a:lstStyle/>
+          <a:p>
+            <a:pPr algn="ctr"/>
+            <a:endParaRPr lang="en-US"/>
+          </a:p>
+        </p:txBody>
+      </p:sp>
+      <p:sp>
+        <p:nvSpPr>
+          <p:cNvPr id="14" name="Oval 13"/>
+          <p:cNvSpPr/>
+          <p:nvPr/>
+        </p:nvSpPr>
+        <p:spPr>
+          <a:xfrm>
+            <a:off x="6625461" y="4501971"/>
+            <a:ext cx="160020" cy="150019"/>
+          </a:xfrm>
+          <a:prstGeom prst="ellipse">
+            <a:avLst/>
+          </a:prstGeom>
+        </p:spPr>
+        <p:style>
+          <a:lnRef idx="2">
+            <a:schemeClr val="accent1">
+              <a:shade val="50000"/>
+            </a:schemeClr>
+          </a:lnRef>
+          <a:fillRef idx="1">
+            <a:schemeClr val="accent1"/>
+          </a:fillRef>
+          <a:effectRef idx="0">
+            <a:schemeClr val="accent1"/>
+          </a:effectRef>
+          <a:fontRef idx="minor">
+            <a:schemeClr val="lt1"/>
+          </a:fontRef>
+        </p:style>
+        <p:txBody>
+          <a:bodyPr rtlCol="0" anchor="ctr"/>
+          <a:lstStyle/>
+          <a:p>
+            <a:pPr algn="ctr"/>
+            <a:endParaRPr lang="en-US"/>
+          </a:p>
+        </p:txBody>
+      </p:sp>
+      <p:sp>
+        <p:nvSpPr>
+          <p:cNvPr id="15" name="Oval 14"/>
+          <p:cNvSpPr/>
+          <p:nvPr/>
+        </p:nvSpPr>
+        <p:spPr>
+          <a:xfrm>
+            <a:off x="4863758" y="5009546"/>
+            <a:ext cx="580727" cy="560414"/>
+          </a:xfrm>
+          <a:prstGeom prst="ellipse">
+            <a:avLst/>
+          </a:prstGeom>
+          <a:ln w="28575">
+            <a:solidFill>
+              <a:schemeClr val="bg2"/>
+            </a:solidFill>
+          </a:ln>
+        </p:spPr>
+        <p:style>
+          <a:lnRef idx="2">
+            <a:schemeClr val="accent1">
+              <a:shade val="50000"/>
+            </a:schemeClr>
+          </a:lnRef>
+          <a:fillRef idx="1">
+            <a:schemeClr val="accent1"/>
+          </a:fillRef>
+          <a:effectRef idx="0">
+            <a:schemeClr val="accent1"/>
+          </a:effectRef>
+          <a:fontRef idx="minor">
+            <a:schemeClr val="lt1"/>
+          </a:fontRef>
+        </p:style>
+        <p:txBody>
+          <a:bodyPr rtlCol="0" anchor="ctr"/>
+          <a:lstStyle/>
+          <a:p>
+            <a:pPr algn="ctr"/>
+            <a:endParaRPr lang="en-US"/>
+          </a:p>
+        </p:txBody>
+      </p:sp>
+      <p:sp>
+        <p:nvSpPr>
+          <p:cNvPr id="16" name="Oval 15"/>
+          <p:cNvSpPr/>
+          <p:nvPr/>
+        </p:nvSpPr>
+        <p:spPr>
+          <a:xfrm>
+            <a:off x="4957086" y="5095929"/>
+            <a:ext cx="394069" cy="380371"/>
+          </a:xfrm>
+          <a:prstGeom prst="ellipse">
+            <a:avLst/>
+          </a:prstGeom>
+          <a:ln w="28575">
+            <a:solidFill>
+              <a:schemeClr val="bg2"/>
+            </a:solidFill>
+          </a:ln>
+        </p:spPr>
+        <p:style>
+          <a:lnRef idx="2">
+            <a:schemeClr val="accent1">
+              <a:shade val="50000"/>
+            </a:schemeClr>
+          </a:lnRef>
+          <a:fillRef idx="1">
+            <a:schemeClr val="accent1"/>
+          </a:fillRef>
+          <a:effectRef idx="0">
+            <a:schemeClr val="accent1"/>
+          </a:effectRef>
+          <a:fontRef idx="minor">
+            <a:schemeClr val="lt1"/>
+          </a:fontRef>
+        </p:style>
+        <p:txBody>
+          <a:bodyPr rtlCol="0" anchor="ctr"/>
+          <a:lstStyle/>
+          <a:p>
+            <a:pPr algn="ctr"/>
+            <a:endParaRPr lang="en-US"/>
+          </a:p>
+        </p:txBody>
+      </p:sp>
+      <p:sp>
+        <p:nvSpPr>
+          <p:cNvPr id="17" name="Oval 16"/>
+          <p:cNvSpPr/>
+          <p:nvPr/>
+        </p:nvSpPr>
+        <p:spPr>
+          <a:xfrm>
+            <a:off x="6422429" y="5000772"/>
+            <a:ext cx="580727" cy="560414"/>
+          </a:xfrm>
+          <a:prstGeom prst="ellipse">
+            <a:avLst/>
+          </a:prstGeom>
+          <a:ln w="28575">
+            <a:solidFill>
+              <a:schemeClr val="bg2"/>
+            </a:solidFill>
+          </a:ln>
+        </p:spPr>
+        <p:style>
+          <a:lnRef idx="2">
+            <a:schemeClr val="accent1">
+              <a:shade val="50000"/>
+            </a:schemeClr>
+          </a:lnRef>
+          <a:fillRef idx="1">
+            <a:schemeClr val="accent1"/>
+          </a:fillRef>
+          <a:effectRef idx="0">
+            <a:schemeClr val="accent1"/>
+          </a:effectRef>
+          <a:fontRef idx="minor">
+            <a:schemeClr val="lt1"/>
+          </a:fontRef>
+        </p:style>
+        <p:txBody>
+          <a:bodyPr rtlCol="0" anchor="ctr"/>
+          <a:lstStyle/>
+          <a:p>
+            <a:pPr algn="ctr"/>
+            <a:endParaRPr lang="en-US"/>
+          </a:p>
+        </p:txBody>
+      </p:sp>
+      <p:sp>
+        <p:nvSpPr>
+          <p:cNvPr id="18" name="Oval 17"/>
+          <p:cNvSpPr/>
+          <p:nvPr/>
+        </p:nvSpPr>
+        <p:spPr>
+          <a:xfrm>
+            <a:off x="6515757" y="5087155"/>
+            <a:ext cx="394069" cy="380371"/>
+          </a:xfrm>
+          <a:prstGeom prst="ellipse">
+            <a:avLst/>
+          </a:prstGeom>
+          <a:ln w="28575">
+            <a:solidFill>
+              <a:schemeClr val="bg2"/>
+            </a:solidFill>
+          </a:ln>
+        </p:spPr>
+        <p:style>
+          <a:lnRef idx="2">
+            <a:schemeClr val="accent1">
+              <a:shade val="50000"/>
+            </a:schemeClr>
+          </a:lnRef>
+          <a:fillRef idx="1">
+            <a:schemeClr val="accent1"/>
+          </a:fillRef>
+          <a:effectRef idx="0">
+            <a:schemeClr val="accent1"/>
+          </a:effectRef>
+          <a:fontRef idx="minor">
+            <a:schemeClr val="lt1"/>
+          </a:fontRef>
+        </p:style>
+        <p:txBody>
+          <a:bodyPr rtlCol="0" anchor="ctr"/>
+          <a:lstStyle/>
+          <a:p>
+            <a:pPr algn="ctr"/>
+            <a:endParaRPr lang="en-US"/>
+          </a:p>
+        </p:txBody>
+      </p:sp>
+      <p:cxnSp>
+        <p:nvCxnSpPr>
+          <p:cNvPr id="19" name="Straight Connector 18"/>
+          <p:cNvCxnSpPr>
+            <a:stCxn id="5" idx="0"/>
+          </p:cNvCxnSpPr>
+          <p:nvPr/>
+        </p:nvCxnSpPr>
+        <p:spPr>
+          <a:xfrm>
+            <a:off x="5154121" y="1747348"/>
+            <a:ext cx="1" cy="266700"/>
+          </a:xfrm>
+          <a:prstGeom prst="line">
+            <a:avLst/>
+          </a:prstGeom>
+          <a:ln w="38100"/>
+        </p:spPr>
+        <p:style>
+          <a:lnRef idx="3">
+            <a:schemeClr val="dk1"/>
+          </a:lnRef>
+          <a:fillRef idx="0">
+            <a:schemeClr val="dk1"/>
+          </a:fillRef>
+          <a:effectRef idx="2">
+            <a:schemeClr val="dk1"/>
+          </a:effectRef>
+          <a:fontRef idx="minor">
+            <a:schemeClr val="tx1"/>
+          </a:fontRef>
+        </p:style>
+      </p:cxnSp>
+      <p:cxnSp>
+        <p:nvCxnSpPr>
+          <p:cNvPr id="20" name="Straight Connector 19"/>
+          <p:cNvCxnSpPr/>
+          <p:nvPr/>
+        </p:nvCxnSpPr>
+        <p:spPr>
+          <a:xfrm>
+            <a:off x="5938564" y="1747348"/>
+            <a:ext cx="1" cy="266700"/>
+          </a:xfrm>
+          <a:prstGeom prst="line">
+            <a:avLst/>
+          </a:prstGeom>
+          <a:ln w="38100"/>
+        </p:spPr>
+        <p:style>
+          <a:lnRef idx="3">
+            <a:schemeClr val="dk1"/>
+          </a:lnRef>
+          <a:fillRef idx="0">
+            <a:schemeClr val="dk1"/>
+          </a:fillRef>
+          <a:effectRef idx="2">
+            <a:schemeClr val="dk1"/>
+          </a:effectRef>
+          <a:fontRef idx="minor">
+            <a:schemeClr val="tx1"/>
+          </a:fontRef>
+        </p:style>
+      </p:cxnSp>
+      <p:cxnSp>
+        <p:nvCxnSpPr>
+          <p:cNvPr id="21" name="Straight Connector 20"/>
+          <p:cNvCxnSpPr/>
+          <p:nvPr/>
+        </p:nvCxnSpPr>
+        <p:spPr>
+          <a:xfrm>
+            <a:off x="6734588" y="1753641"/>
+            <a:ext cx="1" cy="266700"/>
+          </a:xfrm>
+          <a:prstGeom prst="line">
+            <a:avLst/>
+          </a:prstGeom>
+          <a:ln w="38100"/>
+        </p:spPr>
+        <p:style>
+          <a:lnRef idx="3">
+            <a:schemeClr val="dk1"/>
+          </a:lnRef>
+          <a:fillRef idx="0">
+            <a:schemeClr val="dk1"/>
+          </a:fillRef>
+          <a:effectRef idx="2">
+            <a:schemeClr val="dk1"/>
+          </a:effectRef>
+          <a:fontRef idx="minor">
+            <a:schemeClr val="tx1"/>
+          </a:fontRef>
+        </p:style>
+      </p:cxnSp>
+      <p:cxnSp>
+        <p:nvCxnSpPr>
+          <p:cNvPr id="22" name="Straight Connector 21"/>
+          <p:cNvCxnSpPr/>
+          <p:nvPr/>
+        </p:nvCxnSpPr>
+        <p:spPr>
+          <a:xfrm>
+            <a:off x="5147733" y="2745568"/>
+            <a:ext cx="1" cy="266700"/>
+          </a:xfrm>
+          <a:prstGeom prst="line">
+            <a:avLst/>
+          </a:prstGeom>
+          <a:ln w="38100"/>
+        </p:spPr>
+        <p:style>
+          <a:lnRef idx="3">
+            <a:schemeClr val="dk1"/>
+          </a:lnRef>
+          <a:fillRef idx="0">
+            <a:schemeClr val="dk1"/>
+          </a:fillRef>
+          <a:effectRef idx="2">
+            <a:schemeClr val="dk1"/>
+          </a:effectRef>
+          <a:fontRef idx="minor">
+            <a:schemeClr val="tx1"/>
+          </a:fontRef>
+        </p:style>
+      </p:cxnSp>
+      <p:cxnSp>
+        <p:nvCxnSpPr>
+          <p:cNvPr id="23" name="Straight Connector 22"/>
+          <p:cNvCxnSpPr/>
+          <p:nvPr/>
+        </p:nvCxnSpPr>
+        <p:spPr>
+          <a:xfrm>
+            <a:off x="5938564" y="2745568"/>
+            <a:ext cx="1" cy="266700"/>
+          </a:xfrm>
+          <a:prstGeom prst="line">
+            <a:avLst/>
+          </a:prstGeom>
+          <a:ln w="38100"/>
+        </p:spPr>
+        <p:style>
+          <a:lnRef idx="3">
+            <a:schemeClr val="dk1"/>
+          </a:lnRef>
+          <a:fillRef idx="0">
+            <a:schemeClr val="dk1"/>
+          </a:fillRef>
+          <a:effectRef idx="2">
+            <a:schemeClr val="dk1"/>
+          </a:effectRef>
+          <a:fontRef idx="minor">
+            <a:schemeClr val="tx1"/>
+          </a:fontRef>
+        </p:style>
+      </p:cxnSp>
+      <p:cxnSp>
+        <p:nvCxnSpPr>
+          <p:cNvPr id="24" name="Straight Connector 23"/>
+          <p:cNvCxnSpPr/>
+          <p:nvPr/>
+        </p:nvCxnSpPr>
+        <p:spPr>
+          <a:xfrm>
+            <a:off x="6733635" y="2745568"/>
+            <a:ext cx="1" cy="266700"/>
+          </a:xfrm>
+          <a:prstGeom prst="line">
+            <a:avLst/>
+          </a:prstGeom>
+          <a:ln w="38100"/>
+        </p:spPr>
+        <p:style>
+          <a:lnRef idx="3">
+            <a:schemeClr val="dk1"/>
+          </a:lnRef>
+          <a:fillRef idx="0">
+            <a:schemeClr val="dk1"/>
+          </a:fillRef>
+          <a:effectRef idx="2">
+            <a:schemeClr val="dk1"/>
+          </a:effectRef>
+          <a:fontRef idx="minor">
+            <a:schemeClr val="tx1"/>
+          </a:fontRef>
+        </p:style>
+      </p:cxnSp>
+      <p:sp>
+        <p:nvSpPr>
+          <p:cNvPr id="25" name="TextBox 24"/>
+          <p:cNvSpPr txBox="1"/>
+          <p:nvPr/>
+        </p:nvSpPr>
+        <p:spPr>
+          <a:xfrm>
+            <a:off x="4890290" y="2261143"/>
+            <a:ext cx="514885" cy="246221"/>
+          </a:xfrm>
+          <a:prstGeom prst="rect">
+            <a:avLst/>
+          </a:prstGeom>
+          <a:noFill/>
+        </p:spPr>
+        <p:txBody>
+          <a:bodyPr wrap="none" rtlCol="0">
+            <a:spAutoFit/>
+          </a:bodyPr>
+          <a:lstStyle/>
+          <a:p>
+            <a:pPr algn="ctr"/>
+            <a:r>
+              <a:rPr lang="en-US" sz="1000" b="1" dirty="0">
+                <a:latin typeface="Century Gothic" panose="020B0502020202020204" pitchFamily="34" charset="0"/>
+                <a:cs typeface="Adobe Devanagari" panose="02040503050201020203" pitchFamily="18" charset="0"/>
+              </a:rPr>
+              <a:t>GAIN</a:t>
+            </a:r>
+          </a:p>
+        </p:txBody>
+      </p:sp>
+      <p:sp>
+        <p:nvSpPr>
+          <p:cNvPr id="26" name="TextBox 25"/>
+          <p:cNvSpPr txBox="1"/>
+          <p:nvPr/>
+        </p:nvSpPr>
+        <p:spPr>
+          <a:xfrm>
+            <a:off x="5692058" y="2261142"/>
+            <a:ext cx="521297" cy="246221"/>
+          </a:xfrm>
+          <a:prstGeom prst="rect">
+            <a:avLst/>
+          </a:prstGeom>
+          <a:noFill/>
+        </p:spPr>
+        <p:txBody>
+          <a:bodyPr wrap="none" rtlCol="0">
+            <a:spAutoFit/>
+          </a:bodyPr>
+          <a:lstStyle/>
+          <a:p>
+            <a:pPr algn="ctr"/>
+            <a:r>
+              <a:rPr lang="en-US" sz="1000" b="1" dirty="0" smtClean="0">
+                <a:latin typeface="Century Gothic" panose="020B0502020202020204" pitchFamily="34" charset="0"/>
+                <a:cs typeface="Adobe Devanagari" panose="02040503050201020203" pitchFamily="18" charset="0"/>
+              </a:rPr>
+              <a:t>LEVEL</a:t>
+            </a:r>
+            <a:endParaRPr lang="en-US" sz="1000" b="1" dirty="0">
+              <a:latin typeface="Century Gothic" panose="020B0502020202020204" pitchFamily="34" charset="0"/>
+              <a:cs typeface="Adobe Devanagari" panose="02040503050201020203" pitchFamily="18" charset="0"/>
+            </a:endParaRPr>
+          </a:p>
+        </p:txBody>
+      </p:sp>
+      <p:sp>
+        <p:nvSpPr>
+          <p:cNvPr id="27" name="TextBox 26"/>
+          <p:cNvSpPr txBox="1"/>
+          <p:nvPr/>
+        </p:nvSpPr>
+        <p:spPr>
+          <a:xfrm>
+            <a:off x="6336906" y="2267910"/>
+            <a:ext cx="793808" cy="246221"/>
+          </a:xfrm>
+          <a:prstGeom prst="rect">
+            <a:avLst/>
+          </a:prstGeom>
+          <a:noFill/>
+        </p:spPr>
+        <p:txBody>
+          <a:bodyPr wrap="none" rtlCol="0">
+            <a:spAutoFit/>
+          </a:bodyPr>
+          <a:lstStyle/>
+          <a:p>
+            <a:pPr algn="ctr"/>
+            <a:r>
+              <a:rPr lang="en-US" sz="1000" b="1" dirty="0" smtClean="0">
+                <a:latin typeface="Century Gothic" panose="020B0502020202020204" pitchFamily="34" charset="0"/>
+                <a:cs typeface="Adobe Devanagari" panose="02040503050201020203" pitchFamily="18" charset="0"/>
+              </a:rPr>
+              <a:t>PRESENCE</a:t>
+            </a:r>
+            <a:endParaRPr lang="en-US" sz="1000" b="1" dirty="0">
+              <a:latin typeface="Century Gothic" panose="020B0502020202020204" pitchFamily="34" charset="0"/>
+              <a:cs typeface="Adobe Devanagari" panose="02040503050201020203" pitchFamily="18" charset="0"/>
+            </a:endParaRPr>
+          </a:p>
+        </p:txBody>
+      </p:sp>
+      <p:sp>
+        <p:nvSpPr>
+          <p:cNvPr id="28" name="TextBox 27"/>
+          <p:cNvSpPr txBox="1"/>
+          <p:nvPr/>
+        </p:nvSpPr>
+        <p:spPr>
+          <a:xfrm>
+            <a:off x="5744325" y="3267265"/>
+            <a:ext cx="425117" cy="246221"/>
+          </a:xfrm>
+          <a:prstGeom prst="rect">
+            <a:avLst/>
+          </a:prstGeom>
+          <a:noFill/>
+        </p:spPr>
+        <p:txBody>
+          <a:bodyPr wrap="none" rtlCol="0">
+            <a:spAutoFit/>
+          </a:bodyPr>
+          <a:lstStyle/>
+          <a:p>
+            <a:pPr algn="ctr"/>
+            <a:r>
+              <a:rPr lang="en-US" sz="1000" b="1" dirty="0" smtClean="0">
+                <a:latin typeface="Century Gothic" panose="020B0502020202020204" pitchFamily="34" charset="0"/>
+                <a:cs typeface="Adobe Devanagari" panose="02040503050201020203" pitchFamily="18" charset="0"/>
+              </a:rPr>
+              <a:t>MID</a:t>
+            </a:r>
+            <a:endParaRPr lang="en-US" sz="1000" b="1" dirty="0">
+              <a:latin typeface="Century Gothic" panose="020B0502020202020204" pitchFamily="34" charset="0"/>
+              <a:cs typeface="Adobe Devanagari" panose="02040503050201020203" pitchFamily="18" charset="0"/>
+            </a:endParaRPr>
+          </a:p>
+        </p:txBody>
+      </p:sp>
+      <p:sp>
+        <p:nvSpPr>
+          <p:cNvPr id="29" name="TextBox 28"/>
+          <p:cNvSpPr txBox="1"/>
+          <p:nvPr/>
+        </p:nvSpPr>
+        <p:spPr>
+          <a:xfrm>
+            <a:off x="6451289" y="3267265"/>
+            <a:ext cx="577402" cy="246221"/>
+          </a:xfrm>
+          <a:prstGeom prst="rect">
+            <a:avLst/>
+          </a:prstGeom>
+          <a:noFill/>
+        </p:spPr>
+        <p:txBody>
+          <a:bodyPr wrap="none" rtlCol="0">
+            <a:spAutoFit/>
+          </a:bodyPr>
+          <a:lstStyle/>
+          <a:p>
+            <a:pPr algn="ctr"/>
+            <a:r>
+              <a:rPr lang="en-US" sz="1000" b="1" dirty="0" smtClean="0">
+                <a:latin typeface="Century Gothic" panose="020B0502020202020204" pitchFamily="34" charset="0"/>
+                <a:cs typeface="Adobe Devanagari" panose="02040503050201020203" pitchFamily="18" charset="0"/>
+              </a:rPr>
+              <a:t>TREBLE</a:t>
+            </a:r>
+            <a:endParaRPr lang="en-US" sz="1000" b="1" dirty="0">
+              <a:latin typeface="Century Gothic" panose="020B0502020202020204" pitchFamily="34" charset="0"/>
+              <a:cs typeface="Adobe Devanagari" panose="02040503050201020203" pitchFamily="18" charset="0"/>
+            </a:endParaRPr>
+          </a:p>
+        </p:txBody>
+      </p:sp>
+      <p:sp>
+        <p:nvSpPr>
+          <p:cNvPr id="30" name="TextBox 29"/>
+          <p:cNvSpPr txBox="1"/>
+          <p:nvPr/>
+        </p:nvSpPr>
+        <p:spPr>
+          <a:xfrm>
+            <a:off x="4910305" y="3267265"/>
+            <a:ext cx="487634" cy="246221"/>
+          </a:xfrm>
+          <a:prstGeom prst="rect">
+            <a:avLst/>
+          </a:prstGeom>
+          <a:noFill/>
+        </p:spPr>
+        <p:txBody>
+          <a:bodyPr wrap="none" rtlCol="0">
+            <a:spAutoFit/>
+          </a:bodyPr>
+          <a:lstStyle/>
+          <a:p>
+            <a:pPr algn="ctr"/>
+            <a:r>
+              <a:rPr lang="en-US" sz="1000" b="1" dirty="0" smtClean="0">
+                <a:latin typeface="Century Gothic" panose="020B0502020202020204" pitchFamily="34" charset="0"/>
+                <a:cs typeface="Adobe Devanagari" panose="02040503050201020203" pitchFamily="18" charset="0"/>
+              </a:rPr>
+              <a:t>BASS</a:t>
+            </a:r>
+            <a:endParaRPr lang="en-US" sz="1000" b="1" dirty="0">
+              <a:latin typeface="Century Gothic" panose="020B0502020202020204" pitchFamily="34" charset="0"/>
+              <a:cs typeface="Adobe Devanagari" panose="02040503050201020203" pitchFamily="18" charset="0"/>
+            </a:endParaRPr>
+          </a:p>
+        </p:txBody>
+      </p:sp>
+      <p:sp>
+        <p:nvSpPr>
+          <p:cNvPr id="31" name="TextBox 30"/>
+          <p:cNvSpPr txBox="1"/>
+          <p:nvPr/>
+        </p:nvSpPr>
+        <p:spPr>
+          <a:xfrm>
+            <a:off x="4845951" y="5548458"/>
+            <a:ext cx="639920" cy="246221"/>
+          </a:xfrm>
+          <a:prstGeom prst="rect">
+            <a:avLst/>
+          </a:prstGeom>
+          <a:noFill/>
+        </p:spPr>
+        <p:txBody>
+          <a:bodyPr wrap="none" rtlCol="0">
+            <a:spAutoFit/>
+          </a:bodyPr>
+          <a:lstStyle/>
+          <a:p>
+            <a:pPr algn="ctr"/>
+            <a:r>
+              <a:rPr lang="en-US" sz="1000" b="1" dirty="0">
+                <a:latin typeface="Century Gothic" panose="020B0502020202020204" pitchFamily="34" charset="0"/>
+                <a:cs typeface="Adobe Devanagari" panose="02040503050201020203" pitchFamily="18" charset="0"/>
+              </a:rPr>
+              <a:t>BYPASS</a:t>
+            </a:r>
+          </a:p>
+        </p:txBody>
+      </p:sp>
+      <p:sp>
+        <p:nvSpPr>
+          <p:cNvPr id="32" name="TextBox 31"/>
+          <p:cNvSpPr txBox="1"/>
+          <p:nvPr/>
+        </p:nvSpPr>
+        <p:spPr>
+          <a:xfrm rot="16200000">
+            <a:off x="4914977" y="4030683"/>
+            <a:ext cx="410690" cy="461665"/>
+          </a:xfrm>
+          <a:prstGeom prst="rect">
+            <a:avLst/>
+          </a:prstGeom>
+          <a:noFill/>
+        </p:spPr>
+        <p:txBody>
+          <a:bodyPr wrap="none" rtlCol="0">
+            <a:spAutoFit/>
+          </a:bodyPr>
+          <a:lstStyle/>
+          <a:p>
+            <a:pPr algn="ctr"/>
+            <a:r>
+              <a:rPr lang="en-US" sz="800" b="1" dirty="0" smtClean="0">
+                <a:latin typeface="Century Gothic" panose="020B0502020202020204" pitchFamily="34" charset="0"/>
+                <a:cs typeface="Adobe Devanagari" panose="02040503050201020203" pitchFamily="18" charset="0"/>
+              </a:rPr>
+              <a:t>Low</a:t>
+            </a:r>
+            <a:endParaRPr lang="en-US" sz="800" b="1" dirty="0">
+              <a:latin typeface="Century Gothic" panose="020B0502020202020204" pitchFamily="34" charset="0"/>
+              <a:cs typeface="Adobe Devanagari" panose="02040503050201020203" pitchFamily="18" charset="0"/>
+            </a:endParaRPr>
+          </a:p>
+          <a:p>
+            <a:pPr algn="ctr"/>
+            <a:r>
+              <a:rPr lang="en-US" sz="800" b="1" dirty="0" smtClean="0">
+                <a:latin typeface="Century Gothic" panose="020B0502020202020204" pitchFamily="34" charset="0"/>
+                <a:cs typeface="Adobe Devanagari" panose="02040503050201020203" pitchFamily="18" charset="0"/>
+              </a:rPr>
+              <a:t>Med</a:t>
+            </a:r>
+            <a:endParaRPr lang="en-US" sz="800" b="1" dirty="0">
+              <a:latin typeface="Century Gothic" panose="020B0502020202020204" pitchFamily="34" charset="0"/>
+              <a:cs typeface="Adobe Devanagari" panose="02040503050201020203" pitchFamily="18" charset="0"/>
+            </a:endParaRPr>
+          </a:p>
+          <a:p>
+            <a:pPr algn="ctr"/>
+            <a:r>
+              <a:rPr lang="en-US" sz="800" b="1" dirty="0" smtClean="0">
+                <a:latin typeface="Century Gothic" panose="020B0502020202020204" pitchFamily="34" charset="0"/>
+                <a:cs typeface="Adobe Devanagari" panose="02040503050201020203" pitchFamily="18" charset="0"/>
+              </a:rPr>
+              <a:t>High</a:t>
+            </a:r>
+            <a:endParaRPr lang="en-US" sz="800" b="1" dirty="0">
+              <a:latin typeface="Century Gothic" panose="020B0502020202020204" pitchFamily="34" charset="0"/>
+              <a:cs typeface="Adobe Devanagari" panose="02040503050201020203" pitchFamily="18" charset="0"/>
+            </a:endParaRPr>
+          </a:p>
+        </p:txBody>
+      </p:sp>
+      <p:sp>
+        <p:nvSpPr>
+          <p:cNvPr id="33" name="TextBox 32"/>
+          <p:cNvSpPr txBox="1"/>
+          <p:nvPr/>
+        </p:nvSpPr>
+        <p:spPr>
+          <a:xfrm>
+            <a:off x="5038072" y="4500003"/>
+            <a:ext cx="1871753" cy="523220"/>
+          </a:xfrm>
+          <a:prstGeom prst="rect">
+            <a:avLst/>
+          </a:prstGeom>
+          <a:noFill/>
+        </p:spPr>
+        <p:txBody>
+          <a:bodyPr wrap="square" rtlCol="0">
+            <a:spAutoFit/>
+          </a:bodyPr>
+          <a:lstStyle/>
+          <a:p>
+            <a:pPr algn="ctr"/>
+            <a:r>
+              <a:rPr lang="en-US" sz="2800" b="1" dirty="0" smtClean="0">
+                <a:latin typeface="Broadway" panose="04040905080B02020502" pitchFamily="82" charset="0"/>
+                <a:cs typeface="Adobe Devanagari" panose="02040503050201020203" pitchFamily="18" charset="0"/>
+              </a:rPr>
+              <a:t>Mercury</a:t>
+            </a:r>
+            <a:endParaRPr lang="en-US" sz="2800" b="1" dirty="0">
+              <a:latin typeface="Broadway" panose="04040905080B02020502" pitchFamily="82" charset="0"/>
+              <a:cs typeface="Adobe Devanagari" panose="02040503050201020203" pitchFamily="18" charset="0"/>
+            </a:endParaRPr>
+          </a:p>
+        </p:txBody>
+      </p:sp>
+      <p:sp>
+        <p:nvSpPr>
+          <p:cNvPr id="34" name="TextBox 33"/>
+          <p:cNvSpPr txBox="1"/>
+          <p:nvPr/>
+        </p:nvSpPr>
+        <p:spPr>
+          <a:xfrm>
+            <a:off x="5404373" y="4877231"/>
+            <a:ext cx="1069524" cy="246221"/>
+          </a:xfrm>
+          <a:prstGeom prst="rect">
+            <a:avLst/>
+          </a:prstGeom>
+          <a:noFill/>
+        </p:spPr>
+        <p:txBody>
+          <a:bodyPr wrap="none" rtlCol="0">
+            <a:spAutoFit/>
+          </a:bodyPr>
+          <a:lstStyle/>
+          <a:p>
+            <a:pPr algn="ctr"/>
+            <a:r>
+              <a:rPr lang="en-US" sz="1000" dirty="0">
+                <a:latin typeface="Century Gothic" panose="020B0502020202020204" pitchFamily="34" charset="0"/>
+                <a:cs typeface="Adobe Devanagari" panose="02040503050201020203" pitchFamily="18" charset="0"/>
+              </a:rPr>
+              <a:t>Amp </a:t>
+            </a:r>
+            <a:r>
+              <a:rPr lang="en-US" sz="1000" dirty="0" err="1" smtClean="0">
+                <a:latin typeface="Century Gothic" panose="020B0502020202020204" pitchFamily="34" charset="0"/>
+                <a:cs typeface="Adobe Devanagari" panose="02040503050201020203" pitchFamily="18" charset="0"/>
+              </a:rPr>
+              <a:t>Modeller</a:t>
+            </a:r>
+            <a:endParaRPr lang="en-US" sz="1000" dirty="0">
+              <a:latin typeface="Century Gothic" panose="020B0502020202020204" pitchFamily="34" charset="0"/>
+              <a:cs typeface="Adobe Devanagari" panose="02040503050201020203" pitchFamily="18" charset="0"/>
+            </a:endParaRPr>
+          </a:p>
+        </p:txBody>
+      </p:sp>
+      <p:sp>
+        <p:nvSpPr>
+          <p:cNvPr id="35" name="Oval 34"/>
+          <p:cNvSpPr/>
+          <p:nvPr/>
+        </p:nvSpPr>
+        <p:spPr>
+          <a:xfrm rot="16200000">
+            <a:off x="5830387" y="3795700"/>
+            <a:ext cx="245746" cy="243840"/>
+          </a:xfrm>
+          <a:prstGeom prst="ellipse">
+            <a:avLst/>
+          </a:prstGeom>
+          <a:ln w="19050">
+            <a:solidFill>
+              <a:schemeClr val="tx1"/>
+            </a:solidFill>
+          </a:ln>
+        </p:spPr>
+        <p:style>
+          <a:lnRef idx="2">
+            <a:schemeClr val="accent1">
+              <a:shade val="50000"/>
+            </a:schemeClr>
+          </a:lnRef>
+          <a:fillRef idx="1">
+            <a:schemeClr val="accent1"/>
+          </a:fillRef>
+          <a:effectRef idx="0">
+            <a:schemeClr val="accent1"/>
+          </a:effectRef>
+          <a:fontRef idx="minor">
+            <a:schemeClr val="lt1"/>
+          </a:fontRef>
+        </p:style>
+        <p:txBody>
+          <a:bodyPr rtlCol="0" anchor="ctr"/>
+          <a:lstStyle/>
+          <a:p>
+            <a:pPr algn="ctr"/>
+            <a:endParaRPr lang="en-US"/>
+          </a:p>
+        </p:txBody>
+      </p:sp>
+      <p:sp>
+        <p:nvSpPr>
+          <p:cNvPr id="36" name="Flowchart: Terminator 35"/>
+          <p:cNvSpPr/>
+          <p:nvPr/>
+        </p:nvSpPr>
+        <p:spPr>
+          <a:xfrm rot="16200000">
+            <a:off x="5810513" y="3807751"/>
+            <a:ext cx="95488" cy="208168"/>
+          </a:xfrm>
+          <a:prstGeom prst="flowChartTerminator">
+            <a:avLst/>
+          </a:prstGeom>
+          <a:ln w="19050">
+            <a:solidFill>
+              <a:schemeClr val="tx1"/>
+            </a:solidFill>
+          </a:ln>
+        </p:spPr>
+        <p:style>
+          <a:lnRef idx="2">
+            <a:schemeClr val="accent1">
+              <a:shade val="50000"/>
+            </a:schemeClr>
+          </a:lnRef>
+          <a:fillRef idx="1">
+            <a:schemeClr val="accent1"/>
+          </a:fillRef>
+          <a:effectRef idx="0">
+            <a:schemeClr val="accent1"/>
+          </a:effectRef>
+          <a:fontRef idx="minor">
+            <a:schemeClr val="lt1"/>
+          </a:fontRef>
+        </p:style>
+        <p:txBody>
+          <a:bodyPr rtlCol="0" anchor="ctr"/>
+          <a:lstStyle/>
+          <a:p>
+            <a:pPr algn="ctr"/>
+            <a:endParaRPr lang="en-US"/>
+          </a:p>
+        </p:txBody>
+      </p:sp>
+      <p:sp>
+        <p:nvSpPr>
+          <p:cNvPr id="37" name="Oval 36"/>
+          <p:cNvSpPr/>
+          <p:nvPr/>
+        </p:nvSpPr>
+        <p:spPr>
+          <a:xfrm rot="16200000">
+            <a:off x="6651163" y="3795700"/>
+            <a:ext cx="245746" cy="243840"/>
+          </a:xfrm>
+          <a:prstGeom prst="ellipse">
+            <a:avLst/>
+          </a:prstGeom>
+          <a:ln w="19050">
+            <a:solidFill>
+              <a:schemeClr val="tx1"/>
+            </a:solidFill>
+          </a:ln>
+        </p:spPr>
+        <p:style>
+          <a:lnRef idx="2">
+            <a:schemeClr val="accent1">
+              <a:shade val="50000"/>
+            </a:schemeClr>
+          </a:lnRef>
+          <a:fillRef idx="1">
+            <a:schemeClr val="accent1"/>
+          </a:fillRef>
+          <a:effectRef idx="0">
+            <a:schemeClr val="accent1"/>
+          </a:effectRef>
+          <a:fontRef idx="minor">
+            <a:schemeClr val="lt1"/>
+          </a:fontRef>
+        </p:style>
+        <p:txBody>
+          <a:bodyPr rtlCol="0" anchor="ctr"/>
+          <a:lstStyle/>
+          <a:p>
+            <a:pPr algn="ctr"/>
+            <a:endParaRPr lang="en-US"/>
+          </a:p>
+        </p:txBody>
+      </p:sp>
+      <p:sp>
+        <p:nvSpPr>
+          <p:cNvPr id="38" name="Flowchart: Terminator 37"/>
+          <p:cNvSpPr/>
+          <p:nvPr/>
+        </p:nvSpPr>
+        <p:spPr>
+          <a:xfrm rot="16200000">
+            <a:off x="6631289" y="3807751"/>
+            <a:ext cx="95488" cy="208168"/>
+          </a:xfrm>
+          <a:prstGeom prst="flowChartTerminator">
+            <a:avLst/>
+          </a:prstGeom>
+          <a:ln w="19050">
+            <a:solidFill>
+              <a:schemeClr val="tx1"/>
+            </a:solidFill>
+          </a:ln>
+        </p:spPr>
+        <p:style>
+          <a:lnRef idx="2">
+            <a:schemeClr val="accent1">
+              <a:shade val="50000"/>
+            </a:schemeClr>
+          </a:lnRef>
+          <a:fillRef idx="1">
+            <a:schemeClr val="accent1"/>
+          </a:fillRef>
+          <a:effectRef idx="0">
+            <a:schemeClr val="accent1"/>
+          </a:effectRef>
+          <a:fontRef idx="minor">
+            <a:schemeClr val="lt1"/>
+          </a:fontRef>
+        </p:style>
+        <p:txBody>
+          <a:bodyPr rtlCol="0" anchor="ctr"/>
+          <a:lstStyle/>
+          <a:p>
+            <a:pPr algn="ctr"/>
+            <a:endParaRPr lang="en-US"/>
+          </a:p>
+        </p:txBody>
+      </p:sp>
+      <p:sp>
+        <p:nvSpPr>
+          <p:cNvPr id="39" name="TextBox 38"/>
+          <p:cNvSpPr txBox="1"/>
+          <p:nvPr/>
+        </p:nvSpPr>
+        <p:spPr>
+          <a:xfrm rot="16200000">
+            <a:off x="5677791" y="4049121"/>
+            <a:ext cx="510075" cy="461665"/>
+          </a:xfrm>
+          <a:prstGeom prst="rect">
+            <a:avLst/>
+          </a:prstGeom>
+          <a:noFill/>
+        </p:spPr>
+        <p:txBody>
+          <a:bodyPr wrap="none" rtlCol="0">
+            <a:spAutoFit/>
+          </a:bodyPr>
+          <a:lstStyle/>
+          <a:p>
+            <a:pPr algn="ctr"/>
+            <a:r>
+              <a:rPr lang="en-US" sz="800" b="1" dirty="0" smtClean="0">
+                <a:latin typeface="Century Gothic" panose="020B0502020202020204" pitchFamily="34" charset="0"/>
+                <a:cs typeface="Adobe Devanagari" panose="02040503050201020203" pitchFamily="18" charset="0"/>
+              </a:rPr>
+              <a:t>Amp 1</a:t>
+            </a:r>
+          </a:p>
+          <a:p>
+            <a:pPr algn="ctr"/>
+            <a:r>
+              <a:rPr lang="en-US" sz="800" b="1" dirty="0" smtClean="0">
+                <a:latin typeface="Century Gothic" panose="020B0502020202020204" pitchFamily="34" charset="0"/>
+                <a:cs typeface="Adobe Devanagari" panose="02040503050201020203" pitchFamily="18" charset="0"/>
+              </a:rPr>
+              <a:t>Amp 2</a:t>
+            </a:r>
+          </a:p>
+          <a:p>
+            <a:pPr algn="ctr"/>
+            <a:r>
+              <a:rPr lang="en-US" sz="800" b="1" dirty="0" smtClean="0">
+                <a:latin typeface="Century Gothic" panose="020B0502020202020204" pitchFamily="34" charset="0"/>
+                <a:cs typeface="Adobe Devanagari" panose="02040503050201020203" pitchFamily="18" charset="0"/>
+              </a:rPr>
+              <a:t>Amp 3</a:t>
+            </a:r>
+            <a:endParaRPr lang="en-US" sz="800" b="1" dirty="0">
+              <a:latin typeface="Century Gothic" panose="020B0502020202020204" pitchFamily="34" charset="0"/>
+              <a:cs typeface="Adobe Devanagari" panose="02040503050201020203" pitchFamily="18" charset="0"/>
+            </a:endParaRPr>
+          </a:p>
+        </p:txBody>
+      </p:sp>
+      <p:sp>
+        <p:nvSpPr>
+          <p:cNvPr id="41" name="TextBox 40"/>
+          <p:cNvSpPr txBox="1"/>
+          <p:nvPr/>
+        </p:nvSpPr>
+        <p:spPr>
+          <a:xfrm>
+            <a:off x="4938125" y="3551712"/>
+            <a:ext cx="455574" cy="230832"/>
+          </a:xfrm>
+          <a:prstGeom prst="rect">
+            <a:avLst/>
+          </a:prstGeom>
+          <a:noFill/>
+        </p:spPr>
+        <p:txBody>
+          <a:bodyPr wrap="none" rtlCol="0">
+            <a:spAutoFit/>
+          </a:bodyPr>
+          <a:lstStyle/>
+          <a:p>
+            <a:pPr algn="ctr"/>
+            <a:r>
+              <a:rPr lang="en-US" sz="900" b="1" dirty="0">
+                <a:latin typeface="Century Gothic" panose="020B0502020202020204" pitchFamily="34" charset="0"/>
+                <a:cs typeface="Adobe Devanagari" panose="02040503050201020203" pitchFamily="18" charset="0"/>
+              </a:rPr>
+              <a:t>Amp</a:t>
+            </a:r>
+          </a:p>
+        </p:txBody>
+      </p:sp>
+      <p:sp>
+        <p:nvSpPr>
+          <p:cNvPr id="42" name="TextBox 41"/>
+          <p:cNvSpPr txBox="1"/>
+          <p:nvPr/>
+        </p:nvSpPr>
+        <p:spPr>
+          <a:xfrm>
+            <a:off x="5738544" y="3560229"/>
+            <a:ext cx="428322" cy="230832"/>
+          </a:xfrm>
+          <a:prstGeom prst="rect">
+            <a:avLst/>
+          </a:prstGeom>
+          <a:noFill/>
+        </p:spPr>
+        <p:txBody>
+          <a:bodyPr wrap="none" rtlCol="0">
+            <a:spAutoFit/>
+          </a:bodyPr>
+          <a:lstStyle/>
+          <a:p>
+            <a:pPr algn="ctr"/>
+            <a:r>
+              <a:rPr lang="en-US" sz="900" b="1" dirty="0">
+                <a:latin typeface="Century Gothic" panose="020B0502020202020204" pitchFamily="34" charset="0"/>
+                <a:cs typeface="Adobe Devanagari" panose="02040503050201020203" pitchFamily="18" charset="0"/>
+              </a:rPr>
+              <a:t>Cab</a:t>
+            </a:r>
+          </a:p>
+        </p:txBody>
+      </p:sp>
+      <p:sp>
+        <p:nvSpPr>
+          <p:cNvPr id="49" name="Rectangle 48"/>
+          <p:cNvSpPr/>
+          <p:nvPr/>
+        </p:nvSpPr>
+        <p:spPr>
+          <a:xfrm>
+            <a:off x="1571328" y="1542432"/>
+            <a:ext cx="2675728" cy="1024322"/>
+          </a:xfrm>
+          <a:prstGeom prst="rect">
+            <a:avLst/>
+          </a:prstGeom>
+        </p:spPr>
+        <p:style>
+          <a:lnRef idx="2">
+            <a:schemeClr val="dk1">
+              <a:shade val="50000"/>
+            </a:schemeClr>
+          </a:lnRef>
+          <a:fillRef idx="1003">
+            <a:schemeClr val="lt1"/>
+          </a:fillRef>
+          <a:effectRef idx="0">
+            <a:schemeClr val="dk1"/>
+          </a:effectRef>
+          <a:fontRef idx="minor">
+            <a:schemeClr val="lt1"/>
+          </a:fontRef>
+        </p:style>
+        <p:txBody>
+          <a:bodyPr rtlCol="0" anchor="ctr"/>
+          <a:lstStyle/>
+          <a:p>
+            <a:r>
+              <a:rPr lang="en-US" sz="1600" b="1" dirty="0">
+                <a:solidFill>
+                  <a:schemeClr val="tx1"/>
+                </a:solidFill>
+              </a:rPr>
+              <a:t>Gain</a:t>
+            </a:r>
+            <a:r>
+              <a:rPr lang="en-US" sz="1600" dirty="0">
+                <a:solidFill>
+                  <a:schemeClr val="tx1"/>
+                </a:solidFill>
+              </a:rPr>
+              <a:t>: Amount of input gain</a:t>
+            </a:r>
+          </a:p>
+          <a:p>
+            <a:r>
+              <a:rPr lang="en-US" sz="1600" b="1" dirty="0" smtClean="0">
+                <a:solidFill>
+                  <a:schemeClr val="tx1"/>
+                </a:solidFill>
+              </a:rPr>
+              <a:t>Level:</a:t>
+            </a:r>
+            <a:r>
+              <a:rPr lang="en-US" sz="1600" dirty="0" smtClean="0">
+                <a:solidFill>
+                  <a:schemeClr val="tx1"/>
+                </a:solidFill>
+              </a:rPr>
+              <a:t> Overall output volume</a:t>
+            </a:r>
+          </a:p>
+          <a:p>
+            <a:r>
+              <a:rPr lang="en-US" sz="1600" b="1" dirty="0" smtClean="0">
+                <a:solidFill>
+                  <a:schemeClr val="tx1"/>
+                </a:solidFill>
+              </a:rPr>
+              <a:t>Presence: </a:t>
+            </a:r>
+            <a:r>
+              <a:rPr lang="en-US" sz="1600" dirty="0" smtClean="0">
+                <a:solidFill>
+                  <a:schemeClr val="tx1"/>
+                </a:solidFill>
+              </a:rPr>
+              <a:t>+10/-10 dB</a:t>
+            </a:r>
+            <a:endParaRPr lang="en-US" sz="1600" b="1" dirty="0">
+              <a:solidFill>
+                <a:schemeClr val="tx1"/>
+              </a:solidFill>
+            </a:endParaRPr>
+          </a:p>
+        </p:txBody>
+      </p:sp>
+      <p:sp>
+        <p:nvSpPr>
+          <p:cNvPr id="50" name="Rectangle 49"/>
+          <p:cNvSpPr/>
+          <p:nvPr/>
+        </p:nvSpPr>
+        <p:spPr>
+          <a:xfrm>
+            <a:off x="7599718" y="1904357"/>
+            <a:ext cx="1859242" cy="1206011"/>
+          </a:xfrm>
+          <a:prstGeom prst="rect">
+            <a:avLst/>
+          </a:prstGeom>
+        </p:spPr>
+        <p:style>
+          <a:lnRef idx="2">
+            <a:schemeClr val="dk1">
+              <a:shade val="50000"/>
+            </a:schemeClr>
+          </a:lnRef>
+          <a:fillRef idx="1003">
+            <a:schemeClr val="lt1"/>
+          </a:fillRef>
+          <a:effectRef idx="0">
+            <a:schemeClr val="dk1"/>
+          </a:effectRef>
+          <a:fontRef idx="minor">
+            <a:schemeClr val="lt1"/>
+          </a:fontRef>
+        </p:style>
+        <p:txBody>
+          <a:bodyPr rtlCol="0" anchor="ctr"/>
+          <a:lstStyle/>
+          <a:p>
+            <a:r>
+              <a:rPr lang="en-US" sz="1600" b="1" dirty="0" smtClean="0">
+                <a:solidFill>
+                  <a:schemeClr val="tx1"/>
+                </a:solidFill>
+              </a:rPr>
+              <a:t>Bass</a:t>
+            </a:r>
+            <a:r>
+              <a:rPr lang="en-US" sz="1600" dirty="0" smtClean="0">
+                <a:solidFill>
+                  <a:schemeClr val="tx1"/>
+                </a:solidFill>
+              </a:rPr>
+              <a:t>: +10/-10 dB</a:t>
+            </a:r>
+            <a:endParaRPr lang="en-US" sz="1600" dirty="0">
+              <a:solidFill>
+                <a:schemeClr val="tx1"/>
+              </a:solidFill>
+            </a:endParaRPr>
+          </a:p>
+          <a:p>
+            <a:r>
+              <a:rPr lang="en-US" sz="1600" b="1" dirty="0" smtClean="0">
+                <a:solidFill>
+                  <a:schemeClr val="tx1"/>
+                </a:solidFill>
+              </a:rPr>
+              <a:t>Mid</a:t>
+            </a:r>
+            <a:r>
+              <a:rPr lang="en-US" sz="1600" dirty="0" smtClean="0">
+                <a:solidFill>
+                  <a:schemeClr val="tx1"/>
+                </a:solidFill>
+              </a:rPr>
+              <a:t>: +10/-10 dB</a:t>
+            </a:r>
+            <a:endParaRPr lang="en-US" sz="1600" dirty="0">
+              <a:solidFill>
+                <a:schemeClr val="tx1"/>
+              </a:solidFill>
+            </a:endParaRPr>
+          </a:p>
+          <a:p>
+            <a:r>
+              <a:rPr lang="en-US" sz="1600" b="1" dirty="0" smtClean="0">
+                <a:solidFill>
+                  <a:schemeClr val="tx1"/>
+                </a:solidFill>
+              </a:rPr>
+              <a:t>Treble</a:t>
+            </a:r>
+            <a:r>
+              <a:rPr lang="en-US" sz="1600" dirty="0" smtClean="0">
+                <a:solidFill>
+                  <a:schemeClr val="tx1"/>
+                </a:solidFill>
+              </a:rPr>
+              <a:t>: +10/-10 dB</a:t>
+            </a:r>
+            <a:endParaRPr lang="en-US" sz="1600" dirty="0">
+              <a:solidFill>
+                <a:schemeClr val="bg1"/>
+              </a:solidFill>
+            </a:endParaRPr>
+          </a:p>
+        </p:txBody>
+      </p:sp>
+      <p:sp>
+        <p:nvSpPr>
+          <p:cNvPr id="52" name="Rectangle 51"/>
+          <p:cNvSpPr/>
+          <p:nvPr/>
+        </p:nvSpPr>
+        <p:spPr>
+          <a:xfrm>
+            <a:off x="1035004" y="2800979"/>
+            <a:ext cx="3250889" cy="1141089"/>
+          </a:xfrm>
+          <a:prstGeom prst="rect">
+            <a:avLst/>
+          </a:prstGeom>
+        </p:spPr>
+        <p:style>
+          <a:lnRef idx="2">
+            <a:schemeClr val="dk1">
+              <a:shade val="50000"/>
+            </a:schemeClr>
+          </a:lnRef>
+          <a:fillRef idx="1003">
+            <a:schemeClr val="dk1"/>
+          </a:fillRef>
+          <a:effectRef idx="0">
+            <a:schemeClr val="dk1"/>
+          </a:effectRef>
+          <a:fontRef idx="minor">
+            <a:schemeClr val="lt1"/>
+          </a:fontRef>
+        </p:style>
+        <p:txBody>
+          <a:bodyPr rtlCol="0" anchor="ctr"/>
+          <a:lstStyle/>
+          <a:p>
+            <a:r>
+              <a:rPr lang="en-US" sz="1600" b="1" dirty="0">
+                <a:solidFill>
+                  <a:schemeClr val="bg1"/>
+                </a:solidFill>
+              </a:rPr>
+              <a:t>Amp </a:t>
+            </a:r>
+            <a:r>
+              <a:rPr lang="en-US" sz="1600" b="1" dirty="0" smtClean="0">
+                <a:solidFill>
+                  <a:schemeClr val="bg1"/>
+                </a:solidFill>
+              </a:rPr>
+              <a:t>Group</a:t>
+            </a:r>
+            <a:endParaRPr lang="en-US" sz="1600" b="1" dirty="0">
+              <a:solidFill>
+                <a:schemeClr val="bg1"/>
+              </a:solidFill>
+            </a:endParaRPr>
+          </a:p>
+          <a:p>
+            <a:r>
+              <a:rPr lang="en-US" sz="1600" b="1" dirty="0">
+                <a:solidFill>
+                  <a:schemeClr val="bg1"/>
+                </a:solidFill>
+              </a:rPr>
+              <a:t>  Left:  </a:t>
+            </a:r>
+            <a:r>
+              <a:rPr lang="en-US" sz="1600" b="1" dirty="0" smtClean="0">
+                <a:solidFill>
+                  <a:schemeClr val="bg1"/>
+                </a:solidFill>
+              </a:rPr>
+              <a:t>Low Gain</a:t>
+            </a:r>
+            <a:endParaRPr lang="en-US" sz="1600" b="1" dirty="0">
+              <a:solidFill>
+                <a:schemeClr val="bg1"/>
+              </a:solidFill>
+            </a:endParaRPr>
+          </a:p>
+          <a:p>
+            <a:r>
+              <a:rPr lang="en-US" sz="1600" b="1" dirty="0">
+                <a:solidFill>
+                  <a:schemeClr val="bg1"/>
+                </a:solidFill>
+              </a:rPr>
+              <a:t>  Center: </a:t>
+            </a:r>
+            <a:r>
+              <a:rPr lang="en-US" sz="1600" b="1" dirty="0" smtClean="0">
+                <a:solidFill>
+                  <a:schemeClr val="bg1"/>
+                </a:solidFill>
+              </a:rPr>
+              <a:t>Med Gain</a:t>
+            </a:r>
+            <a:endParaRPr lang="en-US" sz="1600" b="1" dirty="0">
+              <a:solidFill>
+                <a:schemeClr val="bg1"/>
+              </a:solidFill>
+            </a:endParaRPr>
+          </a:p>
+          <a:p>
+            <a:r>
+              <a:rPr lang="en-US" sz="1600" b="1" dirty="0">
+                <a:solidFill>
+                  <a:schemeClr val="bg1"/>
+                </a:solidFill>
+              </a:rPr>
+              <a:t>  Right:  </a:t>
+            </a:r>
+            <a:r>
+              <a:rPr lang="en-US" sz="1600" b="1" dirty="0" smtClean="0">
+                <a:solidFill>
+                  <a:schemeClr val="bg1"/>
+                </a:solidFill>
+              </a:rPr>
+              <a:t>High Gain</a:t>
+            </a:r>
+            <a:endParaRPr lang="en-US" sz="1600" b="1" dirty="0">
+              <a:solidFill>
+                <a:schemeClr val="bg1"/>
+              </a:solidFill>
+            </a:endParaRPr>
+          </a:p>
+        </p:txBody>
+      </p:sp>
+      <p:sp>
+        <p:nvSpPr>
+          <p:cNvPr id="54" name="Rectangle 53"/>
+          <p:cNvSpPr/>
+          <p:nvPr/>
+        </p:nvSpPr>
+        <p:spPr>
+          <a:xfrm>
+            <a:off x="1224143" y="4073840"/>
+            <a:ext cx="3034908" cy="1354221"/>
+          </a:xfrm>
+          <a:prstGeom prst="rect">
+            <a:avLst/>
+          </a:prstGeom>
+        </p:spPr>
+        <p:style>
+          <a:lnRef idx="2">
+            <a:schemeClr val="dk1">
+              <a:shade val="50000"/>
+            </a:schemeClr>
+          </a:lnRef>
+          <a:fillRef idx="1003">
+            <a:schemeClr val="dk1"/>
+          </a:fillRef>
+          <a:effectRef idx="0">
+            <a:schemeClr val="dk1"/>
+          </a:effectRef>
+          <a:fontRef idx="minor">
+            <a:schemeClr val="lt1"/>
+          </a:fontRef>
+        </p:style>
+        <p:txBody>
+          <a:bodyPr rtlCol="0" anchor="ctr"/>
+          <a:lstStyle/>
+          <a:p>
+            <a:r>
+              <a:rPr lang="en-US" sz="1600" b="1" dirty="0" smtClean="0">
+                <a:solidFill>
+                  <a:schemeClr val="bg1"/>
+                </a:solidFill>
+              </a:rPr>
+              <a:t>Model Select (depends on Toggle 1 group selection)*</a:t>
+            </a:r>
+            <a:endParaRPr lang="en-US" sz="1600" b="1" dirty="0">
+              <a:solidFill>
+                <a:schemeClr val="bg1"/>
+              </a:solidFill>
+            </a:endParaRPr>
+          </a:p>
+          <a:p>
+            <a:r>
+              <a:rPr lang="en-US" sz="1600" b="1" dirty="0">
+                <a:solidFill>
+                  <a:schemeClr val="bg1"/>
+                </a:solidFill>
+              </a:rPr>
+              <a:t>  Left:  </a:t>
+            </a:r>
+            <a:r>
+              <a:rPr lang="en-US" sz="1600" b="1" dirty="0" smtClean="0">
+                <a:solidFill>
+                  <a:schemeClr val="bg1"/>
+                </a:solidFill>
+              </a:rPr>
+              <a:t>Amp 1</a:t>
+            </a:r>
+            <a:endParaRPr lang="en-US" sz="1600" b="1" dirty="0">
+              <a:solidFill>
+                <a:schemeClr val="bg1"/>
+              </a:solidFill>
+            </a:endParaRPr>
+          </a:p>
+          <a:p>
+            <a:r>
+              <a:rPr lang="en-US" sz="1600" b="1" dirty="0">
+                <a:solidFill>
+                  <a:schemeClr val="bg1"/>
+                </a:solidFill>
+              </a:rPr>
+              <a:t>  Center: </a:t>
+            </a:r>
+            <a:r>
+              <a:rPr lang="en-US" sz="1600" b="1" dirty="0" smtClean="0">
+                <a:solidFill>
+                  <a:schemeClr val="bg1"/>
+                </a:solidFill>
+              </a:rPr>
+              <a:t>Amp 2</a:t>
+            </a:r>
+            <a:endParaRPr lang="en-US" sz="1600" b="1" dirty="0">
+              <a:solidFill>
+                <a:schemeClr val="bg1"/>
+              </a:solidFill>
+            </a:endParaRPr>
+          </a:p>
+          <a:p>
+            <a:r>
+              <a:rPr lang="en-US" sz="1600" b="1" dirty="0">
+                <a:solidFill>
+                  <a:schemeClr val="bg1"/>
+                </a:solidFill>
+              </a:rPr>
+              <a:t>  Right:  </a:t>
+            </a:r>
+            <a:r>
+              <a:rPr lang="en-US" sz="1600" b="1" dirty="0" smtClean="0">
+                <a:solidFill>
+                  <a:schemeClr val="bg1"/>
+                </a:solidFill>
+              </a:rPr>
+              <a:t>Amp 3</a:t>
+            </a:r>
+            <a:endParaRPr lang="en-US" sz="1600" b="1" dirty="0">
+              <a:solidFill>
+                <a:schemeClr val="bg1"/>
+              </a:solidFill>
+            </a:endParaRPr>
+          </a:p>
+        </p:txBody>
+      </p:sp>
+      <p:sp>
+        <p:nvSpPr>
+          <p:cNvPr id="57" name="Rectangle 56"/>
+          <p:cNvSpPr/>
+          <p:nvPr/>
+        </p:nvSpPr>
+        <p:spPr>
+          <a:xfrm>
+            <a:off x="2264159" y="5977002"/>
+            <a:ext cx="3034908" cy="410432"/>
+          </a:xfrm>
+          <a:prstGeom prst="rect">
+            <a:avLst/>
+          </a:prstGeom>
+        </p:spPr>
+        <p:style>
+          <a:lnRef idx="2">
+            <a:schemeClr val="dk1">
+              <a:shade val="50000"/>
+            </a:schemeClr>
+          </a:lnRef>
+          <a:fillRef idx="1001">
+            <a:schemeClr val="dk2"/>
+          </a:fillRef>
+          <a:effectRef idx="0">
+            <a:schemeClr val="dk1"/>
+          </a:effectRef>
+          <a:fontRef idx="minor">
+            <a:schemeClr val="lt1"/>
+          </a:fontRef>
+        </p:style>
+        <p:txBody>
+          <a:bodyPr rtlCol="0" anchor="ctr"/>
+          <a:lstStyle/>
+          <a:p>
+            <a:r>
+              <a:rPr lang="en-US" sz="1600" b="1" dirty="0">
+                <a:solidFill>
+                  <a:schemeClr val="bg1"/>
+                </a:solidFill>
+              </a:rPr>
+              <a:t>Left Footswitch: Bypass/Engage</a:t>
+            </a:r>
+          </a:p>
+        </p:txBody>
+      </p:sp>
+      <p:sp>
+        <p:nvSpPr>
+          <p:cNvPr id="59" name="Rectangle 58"/>
+          <p:cNvSpPr/>
+          <p:nvPr/>
+        </p:nvSpPr>
+        <p:spPr>
+          <a:xfrm>
+            <a:off x="259856" y="262029"/>
+            <a:ext cx="4226847" cy="1209165"/>
+          </a:xfrm>
+          <a:prstGeom prst="rect">
+            <a:avLst/>
+          </a:prstGeom>
+          <a:ln/>
+        </p:spPr>
+        <p:style>
+          <a:lnRef idx="1">
+            <a:schemeClr val="accent2"/>
+          </a:lnRef>
+          <a:fillRef idx="2">
+            <a:schemeClr val="accent2"/>
+          </a:fillRef>
+          <a:effectRef idx="1">
+            <a:schemeClr val="accent2"/>
+          </a:effectRef>
+          <a:fontRef idx="minor">
+            <a:schemeClr val="dk1"/>
+          </a:fontRef>
+        </p:style>
+        <p:txBody>
+          <a:bodyPr rtlCol="0" anchor="ctr"/>
+          <a:lstStyle/>
+          <a:p>
+            <a:r>
+              <a:rPr lang="en-US" sz="2800" b="1" dirty="0" smtClean="0">
+                <a:solidFill>
+                  <a:schemeClr val="tx1"/>
+                </a:solidFill>
+              </a:rPr>
+              <a:t>Mercury</a:t>
+            </a:r>
+            <a:r>
+              <a:rPr lang="en-US" sz="1600" b="1" dirty="0" smtClean="0">
+                <a:solidFill>
+                  <a:schemeClr val="tx1"/>
+                </a:solidFill>
+              </a:rPr>
+              <a:t> </a:t>
+            </a:r>
+            <a:r>
+              <a:rPr lang="en-US" sz="1600" b="1" dirty="0">
+                <a:solidFill>
+                  <a:schemeClr val="tx1"/>
+                </a:solidFill>
+              </a:rPr>
+              <a:t>is an </a:t>
+            </a:r>
+            <a:r>
+              <a:rPr lang="en-US" sz="2400" b="1" dirty="0">
+                <a:solidFill>
+                  <a:schemeClr val="tx1"/>
+                </a:solidFill>
+              </a:rPr>
+              <a:t>Amp </a:t>
+            </a:r>
+            <a:r>
+              <a:rPr lang="en-US" sz="2400" b="1" dirty="0" smtClean="0">
+                <a:solidFill>
+                  <a:schemeClr val="tx1"/>
+                </a:solidFill>
+              </a:rPr>
+              <a:t>Emulator using Neural Amp Modeler (NAM). </a:t>
+            </a:r>
+            <a:endParaRPr lang="en-US" sz="1600" b="1" dirty="0">
+              <a:solidFill>
+                <a:schemeClr val="tx1"/>
+              </a:solidFill>
+            </a:endParaRPr>
+          </a:p>
+        </p:txBody>
+      </p:sp>
+      <p:sp>
+        <p:nvSpPr>
+          <p:cNvPr id="60" name="Rectangle 59"/>
+          <p:cNvSpPr/>
+          <p:nvPr/>
+        </p:nvSpPr>
+        <p:spPr>
+          <a:xfrm>
+            <a:off x="7586062" y="182880"/>
+            <a:ext cx="4289106" cy="1456957"/>
+          </a:xfrm>
+          <a:prstGeom prst="rect">
+            <a:avLst/>
+          </a:prstGeom>
+          <a:ln/>
+        </p:spPr>
+        <p:style>
+          <a:lnRef idx="1">
+            <a:schemeClr val="accent2"/>
+          </a:lnRef>
+          <a:fillRef idx="2">
+            <a:schemeClr val="accent2"/>
+          </a:fillRef>
+          <a:effectRef idx="1">
+            <a:schemeClr val="accent2"/>
+          </a:effectRef>
+          <a:fontRef idx="minor">
+            <a:schemeClr val="dk1"/>
+          </a:fontRef>
+        </p:style>
+        <p:txBody>
+          <a:bodyPr rtlCol="0" anchor="ctr"/>
+          <a:lstStyle/>
+          <a:p>
+            <a:r>
+              <a:rPr lang="en-US" sz="1600" b="1" dirty="0">
+                <a:solidFill>
+                  <a:schemeClr val="tx1"/>
+                </a:solidFill>
+              </a:rPr>
+              <a:t>Mono In/Out Processing</a:t>
+            </a:r>
+          </a:p>
+          <a:p>
+            <a:r>
+              <a:rPr lang="en-US" sz="1600" b="1" dirty="0">
+                <a:solidFill>
+                  <a:schemeClr val="tx1"/>
+                </a:solidFill>
+              </a:rPr>
+              <a:t>If using TRS, only takes left channel for input, and copies Left to Right for output</a:t>
+            </a:r>
+          </a:p>
+          <a:p>
+            <a:pPr marL="285750" indent="-285750">
+              <a:buFontTx/>
+              <a:buChar char="-"/>
+            </a:pPr>
+            <a:r>
+              <a:rPr lang="en-US" sz="1600" b="1" dirty="0">
+                <a:solidFill>
+                  <a:schemeClr val="tx1"/>
+                </a:solidFill>
+              </a:rPr>
+              <a:t>Expression: YES</a:t>
+            </a:r>
+          </a:p>
+          <a:p>
+            <a:pPr marL="285750" indent="-285750">
+              <a:buFontTx/>
+              <a:buChar char="-"/>
+            </a:pPr>
+            <a:r>
+              <a:rPr lang="en-US" sz="1600" b="1" dirty="0">
+                <a:solidFill>
+                  <a:schemeClr val="tx1"/>
+                </a:solidFill>
+              </a:rPr>
+              <a:t>MIDI: </a:t>
+            </a:r>
+            <a:r>
+              <a:rPr lang="en-US" sz="1600" b="1" dirty="0" smtClean="0">
+                <a:solidFill>
+                  <a:schemeClr val="tx1"/>
+                </a:solidFill>
+              </a:rPr>
+              <a:t>YES</a:t>
+            </a:r>
+            <a:endParaRPr lang="en-US" sz="1600" b="1" dirty="0">
+              <a:solidFill>
+                <a:schemeClr val="tx1"/>
+              </a:solidFill>
+            </a:endParaRPr>
+          </a:p>
+        </p:txBody>
+      </p:sp>
+      <p:cxnSp>
+        <p:nvCxnSpPr>
+          <p:cNvPr id="62" name="Straight Arrow Connector 61"/>
+          <p:cNvCxnSpPr>
+            <a:stCxn id="49" idx="3"/>
+          </p:cNvCxnSpPr>
+          <p:nvPr/>
+        </p:nvCxnSpPr>
+        <p:spPr>
+          <a:xfrm>
+            <a:off x="4247056" y="2054593"/>
+            <a:ext cx="371937" cy="0"/>
+          </a:xfrm>
+          <a:prstGeom prst="straightConnector1">
+            <a:avLst/>
+          </a:prstGeom>
+          <a:ln>
+            <a:tailEnd type="triangle"/>
+          </a:ln>
+        </p:spPr>
+        <p:style>
+          <a:lnRef idx="3">
+            <a:schemeClr val="dk1"/>
+          </a:lnRef>
+          <a:fillRef idx="0">
+            <a:schemeClr val="dk1"/>
+          </a:fillRef>
+          <a:effectRef idx="2">
+            <a:schemeClr val="dk1"/>
+          </a:effectRef>
+          <a:fontRef idx="minor">
+            <a:schemeClr val="tx1"/>
+          </a:fontRef>
+        </p:style>
+      </p:cxnSp>
+      <p:cxnSp>
+        <p:nvCxnSpPr>
+          <p:cNvPr id="64" name="Straight Arrow Connector 63"/>
+          <p:cNvCxnSpPr/>
+          <p:nvPr/>
+        </p:nvCxnSpPr>
+        <p:spPr>
+          <a:xfrm flipH="1">
+            <a:off x="7258135" y="3012268"/>
+            <a:ext cx="341583" cy="0"/>
+          </a:xfrm>
+          <a:prstGeom prst="straightConnector1">
+            <a:avLst/>
+          </a:prstGeom>
+          <a:ln>
+            <a:tailEnd type="triangle"/>
+          </a:ln>
+        </p:spPr>
+        <p:style>
+          <a:lnRef idx="3">
+            <a:schemeClr val="dk1"/>
+          </a:lnRef>
+          <a:fillRef idx="0">
+            <a:schemeClr val="dk1"/>
+          </a:fillRef>
+          <a:effectRef idx="2">
+            <a:schemeClr val="dk1"/>
+          </a:effectRef>
+          <a:fontRef idx="minor">
+            <a:schemeClr val="tx1"/>
+          </a:fontRef>
+        </p:style>
+      </p:cxnSp>
+      <p:cxnSp>
+        <p:nvCxnSpPr>
+          <p:cNvPr id="68" name="Straight Arrow Connector 67"/>
+          <p:cNvCxnSpPr/>
+          <p:nvPr/>
+        </p:nvCxnSpPr>
+        <p:spPr>
+          <a:xfrm>
+            <a:off x="4286374" y="3901586"/>
+            <a:ext cx="570112" cy="12433"/>
+          </a:xfrm>
+          <a:prstGeom prst="straightConnector1">
+            <a:avLst/>
+          </a:prstGeom>
+          <a:ln>
+            <a:tailEnd type="triangle"/>
+          </a:ln>
+        </p:spPr>
+        <p:style>
+          <a:lnRef idx="3">
+            <a:schemeClr val="dk1"/>
+          </a:lnRef>
+          <a:fillRef idx="0">
+            <a:schemeClr val="dk1"/>
+          </a:fillRef>
+          <a:effectRef idx="2">
+            <a:schemeClr val="dk1"/>
+          </a:effectRef>
+          <a:fontRef idx="minor">
+            <a:schemeClr val="tx1"/>
+          </a:fontRef>
+        </p:style>
+      </p:cxnSp>
+      <p:cxnSp>
+        <p:nvCxnSpPr>
+          <p:cNvPr id="78" name="Elbow Connector 77"/>
+          <p:cNvCxnSpPr/>
+          <p:nvPr/>
+        </p:nvCxnSpPr>
+        <p:spPr>
+          <a:xfrm flipV="1">
+            <a:off x="4285893" y="3923376"/>
+            <a:ext cx="1400247" cy="567633"/>
+          </a:xfrm>
+          <a:prstGeom prst="bentConnector3">
+            <a:avLst>
+              <a:gd name="adj1" fmla="val 83332"/>
+            </a:avLst>
+          </a:prstGeom>
+          <a:ln>
+            <a:tailEnd type="triangle"/>
+          </a:ln>
+        </p:spPr>
+        <p:style>
+          <a:lnRef idx="3">
+            <a:schemeClr val="dk1"/>
+          </a:lnRef>
+          <a:fillRef idx="0">
+            <a:schemeClr val="dk1"/>
+          </a:fillRef>
+          <a:effectRef idx="2">
+            <a:schemeClr val="dk1"/>
+          </a:effectRef>
+          <a:fontRef idx="minor">
+            <a:schemeClr val="tx1"/>
+          </a:fontRef>
+        </p:style>
+      </p:cxnSp>
+      <p:sp>
+        <p:nvSpPr>
+          <p:cNvPr id="81" name="Rectangle 80"/>
+          <p:cNvSpPr/>
+          <p:nvPr/>
+        </p:nvSpPr>
+        <p:spPr>
+          <a:xfrm>
+            <a:off x="7205470" y="4298155"/>
+            <a:ext cx="45719" cy="303523"/>
+          </a:xfrm>
+          <a:prstGeom prst="rect">
+            <a:avLst/>
+          </a:prstGeom>
+        </p:spPr>
+        <p:style>
+          <a:lnRef idx="2">
+            <a:schemeClr val="accent1">
+              <a:shade val="50000"/>
+            </a:schemeClr>
+          </a:lnRef>
+          <a:fillRef idx="1">
+            <a:schemeClr val="accent1"/>
+          </a:fillRef>
+          <a:effectRef idx="0">
+            <a:schemeClr val="accent1"/>
+          </a:effectRef>
+          <a:fontRef idx="minor">
+            <a:schemeClr val="lt1"/>
+          </a:fontRef>
+        </p:style>
+        <p:txBody>
+          <a:bodyPr rtlCol="0" anchor="ctr"/>
+          <a:lstStyle/>
+          <a:p>
+            <a:pPr algn="ctr"/>
+            <a:endParaRPr lang="en-US"/>
+          </a:p>
+        </p:txBody>
+      </p:sp>
+      <p:sp>
+        <p:nvSpPr>
+          <p:cNvPr id="82" name="Rectangle 81"/>
+          <p:cNvSpPr/>
+          <p:nvPr/>
+        </p:nvSpPr>
+        <p:spPr>
+          <a:xfrm>
+            <a:off x="7240002" y="4361522"/>
+            <a:ext cx="54086" cy="51892"/>
+          </a:xfrm>
+          <a:prstGeom prst="rect">
+            <a:avLst/>
+          </a:prstGeom>
+        </p:spPr>
+        <p:style>
+          <a:lnRef idx="2">
+            <a:schemeClr val="dk1"/>
+          </a:lnRef>
+          <a:fillRef idx="1">
+            <a:schemeClr val="lt1"/>
+          </a:fillRef>
+          <a:effectRef idx="0">
+            <a:schemeClr val="dk1"/>
+          </a:effectRef>
+          <a:fontRef idx="minor">
+            <a:schemeClr val="dk1"/>
+          </a:fontRef>
+        </p:style>
+        <p:txBody>
+          <a:bodyPr rtlCol="0" anchor="ctr"/>
+          <a:lstStyle/>
+          <a:p>
+            <a:pPr algn="ctr"/>
+            <a:endParaRPr lang="en-US"/>
+          </a:p>
+        </p:txBody>
+      </p:sp>
+      <p:sp>
+        <p:nvSpPr>
+          <p:cNvPr id="83" name="Rectangle 82"/>
+          <p:cNvSpPr/>
+          <p:nvPr/>
+        </p:nvSpPr>
+        <p:spPr>
+          <a:xfrm>
+            <a:off x="7239482" y="4455654"/>
+            <a:ext cx="54086" cy="51892"/>
+          </a:xfrm>
+          <a:prstGeom prst="rect">
+            <a:avLst/>
+          </a:prstGeom>
+        </p:spPr>
+        <p:style>
+          <a:lnRef idx="2">
+            <a:schemeClr val="dk1"/>
+          </a:lnRef>
+          <a:fillRef idx="1">
+            <a:schemeClr val="lt1"/>
+          </a:fillRef>
+          <a:effectRef idx="0">
+            <a:schemeClr val="dk1"/>
+          </a:effectRef>
+          <a:fontRef idx="minor">
+            <a:schemeClr val="dk1"/>
+          </a:fontRef>
+        </p:style>
+        <p:txBody>
+          <a:bodyPr rtlCol="0" anchor="ctr"/>
+          <a:lstStyle/>
+          <a:p>
+            <a:pPr algn="ctr"/>
+            <a:endParaRPr lang="en-US"/>
+          </a:p>
+        </p:txBody>
+      </p:sp>
+      <p:sp>
+        <p:nvSpPr>
+          <p:cNvPr id="40" name="TextBox 39"/>
+          <p:cNvSpPr txBox="1"/>
+          <p:nvPr/>
+        </p:nvSpPr>
+        <p:spPr>
+          <a:xfrm>
+            <a:off x="7823781" y="3437008"/>
+            <a:ext cx="2834640" cy="2954655"/>
+          </a:xfrm>
+          <a:prstGeom prst="rect">
+            <a:avLst/>
+          </a:prstGeom>
+          <a:noFill/>
+        </p:spPr>
+        <p:txBody>
+          <a:bodyPr wrap="square" rtlCol="0">
+            <a:spAutoFit/>
+          </a:bodyPr>
+          <a:lstStyle/>
+          <a:p>
+            <a:r>
+              <a:rPr lang="en-US" dirty="0" smtClean="0"/>
+              <a:t>*NAM Models</a:t>
+            </a:r>
+          </a:p>
+          <a:p>
+            <a:r>
+              <a:rPr lang="en-US" sz="1200" dirty="0" smtClean="0"/>
+              <a:t>Low </a:t>
+            </a:r>
+            <a:r>
+              <a:rPr lang="en-US" sz="1200" dirty="0"/>
+              <a:t>Gain:</a:t>
+            </a:r>
+          </a:p>
+          <a:p>
+            <a:r>
+              <a:rPr lang="en-US" sz="1200" dirty="0"/>
+              <a:t>- Matchless SC30</a:t>
+            </a:r>
+          </a:p>
+          <a:p>
+            <a:r>
+              <a:rPr lang="en-US" sz="1200" dirty="0"/>
+              <a:t>- Twin Reverb</a:t>
+            </a:r>
+          </a:p>
+          <a:p>
+            <a:r>
+              <a:rPr lang="en-US" sz="1200" dirty="0"/>
+              <a:t>- </a:t>
+            </a:r>
+            <a:r>
+              <a:rPr lang="en-US" sz="1200" dirty="0" err="1"/>
+              <a:t>Dumble</a:t>
+            </a:r>
+            <a:r>
+              <a:rPr lang="en-US" sz="1200" dirty="0"/>
+              <a:t> Low Gain (from kit build)</a:t>
+            </a:r>
+          </a:p>
+          <a:p>
+            <a:endParaRPr lang="en-US" sz="1200" dirty="0"/>
+          </a:p>
+          <a:p>
+            <a:r>
+              <a:rPr lang="en-US" sz="1200" dirty="0"/>
+              <a:t>Medium Gain:</a:t>
+            </a:r>
+          </a:p>
+          <a:p>
+            <a:r>
+              <a:rPr lang="en-US" sz="1200" dirty="0"/>
+              <a:t>- </a:t>
+            </a:r>
+            <a:r>
+              <a:rPr lang="en-US" sz="1200" dirty="0" err="1"/>
+              <a:t>Dumble</a:t>
+            </a:r>
+            <a:r>
+              <a:rPr lang="en-US" sz="1200" dirty="0"/>
+              <a:t> Higher Gain (from kit build)</a:t>
+            </a:r>
+          </a:p>
+          <a:p>
+            <a:r>
+              <a:rPr lang="en-US" sz="1200" dirty="0"/>
+              <a:t>- Ethos Tube Pedal</a:t>
+            </a:r>
+          </a:p>
+          <a:p>
+            <a:r>
+              <a:rPr lang="en-US" sz="1200" dirty="0"/>
+              <a:t>- JCM800 Medium Gain</a:t>
+            </a:r>
+          </a:p>
+          <a:p>
+            <a:endParaRPr lang="en-US" sz="1200" dirty="0"/>
+          </a:p>
+          <a:p>
+            <a:r>
+              <a:rPr lang="en-US" sz="1200" dirty="0"/>
+              <a:t>High Gain:</a:t>
+            </a:r>
+          </a:p>
+          <a:p>
+            <a:r>
+              <a:rPr lang="en-US" sz="1200" dirty="0"/>
+              <a:t>- Mesa </a:t>
+            </a:r>
+            <a:r>
+              <a:rPr lang="en-US" sz="1200" dirty="0" err="1"/>
+              <a:t>iib</a:t>
+            </a:r>
+            <a:endParaRPr lang="en-US" sz="1200" dirty="0"/>
+          </a:p>
+          <a:p>
+            <a:r>
+              <a:rPr lang="en-US" sz="1200" dirty="0"/>
+              <a:t>- </a:t>
+            </a:r>
+            <a:r>
+              <a:rPr lang="en-US" sz="1200" dirty="0" err="1"/>
+              <a:t>Splawn</a:t>
+            </a:r>
+            <a:endParaRPr lang="en-US" sz="1200" dirty="0"/>
+          </a:p>
+          <a:p>
+            <a:r>
+              <a:rPr lang="en-US" sz="1200" dirty="0"/>
+              <a:t>- PRS Archon</a:t>
+            </a:r>
+          </a:p>
+        </p:txBody>
+      </p:sp>
+    </p:spTree>
+    <p:extLst>
+      <p:ext uri="{BB962C8B-B14F-4D97-AF65-F5344CB8AC3E}">
+        <p14:creationId xmlns:p14="http://schemas.microsoft.com/office/powerpoint/2010/main" val="3520350690"/>
+      </p:ext>
+    </p:extLst>
+  </p:cSld>
+  <p:clrMapOvr>
+    <a:masterClrMapping/>
+  </p:clrMapOvr>
+</p:sld>
+</file>
+
+<file path=ppt/slides/slide8.xml><?xml version="1.0" encoding="utf-8"?>
+<p:sld xmlns:a="http://schemas.openxmlformats.org/drawingml/2006/main" xmlns:r="http://schemas.openxmlformats.org/officeDocument/2006/relationships" xmlns:p="http://schemas.openxmlformats.org/presentationml/2006/main">
+  <p:cSld>
+    <p:spTree>
+      <p:nvGrpSpPr>
+        <p:cNvPr id="1" name=""/>
+        <p:cNvGrpSpPr/>
+        <p:nvPr/>
+      </p:nvGrpSpPr>
+      <p:grpSpPr>
+        <a:xfrm>
+          <a:off x="0" y="0"/>
+          <a:ext cx="0" cy="0"/>
+          <a:chOff x="0" y="0"/>
+          <a:chExt cx="0" cy="0"/>
+        </a:xfrm>
+      </p:grpSpPr>
+      <p:sp>
+        <p:nvSpPr>
+          <p:cNvPr id="4" name="Rounded Rectangle 3"/>
+          <p:cNvSpPr/>
+          <p:nvPr/>
+        </p:nvSpPr>
+        <p:spPr>
+          <a:xfrm>
+            <a:off x="4711803" y="1260616"/>
+            <a:ext cx="2502100" cy="4599225"/>
+          </a:xfrm>
+          <a:prstGeom prst="roundRect">
+            <a:avLst>
+              <a:gd name="adj" fmla="val 4232"/>
+            </a:avLst>
+          </a:prstGeom>
+          <a:solidFill>
+            <a:schemeClr val="accent1">
+              <a:lumMod val="20000"/>
+              <a:lumOff val="80000"/>
+            </a:schemeClr>
+          </a:solidFill>
+          <a:ln w="57150"/>
+        </p:spPr>
+        <p:style>
+          <a:lnRef idx="2">
+            <a:schemeClr val="accent1">
+              <a:shade val="50000"/>
+            </a:schemeClr>
+          </a:lnRef>
+          <a:fillRef idx="1">
+            <a:schemeClr val="accent1"/>
+          </a:fillRef>
+          <a:effectRef idx="0">
+            <a:schemeClr val="accent1"/>
+          </a:effectRef>
+          <a:fontRef idx="minor">
+            <a:schemeClr val="lt1"/>
+          </a:fontRef>
+        </p:style>
+        <p:txBody>
+          <a:bodyPr rtlCol="0" anchor="ctr"/>
+          <a:lstStyle/>
+          <a:p>
+            <a:pPr algn="ctr"/>
+            <a:endParaRPr lang="en-US"/>
+          </a:p>
+        </p:txBody>
+      </p:sp>
+      <p:sp>
+        <p:nvSpPr>
+          <p:cNvPr id="5" name="Isosceles Triangle 4"/>
+          <p:cNvSpPr/>
+          <p:nvPr/>
+        </p:nvSpPr>
+        <p:spPr>
+          <a:xfrm>
+            <a:off x="5296520" y="1316496"/>
+            <a:ext cx="160020" cy="144780"/>
+          </a:xfrm>
+          <a:prstGeom prst="triangle">
+            <a:avLst/>
+          </a:prstGeom>
+          <a:solidFill>
+            <a:schemeClr val="tx1"/>
+          </a:solidFill>
+          <a:ln>
+            <a:solidFill>
+              <a:schemeClr val="tx1"/>
+            </a:solidFill>
+          </a:ln>
+        </p:spPr>
+        <p:style>
+          <a:lnRef idx="2">
+            <a:schemeClr val="accent1">
+              <a:shade val="50000"/>
+            </a:schemeClr>
+          </a:lnRef>
+          <a:fillRef idx="1">
+            <a:schemeClr val="accent1"/>
+          </a:fillRef>
+          <a:effectRef idx="0">
+            <a:schemeClr val="accent1"/>
+          </a:effectRef>
+          <a:fontRef idx="minor">
+            <a:schemeClr val="lt1"/>
+          </a:fontRef>
+        </p:style>
+        <p:txBody>
+          <a:bodyPr rtlCol="0" anchor="ctr"/>
+          <a:lstStyle/>
+          <a:p>
+            <a:pPr algn="ctr"/>
+            <a:endParaRPr lang="en-US" dirty="0"/>
+          </a:p>
+        </p:txBody>
+      </p:sp>
+      <p:sp>
+        <p:nvSpPr>
+          <p:cNvPr id="6" name="Isosceles Triangle 5"/>
+          <p:cNvSpPr/>
+          <p:nvPr/>
+        </p:nvSpPr>
+        <p:spPr>
+          <a:xfrm rot="10800000">
+            <a:off x="6501433" y="1316496"/>
+            <a:ext cx="160020" cy="144780"/>
+          </a:xfrm>
+          <a:prstGeom prst="triangle">
+            <a:avLst/>
+          </a:prstGeom>
+          <a:solidFill>
+            <a:schemeClr val="tx1"/>
+          </a:solidFill>
+          <a:ln>
+            <a:solidFill>
+              <a:schemeClr val="tx1"/>
+            </a:solidFill>
+          </a:ln>
+        </p:spPr>
+        <p:style>
+          <a:lnRef idx="2">
+            <a:schemeClr val="accent1">
+              <a:shade val="50000"/>
+            </a:schemeClr>
+          </a:lnRef>
+          <a:fillRef idx="1">
+            <a:schemeClr val="accent1"/>
+          </a:fillRef>
+          <a:effectRef idx="0">
+            <a:schemeClr val="accent1"/>
+          </a:effectRef>
+          <a:fontRef idx="minor">
+            <a:schemeClr val="lt1"/>
+          </a:fontRef>
+        </p:style>
+        <p:txBody>
+          <a:bodyPr rtlCol="0" anchor="ctr"/>
+          <a:lstStyle/>
+          <a:p>
+            <a:pPr algn="ctr"/>
+            <a:endParaRPr lang="en-US" dirty="0"/>
+          </a:p>
+        </p:txBody>
+      </p:sp>
+      <p:sp>
+        <p:nvSpPr>
+          <p:cNvPr id="7" name="Oval 6"/>
+          <p:cNvSpPr/>
+          <p:nvPr/>
+        </p:nvSpPr>
+        <p:spPr>
+          <a:xfrm>
+            <a:off x="4900280" y="1786396"/>
+            <a:ext cx="556260" cy="533400"/>
+          </a:xfrm>
+          <a:prstGeom prst="ellipse">
+            <a:avLst/>
+          </a:prstGeom>
+          <a:solidFill>
+            <a:schemeClr val="accent4">
+              <a:lumMod val="40000"/>
+              <a:lumOff val="60000"/>
+            </a:schemeClr>
+          </a:solidFill>
+          <a:ln w="28575">
+            <a:solidFill>
+              <a:schemeClr val="tx1"/>
+            </a:solidFill>
+          </a:ln>
+        </p:spPr>
+        <p:style>
+          <a:lnRef idx="2">
+            <a:schemeClr val="accent1">
+              <a:shade val="50000"/>
+            </a:schemeClr>
+          </a:lnRef>
+          <a:fillRef idx="1">
+            <a:schemeClr val="accent1"/>
+          </a:fillRef>
+          <a:effectRef idx="0">
+            <a:schemeClr val="accent1"/>
+          </a:effectRef>
+          <a:fontRef idx="minor">
+            <a:schemeClr val="lt1"/>
+          </a:fontRef>
+        </p:style>
+        <p:txBody>
+          <a:bodyPr rtlCol="0" anchor="ctr"/>
+          <a:lstStyle/>
+          <a:p>
+            <a:pPr algn="ctr"/>
+            <a:endParaRPr lang="en-US"/>
+          </a:p>
+        </p:txBody>
+      </p:sp>
+      <p:sp>
+        <p:nvSpPr>
+          <p:cNvPr id="8" name="Oval 7"/>
+          <p:cNvSpPr/>
+          <p:nvPr/>
+        </p:nvSpPr>
+        <p:spPr>
+          <a:xfrm>
+            <a:off x="5684723" y="1786396"/>
+            <a:ext cx="556260" cy="533400"/>
+          </a:xfrm>
+          <a:prstGeom prst="ellipse">
+            <a:avLst/>
+          </a:prstGeom>
+          <a:solidFill>
+            <a:schemeClr val="accent4">
+              <a:lumMod val="40000"/>
+              <a:lumOff val="60000"/>
+            </a:schemeClr>
+          </a:solidFill>
+          <a:ln w="28575">
+            <a:solidFill>
+              <a:schemeClr val="tx1"/>
+            </a:solidFill>
+          </a:ln>
+        </p:spPr>
+        <p:style>
+          <a:lnRef idx="2">
+            <a:schemeClr val="accent1">
+              <a:shade val="50000"/>
+            </a:schemeClr>
+          </a:lnRef>
+          <a:fillRef idx="1">
+            <a:schemeClr val="accent1"/>
+          </a:fillRef>
+          <a:effectRef idx="0">
+            <a:schemeClr val="accent1"/>
+          </a:effectRef>
+          <a:fontRef idx="minor">
+            <a:schemeClr val="lt1"/>
+          </a:fontRef>
+        </p:style>
+        <p:txBody>
+          <a:bodyPr rtlCol="0" anchor="ctr"/>
+          <a:lstStyle/>
+          <a:p>
+            <a:pPr algn="ctr"/>
+            <a:endParaRPr lang="en-US"/>
+          </a:p>
+        </p:txBody>
+      </p:sp>
+      <p:sp>
+        <p:nvSpPr>
+          <p:cNvPr id="9" name="Oval 8"/>
+          <p:cNvSpPr/>
+          <p:nvPr/>
+        </p:nvSpPr>
+        <p:spPr>
+          <a:xfrm>
+            <a:off x="6482233" y="1786396"/>
+            <a:ext cx="556260" cy="533400"/>
+          </a:xfrm>
+          <a:prstGeom prst="ellipse">
+            <a:avLst/>
+          </a:prstGeom>
+          <a:solidFill>
+            <a:schemeClr val="accent4">
+              <a:lumMod val="40000"/>
+              <a:lumOff val="60000"/>
+            </a:schemeClr>
+          </a:solidFill>
+          <a:ln w="28575">
+            <a:solidFill>
+              <a:schemeClr val="tx1"/>
+            </a:solidFill>
+          </a:ln>
+        </p:spPr>
+        <p:style>
+          <a:lnRef idx="2">
+            <a:schemeClr val="accent1">
+              <a:shade val="50000"/>
+            </a:schemeClr>
+          </a:lnRef>
+          <a:fillRef idx="1">
+            <a:schemeClr val="accent1"/>
+          </a:fillRef>
+          <a:effectRef idx="0">
+            <a:schemeClr val="accent1"/>
+          </a:effectRef>
+          <a:fontRef idx="minor">
+            <a:schemeClr val="lt1"/>
+          </a:fontRef>
+        </p:style>
+        <p:txBody>
+          <a:bodyPr rtlCol="0" anchor="ctr"/>
+          <a:lstStyle/>
+          <a:p>
+            <a:pPr algn="ctr"/>
+            <a:endParaRPr lang="en-US"/>
+          </a:p>
+        </p:txBody>
+      </p:sp>
+      <p:sp>
+        <p:nvSpPr>
+          <p:cNvPr id="10" name="Oval 9"/>
+          <p:cNvSpPr/>
+          <p:nvPr/>
+        </p:nvSpPr>
+        <p:spPr>
+          <a:xfrm>
+            <a:off x="4900280" y="2784616"/>
+            <a:ext cx="556260" cy="533400"/>
+          </a:xfrm>
+          <a:prstGeom prst="ellipse">
+            <a:avLst/>
+          </a:prstGeom>
+          <a:solidFill>
+            <a:schemeClr val="bg2">
+              <a:lumMod val="50000"/>
+            </a:schemeClr>
+          </a:solidFill>
+          <a:ln w="28575">
+            <a:solidFill>
+              <a:schemeClr val="tx1"/>
+            </a:solidFill>
+          </a:ln>
+        </p:spPr>
+        <p:style>
+          <a:lnRef idx="2">
+            <a:schemeClr val="accent1">
+              <a:shade val="50000"/>
+            </a:schemeClr>
+          </a:lnRef>
+          <a:fillRef idx="1">
+            <a:schemeClr val="accent1"/>
+          </a:fillRef>
+          <a:effectRef idx="0">
+            <a:schemeClr val="accent1"/>
+          </a:effectRef>
+          <a:fontRef idx="minor">
+            <a:schemeClr val="lt1"/>
+          </a:fontRef>
+        </p:style>
+        <p:txBody>
+          <a:bodyPr rtlCol="0" anchor="ctr"/>
+          <a:lstStyle/>
+          <a:p>
+            <a:pPr algn="ctr"/>
+            <a:endParaRPr lang="en-US"/>
+          </a:p>
+        </p:txBody>
+      </p:sp>
+      <p:sp>
+        <p:nvSpPr>
+          <p:cNvPr id="11" name="Oval 10"/>
+          <p:cNvSpPr/>
+          <p:nvPr/>
+        </p:nvSpPr>
+        <p:spPr>
+          <a:xfrm>
+            <a:off x="5684723" y="2784616"/>
+            <a:ext cx="556260" cy="533400"/>
+          </a:xfrm>
+          <a:prstGeom prst="ellipse">
+            <a:avLst/>
+          </a:prstGeom>
+          <a:solidFill>
+            <a:schemeClr val="bg2">
+              <a:lumMod val="50000"/>
+            </a:schemeClr>
+          </a:solidFill>
+          <a:ln w="28575">
+            <a:solidFill>
+              <a:schemeClr val="tx1"/>
+            </a:solidFill>
+          </a:ln>
+        </p:spPr>
+        <p:style>
+          <a:lnRef idx="2">
+            <a:schemeClr val="accent1">
+              <a:shade val="50000"/>
+            </a:schemeClr>
+          </a:lnRef>
+          <a:fillRef idx="1">
+            <a:schemeClr val="accent1"/>
+          </a:fillRef>
+          <a:effectRef idx="0">
+            <a:schemeClr val="accent1"/>
+          </a:effectRef>
+          <a:fontRef idx="minor">
+            <a:schemeClr val="lt1"/>
+          </a:fontRef>
+        </p:style>
+        <p:txBody>
+          <a:bodyPr rtlCol="0" anchor="ctr"/>
+          <a:lstStyle/>
+          <a:p>
+            <a:pPr algn="ctr"/>
+            <a:endParaRPr lang="en-US"/>
+          </a:p>
+        </p:txBody>
+      </p:sp>
+      <p:sp>
+        <p:nvSpPr>
+          <p:cNvPr id="12" name="Oval 11"/>
+          <p:cNvSpPr/>
+          <p:nvPr/>
+        </p:nvSpPr>
+        <p:spPr>
+          <a:xfrm>
+            <a:off x="6482233" y="2784616"/>
+            <a:ext cx="556260" cy="533400"/>
+          </a:xfrm>
+          <a:prstGeom prst="ellipse">
+            <a:avLst/>
+          </a:prstGeom>
+          <a:solidFill>
+            <a:schemeClr val="bg2">
+              <a:lumMod val="50000"/>
+            </a:schemeClr>
+          </a:solidFill>
+          <a:ln w="28575">
+            <a:solidFill>
+              <a:schemeClr val="tx1"/>
+            </a:solidFill>
+          </a:ln>
+        </p:spPr>
+        <p:style>
+          <a:lnRef idx="2">
+            <a:schemeClr val="accent1">
+              <a:shade val="50000"/>
+            </a:schemeClr>
+          </a:lnRef>
+          <a:fillRef idx="1">
+            <a:schemeClr val="accent1"/>
+          </a:fillRef>
+          <a:effectRef idx="0">
+            <a:schemeClr val="accent1"/>
+          </a:effectRef>
+          <a:fontRef idx="minor">
+            <a:schemeClr val="lt1"/>
+          </a:fontRef>
+        </p:style>
+        <p:txBody>
+          <a:bodyPr rtlCol="0" anchor="ctr"/>
+          <a:lstStyle/>
+          <a:p>
+            <a:pPr algn="ctr"/>
+            <a:endParaRPr lang="en-US"/>
+          </a:p>
+        </p:txBody>
+      </p:sp>
+      <p:sp>
+        <p:nvSpPr>
+          <p:cNvPr id="13" name="Oval 12"/>
+          <p:cNvSpPr/>
+          <p:nvPr/>
+        </p:nvSpPr>
+        <p:spPr>
+          <a:xfrm rot="16200000">
+            <a:off x="5061408" y="3834748"/>
+            <a:ext cx="245746" cy="243840"/>
+          </a:xfrm>
+          <a:prstGeom prst="ellipse">
+            <a:avLst/>
+          </a:prstGeom>
+          <a:ln w="19050">
+            <a:solidFill>
+              <a:schemeClr val="tx1"/>
+            </a:solidFill>
+          </a:ln>
+        </p:spPr>
+        <p:style>
+          <a:lnRef idx="2">
+            <a:schemeClr val="accent1">
+              <a:shade val="50000"/>
+            </a:schemeClr>
+          </a:lnRef>
+          <a:fillRef idx="1">
+            <a:schemeClr val="accent1"/>
+          </a:fillRef>
+          <a:effectRef idx="0">
+            <a:schemeClr val="accent1"/>
+          </a:effectRef>
+          <a:fontRef idx="minor">
+            <a:schemeClr val="lt1"/>
+          </a:fontRef>
+        </p:style>
+        <p:txBody>
+          <a:bodyPr rtlCol="0" anchor="ctr"/>
+          <a:lstStyle/>
+          <a:p>
+            <a:pPr algn="ctr"/>
+            <a:endParaRPr lang="en-US"/>
+          </a:p>
+        </p:txBody>
+      </p:sp>
+      <p:sp>
+        <p:nvSpPr>
+          <p:cNvPr id="14" name="Flowchart: Terminator 13"/>
+          <p:cNvSpPr/>
+          <p:nvPr/>
+        </p:nvSpPr>
+        <p:spPr>
+          <a:xfrm rot="16200000">
+            <a:off x="5041534" y="3846799"/>
+            <a:ext cx="95488" cy="208168"/>
+          </a:xfrm>
+          <a:prstGeom prst="flowChartTerminator">
+            <a:avLst/>
+          </a:prstGeom>
+          <a:ln w="19050">
+            <a:solidFill>
+              <a:schemeClr val="tx1"/>
+            </a:solidFill>
+          </a:ln>
+        </p:spPr>
+        <p:style>
+          <a:lnRef idx="2">
+            <a:schemeClr val="accent1">
+              <a:shade val="50000"/>
+            </a:schemeClr>
+          </a:lnRef>
+          <a:fillRef idx="1">
+            <a:schemeClr val="accent1"/>
+          </a:fillRef>
+          <a:effectRef idx="0">
+            <a:schemeClr val="accent1"/>
+          </a:effectRef>
+          <a:fontRef idx="minor">
+            <a:schemeClr val="lt1"/>
+          </a:fontRef>
+        </p:style>
+        <p:txBody>
+          <a:bodyPr rtlCol="0" anchor="ctr"/>
+          <a:lstStyle/>
+          <a:p>
+            <a:pPr algn="ctr"/>
+            <a:endParaRPr lang="en-US"/>
+          </a:p>
+        </p:txBody>
+      </p:sp>
+      <p:sp>
+        <p:nvSpPr>
+          <p:cNvPr id="15" name="Oval 14"/>
+          <p:cNvSpPr/>
+          <p:nvPr/>
+        </p:nvSpPr>
+        <p:spPr>
+          <a:xfrm>
+            <a:off x="5098399" y="4541019"/>
+            <a:ext cx="160020" cy="150019"/>
+          </a:xfrm>
+          <a:prstGeom prst="ellipse">
+            <a:avLst/>
+          </a:prstGeom>
+        </p:spPr>
+        <p:style>
+          <a:lnRef idx="2">
+            <a:schemeClr val="accent1">
+              <a:shade val="50000"/>
+            </a:schemeClr>
+          </a:lnRef>
+          <a:fillRef idx="1">
+            <a:schemeClr val="accent1"/>
+          </a:fillRef>
+          <a:effectRef idx="0">
+            <a:schemeClr val="accent1"/>
+          </a:effectRef>
+          <a:fontRef idx="minor">
+            <a:schemeClr val="lt1"/>
+          </a:fontRef>
+        </p:style>
+        <p:txBody>
+          <a:bodyPr rtlCol="0" anchor="ctr"/>
+          <a:lstStyle/>
+          <a:p>
+            <a:pPr algn="ctr"/>
+            <a:endParaRPr lang="en-US"/>
+          </a:p>
+        </p:txBody>
+      </p:sp>
+      <p:sp>
+        <p:nvSpPr>
+          <p:cNvPr id="16" name="Oval 15"/>
+          <p:cNvSpPr/>
+          <p:nvPr/>
+        </p:nvSpPr>
+        <p:spPr>
+          <a:xfrm>
+            <a:off x="6649750" y="4541019"/>
+            <a:ext cx="160020" cy="150019"/>
+          </a:xfrm>
+          <a:prstGeom prst="ellipse">
+            <a:avLst/>
+          </a:prstGeom>
+        </p:spPr>
+        <p:style>
+          <a:lnRef idx="2">
+            <a:schemeClr val="accent1">
+              <a:shade val="50000"/>
+            </a:schemeClr>
+          </a:lnRef>
+          <a:fillRef idx="1">
+            <a:schemeClr val="accent1"/>
+          </a:fillRef>
+          <a:effectRef idx="0">
+            <a:schemeClr val="accent1"/>
+          </a:effectRef>
+          <a:fontRef idx="minor">
+            <a:schemeClr val="lt1"/>
+          </a:fontRef>
+        </p:style>
+        <p:txBody>
+          <a:bodyPr rtlCol="0" anchor="ctr"/>
+          <a:lstStyle/>
+          <a:p>
+            <a:pPr algn="ctr"/>
+            <a:endParaRPr lang="en-US"/>
+          </a:p>
+        </p:txBody>
+      </p:sp>
+      <p:sp>
+        <p:nvSpPr>
+          <p:cNvPr id="17" name="Oval 16"/>
+          <p:cNvSpPr/>
+          <p:nvPr/>
+        </p:nvSpPr>
+        <p:spPr>
+          <a:xfrm>
+            <a:off x="4888047" y="5048594"/>
+            <a:ext cx="580727" cy="560414"/>
+          </a:xfrm>
+          <a:prstGeom prst="ellipse">
+            <a:avLst/>
+          </a:prstGeom>
+          <a:ln w="28575">
+            <a:solidFill>
+              <a:schemeClr val="bg2"/>
+            </a:solidFill>
+          </a:ln>
+        </p:spPr>
+        <p:style>
+          <a:lnRef idx="2">
+            <a:schemeClr val="accent1">
+              <a:shade val="50000"/>
+            </a:schemeClr>
+          </a:lnRef>
+          <a:fillRef idx="1">
+            <a:schemeClr val="accent1"/>
+          </a:fillRef>
+          <a:effectRef idx="0">
+            <a:schemeClr val="accent1"/>
+          </a:effectRef>
+          <a:fontRef idx="minor">
+            <a:schemeClr val="lt1"/>
+          </a:fontRef>
+        </p:style>
+        <p:txBody>
+          <a:bodyPr rtlCol="0" anchor="ctr"/>
+          <a:lstStyle/>
+          <a:p>
+            <a:pPr algn="ctr"/>
+            <a:endParaRPr lang="en-US"/>
+          </a:p>
+        </p:txBody>
+      </p:sp>
+      <p:sp>
+        <p:nvSpPr>
+          <p:cNvPr id="18" name="Oval 17"/>
+          <p:cNvSpPr/>
+          <p:nvPr/>
+        </p:nvSpPr>
+        <p:spPr>
+          <a:xfrm>
+            <a:off x="4981375" y="5134977"/>
+            <a:ext cx="394069" cy="380371"/>
+          </a:xfrm>
+          <a:prstGeom prst="ellipse">
+            <a:avLst/>
+          </a:prstGeom>
+          <a:ln w="28575">
+            <a:solidFill>
+              <a:schemeClr val="bg2"/>
+            </a:solidFill>
+          </a:ln>
+        </p:spPr>
+        <p:style>
+          <a:lnRef idx="2">
+            <a:schemeClr val="accent1">
+              <a:shade val="50000"/>
+            </a:schemeClr>
+          </a:lnRef>
+          <a:fillRef idx="1">
+            <a:schemeClr val="accent1"/>
+          </a:fillRef>
+          <a:effectRef idx="0">
+            <a:schemeClr val="accent1"/>
+          </a:effectRef>
+          <a:fontRef idx="minor">
+            <a:schemeClr val="lt1"/>
+          </a:fontRef>
+        </p:style>
+        <p:txBody>
+          <a:bodyPr rtlCol="0" anchor="ctr"/>
+          <a:lstStyle/>
+          <a:p>
+            <a:pPr algn="ctr"/>
+            <a:endParaRPr lang="en-US"/>
+          </a:p>
+        </p:txBody>
+      </p:sp>
+      <p:sp>
+        <p:nvSpPr>
+          <p:cNvPr id="19" name="Oval 18"/>
+          <p:cNvSpPr/>
+          <p:nvPr/>
+        </p:nvSpPr>
+        <p:spPr>
+          <a:xfrm>
+            <a:off x="6446718" y="5039820"/>
+            <a:ext cx="580727" cy="560414"/>
+          </a:xfrm>
+          <a:prstGeom prst="ellipse">
+            <a:avLst/>
+          </a:prstGeom>
+          <a:ln w="28575">
+            <a:solidFill>
+              <a:schemeClr val="bg2"/>
+            </a:solidFill>
+          </a:ln>
+        </p:spPr>
+        <p:style>
+          <a:lnRef idx="2">
+            <a:schemeClr val="accent1">
+              <a:shade val="50000"/>
+            </a:schemeClr>
+          </a:lnRef>
+          <a:fillRef idx="1">
+            <a:schemeClr val="accent1"/>
+          </a:fillRef>
+          <a:effectRef idx="0">
+            <a:schemeClr val="accent1"/>
+          </a:effectRef>
+          <a:fontRef idx="minor">
+            <a:schemeClr val="lt1"/>
+          </a:fontRef>
+        </p:style>
+        <p:txBody>
+          <a:bodyPr rtlCol="0" anchor="ctr"/>
+          <a:lstStyle/>
+          <a:p>
+            <a:pPr algn="ctr"/>
+            <a:endParaRPr lang="en-US"/>
+          </a:p>
+        </p:txBody>
+      </p:sp>
+      <p:sp>
+        <p:nvSpPr>
+          <p:cNvPr id="20" name="Oval 19"/>
+          <p:cNvSpPr/>
+          <p:nvPr/>
+        </p:nvSpPr>
+        <p:spPr>
+          <a:xfrm>
+            <a:off x="6540046" y="5126203"/>
+            <a:ext cx="394069" cy="380371"/>
+          </a:xfrm>
+          <a:prstGeom prst="ellipse">
+            <a:avLst/>
+          </a:prstGeom>
+          <a:ln w="28575">
+            <a:solidFill>
+              <a:schemeClr val="bg2"/>
+            </a:solidFill>
+          </a:ln>
+        </p:spPr>
+        <p:style>
+          <a:lnRef idx="2">
+            <a:schemeClr val="accent1">
+              <a:shade val="50000"/>
+            </a:schemeClr>
+          </a:lnRef>
+          <a:fillRef idx="1">
+            <a:schemeClr val="accent1"/>
+          </a:fillRef>
+          <a:effectRef idx="0">
+            <a:schemeClr val="accent1"/>
+          </a:effectRef>
+          <a:fontRef idx="minor">
+            <a:schemeClr val="lt1"/>
+          </a:fontRef>
+        </p:style>
+        <p:txBody>
+          <a:bodyPr rtlCol="0" anchor="ctr"/>
+          <a:lstStyle/>
+          <a:p>
+            <a:pPr algn="ctr"/>
+            <a:endParaRPr lang="en-US"/>
+          </a:p>
+        </p:txBody>
+      </p:sp>
+      <p:cxnSp>
+        <p:nvCxnSpPr>
+          <p:cNvPr id="21" name="Straight Connector 20"/>
+          <p:cNvCxnSpPr>
+            <a:stCxn id="7" idx="0"/>
+          </p:cNvCxnSpPr>
+          <p:nvPr/>
+        </p:nvCxnSpPr>
+        <p:spPr>
+          <a:xfrm>
+            <a:off x="5178410" y="1786396"/>
+            <a:ext cx="1" cy="266700"/>
+          </a:xfrm>
+          <a:prstGeom prst="line">
+            <a:avLst/>
+          </a:prstGeom>
+          <a:ln w="38100"/>
+        </p:spPr>
+        <p:style>
+          <a:lnRef idx="3">
+            <a:schemeClr val="dk1"/>
+          </a:lnRef>
+          <a:fillRef idx="0">
+            <a:schemeClr val="dk1"/>
+          </a:fillRef>
+          <a:effectRef idx="2">
+            <a:schemeClr val="dk1"/>
+          </a:effectRef>
+          <a:fontRef idx="minor">
+            <a:schemeClr val="tx1"/>
+          </a:fontRef>
+        </p:style>
+      </p:cxnSp>
+      <p:cxnSp>
+        <p:nvCxnSpPr>
+          <p:cNvPr id="22" name="Straight Connector 21"/>
+          <p:cNvCxnSpPr/>
+          <p:nvPr/>
+        </p:nvCxnSpPr>
+        <p:spPr>
+          <a:xfrm>
+            <a:off x="5962853" y="1786396"/>
+            <a:ext cx="1" cy="266700"/>
+          </a:xfrm>
+          <a:prstGeom prst="line">
+            <a:avLst/>
+          </a:prstGeom>
+          <a:ln w="38100"/>
+        </p:spPr>
+        <p:style>
+          <a:lnRef idx="3">
+            <a:schemeClr val="dk1"/>
+          </a:lnRef>
+          <a:fillRef idx="0">
+            <a:schemeClr val="dk1"/>
+          </a:fillRef>
+          <a:effectRef idx="2">
+            <a:schemeClr val="dk1"/>
+          </a:effectRef>
+          <a:fontRef idx="minor">
+            <a:schemeClr val="tx1"/>
+          </a:fontRef>
+        </p:style>
+      </p:cxnSp>
+      <p:cxnSp>
+        <p:nvCxnSpPr>
+          <p:cNvPr id="23" name="Straight Connector 22"/>
+          <p:cNvCxnSpPr/>
+          <p:nvPr/>
+        </p:nvCxnSpPr>
+        <p:spPr>
+          <a:xfrm>
+            <a:off x="6758877" y="1792689"/>
+            <a:ext cx="1" cy="266700"/>
+          </a:xfrm>
+          <a:prstGeom prst="line">
+            <a:avLst/>
+          </a:prstGeom>
+          <a:ln w="38100"/>
+        </p:spPr>
+        <p:style>
+          <a:lnRef idx="3">
+            <a:schemeClr val="dk1"/>
+          </a:lnRef>
+          <a:fillRef idx="0">
+            <a:schemeClr val="dk1"/>
+          </a:fillRef>
+          <a:effectRef idx="2">
+            <a:schemeClr val="dk1"/>
+          </a:effectRef>
+          <a:fontRef idx="minor">
+            <a:schemeClr val="tx1"/>
+          </a:fontRef>
+        </p:style>
+      </p:cxnSp>
+      <p:cxnSp>
+        <p:nvCxnSpPr>
+          <p:cNvPr id="24" name="Straight Connector 23"/>
+          <p:cNvCxnSpPr/>
+          <p:nvPr/>
+        </p:nvCxnSpPr>
+        <p:spPr>
+          <a:xfrm>
+            <a:off x="5172022" y="2784616"/>
+            <a:ext cx="1" cy="266700"/>
+          </a:xfrm>
+          <a:prstGeom prst="line">
+            <a:avLst/>
+          </a:prstGeom>
+          <a:ln w="38100"/>
+        </p:spPr>
+        <p:style>
+          <a:lnRef idx="3">
+            <a:schemeClr val="dk1"/>
+          </a:lnRef>
+          <a:fillRef idx="0">
+            <a:schemeClr val="dk1"/>
+          </a:fillRef>
+          <a:effectRef idx="2">
+            <a:schemeClr val="dk1"/>
+          </a:effectRef>
+          <a:fontRef idx="minor">
+            <a:schemeClr val="tx1"/>
+          </a:fontRef>
+        </p:style>
+      </p:cxnSp>
+      <p:cxnSp>
+        <p:nvCxnSpPr>
+          <p:cNvPr id="25" name="Straight Connector 24"/>
+          <p:cNvCxnSpPr/>
+          <p:nvPr/>
+        </p:nvCxnSpPr>
+        <p:spPr>
+          <a:xfrm>
+            <a:off x="5962853" y="2784616"/>
+            <a:ext cx="1" cy="266700"/>
+          </a:xfrm>
+          <a:prstGeom prst="line">
+            <a:avLst/>
+          </a:prstGeom>
+          <a:ln w="38100"/>
+        </p:spPr>
+        <p:style>
+          <a:lnRef idx="3">
+            <a:schemeClr val="dk1"/>
+          </a:lnRef>
+          <a:fillRef idx="0">
+            <a:schemeClr val="dk1"/>
+          </a:fillRef>
+          <a:effectRef idx="2">
+            <a:schemeClr val="dk1"/>
+          </a:effectRef>
+          <a:fontRef idx="minor">
+            <a:schemeClr val="tx1"/>
+          </a:fontRef>
+        </p:style>
+      </p:cxnSp>
+      <p:cxnSp>
+        <p:nvCxnSpPr>
+          <p:cNvPr id="26" name="Straight Connector 25"/>
+          <p:cNvCxnSpPr/>
+          <p:nvPr/>
+        </p:nvCxnSpPr>
+        <p:spPr>
+          <a:xfrm>
+            <a:off x="6757924" y="2784616"/>
+            <a:ext cx="1" cy="266700"/>
+          </a:xfrm>
+          <a:prstGeom prst="line">
+            <a:avLst/>
+          </a:prstGeom>
+          <a:ln w="38100"/>
+        </p:spPr>
+        <p:style>
+          <a:lnRef idx="3">
+            <a:schemeClr val="dk1"/>
+          </a:lnRef>
+          <a:fillRef idx="0">
+            <a:schemeClr val="dk1"/>
+          </a:fillRef>
+          <a:effectRef idx="2">
+            <a:schemeClr val="dk1"/>
+          </a:effectRef>
+          <a:fontRef idx="minor">
+            <a:schemeClr val="tx1"/>
+          </a:fontRef>
+        </p:style>
+      </p:cxnSp>
+      <p:sp>
+        <p:nvSpPr>
+          <p:cNvPr id="27" name="TextBox 26"/>
+          <p:cNvSpPr txBox="1"/>
+          <p:nvPr/>
+        </p:nvSpPr>
+        <p:spPr>
+          <a:xfrm>
+            <a:off x="4807956" y="2313676"/>
+            <a:ext cx="740908" cy="246221"/>
+          </a:xfrm>
+          <a:prstGeom prst="rect">
+            <a:avLst/>
+          </a:prstGeom>
+          <a:noFill/>
+        </p:spPr>
+        <p:txBody>
+          <a:bodyPr wrap="none" rtlCol="0">
+            <a:spAutoFit/>
+          </a:bodyPr>
+          <a:lstStyle/>
+          <a:p>
+            <a:pPr algn="ctr"/>
+            <a:r>
+              <a:rPr lang="en-US" sz="1000" b="1" dirty="0" err="1" smtClean="0">
+                <a:latin typeface="Century Gothic" panose="020B0502020202020204" pitchFamily="34" charset="0"/>
+                <a:cs typeface="Adobe Devanagari" panose="02040503050201020203" pitchFamily="18" charset="0"/>
+              </a:rPr>
+              <a:t>PreDelay</a:t>
+            </a:r>
+            <a:endParaRPr lang="en-US" sz="1000" b="1" dirty="0">
+              <a:latin typeface="Century Gothic" panose="020B0502020202020204" pitchFamily="34" charset="0"/>
+              <a:cs typeface="Adobe Devanagari" panose="02040503050201020203" pitchFamily="18" charset="0"/>
+            </a:endParaRPr>
+          </a:p>
+        </p:txBody>
+      </p:sp>
+      <p:sp>
+        <p:nvSpPr>
+          <p:cNvPr id="28" name="TextBox 27"/>
+          <p:cNvSpPr txBox="1"/>
+          <p:nvPr/>
+        </p:nvSpPr>
+        <p:spPr>
+          <a:xfrm>
+            <a:off x="5775659" y="2300190"/>
+            <a:ext cx="402675" cy="246221"/>
+          </a:xfrm>
+          <a:prstGeom prst="rect">
+            <a:avLst/>
+          </a:prstGeom>
+          <a:noFill/>
+        </p:spPr>
+        <p:txBody>
+          <a:bodyPr wrap="none" rtlCol="0">
+            <a:spAutoFit/>
+          </a:bodyPr>
+          <a:lstStyle/>
+          <a:p>
+            <a:pPr algn="ctr"/>
+            <a:r>
+              <a:rPr lang="en-US" sz="1000" b="1" dirty="0" smtClean="0">
+                <a:latin typeface="Century Gothic" panose="020B0502020202020204" pitchFamily="34" charset="0"/>
+                <a:cs typeface="Adobe Devanagari" panose="02040503050201020203" pitchFamily="18" charset="0"/>
+              </a:rPr>
+              <a:t>Mix</a:t>
+            </a:r>
+            <a:endParaRPr lang="en-US" sz="1000" b="1" dirty="0">
+              <a:latin typeface="Century Gothic" panose="020B0502020202020204" pitchFamily="34" charset="0"/>
+              <a:cs typeface="Adobe Devanagari" panose="02040503050201020203" pitchFamily="18" charset="0"/>
+            </a:endParaRPr>
+          </a:p>
+        </p:txBody>
+      </p:sp>
+      <p:sp>
+        <p:nvSpPr>
+          <p:cNvPr id="29" name="TextBox 28"/>
+          <p:cNvSpPr txBox="1"/>
+          <p:nvPr/>
+        </p:nvSpPr>
+        <p:spPr>
+          <a:xfrm>
+            <a:off x="6459781" y="2306958"/>
+            <a:ext cx="596638" cy="246221"/>
+          </a:xfrm>
+          <a:prstGeom prst="rect">
+            <a:avLst/>
+          </a:prstGeom>
+          <a:noFill/>
+        </p:spPr>
+        <p:txBody>
+          <a:bodyPr wrap="none" rtlCol="0">
+            <a:spAutoFit/>
+          </a:bodyPr>
+          <a:lstStyle/>
+          <a:p>
+            <a:pPr algn="ctr"/>
+            <a:r>
+              <a:rPr lang="en-US" sz="1000" b="1" dirty="0" smtClean="0">
+                <a:latin typeface="Century Gothic" panose="020B0502020202020204" pitchFamily="34" charset="0"/>
+                <a:cs typeface="Adobe Devanagari" panose="02040503050201020203" pitchFamily="18" charset="0"/>
+              </a:rPr>
+              <a:t>Decay</a:t>
+            </a:r>
+            <a:endParaRPr lang="en-US" sz="1000" b="1" dirty="0">
+              <a:latin typeface="Century Gothic" panose="020B0502020202020204" pitchFamily="34" charset="0"/>
+              <a:cs typeface="Adobe Devanagari" panose="02040503050201020203" pitchFamily="18" charset="0"/>
+            </a:endParaRPr>
+          </a:p>
+        </p:txBody>
+      </p:sp>
+      <p:sp>
+        <p:nvSpPr>
+          <p:cNvPr id="30" name="TextBox 29"/>
+          <p:cNvSpPr txBox="1"/>
+          <p:nvPr/>
+        </p:nvSpPr>
+        <p:spPr>
+          <a:xfrm>
+            <a:off x="5590686" y="3306313"/>
+            <a:ext cx="780984" cy="246221"/>
+          </a:xfrm>
+          <a:prstGeom prst="rect">
+            <a:avLst/>
+          </a:prstGeom>
+          <a:noFill/>
+        </p:spPr>
+        <p:txBody>
+          <a:bodyPr wrap="none" rtlCol="0">
+            <a:spAutoFit/>
+          </a:bodyPr>
+          <a:lstStyle/>
+          <a:p>
+            <a:pPr algn="ctr"/>
+            <a:r>
+              <a:rPr lang="en-US" sz="1000" b="1" dirty="0" smtClean="0">
+                <a:latin typeface="Century Gothic" panose="020B0502020202020204" pitchFamily="34" charset="0"/>
+                <a:cs typeface="Adobe Devanagari" panose="02040503050201020203" pitchFamily="18" charset="0"/>
+              </a:rPr>
+              <a:t>Mod Rate</a:t>
+            </a:r>
+            <a:endParaRPr lang="en-US" sz="1000" b="1" dirty="0">
+              <a:latin typeface="Century Gothic" panose="020B0502020202020204" pitchFamily="34" charset="0"/>
+              <a:cs typeface="Adobe Devanagari" panose="02040503050201020203" pitchFamily="18" charset="0"/>
+            </a:endParaRPr>
+          </a:p>
+        </p:txBody>
+      </p:sp>
+      <p:sp>
+        <p:nvSpPr>
+          <p:cNvPr id="31" name="TextBox 30"/>
+          <p:cNvSpPr txBox="1"/>
+          <p:nvPr/>
+        </p:nvSpPr>
+        <p:spPr>
+          <a:xfrm>
+            <a:off x="6530082" y="3306313"/>
+            <a:ext cx="468398" cy="246221"/>
+          </a:xfrm>
+          <a:prstGeom prst="rect">
+            <a:avLst/>
+          </a:prstGeom>
+          <a:noFill/>
+        </p:spPr>
+        <p:txBody>
+          <a:bodyPr wrap="none" rtlCol="0">
+            <a:spAutoFit/>
+          </a:bodyPr>
+          <a:lstStyle/>
+          <a:p>
+            <a:pPr algn="ctr"/>
+            <a:r>
+              <a:rPr lang="en-US" sz="1000" b="1" dirty="0" smtClean="0">
+                <a:latin typeface="Century Gothic" panose="020B0502020202020204" pitchFamily="34" charset="0"/>
+                <a:cs typeface="Adobe Devanagari" panose="02040503050201020203" pitchFamily="18" charset="0"/>
+              </a:rPr>
+              <a:t>Filter</a:t>
+            </a:r>
+            <a:endParaRPr lang="en-US" sz="1000" b="1" dirty="0">
+              <a:latin typeface="Century Gothic" panose="020B0502020202020204" pitchFamily="34" charset="0"/>
+              <a:cs typeface="Adobe Devanagari" panose="02040503050201020203" pitchFamily="18" charset="0"/>
+            </a:endParaRPr>
+          </a:p>
+        </p:txBody>
+      </p:sp>
+      <p:sp>
+        <p:nvSpPr>
+          <p:cNvPr id="32" name="TextBox 31"/>
+          <p:cNvSpPr txBox="1"/>
+          <p:nvPr/>
+        </p:nvSpPr>
+        <p:spPr>
+          <a:xfrm>
+            <a:off x="4945016" y="3306313"/>
+            <a:ext cx="466795" cy="246221"/>
+          </a:xfrm>
+          <a:prstGeom prst="rect">
+            <a:avLst/>
+          </a:prstGeom>
+          <a:noFill/>
+        </p:spPr>
+        <p:txBody>
+          <a:bodyPr wrap="none" rtlCol="0">
+            <a:spAutoFit/>
+          </a:bodyPr>
+          <a:lstStyle/>
+          <a:p>
+            <a:pPr algn="ctr"/>
+            <a:r>
+              <a:rPr lang="en-US" sz="1000" b="1" dirty="0" smtClean="0">
+                <a:latin typeface="Century Gothic" panose="020B0502020202020204" pitchFamily="34" charset="0"/>
+                <a:cs typeface="Adobe Devanagari" panose="02040503050201020203" pitchFamily="18" charset="0"/>
+              </a:rPr>
+              <a:t>Mod</a:t>
+            </a:r>
+            <a:endParaRPr lang="en-US" sz="1000" b="1" dirty="0">
+              <a:latin typeface="Century Gothic" panose="020B0502020202020204" pitchFamily="34" charset="0"/>
+              <a:cs typeface="Adobe Devanagari" panose="02040503050201020203" pitchFamily="18" charset="0"/>
+            </a:endParaRPr>
+          </a:p>
+        </p:txBody>
+      </p:sp>
+      <p:sp>
+        <p:nvSpPr>
+          <p:cNvPr id="33" name="TextBox 32"/>
+          <p:cNvSpPr txBox="1"/>
+          <p:nvPr/>
+        </p:nvSpPr>
+        <p:spPr>
+          <a:xfrm>
+            <a:off x="4870242" y="5587506"/>
+            <a:ext cx="639919" cy="246221"/>
+          </a:xfrm>
+          <a:prstGeom prst="rect">
+            <a:avLst/>
+          </a:prstGeom>
+          <a:noFill/>
+        </p:spPr>
+        <p:txBody>
+          <a:bodyPr wrap="none" rtlCol="0">
+            <a:spAutoFit/>
+          </a:bodyPr>
+          <a:lstStyle/>
+          <a:p>
+            <a:pPr algn="ctr"/>
+            <a:r>
+              <a:rPr lang="en-US" sz="1000" b="1" dirty="0">
+                <a:latin typeface="Century Gothic" panose="020B0502020202020204" pitchFamily="34" charset="0"/>
+                <a:cs typeface="Adobe Devanagari" panose="02040503050201020203" pitchFamily="18" charset="0"/>
+              </a:rPr>
+              <a:t>BYPASS</a:t>
+            </a:r>
+          </a:p>
+        </p:txBody>
+      </p:sp>
+      <p:sp>
+        <p:nvSpPr>
+          <p:cNvPr id="34" name="TextBox 33"/>
+          <p:cNvSpPr txBox="1"/>
+          <p:nvPr/>
+        </p:nvSpPr>
+        <p:spPr>
+          <a:xfrm rot="16200000">
+            <a:off x="4920030" y="4069731"/>
+            <a:ext cx="449161" cy="461665"/>
+          </a:xfrm>
+          <a:prstGeom prst="rect">
+            <a:avLst/>
+          </a:prstGeom>
+          <a:noFill/>
+        </p:spPr>
+        <p:txBody>
+          <a:bodyPr wrap="none" rtlCol="0">
+            <a:spAutoFit/>
+          </a:bodyPr>
+          <a:lstStyle/>
+          <a:p>
+            <a:pPr algn="ctr"/>
+            <a:r>
+              <a:rPr lang="en-US" sz="800" b="1" dirty="0" smtClean="0">
+                <a:latin typeface="Century Gothic" panose="020B0502020202020204" pitchFamily="34" charset="0"/>
+                <a:cs typeface="Adobe Devanagari" panose="02040503050201020203" pitchFamily="18" charset="0"/>
+              </a:rPr>
+              <a:t>Small</a:t>
+            </a:r>
+          </a:p>
+          <a:p>
+            <a:pPr algn="ctr"/>
+            <a:r>
+              <a:rPr lang="en-US" sz="800" b="1" dirty="0" smtClean="0">
+                <a:latin typeface="Century Gothic" panose="020B0502020202020204" pitchFamily="34" charset="0"/>
+                <a:cs typeface="Adobe Devanagari" panose="02040503050201020203" pitchFamily="18" charset="0"/>
+              </a:rPr>
+              <a:t>Med</a:t>
+            </a:r>
+          </a:p>
+          <a:p>
+            <a:pPr algn="ctr"/>
+            <a:r>
+              <a:rPr lang="en-US" sz="800" b="1" dirty="0" smtClean="0">
+                <a:latin typeface="Century Gothic" panose="020B0502020202020204" pitchFamily="34" charset="0"/>
+                <a:cs typeface="Adobe Devanagari" panose="02040503050201020203" pitchFamily="18" charset="0"/>
+              </a:rPr>
+              <a:t>Big</a:t>
+            </a:r>
+            <a:endParaRPr lang="en-US" sz="800" b="1" dirty="0">
+              <a:latin typeface="Century Gothic" panose="020B0502020202020204" pitchFamily="34" charset="0"/>
+              <a:cs typeface="Adobe Devanagari" panose="02040503050201020203" pitchFamily="18" charset="0"/>
+            </a:endParaRPr>
+          </a:p>
+        </p:txBody>
+      </p:sp>
+      <p:sp>
+        <p:nvSpPr>
+          <p:cNvPr id="35" name="TextBox 34"/>
+          <p:cNvSpPr txBox="1"/>
+          <p:nvPr/>
+        </p:nvSpPr>
+        <p:spPr>
+          <a:xfrm>
+            <a:off x="4952460" y="4616479"/>
+            <a:ext cx="2037473" cy="400110"/>
+          </a:xfrm>
+          <a:prstGeom prst="rect">
+            <a:avLst/>
+          </a:prstGeom>
+          <a:noFill/>
+        </p:spPr>
+        <p:txBody>
+          <a:bodyPr wrap="square" rtlCol="0">
+            <a:spAutoFit/>
+          </a:bodyPr>
+          <a:lstStyle/>
+          <a:p>
+            <a:pPr algn="ctr"/>
+            <a:r>
+              <a:rPr lang="en-US" sz="2000" b="1" dirty="0" smtClean="0">
+                <a:latin typeface="Broadway" panose="04040905080B02020502" pitchFamily="82" charset="0"/>
+                <a:cs typeface="Adobe Devanagari" panose="02040503050201020203" pitchFamily="18" charset="0"/>
+              </a:rPr>
+              <a:t>Earth</a:t>
+            </a:r>
+            <a:endParaRPr lang="en-US" sz="2000" b="1" dirty="0">
+              <a:latin typeface="Broadway" panose="04040905080B02020502" pitchFamily="82" charset="0"/>
+              <a:cs typeface="Adobe Devanagari" panose="02040503050201020203" pitchFamily="18" charset="0"/>
+            </a:endParaRPr>
+          </a:p>
+        </p:txBody>
+      </p:sp>
+      <p:sp>
+        <p:nvSpPr>
+          <p:cNvPr id="36" name="TextBox 35"/>
+          <p:cNvSpPr txBox="1"/>
+          <p:nvPr/>
+        </p:nvSpPr>
+        <p:spPr>
+          <a:xfrm>
+            <a:off x="5446302" y="4916279"/>
+            <a:ext cx="1034257" cy="400110"/>
+          </a:xfrm>
+          <a:prstGeom prst="rect">
+            <a:avLst/>
+          </a:prstGeom>
+          <a:noFill/>
+        </p:spPr>
+        <p:txBody>
+          <a:bodyPr wrap="none" rtlCol="0">
+            <a:spAutoFit/>
+          </a:bodyPr>
+          <a:lstStyle/>
+          <a:p>
+            <a:pPr algn="ctr"/>
+            <a:r>
+              <a:rPr lang="en-US" sz="1000" dirty="0" smtClean="0">
+                <a:latin typeface="Century Gothic" panose="020B0502020202020204" pitchFamily="34" charset="0"/>
+                <a:cs typeface="Adobe Devanagari" panose="02040503050201020203" pitchFamily="18" charset="0"/>
+              </a:rPr>
+              <a:t>Plate Reverb/</a:t>
+            </a:r>
+          </a:p>
+          <a:p>
+            <a:pPr algn="ctr"/>
+            <a:r>
+              <a:rPr lang="en-US" sz="1000" dirty="0" smtClean="0">
+                <a:latin typeface="Century Gothic" panose="020B0502020202020204" pitchFamily="34" charset="0"/>
+                <a:cs typeface="Adobe Devanagari" panose="02040503050201020203" pitchFamily="18" charset="0"/>
+              </a:rPr>
+              <a:t>Octave</a:t>
+            </a:r>
+            <a:endParaRPr lang="en-US" sz="1000" dirty="0">
+              <a:latin typeface="Century Gothic" panose="020B0502020202020204" pitchFamily="34" charset="0"/>
+              <a:cs typeface="Adobe Devanagari" panose="02040503050201020203" pitchFamily="18" charset="0"/>
+            </a:endParaRPr>
+          </a:p>
+        </p:txBody>
+      </p:sp>
+      <p:sp>
+        <p:nvSpPr>
+          <p:cNvPr id="37" name="Oval 36"/>
+          <p:cNvSpPr/>
+          <p:nvPr/>
+        </p:nvSpPr>
+        <p:spPr>
+          <a:xfrm rot="16200000">
+            <a:off x="5854676" y="3834748"/>
+            <a:ext cx="245746" cy="243840"/>
+          </a:xfrm>
+          <a:prstGeom prst="ellipse">
+            <a:avLst/>
+          </a:prstGeom>
+          <a:ln w="19050">
+            <a:solidFill>
+              <a:schemeClr val="tx1"/>
+            </a:solidFill>
+          </a:ln>
+        </p:spPr>
+        <p:style>
+          <a:lnRef idx="2">
+            <a:schemeClr val="accent1">
+              <a:shade val="50000"/>
+            </a:schemeClr>
+          </a:lnRef>
+          <a:fillRef idx="1">
+            <a:schemeClr val="accent1"/>
+          </a:fillRef>
+          <a:effectRef idx="0">
+            <a:schemeClr val="accent1"/>
+          </a:effectRef>
+          <a:fontRef idx="minor">
+            <a:schemeClr val="lt1"/>
+          </a:fontRef>
+        </p:style>
+        <p:txBody>
+          <a:bodyPr rtlCol="0" anchor="ctr"/>
+          <a:lstStyle/>
+          <a:p>
+            <a:pPr algn="ctr"/>
+            <a:endParaRPr lang="en-US"/>
+          </a:p>
+        </p:txBody>
+      </p:sp>
+      <p:sp>
+        <p:nvSpPr>
+          <p:cNvPr id="38" name="Flowchart: Terminator 37"/>
+          <p:cNvSpPr/>
+          <p:nvPr/>
+        </p:nvSpPr>
+        <p:spPr>
+          <a:xfrm rot="16200000">
+            <a:off x="5834802" y="3846799"/>
+            <a:ext cx="95488" cy="208168"/>
+          </a:xfrm>
+          <a:prstGeom prst="flowChartTerminator">
+            <a:avLst/>
+          </a:prstGeom>
+          <a:ln w="19050">
+            <a:solidFill>
+              <a:schemeClr val="tx1"/>
+            </a:solidFill>
+          </a:ln>
+        </p:spPr>
+        <p:style>
+          <a:lnRef idx="2">
+            <a:schemeClr val="accent1">
+              <a:shade val="50000"/>
+            </a:schemeClr>
+          </a:lnRef>
+          <a:fillRef idx="1">
+            <a:schemeClr val="accent1"/>
+          </a:fillRef>
+          <a:effectRef idx="0">
+            <a:schemeClr val="accent1"/>
+          </a:effectRef>
+          <a:fontRef idx="minor">
+            <a:schemeClr val="lt1"/>
+          </a:fontRef>
+        </p:style>
+        <p:txBody>
+          <a:bodyPr rtlCol="0" anchor="ctr"/>
+          <a:lstStyle/>
+          <a:p>
+            <a:pPr algn="ctr"/>
+            <a:endParaRPr lang="en-US"/>
+          </a:p>
+        </p:txBody>
+      </p:sp>
+      <p:sp>
+        <p:nvSpPr>
+          <p:cNvPr id="39" name="Oval 38"/>
+          <p:cNvSpPr/>
+          <p:nvPr/>
+        </p:nvSpPr>
+        <p:spPr>
+          <a:xfrm rot="16200000">
+            <a:off x="6675452" y="3834748"/>
+            <a:ext cx="245746" cy="243840"/>
+          </a:xfrm>
+          <a:prstGeom prst="ellipse">
+            <a:avLst/>
+          </a:prstGeom>
+          <a:ln w="19050">
+            <a:solidFill>
+              <a:schemeClr val="tx1"/>
+            </a:solidFill>
+          </a:ln>
+        </p:spPr>
+        <p:style>
+          <a:lnRef idx="2">
+            <a:schemeClr val="accent1">
+              <a:shade val="50000"/>
+            </a:schemeClr>
+          </a:lnRef>
+          <a:fillRef idx="1">
+            <a:schemeClr val="accent1"/>
+          </a:fillRef>
+          <a:effectRef idx="0">
+            <a:schemeClr val="accent1"/>
+          </a:effectRef>
+          <a:fontRef idx="minor">
+            <a:schemeClr val="lt1"/>
+          </a:fontRef>
+        </p:style>
+        <p:txBody>
+          <a:bodyPr rtlCol="0" anchor="ctr"/>
+          <a:lstStyle/>
+          <a:p>
+            <a:pPr algn="ctr"/>
+            <a:endParaRPr lang="en-US"/>
+          </a:p>
+        </p:txBody>
+      </p:sp>
+      <p:sp>
+        <p:nvSpPr>
+          <p:cNvPr id="40" name="Flowchart: Terminator 39"/>
+          <p:cNvSpPr/>
+          <p:nvPr/>
+        </p:nvSpPr>
+        <p:spPr>
+          <a:xfrm rot="16200000">
+            <a:off x="6655578" y="3846799"/>
+            <a:ext cx="95488" cy="208168"/>
+          </a:xfrm>
+          <a:prstGeom prst="flowChartTerminator">
+            <a:avLst/>
+          </a:prstGeom>
+          <a:ln w="19050">
+            <a:solidFill>
+              <a:schemeClr val="tx1"/>
+            </a:solidFill>
+          </a:ln>
+        </p:spPr>
+        <p:style>
+          <a:lnRef idx="2">
+            <a:schemeClr val="accent1">
+              <a:shade val="50000"/>
+            </a:schemeClr>
+          </a:lnRef>
+          <a:fillRef idx="1">
+            <a:schemeClr val="accent1"/>
+          </a:fillRef>
+          <a:effectRef idx="0">
+            <a:schemeClr val="accent1"/>
+          </a:effectRef>
+          <a:fontRef idx="minor">
+            <a:schemeClr val="lt1"/>
+          </a:fontRef>
+        </p:style>
+        <p:txBody>
+          <a:bodyPr rtlCol="0" anchor="ctr"/>
+          <a:lstStyle/>
+          <a:p>
+            <a:pPr algn="ctr"/>
+            <a:endParaRPr lang="en-US"/>
+          </a:p>
+        </p:txBody>
+      </p:sp>
+      <p:sp>
+        <p:nvSpPr>
+          <p:cNvPr id="43" name="TextBox 42"/>
+          <p:cNvSpPr txBox="1"/>
+          <p:nvPr/>
+        </p:nvSpPr>
+        <p:spPr>
+          <a:xfrm>
+            <a:off x="4991269" y="3590760"/>
+            <a:ext cx="397866" cy="230832"/>
+          </a:xfrm>
+          <a:prstGeom prst="rect">
+            <a:avLst/>
+          </a:prstGeom>
+          <a:noFill/>
+        </p:spPr>
+        <p:txBody>
+          <a:bodyPr wrap="none" rtlCol="0">
+            <a:spAutoFit/>
+          </a:bodyPr>
+          <a:lstStyle/>
+          <a:p>
+            <a:pPr algn="ctr"/>
+            <a:r>
+              <a:rPr lang="en-US" sz="900" b="1" dirty="0" smtClean="0">
+                <a:latin typeface="Century Gothic" panose="020B0502020202020204" pitchFamily="34" charset="0"/>
+                <a:cs typeface="Adobe Devanagari" panose="02040503050201020203" pitchFamily="18" charset="0"/>
+              </a:rPr>
+              <a:t>Size</a:t>
+            </a:r>
+            <a:endParaRPr lang="en-US" sz="900" b="1" dirty="0">
+              <a:latin typeface="Century Gothic" panose="020B0502020202020204" pitchFamily="34" charset="0"/>
+              <a:cs typeface="Adobe Devanagari" panose="02040503050201020203" pitchFamily="18" charset="0"/>
+            </a:endParaRPr>
+          </a:p>
+        </p:txBody>
+      </p:sp>
+      <p:sp>
+        <p:nvSpPr>
+          <p:cNvPr id="44" name="TextBox 43"/>
+          <p:cNvSpPr txBox="1"/>
+          <p:nvPr/>
+        </p:nvSpPr>
+        <p:spPr>
+          <a:xfrm>
+            <a:off x="5674670" y="3599277"/>
+            <a:ext cx="604654" cy="230832"/>
+          </a:xfrm>
+          <a:prstGeom prst="rect">
+            <a:avLst/>
+          </a:prstGeom>
+          <a:noFill/>
+        </p:spPr>
+        <p:txBody>
+          <a:bodyPr wrap="none" rtlCol="0">
+            <a:spAutoFit/>
+          </a:bodyPr>
+          <a:lstStyle/>
+          <a:p>
+            <a:pPr algn="ctr"/>
+            <a:r>
+              <a:rPr lang="en-US" sz="900" b="1" dirty="0" smtClean="0">
+                <a:latin typeface="Century Gothic" panose="020B0502020202020204" pitchFamily="34" charset="0"/>
+                <a:cs typeface="Adobe Devanagari" panose="02040503050201020203" pitchFamily="18" charset="0"/>
+              </a:rPr>
+              <a:t>Octave</a:t>
+            </a:r>
+            <a:endParaRPr lang="en-US" sz="900" b="1" dirty="0">
+              <a:latin typeface="Century Gothic" panose="020B0502020202020204" pitchFamily="34" charset="0"/>
+              <a:cs typeface="Adobe Devanagari" panose="02040503050201020203" pitchFamily="18" charset="0"/>
+            </a:endParaRPr>
+          </a:p>
+        </p:txBody>
+      </p:sp>
+      <p:sp>
+        <p:nvSpPr>
+          <p:cNvPr id="45" name="TextBox 44"/>
+          <p:cNvSpPr txBox="1"/>
+          <p:nvPr/>
+        </p:nvSpPr>
+        <p:spPr>
+          <a:xfrm>
+            <a:off x="6420924" y="3601431"/>
+            <a:ext cx="772969" cy="230832"/>
+          </a:xfrm>
+          <a:prstGeom prst="rect">
+            <a:avLst/>
+          </a:prstGeom>
+          <a:noFill/>
+        </p:spPr>
+        <p:txBody>
+          <a:bodyPr wrap="none" rtlCol="0">
+            <a:spAutoFit/>
+          </a:bodyPr>
+          <a:lstStyle/>
+          <a:p>
+            <a:pPr algn="ctr"/>
+            <a:r>
+              <a:rPr lang="en-US" sz="900" b="1" dirty="0" smtClean="0">
+                <a:latin typeface="Century Gothic" panose="020B0502020202020204" pitchFamily="34" charset="0"/>
+                <a:cs typeface="Adobe Devanagari" panose="02040503050201020203" pitchFamily="18" charset="0"/>
+              </a:rPr>
+              <a:t>Footswitch</a:t>
+            </a:r>
+            <a:endParaRPr lang="en-US" sz="900" b="1" dirty="0">
+              <a:latin typeface="Century Gothic" panose="020B0502020202020204" pitchFamily="34" charset="0"/>
+              <a:cs typeface="Adobe Devanagari" panose="02040503050201020203" pitchFamily="18" charset="0"/>
+            </a:endParaRPr>
+          </a:p>
+        </p:txBody>
+      </p:sp>
+      <p:sp>
+        <p:nvSpPr>
+          <p:cNvPr id="47" name="TextBox 46"/>
+          <p:cNvSpPr txBox="1"/>
+          <p:nvPr/>
+        </p:nvSpPr>
+        <p:spPr>
+          <a:xfrm>
+            <a:off x="6448174" y="5574572"/>
+            <a:ext cx="588623" cy="246221"/>
+          </a:xfrm>
+          <a:prstGeom prst="rect">
+            <a:avLst/>
+          </a:prstGeom>
+          <a:noFill/>
+        </p:spPr>
+        <p:txBody>
+          <a:bodyPr wrap="none" rtlCol="0">
+            <a:spAutoFit/>
+          </a:bodyPr>
+          <a:lstStyle/>
+          <a:p>
+            <a:pPr algn="ctr"/>
+            <a:r>
+              <a:rPr lang="en-US" sz="1000" b="1" dirty="0" smtClean="0">
+                <a:latin typeface="Century Gothic" panose="020B0502020202020204" pitchFamily="34" charset="0"/>
+                <a:cs typeface="Adobe Devanagari" panose="02040503050201020203" pitchFamily="18" charset="0"/>
+              </a:rPr>
+              <a:t>Action</a:t>
+            </a:r>
+            <a:endParaRPr lang="en-US" sz="1000" b="1" dirty="0">
+              <a:latin typeface="Century Gothic" panose="020B0502020202020204" pitchFamily="34" charset="0"/>
+              <a:cs typeface="Adobe Devanagari" panose="02040503050201020203" pitchFamily="18" charset="0"/>
+            </a:endParaRPr>
+          </a:p>
+        </p:txBody>
+      </p:sp>
+      <p:sp>
+        <p:nvSpPr>
+          <p:cNvPr id="55" name="Rectangle 54"/>
+          <p:cNvSpPr/>
+          <p:nvPr/>
+        </p:nvSpPr>
+        <p:spPr>
+          <a:xfrm>
+            <a:off x="518160" y="1582168"/>
+            <a:ext cx="3748726" cy="1092673"/>
+          </a:xfrm>
+          <a:prstGeom prst="rect">
+            <a:avLst/>
+          </a:prstGeom>
+        </p:spPr>
+        <p:style>
+          <a:lnRef idx="2">
+            <a:schemeClr val="dk1">
+              <a:shade val="50000"/>
+            </a:schemeClr>
+          </a:lnRef>
+          <a:fillRef idx="1003">
+            <a:schemeClr val="lt1"/>
+          </a:fillRef>
+          <a:effectRef idx="0">
+            <a:schemeClr val="dk1"/>
+          </a:effectRef>
+          <a:fontRef idx="minor">
+            <a:schemeClr val="lt1"/>
+          </a:fontRef>
+        </p:style>
+        <p:txBody>
+          <a:bodyPr rtlCol="0" anchor="ctr"/>
+          <a:lstStyle/>
+          <a:p>
+            <a:r>
+              <a:rPr lang="en-US" sz="1600" b="1" dirty="0" err="1" smtClean="0">
+                <a:solidFill>
+                  <a:schemeClr val="tx1"/>
+                </a:solidFill>
+              </a:rPr>
+              <a:t>PreDelay</a:t>
+            </a:r>
+            <a:r>
+              <a:rPr lang="en-US" sz="1600" dirty="0" smtClean="0">
+                <a:solidFill>
+                  <a:schemeClr val="tx1"/>
+                </a:solidFill>
+              </a:rPr>
+              <a:t>: </a:t>
+            </a:r>
+            <a:r>
+              <a:rPr lang="en-US" sz="1600" dirty="0" err="1" smtClean="0">
+                <a:solidFill>
+                  <a:schemeClr val="tx1"/>
+                </a:solidFill>
+              </a:rPr>
+              <a:t>PreDelay</a:t>
+            </a:r>
+            <a:r>
+              <a:rPr lang="en-US" sz="1600" dirty="0" smtClean="0">
+                <a:solidFill>
+                  <a:schemeClr val="tx1"/>
+                </a:solidFill>
+              </a:rPr>
+              <a:t> up to around 700ms</a:t>
+            </a:r>
+            <a:endParaRPr lang="en-US" sz="1600" dirty="0">
+              <a:solidFill>
+                <a:schemeClr val="tx1"/>
+              </a:solidFill>
+            </a:endParaRPr>
+          </a:p>
+          <a:p>
+            <a:r>
+              <a:rPr lang="en-US" sz="1600" b="1" dirty="0" smtClean="0">
+                <a:solidFill>
+                  <a:schemeClr val="tx1"/>
+                </a:solidFill>
+              </a:rPr>
+              <a:t>Mix</a:t>
+            </a:r>
+            <a:r>
+              <a:rPr lang="en-US" sz="1600" dirty="0" smtClean="0">
+                <a:solidFill>
+                  <a:schemeClr val="tx1"/>
+                </a:solidFill>
+              </a:rPr>
+              <a:t>: Dry/Wet mix</a:t>
+            </a:r>
+            <a:endParaRPr lang="en-US" sz="1600" dirty="0">
+              <a:solidFill>
+                <a:schemeClr val="tx1"/>
+              </a:solidFill>
+            </a:endParaRPr>
+          </a:p>
+          <a:p>
+            <a:r>
+              <a:rPr lang="en-US" sz="1600" b="1" dirty="0" smtClean="0">
+                <a:solidFill>
+                  <a:schemeClr val="tx1"/>
+                </a:solidFill>
+              </a:rPr>
+              <a:t>Decay:</a:t>
+            </a:r>
+            <a:r>
+              <a:rPr lang="en-US" sz="1600" dirty="0" smtClean="0">
+                <a:solidFill>
+                  <a:schemeClr val="tx1"/>
+                </a:solidFill>
+              </a:rPr>
+              <a:t> Amount of decay of the reverb</a:t>
+            </a:r>
+            <a:endParaRPr lang="en-US" sz="1600" b="1" dirty="0">
+              <a:solidFill>
+                <a:schemeClr val="tx1"/>
+              </a:solidFill>
+            </a:endParaRPr>
+          </a:p>
+        </p:txBody>
+      </p:sp>
+      <p:sp>
+        <p:nvSpPr>
+          <p:cNvPr id="56" name="Rectangle 55"/>
+          <p:cNvSpPr/>
+          <p:nvPr/>
+        </p:nvSpPr>
+        <p:spPr>
+          <a:xfrm>
+            <a:off x="7609878" y="2157781"/>
+            <a:ext cx="4014544" cy="992323"/>
+          </a:xfrm>
+          <a:prstGeom prst="rect">
+            <a:avLst/>
+          </a:prstGeom>
+        </p:spPr>
+        <p:style>
+          <a:lnRef idx="2">
+            <a:schemeClr val="dk1">
+              <a:shade val="50000"/>
+            </a:schemeClr>
+          </a:lnRef>
+          <a:fillRef idx="1003">
+            <a:schemeClr val="lt1"/>
+          </a:fillRef>
+          <a:effectRef idx="0">
+            <a:schemeClr val="dk1"/>
+          </a:effectRef>
+          <a:fontRef idx="minor">
+            <a:schemeClr val="lt1"/>
+          </a:fontRef>
+        </p:style>
+        <p:txBody>
+          <a:bodyPr rtlCol="0" anchor="ctr"/>
+          <a:lstStyle/>
+          <a:p>
+            <a:r>
+              <a:rPr lang="en-US" sz="1600" b="1" dirty="0" smtClean="0">
+                <a:solidFill>
+                  <a:schemeClr val="tx1"/>
+                </a:solidFill>
+              </a:rPr>
+              <a:t>Mod Depth: </a:t>
+            </a:r>
+            <a:r>
+              <a:rPr lang="en-US" sz="1600" dirty="0" smtClean="0">
+                <a:solidFill>
+                  <a:schemeClr val="tx1"/>
+                </a:solidFill>
+              </a:rPr>
+              <a:t>Intensity of reverb mod</a:t>
+            </a:r>
+            <a:endParaRPr lang="en-US" sz="1600" dirty="0">
+              <a:solidFill>
+                <a:schemeClr val="tx1"/>
+              </a:solidFill>
+            </a:endParaRPr>
+          </a:p>
+          <a:p>
+            <a:r>
+              <a:rPr lang="en-US" sz="1600" b="1" dirty="0" smtClean="0">
+                <a:solidFill>
+                  <a:schemeClr val="tx1"/>
+                </a:solidFill>
+              </a:rPr>
+              <a:t>Mod Rate</a:t>
+            </a:r>
+            <a:r>
+              <a:rPr lang="en-US" sz="1600" dirty="0" smtClean="0">
+                <a:solidFill>
+                  <a:schemeClr val="tx1"/>
+                </a:solidFill>
+              </a:rPr>
+              <a:t>: Speed of reverb mod</a:t>
+            </a:r>
+            <a:endParaRPr lang="en-US" sz="1600" dirty="0">
+              <a:solidFill>
+                <a:schemeClr val="tx1"/>
+              </a:solidFill>
+            </a:endParaRPr>
+          </a:p>
+          <a:p>
+            <a:r>
+              <a:rPr lang="en-US" sz="1600" b="1" dirty="0" smtClean="0">
+                <a:solidFill>
+                  <a:schemeClr val="tx1"/>
+                </a:solidFill>
+              </a:rPr>
+              <a:t>Filter</a:t>
+            </a:r>
+            <a:r>
+              <a:rPr lang="en-US" sz="1600" dirty="0" smtClean="0">
+                <a:solidFill>
+                  <a:schemeClr val="tx1"/>
+                </a:solidFill>
+              </a:rPr>
+              <a:t>: </a:t>
+            </a:r>
+            <a:r>
+              <a:rPr lang="en-US" sz="1600" dirty="0">
+                <a:solidFill>
+                  <a:schemeClr val="tx1"/>
+                </a:solidFill>
+              </a:rPr>
+              <a:t>High </a:t>
+            </a:r>
+            <a:r>
+              <a:rPr lang="en-US" sz="1600" dirty="0" smtClean="0">
+                <a:solidFill>
+                  <a:schemeClr val="tx1"/>
+                </a:solidFill>
+              </a:rPr>
+              <a:t>and low cut filter in reverb tank.</a:t>
+            </a:r>
+            <a:endParaRPr lang="en-US" sz="1600" dirty="0">
+              <a:solidFill>
+                <a:schemeClr val="bg1"/>
+              </a:solidFill>
+            </a:endParaRPr>
+          </a:p>
+        </p:txBody>
+      </p:sp>
+      <p:sp>
+        <p:nvSpPr>
+          <p:cNvPr id="57" name="Rectangle 56"/>
+          <p:cNvSpPr/>
+          <p:nvPr/>
+        </p:nvSpPr>
+        <p:spPr>
+          <a:xfrm>
+            <a:off x="1856223" y="3020215"/>
+            <a:ext cx="2422514" cy="1141089"/>
+          </a:xfrm>
+          <a:prstGeom prst="rect">
+            <a:avLst/>
+          </a:prstGeom>
+        </p:spPr>
+        <p:style>
+          <a:lnRef idx="2">
+            <a:schemeClr val="dk1">
+              <a:shade val="50000"/>
+            </a:schemeClr>
+          </a:lnRef>
+          <a:fillRef idx="1003">
+            <a:schemeClr val="dk1"/>
+          </a:fillRef>
+          <a:effectRef idx="0">
+            <a:schemeClr val="dk1"/>
+          </a:effectRef>
+          <a:fontRef idx="minor">
+            <a:schemeClr val="lt1"/>
+          </a:fontRef>
+        </p:style>
+        <p:txBody>
+          <a:bodyPr rtlCol="0" anchor="ctr"/>
+          <a:lstStyle/>
+          <a:p>
+            <a:r>
+              <a:rPr lang="en-US" sz="1600" b="1" dirty="0" smtClean="0">
+                <a:solidFill>
+                  <a:schemeClr val="bg1"/>
+                </a:solidFill>
+              </a:rPr>
+              <a:t>Size Toggle</a:t>
+            </a:r>
+            <a:endParaRPr lang="en-US" sz="1600" b="1" dirty="0">
+              <a:solidFill>
+                <a:schemeClr val="bg1"/>
+              </a:solidFill>
+            </a:endParaRPr>
+          </a:p>
+          <a:p>
+            <a:r>
+              <a:rPr lang="en-US" sz="1600" b="1" dirty="0">
+                <a:solidFill>
+                  <a:schemeClr val="bg1"/>
+                </a:solidFill>
+              </a:rPr>
+              <a:t>  Left:  </a:t>
+            </a:r>
+            <a:r>
+              <a:rPr lang="en-US" sz="1600" b="1" dirty="0" smtClean="0">
+                <a:solidFill>
+                  <a:schemeClr val="bg1"/>
+                </a:solidFill>
+              </a:rPr>
+              <a:t>Small size </a:t>
+            </a:r>
+          </a:p>
+          <a:p>
+            <a:r>
+              <a:rPr lang="en-US" sz="1600" b="1" dirty="0">
+                <a:solidFill>
+                  <a:schemeClr val="bg1"/>
+                </a:solidFill>
+              </a:rPr>
+              <a:t> </a:t>
+            </a:r>
+            <a:r>
+              <a:rPr lang="en-US" sz="1600" b="1" dirty="0" smtClean="0">
+                <a:solidFill>
+                  <a:schemeClr val="bg1"/>
+                </a:solidFill>
+              </a:rPr>
+              <a:t> Center</a:t>
+            </a:r>
+            <a:r>
+              <a:rPr lang="en-US" sz="1600" b="1" dirty="0">
+                <a:solidFill>
+                  <a:schemeClr val="bg1"/>
+                </a:solidFill>
+              </a:rPr>
+              <a:t>: </a:t>
+            </a:r>
+            <a:r>
+              <a:rPr lang="en-US" sz="1600" b="1" dirty="0" smtClean="0">
+                <a:solidFill>
+                  <a:schemeClr val="bg1"/>
+                </a:solidFill>
+              </a:rPr>
+              <a:t>Medium size</a:t>
+            </a:r>
+            <a:endParaRPr lang="en-US" sz="1600" b="1" dirty="0">
+              <a:solidFill>
+                <a:schemeClr val="bg1"/>
+              </a:solidFill>
+            </a:endParaRPr>
+          </a:p>
+          <a:p>
+            <a:r>
+              <a:rPr lang="en-US" sz="1600" b="1" dirty="0">
+                <a:solidFill>
+                  <a:schemeClr val="bg1"/>
+                </a:solidFill>
+              </a:rPr>
+              <a:t>  Right:  </a:t>
+            </a:r>
+            <a:r>
+              <a:rPr lang="en-US" sz="1600" b="1" dirty="0" smtClean="0">
+                <a:solidFill>
+                  <a:schemeClr val="bg1"/>
+                </a:solidFill>
+              </a:rPr>
+              <a:t>Big size</a:t>
+            </a:r>
+            <a:endParaRPr lang="en-US" sz="1600" b="1" dirty="0">
+              <a:solidFill>
+                <a:schemeClr val="bg1"/>
+              </a:solidFill>
+            </a:endParaRPr>
+          </a:p>
+        </p:txBody>
+      </p:sp>
+      <p:sp>
+        <p:nvSpPr>
+          <p:cNvPr id="58" name="Rectangle 57"/>
+          <p:cNvSpPr/>
+          <p:nvPr/>
+        </p:nvSpPr>
+        <p:spPr>
+          <a:xfrm>
+            <a:off x="1231978" y="4351629"/>
+            <a:ext cx="3034908" cy="1141089"/>
+          </a:xfrm>
+          <a:prstGeom prst="rect">
+            <a:avLst/>
+          </a:prstGeom>
+        </p:spPr>
+        <p:style>
+          <a:lnRef idx="2">
+            <a:schemeClr val="dk1">
+              <a:shade val="50000"/>
+            </a:schemeClr>
+          </a:lnRef>
+          <a:fillRef idx="1003">
+            <a:schemeClr val="dk1"/>
+          </a:fillRef>
+          <a:effectRef idx="0">
+            <a:schemeClr val="dk1"/>
+          </a:effectRef>
+          <a:fontRef idx="minor">
+            <a:schemeClr val="lt1"/>
+          </a:fontRef>
+        </p:style>
+        <p:txBody>
+          <a:bodyPr rtlCol="0" anchor="ctr"/>
+          <a:lstStyle/>
+          <a:p>
+            <a:r>
+              <a:rPr lang="en-US" sz="1600" b="1" dirty="0" smtClean="0">
+                <a:solidFill>
+                  <a:schemeClr val="bg1"/>
+                </a:solidFill>
+              </a:rPr>
+              <a:t>Octave </a:t>
+            </a:r>
+            <a:r>
+              <a:rPr lang="en-US" sz="1600" b="1" dirty="0">
+                <a:solidFill>
+                  <a:schemeClr val="bg1"/>
+                </a:solidFill>
+              </a:rPr>
+              <a:t>Switch</a:t>
+            </a:r>
+          </a:p>
+          <a:p>
+            <a:r>
+              <a:rPr lang="en-US" sz="1600" b="1" dirty="0">
+                <a:solidFill>
+                  <a:schemeClr val="bg1"/>
+                </a:solidFill>
+              </a:rPr>
+              <a:t>  Left:  </a:t>
+            </a:r>
+            <a:r>
+              <a:rPr lang="en-US" sz="1600" b="1" dirty="0" smtClean="0">
+                <a:solidFill>
+                  <a:schemeClr val="bg1"/>
+                </a:solidFill>
+              </a:rPr>
+              <a:t>None</a:t>
+            </a:r>
+            <a:endParaRPr lang="en-US" sz="1600" b="1" dirty="0">
+              <a:solidFill>
+                <a:schemeClr val="bg1"/>
+              </a:solidFill>
+            </a:endParaRPr>
+          </a:p>
+          <a:p>
+            <a:r>
+              <a:rPr lang="en-US" sz="1600" b="1" dirty="0">
+                <a:solidFill>
+                  <a:schemeClr val="bg1"/>
+                </a:solidFill>
+              </a:rPr>
+              <a:t>  Center: </a:t>
+            </a:r>
+            <a:r>
+              <a:rPr lang="en-US" sz="1600" b="1" dirty="0" smtClean="0">
+                <a:solidFill>
+                  <a:schemeClr val="bg1"/>
+                </a:solidFill>
+              </a:rPr>
+              <a:t>Octave Up</a:t>
+            </a:r>
+            <a:endParaRPr lang="en-US" sz="1600" b="1" dirty="0">
+              <a:solidFill>
+                <a:schemeClr val="bg1"/>
+              </a:solidFill>
+            </a:endParaRPr>
+          </a:p>
+          <a:p>
+            <a:r>
+              <a:rPr lang="en-US" sz="1600" b="1" dirty="0">
+                <a:solidFill>
+                  <a:schemeClr val="bg1"/>
+                </a:solidFill>
+              </a:rPr>
+              <a:t>  Right:  </a:t>
+            </a:r>
+            <a:r>
+              <a:rPr lang="en-US" sz="1600" b="1" dirty="0" smtClean="0">
+                <a:solidFill>
+                  <a:schemeClr val="bg1"/>
+                </a:solidFill>
+              </a:rPr>
+              <a:t>Octave Up and Down</a:t>
+            </a:r>
+            <a:endParaRPr lang="en-US" sz="1600" b="1" dirty="0">
+              <a:solidFill>
+                <a:schemeClr val="bg1"/>
+              </a:solidFill>
+            </a:endParaRPr>
+          </a:p>
+        </p:txBody>
+      </p:sp>
+      <p:sp>
+        <p:nvSpPr>
+          <p:cNvPr id="59" name="Rectangle 58"/>
+          <p:cNvSpPr/>
+          <p:nvPr/>
+        </p:nvSpPr>
+        <p:spPr>
+          <a:xfrm>
+            <a:off x="7628237" y="3306313"/>
+            <a:ext cx="4309764" cy="1306263"/>
+          </a:xfrm>
+          <a:prstGeom prst="rect">
+            <a:avLst/>
+          </a:prstGeom>
+        </p:spPr>
+        <p:style>
+          <a:lnRef idx="2">
+            <a:schemeClr val="dk1">
+              <a:shade val="50000"/>
+            </a:schemeClr>
+          </a:lnRef>
+          <a:fillRef idx="1003">
+            <a:schemeClr val="dk1"/>
+          </a:fillRef>
+          <a:effectRef idx="0">
+            <a:schemeClr val="dk1"/>
+          </a:effectRef>
+          <a:fontRef idx="minor">
+            <a:schemeClr val="lt1"/>
+          </a:fontRef>
+        </p:style>
+        <p:txBody>
+          <a:bodyPr rtlCol="0" anchor="ctr"/>
+          <a:lstStyle/>
+          <a:p>
+            <a:r>
+              <a:rPr lang="en-US" sz="1600" b="1" dirty="0" smtClean="0">
+                <a:solidFill>
+                  <a:schemeClr val="bg1"/>
+                </a:solidFill>
+              </a:rPr>
+              <a:t>Footswitch Action:</a:t>
+            </a:r>
+            <a:endParaRPr lang="en-US" sz="1600" b="1" dirty="0">
+              <a:solidFill>
+                <a:schemeClr val="bg1"/>
+              </a:solidFill>
+            </a:endParaRPr>
+          </a:p>
+          <a:p>
+            <a:r>
+              <a:rPr lang="en-US" sz="1600" b="1" dirty="0">
+                <a:solidFill>
+                  <a:schemeClr val="bg1"/>
+                </a:solidFill>
+              </a:rPr>
+              <a:t>  Left:  </a:t>
+            </a:r>
+            <a:r>
+              <a:rPr lang="en-US" sz="1600" b="1" dirty="0" smtClean="0">
+                <a:solidFill>
+                  <a:schemeClr val="bg1"/>
+                </a:solidFill>
+              </a:rPr>
+              <a:t>Freeze (Decay set to 1)</a:t>
+            </a:r>
+            <a:endParaRPr lang="en-US" sz="1600" b="1" dirty="0">
+              <a:solidFill>
+                <a:schemeClr val="bg1"/>
+              </a:solidFill>
+            </a:endParaRPr>
+          </a:p>
+          <a:p>
+            <a:r>
+              <a:rPr lang="en-US" sz="1600" b="1" dirty="0">
+                <a:solidFill>
+                  <a:schemeClr val="bg1"/>
+                </a:solidFill>
+              </a:rPr>
+              <a:t>  </a:t>
+            </a:r>
+            <a:r>
+              <a:rPr lang="en-US" sz="1600" b="1" dirty="0" smtClean="0">
+                <a:solidFill>
+                  <a:schemeClr val="bg1"/>
+                </a:solidFill>
+              </a:rPr>
+              <a:t>Center: Overdrive the Reverb </a:t>
+            </a:r>
+          </a:p>
+          <a:p>
+            <a:r>
+              <a:rPr lang="en-US" sz="1600" b="1" dirty="0" smtClean="0">
+                <a:solidFill>
+                  <a:schemeClr val="bg1"/>
+                </a:solidFill>
+              </a:rPr>
+              <a:t>  Right</a:t>
+            </a:r>
+            <a:r>
+              <a:rPr lang="en-US" sz="1600" b="1" dirty="0">
+                <a:solidFill>
+                  <a:schemeClr val="bg1"/>
+                </a:solidFill>
+              </a:rPr>
+              <a:t>:  </a:t>
+            </a:r>
+            <a:r>
+              <a:rPr lang="en-US" sz="1600" b="1" dirty="0" smtClean="0">
+                <a:solidFill>
+                  <a:schemeClr val="bg1"/>
+                </a:solidFill>
+              </a:rPr>
+              <a:t>Momentary Octave (based on center toggle)</a:t>
+            </a:r>
+            <a:endParaRPr lang="en-US" sz="1600" b="1" dirty="0">
+              <a:solidFill>
+                <a:schemeClr val="bg1"/>
+              </a:solidFill>
+            </a:endParaRPr>
+          </a:p>
+        </p:txBody>
+      </p:sp>
+      <p:sp>
+        <p:nvSpPr>
+          <p:cNvPr id="60" name="Rectangle 59"/>
+          <p:cNvSpPr/>
+          <p:nvPr/>
+        </p:nvSpPr>
+        <p:spPr>
+          <a:xfrm>
+            <a:off x="7628236" y="4711921"/>
+            <a:ext cx="4391044" cy="1274126"/>
+          </a:xfrm>
+          <a:prstGeom prst="rect">
+            <a:avLst/>
+          </a:prstGeom>
+        </p:spPr>
+        <p:style>
+          <a:lnRef idx="2">
+            <a:schemeClr val="dk1">
+              <a:shade val="50000"/>
+            </a:schemeClr>
+          </a:lnRef>
+          <a:fillRef idx="1001">
+            <a:schemeClr val="dk2"/>
+          </a:fillRef>
+          <a:effectRef idx="0">
+            <a:schemeClr val="dk1"/>
+          </a:effectRef>
+          <a:fontRef idx="minor">
+            <a:schemeClr val="lt1"/>
+          </a:fontRef>
+        </p:style>
+        <p:txBody>
+          <a:bodyPr rtlCol="0" anchor="ctr"/>
+          <a:lstStyle/>
+          <a:p>
+            <a:r>
+              <a:rPr lang="en-US" sz="1600" b="1" dirty="0">
+                <a:solidFill>
+                  <a:schemeClr val="bg1"/>
+                </a:solidFill>
+              </a:rPr>
+              <a:t>Dip Switches:</a:t>
+            </a:r>
+          </a:p>
+          <a:p>
+            <a:r>
+              <a:rPr lang="en-US" sz="1600" b="1" dirty="0">
+                <a:solidFill>
+                  <a:schemeClr val="bg1"/>
+                </a:solidFill>
+              </a:rPr>
+              <a:t> </a:t>
+            </a:r>
+            <a:r>
+              <a:rPr lang="en-US" sz="1600" b="1" dirty="0" smtClean="0">
+                <a:solidFill>
+                  <a:schemeClr val="bg1"/>
+                </a:solidFill>
+              </a:rPr>
+              <a:t>1</a:t>
+            </a:r>
+            <a:r>
+              <a:rPr lang="en-US" sz="1600" b="1" dirty="0">
+                <a:solidFill>
+                  <a:schemeClr val="bg1"/>
+                </a:solidFill>
+              </a:rPr>
+              <a:t>: </a:t>
+            </a:r>
+            <a:r>
+              <a:rPr lang="en-US" sz="1600" b="1" dirty="0" smtClean="0">
+                <a:solidFill>
+                  <a:schemeClr val="bg1"/>
+                </a:solidFill>
+              </a:rPr>
+              <a:t>Diffusion Disabled (on to </a:t>
+            </a:r>
+            <a:r>
+              <a:rPr lang="en-US" sz="1600" b="1" dirty="0" smtClean="0">
+                <a:solidFill>
+                  <a:schemeClr val="bg1"/>
+                </a:solidFill>
+              </a:rPr>
+              <a:t>disable input </a:t>
+            </a:r>
+            <a:r>
+              <a:rPr lang="en-US" sz="1600" b="1" dirty="0" smtClean="0">
+                <a:solidFill>
+                  <a:schemeClr val="bg1"/>
+                </a:solidFill>
+              </a:rPr>
+              <a:t>diffusion</a:t>
+            </a:r>
+            <a:r>
+              <a:rPr lang="en-US" sz="1600" b="1" dirty="0" smtClean="0">
+                <a:solidFill>
+                  <a:schemeClr val="bg1"/>
+                </a:solidFill>
+              </a:rPr>
+              <a:t>)</a:t>
+            </a:r>
+          </a:p>
+          <a:p>
+            <a:r>
+              <a:rPr lang="en-US" sz="1600" b="1" dirty="0" smtClean="0">
+                <a:solidFill>
+                  <a:schemeClr val="bg1"/>
+                </a:solidFill>
+              </a:rPr>
+              <a:t>2. Octave only mode (only sends octaves to reverb, no dry, when in octave mode)</a:t>
+            </a:r>
+            <a:endParaRPr lang="en-US" sz="1600" b="1" dirty="0">
+              <a:solidFill>
+                <a:schemeClr val="bg1"/>
+              </a:solidFill>
+            </a:endParaRPr>
+          </a:p>
+        </p:txBody>
+      </p:sp>
+      <p:sp>
+        <p:nvSpPr>
+          <p:cNvPr id="61" name="Rectangle 60"/>
+          <p:cNvSpPr/>
+          <p:nvPr/>
+        </p:nvSpPr>
+        <p:spPr>
+          <a:xfrm>
+            <a:off x="2306321" y="5986047"/>
+            <a:ext cx="2990200" cy="421132"/>
+          </a:xfrm>
+          <a:prstGeom prst="rect">
+            <a:avLst/>
+          </a:prstGeom>
+        </p:spPr>
+        <p:style>
+          <a:lnRef idx="2">
+            <a:schemeClr val="dk1">
+              <a:shade val="50000"/>
+            </a:schemeClr>
+          </a:lnRef>
+          <a:fillRef idx="1001">
+            <a:schemeClr val="dk2"/>
+          </a:fillRef>
+          <a:effectRef idx="0">
+            <a:schemeClr val="dk1"/>
+          </a:effectRef>
+          <a:fontRef idx="minor">
+            <a:schemeClr val="lt1"/>
+          </a:fontRef>
+        </p:style>
+        <p:txBody>
+          <a:bodyPr rtlCol="0" anchor="ctr"/>
+          <a:lstStyle/>
+          <a:p>
+            <a:r>
+              <a:rPr lang="en-US" sz="1600" b="1" dirty="0">
+                <a:solidFill>
+                  <a:schemeClr val="bg1"/>
+                </a:solidFill>
+              </a:rPr>
+              <a:t>Left Footswitch: </a:t>
+            </a:r>
+            <a:r>
+              <a:rPr lang="en-US" sz="1600" b="1" dirty="0" smtClean="0">
+                <a:solidFill>
+                  <a:schemeClr val="bg1"/>
+                </a:solidFill>
+              </a:rPr>
+              <a:t>Bypass/Engage</a:t>
+            </a:r>
+            <a:endParaRPr lang="en-US" sz="1600" b="1" dirty="0">
+              <a:solidFill>
+                <a:schemeClr val="bg1"/>
+              </a:solidFill>
+            </a:endParaRPr>
+          </a:p>
+        </p:txBody>
+      </p:sp>
+      <p:sp>
+        <p:nvSpPr>
+          <p:cNvPr id="63" name="Rectangle 62"/>
+          <p:cNvSpPr/>
+          <p:nvPr/>
+        </p:nvSpPr>
+        <p:spPr>
+          <a:xfrm>
+            <a:off x="531745" y="176575"/>
+            <a:ext cx="3135165" cy="1273821"/>
+          </a:xfrm>
+          <a:prstGeom prst="rect">
+            <a:avLst/>
+          </a:prstGeom>
+          <a:ln/>
+        </p:spPr>
+        <p:style>
+          <a:lnRef idx="1">
+            <a:schemeClr val="accent5"/>
+          </a:lnRef>
+          <a:fillRef idx="2">
+            <a:schemeClr val="accent5"/>
+          </a:fillRef>
+          <a:effectRef idx="1">
+            <a:schemeClr val="accent5"/>
+          </a:effectRef>
+          <a:fontRef idx="minor">
+            <a:schemeClr val="dk1"/>
+          </a:fontRef>
+        </p:style>
+        <p:txBody>
+          <a:bodyPr rtlCol="0" anchor="ctr"/>
+          <a:lstStyle/>
+          <a:p>
+            <a:r>
+              <a:rPr lang="en-US" sz="2800" b="1" dirty="0" smtClean="0">
+                <a:solidFill>
+                  <a:schemeClr val="tx1"/>
+                </a:solidFill>
+              </a:rPr>
+              <a:t>Earth </a:t>
+            </a:r>
+            <a:r>
+              <a:rPr lang="en-US" sz="1600" b="1" dirty="0">
+                <a:solidFill>
+                  <a:schemeClr val="tx1"/>
+                </a:solidFill>
+              </a:rPr>
+              <a:t>is a </a:t>
+            </a:r>
+            <a:r>
+              <a:rPr lang="en-US" sz="1600" b="1" dirty="0" smtClean="0">
+                <a:solidFill>
+                  <a:schemeClr val="tx1"/>
+                </a:solidFill>
+              </a:rPr>
+              <a:t>digital </a:t>
+            </a:r>
+            <a:r>
+              <a:rPr lang="en-US" sz="2400" b="1" dirty="0" smtClean="0">
+                <a:solidFill>
+                  <a:schemeClr val="tx1"/>
+                </a:solidFill>
+              </a:rPr>
+              <a:t>Plate </a:t>
+            </a:r>
+            <a:r>
+              <a:rPr lang="en-US" sz="2800" b="1" dirty="0" smtClean="0">
+                <a:solidFill>
+                  <a:schemeClr val="tx1"/>
+                </a:solidFill>
+              </a:rPr>
+              <a:t>Reverb </a:t>
+            </a:r>
+            <a:r>
+              <a:rPr lang="en-US" sz="1600" b="1" dirty="0">
+                <a:solidFill>
+                  <a:schemeClr val="tx1"/>
+                </a:solidFill>
+              </a:rPr>
+              <a:t>pedal </a:t>
+            </a:r>
+            <a:r>
+              <a:rPr lang="en-US" sz="1600" b="1" dirty="0" smtClean="0">
+                <a:solidFill>
+                  <a:schemeClr val="tx1"/>
+                </a:solidFill>
+              </a:rPr>
+              <a:t>with octave effects.</a:t>
+            </a:r>
+            <a:endParaRPr lang="en-US" sz="1600" b="1" dirty="0">
+              <a:solidFill>
+                <a:schemeClr val="tx1"/>
+              </a:solidFill>
+            </a:endParaRPr>
+          </a:p>
+        </p:txBody>
+      </p:sp>
+      <p:sp>
+        <p:nvSpPr>
+          <p:cNvPr id="64" name="Rectangle 63"/>
+          <p:cNvSpPr/>
+          <p:nvPr/>
+        </p:nvSpPr>
+        <p:spPr>
+          <a:xfrm>
+            <a:off x="7596222" y="176575"/>
+            <a:ext cx="4028200" cy="945138"/>
+          </a:xfrm>
+          <a:prstGeom prst="rect">
+            <a:avLst/>
+          </a:prstGeom>
+          <a:ln/>
+        </p:spPr>
+        <p:style>
+          <a:lnRef idx="1">
+            <a:schemeClr val="accent5"/>
+          </a:lnRef>
+          <a:fillRef idx="2">
+            <a:schemeClr val="accent5"/>
+          </a:fillRef>
+          <a:effectRef idx="1">
+            <a:schemeClr val="accent5"/>
+          </a:effectRef>
+          <a:fontRef idx="minor">
+            <a:schemeClr val="dk1"/>
+          </a:fontRef>
+        </p:style>
+        <p:txBody>
+          <a:bodyPr rtlCol="0" anchor="ctr"/>
+          <a:lstStyle/>
+          <a:p>
+            <a:r>
+              <a:rPr lang="en-US" sz="1600" b="1" dirty="0" smtClean="0">
+                <a:solidFill>
+                  <a:schemeClr val="tx1"/>
+                </a:solidFill>
+              </a:rPr>
+              <a:t>Mono in Stereo Out Processing (MISO)</a:t>
+            </a:r>
+            <a:endParaRPr lang="en-US" sz="1600" b="1" dirty="0">
+              <a:solidFill>
+                <a:schemeClr val="tx1"/>
+              </a:solidFill>
+            </a:endParaRPr>
+          </a:p>
+          <a:p>
+            <a:pPr marL="285750" indent="-285750">
+              <a:buFontTx/>
+              <a:buChar char="-"/>
+            </a:pPr>
+            <a:r>
+              <a:rPr lang="en-US" sz="1600" b="1" dirty="0">
+                <a:solidFill>
+                  <a:schemeClr val="tx1"/>
+                </a:solidFill>
+              </a:rPr>
+              <a:t>Expression: YES</a:t>
+            </a:r>
+          </a:p>
+          <a:p>
+            <a:pPr marL="285750" indent="-285750">
+              <a:buFontTx/>
+              <a:buChar char="-"/>
+            </a:pPr>
+            <a:r>
+              <a:rPr lang="en-US" sz="1600" b="1" dirty="0">
+                <a:solidFill>
+                  <a:schemeClr val="tx1"/>
+                </a:solidFill>
+              </a:rPr>
+              <a:t>MIDI: YES</a:t>
+            </a:r>
+          </a:p>
+        </p:txBody>
+      </p:sp>
+      <p:cxnSp>
+        <p:nvCxnSpPr>
+          <p:cNvPr id="65" name="Straight Arrow Connector 64"/>
+          <p:cNvCxnSpPr>
+            <a:stCxn id="55" idx="3"/>
+          </p:cNvCxnSpPr>
+          <p:nvPr/>
+        </p:nvCxnSpPr>
+        <p:spPr>
+          <a:xfrm flipV="1">
+            <a:off x="4266886" y="2094330"/>
+            <a:ext cx="362267" cy="259654"/>
+          </a:xfrm>
+          <a:prstGeom prst="straightConnector1">
+            <a:avLst/>
+          </a:prstGeom>
+          <a:ln>
+            <a:tailEnd type="triangle"/>
+          </a:ln>
+        </p:spPr>
+        <p:style>
+          <a:lnRef idx="3">
+            <a:schemeClr val="dk1"/>
+          </a:lnRef>
+          <a:fillRef idx="0">
+            <a:schemeClr val="dk1"/>
+          </a:fillRef>
+          <a:effectRef idx="2">
+            <a:schemeClr val="dk1"/>
+          </a:effectRef>
+          <a:fontRef idx="minor">
+            <a:schemeClr val="tx1"/>
+          </a:fontRef>
+        </p:style>
+      </p:cxnSp>
+      <p:cxnSp>
+        <p:nvCxnSpPr>
+          <p:cNvPr id="66" name="Straight Arrow Connector 65"/>
+          <p:cNvCxnSpPr/>
+          <p:nvPr/>
+        </p:nvCxnSpPr>
+        <p:spPr>
+          <a:xfrm flipH="1">
+            <a:off x="7268295" y="3052004"/>
+            <a:ext cx="341583" cy="0"/>
+          </a:xfrm>
+          <a:prstGeom prst="straightConnector1">
+            <a:avLst/>
+          </a:prstGeom>
+          <a:ln>
+            <a:tailEnd type="triangle"/>
+          </a:ln>
+        </p:spPr>
+        <p:style>
+          <a:lnRef idx="3">
+            <a:schemeClr val="dk1"/>
+          </a:lnRef>
+          <a:fillRef idx="0">
+            <a:schemeClr val="dk1"/>
+          </a:fillRef>
+          <a:effectRef idx="2">
+            <a:schemeClr val="dk1"/>
+          </a:effectRef>
+          <a:fontRef idx="minor">
+            <a:schemeClr val="tx1"/>
+          </a:fontRef>
+        </p:style>
+      </p:cxnSp>
+      <p:cxnSp>
+        <p:nvCxnSpPr>
+          <p:cNvPr id="67" name="Straight Arrow Connector 66"/>
+          <p:cNvCxnSpPr/>
+          <p:nvPr/>
+        </p:nvCxnSpPr>
+        <p:spPr>
+          <a:xfrm>
+            <a:off x="4296534" y="3941322"/>
+            <a:ext cx="570112" cy="12433"/>
+          </a:xfrm>
+          <a:prstGeom prst="straightConnector1">
+            <a:avLst/>
+          </a:prstGeom>
+          <a:ln>
+            <a:tailEnd type="triangle"/>
+          </a:ln>
+        </p:spPr>
+        <p:style>
+          <a:lnRef idx="3">
+            <a:schemeClr val="dk1"/>
+          </a:lnRef>
+          <a:fillRef idx="0">
+            <a:schemeClr val="dk1"/>
+          </a:fillRef>
+          <a:effectRef idx="2">
+            <a:schemeClr val="dk1"/>
+          </a:effectRef>
+          <a:fontRef idx="minor">
+            <a:schemeClr val="tx1"/>
+          </a:fontRef>
+        </p:style>
+      </p:cxnSp>
+      <p:cxnSp>
+        <p:nvCxnSpPr>
+          <p:cNvPr id="68" name="Straight Arrow Connector 67"/>
+          <p:cNvCxnSpPr/>
+          <p:nvPr/>
+        </p:nvCxnSpPr>
+        <p:spPr>
+          <a:xfrm flipH="1" flipV="1">
+            <a:off x="7009724" y="3995871"/>
+            <a:ext cx="618513" cy="7881"/>
+          </a:xfrm>
+          <a:prstGeom prst="straightConnector1">
+            <a:avLst/>
+          </a:prstGeom>
+          <a:ln>
+            <a:tailEnd type="triangle"/>
+          </a:ln>
+        </p:spPr>
+        <p:style>
+          <a:lnRef idx="3">
+            <a:schemeClr val="dk1"/>
+          </a:lnRef>
+          <a:fillRef idx="0">
+            <a:schemeClr val="dk1"/>
+          </a:fillRef>
+          <a:effectRef idx="2">
+            <a:schemeClr val="dk1"/>
+          </a:effectRef>
+          <a:fontRef idx="minor">
+            <a:schemeClr val="tx1"/>
+          </a:fontRef>
+        </p:style>
+      </p:cxnSp>
+      <p:cxnSp>
+        <p:nvCxnSpPr>
+          <p:cNvPr id="69" name="Elbow Connector 68"/>
+          <p:cNvCxnSpPr/>
+          <p:nvPr/>
+        </p:nvCxnSpPr>
+        <p:spPr>
+          <a:xfrm flipV="1">
+            <a:off x="4296053" y="3963112"/>
+            <a:ext cx="1400247" cy="567633"/>
+          </a:xfrm>
+          <a:prstGeom prst="bentConnector3">
+            <a:avLst>
+              <a:gd name="adj1" fmla="val 83332"/>
+            </a:avLst>
+          </a:prstGeom>
+          <a:ln>
+            <a:tailEnd type="triangle"/>
+          </a:ln>
+        </p:spPr>
+        <p:style>
+          <a:lnRef idx="3">
+            <a:schemeClr val="dk1"/>
+          </a:lnRef>
+          <a:fillRef idx="0">
+            <a:schemeClr val="dk1"/>
+          </a:fillRef>
+          <a:effectRef idx="2">
+            <a:schemeClr val="dk1"/>
+          </a:effectRef>
+          <a:fontRef idx="minor">
+            <a:schemeClr val="tx1"/>
+          </a:fontRef>
+        </p:style>
+      </p:cxnSp>
+      <p:sp>
+        <p:nvSpPr>
+          <p:cNvPr id="70" name="Rectangle 69"/>
+          <p:cNvSpPr/>
+          <p:nvPr/>
+        </p:nvSpPr>
+        <p:spPr>
+          <a:xfrm>
+            <a:off x="7215630" y="4337891"/>
+            <a:ext cx="45719" cy="303523"/>
+          </a:xfrm>
+          <a:prstGeom prst="rect">
+            <a:avLst/>
+          </a:prstGeom>
+        </p:spPr>
+        <p:style>
+          <a:lnRef idx="2">
+            <a:schemeClr val="accent1">
+              <a:shade val="50000"/>
+            </a:schemeClr>
+          </a:lnRef>
+          <a:fillRef idx="1">
+            <a:schemeClr val="accent1"/>
+          </a:fillRef>
+          <a:effectRef idx="0">
+            <a:schemeClr val="accent1"/>
+          </a:effectRef>
+          <a:fontRef idx="minor">
+            <a:schemeClr val="lt1"/>
+          </a:fontRef>
+        </p:style>
+        <p:txBody>
+          <a:bodyPr rtlCol="0" anchor="ctr"/>
+          <a:lstStyle/>
+          <a:p>
+            <a:pPr algn="ctr"/>
+            <a:endParaRPr lang="en-US"/>
+          </a:p>
+        </p:txBody>
+      </p:sp>
+      <p:sp>
+        <p:nvSpPr>
+          <p:cNvPr id="71" name="Rectangle 70"/>
+          <p:cNvSpPr/>
+          <p:nvPr/>
+        </p:nvSpPr>
+        <p:spPr>
+          <a:xfrm>
+            <a:off x="7250162" y="4401258"/>
+            <a:ext cx="54086" cy="51892"/>
+          </a:xfrm>
+          <a:prstGeom prst="rect">
+            <a:avLst/>
+          </a:prstGeom>
+        </p:spPr>
+        <p:style>
+          <a:lnRef idx="2">
+            <a:schemeClr val="dk1"/>
+          </a:lnRef>
+          <a:fillRef idx="1">
+            <a:schemeClr val="lt1"/>
+          </a:fillRef>
+          <a:effectRef idx="0">
+            <a:schemeClr val="dk1"/>
+          </a:effectRef>
+          <a:fontRef idx="minor">
+            <a:schemeClr val="dk1"/>
+          </a:fontRef>
+        </p:style>
+        <p:txBody>
+          <a:bodyPr rtlCol="0" anchor="ctr"/>
+          <a:lstStyle/>
+          <a:p>
+            <a:pPr algn="ctr"/>
+            <a:endParaRPr lang="en-US"/>
+          </a:p>
+        </p:txBody>
+      </p:sp>
+      <p:sp>
+        <p:nvSpPr>
+          <p:cNvPr id="72" name="Rectangle 71"/>
+          <p:cNvSpPr/>
+          <p:nvPr/>
+        </p:nvSpPr>
+        <p:spPr>
+          <a:xfrm>
+            <a:off x="7249642" y="4495390"/>
+            <a:ext cx="54086" cy="51892"/>
+          </a:xfrm>
+          <a:prstGeom prst="rect">
+            <a:avLst/>
+          </a:prstGeom>
+        </p:spPr>
+        <p:style>
+          <a:lnRef idx="2">
+            <a:schemeClr val="dk1"/>
+          </a:lnRef>
+          <a:fillRef idx="1">
+            <a:schemeClr val="lt1"/>
+          </a:fillRef>
+          <a:effectRef idx="0">
+            <a:schemeClr val="dk1"/>
+          </a:effectRef>
+          <a:fontRef idx="minor">
+            <a:schemeClr val="dk1"/>
+          </a:fontRef>
+        </p:style>
+        <p:txBody>
+          <a:bodyPr rtlCol="0" anchor="ctr"/>
+          <a:lstStyle/>
+          <a:p>
+            <a:pPr algn="ctr"/>
+            <a:endParaRPr lang="en-US"/>
+          </a:p>
+        </p:txBody>
+      </p:sp>
+      <p:cxnSp>
+        <p:nvCxnSpPr>
+          <p:cNvPr id="73" name="Straight Arrow Connector 72"/>
+          <p:cNvCxnSpPr/>
+          <p:nvPr/>
+        </p:nvCxnSpPr>
+        <p:spPr>
+          <a:xfrm flipH="1" flipV="1">
+            <a:off x="7325161" y="4614946"/>
+            <a:ext cx="303076" cy="234573"/>
+          </a:xfrm>
+          <a:prstGeom prst="straightConnector1">
+            <a:avLst/>
+          </a:prstGeom>
+          <a:ln>
+            <a:tailEnd type="triangle"/>
+          </a:ln>
+        </p:spPr>
+        <p:style>
+          <a:lnRef idx="3">
+            <a:schemeClr val="dk1"/>
+          </a:lnRef>
+          <a:fillRef idx="0">
+            <a:schemeClr val="dk1"/>
+          </a:fillRef>
+          <a:effectRef idx="2">
+            <a:schemeClr val="dk1"/>
+          </a:effectRef>
+          <a:fontRef idx="minor">
+            <a:schemeClr val="tx1"/>
+          </a:fontRef>
+        </p:style>
+      </p:cxnSp>
+      <p:sp>
+        <p:nvSpPr>
+          <p:cNvPr id="75" name="TextBox 74"/>
+          <p:cNvSpPr txBox="1"/>
+          <p:nvPr/>
+        </p:nvSpPr>
+        <p:spPr>
+          <a:xfrm rot="16200000">
+            <a:off x="5651189" y="4064989"/>
+            <a:ext cx="633508" cy="461665"/>
+          </a:xfrm>
+          <a:prstGeom prst="rect">
+            <a:avLst/>
+          </a:prstGeom>
+          <a:noFill/>
+        </p:spPr>
+        <p:txBody>
+          <a:bodyPr wrap="none" rtlCol="0">
+            <a:spAutoFit/>
+          </a:bodyPr>
+          <a:lstStyle/>
+          <a:p>
+            <a:pPr algn="ctr"/>
+            <a:r>
+              <a:rPr lang="en-US" sz="800" b="1" dirty="0" smtClean="0">
+                <a:latin typeface="Century Gothic" panose="020B0502020202020204" pitchFamily="34" charset="0"/>
+                <a:cs typeface="Adobe Devanagari" panose="02040503050201020203" pitchFamily="18" charset="0"/>
+              </a:rPr>
+              <a:t>None</a:t>
+            </a:r>
+          </a:p>
+          <a:p>
+            <a:pPr algn="ctr"/>
+            <a:r>
+              <a:rPr lang="en-US" sz="800" b="1" dirty="0" err="1" smtClean="0">
+                <a:latin typeface="Century Gothic" panose="020B0502020202020204" pitchFamily="34" charset="0"/>
+                <a:cs typeface="Adobe Devanagari" panose="02040503050201020203" pitchFamily="18" charset="0"/>
+              </a:rPr>
+              <a:t>OctUp</a:t>
+            </a:r>
+            <a:endParaRPr lang="en-US" sz="800" b="1" dirty="0" smtClean="0">
+              <a:latin typeface="Century Gothic" panose="020B0502020202020204" pitchFamily="34" charset="0"/>
+              <a:cs typeface="Adobe Devanagari" panose="02040503050201020203" pitchFamily="18" charset="0"/>
+            </a:endParaRPr>
+          </a:p>
+          <a:p>
+            <a:pPr algn="ctr"/>
+            <a:r>
+              <a:rPr lang="en-US" sz="800" b="1" dirty="0" err="1" smtClean="0">
+                <a:latin typeface="Century Gothic" panose="020B0502020202020204" pitchFamily="34" charset="0"/>
+                <a:cs typeface="Adobe Devanagari" panose="02040503050201020203" pitchFamily="18" charset="0"/>
+              </a:rPr>
+              <a:t>OctUpDn</a:t>
+            </a:r>
+            <a:endParaRPr lang="en-US" sz="800" b="1" dirty="0">
+              <a:latin typeface="Century Gothic" panose="020B0502020202020204" pitchFamily="34" charset="0"/>
+              <a:cs typeface="Adobe Devanagari" panose="02040503050201020203" pitchFamily="18" charset="0"/>
+            </a:endParaRPr>
+          </a:p>
+        </p:txBody>
+      </p:sp>
+      <p:sp>
+        <p:nvSpPr>
+          <p:cNvPr id="76" name="TextBox 75"/>
+          <p:cNvSpPr txBox="1"/>
+          <p:nvPr/>
+        </p:nvSpPr>
+        <p:spPr>
+          <a:xfrm rot="16200000">
+            <a:off x="6526029" y="4064989"/>
+            <a:ext cx="526105" cy="461665"/>
+          </a:xfrm>
+          <a:prstGeom prst="rect">
+            <a:avLst/>
+          </a:prstGeom>
+          <a:noFill/>
+        </p:spPr>
+        <p:txBody>
+          <a:bodyPr wrap="none" rtlCol="0">
+            <a:spAutoFit/>
+          </a:bodyPr>
+          <a:lstStyle/>
+          <a:p>
+            <a:pPr algn="ctr"/>
+            <a:r>
+              <a:rPr lang="en-US" sz="800" b="1" dirty="0" smtClean="0">
+                <a:latin typeface="Century Gothic" panose="020B0502020202020204" pitchFamily="34" charset="0"/>
+                <a:cs typeface="Adobe Devanagari" panose="02040503050201020203" pitchFamily="18" charset="0"/>
+              </a:rPr>
+              <a:t>Freeze</a:t>
+            </a:r>
+          </a:p>
+          <a:p>
+            <a:pPr algn="ctr"/>
+            <a:r>
+              <a:rPr lang="en-US" sz="800" b="1" dirty="0" smtClean="0">
+                <a:latin typeface="Century Gothic" panose="020B0502020202020204" pitchFamily="34" charset="0"/>
+                <a:cs typeface="Adobe Devanagari" panose="02040503050201020203" pitchFamily="18" charset="0"/>
+              </a:rPr>
+              <a:t>OD</a:t>
+            </a:r>
+            <a:endParaRPr lang="en-US" sz="800" b="1" dirty="0" smtClean="0">
+              <a:latin typeface="Century Gothic" panose="020B0502020202020204" pitchFamily="34" charset="0"/>
+              <a:cs typeface="Adobe Devanagari" panose="02040503050201020203" pitchFamily="18" charset="0"/>
+            </a:endParaRPr>
+          </a:p>
+          <a:p>
+            <a:pPr algn="ctr"/>
+            <a:r>
+              <a:rPr lang="en-US" sz="800" b="1" dirty="0" smtClean="0">
+                <a:latin typeface="Century Gothic" panose="020B0502020202020204" pitchFamily="34" charset="0"/>
+                <a:cs typeface="Adobe Devanagari" panose="02040503050201020203" pitchFamily="18" charset="0"/>
+              </a:rPr>
+              <a:t>Oct</a:t>
+            </a:r>
+            <a:endParaRPr lang="en-US" sz="800" b="1" dirty="0">
+              <a:latin typeface="Century Gothic" panose="020B0502020202020204" pitchFamily="34" charset="0"/>
+              <a:cs typeface="Adobe Devanagari" panose="02040503050201020203" pitchFamily="18" charset="0"/>
+            </a:endParaRPr>
+          </a:p>
+        </p:txBody>
+      </p:sp>
+      <p:sp>
+        <p:nvSpPr>
+          <p:cNvPr id="77" name="Rectangle 76"/>
+          <p:cNvSpPr/>
+          <p:nvPr/>
+        </p:nvSpPr>
+        <p:spPr>
+          <a:xfrm>
+            <a:off x="6737081" y="6018288"/>
+            <a:ext cx="4347480" cy="630663"/>
+          </a:xfrm>
+          <a:prstGeom prst="rect">
+            <a:avLst/>
+          </a:prstGeom>
+        </p:spPr>
+        <p:style>
+          <a:lnRef idx="2">
+            <a:schemeClr val="dk1">
+              <a:shade val="50000"/>
+            </a:schemeClr>
+          </a:lnRef>
+          <a:fillRef idx="1001">
+            <a:schemeClr val="dk2"/>
+          </a:fillRef>
+          <a:effectRef idx="0">
+            <a:schemeClr val="dk1"/>
+          </a:effectRef>
+          <a:fontRef idx="minor">
+            <a:schemeClr val="lt1"/>
+          </a:fontRef>
+        </p:style>
+        <p:txBody>
+          <a:bodyPr rtlCol="0" anchor="ctr"/>
+          <a:lstStyle/>
+          <a:p>
+            <a:r>
+              <a:rPr lang="en-US" sz="1600" b="1" dirty="0">
+                <a:solidFill>
+                  <a:schemeClr val="bg1"/>
+                </a:solidFill>
+              </a:rPr>
+              <a:t>Right Footswitch: </a:t>
+            </a:r>
+            <a:r>
+              <a:rPr lang="en-US" sz="1600" b="1" dirty="0" smtClean="0">
+                <a:solidFill>
+                  <a:schemeClr val="bg1"/>
+                </a:solidFill>
+              </a:rPr>
+              <a:t>Do action based on 3</a:t>
+            </a:r>
+            <a:r>
+              <a:rPr lang="en-US" sz="1600" b="1" baseline="30000" dirty="0" smtClean="0">
+                <a:solidFill>
+                  <a:schemeClr val="bg1"/>
+                </a:solidFill>
+              </a:rPr>
+              <a:t>rd</a:t>
+            </a:r>
+            <a:r>
+              <a:rPr lang="en-US" sz="1600" b="1" dirty="0" smtClean="0">
+                <a:solidFill>
+                  <a:schemeClr val="bg1"/>
+                </a:solidFill>
+              </a:rPr>
+              <a:t> toggle.</a:t>
+            </a:r>
+            <a:endParaRPr lang="en-US" sz="1600" b="1" dirty="0">
+              <a:solidFill>
+                <a:schemeClr val="bg1"/>
+              </a:solidFill>
+            </a:endParaRPr>
+          </a:p>
+        </p:txBody>
+      </p:sp>
+    </p:spTree>
+    <p:extLst>
+      <p:ext uri="{BB962C8B-B14F-4D97-AF65-F5344CB8AC3E}">
+        <p14:creationId xmlns:p14="http://schemas.microsoft.com/office/powerpoint/2010/main" val="2718096430"/>
+      </p:ext>
+    </p:extLst>
+  </p:cSld>
+  <p:clrMapOvr>
+    <a:masterClrMapping/>
+  </p:clrMapOvr>
+</p:sld>
+</file>
+
+<file path=ppt/slides/slide9.xml><?xml version="1.0" encoding="utf-8"?>
 <p:sld xmlns:a="http://schemas.openxmlformats.org/drawingml/2006/main" xmlns:r="http://schemas.openxmlformats.org/officeDocument/2006/relationships" xmlns:p="http://schemas.openxmlformats.org/presentationml/2006/main">
   <p:cSld>
     <p:spTree>

--- a/software/images/Infographics.pptx
+++ b/software/images/Infographics.pptx
@@ -13,7 +13,8 @@
     <p:sldId id="262" r:id="rId7"/>
     <p:sldId id="263" r:id="rId8"/>
     <p:sldId id="264" r:id="rId9"/>
-    <p:sldId id="260" r:id="rId10"/>
+    <p:sldId id="265" r:id="rId10"/>
+    <p:sldId id="260" r:id="rId11"/>
   </p:sldIdLst>
   <p:sldSz cx="12192000" cy="6858000"/>
   <p:notesSz cx="6858000" cy="9144000"/>
@@ -123,6 +124,30 @@
 <file path=ppt/changesInfos/changesInfo1.xml><?xml version="1.0" encoding="utf-8"?>
 <pc:chgInfo xmlns:a="http://schemas.openxmlformats.org/drawingml/2006/main" xmlns:r="http://schemas.openxmlformats.org/officeDocument/2006/relationships" xmlns:ac="http://schemas.microsoft.com/office/drawing/2013/main/command" xmlns:pc="http://schemas.microsoft.com/office/powerpoint/2013/main/command">
   <pc:docChgLst>
+    <pc:chgData name="Rachel Bloemer" userId="77b46c2fcbe54245" providerId="LiveId" clId="{A84FB524-E67A-4211-8697-C15450D7CF1C}"/>
+    <pc:docChg chg="modSld">
+      <pc:chgData name="Rachel Bloemer" userId="77b46c2fcbe54245" providerId="LiveId" clId="{A84FB524-E67A-4211-8697-C15450D7CF1C}" dt="2024-07-27T00:14:07.011" v="8" actId="20577"/>
+      <pc:docMkLst>
+        <pc:docMk/>
+      </pc:docMkLst>
+      <pc:sldChg chg="modSp mod">
+        <pc:chgData name="Rachel Bloemer" userId="77b46c2fcbe54245" providerId="LiveId" clId="{A84FB524-E67A-4211-8697-C15450D7CF1C}" dt="2024-07-27T00:14:07.011" v="8" actId="20577"/>
+        <pc:sldMkLst>
+          <pc:docMk/>
+          <pc:sldMk cId="2892489643" sldId="261"/>
+        </pc:sldMkLst>
+        <pc:spChg chg="mod">
+          <ac:chgData name="Rachel Bloemer" userId="77b46c2fcbe54245" providerId="LiveId" clId="{A84FB524-E67A-4211-8697-C15450D7CF1C}" dt="2024-07-27T00:14:07.011" v="8" actId="20577"/>
+          <ac:spMkLst>
+            <pc:docMk/>
+            <pc:sldMk cId="2892489643" sldId="261"/>
+            <ac:spMk id="60" creationId="{00000000-0000-0000-0000-000000000000}"/>
+          </ac:spMkLst>
+        </pc:spChg>
+      </pc:sldChg>
+    </pc:docChg>
+  </pc:docChgLst>
+  <pc:docChgLst>
     <pc:chgData name="Rachel Bloemer" userId="77b46c2fcbe54245" providerId="LiveId" clId="{9A7BBEF4-6F3C-4C64-8E1D-1FD87EBDAF77}"/>
     <pc:docChg chg="modSld">
       <pc:chgData name="Rachel Bloemer" userId="77b46c2fcbe54245" providerId="LiveId" clId="{9A7BBEF4-6F3C-4C64-8E1D-1FD87EBDAF77}" dt="2024-08-08T16:21:40.175" v="7" actId="20577"/>
@@ -149,30 +174,6 @@
             <pc:docMk/>
             <pc:sldMk cId="1849713498" sldId="262"/>
             <ac:spMk id="50" creationId="{00000000-0000-0000-0000-000000000000}"/>
-          </ac:spMkLst>
-        </pc:spChg>
-      </pc:sldChg>
-    </pc:docChg>
-  </pc:docChgLst>
-  <pc:docChgLst>
-    <pc:chgData name="Rachel Bloemer" userId="77b46c2fcbe54245" providerId="LiveId" clId="{A84FB524-E67A-4211-8697-C15450D7CF1C}"/>
-    <pc:docChg chg="modSld">
-      <pc:chgData name="Rachel Bloemer" userId="77b46c2fcbe54245" providerId="LiveId" clId="{A84FB524-E67A-4211-8697-C15450D7CF1C}" dt="2024-07-27T00:14:07.011" v="8" actId="20577"/>
-      <pc:docMkLst>
-        <pc:docMk/>
-      </pc:docMkLst>
-      <pc:sldChg chg="modSp mod">
-        <pc:chgData name="Rachel Bloemer" userId="77b46c2fcbe54245" providerId="LiveId" clId="{A84FB524-E67A-4211-8697-C15450D7CF1C}" dt="2024-07-27T00:14:07.011" v="8" actId="20577"/>
-        <pc:sldMkLst>
-          <pc:docMk/>
-          <pc:sldMk cId="2892489643" sldId="261"/>
-        </pc:sldMkLst>
-        <pc:spChg chg="mod">
-          <ac:chgData name="Rachel Bloemer" userId="77b46c2fcbe54245" providerId="LiveId" clId="{A84FB524-E67A-4211-8697-C15450D7CF1C}" dt="2024-07-27T00:14:07.011" v="8" actId="20577"/>
-          <ac:spMkLst>
-            <pc:docMk/>
-            <pc:sldMk cId="2892489643" sldId="261"/>
-            <ac:spMk id="60" creationId="{00000000-0000-0000-0000-000000000000}"/>
           </ac:spMkLst>
         </pc:spChg>
       </pc:sldChg>
@@ -372,7 +373,7 @@
           <a:p>
             <a:fld id="{E65F16E8-9810-4F67-B618-098E0E399057}" type="datetimeFigureOut">
               <a:rPr lang="en-US" smtClean="0"/>
-              <a:t>1/9/2025</a:t>
+              <a:t>2/11/2025</a:t>
             </a:fld>
             <a:endParaRPr lang="en-US"/>
           </a:p>
@@ -540,7 +541,7 @@
           <a:p>
             <a:fld id="{E65F16E8-9810-4F67-B618-098E0E399057}" type="datetimeFigureOut">
               <a:rPr lang="en-US" smtClean="0"/>
-              <a:t>1/9/2025</a:t>
+              <a:t>2/11/2025</a:t>
             </a:fld>
             <a:endParaRPr lang="en-US"/>
           </a:p>
@@ -718,7 +719,7 @@
           <a:p>
             <a:fld id="{E65F16E8-9810-4F67-B618-098E0E399057}" type="datetimeFigureOut">
               <a:rPr lang="en-US" smtClean="0"/>
-              <a:t>1/9/2025</a:t>
+              <a:t>2/11/2025</a:t>
             </a:fld>
             <a:endParaRPr lang="en-US"/>
           </a:p>
@@ -886,7 +887,7 @@
           <a:p>
             <a:fld id="{E65F16E8-9810-4F67-B618-098E0E399057}" type="datetimeFigureOut">
               <a:rPr lang="en-US" smtClean="0"/>
-              <a:t>1/9/2025</a:t>
+              <a:t>2/11/2025</a:t>
             </a:fld>
             <a:endParaRPr lang="en-US"/>
           </a:p>
@@ -1131,7 +1132,7 @@
           <a:p>
             <a:fld id="{E65F16E8-9810-4F67-B618-098E0E399057}" type="datetimeFigureOut">
               <a:rPr lang="en-US" smtClean="0"/>
-              <a:t>1/9/2025</a:t>
+              <a:t>2/11/2025</a:t>
             </a:fld>
             <a:endParaRPr lang="en-US"/>
           </a:p>
@@ -1360,7 +1361,7 @@
           <a:p>
             <a:fld id="{E65F16E8-9810-4F67-B618-098E0E399057}" type="datetimeFigureOut">
               <a:rPr lang="en-US" smtClean="0"/>
-              <a:t>1/9/2025</a:t>
+              <a:t>2/11/2025</a:t>
             </a:fld>
             <a:endParaRPr lang="en-US"/>
           </a:p>
@@ -1724,7 +1725,7 @@
           <a:p>
             <a:fld id="{E65F16E8-9810-4F67-B618-098E0E399057}" type="datetimeFigureOut">
               <a:rPr lang="en-US" smtClean="0"/>
-              <a:t>1/9/2025</a:t>
+              <a:t>2/11/2025</a:t>
             </a:fld>
             <a:endParaRPr lang="en-US"/>
           </a:p>
@@ -1841,7 +1842,7 @@
           <a:p>
             <a:fld id="{E65F16E8-9810-4F67-B618-098E0E399057}" type="datetimeFigureOut">
               <a:rPr lang="en-US" smtClean="0"/>
-              <a:t>1/9/2025</a:t>
+              <a:t>2/11/2025</a:t>
             </a:fld>
             <a:endParaRPr lang="en-US"/>
           </a:p>
@@ -1936,7 +1937,7 @@
           <a:p>
             <a:fld id="{E65F16E8-9810-4F67-B618-098E0E399057}" type="datetimeFigureOut">
               <a:rPr lang="en-US" smtClean="0"/>
-              <a:t>1/9/2025</a:t>
+              <a:t>2/11/2025</a:t>
             </a:fld>
             <a:endParaRPr lang="en-US"/>
           </a:p>
@@ -2211,7 +2212,7 @@
           <a:p>
             <a:fld id="{E65F16E8-9810-4F67-B618-098E0E399057}" type="datetimeFigureOut">
               <a:rPr lang="en-US" smtClean="0"/>
-              <a:t>1/9/2025</a:t>
+              <a:t>2/11/2025</a:t>
             </a:fld>
             <a:endParaRPr lang="en-US"/>
           </a:p>
@@ -2463,7 +2464,7 @@
           <a:p>
             <a:fld id="{E65F16E8-9810-4F67-B618-098E0E399057}" type="datetimeFigureOut">
               <a:rPr lang="en-US" smtClean="0"/>
-              <a:t>1/9/2025</a:t>
+              <a:t>2/11/2025</a:t>
             </a:fld>
             <a:endParaRPr lang="en-US"/>
           </a:p>
@@ -2674,7 +2675,7 @@
           <a:p>
             <a:fld id="{E65F16E8-9810-4F67-B618-098E0E399057}" type="datetimeFigureOut">
               <a:rPr lang="en-US" smtClean="0"/>
-              <a:t>1/9/2025</a:t>
+              <a:t>2/11/2025</a:t>
             </a:fld>
             <a:endParaRPr lang="en-US"/>
           </a:p>
@@ -6106,6 +6107,2827 @@
 </p:sld>
 </file>
 
+<file path=ppt/slides/slide10.xml><?xml version="1.0" encoding="utf-8"?>
+<p:sld xmlns:a="http://schemas.openxmlformats.org/drawingml/2006/main" xmlns:r="http://schemas.openxmlformats.org/officeDocument/2006/relationships" xmlns:p="http://schemas.openxmlformats.org/presentationml/2006/main">
+  <p:cSld>
+    <p:spTree>
+      <p:nvGrpSpPr>
+        <p:cNvPr id="1" name=""/>
+        <p:cNvGrpSpPr/>
+        <p:nvPr/>
+      </p:nvGrpSpPr>
+      <p:grpSpPr>
+        <a:xfrm>
+          <a:off x="0" y="0"/>
+          <a:ext cx="0" cy="0"/>
+          <a:chOff x="0" y="0"/>
+          <a:chExt cx="0" cy="0"/>
+        </a:xfrm>
+      </p:grpSpPr>
+      <p:sp>
+        <p:nvSpPr>
+          <p:cNvPr id="2" name="Rounded Rectangle 1"/>
+          <p:cNvSpPr/>
+          <p:nvPr/>
+        </p:nvSpPr>
+        <p:spPr>
+          <a:xfrm>
+            <a:off x="4687514" y="1221568"/>
+            <a:ext cx="2502100" cy="4599225"/>
+          </a:xfrm>
+          <a:prstGeom prst="roundRect">
+            <a:avLst>
+              <a:gd name="adj" fmla="val 4232"/>
+            </a:avLst>
+          </a:prstGeom>
+          <a:solidFill>
+            <a:srgbClr val="EFEBE5"/>
+          </a:solidFill>
+          <a:ln w="57150"/>
+        </p:spPr>
+        <p:style>
+          <a:lnRef idx="2">
+            <a:schemeClr val="accent1">
+              <a:shade val="50000"/>
+            </a:schemeClr>
+          </a:lnRef>
+          <a:fillRef idx="1">
+            <a:schemeClr val="accent1"/>
+          </a:fillRef>
+          <a:effectRef idx="0">
+            <a:schemeClr val="accent1"/>
+          </a:effectRef>
+          <a:fontRef idx="minor">
+            <a:schemeClr val="lt1"/>
+          </a:fontRef>
+        </p:style>
+        <p:txBody>
+          <a:bodyPr rtlCol="0" anchor="ctr"/>
+          <a:lstStyle/>
+          <a:p>
+            <a:pPr algn="ctr"/>
+            <a:endParaRPr lang="en-US"/>
+          </a:p>
+        </p:txBody>
+      </p:sp>
+      <p:sp>
+        <p:nvSpPr>
+          <p:cNvPr id="3" name="Isosceles Triangle 2"/>
+          <p:cNvSpPr/>
+          <p:nvPr/>
+        </p:nvSpPr>
+        <p:spPr>
+          <a:xfrm>
+            <a:off x="5272231" y="1277448"/>
+            <a:ext cx="160020" cy="144780"/>
+          </a:xfrm>
+          <a:prstGeom prst="triangle">
+            <a:avLst/>
+          </a:prstGeom>
+          <a:solidFill>
+            <a:schemeClr val="tx1"/>
+          </a:solidFill>
+          <a:ln>
+            <a:solidFill>
+              <a:schemeClr val="tx1"/>
+            </a:solidFill>
+          </a:ln>
+        </p:spPr>
+        <p:style>
+          <a:lnRef idx="2">
+            <a:schemeClr val="accent1">
+              <a:shade val="50000"/>
+            </a:schemeClr>
+          </a:lnRef>
+          <a:fillRef idx="1">
+            <a:schemeClr val="accent1"/>
+          </a:fillRef>
+          <a:effectRef idx="0">
+            <a:schemeClr val="accent1"/>
+          </a:effectRef>
+          <a:fontRef idx="minor">
+            <a:schemeClr val="lt1"/>
+          </a:fontRef>
+        </p:style>
+        <p:txBody>
+          <a:bodyPr rtlCol="0" anchor="ctr"/>
+          <a:lstStyle/>
+          <a:p>
+            <a:pPr algn="ctr"/>
+            <a:endParaRPr lang="en-US" dirty="0"/>
+          </a:p>
+        </p:txBody>
+      </p:sp>
+      <p:sp>
+        <p:nvSpPr>
+          <p:cNvPr id="4" name="Isosceles Triangle 3"/>
+          <p:cNvSpPr/>
+          <p:nvPr/>
+        </p:nvSpPr>
+        <p:spPr>
+          <a:xfrm rot="10800000">
+            <a:off x="6477144" y="1277448"/>
+            <a:ext cx="160020" cy="144780"/>
+          </a:xfrm>
+          <a:prstGeom prst="triangle">
+            <a:avLst/>
+          </a:prstGeom>
+          <a:solidFill>
+            <a:schemeClr val="tx1"/>
+          </a:solidFill>
+          <a:ln>
+            <a:solidFill>
+              <a:schemeClr val="tx1"/>
+            </a:solidFill>
+          </a:ln>
+        </p:spPr>
+        <p:style>
+          <a:lnRef idx="2">
+            <a:schemeClr val="accent1">
+              <a:shade val="50000"/>
+            </a:schemeClr>
+          </a:lnRef>
+          <a:fillRef idx="1">
+            <a:schemeClr val="accent1"/>
+          </a:fillRef>
+          <a:effectRef idx="0">
+            <a:schemeClr val="accent1"/>
+          </a:effectRef>
+          <a:fontRef idx="minor">
+            <a:schemeClr val="lt1"/>
+          </a:fontRef>
+        </p:style>
+        <p:txBody>
+          <a:bodyPr rtlCol="0" anchor="ctr"/>
+          <a:lstStyle/>
+          <a:p>
+            <a:pPr algn="ctr"/>
+            <a:endParaRPr lang="en-US" dirty="0"/>
+          </a:p>
+        </p:txBody>
+      </p:sp>
+      <p:sp>
+        <p:nvSpPr>
+          <p:cNvPr id="5" name="Oval 4"/>
+          <p:cNvSpPr/>
+          <p:nvPr/>
+        </p:nvSpPr>
+        <p:spPr>
+          <a:xfrm>
+            <a:off x="4875991" y="1747348"/>
+            <a:ext cx="556260" cy="533400"/>
+          </a:xfrm>
+          <a:prstGeom prst="ellipse">
+            <a:avLst/>
+          </a:prstGeom>
+          <a:solidFill>
+            <a:schemeClr val="bg2">
+              <a:lumMod val="50000"/>
+            </a:schemeClr>
+          </a:solidFill>
+          <a:ln w="28575">
+            <a:solidFill>
+              <a:schemeClr val="tx1"/>
+            </a:solidFill>
+          </a:ln>
+        </p:spPr>
+        <p:style>
+          <a:lnRef idx="2">
+            <a:schemeClr val="accent1">
+              <a:shade val="50000"/>
+            </a:schemeClr>
+          </a:lnRef>
+          <a:fillRef idx="1">
+            <a:schemeClr val="accent1"/>
+          </a:fillRef>
+          <a:effectRef idx="0">
+            <a:schemeClr val="accent1"/>
+          </a:effectRef>
+          <a:fontRef idx="minor">
+            <a:schemeClr val="lt1"/>
+          </a:fontRef>
+        </p:style>
+        <p:txBody>
+          <a:bodyPr rtlCol="0" anchor="ctr"/>
+          <a:lstStyle/>
+          <a:p>
+            <a:pPr algn="ctr"/>
+            <a:endParaRPr lang="en-US"/>
+          </a:p>
+        </p:txBody>
+      </p:sp>
+      <p:sp>
+        <p:nvSpPr>
+          <p:cNvPr id="6" name="Oval 5"/>
+          <p:cNvSpPr/>
+          <p:nvPr/>
+        </p:nvSpPr>
+        <p:spPr>
+          <a:xfrm>
+            <a:off x="5660434" y="1747348"/>
+            <a:ext cx="556260" cy="533400"/>
+          </a:xfrm>
+          <a:prstGeom prst="ellipse">
+            <a:avLst/>
+          </a:prstGeom>
+          <a:solidFill>
+            <a:schemeClr val="bg2">
+              <a:lumMod val="50000"/>
+            </a:schemeClr>
+          </a:solidFill>
+          <a:ln w="28575">
+            <a:solidFill>
+              <a:schemeClr val="tx1"/>
+            </a:solidFill>
+          </a:ln>
+        </p:spPr>
+        <p:style>
+          <a:lnRef idx="2">
+            <a:schemeClr val="accent1">
+              <a:shade val="50000"/>
+            </a:schemeClr>
+          </a:lnRef>
+          <a:fillRef idx="1">
+            <a:schemeClr val="accent1"/>
+          </a:fillRef>
+          <a:effectRef idx="0">
+            <a:schemeClr val="accent1"/>
+          </a:effectRef>
+          <a:fontRef idx="minor">
+            <a:schemeClr val="lt1"/>
+          </a:fontRef>
+        </p:style>
+        <p:txBody>
+          <a:bodyPr rtlCol="0" anchor="ctr"/>
+          <a:lstStyle/>
+          <a:p>
+            <a:pPr algn="ctr"/>
+            <a:endParaRPr lang="en-US"/>
+          </a:p>
+        </p:txBody>
+      </p:sp>
+      <p:sp>
+        <p:nvSpPr>
+          <p:cNvPr id="7" name="Oval 6"/>
+          <p:cNvSpPr/>
+          <p:nvPr/>
+        </p:nvSpPr>
+        <p:spPr>
+          <a:xfrm>
+            <a:off x="6457944" y="1747348"/>
+            <a:ext cx="556260" cy="533400"/>
+          </a:xfrm>
+          <a:prstGeom prst="ellipse">
+            <a:avLst/>
+          </a:prstGeom>
+          <a:solidFill>
+            <a:schemeClr val="bg2">
+              <a:lumMod val="50000"/>
+            </a:schemeClr>
+          </a:solidFill>
+          <a:ln w="28575">
+            <a:solidFill>
+              <a:schemeClr val="tx1"/>
+            </a:solidFill>
+          </a:ln>
+        </p:spPr>
+        <p:style>
+          <a:lnRef idx="2">
+            <a:schemeClr val="accent1">
+              <a:shade val="50000"/>
+            </a:schemeClr>
+          </a:lnRef>
+          <a:fillRef idx="1">
+            <a:schemeClr val="accent1"/>
+          </a:fillRef>
+          <a:effectRef idx="0">
+            <a:schemeClr val="accent1"/>
+          </a:effectRef>
+          <a:fontRef idx="minor">
+            <a:schemeClr val="lt1"/>
+          </a:fontRef>
+        </p:style>
+        <p:txBody>
+          <a:bodyPr rtlCol="0" anchor="ctr"/>
+          <a:lstStyle/>
+          <a:p>
+            <a:pPr algn="ctr"/>
+            <a:endParaRPr lang="en-US"/>
+          </a:p>
+        </p:txBody>
+      </p:sp>
+      <p:sp>
+        <p:nvSpPr>
+          <p:cNvPr id="8" name="Oval 7"/>
+          <p:cNvSpPr/>
+          <p:nvPr/>
+        </p:nvSpPr>
+        <p:spPr>
+          <a:xfrm>
+            <a:off x="4875991" y="2745568"/>
+            <a:ext cx="556260" cy="533400"/>
+          </a:xfrm>
+          <a:prstGeom prst="ellipse">
+            <a:avLst/>
+          </a:prstGeom>
+          <a:solidFill>
+            <a:schemeClr val="bg2">
+              <a:lumMod val="50000"/>
+            </a:schemeClr>
+          </a:solidFill>
+          <a:ln w="28575">
+            <a:solidFill>
+              <a:schemeClr val="tx1"/>
+            </a:solidFill>
+          </a:ln>
+        </p:spPr>
+        <p:style>
+          <a:lnRef idx="2">
+            <a:schemeClr val="accent1">
+              <a:shade val="50000"/>
+            </a:schemeClr>
+          </a:lnRef>
+          <a:fillRef idx="1">
+            <a:schemeClr val="accent1"/>
+          </a:fillRef>
+          <a:effectRef idx="0">
+            <a:schemeClr val="accent1"/>
+          </a:effectRef>
+          <a:fontRef idx="minor">
+            <a:schemeClr val="lt1"/>
+          </a:fontRef>
+        </p:style>
+        <p:txBody>
+          <a:bodyPr rtlCol="0" anchor="ctr"/>
+          <a:lstStyle/>
+          <a:p>
+            <a:pPr algn="ctr"/>
+            <a:endParaRPr lang="en-US"/>
+          </a:p>
+        </p:txBody>
+      </p:sp>
+      <p:sp>
+        <p:nvSpPr>
+          <p:cNvPr id="9" name="Oval 8"/>
+          <p:cNvSpPr/>
+          <p:nvPr/>
+        </p:nvSpPr>
+        <p:spPr>
+          <a:xfrm>
+            <a:off x="5660434" y="2745568"/>
+            <a:ext cx="556260" cy="533400"/>
+          </a:xfrm>
+          <a:prstGeom prst="ellipse">
+            <a:avLst/>
+          </a:prstGeom>
+          <a:solidFill>
+            <a:schemeClr val="bg2">
+              <a:lumMod val="50000"/>
+            </a:schemeClr>
+          </a:solidFill>
+          <a:ln w="28575">
+            <a:solidFill>
+              <a:schemeClr val="tx1"/>
+            </a:solidFill>
+          </a:ln>
+        </p:spPr>
+        <p:style>
+          <a:lnRef idx="2">
+            <a:schemeClr val="accent1">
+              <a:shade val="50000"/>
+            </a:schemeClr>
+          </a:lnRef>
+          <a:fillRef idx="1">
+            <a:schemeClr val="accent1"/>
+          </a:fillRef>
+          <a:effectRef idx="0">
+            <a:schemeClr val="accent1"/>
+          </a:effectRef>
+          <a:fontRef idx="minor">
+            <a:schemeClr val="lt1"/>
+          </a:fontRef>
+        </p:style>
+        <p:txBody>
+          <a:bodyPr rtlCol="0" anchor="ctr"/>
+          <a:lstStyle/>
+          <a:p>
+            <a:pPr algn="ctr"/>
+            <a:endParaRPr lang="en-US"/>
+          </a:p>
+        </p:txBody>
+      </p:sp>
+      <p:sp>
+        <p:nvSpPr>
+          <p:cNvPr id="10" name="Oval 9"/>
+          <p:cNvSpPr/>
+          <p:nvPr/>
+        </p:nvSpPr>
+        <p:spPr>
+          <a:xfrm>
+            <a:off x="6457944" y="2745568"/>
+            <a:ext cx="556260" cy="533400"/>
+          </a:xfrm>
+          <a:prstGeom prst="ellipse">
+            <a:avLst/>
+          </a:prstGeom>
+          <a:solidFill>
+            <a:schemeClr val="bg2">
+              <a:lumMod val="50000"/>
+            </a:schemeClr>
+          </a:solidFill>
+          <a:ln w="28575">
+            <a:solidFill>
+              <a:schemeClr val="tx1"/>
+            </a:solidFill>
+          </a:ln>
+        </p:spPr>
+        <p:style>
+          <a:lnRef idx="2">
+            <a:schemeClr val="accent1">
+              <a:shade val="50000"/>
+            </a:schemeClr>
+          </a:lnRef>
+          <a:fillRef idx="1">
+            <a:schemeClr val="accent1"/>
+          </a:fillRef>
+          <a:effectRef idx="0">
+            <a:schemeClr val="accent1"/>
+          </a:effectRef>
+          <a:fontRef idx="minor">
+            <a:schemeClr val="lt1"/>
+          </a:fontRef>
+        </p:style>
+        <p:txBody>
+          <a:bodyPr rtlCol="0" anchor="ctr"/>
+          <a:lstStyle/>
+          <a:p>
+            <a:pPr algn="ctr"/>
+            <a:endParaRPr lang="en-US"/>
+          </a:p>
+        </p:txBody>
+      </p:sp>
+      <p:sp>
+        <p:nvSpPr>
+          <p:cNvPr id="11" name="Oval 10"/>
+          <p:cNvSpPr/>
+          <p:nvPr/>
+        </p:nvSpPr>
+        <p:spPr>
+          <a:xfrm rot="16200000">
+            <a:off x="5037119" y="3795700"/>
+            <a:ext cx="245746" cy="243840"/>
+          </a:xfrm>
+          <a:prstGeom prst="ellipse">
+            <a:avLst/>
+          </a:prstGeom>
+          <a:ln w="19050">
+            <a:solidFill>
+              <a:schemeClr val="tx1"/>
+            </a:solidFill>
+          </a:ln>
+        </p:spPr>
+        <p:style>
+          <a:lnRef idx="2">
+            <a:schemeClr val="accent1">
+              <a:shade val="50000"/>
+            </a:schemeClr>
+          </a:lnRef>
+          <a:fillRef idx="1">
+            <a:schemeClr val="accent1"/>
+          </a:fillRef>
+          <a:effectRef idx="0">
+            <a:schemeClr val="accent1"/>
+          </a:effectRef>
+          <a:fontRef idx="minor">
+            <a:schemeClr val="lt1"/>
+          </a:fontRef>
+        </p:style>
+        <p:txBody>
+          <a:bodyPr rtlCol="0" anchor="ctr"/>
+          <a:lstStyle/>
+          <a:p>
+            <a:pPr algn="ctr"/>
+            <a:endParaRPr lang="en-US"/>
+          </a:p>
+        </p:txBody>
+      </p:sp>
+      <p:sp>
+        <p:nvSpPr>
+          <p:cNvPr id="12" name="Flowchart: Terminator 11"/>
+          <p:cNvSpPr/>
+          <p:nvPr/>
+        </p:nvSpPr>
+        <p:spPr>
+          <a:xfrm rot="16200000">
+            <a:off x="5017245" y="3807751"/>
+            <a:ext cx="95488" cy="208168"/>
+          </a:xfrm>
+          <a:prstGeom prst="flowChartTerminator">
+            <a:avLst/>
+          </a:prstGeom>
+          <a:ln w="19050">
+            <a:solidFill>
+              <a:schemeClr val="tx1"/>
+            </a:solidFill>
+          </a:ln>
+        </p:spPr>
+        <p:style>
+          <a:lnRef idx="2">
+            <a:schemeClr val="accent1">
+              <a:shade val="50000"/>
+            </a:schemeClr>
+          </a:lnRef>
+          <a:fillRef idx="1">
+            <a:schemeClr val="accent1"/>
+          </a:fillRef>
+          <a:effectRef idx="0">
+            <a:schemeClr val="accent1"/>
+          </a:effectRef>
+          <a:fontRef idx="minor">
+            <a:schemeClr val="lt1"/>
+          </a:fontRef>
+        </p:style>
+        <p:txBody>
+          <a:bodyPr rtlCol="0" anchor="ctr"/>
+          <a:lstStyle/>
+          <a:p>
+            <a:pPr algn="ctr"/>
+            <a:endParaRPr lang="en-US"/>
+          </a:p>
+        </p:txBody>
+      </p:sp>
+      <p:sp>
+        <p:nvSpPr>
+          <p:cNvPr id="13" name="Oval 12"/>
+          <p:cNvSpPr/>
+          <p:nvPr/>
+        </p:nvSpPr>
+        <p:spPr>
+          <a:xfrm>
+            <a:off x="5074110" y="4501971"/>
+            <a:ext cx="160020" cy="150019"/>
+          </a:xfrm>
+          <a:prstGeom prst="ellipse">
+            <a:avLst/>
+          </a:prstGeom>
+        </p:spPr>
+        <p:style>
+          <a:lnRef idx="2">
+            <a:schemeClr val="accent1">
+              <a:shade val="50000"/>
+            </a:schemeClr>
+          </a:lnRef>
+          <a:fillRef idx="1">
+            <a:schemeClr val="accent1"/>
+          </a:fillRef>
+          <a:effectRef idx="0">
+            <a:schemeClr val="accent1"/>
+          </a:effectRef>
+          <a:fontRef idx="minor">
+            <a:schemeClr val="lt1"/>
+          </a:fontRef>
+        </p:style>
+        <p:txBody>
+          <a:bodyPr rtlCol="0" anchor="ctr"/>
+          <a:lstStyle/>
+          <a:p>
+            <a:pPr algn="ctr"/>
+            <a:endParaRPr lang="en-US"/>
+          </a:p>
+        </p:txBody>
+      </p:sp>
+      <p:sp>
+        <p:nvSpPr>
+          <p:cNvPr id="14" name="Oval 13"/>
+          <p:cNvSpPr/>
+          <p:nvPr/>
+        </p:nvSpPr>
+        <p:spPr>
+          <a:xfrm>
+            <a:off x="6625461" y="4501971"/>
+            <a:ext cx="160020" cy="150019"/>
+          </a:xfrm>
+          <a:prstGeom prst="ellipse">
+            <a:avLst/>
+          </a:prstGeom>
+        </p:spPr>
+        <p:style>
+          <a:lnRef idx="2">
+            <a:schemeClr val="accent1">
+              <a:shade val="50000"/>
+            </a:schemeClr>
+          </a:lnRef>
+          <a:fillRef idx="1">
+            <a:schemeClr val="accent1"/>
+          </a:fillRef>
+          <a:effectRef idx="0">
+            <a:schemeClr val="accent1"/>
+          </a:effectRef>
+          <a:fontRef idx="minor">
+            <a:schemeClr val="lt1"/>
+          </a:fontRef>
+        </p:style>
+        <p:txBody>
+          <a:bodyPr rtlCol="0" anchor="ctr"/>
+          <a:lstStyle/>
+          <a:p>
+            <a:pPr algn="ctr"/>
+            <a:endParaRPr lang="en-US"/>
+          </a:p>
+        </p:txBody>
+      </p:sp>
+      <p:sp>
+        <p:nvSpPr>
+          <p:cNvPr id="15" name="Oval 14"/>
+          <p:cNvSpPr/>
+          <p:nvPr/>
+        </p:nvSpPr>
+        <p:spPr>
+          <a:xfrm>
+            <a:off x="4863758" y="5009546"/>
+            <a:ext cx="580727" cy="560414"/>
+          </a:xfrm>
+          <a:prstGeom prst="ellipse">
+            <a:avLst/>
+          </a:prstGeom>
+          <a:ln w="28575">
+            <a:solidFill>
+              <a:schemeClr val="bg2"/>
+            </a:solidFill>
+          </a:ln>
+        </p:spPr>
+        <p:style>
+          <a:lnRef idx="2">
+            <a:schemeClr val="accent1">
+              <a:shade val="50000"/>
+            </a:schemeClr>
+          </a:lnRef>
+          <a:fillRef idx="1">
+            <a:schemeClr val="accent1"/>
+          </a:fillRef>
+          <a:effectRef idx="0">
+            <a:schemeClr val="accent1"/>
+          </a:effectRef>
+          <a:fontRef idx="minor">
+            <a:schemeClr val="lt1"/>
+          </a:fontRef>
+        </p:style>
+        <p:txBody>
+          <a:bodyPr rtlCol="0" anchor="ctr"/>
+          <a:lstStyle/>
+          <a:p>
+            <a:pPr algn="ctr"/>
+            <a:endParaRPr lang="en-US"/>
+          </a:p>
+        </p:txBody>
+      </p:sp>
+      <p:sp>
+        <p:nvSpPr>
+          <p:cNvPr id="16" name="Oval 15"/>
+          <p:cNvSpPr/>
+          <p:nvPr/>
+        </p:nvSpPr>
+        <p:spPr>
+          <a:xfrm>
+            <a:off x="4957086" y="5095929"/>
+            <a:ext cx="394069" cy="380371"/>
+          </a:xfrm>
+          <a:prstGeom prst="ellipse">
+            <a:avLst/>
+          </a:prstGeom>
+          <a:ln w="28575">
+            <a:solidFill>
+              <a:schemeClr val="bg2"/>
+            </a:solidFill>
+          </a:ln>
+        </p:spPr>
+        <p:style>
+          <a:lnRef idx="2">
+            <a:schemeClr val="accent1">
+              <a:shade val="50000"/>
+            </a:schemeClr>
+          </a:lnRef>
+          <a:fillRef idx="1">
+            <a:schemeClr val="accent1"/>
+          </a:fillRef>
+          <a:effectRef idx="0">
+            <a:schemeClr val="accent1"/>
+          </a:effectRef>
+          <a:fontRef idx="minor">
+            <a:schemeClr val="lt1"/>
+          </a:fontRef>
+        </p:style>
+        <p:txBody>
+          <a:bodyPr rtlCol="0" anchor="ctr"/>
+          <a:lstStyle/>
+          <a:p>
+            <a:pPr algn="ctr"/>
+            <a:endParaRPr lang="en-US"/>
+          </a:p>
+        </p:txBody>
+      </p:sp>
+      <p:sp>
+        <p:nvSpPr>
+          <p:cNvPr id="17" name="Oval 16"/>
+          <p:cNvSpPr/>
+          <p:nvPr/>
+        </p:nvSpPr>
+        <p:spPr>
+          <a:xfrm>
+            <a:off x="6422429" y="5000772"/>
+            <a:ext cx="580727" cy="560414"/>
+          </a:xfrm>
+          <a:prstGeom prst="ellipse">
+            <a:avLst/>
+          </a:prstGeom>
+          <a:ln w="28575">
+            <a:solidFill>
+              <a:schemeClr val="bg2"/>
+            </a:solidFill>
+          </a:ln>
+        </p:spPr>
+        <p:style>
+          <a:lnRef idx="2">
+            <a:schemeClr val="accent1">
+              <a:shade val="50000"/>
+            </a:schemeClr>
+          </a:lnRef>
+          <a:fillRef idx="1">
+            <a:schemeClr val="accent1"/>
+          </a:fillRef>
+          <a:effectRef idx="0">
+            <a:schemeClr val="accent1"/>
+          </a:effectRef>
+          <a:fontRef idx="minor">
+            <a:schemeClr val="lt1"/>
+          </a:fontRef>
+        </p:style>
+        <p:txBody>
+          <a:bodyPr rtlCol="0" anchor="ctr"/>
+          <a:lstStyle/>
+          <a:p>
+            <a:pPr algn="ctr"/>
+            <a:endParaRPr lang="en-US"/>
+          </a:p>
+        </p:txBody>
+      </p:sp>
+      <p:sp>
+        <p:nvSpPr>
+          <p:cNvPr id="18" name="Oval 17"/>
+          <p:cNvSpPr/>
+          <p:nvPr/>
+        </p:nvSpPr>
+        <p:spPr>
+          <a:xfrm>
+            <a:off x="6515757" y="5087155"/>
+            <a:ext cx="394069" cy="380371"/>
+          </a:xfrm>
+          <a:prstGeom prst="ellipse">
+            <a:avLst/>
+          </a:prstGeom>
+          <a:ln w="28575">
+            <a:solidFill>
+              <a:schemeClr val="bg2"/>
+            </a:solidFill>
+          </a:ln>
+        </p:spPr>
+        <p:style>
+          <a:lnRef idx="2">
+            <a:schemeClr val="accent1">
+              <a:shade val="50000"/>
+            </a:schemeClr>
+          </a:lnRef>
+          <a:fillRef idx="1">
+            <a:schemeClr val="accent1"/>
+          </a:fillRef>
+          <a:effectRef idx="0">
+            <a:schemeClr val="accent1"/>
+          </a:effectRef>
+          <a:fontRef idx="minor">
+            <a:schemeClr val="lt1"/>
+          </a:fontRef>
+        </p:style>
+        <p:txBody>
+          <a:bodyPr rtlCol="0" anchor="ctr"/>
+          <a:lstStyle/>
+          <a:p>
+            <a:pPr algn="ctr"/>
+            <a:endParaRPr lang="en-US"/>
+          </a:p>
+        </p:txBody>
+      </p:sp>
+      <p:cxnSp>
+        <p:nvCxnSpPr>
+          <p:cNvPr id="19" name="Straight Connector 18"/>
+          <p:cNvCxnSpPr>
+            <a:stCxn id="5" idx="0"/>
+          </p:cNvCxnSpPr>
+          <p:nvPr/>
+        </p:nvCxnSpPr>
+        <p:spPr>
+          <a:xfrm>
+            <a:off x="5154121" y="1747348"/>
+            <a:ext cx="1" cy="266700"/>
+          </a:xfrm>
+          <a:prstGeom prst="line">
+            <a:avLst/>
+          </a:prstGeom>
+          <a:ln w="38100"/>
+        </p:spPr>
+        <p:style>
+          <a:lnRef idx="3">
+            <a:schemeClr val="dk1"/>
+          </a:lnRef>
+          <a:fillRef idx="0">
+            <a:schemeClr val="dk1"/>
+          </a:fillRef>
+          <a:effectRef idx="2">
+            <a:schemeClr val="dk1"/>
+          </a:effectRef>
+          <a:fontRef idx="minor">
+            <a:schemeClr val="tx1"/>
+          </a:fontRef>
+        </p:style>
+      </p:cxnSp>
+      <p:cxnSp>
+        <p:nvCxnSpPr>
+          <p:cNvPr id="20" name="Straight Connector 19"/>
+          <p:cNvCxnSpPr/>
+          <p:nvPr/>
+        </p:nvCxnSpPr>
+        <p:spPr>
+          <a:xfrm>
+            <a:off x="5938564" y="1747348"/>
+            <a:ext cx="1" cy="266700"/>
+          </a:xfrm>
+          <a:prstGeom prst="line">
+            <a:avLst/>
+          </a:prstGeom>
+          <a:ln w="38100"/>
+        </p:spPr>
+        <p:style>
+          <a:lnRef idx="3">
+            <a:schemeClr val="dk1"/>
+          </a:lnRef>
+          <a:fillRef idx="0">
+            <a:schemeClr val="dk1"/>
+          </a:fillRef>
+          <a:effectRef idx="2">
+            <a:schemeClr val="dk1"/>
+          </a:effectRef>
+          <a:fontRef idx="minor">
+            <a:schemeClr val="tx1"/>
+          </a:fontRef>
+        </p:style>
+      </p:cxnSp>
+      <p:cxnSp>
+        <p:nvCxnSpPr>
+          <p:cNvPr id="21" name="Straight Connector 20"/>
+          <p:cNvCxnSpPr/>
+          <p:nvPr/>
+        </p:nvCxnSpPr>
+        <p:spPr>
+          <a:xfrm>
+            <a:off x="6734588" y="1753641"/>
+            <a:ext cx="1" cy="266700"/>
+          </a:xfrm>
+          <a:prstGeom prst="line">
+            <a:avLst/>
+          </a:prstGeom>
+          <a:ln w="38100"/>
+        </p:spPr>
+        <p:style>
+          <a:lnRef idx="3">
+            <a:schemeClr val="dk1"/>
+          </a:lnRef>
+          <a:fillRef idx="0">
+            <a:schemeClr val="dk1"/>
+          </a:fillRef>
+          <a:effectRef idx="2">
+            <a:schemeClr val="dk1"/>
+          </a:effectRef>
+          <a:fontRef idx="minor">
+            <a:schemeClr val="tx1"/>
+          </a:fontRef>
+        </p:style>
+      </p:cxnSp>
+      <p:cxnSp>
+        <p:nvCxnSpPr>
+          <p:cNvPr id="22" name="Straight Connector 21"/>
+          <p:cNvCxnSpPr/>
+          <p:nvPr/>
+        </p:nvCxnSpPr>
+        <p:spPr>
+          <a:xfrm>
+            <a:off x="5147733" y="2745568"/>
+            <a:ext cx="1" cy="266700"/>
+          </a:xfrm>
+          <a:prstGeom prst="line">
+            <a:avLst/>
+          </a:prstGeom>
+          <a:ln w="38100"/>
+        </p:spPr>
+        <p:style>
+          <a:lnRef idx="3">
+            <a:schemeClr val="dk1"/>
+          </a:lnRef>
+          <a:fillRef idx="0">
+            <a:schemeClr val="dk1"/>
+          </a:fillRef>
+          <a:effectRef idx="2">
+            <a:schemeClr val="dk1"/>
+          </a:effectRef>
+          <a:fontRef idx="minor">
+            <a:schemeClr val="tx1"/>
+          </a:fontRef>
+        </p:style>
+      </p:cxnSp>
+      <p:cxnSp>
+        <p:nvCxnSpPr>
+          <p:cNvPr id="23" name="Straight Connector 22"/>
+          <p:cNvCxnSpPr/>
+          <p:nvPr/>
+        </p:nvCxnSpPr>
+        <p:spPr>
+          <a:xfrm>
+            <a:off x="5938564" y="2745568"/>
+            <a:ext cx="1" cy="266700"/>
+          </a:xfrm>
+          <a:prstGeom prst="line">
+            <a:avLst/>
+          </a:prstGeom>
+          <a:ln w="38100"/>
+        </p:spPr>
+        <p:style>
+          <a:lnRef idx="3">
+            <a:schemeClr val="dk1"/>
+          </a:lnRef>
+          <a:fillRef idx="0">
+            <a:schemeClr val="dk1"/>
+          </a:fillRef>
+          <a:effectRef idx="2">
+            <a:schemeClr val="dk1"/>
+          </a:effectRef>
+          <a:fontRef idx="minor">
+            <a:schemeClr val="tx1"/>
+          </a:fontRef>
+        </p:style>
+      </p:cxnSp>
+      <p:cxnSp>
+        <p:nvCxnSpPr>
+          <p:cNvPr id="24" name="Straight Connector 23"/>
+          <p:cNvCxnSpPr/>
+          <p:nvPr/>
+        </p:nvCxnSpPr>
+        <p:spPr>
+          <a:xfrm>
+            <a:off x="6733635" y="2745568"/>
+            <a:ext cx="1" cy="266700"/>
+          </a:xfrm>
+          <a:prstGeom prst="line">
+            <a:avLst/>
+          </a:prstGeom>
+          <a:ln w="38100"/>
+        </p:spPr>
+        <p:style>
+          <a:lnRef idx="3">
+            <a:schemeClr val="dk1"/>
+          </a:lnRef>
+          <a:fillRef idx="0">
+            <a:schemeClr val="dk1"/>
+          </a:fillRef>
+          <a:effectRef idx="2">
+            <a:schemeClr val="dk1"/>
+          </a:effectRef>
+          <a:fontRef idx="minor">
+            <a:schemeClr val="tx1"/>
+          </a:fontRef>
+        </p:style>
+      </p:cxnSp>
+      <p:sp>
+        <p:nvSpPr>
+          <p:cNvPr id="25" name="TextBox 24"/>
+          <p:cNvSpPr txBox="1"/>
+          <p:nvPr/>
+        </p:nvSpPr>
+        <p:spPr>
+          <a:xfrm>
+            <a:off x="4839796" y="2261143"/>
+            <a:ext cx="615874" cy="246221"/>
+          </a:xfrm>
+          <a:prstGeom prst="rect">
+            <a:avLst/>
+          </a:prstGeom>
+          <a:noFill/>
+        </p:spPr>
+        <p:txBody>
+          <a:bodyPr wrap="none" rtlCol="0">
+            <a:spAutoFit/>
+          </a:bodyPr>
+          <a:lstStyle/>
+          <a:p>
+            <a:pPr algn="ctr"/>
+            <a:r>
+              <a:rPr lang="en-US" sz="1000" b="1" dirty="0">
+                <a:latin typeface="Century Gothic" panose="020B0502020202020204" pitchFamily="34" charset="0"/>
+                <a:cs typeface="Adobe Devanagari" panose="02040503050201020203" pitchFamily="18" charset="0"/>
+              </a:rPr>
+              <a:t>Knob 1</a:t>
+            </a:r>
+          </a:p>
+        </p:txBody>
+      </p:sp>
+      <p:sp>
+        <p:nvSpPr>
+          <p:cNvPr id="26" name="TextBox 25"/>
+          <p:cNvSpPr txBox="1"/>
+          <p:nvPr/>
+        </p:nvSpPr>
+        <p:spPr>
+          <a:xfrm>
+            <a:off x="5644770" y="2261142"/>
+            <a:ext cx="615874" cy="246221"/>
+          </a:xfrm>
+          <a:prstGeom prst="rect">
+            <a:avLst/>
+          </a:prstGeom>
+          <a:noFill/>
+        </p:spPr>
+        <p:txBody>
+          <a:bodyPr wrap="none" rtlCol="0">
+            <a:spAutoFit/>
+          </a:bodyPr>
+          <a:lstStyle/>
+          <a:p>
+            <a:pPr algn="ctr"/>
+            <a:r>
+              <a:rPr lang="en-US" sz="1000" b="1" dirty="0">
+                <a:latin typeface="Century Gothic" panose="020B0502020202020204" pitchFamily="34" charset="0"/>
+                <a:cs typeface="Adobe Devanagari" panose="02040503050201020203" pitchFamily="18" charset="0"/>
+              </a:rPr>
+              <a:t>Knob 2</a:t>
+            </a:r>
+          </a:p>
+        </p:txBody>
+      </p:sp>
+      <p:sp>
+        <p:nvSpPr>
+          <p:cNvPr id="27" name="TextBox 26"/>
+          <p:cNvSpPr txBox="1"/>
+          <p:nvPr/>
+        </p:nvSpPr>
+        <p:spPr>
+          <a:xfrm>
+            <a:off x="6425873" y="2267910"/>
+            <a:ext cx="615874" cy="246221"/>
+          </a:xfrm>
+          <a:prstGeom prst="rect">
+            <a:avLst/>
+          </a:prstGeom>
+          <a:noFill/>
+        </p:spPr>
+        <p:txBody>
+          <a:bodyPr wrap="none" rtlCol="0">
+            <a:spAutoFit/>
+          </a:bodyPr>
+          <a:lstStyle/>
+          <a:p>
+            <a:pPr algn="ctr"/>
+            <a:r>
+              <a:rPr lang="en-US" sz="1000" b="1" dirty="0">
+                <a:latin typeface="Century Gothic" panose="020B0502020202020204" pitchFamily="34" charset="0"/>
+                <a:cs typeface="Adobe Devanagari" panose="02040503050201020203" pitchFamily="18" charset="0"/>
+              </a:rPr>
+              <a:t>Knob 3</a:t>
+            </a:r>
+          </a:p>
+        </p:txBody>
+      </p:sp>
+      <p:sp>
+        <p:nvSpPr>
+          <p:cNvPr id="28" name="TextBox 27"/>
+          <p:cNvSpPr txBox="1"/>
+          <p:nvPr/>
+        </p:nvSpPr>
+        <p:spPr>
+          <a:xfrm>
+            <a:off x="5648947" y="3267265"/>
+            <a:ext cx="615874" cy="246221"/>
+          </a:xfrm>
+          <a:prstGeom prst="rect">
+            <a:avLst/>
+          </a:prstGeom>
+          <a:noFill/>
+        </p:spPr>
+        <p:txBody>
+          <a:bodyPr wrap="none" rtlCol="0">
+            <a:spAutoFit/>
+          </a:bodyPr>
+          <a:lstStyle/>
+          <a:p>
+            <a:pPr algn="ctr"/>
+            <a:r>
+              <a:rPr lang="en-US" sz="1000" b="1" dirty="0">
+                <a:latin typeface="Century Gothic" panose="020B0502020202020204" pitchFamily="34" charset="0"/>
+                <a:cs typeface="Adobe Devanagari" panose="02040503050201020203" pitchFamily="18" charset="0"/>
+              </a:rPr>
+              <a:t>Knob 5</a:t>
+            </a:r>
+          </a:p>
+        </p:txBody>
+      </p:sp>
+      <p:sp>
+        <p:nvSpPr>
+          <p:cNvPr id="29" name="TextBox 28"/>
+          <p:cNvSpPr txBox="1"/>
+          <p:nvPr/>
+        </p:nvSpPr>
+        <p:spPr>
+          <a:xfrm>
+            <a:off x="6432054" y="3267265"/>
+            <a:ext cx="615874" cy="246221"/>
+          </a:xfrm>
+          <a:prstGeom prst="rect">
+            <a:avLst/>
+          </a:prstGeom>
+          <a:noFill/>
+        </p:spPr>
+        <p:txBody>
+          <a:bodyPr wrap="none" rtlCol="0">
+            <a:spAutoFit/>
+          </a:bodyPr>
+          <a:lstStyle/>
+          <a:p>
+            <a:pPr algn="ctr"/>
+            <a:r>
+              <a:rPr lang="en-US" sz="1000" b="1" dirty="0">
+                <a:latin typeface="Century Gothic" panose="020B0502020202020204" pitchFamily="34" charset="0"/>
+                <a:cs typeface="Adobe Devanagari" panose="02040503050201020203" pitchFamily="18" charset="0"/>
+              </a:rPr>
+              <a:t>Knob 6</a:t>
+            </a:r>
+          </a:p>
+        </p:txBody>
+      </p:sp>
+      <p:sp>
+        <p:nvSpPr>
+          <p:cNvPr id="30" name="TextBox 29"/>
+          <p:cNvSpPr txBox="1"/>
+          <p:nvPr/>
+        </p:nvSpPr>
+        <p:spPr>
+          <a:xfrm>
+            <a:off x="4846186" y="3267265"/>
+            <a:ext cx="615874" cy="246221"/>
+          </a:xfrm>
+          <a:prstGeom prst="rect">
+            <a:avLst/>
+          </a:prstGeom>
+          <a:noFill/>
+        </p:spPr>
+        <p:txBody>
+          <a:bodyPr wrap="none" rtlCol="0">
+            <a:spAutoFit/>
+          </a:bodyPr>
+          <a:lstStyle/>
+          <a:p>
+            <a:pPr algn="ctr"/>
+            <a:r>
+              <a:rPr lang="en-US" sz="1000" b="1" dirty="0">
+                <a:latin typeface="Century Gothic" panose="020B0502020202020204" pitchFamily="34" charset="0"/>
+                <a:cs typeface="Adobe Devanagari" panose="02040503050201020203" pitchFamily="18" charset="0"/>
+              </a:rPr>
+              <a:t>Knob 4</a:t>
+            </a:r>
+          </a:p>
+        </p:txBody>
+      </p:sp>
+      <p:sp>
+        <p:nvSpPr>
+          <p:cNvPr id="31" name="TextBox 30"/>
+          <p:cNvSpPr txBox="1"/>
+          <p:nvPr/>
+        </p:nvSpPr>
+        <p:spPr>
+          <a:xfrm>
+            <a:off x="4803473" y="5548458"/>
+            <a:ext cx="724878" cy="246221"/>
+          </a:xfrm>
+          <a:prstGeom prst="rect">
+            <a:avLst/>
+          </a:prstGeom>
+          <a:noFill/>
+        </p:spPr>
+        <p:txBody>
+          <a:bodyPr wrap="none" rtlCol="0">
+            <a:spAutoFit/>
+          </a:bodyPr>
+          <a:lstStyle/>
+          <a:p>
+            <a:pPr algn="ctr"/>
+            <a:r>
+              <a:rPr lang="en-US" sz="1000" b="1" dirty="0" err="1">
+                <a:latin typeface="Century Gothic" panose="020B0502020202020204" pitchFamily="34" charset="0"/>
+                <a:cs typeface="Adobe Devanagari" panose="02040503050201020203" pitchFamily="18" charset="0"/>
+              </a:rPr>
+              <a:t>FootSw</a:t>
+            </a:r>
+            <a:r>
+              <a:rPr lang="en-US" sz="1000" b="1" dirty="0">
+                <a:latin typeface="Century Gothic" panose="020B0502020202020204" pitchFamily="34" charset="0"/>
+                <a:cs typeface="Adobe Devanagari" panose="02040503050201020203" pitchFamily="18" charset="0"/>
+              </a:rPr>
+              <a:t> 1</a:t>
+            </a:r>
+          </a:p>
+        </p:txBody>
+      </p:sp>
+      <p:sp>
+        <p:nvSpPr>
+          <p:cNvPr id="32" name="TextBox 31"/>
+          <p:cNvSpPr txBox="1"/>
+          <p:nvPr/>
+        </p:nvSpPr>
+        <p:spPr>
+          <a:xfrm rot="16200000">
+            <a:off x="4892535" y="4030683"/>
+            <a:ext cx="455573" cy="461665"/>
+          </a:xfrm>
+          <a:prstGeom prst="rect">
+            <a:avLst/>
+          </a:prstGeom>
+          <a:noFill/>
+        </p:spPr>
+        <p:txBody>
+          <a:bodyPr wrap="none" rtlCol="0">
+            <a:spAutoFit/>
+          </a:bodyPr>
+          <a:lstStyle/>
+          <a:p>
+            <a:pPr algn="ctr"/>
+            <a:r>
+              <a:rPr lang="en-US" sz="800" b="1" dirty="0">
+                <a:latin typeface="Century Gothic" panose="020B0502020202020204" pitchFamily="34" charset="0"/>
+                <a:cs typeface="Adobe Devanagari" panose="02040503050201020203" pitchFamily="18" charset="0"/>
+              </a:rPr>
+              <a:t>Opt 1</a:t>
+            </a:r>
+          </a:p>
+          <a:p>
+            <a:pPr algn="ctr"/>
+            <a:r>
+              <a:rPr lang="en-US" sz="800" b="1" dirty="0">
+                <a:latin typeface="Century Gothic" panose="020B0502020202020204" pitchFamily="34" charset="0"/>
+                <a:cs typeface="Adobe Devanagari" panose="02040503050201020203" pitchFamily="18" charset="0"/>
+              </a:rPr>
+              <a:t>Opt 2</a:t>
+            </a:r>
+          </a:p>
+          <a:p>
+            <a:pPr algn="ctr"/>
+            <a:r>
+              <a:rPr lang="en-US" sz="800" b="1" dirty="0">
+                <a:latin typeface="Century Gothic" panose="020B0502020202020204" pitchFamily="34" charset="0"/>
+                <a:cs typeface="Adobe Devanagari" panose="02040503050201020203" pitchFamily="18" charset="0"/>
+              </a:rPr>
+              <a:t>Opt 3</a:t>
+            </a:r>
+          </a:p>
+        </p:txBody>
+      </p:sp>
+      <p:sp>
+        <p:nvSpPr>
+          <p:cNvPr id="33" name="TextBox 32"/>
+          <p:cNvSpPr txBox="1"/>
+          <p:nvPr/>
+        </p:nvSpPr>
+        <p:spPr>
+          <a:xfrm>
+            <a:off x="5081621" y="4570836"/>
+            <a:ext cx="1742170" cy="461665"/>
+          </a:xfrm>
+          <a:prstGeom prst="rect">
+            <a:avLst/>
+          </a:prstGeom>
+          <a:noFill/>
+        </p:spPr>
+        <p:txBody>
+          <a:bodyPr wrap="square" rtlCol="0">
+            <a:spAutoFit/>
+          </a:bodyPr>
+          <a:lstStyle/>
+          <a:p>
+            <a:pPr algn="ctr"/>
+            <a:r>
+              <a:rPr lang="en-US" sz="2400" b="1" dirty="0" err="1">
+                <a:latin typeface="Broadway" panose="04040905080B02020502" pitchFamily="82" charset="0"/>
+                <a:cs typeface="Adobe Devanagari" panose="02040503050201020203" pitchFamily="18" charset="0"/>
+              </a:rPr>
+              <a:t>FunBox</a:t>
+            </a:r>
+            <a:endParaRPr lang="en-US" sz="2400" b="1" dirty="0">
+              <a:latin typeface="Broadway" panose="04040905080B02020502" pitchFamily="82" charset="0"/>
+              <a:cs typeface="Adobe Devanagari" panose="02040503050201020203" pitchFamily="18" charset="0"/>
+            </a:endParaRPr>
+          </a:p>
+        </p:txBody>
+      </p:sp>
+      <p:sp>
+        <p:nvSpPr>
+          <p:cNvPr id="35" name="Oval 34"/>
+          <p:cNvSpPr/>
+          <p:nvPr/>
+        </p:nvSpPr>
+        <p:spPr>
+          <a:xfrm rot="16200000">
+            <a:off x="5830387" y="3795700"/>
+            <a:ext cx="245746" cy="243840"/>
+          </a:xfrm>
+          <a:prstGeom prst="ellipse">
+            <a:avLst/>
+          </a:prstGeom>
+          <a:ln w="19050">
+            <a:solidFill>
+              <a:schemeClr val="tx1"/>
+            </a:solidFill>
+          </a:ln>
+        </p:spPr>
+        <p:style>
+          <a:lnRef idx="2">
+            <a:schemeClr val="accent1">
+              <a:shade val="50000"/>
+            </a:schemeClr>
+          </a:lnRef>
+          <a:fillRef idx="1">
+            <a:schemeClr val="accent1"/>
+          </a:fillRef>
+          <a:effectRef idx="0">
+            <a:schemeClr val="accent1"/>
+          </a:effectRef>
+          <a:fontRef idx="minor">
+            <a:schemeClr val="lt1"/>
+          </a:fontRef>
+        </p:style>
+        <p:txBody>
+          <a:bodyPr rtlCol="0" anchor="ctr"/>
+          <a:lstStyle/>
+          <a:p>
+            <a:pPr algn="ctr"/>
+            <a:endParaRPr lang="en-US"/>
+          </a:p>
+        </p:txBody>
+      </p:sp>
+      <p:sp>
+        <p:nvSpPr>
+          <p:cNvPr id="36" name="Flowchart: Terminator 35"/>
+          <p:cNvSpPr/>
+          <p:nvPr/>
+        </p:nvSpPr>
+        <p:spPr>
+          <a:xfrm rot="16200000">
+            <a:off x="5810513" y="3807751"/>
+            <a:ext cx="95488" cy="208168"/>
+          </a:xfrm>
+          <a:prstGeom prst="flowChartTerminator">
+            <a:avLst/>
+          </a:prstGeom>
+          <a:ln w="19050">
+            <a:solidFill>
+              <a:schemeClr val="tx1"/>
+            </a:solidFill>
+          </a:ln>
+        </p:spPr>
+        <p:style>
+          <a:lnRef idx="2">
+            <a:schemeClr val="accent1">
+              <a:shade val="50000"/>
+            </a:schemeClr>
+          </a:lnRef>
+          <a:fillRef idx="1">
+            <a:schemeClr val="accent1"/>
+          </a:fillRef>
+          <a:effectRef idx="0">
+            <a:schemeClr val="accent1"/>
+          </a:effectRef>
+          <a:fontRef idx="minor">
+            <a:schemeClr val="lt1"/>
+          </a:fontRef>
+        </p:style>
+        <p:txBody>
+          <a:bodyPr rtlCol="0" anchor="ctr"/>
+          <a:lstStyle/>
+          <a:p>
+            <a:pPr algn="ctr"/>
+            <a:endParaRPr lang="en-US"/>
+          </a:p>
+        </p:txBody>
+      </p:sp>
+      <p:sp>
+        <p:nvSpPr>
+          <p:cNvPr id="37" name="Oval 36"/>
+          <p:cNvSpPr/>
+          <p:nvPr/>
+        </p:nvSpPr>
+        <p:spPr>
+          <a:xfrm rot="16200000">
+            <a:off x="6651163" y="3795700"/>
+            <a:ext cx="245746" cy="243840"/>
+          </a:xfrm>
+          <a:prstGeom prst="ellipse">
+            <a:avLst/>
+          </a:prstGeom>
+          <a:ln w="19050">
+            <a:solidFill>
+              <a:schemeClr val="tx1"/>
+            </a:solidFill>
+          </a:ln>
+        </p:spPr>
+        <p:style>
+          <a:lnRef idx="2">
+            <a:schemeClr val="accent1">
+              <a:shade val="50000"/>
+            </a:schemeClr>
+          </a:lnRef>
+          <a:fillRef idx="1">
+            <a:schemeClr val="accent1"/>
+          </a:fillRef>
+          <a:effectRef idx="0">
+            <a:schemeClr val="accent1"/>
+          </a:effectRef>
+          <a:fontRef idx="minor">
+            <a:schemeClr val="lt1"/>
+          </a:fontRef>
+        </p:style>
+        <p:txBody>
+          <a:bodyPr rtlCol="0" anchor="ctr"/>
+          <a:lstStyle/>
+          <a:p>
+            <a:pPr algn="ctr"/>
+            <a:endParaRPr lang="en-US"/>
+          </a:p>
+        </p:txBody>
+      </p:sp>
+      <p:sp>
+        <p:nvSpPr>
+          <p:cNvPr id="38" name="Flowchart: Terminator 37"/>
+          <p:cNvSpPr/>
+          <p:nvPr/>
+        </p:nvSpPr>
+        <p:spPr>
+          <a:xfrm rot="16200000">
+            <a:off x="6631289" y="3807751"/>
+            <a:ext cx="95488" cy="208168"/>
+          </a:xfrm>
+          <a:prstGeom prst="flowChartTerminator">
+            <a:avLst/>
+          </a:prstGeom>
+          <a:ln w="19050">
+            <a:solidFill>
+              <a:schemeClr val="tx1"/>
+            </a:solidFill>
+          </a:ln>
+        </p:spPr>
+        <p:style>
+          <a:lnRef idx="2">
+            <a:schemeClr val="accent1">
+              <a:shade val="50000"/>
+            </a:schemeClr>
+          </a:lnRef>
+          <a:fillRef idx="1">
+            <a:schemeClr val="accent1"/>
+          </a:fillRef>
+          <a:effectRef idx="0">
+            <a:schemeClr val="accent1"/>
+          </a:effectRef>
+          <a:fontRef idx="minor">
+            <a:schemeClr val="lt1"/>
+          </a:fontRef>
+        </p:style>
+        <p:txBody>
+          <a:bodyPr rtlCol="0" anchor="ctr"/>
+          <a:lstStyle/>
+          <a:p>
+            <a:pPr algn="ctr"/>
+            <a:endParaRPr lang="en-US"/>
+          </a:p>
+        </p:txBody>
+      </p:sp>
+      <p:sp>
+        <p:nvSpPr>
+          <p:cNvPr id="39" name="TextBox 38"/>
+          <p:cNvSpPr txBox="1"/>
+          <p:nvPr/>
+        </p:nvSpPr>
+        <p:spPr>
+          <a:xfrm rot="16200000">
+            <a:off x="5705042" y="4049121"/>
+            <a:ext cx="455574" cy="461665"/>
+          </a:xfrm>
+          <a:prstGeom prst="rect">
+            <a:avLst/>
+          </a:prstGeom>
+          <a:noFill/>
+        </p:spPr>
+        <p:txBody>
+          <a:bodyPr wrap="none" rtlCol="0">
+            <a:spAutoFit/>
+          </a:bodyPr>
+          <a:lstStyle/>
+          <a:p>
+            <a:pPr algn="ctr"/>
+            <a:r>
+              <a:rPr lang="en-US" sz="800" b="1" dirty="0">
+                <a:latin typeface="Century Gothic" panose="020B0502020202020204" pitchFamily="34" charset="0"/>
+                <a:cs typeface="Adobe Devanagari" panose="02040503050201020203" pitchFamily="18" charset="0"/>
+              </a:rPr>
+              <a:t>Opt 1</a:t>
+            </a:r>
+          </a:p>
+          <a:p>
+            <a:pPr algn="ctr"/>
+            <a:r>
+              <a:rPr lang="en-US" sz="800" b="1" dirty="0">
+                <a:latin typeface="Century Gothic" panose="020B0502020202020204" pitchFamily="34" charset="0"/>
+                <a:cs typeface="Adobe Devanagari" panose="02040503050201020203" pitchFamily="18" charset="0"/>
+              </a:rPr>
+              <a:t>Opt 2</a:t>
+            </a:r>
+          </a:p>
+          <a:p>
+            <a:pPr algn="ctr"/>
+            <a:r>
+              <a:rPr lang="en-US" sz="800" b="1" dirty="0">
+                <a:latin typeface="Century Gothic" panose="020B0502020202020204" pitchFamily="34" charset="0"/>
+                <a:cs typeface="Adobe Devanagari" panose="02040503050201020203" pitchFamily="18" charset="0"/>
+              </a:rPr>
+              <a:t>Opt 3</a:t>
+            </a:r>
+          </a:p>
+        </p:txBody>
+      </p:sp>
+      <p:sp>
+        <p:nvSpPr>
+          <p:cNvPr id="40" name="TextBox 39"/>
+          <p:cNvSpPr txBox="1"/>
+          <p:nvPr/>
+        </p:nvSpPr>
+        <p:spPr>
+          <a:xfrm rot="16200000">
+            <a:off x="6540944" y="4039021"/>
+            <a:ext cx="455574" cy="461665"/>
+          </a:xfrm>
+          <a:prstGeom prst="rect">
+            <a:avLst/>
+          </a:prstGeom>
+          <a:noFill/>
+        </p:spPr>
+        <p:txBody>
+          <a:bodyPr wrap="none" rtlCol="0">
+            <a:spAutoFit/>
+          </a:bodyPr>
+          <a:lstStyle/>
+          <a:p>
+            <a:pPr algn="ctr"/>
+            <a:r>
+              <a:rPr lang="en-US" sz="800" b="1" dirty="0">
+                <a:latin typeface="Century Gothic" panose="020B0502020202020204" pitchFamily="34" charset="0"/>
+                <a:cs typeface="Adobe Devanagari" panose="02040503050201020203" pitchFamily="18" charset="0"/>
+              </a:rPr>
+              <a:t>Opt 1</a:t>
+            </a:r>
+          </a:p>
+          <a:p>
+            <a:pPr algn="ctr"/>
+            <a:r>
+              <a:rPr lang="en-US" sz="800" b="1" dirty="0">
+                <a:latin typeface="Century Gothic" panose="020B0502020202020204" pitchFamily="34" charset="0"/>
+                <a:cs typeface="Adobe Devanagari" panose="02040503050201020203" pitchFamily="18" charset="0"/>
+              </a:rPr>
+              <a:t>Opt 2</a:t>
+            </a:r>
+          </a:p>
+          <a:p>
+            <a:pPr algn="ctr"/>
+            <a:r>
+              <a:rPr lang="en-US" sz="800" b="1" dirty="0">
+                <a:latin typeface="Century Gothic" panose="020B0502020202020204" pitchFamily="34" charset="0"/>
+                <a:cs typeface="Adobe Devanagari" panose="02040503050201020203" pitchFamily="18" charset="0"/>
+              </a:rPr>
+              <a:t>Opt 3</a:t>
+            </a:r>
+          </a:p>
+        </p:txBody>
+      </p:sp>
+      <p:sp>
+        <p:nvSpPr>
+          <p:cNvPr id="41" name="TextBox 40"/>
+          <p:cNvSpPr txBox="1"/>
+          <p:nvPr/>
+        </p:nvSpPr>
+        <p:spPr>
+          <a:xfrm>
+            <a:off x="4837137" y="3551712"/>
+            <a:ext cx="657552" cy="230832"/>
+          </a:xfrm>
+          <a:prstGeom prst="rect">
+            <a:avLst/>
+          </a:prstGeom>
+          <a:noFill/>
+        </p:spPr>
+        <p:txBody>
+          <a:bodyPr wrap="none" rtlCol="0">
+            <a:spAutoFit/>
+          </a:bodyPr>
+          <a:lstStyle/>
+          <a:p>
+            <a:pPr algn="ctr"/>
+            <a:r>
+              <a:rPr lang="en-US" sz="900" b="1" dirty="0">
+                <a:latin typeface="Century Gothic" panose="020B0502020202020204" pitchFamily="34" charset="0"/>
+                <a:cs typeface="Adobe Devanagari" panose="02040503050201020203" pitchFamily="18" charset="0"/>
+              </a:rPr>
+              <a:t>Toggle 1</a:t>
+            </a:r>
+          </a:p>
+        </p:txBody>
+      </p:sp>
+      <p:sp>
+        <p:nvSpPr>
+          <p:cNvPr id="42" name="TextBox 41"/>
+          <p:cNvSpPr txBox="1"/>
+          <p:nvPr/>
+        </p:nvSpPr>
+        <p:spPr>
+          <a:xfrm>
+            <a:off x="5623930" y="3560229"/>
+            <a:ext cx="657552" cy="230832"/>
+          </a:xfrm>
+          <a:prstGeom prst="rect">
+            <a:avLst/>
+          </a:prstGeom>
+          <a:noFill/>
+        </p:spPr>
+        <p:txBody>
+          <a:bodyPr wrap="none" rtlCol="0">
+            <a:spAutoFit/>
+          </a:bodyPr>
+          <a:lstStyle/>
+          <a:p>
+            <a:pPr algn="ctr"/>
+            <a:r>
+              <a:rPr lang="en-US" sz="900" b="1" dirty="0">
+                <a:latin typeface="Century Gothic" panose="020B0502020202020204" pitchFamily="34" charset="0"/>
+                <a:cs typeface="Adobe Devanagari" panose="02040503050201020203" pitchFamily="18" charset="0"/>
+              </a:rPr>
+              <a:t>Toggle 2</a:t>
+            </a:r>
+          </a:p>
+        </p:txBody>
+      </p:sp>
+      <p:sp>
+        <p:nvSpPr>
+          <p:cNvPr id="43" name="TextBox 42"/>
+          <p:cNvSpPr txBox="1"/>
+          <p:nvPr/>
+        </p:nvSpPr>
+        <p:spPr>
+          <a:xfrm>
+            <a:off x="6454343" y="3562383"/>
+            <a:ext cx="657552" cy="230832"/>
+          </a:xfrm>
+          <a:prstGeom prst="rect">
+            <a:avLst/>
+          </a:prstGeom>
+          <a:noFill/>
+        </p:spPr>
+        <p:txBody>
+          <a:bodyPr wrap="none" rtlCol="0">
+            <a:spAutoFit/>
+          </a:bodyPr>
+          <a:lstStyle/>
+          <a:p>
+            <a:pPr algn="ctr"/>
+            <a:r>
+              <a:rPr lang="en-US" sz="900" b="1" dirty="0">
+                <a:latin typeface="Century Gothic" panose="020B0502020202020204" pitchFamily="34" charset="0"/>
+                <a:cs typeface="Adobe Devanagari" panose="02040503050201020203" pitchFamily="18" charset="0"/>
+              </a:rPr>
+              <a:t>Toggle 3</a:t>
+            </a:r>
+          </a:p>
+        </p:txBody>
+      </p:sp>
+      <p:sp>
+        <p:nvSpPr>
+          <p:cNvPr id="49" name="Rectangle 48"/>
+          <p:cNvSpPr/>
+          <p:nvPr/>
+        </p:nvSpPr>
+        <p:spPr>
+          <a:xfrm>
+            <a:off x="4552601" y="262549"/>
+            <a:ext cx="2675728" cy="727102"/>
+          </a:xfrm>
+          <a:prstGeom prst="rect">
+            <a:avLst/>
+          </a:prstGeom>
+        </p:spPr>
+        <p:style>
+          <a:lnRef idx="2">
+            <a:schemeClr val="dk1">
+              <a:shade val="50000"/>
+            </a:schemeClr>
+          </a:lnRef>
+          <a:fillRef idx="1003">
+            <a:schemeClr val="lt1"/>
+          </a:fillRef>
+          <a:effectRef idx="0">
+            <a:schemeClr val="dk1"/>
+          </a:effectRef>
+          <a:fontRef idx="minor">
+            <a:schemeClr val="lt1"/>
+          </a:fontRef>
+        </p:style>
+        <p:txBody>
+          <a:bodyPr rtlCol="0" anchor="ctr"/>
+          <a:lstStyle/>
+          <a:p>
+            <a:pPr marL="285750" indent="-285750">
+              <a:buFont typeface="Arial" panose="020B0604020202020204" pitchFamily="34" charset="0"/>
+              <a:buChar char="•"/>
+            </a:pPr>
+            <a:r>
+              <a:rPr lang="en-US" sz="1600" b="1" dirty="0">
+                <a:solidFill>
+                  <a:schemeClr val="tx1"/>
+                </a:solidFill>
+              </a:rPr>
+              <a:t>Stereo ¼” In/Out Jacks</a:t>
+            </a:r>
+          </a:p>
+          <a:p>
+            <a:pPr marL="285750" indent="-285750">
+              <a:buFont typeface="Arial" panose="020B0604020202020204" pitchFamily="34" charset="0"/>
+              <a:buChar char="•"/>
+            </a:pPr>
+            <a:r>
+              <a:rPr lang="en-US" sz="1600" b="1" dirty="0">
+                <a:solidFill>
+                  <a:schemeClr val="tx1"/>
+                </a:solidFill>
+              </a:rPr>
+              <a:t>9v Center Negative Power</a:t>
+            </a:r>
+          </a:p>
+        </p:txBody>
+      </p:sp>
+      <p:sp>
+        <p:nvSpPr>
+          <p:cNvPr id="52" name="Rectangle 51"/>
+          <p:cNvSpPr/>
+          <p:nvPr/>
+        </p:nvSpPr>
+        <p:spPr>
+          <a:xfrm>
+            <a:off x="7503067" y="1963518"/>
+            <a:ext cx="2433413" cy="428695"/>
+          </a:xfrm>
+          <a:prstGeom prst="rect">
+            <a:avLst/>
+          </a:prstGeom>
+        </p:spPr>
+        <p:style>
+          <a:lnRef idx="2">
+            <a:schemeClr val="dk1">
+              <a:shade val="50000"/>
+            </a:schemeClr>
+          </a:lnRef>
+          <a:fillRef idx="1003">
+            <a:schemeClr val="dk1"/>
+          </a:fillRef>
+          <a:effectRef idx="0">
+            <a:schemeClr val="dk1"/>
+          </a:effectRef>
+          <a:fontRef idx="minor">
+            <a:schemeClr val="lt1"/>
+          </a:fontRef>
+        </p:style>
+        <p:txBody>
+          <a:bodyPr rtlCol="0" anchor="ctr"/>
+          <a:lstStyle/>
+          <a:p>
+            <a:r>
+              <a:rPr lang="en-US" sz="1600" b="1" dirty="0">
+                <a:solidFill>
+                  <a:schemeClr val="bg1"/>
+                </a:solidFill>
+              </a:rPr>
+              <a:t>MIDI Input (1/8” TRS Jack)</a:t>
+            </a:r>
+          </a:p>
+        </p:txBody>
+      </p:sp>
+      <p:sp>
+        <p:nvSpPr>
+          <p:cNvPr id="55" name="Rectangle 54"/>
+          <p:cNvSpPr/>
+          <p:nvPr/>
+        </p:nvSpPr>
+        <p:spPr>
+          <a:xfrm>
+            <a:off x="7503067" y="2923436"/>
+            <a:ext cx="2016853" cy="448087"/>
+          </a:xfrm>
+          <a:prstGeom prst="rect">
+            <a:avLst/>
+          </a:prstGeom>
+        </p:spPr>
+        <p:style>
+          <a:lnRef idx="2">
+            <a:schemeClr val="dk1">
+              <a:shade val="50000"/>
+            </a:schemeClr>
+          </a:lnRef>
+          <a:fillRef idx="1003">
+            <a:schemeClr val="dk1"/>
+          </a:fillRef>
+          <a:effectRef idx="0">
+            <a:schemeClr val="dk1"/>
+          </a:effectRef>
+          <a:fontRef idx="minor">
+            <a:schemeClr val="lt1"/>
+          </a:fontRef>
+        </p:style>
+        <p:txBody>
+          <a:bodyPr rtlCol="0" anchor="ctr"/>
+          <a:lstStyle/>
+          <a:p>
+            <a:r>
+              <a:rPr lang="en-US" sz="1600" b="1" dirty="0">
+                <a:solidFill>
+                  <a:schemeClr val="bg1"/>
+                </a:solidFill>
+              </a:rPr>
+              <a:t>Daisy Seed USB port</a:t>
+            </a:r>
+          </a:p>
+        </p:txBody>
+      </p:sp>
+      <p:sp>
+        <p:nvSpPr>
+          <p:cNvPr id="56" name="Rectangle 55"/>
+          <p:cNvSpPr/>
+          <p:nvPr/>
+        </p:nvSpPr>
+        <p:spPr>
+          <a:xfrm>
+            <a:off x="7503067" y="4556498"/>
+            <a:ext cx="2016853" cy="328586"/>
+          </a:xfrm>
+          <a:prstGeom prst="rect">
+            <a:avLst/>
+          </a:prstGeom>
+        </p:spPr>
+        <p:style>
+          <a:lnRef idx="2">
+            <a:schemeClr val="dk1">
+              <a:shade val="50000"/>
+            </a:schemeClr>
+          </a:lnRef>
+          <a:fillRef idx="1001">
+            <a:schemeClr val="dk2"/>
+          </a:fillRef>
+          <a:effectRef idx="0">
+            <a:schemeClr val="dk1"/>
+          </a:effectRef>
+          <a:fontRef idx="minor">
+            <a:schemeClr val="lt1"/>
+          </a:fontRef>
+        </p:style>
+        <p:txBody>
+          <a:bodyPr rtlCol="0" anchor="ctr"/>
+          <a:lstStyle/>
+          <a:p>
+            <a:r>
+              <a:rPr lang="en-US" sz="1600" b="1" dirty="0">
+                <a:solidFill>
+                  <a:schemeClr val="bg1"/>
+                </a:solidFill>
+              </a:rPr>
+              <a:t>4 On/Off Dipswitches</a:t>
+            </a:r>
+          </a:p>
+        </p:txBody>
+      </p:sp>
+      <p:sp>
+        <p:nvSpPr>
+          <p:cNvPr id="57" name="Rectangle 56"/>
+          <p:cNvSpPr/>
+          <p:nvPr/>
+        </p:nvSpPr>
+        <p:spPr>
+          <a:xfrm>
+            <a:off x="4585160" y="5990039"/>
+            <a:ext cx="2778082" cy="480080"/>
+          </a:xfrm>
+          <a:prstGeom prst="rect">
+            <a:avLst/>
+          </a:prstGeom>
+        </p:spPr>
+        <p:style>
+          <a:lnRef idx="2">
+            <a:schemeClr val="dk1">
+              <a:shade val="50000"/>
+            </a:schemeClr>
+          </a:lnRef>
+          <a:fillRef idx="1001">
+            <a:schemeClr val="dk2"/>
+          </a:fillRef>
+          <a:effectRef idx="0">
+            <a:schemeClr val="dk1"/>
+          </a:effectRef>
+          <a:fontRef idx="minor">
+            <a:schemeClr val="lt1"/>
+          </a:fontRef>
+        </p:style>
+        <p:txBody>
+          <a:bodyPr rtlCol="0" anchor="ctr"/>
+          <a:lstStyle/>
+          <a:p>
+            <a:r>
+              <a:rPr lang="en-US" sz="1600" b="1" dirty="0">
+                <a:solidFill>
+                  <a:schemeClr val="bg1"/>
+                </a:solidFill>
+              </a:rPr>
+              <a:t>Two Momentary Footswitches</a:t>
+            </a:r>
+          </a:p>
+          <a:p>
+            <a:r>
+              <a:rPr lang="en-US" sz="1600" b="1" dirty="0">
+                <a:solidFill>
+                  <a:schemeClr val="bg1"/>
+                </a:solidFill>
+              </a:rPr>
+              <a:t>with indication LEDs.</a:t>
+            </a:r>
+          </a:p>
+        </p:txBody>
+      </p:sp>
+      <p:sp>
+        <p:nvSpPr>
+          <p:cNvPr id="59" name="Rectangle 58"/>
+          <p:cNvSpPr/>
+          <p:nvPr/>
+        </p:nvSpPr>
+        <p:spPr>
+          <a:xfrm>
+            <a:off x="259856" y="262029"/>
+            <a:ext cx="4226847" cy="1015417"/>
+          </a:xfrm>
+          <a:prstGeom prst="rect">
+            <a:avLst/>
+          </a:prstGeom>
+          <a:ln/>
+        </p:spPr>
+        <p:style>
+          <a:lnRef idx="1">
+            <a:schemeClr val="accent2"/>
+          </a:lnRef>
+          <a:fillRef idx="2">
+            <a:schemeClr val="accent2"/>
+          </a:fillRef>
+          <a:effectRef idx="1">
+            <a:schemeClr val="accent2"/>
+          </a:effectRef>
+          <a:fontRef idx="minor">
+            <a:schemeClr val="dk1"/>
+          </a:fontRef>
+        </p:style>
+        <p:txBody>
+          <a:bodyPr rtlCol="0" anchor="ctr"/>
+          <a:lstStyle/>
+          <a:p>
+            <a:r>
+              <a:rPr lang="en-US" sz="2800" b="1" dirty="0" err="1">
+                <a:solidFill>
+                  <a:schemeClr val="tx1"/>
+                </a:solidFill>
+              </a:rPr>
+              <a:t>FunBox</a:t>
+            </a:r>
+            <a:r>
+              <a:rPr lang="en-US" sz="2800" b="1" dirty="0">
+                <a:solidFill>
+                  <a:schemeClr val="tx1"/>
+                </a:solidFill>
+              </a:rPr>
+              <a:t> </a:t>
+            </a:r>
+            <a:r>
+              <a:rPr lang="en-US" b="1" dirty="0">
+                <a:solidFill>
+                  <a:schemeClr val="tx1"/>
+                </a:solidFill>
+              </a:rPr>
+              <a:t>is a pedal platform designed around the Daisy Seed. Fits in a 125B enclosure.</a:t>
+            </a:r>
+          </a:p>
+        </p:txBody>
+      </p:sp>
+      <p:sp>
+        <p:nvSpPr>
+          <p:cNvPr id="81" name="Rectangle 80"/>
+          <p:cNvSpPr/>
+          <p:nvPr/>
+        </p:nvSpPr>
+        <p:spPr>
+          <a:xfrm>
+            <a:off x="7205470" y="4326731"/>
+            <a:ext cx="45719" cy="404813"/>
+          </a:xfrm>
+          <a:prstGeom prst="rect">
+            <a:avLst/>
+          </a:prstGeom>
+        </p:spPr>
+        <p:style>
+          <a:lnRef idx="2">
+            <a:schemeClr val="accent1">
+              <a:shade val="50000"/>
+            </a:schemeClr>
+          </a:lnRef>
+          <a:fillRef idx="1">
+            <a:schemeClr val="accent1"/>
+          </a:fillRef>
+          <a:effectRef idx="0">
+            <a:schemeClr val="accent1"/>
+          </a:effectRef>
+          <a:fontRef idx="minor">
+            <a:schemeClr val="lt1"/>
+          </a:fontRef>
+        </p:style>
+        <p:txBody>
+          <a:bodyPr rtlCol="0" anchor="ctr"/>
+          <a:lstStyle/>
+          <a:p>
+            <a:pPr algn="ctr"/>
+            <a:endParaRPr lang="en-US"/>
+          </a:p>
+        </p:txBody>
+      </p:sp>
+      <p:sp>
+        <p:nvSpPr>
+          <p:cNvPr id="82" name="Rectangle 81"/>
+          <p:cNvSpPr/>
+          <p:nvPr/>
+        </p:nvSpPr>
+        <p:spPr>
+          <a:xfrm>
+            <a:off x="7240002" y="4361522"/>
+            <a:ext cx="54086" cy="51892"/>
+          </a:xfrm>
+          <a:prstGeom prst="rect">
+            <a:avLst/>
+          </a:prstGeom>
+        </p:spPr>
+        <p:style>
+          <a:lnRef idx="2">
+            <a:schemeClr val="dk1"/>
+          </a:lnRef>
+          <a:fillRef idx="1">
+            <a:schemeClr val="lt1"/>
+          </a:fillRef>
+          <a:effectRef idx="0">
+            <a:schemeClr val="dk1"/>
+          </a:effectRef>
+          <a:fontRef idx="minor">
+            <a:schemeClr val="dk1"/>
+          </a:fontRef>
+        </p:style>
+        <p:txBody>
+          <a:bodyPr rtlCol="0" anchor="ctr"/>
+          <a:lstStyle/>
+          <a:p>
+            <a:pPr algn="ctr"/>
+            <a:endParaRPr lang="en-US"/>
+          </a:p>
+        </p:txBody>
+      </p:sp>
+      <p:sp>
+        <p:nvSpPr>
+          <p:cNvPr id="83" name="Rectangle 82"/>
+          <p:cNvSpPr/>
+          <p:nvPr/>
+        </p:nvSpPr>
+        <p:spPr>
+          <a:xfrm>
+            <a:off x="7239482" y="4455654"/>
+            <a:ext cx="54086" cy="51892"/>
+          </a:xfrm>
+          <a:prstGeom prst="rect">
+            <a:avLst/>
+          </a:prstGeom>
+        </p:spPr>
+        <p:style>
+          <a:lnRef idx="2">
+            <a:schemeClr val="dk1"/>
+          </a:lnRef>
+          <a:fillRef idx="1">
+            <a:schemeClr val="lt1"/>
+          </a:fillRef>
+          <a:effectRef idx="0">
+            <a:schemeClr val="dk1"/>
+          </a:effectRef>
+          <a:fontRef idx="minor">
+            <a:schemeClr val="dk1"/>
+          </a:fontRef>
+        </p:style>
+        <p:txBody>
+          <a:bodyPr rtlCol="0" anchor="ctr"/>
+          <a:lstStyle/>
+          <a:p>
+            <a:pPr algn="ctr"/>
+            <a:endParaRPr lang="en-US"/>
+          </a:p>
+        </p:txBody>
+      </p:sp>
+      <p:sp>
+        <p:nvSpPr>
+          <p:cNvPr id="66" name="TextBox 65"/>
+          <p:cNvSpPr txBox="1"/>
+          <p:nvPr/>
+        </p:nvSpPr>
+        <p:spPr>
+          <a:xfrm>
+            <a:off x="6376896" y="5548457"/>
+            <a:ext cx="724878" cy="246221"/>
+          </a:xfrm>
+          <a:prstGeom prst="rect">
+            <a:avLst/>
+          </a:prstGeom>
+          <a:noFill/>
+        </p:spPr>
+        <p:txBody>
+          <a:bodyPr wrap="none" rtlCol="0">
+            <a:spAutoFit/>
+          </a:bodyPr>
+          <a:lstStyle/>
+          <a:p>
+            <a:pPr algn="ctr"/>
+            <a:r>
+              <a:rPr lang="en-US" sz="1000" b="1" dirty="0" err="1">
+                <a:latin typeface="Century Gothic" panose="020B0502020202020204" pitchFamily="34" charset="0"/>
+                <a:cs typeface="Adobe Devanagari" panose="02040503050201020203" pitchFamily="18" charset="0"/>
+              </a:rPr>
+              <a:t>FootSw</a:t>
+            </a:r>
+            <a:r>
+              <a:rPr lang="en-US" sz="1000" b="1" dirty="0">
+                <a:latin typeface="Century Gothic" panose="020B0502020202020204" pitchFamily="34" charset="0"/>
+                <a:cs typeface="Adobe Devanagari" panose="02040503050201020203" pitchFamily="18" charset="0"/>
+              </a:rPr>
+              <a:t> 2</a:t>
+            </a:r>
+          </a:p>
+        </p:txBody>
+      </p:sp>
+      <p:sp>
+        <p:nvSpPr>
+          <p:cNvPr id="67" name="Rectangle 66"/>
+          <p:cNvSpPr/>
+          <p:nvPr/>
+        </p:nvSpPr>
+        <p:spPr>
+          <a:xfrm>
+            <a:off x="7239482" y="4543676"/>
+            <a:ext cx="54086" cy="51892"/>
+          </a:xfrm>
+          <a:prstGeom prst="rect">
+            <a:avLst/>
+          </a:prstGeom>
+        </p:spPr>
+        <p:style>
+          <a:lnRef idx="2">
+            <a:schemeClr val="dk1"/>
+          </a:lnRef>
+          <a:fillRef idx="1">
+            <a:schemeClr val="lt1"/>
+          </a:fillRef>
+          <a:effectRef idx="0">
+            <a:schemeClr val="dk1"/>
+          </a:effectRef>
+          <a:fontRef idx="minor">
+            <a:schemeClr val="dk1"/>
+          </a:fontRef>
+        </p:style>
+        <p:txBody>
+          <a:bodyPr rtlCol="0" anchor="ctr"/>
+          <a:lstStyle/>
+          <a:p>
+            <a:pPr algn="ctr"/>
+            <a:endParaRPr lang="en-US"/>
+          </a:p>
+        </p:txBody>
+      </p:sp>
+      <p:sp>
+        <p:nvSpPr>
+          <p:cNvPr id="69" name="Rectangle 68"/>
+          <p:cNvSpPr/>
+          <p:nvPr/>
+        </p:nvSpPr>
+        <p:spPr>
+          <a:xfrm>
+            <a:off x="7239482" y="4633048"/>
+            <a:ext cx="54086" cy="51892"/>
+          </a:xfrm>
+          <a:prstGeom prst="rect">
+            <a:avLst/>
+          </a:prstGeom>
+        </p:spPr>
+        <p:style>
+          <a:lnRef idx="2">
+            <a:schemeClr val="dk1"/>
+          </a:lnRef>
+          <a:fillRef idx="1">
+            <a:schemeClr val="lt1"/>
+          </a:fillRef>
+          <a:effectRef idx="0">
+            <a:schemeClr val="dk1"/>
+          </a:effectRef>
+          <a:fontRef idx="minor">
+            <a:schemeClr val="dk1"/>
+          </a:fontRef>
+        </p:style>
+        <p:txBody>
+          <a:bodyPr rtlCol="0" anchor="ctr"/>
+          <a:lstStyle/>
+          <a:p>
+            <a:pPr algn="ctr"/>
+            <a:endParaRPr lang="en-US"/>
+          </a:p>
+        </p:txBody>
+      </p:sp>
+      <p:sp>
+        <p:nvSpPr>
+          <p:cNvPr id="70" name="TextBox 69"/>
+          <p:cNvSpPr txBox="1"/>
+          <p:nvPr/>
+        </p:nvSpPr>
+        <p:spPr>
+          <a:xfrm rot="5400000">
+            <a:off x="4369644" y="2091586"/>
+            <a:ext cx="833883" cy="246221"/>
+          </a:xfrm>
+          <a:prstGeom prst="rect">
+            <a:avLst/>
+          </a:prstGeom>
+          <a:noFill/>
+        </p:spPr>
+        <p:txBody>
+          <a:bodyPr wrap="none" rtlCol="0">
+            <a:spAutoFit/>
+          </a:bodyPr>
+          <a:lstStyle/>
+          <a:p>
+            <a:pPr algn="ctr"/>
+            <a:r>
+              <a:rPr lang="en-US" sz="1000" b="1" dirty="0">
+                <a:latin typeface="Century Gothic" panose="020B0502020202020204" pitchFamily="34" charset="0"/>
+                <a:cs typeface="Adobe Devanagari" panose="02040503050201020203" pitchFamily="18" charset="0"/>
+              </a:rPr>
+              <a:t>Expression</a:t>
+            </a:r>
+          </a:p>
+        </p:txBody>
+      </p:sp>
+      <p:sp>
+        <p:nvSpPr>
+          <p:cNvPr id="71" name="TextBox 70"/>
+          <p:cNvSpPr txBox="1"/>
+          <p:nvPr/>
+        </p:nvSpPr>
+        <p:spPr>
+          <a:xfrm rot="16200000">
+            <a:off x="6867601" y="2070599"/>
+            <a:ext cx="460382" cy="246221"/>
+          </a:xfrm>
+          <a:prstGeom prst="rect">
+            <a:avLst/>
+          </a:prstGeom>
+          <a:noFill/>
+        </p:spPr>
+        <p:txBody>
+          <a:bodyPr wrap="none" rtlCol="0">
+            <a:spAutoFit/>
+          </a:bodyPr>
+          <a:lstStyle/>
+          <a:p>
+            <a:pPr algn="ctr"/>
+            <a:r>
+              <a:rPr lang="en-US" sz="1000" b="1" dirty="0">
+                <a:latin typeface="Century Gothic" panose="020B0502020202020204" pitchFamily="34" charset="0"/>
+                <a:cs typeface="Adobe Devanagari" panose="02040503050201020203" pitchFamily="18" charset="0"/>
+              </a:rPr>
+              <a:t>MIDI</a:t>
+            </a:r>
+          </a:p>
+        </p:txBody>
+      </p:sp>
+      <p:sp>
+        <p:nvSpPr>
+          <p:cNvPr id="72" name="TextBox 71"/>
+          <p:cNvSpPr txBox="1"/>
+          <p:nvPr/>
+        </p:nvSpPr>
+        <p:spPr>
+          <a:xfrm rot="16200000">
+            <a:off x="6888870" y="3101168"/>
+            <a:ext cx="407484" cy="246221"/>
+          </a:xfrm>
+          <a:prstGeom prst="rect">
+            <a:avLst/>
+          </a:prstGeom>
+          <a:noFill/>
+        </p:spPr>
+        <p:txBody>
+          <a:bodyPr wrap="none" rtlCol="0">
+            <a:spAutoFit/>
+          </a:bodyPr>
+          <a:lstStyle/>
+          <a:p>
+            <a:pPr algn="ctr"/>
+            <a:r>
+              <a:rPr lang="en-US" sz="1000" b="1" dirty="0">
+                <a:latin typeface="Century Gothic" panose="020B0502020202020204" pitchFamily="34" charset="0"/>
+                <a:cs typeface="Adobe Devanagari" panose="02040503050201020203" pitchFamily="18" charset="0"/>
+              </a:rPr>
+              <a:t>USB</a:t>
+            </a:r>
+          </a:p>
+        </p:txBody>
+      </p:sp>
+      <p:sp>
+        <p:nvSpPr>
+          <p:cNvPr id="60" name="Rectangle 59"/>
+          <p:cNvSpPr/>
+          <p:nvPr/>
+        </p:nvSpPr>
+        <p:spPr>
+          <a:xfrm>
+            <a:off x="1130422" y="1955557"/>
+            <a:ext cx="3250889" cy="428695"/>
+          </a:xfrm>
+          <a:prstGeom prst="rect">
+            <a:avLst/>
+          </a:prstGeom>
+        </p:spPr>
+        <p:style>
+          <a:lnRef idx="2">
+            <a:schemeClr val="dk1">
+              <a:shade val="50000"/>
+            </a:schemeClr>
+          </a:lnRef>
+          <a:fillRef idx="1003">
+            <a:schemeClr val="dk1"/>
+          </a:fillRef>
+          <a:effectRef idx="0">
+            <a:schemeClr val="dk1"/>
+          </a:effectRef>
+          <a:fontRef idx="minor">
+            <a:schemeClr val="lt1"/>
+          </a:fontRef>
+        </p:style>
+        <p:txBody>
+          <a:bodyPr rtlCol="0" anchor="ctr"/>
+          <a:lstStyle/>
+          <a:p>
+            <a:r>
+              <a:rPr lang="en-US" sz="1600" b="1" dirty="0">
+                <a:solidFill>
+                  <a:schemeClr val="bg1"/>
+                </a:solidFill>
+              </a:rPr>
+              <a:t>Expression Input (1/8” TRS Jack)</a:t>
+            </a:r>
+          </a:p>
+        </p:txBody>
+      </p:sp>
+      <p:sp>
+        <p:nvSpPr>
+          <p:cNvPr id="61" name="Rectangle 60"/>
+          <p:cNvSpPr/>
+          <p:nvPr/>
+        </p:nvSpPr>
+        <p:spPr>
+          <a:xfrm>
+            <a:off x="1338617" y="3706618"/>
+            <a:ext cx="3023756" cy="410432"/>
+          </a:xfrm>
+          <a:prstGeom prst="rect">
+            <a:avLst/>
+          </a:prstGeom>
+        </p:spPr>
+        <p:style>
+          <a:lnRef idx="2">
+            <a:schemeClr val="dk1">
+              <a:shade val="50000"/>
+            </a:schemeClr>
+          </a:lnRef>
+          <a:fillRef idx="1001">
+            <a:schemeClr val="dk2"/>
+          </a:fillRef>
+          <a:effectRef idx="0">
+            <a:schemeClr val="dk1"/>
+          </a:effectRef>
+          <a:fontRef idx="minor">
+            <a:schemeClr val="lt1"/>
+          </a:fontRef>
+        </p:style>
+        <p:txBody>
+          <a:bodyPr rtlCol="0" anchor="ctr"/>
+          <a:lstStyle/>
+          <a:p>
+            <a:r>
+              <a:rPr lang="en-US" sz="1600" b="1" dirty="0">
+                <a:solidFill>
+                  <a:schemeClr val="bg1"/>
+                </a:solidFill>
+              </a:rPr>
+              <a:t>Three 3-way Toggles (On-Off-On)</a:t>
+            </a:r>
+          </a:p>
+        </p:txBody>
+      </p:sp>
+      <p:cxnSp>
+        <p:nvCxnSpPr>
+          <p:cNvPr id="62" name="Straight Arrow Connector 61"/>
+          <p:cNvCxnSpPr>
+            <a:stCxn id="61" idx="3"/>
+          </p:cNvCxnSpPr>
+          <p:nvPr/>
+        </p:nvCxnSpPr>
+        <p:spPr>
+          <a:xfrm>
+            <a:off x="4362373" y="3911834"/>
+            <a:ext cx="276302" cy="0"/>
+          </a:xfrm>
+          <a:prstGeom prst="straightConnector1">
+            <a:avLst/>
+          </a:prstGeom>
+          <a:ln>
+            <a:tailEnd type="triangle"/>
+          </a:ln>
+        </p:spPr>
+        <p:style>
+          <a:lnRef idx="3">
+            <a:schemeClr val="dk1"/>
+          </a:lnRef>
+          <a:fillRef idx="0">
+            <a:schemeClr val="dk1"/>
+          </a:fillRef>
+          <a:effectRef idx="2">
+            <a:schemeClr val="dk1"/>
+          </a:effectRef>
+          <a:fontRef idx="minor">
+            <a:schemeClr val="tx1"/>
+          </a:fontRef>
+        </p:style>
+      </p:cxnSp>
+      <p:cxnSp>
+        <p:nvCxnSpPr>
+          <p:cNvPr id="68" name="Straight Arrow Connector 67"/>
+          <p:cNvCxnSpPr/>
+          <p:nvPr/>
+        </p:nvCxnSpPr>
+        <p:spPr>
+          <a:xfrm>
+            <a:off x="4381311" y="2165058"/>
+            <a:ext cx="276302" cy="0"/>
+          </a:xfrm>
+          <a:prstGeom prst="straightConnector1">
+            <a:avLst/>
+          </a:prstGeom>
+          <a:ln>
+            <a:tailEnd type="triangle"/>
+          </a:ln>
+        </p:spPr>
+        <p:style>
+          <a:lnRef idx="3">
+            <a:schemeClr val="dk1"/>
+          </a:lnRef>
+          <a:fillRef idx="0">
+            <a:schemeClr val="dk1"/>
+          </a:fillRef>
+          <a:effectRef idx="2">
+            <a:schemeClr val="dk1"/>
+          </a:effectRef>
+          <a:fontRef idx="minor">
+            <a:schemeClr val="tx1"/>
+          </a:fontRef>
+        </p:style>
+      </p:cxnSp>
+      <p:cxnSp>
+        <p:nvCxnSpPr>
+          <p:cNvPr id="73" name="Straight Arrow Connector 72"/>
+          <p:cNvCxnSpPr/>
+          <p:nvPr/>
+        </p:nvCxnSpPr>
+        <p:spPr>
+          <a:xfrm flipH="1">
+            <a:off x="7266525" y="4623278"/>
+            <a:ext cx="236542" cy="0"/>
+          </a:xfrm>
+          <a:prstGeom prst="straightConnector1">
+            <a:avLst/>
+          </a:prstGeom>
+          <a:ln>
+            <a:tailEnd type="triangle"/>
+          </a:ln>
+        </p:spPr>
+        <p:style>
+          <a:lnRef idx="3">
+            <a:schemeClr val="dk1"/>
+          </a:lnRef>
+          <a:fillRef idx="0">
+            <a:schemeClr val="dk1"/>
+          </a:fillRef>
+          <a:effectRef idx="2">
+            <a:schemeClr val="dk1"/>
+          </a:effectRef>
+          <a:fontRef idx="minor">
+            <a:schemeClr val="tx1"/>
+          </a:fontRef>
+        </p:style>
+      </p:cxnSp>
+      <p:cxnSp>
+        <p:nvCxnSpPr>
+          <p:cNvPr id="74" name="Straight Arrow Connector 73"/>
+          <p:cNvCxnSpPr/>
+          <p:nvPr/>
+        </p:nvCxnSpPr>
+        <p:spPr>
+          <a:xfrm flipH="1">
+            <a:off x="7251189" y="3222216"/>
+            <a:ext cx="236542" cy="0"/>
+          </a:xfrm>
+          <a:prstGeom prst="straightConnector1">
+            <a:avLst/>
+          </a:prstGeom>
+          <a:ln>
+            <a:tailEnd type="triangle"/>
+          </a:ln>
+        </p:spPr>
+        <p:style>
+          <a:lnRef idx="3">
+            <a:schemeClr val="dk1"/>
+          </a:lnRef>
+          <a:fillRef idx="0">
+            <a:schemeClr val="dk1"/>
+          </a:fillRef>
+          <a:effectRef idx="2">
+            <a:schemeClr val="dk1"/>
+          </a:effectRef>
+          <a:fontRef idx="minor">
+            <a:schemeClr val="tx1"/>
+          </a:fontRef>
+        </p:style>
+      </p:cxnSp>
+      <p:cxnSp>
+        <p:nvCxnSpPr>
+          <p:cNvPr id="75" name="Straight Arrow Connector 74"/>
+          <p:cNvCxnSpPr/>
+          <p:nvPr/>
+        </p:nvCxnSpPr>
+        <p:spPr>
+          <a:xfrm flipH="1">
+            <a:off x="7244681" y="2193709"/>
+            <a:ext cx="236542" cy="0"/>
+          </a:xfrm>
+          <a:prstGeom prst="straightConnector1">
+            <a:avLst/>
+          </a:prstGeom>
+          <a:ln>
+            <a:tailEnd type="triangle"/>
+          </a:ln>
+        </p:spPr>
+        <p:style>
+          <a:lnRef idx="3">
+            <a:schemeClr val="dk1"/>
+          </a:lnRef>
+          <a:fillRef idx="0">
+            <a:schemeClr val="dk1"/>
+          </a:fillRef>
+          <a:effectRef idx="2">
+            <a:schemeClr val="dk1"/>
+          </a:effectRef>
+          <a:fontRef idx="minor">
+            <a:schemeClr val="tx1"/>
+          </a:fontRef>
+        </p:style>
+      </p:cxnSp>
+      <p:sp>
+        <p:nvSpPr>
+          <p:cNvPr id="65" name="Rectangle 64"/>
+          <p:cNvSpPr/>
+          <p:nvPr/>
+        </p:nvSpPr>
+        <p:spPr>
+          <a:xfrm>
+            <a:off x="2216110" y="2809545"/>
+            <a:ext cx="2146263" cy="410432"/>
+          </a:xfrm>
+          <a:prstGeom prst="rect">
+            <a:avLst/>
+          </a:prstGeom>
+        </p:spPr>
+        <p:style>
+          <a:lnRef idx="2">
+            <a:schemeClr val="dk1">
+              <a:shade val="50000"/>
+            </a:schemeClr>
+          </a:lnRef>
+          <a:fillRef idx="1001">
+            <a:schemeClr val="dk2"/>
+          </a:fillRef>
+          <a:effectRef idx="0">
+            <a:schemeClr val="dk1"/>
+          </a:effectRef>
+          <a:fontRef idx="minor">
+            <a:schemeClr val="lt1"/>
+          </a:fontRef>
+        </p:style>
+        <p:txBody>
+          <a:bodyPr rtlCol="0" anchor="ctr"/>
+          <a:lstStyle/>
+          <a:p>
+            <a:r>
+              <a:rPr lang="en-US" sz="1600" b="1" dirty="0">
+                <a:solidFill>
+                  <a:schemeClr val="bg1"/>
+                </a:solidFill>
+              </a:rPr>
+              <a:t>6 Potentiometer Knobs</a:t>
+            </a:r>
+          </a:p>
+        </p:txBody>
+      </p:sp>
+      <p:sp>
+        <p:nvSpPr>
+          <p:cNvPr id="76" name="Rectangle 75"/>
+          <p:cNvSpPr/>
+          <p:nvPr/>
+        </p:nvSpPr>
+        <p:spPr>
+          <a:xfrm>
+            <a:off x="166920" y="4373127"/>
+            <a:ext cx="4226847" cy="2096991"/>
+          </a:xfrm>
+          <a:prstGeom prst="rect">
+            <a:avLst/>
+          </a:prstGeom>
+          <a:ln/>
+        </p:spPr>
+        <p:style>
+          <a:lnRef idx="1">
+            <a:schemeClr val="accent2"/>
+          </a:lnRef>
+          <a:fillRef idx="2">
+            <a:schemeClr val="accent2"/>
+          </a:fillRef>
+          <a:effectRef idx="1">
+            <a:schemeClr val="accent2"/>
+          </a:effectRef>
+          <a:fontRef idx="minor">
+            <a:schemeClr val="dk1"/>
+          </a:fontRef>
+        </p:style>
+        <p:txBody>
+          <a:bodyPr rtlCol="0" anchor="ctr"/>
+          <a:lstStyle/>
+          <a:p>
+            <a:r>
+              <a:rPr lang="en-US" sz="2800" b="1" dirty="0">
+                <a:solidFill>
+                  <a:schemeClr val="tx1"/>
+                </a:solidFill>
+              </a:rPr>
+              <a:t>Specs:</a:t>
+            </a:r>
+          </a:p>
+          <a:p>
+            <a:pPr marL="285750" indent="-285750">
+              <a:buFont typeface="Arial" panose="020B0604020202020204" pitchFamily="34" charset="0"/>
+              <a:buChar char="•"/>
+            </a:pPr>
+            <a:r>
+              <a:rPr lang="en-US" sz="1400" b="1" dirty="0">
+                <a:solidFill>
+                  <a:schemeClr val="tx1"/>
+                </a:solidFill>
+              </a:rPr>
+              <a:t>Buffered Stereo In/Out Paths</a:t>
+            </a:r>
+          </a:p>
+          <a:p>
+            <a:pPr marL="285750" indent="-285750">
+              <a:buFont typeface="Arial" panose="020B0604020202020204" pitchFamily="34" charset="0"/>
+              <a:buChar char="•"/>
+            </a:pPr>
+            <a:r>
+              <a:rPr lang="en-US" sz="1400" b="1" dirty="0">
+                <a:solidFill>
+                  <a:schemeClr val="tx1"/>
+                </a:solidFill>
+              </a:rPr>
+              <a:t>Up to 96KHz, 24-bit Digital Processing</a:t>
+            </a:r>
+          </a:p>
+          <a:p>
+            <a:pPr marL="285750" indent="-285750">
+              <a:buFont typeface="Arial" panose="020B0604020202020204" pitchFamily="34" charset="0"/>
+              <a:buChar char="•"/>
+            </a:pPr>
+            <a:r>
+              <a:rPr lang="en-US" sz="1400" b="1" dirty="0">
+                <a:solidFill>
+                  <a:schemeClr val="tx1"/>
+                </a:solidFill>
+              </a:rPr>
+              <a:t>64MB SDRAM, 8MB Flash</a:t>
+            </a:r>
+          </a:p>
+          <a:p>
+            <a:pPr marL="285750" indent="-285750">
+              <a:buFont typeface="Arial" panose="020B0604020202020204" pitchFamily="34" charset="0"/>
+              <a:buChar char="•"/>
+            </a:pPr>
+            <a:r>
+              <a:rPr lang="en-US" sz="1400" b="1" dirty="0">
+                <a:solidFill>
+                  <a:schemeClr val="tx1"/>
+                </a:solidFill>
+              </a:rPr>
+              <a:t>ARM Cortex M7 480MHz</a:t>
+            </a:r>
+          </a:p>
+          <a:p>
+            <a:pPr marL="285750" indent="-285750">
+              <a:buFont typeface="Arial" panose="020B0604020202020204" pitchFamily="34" charset="0"/>
+              <a:buChar char="•"/>
+            </a:pPr>
+            <a:r>
+              <a:rPr lang="en-US" sz="1400" b="1" dirty="0">
+                <a:solidFill>
+                  <a:schemeClr val="tx1"/>
+                </a:solidFill>
+              </a:rPr>
+              <a:t>Expression and MIDI Inputs</a:t>
+            </a:r>
+          </a:p>
+          <a:p>
+            <a:pPr marL="285750" indent="-285750">
+              <a:buFont typeface="Arial" panose="020B0604020202020204" pitchFamily="34" charset="0"/>
+              <a:buChar char="•"/>
+            </a:pPr>
+            <a:r>
+              <a:rPr lang="en-US" sz="1400" b="1" dirty="0">
+                <a:solidFill>
+                  <a:schemeClr val="tx1"/>
+                </a:solidFill>
+              </a:rPr>
+              <a:t>Through Hole PCB</a:t>
+            </a:r>
+          </a:p>
+          <a:p>
+            <a:pPr marL="285750" indent="-285750">
+              <a:buFont typeface="Arial" panose="020B0604020202020204" pitchFamily="34" charset="0"/>
+              <a:buChar char="•"/>
+            </a:pPr>
+            <a:r>
+              <a:rPr lang="en-US" sz="1400" b="1" dirty="0">
+                <a:solidFill>
+                  <a:schemeClr val="tx1"/>
+                </a:solidFill>
+              </a:rPr>
+              <a:t>Digital Bypass only</a:t>
+            </a:r>
+          </a:p>
+        </p:txBody>
+      </p:sp>
+    </p:spTree>
+    <p:extLst>
+      <p:ext uri="{BB962C8B-B14F-4D97-AF65-F5344CB8AC3E}">
+        <p14:creationId xmlns:p14="http://schemas.microsoft.com/office/powerpoint/2010/main" val="2803695047"/>
+      </p:ext>
+    </p:extLst>
+  </p:cSld>
+  <p:clrMapOvr>
+    <a:masterClrMapping/>
+  </p:clrMapOvr>
+</p:sld>
+</file>
+
 <file path=ppt/slides/slide2.xml><?xml version="1.0" encoding="utf-8"?>
 <p:sld xmlns:a="http://schemas.openxmlformats.org/drawingml/2006/main" xmlns:r="http://schemas.openxmlformats.org/officeDocument/2006/relationships" xmlns:p="http://schemas.openxmlformats.org/presentationml/2006/main">
   <p:cSld>
@@ -20781,21 +23603,8 @@
                   <a:schemeClr val="bg1"/>
                 </a:solidFill>
               </a:rPr>
-              <a:t>Time Mode </a:t>
-            </a:r>
-            <a:r>
-              <a:rPr lang="en-US" sz="1600" b="1" dirty="0" smtClean="0">
-                <a:solidFill>
-                  <a:schemeClr val="bg1"/>
-                </a:solidFill>
-              </a:rPr>
-              <a:t>Toggle:</a:t>
-            </a:r>
-            <a:endParaRPr lang="en-US" sz="1600" b="1" dirty="0">
-              <a:solidFill>
-                <a:schemeClr val="bg1"/>
-              </a:solidFill>
-            </a:endParaRPr>
+              <a:t>Time Mode Toggle:</a:t>
+            </a:r>
           </a:p>
           <a:p>
             <a:r>
@@ -21022,15 +23831,17 @@
                   <a:schemeClr val="bg1"/>
                 </a:solidFill>
               </a:rPr>
-              <a:t>Dip Switches</a:t>
-            </a:r>
-            <a:r>
-              <a:rPr lang="en-US" sz="1600" b="1" dirty="0" smtClean="0">
+              <a:t>Dip Switches:</a:t>
+            </a:r>
+          </a:p>
+          <a:p>
+            <a:r>
+              <a:rPr lang="en-US" sz="1600" b="1" dirty="0">
                 <a:solidFill>
                   <a:schemeClr val="bg1"/>
                 </a:solidFill>
               </a:rPr>
-              <a:t>:</a:t>
+              <a:t>  1: Mono/Stereo (mono processes more freqs)</a:t>
             </a:r>
           </a:p>
           <a:p>
@@ -21040,85 +23851,27 @@
                   <a:schemeClr val="bg1"/>
                 </a:solidFill>
               </a:rPr>
-              <a:t> </a:t>
-            </a:r>
-            <a:r>
-              <a:rPr lang="en-US" sz="1600" b="1" dirty="0" smtClean="0">
+              <a:t>  2: MISO (mono in stereo out) / Stereo </a:t>
+            </a:r>
+          </a:p>
+          <a:p>
+            <a:r>
+              <a:rPr lang="en-US" sz="1600" b="1" dirty="0">
                 <a:solidFill>
                   <a:schemeClr val="bg1"/>
                 </a:solidFill>
               </a:rPr>
-              <a:t> 1: </a:t>
-            </a:r>
+              <a:t>  3: Stereo Spread Off/On</a:t>
+            </a:r>
+          </a:p>
+          <a:p>
             <a:r>
               <a:rPr lang="en-US" sz="1600" b="1" dirty="0">
                 <a:solidFill>
                   <a:schemeClr val="bg1"/>
                 </a:solidFill>
               </a:rPr>
-              <a:t>Mono/Stereo (mono processes more freqs)</a:t>
-            </a:r>
-          </a:p>
-          <a:p>
-            <a:r>
-              <a:rPr lang="en-US" sz="1600" b="1" dirty="0">
-                <a:solidFill>
-                  <a:schemeClr val="bg1"/>
-                </a:solidFill>
-              </a:rPr>
-              <a:t>  </a:t>
-            </a:r>
-            <a:r>
-              <a:rPr lang="en-US" sz="1600" b="1" dirty="0" smtClean="0">
-                <a:solidFill>
-                  <a:schemeClr val="bg1"/>
-                </a:solidFill>
-              </a:rPr>
-              <a:t>2: </a:t>
-            </a:r>
-            <a:r>
-              <a:rPr lang="en-US" sz="1600" b="1" dirty="0">
-                <a:solidFill>
-                  <a:schemeClr val="bg1"/>
-                </a:solidFill>
-              </a:rPr>
-              <a:t>MISO (mono in stereo out) / Stereo </a:t>
-            </a:r>
-          </a:p>
-          <a:p>
-            <a:r>
-              <a:rPr lang="en-US" sz="1600" b="1" dirty="0" smtClean="0">
-                <a:solidFill>
-                  <a:schemeClr val="bg1"/>
-                </a:solidFill>
-              </a:rPr>
-              <a:t>  3: </a:t>
-            </a:r>
-            <a:r>
-              <a:rPr lang="en-US" sz="1600" b="1" dirty="0">
-                <a:solidFill>
-                  <a:schemeClr val="bg1"/>
-                </a:solidFill>
-              </a:rPr>
-              <a:t>Stereo Spread Off/On</a:t>
-            </a:r>
-          </a:p>
-          <a:p>
-            <a:r>
-              <a:rPr lang="en-US" sz="1600" b="1" dirty="0" smtClean="0">
-                <a:solidFill>
-                  <a:schemeClr val="bg1"/>
-                </a:solidFill>
-              </a:rPr>
-              <a:t>  4</a:t>
-            </a:r>
-            <a:r>
-              <a:rPr lang="en-US" sz="1600" b="1" dirty="0">
-                <a:solidFill>
-                  <a:schemeClr val="bg1"/>
-                </a:solidFill>
-              </a:rPr>
-              <a:t>: Adds Feedback to Predelay </a:t>
+              <a:t>  4: Adds Feedback to Predelay </a:t>
             </a:r>
           </a:p>
         </p:txBody>
@@ -21210,23 +23963,7 @@
                   <a:schemeClr val="bg1"/>
                 </a:solidFill>
               </a:rPr>
-              <a:t>Right Footswitch: Hold to save </a:t>
-            </a:r>
-            <a:r>
-              <a:rPr lang="en-US" sz="1600" b="1" dirty="0" smtClean="0">
-                <a:solidFill>
-                  <a:schemeClr val="bg1"/>
-                </a:solidFill>
-              </a:rPr>
-              <a:t>preset of all knobs, toggles, and dipswitches. </a:t>
-            </a:r>
-            <a:r>
-              <a:rPr lang="en-US" sz="1600" b="1" dirty="0">
-                <a:solidFill>
-                  <a:schemeClr val="bg1"/>
-                </a:solidFill>
-              </a:rPr>
-              <a:t>Press to engage/disengage preset. Saves between power cycles.</a:t>
+              <a:t>Right Footswitch: Hold to save preset of all knobs, toggles, and dipswitches. Press to engage/disengage preset. Saves between power cycles.</a:t>
             </a:r>
           </a:p>
         </p:txBody>
@@ -23116,16 +25853,12 @@
           <a:p>
             <a:pPr algn="ctr"/>
             <a:r>
-              <a:rPr lang="en-US" sz="1000" b="1" dirty="0" smtClean="0">
+              <a:rPr lang="en-US" sz="1000" b="1" dirty="0">
                 <a:latin typeface="Century Gothic" panose="020B0502020202020204" pitchFamily="34" charset="0"/>
                 <a:cs typeface="Adobe Devanagari" panose="02040503050201020203" pitchFamily="18" charset="0"/>
               </a:rPr>
               <a:t>LEVEL</a:t>
             </a:r>
-            <a:endParaRPr lang="en-US" sz="1000" b="1" dirty="0">
-              <a:latin typeface="Century Gothic" panose="020B0502020202020204" pitchFamily="34" charset="0"/>
-              <a:cs typeface="Adobe Devanagari" panose="02040503050201020203" pitchFamily="18" charset="0"/>
-            </a:endParaRPr>
           </a:p>
         </p:txBody>
       </p:sp>
@@ -23153,16 +25886,12 @@
           <a:p>
             <a:pPr algn="ctr"/>
             <a:r>
-              <a:rPr lang="en-US" sz="1000" b="1" dirty="0" smtClean="0">
+              <a:rPr lang="en-US" sz="1000" b="1" dirty="0">
                 <a:latin typeface="Century Gothic" panose="020B0502020202020204" pitchFamily="34" charset="0"/>
                 <a:cs typeface="Adobe Devanagari" panose="02040503050201020203" pitchFamily="18" charset="0"/>
               </a:rPr>
               <a:t>PRESENCE</a:t>
             </a:r>
-            <a:endParaRPr lang="en-US" sz="1000" b="1" dirty="0">
-              <a:latin typeface="Century Gothic" panose="020B0502020202020204" pitchFamily="34" charset="0"/>
-              <a:cs typeface="Adobe Devanagari" panose="02040503050201020203" pitchFamily="18" charset="0"/>
-            </a:endParaRPr>
           </a:p>
         </p:txBody>
       </p:sp>
@@ -23190,16 +25919,12 @@
           <a:p>
             <a:pPr algn="ctr"/>
             <a:r>
-              <a:rPr lang="en-US" sz="1000" b="1" dirty="0" smtClean="0">
+              <a:rPr lang="en-US" sz="1000" b="1" dirty="0">
                 <a:latin typeface="Century Gothic" panose="020B0502020202020204" pitchFamily="34" charset="0"/>
                 <a:cs typeface="Adobe Devanagari" panose="02040503050201020203" pitchFamily="18" charset="0"/>
               </a:rPr>
               <a:t>MID</a:t>
             </a:r>
-            <a:endParaRPr lang="en-US" sz="1000" b="1" dirty="0">
-              <a:latin typeface="Century Gothic" panose="020B0502020202020204" pitchFamily="34" charset="0"/>
-              <a:cs typeface="Adobe Devanagari" panose="02040503050201020203" pitchFamily="18" charset="0"/>
-            </a:endParaRPr>
           </a:p>
         </p:txBody>
       </p:sp>
@@ -23227,16 +25952,12 @@
           <a:p>
             <a:pPr algn="ctr"/>
             <a:r>
-              <a:rPr lang="en-US" sz="1000" b="1" dirty="0" smtClean="0">
+              <a:rPr lang="en-US" sz="1000" b="1" dirty="0">
                 <a:latin typeface="Century Gothic" panose="020B0502020202020204" pitchFamily="34" charset="0"/>
                 <a:cs typeface="Adobe Devanagari" panose="02040503050201020203" pitchFamily="18" charset="0"/>
               </a:rPr>
               <a:t>TREBLE</a:t>
             </a:r>
-            <a:endParaRPr lang="en-US" sz="1000" b="1" dirty="0">
-              <a:latin typeface="Century Gothic" panose="020B0502020202020204" pitchFamily="34" charset="0"/>
-              <a:cs typeface="Adobe Devanagari" panose="02040503050201020203" pitchFamily="18" charset="0"/>
-            </a:endParaRPr>
           </a:p>
         </p:txBody>
       </p:sp>
@@ -23264,16 +25985,12 @@
           <a:p>
             <a:pPr algn="ctr"/>
             <a:r>
-              <a:rPr lang="en-US" sz="1000" b="1" dirty="0" smtClean="0">
+              <a:rPr lang="en-US" sz="1000" b="1" dirty="0">
                 <a:latin typeface="Century Gothic" panose="020B0502020202020204" pitchFamily="34" charset="0"/>
                 <a:cs typeface="Adobe Devanagari" panose="02040503050201020203" pitchFamily="18" charset="0"/>
               </a:rPr>
               <a:t>BASS</a:t>
             </a:r>
-            <a:endParaRPr lang="en-US" sz="1000" b="1" dirty="0">
-              <a:latin typeface="Century Gothic" panose="020B0502020202020204" pitchFamily="34" charset="0"/>
-              <a:cs typeface="Adobe Devanagari" panose="02040503050201020203" pitchFamily="18" charset="0"/>
-            </a:endParaRPr>
           </a:p>
         </p:txBody>
       </p:sp>
@@ -23334,44 +26051,32 @@
           <a:p>
             <a:pPr algn="ctr"/>
             <a:r>
-              <a:rPr lang="en-US" sz="800" b="1" dirty="0" smtClean="0">
+              <a:rPr lang="en-US" sz="800" b="1" dirty="0">
                 <a:latin typeface="Century Gothic" panose="020B0502020202020204" pitchFamily="34" charset="0"/>
                 <a:cs typeface="Adobe Devanagari" panose="02040503050201020203" pitchFamily="18" charset="0"/>
               </a:rPr>
               <a:t>Low</a:t>
             </a:r>
-            <a:endParaRPr lang="en-US" sz="800" b="1" dirty="0">
-              <a:latin typeface="Century Gothic" panose="020B0502020202020204" pitchFamily="34" charset="0"/>
-              <a:cs typeface="Adobe Devanagari" panose="02040503050201020203" pitchFamily="18" charset="0"/>
-            </a:endParaRPr>
-          </a:p>
-          <a:p>
-            <a:pPr algn="ctr"/>
-            <a:r>
-              <a:rPr lang="en-US" sz="800" b="1" dirty="0" smtClean="0">
+          </a:p>
+          <a:p>
+            <a:pPr algn="ctr"/>
+            <a:r>
+              <a:rPr lang="en-US" sz="800" b="1" dirty="0">
                 <a:latin typeface="Century Gothic" panose="020B0502020202020204" pitchFamily="34" charset="0"/>
                 <a:cs typeface="Adobe Devanagari" panose="02040503050201020203" pitchFamily="18" charset="0"/>
               </a:rPr>
               <a:t>Med</a:t>
             </a:r>
-            <a:endParaRPr lang="en-US" sz="800" b="1" dirty="0">
-              <a:latin typeface="Century Gothic" panose="020B0502020202020204" pitchFamily="34" charset="0"/>
-              <a:cs typeface="Adobe Devanagari" panose="02040503050201020203" pitchFamily="18" charset="0"/>
-            </a:endParaRPr>
-          </a:p>
-          <a:p>
-            <a:pPr algn="ctr"/>
-            <a:r>
-              <a:rPr lang="en-US" sz="800" b="1" dirty="0" smtClean="0">
+          </a:p>
+          <a:p>
+            <a:pPr algn="ctr"/>
+            <a:r>
+              <a:rPr lang="en-US" sz="800" b="1" dirty="0">
                 <a:latin typeface="Century Gothic" panose="020B0502020202020204" pitchFamily="34" charset="0"/>
                 <a:cs typeface="Adobe Devanagari" panose="02040503050201020203" pitchFamily="18" charset="0"/>
               </a:rPr>
               <a:t>High</a:t>
             </a:r>
-            <a:endParaRPr lang="en-US" sz="800" b="1" dirty="0">
-              <a:latin typeface="Century Gothic" panose="020B0502020202020204" pitchFamily="34" charset="0"/>
-              <a:cs typeface="Adobe Devanagari" panose="02040503050201020203" pitchFamily="18" charset="0"/>
-            </a:endParaRPr>
           </a:p>
         </p:txBody>
       </p:sp>
@@ -23399,16 +26104,12 @@
           <a:p>
             <a:pPr algn="ctr"/>
             <a:r>
-              <a:rPr lang="en-US" sz="2800" b="1" dirty="0" smtClean="0">
+              <a:rPr lang="en-US" sz="2800" b="1" dirty="0">
                 <a:latin typeface="Broadway" panose="04040905080B02020502" pitchFamily="82" charset="0"/>
                 <a:cs typeface="Adobe Devanagari" panose="02040503050201020203" pitchFamily="18" charset="0"/>
               </a:rPr>
               <a:t>Mercury</a:t>
             </a:r>
-            <a:endParaRPr lang="en-US" sz="2800" b="1" dirty="0">
-              <a:latin typeface="Broadway" panose="04040905080B02020502" pitchFamily="82" charset="0"/>
-              <a:cs typeface="Adobe Devanagari" panose="02040503050201020203" pitchFamily="18" charset="0"/>
-            </a:endParaRPr>
           </a:p>
         </p:txBody>
       </p:sp>
@@ -23443,7 +26144,7 @@
               <a:t>Amp </a:t>
             </a:r>
             <a:r>
-              <a:rPr lang="en-US" sz="1000" dirty="0" err="1" smtClean="0">
+              <a:rPr lang="en-US" sz="1000" dirty="0" err="1">
                 <a:latin typeface="Century Gothic" panose="020B0502020202020204" pitchFamily="34" charset="0"/>
                 <a:cs typeface="Adobe Devanagari" panose="02040503050201020203" pitchFamily="18" charset="0"/>
               </a:rPr>
@@ -23660,7 +26361,7 @@
           <a:p>
             <a:pPr algn="ctr"/>
             <a:r>
-              <a:rPr lang="en-US" sz="800" b="1" dirty="0" smtClean="0">
+              <a:rPr lang="en-US" sz="800" b="1" dirty="0">
                 <a:latin typeface="Century Gothic" panose="020B0502020202020204" pitchFamily="34" charset="0"/>
                 <a:cs typeface="Adobe Devanagari" panose="02040503050201020203" pitchFamily="18" charset="0"/>
               </a:rPr>
@@ -23670,7 +26371,7 @@
           <a:p>
             <a:pPr algn="ctr"/>
             <a:r>
-              <a:rPr lang="en-US" sz="800" b="1" dirty="0" smtClean="0">
+              <a:rPr lang="en-US" sz="800" b="1" dirty="0">
                 <a:latin typeface="Century Gothic" panose="020B0502020202020204" pitchFamily="34" charset="0"/>
                 <a:cs typeface="Adobe Devanagari" panose="02040503050201020203" pitchFamily="18" charset="0"/>
               </a:rPr>
@@ -23680,16 +26381,12 @@
           <a:p>
             <a:pPr algn="ctr"/>
             <a:r>
-              <a:rPr lang="en-US" sz="800" b="1" dirty="0" smtClean="0">
+              <a:rPr lang="en-US" sz="800" b="1" dirty="0">
                 <a:latin typeface="Century Gothic" panose="020B0502020202020204" pitchFamily="34" charset="0"/>
                 <a:cs typeface="Adobe Devanagari" panose="02040503050201020203" pitchFamily="18" charset="0"/>
               </a:rPr>
               <a:t>Amp 3</a:t>
             </a:r>
-            <a:endParaRPr lang="en-US" sz="800" b="1" dirty="0">
-              <a:latin typeface="Century Gothic" panose="020B0502020202020204" pitchFamily="34" charset="0"/>
-              <a:cs typeface="Adobe Devanagari" panose="02040503050201020203" pitchFamily="18" charset="0"/>
-            </a:endParaRPr>
           </a:p>
         </p:txBody>
       </p:sp>
@@ -23813,7 +26510,7 @@
           </a:p>
           <a:p>
             <a:r>
-              <a:rPr lang="en-US" sz="1600" b="1" dirty="0" smtClean="0">
+              <a:rPr lang="en-US" sz="1600" b="1" dirty="0">
                 <a:solidFill>
                   <a:schemeClr val="tx1"/>
                 </a:solidFill>
@@ -23821,7 +26518,7 @@
               <a:t>Level:</a:t>
             </a:r>
             <a:r>
-              <a:rPr lang="en-US" sz="1600" dirty="0" smtClean="0">
+              <a:rPr lang="en-US" sz="1600" dirty="0">
                 <a:solidFill>
                   <a:schemeClr val="tx1"/>
                 </a:solidFill>
@@ -23831,7 +26528,7 @@
           </a:p>
           <a:p>
             <a:r>
-              <a:rPr lang="en-US" sz="1600" b="1" dirty="0" smtClean="0">
+              <a:rPr lang="en-US" sz="1600" b="1" dirty="0">
                 <a:solidFill>
                   <a:schemeClr val="tx1"/>
                 </a:solidFill>
@@ -23839,7 +26536,7 @@
               <a:t>Presence: </a:t>
             </a:r>
             <a:r>
-              <a:rPr lang="en-US" sz="1600" dirty="0" smtClean="0">
+              <a:rPr lang="en-US" sz="1600" dirty="0">
                 <a:solidFill>
                   <a:schemeClr val="tx1"/>
                 </a:solidFill>
@@ -23890,7 +26587,7 @@
           <a:lstStyle/>
           <a:p>
             <a:r>
-              <a:rPr lang="en-US" sz="1600" b="1" dirty="0" smtClean="0">
+              <a:rPr lang="en-US" sz="1600" b="1" dirty="0">
                 <a:solidFill>
                   <a:schemeClr val="tx1"/>
                 </a:solidFill>
@@ -23898,22 +26595,17 @@
               <a:t>Bass</a:t>
             </a:r>
             <a:r>
-              <a:rPr lang="en-US" sz="1600" dirty="0" smtClean="0">
+              <a:rPr lang="en-US" sz="1600" dirty="0">
                 <a:solidFill>
                   <a:schemeClr val="tx1"/>
                 </a:solidFill>
               </a:rPr>
               <a:t>: +10/-10 dB</a:t>
             </a:r>
-            <a:endParaRPr lang="en-US" sz="1600" dirty="0">
-              <a:solidFill>
-                <a:schemeClr val="tx1"/>
-              </a:solidFill>
-            </a:endParaRPr>
-          </a:p>
-          <a:p>
-            <a:r>
-              <a:rPr lang="en-US" sz="1600" b="1" dirty="0" smtClean="0">
+          </a:p>
+          <a:p>
+            <a:r>
+              <a:rPr lang="en-US" sz="1600" b="1" dirty="0">
                 <a:solidFill>
                   <a:schemeClr val="tx1"/>
                 </a:solidFill>
@@ -23921,22 +26613,17 @@
               <a:t>Mid</a:t>
             </a:r>
             <a:r>
-              <a:rPr lang="en-US" sz="1600" dirty="0" smtClean="0">
+              <a:rPr lang="en-US" sz="1600" dirty="0">
                 <a:solidFill>
                   <a:schemeClr val="tx1"/>
                 </a:solidFill>
               </a:rPr>
               <a:t>: +10/-10 dB</a:t>
             </a:r>
-            <a:endParaRPr lang="en-US" sz="1600" dirty="0">
-              <a:solidFill>
-                <a:schemeClr val="tx1"/>
-              </a:solidFill>
-            </a:endParaRPr>
-          </a:p>
-          <a:p>
-            <a:r>
-              <a:rPr lang="en-US" sz="1600" b="1" dirty="0" smtClean="0">
+          </a:p>
+          <a:p>
+            <a:r>
+              <a:rPr lang="en-US" sz="1600" b="1" dirty="0">
                 <a:solidFill>
                   <a:schemeClr val="tx1"/>
                 </a:solidFill>
@@ -23944,7 +26631,7 @@
               <a:t>Treble</a:t>
             </a:r>
             <a:r>
-              <a:rPr lang="en-US" sz="1600" dirty="0" smtClean="0">
+              <a:rPr lang="en-US" sz="1600" dirty="0">
                 <a:solidFill>
                   <a:schemeClr val="tx1"/>
                 </a:solidFill>
@@ -24000,21 +26687,18 @@
                   <a:schemeClr val="bg1"/>
                 </a:solidFill>
               </a:rPr>
-              <a:t>Amp </a:t>
-            </a:r>
-            <a:r>
-              <a:rPr lang="en-US" sz="1600" b="1" dirty="0" smtClean="0">
+              <a:t>Amp Group</a:t>
+            </a:r>
+          </a:p>
+          <a:p>
+            <a:r>
+              <a:rPr lang="en-US" sz="1600" b="1" dirty="0">
                 <a:solidFill>
                   <a:schemeClr val="bg1"/>
                 </a:solidFill>
               </a:rPr>
-              <a:t>Group</a:t>
-            </a:r>
-            <a:endParaRPr lang="en-US" sz="1600" b="1" dirty="0">
-              <a:solidFill>
-                <a:schemeClr val="bg1"/>
-              </a:solidFill>
-            </a:endParaRPr>
+              <a:t>  Left:  Low Gain</a:t>
+            </a:r>
           </a:p>
           <a:p>
             <a:r>
@@ -24023,67 +26707,18 @@
                   <a:schemeClr val="bg1"/>
                 </a:solidFill>
               </a:rPr>
-              <a:t>  Left:  </a:t>
-            </a:r>
-            <a:r>
-              <a:rPr lang="en-US" sz="1600" b="1" dirty="0" smtClean="0">
+              <a:t>  Center: Med Gain</a:t>
+            </a:r>
+          </a:p>
+          <a:p>
+            <a:r>
+              <a:rPr lang="en-US" sz="1600" b="1" dirty="0">
                 <a:solidFill>
                   <a:schemeClr val="bg1"/>
                 </a:solidFill>
               </a:rPr>
-              <a:t>Low Gain</a:t>
-            </a:r>
-            <a:endParaRPr lang="en-US" sz="1600" b="1" dirty="0">
-              <a:solidFill>
-                <a:schemeClr val="bg1"/>
-              </a:solidFill>
-            </a:endParaRPr>
-          </a:p>
-          <a:p>
-            <a:r>
-              <a:rPr lang="en-US" sz="1600" b="1" dirty="0">
-                <a:solidFill>
-                  <a:schemeClr val="bg1"/>
-                </a:solidFill>
-              </a:rPr>
-              <a:t>  Center: </a:t>
-            </a:r>
-            <a:r>
-              <a:rPr lang="en-US" sz="1600" b="1" dirty="0" smtClean="0">
-                <a:solidFill>
-                  <a:schemeClr val="bg1"/>
-                </a:solidFill>
-              </a:rPr>
-              <a:t>Med Gain</a:t>
-            </a:r>
-            <a:endParaRPr lang="en-US" sz="1600" b="1" dirty="0">
-              <a:solidFill>
-                <a:schemeClr val="bg1"/>
-              </a:solidFill>
-            </a:endParaRPr>
-          </a:p>
-          <a:p>
-            <a:r>
-              <a:rPr lang="en-US" sz="1600" b="1" dirty="0">
-                <a:solidFill>
-                  <a:schemeClr val="bg1"/>
-                </a:solidFill>
-              </a:rPr>
-              <a:t>  Right:  </a:t>
-            </a:r>
-            <a:r>
-              <a:rPr lang="en-US" sz="1600" b="1" dirty="0" smtClean="0">
-                <a:solidFill>
-                  <a:schemeClr val="bg1"/>
-                </a:solidFill>
-              </a:rPr>
-              <a:t>High Gain</a:t>
-            </a:r>
-            <a:endParaRPr lang="en-US" sz="1600" b="1" dirty="0">
-              <a:solidFill>
-                <a:schemeClr val="bg1"/>
-              </a:solidFill>
-            </a:endParaRPr>
+              <a:t>  Right:  High Gain</a:t>
+            </a:r>
           </a:p>
         </p:txBody>
       </p:sp>
@@ -24123,18 +26758,13 @@
           <a:lstStyle/>
           <a:p>
             <a:r>
-              <a:rPr lang="en-US" sz="1600" b="1" dirty="0" smtClean="0">
+              <a:rPr lang="en-US" sz="1600" b="1" dirty="0">
                 <a:solidFill>
                   <a:schemeClr val="bg1"/>
                 </a:solidFill>
               </a:rPr>
               <a:t>Model Select (depends on Toggle 1 group selection)*</a:t>
             </a:r>
-            <a:endParaRPr lang="en-US" sz="1600" b="1" dirty="0">
-              <a:solidFill>
-                <a:schemeClr val="bg1"/>
-              </a:solidFill>
-            </a:endParaRPr>
           </a:p>
           <a:p>
             <a:r>
@@ -24143,21 +26773,18 @@
                   <a:schemeClr val="bg1"/>
                 </a:solidFill>
               </a:rPr>
-              <a:t>  Left:  </a:t>
-            </a:r>
-            <a:r>
-              <a:rPr lang="en-US" sz="1600" b="1" dirty="0" smtClean="0">
+              <a:t>  Left:  Amp 1</a:t>
+            </a:r>
+          </a:p>
+          <a:p>
+            <a:r>
+              <a:rPr lang="en-US" sz="1600" b="1" dirty="0">
                 <a:solidFill>
                   <a:schemeClr val="bg1"/>
                 </a:solidFill>
               </a:rPr>
-              <a:t>Amp 1</a:t>
-            </a:r>
-            <a:endParaRPr lang="en-US" sz="1600" b="1" dirty="0">
-              <a:solidFill>
-                <a:schemeClr val="bg1"/>
-              </a:solidFill>
-            </a:endParaRPr>
+              <a:t>  Center: Amp 2</a:t>
+            </a:r>
           </a:p>
           <a:p>
             <a:r>
@@ -24166,44 +26793,8 @@
                   <a:schemeClr val="bg1"/>
                 </a:solidFill>
               </a:rPr>
-              <a:t>  Center: </a:t>
-            </a:r>
-            <a:r>
-              <a:rPr lang="en-US" sz="1600" b="1" dirty="0" smtClean="0">
-                <a:solidFill>
-                  <a:schemeClr val="bg1"/>
-                </a:solidFill>
-              </a:rPr>
-              <a:t>Amp 2</a:t>
-            </a:r>
-            <a:endParaRPr lang="en-US" sz="1600" b="1" dirty="0">
-              <a:solidFill>
-                <a:schemeClr val="bg1"/>
-              </a:solidFill>
-            </a:endParaRPr>
-          </a:p>
-          <a:p>
-            <a:r>
-              <a:rPr lang="en-US" sz="1600" b="1" dirty="0">
-                <a:solidFill>
-                  <a:schemeClr val="bg1"/>
-                </a:solidFill>
-              </a:rPr>
-              <a:t>  Right:  </a:t>
-            </a:r>
-            <a:r>
-              <a:rPr lang="en-US" sz="1600" b="1" dirty="0" smtClean="0">
-                <a:solidFill>
-                  <a:schemeClr val="bg1"/>
-                </a:solidFill>
-              </a:rPr>
-              <a:t>Amp 3</a:t>
-            </a:r>
-            <a:endParaRPr lang="en-US" sz="1600" b="1" dirty="0">
-              <a:solidFill>
-                <a:schemeClr val="bg1"/>
-              </a:solidFill>
-            </a:endParaRPr>
+              <a:t>  Right:  Amp 3</a:t>
+            </a:r>
           </a:p>
         </p:txBody>
       </p:sp>
@@ -24288,7 +26879,7 @@
           <a:lstStyle/>
           <a:p>
             <a:r>
-              <a:rPr lang="en-US" sz="2800" b="1" dirty="0" smtClean="0">
+              <a:rPr lang="en-US" sz="2800" b="1" dirty="0">
                 <a:solidFill>
                   <a:schemeClr val="tx1"/>
                 </a:solidFill>
@@ -24296,36 +26887,20 @@
               <a:t>Mercury</a:t>
             </a:r>
             <a:r>
-              <a:rPr lang="en-US" sz="1600" b="1" dirty="0" smtClean="0">
+              <a:rPr lang="en-US" sz="1600" b="1" dirty="0">
                 <a:solidFill>
                   <a:schemeClr val="tx1"/>
                 </a:solidFill>
               </a:rPr>
-              <a:t> </a:t>
-            </a:r>
-            <a:r>
-              <a:rPr lang="en-US" sz="1600" b="1" dirty="0">
+              <a:t> is an </a:t>
+            </a:r>
+            <a:r>
+              <a:rPr lang="en-US" sz="2400" b="1" dirty="0">
                 <a:solidFill>
                   <a:schemeClr val="tx1"/>
                 </a:solidFill>
               </a:rPr>
-              <a:t>is an </a:t>
-            </a:r>
-            <a:r>
-              <a:rPr lang="en-US" sz="2400" b="1" dirty="0">
-                <a:solidFill>
-                  <a:schemeClr val="tx1"/>
-                </a:solidFill>
-              </a:rPr>
-              <a:t>Amp </a:t>
-            </a:r>
-            <a:r>
-              <a:rPr lang="en-US" sz="2400" b="1" dirty="0" smtClean="0">
-                <a:solidFill>
-                  <a:schemeClr val="tx1"/>
-                </a:solidFill>
-              </a:rPr>
-              <a:t>Emulator using Neural Amp Modeler (NAM). </a:t>
+              <a:t>Amp Emulator using Neural Amp Modeler (NAM). </a:t>
             </a:r>
             <a:endParaRPr lang="en-US" sz="1600" b="1" dirty="0">
               <a:solidFill>
@@ -24413,21 +26988,8 @@
                   <a:schemeClr val="tx1"/>
                 </a:solidFill>
               </a:rPr>
-              <a:t>MIDI: </a:t>
-            </a:r>
-            <a:r>
-              <a:rPr lang="en-US" sz="1600" b="1" dirty="0" smtClean="0">
-                <a:solidFill>
-                  <a:schemeClr val="tx1"/>
-                </a:solidFill>
-              </a:rPr>
-              <a:t>YES</a:t>
-            </a:r>
-            <a:endParaRPr lang="en-US" sz="1600" b="1" dirty="0">
-              <a:solidFill>
-                <a:schemeClr val="tx1"/>
-              </a:solidFill>
-            </a:endParaRPr>
+              <a:t>MIDI: YES</a:t>
+            </a:r>
           </a:p>
         </p:txBody>
       </p:sp>
@@ -24706,18 +27268,14 @@
           <a:lstStyle/>
           <a:p>
             <a:r>
-              <a:rPr lang="en-US" dirty="0" smtClean="0"/>
+              <a:rPr lang="en-US" dirty="0"/>
               <a:t>*NAM Models</a:t>
             </a:r>
           </a:p>
           <a:p>
             <a:r>
-              <a:rPr lang="en-US" sz="1200" dirty="0" smtClean="0"/>
-              <a:t>Low </a:t>
-            </a:r>
-            <a:r>
               <a:rPr lang="en-US" sz="1200" dirty="0"/>
-              <a:t>Gain:</a:t>
+              <a:t>Low Gain:</a:t>
             </a:r>
           </a:p>
           <a:p>
@@ -25860,7 +28418,7 @@
           <a:p>
             <a:pPr algn="ctr"/>
             <a:r>
-              <a:rPr lang="en-US" sz="1000" b="1" dirty="0" err="1" smtClean="0">
+              <a:rPr lang="en-US" sz="1000" b="1" dirty="0" err="1">
                 <a:latin typeface="Century Gothic" panose="020B0502020202020204" pitchFamily="34" charset="0"/>
                 <a:cs typeface="Adobe Devanagari" panose="02040503050201020203" pitchFamily="18" charset="0"/>
               </a:rPr>
@@ -25897,16 +28455,12 @@
           <a:p>
             <a:pPr algn="ctr"/>
             <a:r>
-              <a:rPr lang="en-US" sz="1000" b="1" dirty="0" smtClean="0">
+              <a:rPr lang="en-US" sz="1000" b="1" dirty="0">
                 <a:latin typeface="Century Gothic" panose="020B0502020202020204" pitchFamily="34" charset="0"/>
                 <a:cs typeface="Adobe Devanagari" panose="02040503050201020203" pitchFamily="18" charset="0"/>
               </a:rPr>
               <a:t>Mix</a:t>
             </a:r>
-            <a:endParaRPr lang="en-US" sz="1000" b="1" dirty="0">
-              <a:latin typeface="Century Gothic" panose="020B0502020202020204" pitchFamily="34" charset="0"/>
-              <a:cs typeface="Adobe Devanagari" panose="02040503050201020203" pitchFamily="18" charset="0"/>
-            </a:endParaRPr>
           </a:p>
         </p:txBody>
       </p:sp>
@@ -25934,16 +28488,12 @@
           <a:p>
             <a:pPr algn="ctr"/>
             <a:r>
-              <a:rPr lang="en-US" sz="1000" b="1" dirty="0" smtClean="0">
+              <a:rPr lang="en-US" sz="1000" b="1" dirty="0">
                 <a:latin typeface="Century Gothic" panose="020B0502020202020204" pitchFamily="34" charset="0"/>
                 <a:cs typeface="Adobe Devanagari" panose="02040503050201020203" pitchFamily="18" charset="0"/>
               </a:rPr>
               <a:t>Decay</a:t>
             </a:r>
-            <a:endParaRPr lang="en-US" sz="1000" b="1" dirty="0">
-              <a:latin typeface="Century Gothic" panose="020B0502020202020204" pitchFamily="34" charset="0"/>
-              <a:cs typeface="Adobe Devanagari" panose="02040503050201020203" pitchFamily="18" charset="0"/>
-            </a:endParaRPr>
           </a:p>
         </p:txBody>
       </p:sp>
@@ -25971,16 +28521,12 @@
           <a:p>
             <a:pPr algn="ctr"/>
             <a:r>
-              <a:rPr lang="en-US" sz="1000" b="1" dirty="0" smtClean="0">
+              <a:rPr lang="en-US" sz="1000" b="1" dirty="0">
                 <a:latin typeface="Century Gothic" panose="020B0502020202020204" pitchFamily="34" charset="0"/>
                 <a:cs typeface="Adobe Devanagari" panose="02040503050201020203" pitchFamily="18" charset="0"/>
               </a:rPr>
               <a:t>Mod Rate</a:t>
             </a:r>
-            <a:endParaRPr lang="en-US" sz="1000" b="1" dirty="0">
-              <a:latin typeface="Century Gothic" panose="020B0502020202020204" pitchFamily="34" charset="0"/>
-              <a:cs typeface="Adobe Devanagari" panose="02040503050201020203" pitchFamily="18" charset="0"/>
-            </a:endParaRPr>
           </a:p>
         </p:txBody>
       </p:sp>
@@ -26008,16 +28554,12 @@
           <a:p>
             <a:pPr algn="ctr"/>
             <a:r>
-              <a:rPr lang="en-US" sz="1000" b="1" dirty="0" smtClean="0">
+              <a:rPr lang="en-US" sz="1000" b="1" dirty="0">
                 <a:latin typeface="Century Gothic" panose="020B0502020202020204" pitchFamily="34" charset="0"/>
                 <a:cs typeface="Adobe Devanagari" panose="02040503050201020203" pitchFamily="18" charset="0"/>
               </a:rPr>
               <a:t>Filter</a:t>
             </a:r>
-            <a:endParaRPr lang="en-US" sz="1000" b="1" dirty="0">
-              <a:latin typeface="Century Gothic" panose="020B0502020202020204" pitchFamily="34" charset="0"/>
-              <a:cs typeface="Adobe Devanagari" panose="02040503050201020203" pitchFamily="18" charset="0"/>
-            </a:endParaRPr>
           </a:p>
         </p:txBody>
       </p:sp>
@@ -26045,16 +28587,12 @@
           <a:p>
             <a:pPr algn="ctr"/>
             <a:r>
-              <a:rPr lang="en-US" sz="1000" b="1" dirty="0" smtClean="0">
+              <a:rPr lang="en-US" sz="1000" b="1" dirty="0">
                 <a:latin typeface="Century Gothic" panose="020B0502020202020204" pitchFamily="34" charset="0"/>
                 <a:cs typeface="Adobe Devanagari" panose="02040503050201020203" pitchFamily="18" charset="0"/>
               </a:rPr>
               <a:t>Mod</a:t>
             </a:r>
-            <a:endParaRPr lang="en-US" sz="1000" b="1" dirty="0">
-              <a:latin typeface="Century Gothic" panose="020B0502020202020204" pitchFamily="34" charset="0"/>
-              <a:cs typeface="Adobe Devanagari" panose="02040503050201020203" pitchFamily="18" charset="0"/>
-            </a:endParaRPr>
           </a:p>
         </p:txBody>
       </p:sp>
@@ -26115,7 +28653,7 @@
           <a:p>
             <a:pPr algn="ctr"/>
             <a:r>
-              <a:rPr lang="en-US" sz="800" b="1" dirty="0" smtClean="0">
+              <a:rPr lang="en-US" sz="800" b="1" dirty="0">
                 <a:latin typeface="Century Gothic" panose="020B0502020202020204" pitchFamily="34" charset="0"/>
                 <a:cs typeface="Adobe Devanagari" panose="02040503050201020203" pitchFamily="18" charset="0"/>
               </a:rPr>
@@ -26125,7 +28663,7 @@
           <a:p>
             <a:pPr algn="ctr"/>
             <a:r>
-              <a:rPr lang="en-US" sz="800" b="1" dirty="0" smtClean="0">
+              <a:rPr lang="en-US" sz="800" b="1" dirty="0">
                 <a:latin typeface="Century Gothic" panose="020B0502020202020204" pitchFamily="34" charset="0"/>
                 <a:cs typeface="Adobe Devanagari" panose="02040503050201020203" pitchFamily="18" charset="0"/>
               </a:rPr>
@@ -26135,16 +28673,12 @@
           <a:p>
             <a:pPr algn="ctr"/>
             <a:r>
-              <a:rPr lang="en-US" sz="800" b="1" dirty="0" smtClean="0">
+              <a:rPr lang="en-US" sz="800" b="1" dirty="0">
                 <a:latin typeface="Century Gothic" panose="020B0502020202020204" pitchFamily="34" charset="0"/>
                 <a:cs typeface="Adobe Devanagari" panose="02040503050201020203" pitchFamily="18" charset="0"/>
               </a:rPr>
               <a:t>Big</a:t>
             </a:r>
-            <a:endParaRPr lang="en-US" sz="800" b="1" dirty="0">
-              <a:latin typeface="Century Gothic" panose="020B0502020202020204" pitchFamily="34" charset="0"/>
-              <a:cs typeface="Adobe Devanagari" panose="02040503050201020203" pitchFamily="18" charset="0"/>
-            </a:endParaRPr>
           </a:p>
         </p:txBody>
       </p:sp>
@@ -26172,16 +28706,12 @@
           <a:p>
             <a:pPr algn="ctr"/>
             <a:r>
-              <a:rPr lang="en-US" sz="2000" b="1" dirty="0" smtClean="0">
+              <a:rPr lang="en-US" sz="2000" b="1" dirty="0">
                 <a:latin typeface="Broadway" panose="04040905080B02020502" pitchFamily="82" charset="0"/>
                 <a:cs typeface="Adobe Devanagari" panose="02040503050201020203" pitchFamily="18" charset="0"/>
               </a:rPr>
               <a:t>Earth</a:t>
             </a:r>
-            <a:endParaRPr lang="en-US" sz="2000" b="1" dirty="0">
-              <a:latin typeface="Broadway" panose="04040905080B02020502" pitchFamily="82" charset="0"/>
-              <a:cs typeface="Adobe Devanagari" panose="02040503050201020203" pitchFamily="18" charset="0"/>
-            </a:endParaRPr>
           </a:p>
         </p:txBody>
       </p:sp>
@@ -26209,7 +28739,7 @@
           <a:p>
             <a:pPr algn="ctr"/>
             <a:r>
-              <a:rPr lang="en-US" sz="1000" dirty="0" smtClean="0">
+              <a:rPr lang="en-US" sz="1000" dirty="0">
                 <a:latin typeface="Century Gothic" panose="020B0502020202020204" pitchFamily="34" charset="0"/>
                 <a:cs typeface="Adobe Devanagari" panose="02040503050201020203" pitchFamily="18" charset="0"/>
               </a:rPr>
@@ -26219,16 +28749,12 @@
           <a:p>
             <a:pPr algn="ctr"/>
             <a:r>
-              <a:rPr lang="en-US" sz="1000" dirty="0" smtClean="0">
+              <a:rPr lang="en-US" sz="1000" dirty="0">
                 <a:latin typeface="Century Gothic" panose="020B0502020202020204" pitchFamily="34" charset="0"/>
                 <a:cs typeface="Adobe Devanagari" panose="02040503050201020203" pitchFamily="18" charset="0"/>
               </a:rPr>
               <a:t>Octave</a:t>
             </a:r>
-            <a:endParaRPr lang="en-US" sz="1000" dirty="0">
-              <a:latin typeface="Century Gothic" panose="020B0502020202020204" pitchFamily="34" charset="0"/>
-              <a:cs typeface="Adobe Devanagari" panose="02040503050201020203" pitchFamily="18" charset="0"/>
-            </a:endParaRPr>
           </a:p>
         </p:txBody>
       </p:sp>
@@ -26436,16 +28962,12 @@
           <a:p>
             <a:pPr algn="ctr"/>
             <a:r>
-              <a:rPr lang="en-US" sz="900" b="1" dirty="0" smtClean="0">
+              <a:rPr lang="en-US" sz="900" b="1" dirty="0">
                 <a:latin typeface="Century Gothic" panose="020B0502020202020204" pitchFamily="34" charset="0"/>
                 <a:cs typeface="Adobe Devanagari" panose="02040503050201020203" pitchFamily="18" charset="0"/>
               </a:rPr>
               <a:t>Size</a:t>
             </a:r>
-            <a:endParaRPr lang="en-US" sz="900" b="1" dirty="0">
-              <a:latin typeface="Century Gothic" panose="020B0502020202020204" pitchFamily="34" charset="0"/>
-              <a:cs typeface="Adobe Devanagari" panose="02040503050201020203" pitchFamily="18" charset="0"/>
-            </a:endParaRPr>
           </a:p>
         </p:txBody>
       </p:sp>
@@ -26473,16 +28995,12 @@
           <a:p>
             <a:pPr algn="ctr"/>
             <a:r>
-              <a:rPr lang="en-US" sz="900" b="1" dirty="0" smtClean="0">
+              <a:rPr lang="en-US" sz="900" b="1" dirty="0">
                 <a:latin typeface="Century Gothic" panose="020B0502020202020204" pitchFamily="34" charset="0"/>
                 <a:cs typeface="Adobe Devanagari" panose="02040503050201020203" pitchFamily="18" charset="0"/>
               </a:rPr>
               <a:t>Octave</a:t>
             </a:r>
-            <a:endParaRPr lang="en-US" sz="900" b="1" dirty="0">
-              <a:latin typeface="Century Gothic" panose="020B0502020202020204" pitchFamily="34" charset="0"/>
-              <a:cs typeface="Adobe Devanagari" panose="02040503050201020203" pitchFamily="18" charset="0"/>
-            </a:endParaRPr>
           </a:p>
         </p:txBody>
       </p:sp>
@@ -26510,16 +29028,12 @@
           <a:p>
             <a:pPr algn="ctr"/>
             <a:r>
-              <a:rPr lang="en-US" sz="900" b="1" dirty="0" smtClean="0">
+              <a:rPr lang="en-US" sz="900" b="1" dirty="0">
                 <a:latin typeface="Century Gothic" panose="020B0502020202020204" pitchFamily="34" charset="0"/>
                 <a:cs typeface="Adobe Devanagari" panose="02040503050201020203" pitchFamily="18" charset="0"/>
               </a:rPr>
               <a:t>Footswitch</a:t>
             </a:r>
-            <a:endParaRPr lang="en-US" sz="900" b="1" dirty="0">
-              <a:latin typeface="Century Gothic" panose="020B0502020202020204" pitchFamily="34" charset="0"/>
-              <a:cs typeface="Adobe Devanagari" panose="02040503050201020203" pitchFamily="18" charset="0"/>
-            </a:endParaRPr>
           </a:p>
         </p:txBody>
       </p:sp>
@@ -26547,16 +29061,12 @@
           <a:p>
             <a:pPr algn="ctr"/>
             <a:r>
-              <a:rPr lang="en-US" sz="1000" b="1" dirty="0" smtClean="0">
+              <a:rPr lang="en-US" sz="1000" b="1" dirty="0">
                 <a:latin typeface="Century Gothic" panose="020B0502020202020204" pitchFamily="34" charset="0"/>
                 <a:cs typeface="Adobe Devanagari" panose="02040503050201020203" pitchFamily="18" charset="0"/>
               </a:rPr>
               <a:t>Action</a:t>
             </a:r>
-            <a:endParaRPr lang="en-US" sz="1000" b="1" dirty="0">
-              <a:latin typeface="Century Gothic" panose="020B0502020202020204" pitchFamily="34" charset="0"/>
-              <a:cs typeface="Adobe Devanagari" panose="02040503050201020203" pitchFamily="18" charset="0"/>
-            </a:endParaRPr>
           </a:p>
         </p:txBody>
       </p:sp>
@@ -26596,7 +29106,7 @@
           <a:lstStyle/>
           <a:p>
             <a:r>
-              <a:rPr lang="en-US" sz="1600" b="1" dirty="0" err="1" smtClean="0">
+              <a:rPr lang="en-US" sz="1600" b="1" dirty="0" err="1">
                 <a:solidFill>
                   <a:schemeClr val="tx1"/>
                 </a:solidFill>
@@ -26604,7 +29114,7 @@
               <a:t>PreDelay</a:t>
             </a:r>
             <a:r>
-              <a:rPr lang="en-US" sz="1600" dirty="0" smtClean="0">
+              <a:rPr lang="en-US" sz="1600" dirty="0">
                 <a:solidFill>
                   <a:schemeClr val="tx1"/>
                 </a:solidFill>
@@ -26612,7 +29122,7 @@
               <a:t>: </a:t>
             </a:r>
             <a:r>
-              <a:rPr lang="en-US" sz="1600" dirty="0" err="1" smtClean="0">
+              <a:rPr lang="en-US" sz="1600" dirty="0" err="1">
                 <a:solidFill>
                   <a:schemeClr val="tx1"/>
                 </a:solidFill>
@@ -26620,22 +29130,17 @@
               <a:t>PreDelay</a:t>
             </a:r>
             <a:r>
-              <a:rPr lang="en-US" sz="1600" dirty="0" smtClean="0">
+              <a:rPr lang="en-US" sz="1600" dirty="0">
                 <a:solidFill>
                   <a:schemeClr val="tx1"/>
                 </a:solidFill>
               </a:rPr>
               <a:t> up to around 700ms</a:t>
             </a:r>
-            <a:endParaRPr lang="en-US" sz="1600" dirty="0">
-              <a:solidFill>
-                <a:schemeClr val="tx1"/>
-              </a:solidFill>
-            </a:endParaRPr>
-          </a:p>
-          <a:p>
-            <a:r>
-              <a:rPr lang="en-US" sz="1600" b="1" dirty="0" smtClean="0">
+          </a:p>
+          <a:p>
+            <a:r>
+              <a:rPr lang="en-US" sz="1600" b="1" dirty="0">
                 <a:solidFill>
                   <a:schemeClr val="tx1"/>
                 </a:solidFill>
@@ -26643,22 +29148,17 @@
               <a:t>Mix</a:t>
             </a:r>
             <a:r>
-              <a:rPr lang="en-US" sz="1600" dirty="0" smtClean="0">
+              <a:rPr lang="en-US" sz="1600" dirty="0">
                 <a:solidFill>
                   <a:schemeClr val="tx1"/>
                 </a:solidFill>
               </a:rPr>
               <a:t>: Dry/Wet mix</a:t>
             </a:r>
-            <a:endParaRPr lang="en-US" sz="1600" dirty="0">
-              <a:solidFill>
-                <a:schemeClr val="tx1"/>
-              </a:solidFill>
-            </a:endParaRPr>
-          </a:p>
-          <a:p>
-            <a:r>
-              <a:rPr lang="en-US" sz="1600" b="1" dirty="0" smtClean="0">
+          </a:p>
+          <a:p>
+            <a:r>
+              <a:rPr lang="en-US" sz="1600" b="1" dirty="0">
                 <a:solidFill>
                   <a:schemeClr val="tx1"/>
                 </a:solidFill>
@@ -26666,7 +29166,7 @@
               <a:t>Decay:</a:t>
             </a:r>
             <a:r>
-              <a:rPr lang="en-US" sz="1600" dirty="0" smtClean="0">
+              <a:rPr lang="en-US" sz="1600" dirty="0">
                 <a:solidFill>
                   <a:schemeClr val="tx1"/>
                 </a:solidFill>
@@ -26717,7 +29217,7 @@
           <a:lstStyle/>
           <a:p>
             <a:r>
-              <a:rPr lang="en-US" sz="1600" b="1" dirty="0" smtClean="0">
+              <a:rPr lang="en-US" sz="1600" b="1" dirty="0">
                 <a:solidFill>
                   <a:schemeClr val="tx1"/>
                 </a:solidFill>
@@ -26725,22 +29225,17 @@
               <a:t>Mod Depth: </a:t>
             </a:r>
             <a:r>
-              <a:rPr lang="en-US" sz="1600" dirty="0" smtClean="0">
+              <a:rPr lang="en-US" sz="1600" dirty="0">
                 <a:solidFill>
                   <a:schemeClr val="tx1"/>
                 </a:solidFill>
               </a:rPr>
               <a:t>Intensity of reverb mod</a:t>
             </a:r>
-            <a:endParaRPr lang="en-US" sz="1600" dirty="0">
-              <a:solidFill>
-                <a:schemeClr val="tx1"/>
-              </a:solidFill>
-            </a:endParaRPr>
-          </a:p>
-          <a:p>
-            <a:r>
-              <a:rPr lang="en-US" sz="1600" b="1" dirty="0" smtClean="0">
+          </a:p>
+          <a:p>
+            <a:r>
+              <a:rPr lang="en-US" sz="1600" b="1" dirty="0">
                 <a:solidFill>
                   <a:schemeClr val="tx1"/>
                 </a:solidFill>
@@ -26748,22 +29243,17 @@
               <a:t>Mod Rate</a:t>
             </a:r>
             <a:r>
-              <a:rPr lang="en-US" sz="1600" dirty="0" smtClean="0">
+              <a:rPr lang="en-US" sz="1600" dirty="0">
                 <a:solidFill>
                   <a:schemeClr val="tx1"/>
                 </a:solidFill>
               </a:rPr>
               <a:t>: Speed of reverb mod</a:t>
             </a:r>
-            <a:endParaRPr lang="en-US" sz="1600" dirty="0">
-              <a:solidFill>
-                <a:schemeClr val="tx1"/>
-              </a:solidFill>
-            </a:endParaRPr>
-          </a:p>
-          <a:p>
-            <a:r>
-              <a:rPr lang="en-US" sz="1600" b="1" dirty="0" smtClean="0">
+          </a:p>
+          <a:p>
+            <a:r>
+              <a:rPr lang="en-US" sz="1600" b="1" dirty="0">
                 <a:solidFill>
                   <a:schemeClr val="tx1"/>
                 </a:solidFill>
@@ -26771,28 +29261,12 @@
               <a:t>Filter</a:t>
             </a:r>
             <a:r>
-              <a:rPr lang="en-US" sz="1600" dirty="0" smtClean="0">
+              <a:rPr lang="en-US" sz="1600" dirty="0">
                 <a:solidFill>
                   <a:schemeClr val="tx1"/>
                 </a:solidFill>
               </a:rPr>
-              <a:t>: </a:t>
-            </a:r>
-            <a:r>
-              <a:rPr lang="en-US" sz="1600" dirty="0">
-                <a:solidFill>
-                  <a:schemeClr val="tx1"/>
-                </a:solidFill>
-              </a:rPr>
-              <a:t>High </a:t>
-            </a:r>
-            <a:r>
-              <a:rPr lang="en-US" sz="1600" dirty="0" smtClean="0">
-                <a:solidFill>
-                  <a:schemeClr val="tx1"/>
-                </a:solidFill>
-              </a:rPr>
-              <a:t>and low cut filter in reverb tank.</a:t>
+              <a:t>: High and low cut filter in reverb tank.</a:t>
             </a:r>
             <a:endParaRPr lang="en-US" sz="1600" dirty="0">
               <a:solidFill>
@@ -26838,18 +29312,13 @@
           <a:lstStyle/>
           <a:p>
             <a:r>
-              <a:rPr lang="en-US" sz="1600" b="1" dirty="0" smtClean="0">
+              <a:rPr lang="en-US" sz="1600" b="1" dirty="0">
                 <a:solidFill>
                   <a:schemeClr val="bg1"/>
                 </a:solidFill>
               </a:rPr>
               <a:t>Size Toggle</a:t>
             </a:r>
-            <a:endParaRPr lang="en-US" sz="1600" b="1" dirty="0">
-              <a:solidFill>
-                <a:schemeClr val="bg1"/>
-              </a:solidFill>
-            </a:endParaRPr>
           </a:p>
           <a:p>
             <a:r>
@@ -26858,15 +29327,17 @@
                   <a:schemeClr val="bg1"/>
                 </a:solidFill>
               </a:rPr>
-              <a:t>  Left:  </a:t>
-            </a:r>
-            <a:r>
-              <a:rPr lang="en-US" sz="1600" b="1" dirty="0" smtClean="0">
+              <a:t>  Left:  Small size </a:t>
+            </a:r>
+          </a:p>
+          <a:p>
+            <a:r>
+              <a:rPr lang="en-US" sz="1600" b="1" dirty="0">
                 <a:solidFill>
                   <a:schemeClr val="bg1"/>
                 </a:solidFill>
               </a:rPr>
-              <a:t>Small size </a:t>
+              <a:t>  Center: Medium size</a:t>
             </a:r>
           </a:p>
           <a:p>
@@ -26876,60 +29347,8 @@
                   <a:schemeClr val="bg1"/>
                 </a:solidFill>
               </a:rPr>
-              <a:t> </a:t>
-            </a:r>
-            <a:r>
-              <a:rPr lang="en-US" sz="1600" b="1" dirty="0" smtClean="0">
-                <a:solidFill>
-                  <a:schemeClr val="bg1"/>
-                </a:solidFill>
-              </a:rPr>
-              <a:t> Center</a:t>
-            </a:r>
-            <a:r>
-              <a:rPr lang="en-US" sz="1600" b="1" dirty="0">
-                <a:solidFill>
-                  <a:schemeClr val="bg1"/>
-                </a:solidFill>
-              </a:rPr>
-              <a:t>: </a:t>
-            </a:r>
-            <a:r>
-              <a:rPr lang="en-US" sz="1600" b="1" dirty="0" smtClean="0">
-                <a:solidFill>
-                  <a:schemeClr val="bg1"/>
-                </a:solidFill>
-              </a:rPr>
-              <a:t>Medium size</a:t>
-            </a:r>
-            <a:endParaRPr lang="en-US" sz="1600" b="1" dirty="0">
-              <a:solidFill>
-                <a:schemeClr val="bg1"/>
-              </a:solidFill>
-            </a:endParaRPr>
-          </a:p>
-          <a:p>
-            <a:r>
-              <a:rPr lang="en-US" sz="1600" b="1" dirty="0">
-                <a:solidFill>
-                  <a:schemeClr val="bg1"/>
-                </a:solidFill>
-              </a:rPr>
-              <a:t>  Right:  </a:t>
-            </a:r>
-            <a:r>
-              <a:rPr lang="en-US" sz="1600" b="1" dirty="0" smtClean="0">
-                <a:solidFill>
-                  <a:schemeClr val="bg1"/>
-                </a:solidFill>
-              </a:rPr>
-              <a:t>Big size</a:t>
-            </a:r>
-            <a:endParaRPr lang="en-US" sz="1600" b="1" dirty="0">
-              <a:solidFill>
-                <a:schemeClr val="bg1"/>
-              </a:solidFill>
-            </a:endParaRPr>
+              <a:t>  Right:  Big size</a:t>
+            </a:r>
           </a:p>
         </p:txBody>
       </p:sp>
@@ -26969,20 +29388,22 @@
           <a:lstStyle/>
           <a:p>
             <a:r>
-              <a:rPr lang="en-US" sz="1600" b="1" dirty="0" smtClean="0">
+              <a:rPr lang="en-US" sz="1600" b="1" dirty="0">
                 <a:solidFill>
                   <a:schemeClr val="bg1"/>
                 </a:solidFill>
               </a:rPr>
-              <a:t>Octave </a:t>
-            </a:r>
+              <a:t>Octave Switch</a:t>
+            </a:r>
+          </a:p>
+          <a:p>
             <a:r>
               <a:rPr lang="en-US" sz="1600" b="1" dirty="0">
                 <a:solidFill>
                   <a:schemeClr val="bg1"/>
                 </a:solidFill>
               </a:rPr>
-              <a:t>Switch</a:t>
+              <a:t>  Left:  None</a:t>
             </a:r>
           </a:p>
           <a:p>
@@ -26992,67 +29413,18 @@
                   <a:schemeClr val="bg1"/>
                 </a:solidFill>
               </a:rPr>
-              <a:t>  Left:  </a:t>
-            </a:r>
-            <a:r>
-              <a:rPr lang="en-US" sz="1600" b="1" dirty="0" smtClean="0">
+              <a:t>  Center: Octave Up</a:t>
+            </a:r>
+          </a:p>
+          <a:p>
+            <a:r>
+              <a:rPr lang="en-US" sz="1600" b="1" dirty="0">
                 <a:solidFill>
                   <a:schemeClr val="bg1"/>
                 </a:solidFill>
               </a:rPr>
-              <a:t>None</a:t>
-            </a:r>
-            <a:endParaRPr lang="en-US" sz="1600" b="1" dirty="0">
-              <a:solidFill>
-                <a:schemeClr val="bg1"/>
-              </a:solidFill>
-            </a:endParaRPr>
-          </a:p>
-          <a:p>
-            <a:r>
-              <a:rPr lang="en-US" sz="1600" b="1" dirty="0">
-                <a:solidFill>
-                  <a:schemeClr val="bg1"/>
-                </a:solidFill>
-              </a:rPr>
-              <a:t>  Center: </a:t>
-            </a:r>
-            <a:r>
-              <a:rPr lang="en-US" sz="1600" b="1" dirty="0" smtClean="0">
-                <a:solidFill>
-                  <a:schemeClr val="bg1"/>
-                </a:solidFill>
-              </a:rPr>
-              <a:t>Octave Up</a:t>
-            </a:r>
-            <a:endParaRPr lang="en-US" sz="1600" b="1" dirty="0">
-              <a:solidFill>
-                <a:schemeClr val="bg1"/>
-              </a:solidFill>
-            </a:endParaRPr>
-          </a:p>
-          <a:p>
-            <a:r>
-              <a:rPr lang="en-US" sz="1600" b="1" dirty="0">
-                <a:solidFill>
-                  <a:schemeClr val="bg1"/>
-                </a:solidFill>
-              </a:rPr>
-              <a:t>  Right:  </a:t>
-            </a:r>
-            <a:r>
-              <a:rPr lang="en-US" sz="1600" b="1" dirty="0" smtClean="0">
-                <a:solidFill>
-                  <a:schemeClr val="bg1"/>
-                </a:solidFill>
-              </a:rPr>
-              <a:t>Octave Up and Down</a:t>
-            </a:r>
-            <a:endParaRPr lang="en-US" sz="1600" b="1" dirty="0">
-              <a:solidFill>
-                <a:schemeClr val="bg1"/>
-              </a:solidFill>
-            </a:endParaRPr>
+              <a:t>  Right:  Octave Up and Down</a:t>
+            </a:r>
           </a:p>
         </p:txBody>
       </p:sp>
@@ -27092,18 +29464,13 @@
           <a:lstStyle/>
           <a:p>
             <a:r>
-              <a:rPr lang="en-US" sz="1600" b="1" dirty="0" smtClean="0">
+              <a:rPr lang="en-US" sz="1600" b="1" dirty="0">
                 <a:solidFill>
                   <a:schemeClr val="bg1"/>
                 </a:solidFill>
               </a:rPr>
               <a:t>Footswitch Action:</a:t>
             </a:r>
-            <a:endParaRPr lang="en-US" sz="1600" b="1" dirty="0">
-              <a:solidFill>
-                <a:schemeClr val="bg1"/>
-              </a:solidFill>
-            </a:endParaRPr>
           </a:p>
           <a:p>
             <a:r>
@@ -27112,21 +29479,18 @@
                   <a:schemeClr val="bg1"/>
                 </a:solidFill>
               </a:rPr>
-              <a:t>  Left:  </a:t>
-            </a:r>
-            <a:r>
-              <a:rPr lang="en-US" sz="1600" b="1" dirty="0" smtClean="0">
+              <a:t>  Left:  Freeze (Decay set to 1)</a:t>
+            </a:r>
+          </a:p>
+          <a:p>
+            <a:r>
+              <a:rPr lang="en-US" sz="1600" b="1" dirty="0">
                 <a:solidFill>
                   <a:schemeClr val="bg1"/>
                 </a:solidFill>
               </a:rPr>
-              <a:t>Freeze (Decay set to 1)</a:t>
-            </a:r>
-            <a:endParaRPr lang="en-US" sz="1600" b="1" dirty="0">
-              <a:solidFill>
-                <a:schemeClr val="bg1"/>
-              </a:solidFill>
-            </a:endParaRPr>
+              <a:t>  Center: Overdrive the Reverb </a:t>
+            </a:r>
           </a:p>
           <a:p>
             <a:r>
@@ -27135,47 +29499,8 @@
                   <a:schemeClr val="bg1"/>
                 </a:solidFill>
               </a:rPr>
-              <a:t>  </a:t>
-            </a:r>
-            <a:r>
-              <a:rPr lang="en-US" sz="1600" b="1" dirty="0" smtClean="0">
-                <a:solidFill>
-                  <a:schemeClr val="bg1"/>
-                </a:solidFill>
-              </a:rPr>
-              <a:t>Center: Overdrive the Reverb </a:t>
-            </a:r>
-          </a:p>
-          <a:p>
-            <a:r>
-              <a:rPr lang="en-US" sz="1600" b="1" dirty="0" smtClean="0">
-                <a:solidFill>
-                  <a:schemeClr val="bg1"/>
-                </a:solidFill>
-              </a:rPr>
-              <a:t>  Right</a:t>
-            </a:r>
-            <a:r>
-              <a:rPr lang="en-US" sz="1600" b="1" dirty="0">
-                <a:solidFill>
-                  <a:schemeClr val="bg1"/>
-                </a:solidFill>
-              </a:rPr>
-              <a:t>:  </a:t>
-            </a:r>
-            <a:r>
-              <a:rPr lang="en-US" sz="1600" b="1" dirty="0" smtClean="0">
-                <a:solidFill>
-                  <a:schemeClr val="bg1"/>
-                </a:solidFill>
-              </a:rPr>
-              <a:t>Momentary Octave (based on center toggle)</a:t>
-            </a:r>
-            <a:endParaRPr lang="en-US" sz="1600" b="1" dirty="0">
-              <a:solidFill>
-                <a:schemeClr val="bg1"/>
-              </a:solidFill>
-            </a:endParaRPr>
+              <a:t>  Right:  Momentary Octave (based on center toggle)</a:t>
+            </a:r>
           </a:p>
         </p:txBody>
       </p:sp>
@@ -27230,71 +29555,18 @@
                   <a:schemeClr val="bg1"/>
                 </a:solidFill>
               </a:rPr>
-              <a:t> </a:t>
-            </a:r>
-            <a:r>
-              <a:rPr lang="en-US" sz="1600" b="1" dirty="0" smtClean="0">
+              <a:t> 1: Diffusion Disabled (on to disable input diffusion)</a:t>
+            </a:r>
+          </a:p>
+          <a:p>
+            <a:r>
+              <a:rPr lang="en-US" sz="1600" b="1" dirty="0">
                 <a:solidFill>
                   <a:schemeClr val="bg1"/>
                 </a:solidFill>
               </a:rPr>
-              <a:t>1</a:t>
-            </a:r>
-            <a:r>
-              <a:rPr lang="en-US" sz="1600" b="1" dirty="0">
-                <a:solidFill>
-                  <a:schemeClr val="bg1"/>
-                </a:solidFill>
-              </a:rPr>
-              <a:t>: </a:t>
-            </a:r>
-            <a:r>
-              <a:rPr lang="en-US" sz="1600" b="1" dirty="0" smtClean="0">
-                <a:solidFill>
-                  <a:schemeClr val="bg1"/>
-                </a:solidFill>
-              </a:rPr>
-              <a:t>Diffusion Disabled (on to </a:t>
-            </a:r>
-            <a:r>
-              <a:rPr lang="en-US" sz="1600" b="1" dirty="0" smtClean="0">
-                <a:solidFill>
-                  <a:schemeClr val="bg1"/>
-                </a:solidFill>
-              </a:rPr>
-              <a:t>disable input </a:t>
-            </a:r>
-            <a:r>
-              <a:rPr lang="en-US" sz="1600" b="1" dirty="0" smtClean="0">
-                <a:solidFill>
-                  <a:schemeClr val="bg1"/>
-                </a:solidFill>
-              </a:rPr>
-              <a:t>diffusion</a:t>
-            </a:r>
-            <a:r>
-              <a:rPr lang="en-US" sz="1600" b="1" dirty="0" smtClean="0">
-                <a:solidFill>
-                  <a:schemeClr val="bg1"/>
-                </a:solidFill>
-              </a:rPr>
-              <a:t>)</a:t>
-            </a:r>
-          </a:p>
-          <a:p>
-            <a:r>
-              <a:rPr lang="en-US" sz="1600" b="1" dirty="0" smtClean="0">
-                <a:solidFill>
-                  <a:schemeClr val="bg1"/>
-                </a:solidFill>
-              </a:rPr>
               <a:t>2. Octave only mode (only sends octaves to reverb, no dry, when in octave mode)</a:t>
             </a:r>
-            <a:endParaRPr lang="en-US" sz="1600" b="1" dirty="0">
-              <a:solidFill>
-                <a:schemeClr val="bg1"/>
-              </a:solidFill>
-            </a:endParaRPr>
           </a:p>
         </p:txBody>
       </p:sp>
@@ -27339,21 +29611,8 @@
                   <a:schemeClr val="bg1"/>
                 </a:solidFill>
               </a:rPr>
-              <a:t>Left Footswitch: </a:t>
-            </a:r>
-            <a:r>
-              <a:rPr lang="en-US" sz="1600" b="1" dirty="0" smtClean="0">
-                <a:solidFill>
-                  <a:schemeClr val="bg1"/>
-                </a:solidFill>
-              </a:rPr>
-              <a:t>Bypass/Engage</a:t>
-            </a:r>
-            <a:endParaRPr lang="en-US" sz="1600" b="1" dirty="0">
-              <a:solidFill>
-                <a:schemeClr val="bg1"/>
-              </a:solidFill>
-            </a:endParaRPr>
+              <a:t>Left Footswitch: Bypass/Engage</a:t>
+            </a:r>
           </a:p>
         </p:txBody>
       </p:sp>
@@ -27392,7 +29651,7 @@
           <a:lstStyle/>
           <a:p>
             <a:r>
-              <a:rPr lang="en-US" sz="2800" b="1" dirty="0" smtClean="0">
+              <a:rPr lang="en-US" sz="2800" b="1" dirty="0">
                 <a:solidFill>
                   <a:schemeClr val="tx1"/>
                 </a:solidFill>
@@ -27405,53 +29664,32 @@
                   <a:schemeClr val="tx1"/>
                 </a:solidFill>
               </a:rPr>
-              <a:t>is a </a:t>
-            </a:r>
-            <a:r>
-              <a:rPr lang="en-US" sz="1600" b="1" dirty="0" smtClean="0">
+              <a:t>is a digital </a:t>
+            </a:r>
+            <a:r>
+              <a:rPr lang="en-US" sz="2400" b="1" dirty="0">
                 <a:solidFill>
                   <a:schemeClr val="tx1"/>
                 </a:solidFill>
               </a:rPr>
-              <a:t>digital </a:t>
-            </a:r>
-            <a:r>
-              <a:rPr lang="en-US" sz="2400" b="1" dirty="0" smtClean="0">
+              <a:t>Plate </a:t>
+            </a:r>
+            <a:r>
+              <a:rPr lang="en-US" sz="2800" b="1" dirty="0">
                 <a:solidFill>
                   <a:schemeClr val="tx1"/>
                 </a:solidFill>
               </a:rPr>
-              <a:t>Plate </a:t>
-            </a:r>
-            <a:r>
-              <a:rPr lang="en-US" sz="2800" b="1" dirty="0" smtClean="0">
+              <a:t>Reverb </a:t>
+            </a:r>
+            <a:r>
+              <a:rPr lang="en-US" sz="1600" b="1" dirty="0">
                 <a:solidFill>
                   <a:schemeClr val="tx1"/>
                 </a:solidFill>
               </a:rPr>
-              <a:t>Reverb </a:t>
-            </a:r>
-            <a:r>
-              <a:rPr lang="en-US" sz="1600" b="1" dirty="0">
-                <a:solidFill>
-                  <a:schemeClr val="tx1"/>
-                </a:solidFill>
-              </a:rPr>
-              <a:t>pedal </a:t>
-            </a:r>
-            <a:r>
-              <a:rPr lang="en-US" sz="1600" b="1" dirty="0" smtClean="0">
-                <a:solidFill>
-                  <a:schemeClr val="tx1"/>
-                </a:solidFill>
-              </a:rPr>
-              <a:t>with octave effects.</a:t>
-            </a:r>
-            <a:endParaRPr lang="en-US" sz="1600" b="1" dirty="0">
-              <a:solidFill>
-                <a:schemeClr val="tx1"/>
-              </a:solidFill>
-            </a:endParaRPr>
+              <a:t>pedal with octave effects.</a:t>
+            </a:r>
           </a:p>
         </p:txBody>
       </p:sp>
@@ -27490,18 +29728,13 @@
           <a:lstStyle/>
           <a:p>
             <a:r>
-              <a:rPr lang="en-US" sz="1600" b="1" dirty="0" smtClean="0">
+              <a:rPr lang="en-US" sz="1600" b="1" dirty="0">
                 <a:solidFill>
                   <a:schemeClr val="tx1"/>
                 </a:solidFill>
               </a:rPr>
               <a:t>Mono in Stereo Out Processing (MISO)</a:t>
             </a:r>
-            <a:endParaRPr lang="en-US" sz="1600" b="1" dirty="0">
-              <a:solidFill>
-                <a:schemeClr val="tx1"/>
-              </a:solidFill>
-            </a:endParaRPr>
           </a:p>
           <a:p>
             <a:pPr marL="285750" indent="-285750">
@@ -27875,7 +30108,7 @@
           <a:p>
             <a:pPr algn="ctr"/>
             <a:r>
-              <a:rPr lang="en-US" sz="800" b="1" dirty="0" smtClean="0">
+              <a:rPr lang="en-US" sz="800" b="1" dirty="0">
                 <a:latin typeface="Century Gothic" panose="020B0502020202020204" pitchFamily="34" charset="0"/>
                 <a:cs typeface="Adobe Devanagari" panose="02040503050201020203" pitchFamily="18" charset="0"/>
               </a:rPr>
@@ -27885,86 +30118,25 @@
           <a:p>
             <a:pPr algn="ctr"/>
             <a:r>
-              <a:rPr lang="en-US" sz="800" b="1" dirty="0" err="1" smtClean="0">
+              <a:rPr lang="en-US" sz="800" b="1" dirty="0" err="1">
                 <a:latin typeface="Century Gothic" panose="020B0502020202020204" pitchFamily="34" charset="0"/>
                 <a:cs typeface="Adobe Devanagari" panose="02040503050201020203" pitchFamily="18" charset="0"/>
               </a:rPr>
               <a:t>OctUp</a:t>
-            </a:r>
-            <a:endParaRPr lang="en-US" sz="800" b="1" dirty="0" smtClean="0">
-              <a:latin typeface="Century Gothic" panose="020B0502020202020204" pitchFamily="34" charset="0"/>
-              <a:cs typeface="Adobe Devanagari" panose="02040503050201020203" pitchFamily="18" charset="0"/>
-            </a:endParaRPr>
-          </a:p>
-          <a:p>
-            <a:pPr algn="ctr"/>
-            <a:r>
-              <a:rPr lang="en-US" sz="800" b="1" dirty="0" err="1" smtClean="0">
-                <a:latin typeface="Century Gothic" panose="020B0502020202020204" pitchFamily="34" charset="0"/>
-                <a:cs typeface="Adobe Devanagari" panose="02040503050201020203" pitchFamily="18" charset="0"/>
-              </a:rPr>
-              <a:t>OctUpDn</a:t>
             </a:r>
             <a:endParaRPr lang="en-US" sz="800" b="1" dirty="0">
               <a:latin typeface="Century Gothic" panose="020B0502020202020204" pitchFamily="34" charset="0"/>
               <a:cs typeface="Adobe Devanagari" panose="02040503050201020203" pitchFamily="18" charset="0"/>
             </a:endParaRPr>
           </a:p>
-        </p:txBody>
-      </p:sp>
-      <p:sp>
-        <p:nvSpPr>
-          <p:cNvPr id="76" name="TextBox 75"/>
-          <p:cNvSpPr txBox="1"/>
-          <p:nvPr/>
-        </p:nvSpPr>
-        <p:spPr>
-          <a:xfrm rot="16200000">
-            <a:off x="6526029" y="4064989"/>
-            <a:ext cx="526105" cy="461665"/>
-          </a:xfrm>
-          <a:prstGeom prst="rect">
-            <a:avLst/>
-          </a:prstGeom>
-          <a:noFill/>
-        </p:spPr>
-        <p:txBody>
-          <a:bodyPr wrap="none" rtlCol="0">
-            <a:spAutoFit/>
-          </a:bodyPr>
-          <a:lstStyle/>
-          <a:p>
-            <a:pPr algn="ctr"/>
-            <a:r>
-              <a:rPr lang="en-US" sz="800" b="1" dirty="0" smtClean="0">
+          <a:p>
+            <a:pPr algn="ctr"/>
+            <a:r>
+              <a:rPr lang="en-US" sz="800" b="1" dirty="0" err="1">
                 <a:latin typeface="Century Gothic" panose="020B0502020202020204" pitchFamily="34" charset="0"/>
                 <a:cs typeface="Adobe Devanagari" panose="02040503050201020203" pitchFamily="18" charset="0"/>
               </a:rPr>
-              <a:t>Freeze</a:t>
-            </a:r>
-          </a:p>
-          <a:p>
-            <a:pPr algn="ctr"/>
-            <a:r>
-              <a:rPr lang="en-US" sz="800" b="1" dirty="0" smtClean="0">
-                <a:latin typeface="Century Gothic" panose="020B0502020202020204" pitchFamily="34" charset="0"/>
-                <a:cs typeface="Adobe Devanagari" panose="02040503050201020203" pitchFamily="18" charset="0"/>
-              </a:rPr>
-              <a:t>OD</a:t>
-            </a:r>
-            <a:endParaRPr lang="en-US" sz="800" b="1" dirty="0" smtClean="0">
-              <a:latin typeface="Century Gothic" panose="020B0502020202020204" pitchFamily="34" charset="0"/>
-              <a:cs typeface="Adobe Devanagari" panose="02040503050201020203" pitchFamily="18" charset="0"/>
-            </a:endParaRPr>
-          </a:p>
-          <a:p>
-            <a:pPr algn="ctr"/>
-            <a:r>
-              <a:rPr lang="en-US" sz="800" b="1" dirty="0" smtClean="0">
-                <a:latin typeface="Century Gothic" panose="020B0502020202020204" pitchFamily="34" charset="0"/>
-                <a:cs typeface="Adobe Devanagari" panose="02040503050201020203" pitchFamily="18" charset="0"/>
-              </a:rPr>
-              <a:t>Oct</a:t>
+              <a:t>OctUpDn</a:t>
             </a:r>
             <a:endParaRPr lang="en-US" sz="800" b="1" dirty="0">
               <a:latin typeface="Century Gothic" panose="020B0502020202020204" pitchFamily="34" charset="0"/>
@@ -27975,6 +30147,59 @@
       </p:sp>
       <p:sp>
         <p:nvSpPr>
+          <p:cNvPr id="76" name="TextBox 75"/>
+          <p:cNvSpPr txBox="1"/>
+          <p:nvPr/>
+        </p:nvSpPr>
+        <p:spPr>
+          <a:xfrm rot="16200000">
+            <a:off x="6526029" y="4064989"/>
+            <a:ext cx="526105" cy="461665"/>
+          </a:xfrm>
+          <a:prstGeom prst="rect">
+            <a:avLst/>
+          </a:prstGeom>
+          <a:noFill/>
+        </p:spPr>
+        <p:txBody>
+          <a:bodyPr wrap="none" rtlCol="0">
+            <a:spAutoFit/>
+          </a:bodyPr>
+          <a:lstStyle/>
+          <a:p>
+            <a:pPr algn="ctr"/>
+            <a:r>
+              <a:rPr lang="en-US" sz="800" b="1" dirty="0">
+                <a:latin typeface="Century Gothic" panose="020B0502020202020204" pitchFamily="34" charset="0"/>
+                <a:cs typeface="Adobe Devanagari" panose="02040503050201020203" pitchFamily="18" charset="0"/>
+              </a:rPr>
+              <a:t>Freeze</a:t>
+            </a:r>
+          </a:p>
+          <a:p>
+            <a:pPr algn="ctr"/>
+            <a:r>
+              <a:rPr lang="en-US" sz="800" b="1" dirty="0">
+                <a:latin typeface="Century Gothic" panose="020B0502020202020204" pitchFamily="34" charset="0"/>
+                <a:cs typeface="Adobe Devanagari" panose="02040503050201020203" pitchFamily="18" charset="0"/>
+              </a:rPr>
+              <a:t>OD</a:t>
+            </a:r>
+          </a:p>
+          <a:p>
+            <a:pPr algn="ctr"/>
+            <a:r>
+              <a:rPr lang="en-US" sz="800" b="1" dirty="0">
+                <a:latin typeface="Century Gothic" panose="020B0502020202020204" pitchFamily="34" charset="0"/>
+                <a:cs typeface="Adobe Devanagari" panose="02040503050201020203" pitchFamily="18" charset="0"/>
+              </a:rPr>
+              <a:t>Oct</a:t>
+            </a:r>
+          </a:p>
+        </p:txBody>
+      </p:sp>
+      <p:sp>
+        <p:nvSpPr>
           <p:cNvPr id="77" name="Rectangle 76"/>
           <p:cNvSpPr/>
           <p:nvPr/>
@@ -28014,37 +30239,24 @@
                   <a:schemeClr val="bg1"/>
                 </a:solidFill>
               </a:rPr>
-              <a:t>Right Footswitch: </a:t>
-            </a:r>
-            <a:r>
-              <a:rPr lang="en-US" sz="1600" b="1" dirty="0" smtClean="0">
+              <a:t>Right Footswitch: Do action based on 3</a:t>
+            </a:r>
+            <a:r>
+              <a:rPr lang="en-US" sz="1600" b="1" baseline="30000" dirty="0">
                 <a:solidFill>
                   <a:schemeClr val="bg1"/>
                 </a:solidFill>
               </a:rPr>
-              <a:t>Do action based on 3</a:t>
-            </a:r>
-            <a:r>
-              <a:rPr lang="en-US" sz="1600" b="1" baseline="30000" dirty="0" smtClean="0">
+              <a:t>rd</a:t>
+            </a:r>
+            <a:r>
+              <a:rPr lang="en-US" sz="1600" b="1" dirty="0">
                 <a:solidFill>
                   <a:schemeClr val="bg1"/>
                 </a:solidFill>
               </a:rPr>
-              <a:t>rd</a:t>
-            </a:r>
-            <a:r>
-              <a:rPr lang="en-US" sz="1600" b="1" dirty="0" smtClean="0">
-                <a:solidFill>
-                  <a:schemeClr val="bg1"/>
-                </a:solidFill>
-              </a:rPr>
               <a:t> toggle.</a:t>
             </a:r>
-            <a:endParaRPr lang="en-US" sz="1600" b="1" dirty="0">
-              <a:solidFill>
-                <a:schemeClr val="bg1"/>
-              </a:solidFill>
-            </a:endParaRPr>
           </a:p>
         </p:txBody>
       </p:sp>
@@ -28080,13 +30292,13 @@
       </p:grpSpPr>
       <p:sp>
         <p:nvSpPr>
-          <p:cNvPr id="2" name="Rounded Rectangle 1"/>
-          <p:cNvSpPr/>
-          <p:nvPr/>
-        </p:nvSpPr>
-        <p:spPr>
-          <a:xfrm>
-            <a:off x="4687514" y="1221568"/>
+          <p:cNvPr id="4" name="Rounded Rectangle 3"/>
+          <p:cNvSpPr/>
+          <p:nvPr/>
+        </p:nvSpPr>
+        <p:spPr>
+          <a:xfrm>
+            <a:off x="4711803" y="1260616"/>
             <a:ext cx="2502100" cy="4599225"/>
           </a:xfrm>
           <a:prstGeom prst="roundRect">
@@ -28095,7 +30307,10 @@
             </a:avLst>
           </a:prstGeom>
           <a:solidFill>
-            <a:srgbClr val="EFEBE5"/>
+            <a:schemeClr val="accent1">
+              <a:lumMod val="20000"/>
+              <a:lumOff val="80000"/>
+            </a:schemeClr>
           </a:solidFill>
           <a:ln w="57150"/>
         </p:spPr>
@@ -28126,13 +30341,13 @@
       </p:sp>
       <p:sp>
         <p:nvSpPr>
-          <p:cNvPr id="3" name="Isosceles Triangle 2"/>
-          <p:cNvSpPr/>
-          <p:nvPr/>
-        </p:nvSpPr>
-        <p:spPr>
-          <a:xfrm>
-            <a:off x="5272231" y="1277448"/>
+          <p:cNvPr id="5" name="Isosceles Triangle 4"/>
+          <p:cNvSpPr/>
+          <p:nvPr/>
+        </p:nvSpPr>
+        <p:spPr>
+          <a:xfrm>
+            <a:off x="5296520" y="1316496"/>
             <a:ext cx="160020" cy="144780"/>
           </a:xfrm>
           <a:prstGeom prst="triangle">
@@ -28174,13 +30389,13 @@
       </p:sp>
       <p:sp>
         <p:nvSpPr>
-          <p:cNvPr id="4" name="Isosceles Triangle 3"/>
+          <p:cNvPr id="6" name="Isosceles Triangle 5"/>
           <p:cNvSpPr/>
           <p:nvPr/>
         </p:nvSpPr>
         <p:spPr>
           <a:xfrm rot="10800000">
-            <a:off x="6477144" y="1277448"/>
+            <a:off x="6501433" y="1316496"/>
             <a:ext cx="160020" cy="144780"/>
           </a:xfrm>
           <a:prstGeom prst="triangle">
@@ -28222,21 +30437,22 @@
       </p:sp>
       <p:sp>
         <p:nvSpPr>
-          <p:cNvPr id="5" name="Oval 4"/>
-          <p:cNvSpPr/>
-          <p:nvPr/>
-        </p:nvSpPr>
-        <p:spPr>
-          <a:xfrm>
-            <a:off x="4875991" y="1747348"/>
+          <p:cNvPr id="7" name="Oval 6"/>
+          <p:cNvSpPr/>
+          <p:nvPr/>
+        </p:nvSpPr>
+        <p:spPr>
+          <a:xfrm>
+            <a:off x="4900280" y="1786396"/>
             <a:ext cx="556260" cy="533400"/>
           </a:xfrm>
           <a:prstGeom prst="ellipse">
             <a:avLst/>
           </a:prstGeom>
           <a:solidFill>
-            <a:schemeClr val="bg2">
-              <a:lumMod val="50000"/>
+            <a:schemeClr val="accent4">
+              <a:lumMod val="40000"/>
+              <a:lumOff val="60000"/>
             </a:schemeClr>
           </a:solidFill>
           <a:ln w="28575">
@@ -28272,21 +30488,22 @@
       </p:sp>
       <p:sp>
         <p:nvSpPr>
-          <p:cNvPr id="6" name="Oval 5"/>
-          <p:cNvSpPr/>
-          <p:nvPr/>
-        </p:nvSpPr>
-        <p:spPr>
-          <a:xfrm>
-            <a:off x="5660434" y="1747348"/>
+          <p:cNvPr id="8" name="Oval 7"/>
+          <p:cNvSpPr/>
+          <p:nvPr/>
+        </p:nvSpPr>
+        <p:spPr>
+          <a:xfrm>
+            <a:off x="5684723" y="1786396"/>
             <a:ext cx="556260" cy="533400"/>
           </a:xfrm>
           <a:prstGeom prst="ellipse">
             <a:avLst/>
           </a:prstGeom>
           <a:solidFill>
-            <a:schemeClr val="bg2">
-              <a:lumMod val="50000"/>
+            <a:schemeClr val="accent4">
+              <a:lumMod val="40000"/>
+              <a:lumOff val="60000"/>
             </a:schemeClr>
           </a:solidFill>
           <a:ln w="28575">
@@ -28322,21 +30539,22 @@
       </p:sp>
       <p:sp>
         <p:nvSpPr>
-          <p:cNvPr id="7" name="Oval 6"/>
-          <p:cNvSpPr/>
-          <p:nvPr/>
-        </p:nvSpPr>
-        <p:spPr>
-          <a:xfrm>
-            <a:off x="6457944" y="1747348"/>
+          <p:cNvPr id="9" name="Oval 8"/>
+          <p:cNvSpPr/>
+          <p:nvPr/>
+        </p:nvSpPr>
+        <p:spPr>
+          <a:xfrm>
+            <a:off x="6482233" y="1786396"/>
             <a:ext cx="556260" cy="533400"/>
           </a:xfrm>
           <a:prstGeom prst="ellipse">
             <a:avLst/>
           </a:prstGeom>
           <a:solidFill>
-            <a:schemeClr val="bg2">
-              <a:lumMod val="50000"/>
+            <a:schemeClr val="accent4">
+              <a:lumMod val="40000"/>
+              <a:lumOff val="60000"/>
             </a:schemeClr>
           </a:solidFill>
           <a:ln w="28575">
@@ -28372,13 +30590,13 @@
       </p:sp>
       <p:sp>
         <p:nvSpPr>
-          <p:cNvPr id="8" name="Oval 7"/>
-          <p:cNvSpPr/>
-          <p:nvPr/>
-        </p:nvSpPr>
-        <p:spPr>
-          <a:xfrm>
-            <a:off x="4875991" y="2745568"/>
+          <p:cNvPr id="10" name="Oval 9"/>
+          <p:cNvSpPr/>
+          <p:nvPr/>
+        </p:nvSpPr>
+        <p:spPr>
+          <a:xfrm>
+            <a:off x="4900280" y="2784616"/>
             <a:ext cx="556260" cy="533400"/>
           </a:xfrm>
           <a:prstGeom prst="ellipse">
@@ -28422,13 +30640,13 @@
       </p:sp>
       <p:sp>
         <p:nvSpPr>
-          <p:cNvPr id="9" name="Oval 8"/>
-          <p:cNvSpPr/>
-          <p:nvPr/>
-        </p:nvSpPr>
-        <p:spPr>
-          <a:xfrm>
-            <a:off x="5660434" y="2745568"/>
+          <p:cNvPr id="11" name="Oval 10"/>
+          <p:cNvSpPr/>
+          <p:nvPr/>
+        </p:nvSpPr>
+        <p:spPr>
+          <a:xfrm>
+            <a:off x="5684723" y="2784616"/>
             <a:ext cx="556260" cy="533400"/>
           </a:xfrm>
           <a:prstGeom prst="ellipse">
@@ -28472,13 +30690,13 @@
       </p:sp>
       <p:sp>
         <p:nvSpPr>
-          <p:cNvPr id="10" name="Oval 9"/>
-          <p:cNvSpPr/>
-          <p:nvPr/>
-        </p:nvSpPr>
-        <p:spPr>
-          <a:xfrm>
-            <a:off x="6457944" y="2745568"/>
+          <p:cNvPr id="12" name="Oval 11"/>
+          <p:cNvSpPr/>
+          <p:nvPr/>
+        </p:nvSpPr>
+        <p:spPr>
+          <a:xfrm>
+            <a:off x="6482233" y="2784616"/>
             <a:ext cx="556260" cy="533400"/>
           </a:xfrm>
           <a:prstGeom prst="ellipse">
@@ -28522,13 +30740,13 @@
       </p:sp>
       <p:sp>
         <p:nvSpPr>
-          <p:cNvPr id="11" name="Oval 10"/>
+          <p:cNvPr id="13" name="Oval 12"/>
           <p:cNvSpPr/>
           <p:nvPr/>
         </p:nvSpPr>
         <p:spPr>
           <a:xfrm rot="16200000">
-            <a:off x="5037119" y="3795700"/>
+            <a:off x="5061408" y="3834748"/>
             <a:ext cx="245746" cy="243840"/>
           </a:xfrm>
           <a:prstGeom prst="ellipse">
@@ -28567,13 +30785,13 @@
       </p:sp>
       <p:sp>
         <p:nvSpPr>
-          <p:cNvPr id="12" name="Flowchart: Terminator 11"/>
+          <p:cNvPr id="14" name="Flowchart: Terminator 13"/>
           <p:cNvSpPr/>
           <p:nvPr/>
         </p:nvSpPr>
         <p:spPr>
           <a:xfrm rot="16200000">
-            <a:off x="5017245" y="3807751"/>
+            <a:off x="5041534" y="3846799"/>
             <a:ext cx="95488" cy="208168"/>
           </a:xfrm>
           <a:prstGeom prst="flowChartTerminator">
@@ -28612,13 +30830,13 @@
       </p:sp>
       <p:sp>
         <p:nvSpPr>
-          <p:cNvPr id="13" name="Oval 12"/>
-          <p:cNvSpPr/>
-          <p:nvPr/>
-        </p:nvSpPr>
-        <p:spPr>
-          <a:xfrm>
-            <a:off x="5074110" y="4501971"/>
+          <p:cNvPr id="15" name="Oval 14"/>
+          <p:cNvSpPr/>
+          <p:nvPr/>
+        </p:nvSpPr>
+        <p:spPr>
+          <a:xfrm>
+            <a:off x="5098399" y="4541019"/>
             <a:ext cx="160020" cy="150019"/>
           </a:xfrm>
           <a:prstGeom prst="ellipse">
@@ -28652,13 +30870,13 @@
       </p:sp>
       <p:sp>
         <p:nvSpPr>
-          <p:cNvPr id="14" name="Oval 13"/>
-          <p:cNvSpPr/>
-          <p:nvPr/>
-        </p:nvSpPr>
-        <p:spPr>
-          <a:xfrm>
-            <a:off x="6625461" y="4501971"/>
+          <p:cNvPr id="16" name="Oval 15"/>
+          <p:cNvSpPr/>
+          <p:nvPr/>
+        </p:nvSpPr>
+        <p:spPr>
+          <a:xfrm>
+            <a:off x="6649750" y="4541019"/>
             <a:ext cx="160020" cy="150019"/>
           </a:xfrm>
           <a:prstGeom prst="ellipse">
@@ -28692,13 +30910,13 @@
       </p:sp>
       <p:sp>
         <p:nvSpPr>
-          <p:cNvPr id="15" name="Oval 14"/>
-          <p:cNvSpPr/>
-          <p:nvPr/>
-        </p:nvSpPr>
-        <p:spPr>
-          <a:xfrm>
-            <a:off x="4863758" y="5009546"/>
+          <p:cNvPr id="17" name="Oval 16"/>
+          <p:cNvSpPr/>
+          <p:nvPr/>
+        </p:nvSpPr>
+        <p:spPr>
+          <a:xfrm>
+            <a:off x="4888047" y="5048594"/>
             <a:ext cx="580727" cy="560414"/>
           </a:xfrm>
           <a:prstGeom prst="ellipse">
@@ -28737,13 +30955,13 @@
       </p:sp>
       <p:sp>
         <p:nvSpPr>
-          <p:cNvPr id="16" name="Oval 15"/>
-          <p:cNvSpPr/>
-          <p:nvPr/>
-        </p:nvSpPr>
-        <p:spPr>
-          <a:xfrm>
-            <a:off x="4957086" y="5095929"/>
+          <p:cNvPr id="18" name="Oval 17"/>
+          <p:cNvSpPr/>
+          <p:nvPr/>
+        </p:nvSpPr>
+        <p:spPr>
+          <a:xfrm>
+            <a:off x="4981375" y="5134977"/>
             <a:ext cx="394069" cy="380371"/>
           </a:xfrm>
           <a:prstGeom prst="ellipse">
@@ -28782,13 +31000,13 @@
       </p:sp>
       <p:sp>
         <p:nvSpPr>
-          <p:cNvPr id="17" name="Oval 16"/>
-          <p:cNvSpPr/>
-          <p:nvPr/>
-        </p:nvSpPr>
-        <p:spPr>
-          <a:xfrm>
-            <a:off x="6422429" y="5000772"/>
+          <p:cNvPr id="19" name="Oval 18"/>
+          <p:cNvSpPr/>
+          <p:nvPr/>
+        </p:nvSpPr>
+        <p:spPr>
+          <a:xfrm>
+            <a:off x="6446718" y="5039820"/>
             <a:ext cx="580727" cy="560414"/>
           </a:xfrm>
           <a:prstGeom prst="ellipse">
@@ -28827,13 +31045,13 @@
       </p:sp>
       <p:sp>
         <p:nvSpPr>
-          <p:cNvPr id="18" name="Oval 17"/>
-          <p:cNvSpPr/>
-          <p:nvPr/>
-        </p:nvSpPr>
-        <p:spPr>
-          <a:xfrm>
-            <a:off x="6515757" y="5087155"/>
+          <p:cNvPr id="20" name="Oval 19"/>
+          <p:cNvSpPr/>
+          <p:nvPr/>
+        </p:nvSpPr>
+        <p:spPr>
+          <a:xfrm>
+            <a:off x="6540046" y="5126203"/>
             <a:ext cx="394069" cy="380371"/>
           </a:xfrm>
           <a:prstGeom prst="ellipse">
@@ -28872,77 +31090,15 @@
       </p:sp>
       <p:cxnSp>
         <p:nvCxnSpPr>
-          <p:cNvPr id="19" name="Straight Connector 18"/>
+          <p:cNvPr id="21" name="Straight Connector 20"/>
           <p:cNvCxnSpPr>
-            <a:stCxn id="5" idx="0"/>
+            <a:stCxn id="7" idx="0"/>
           </p:cNvCxnSpPr>
           <p:nvPr/>
         </p:nvCxnSpPr>
         <p:spPr>
           <a:xfrm>
-            <a:off x="5154121" y="1747348"/>
-            <a:ext cx="1" cy="266700"/>
-          </a:xfrm>
-          <a:prstGeom prst="line">
-            <a:avLst/>
-          </a:prstGeom>
-          <a:ln w="38100"/>
-        </p:spPr>
-        <p:style>
-          <a:lnRef idx="3">
-            <a:schemeClr val="dk1"/>
-          </a:lnRef>
-          <a:fillRef idx="0">
-            <a:schemeClr val="dk1"/>
-          </a:fillRef>
-          <a:effectRef idx="2">
-            <a:schemeClr val="dk1"/>
-          </a:effectRef>
-          <a:fontRef idx="minor">
-            <a:schemeClr val="tx1"/>
-          </a:fontRef>
-        </p:style>
-      </p:cxnSp>
-      <p:cxnSp>
-        <p:nvCxnSpPr>
-          <p:cNvPr id="20" name="Straight Connector 19"/>
-          <p:cNvCxnSpPr/>
-          <p:nvPr/>
-        </p:nvCxnSpPr>
-        <p:spPr>
-          <a:xfrm>
-            <a:off x="5938564" y="1747348"/>
-            <a:ext cx="1" cy="266700"/>
-          </a:xfrm>
-          <a:prstGeom prst="line">
-            <a:avLst/>
-          </a:prstGeom>
-          <a:ln w="38100"/>
-        </p:spPr>
-        <p:style>
-          <a:lnRef idx="3">
-            <a:schemeClr val="dk1"/>
-          </a:lnRef>
-          <a:fillRef idx="0">
-            <a:schemeClr val="dk1"/>
-          </a:fillRef>
-          <a:effectRef idx="2">
-            <a:schemeClr val="dk1"/>
-          </a:effectRef>
-          <a:fontRef idx="minor">
-            <a:schemeClr val="tx1"/>
-          </a:fontRef>
-        </p:style>
-      </p:cxnSp>
-      <p:cxnSp>
-        <p:nvCxnSpPr>
-          <p:cNvPr id="21" name="Straight Connector 20"/>
-          <p:cNvCxnSpPr/>
-          <p:nvPr/>
-        </p:nvCxnSpPr>
-        <p:spPr>
-          <a:xfrm>
-            <a:off x="6734588" y="1753641"/>
+            <a:off x="5178410" y="1786396"/>
             <a:ext cx="1" cy="266700"/>
           </a:xfrm>
           <a:prstGeom prst="line">
@@ -28973,7 +31129,7 @@
         </p:nvCxnSpPr>
         <p:spPr>
           <a:xfrm>
-            <a:off x="5147733" y="2745568"/>
+            <a:off x="5962853" y="1786396"/>
             <a:ext cx="1" cy="266700"/>
           </a:xfrm>
           <a:prstGeom prst="line">
@@ -29004,7 +31160,7 @@
         </p:nvCxnSpPr>
         <p:spPr>
           <a:xfrm>
-            <a:off x="5938564" y="2745568"/>
+            <a:off x="6758877" y="1792689"/>
             <a:ext cx="1" cy="266700"/>
           </a:xfrm>
           <a:prstGeom prst="line">
@@ -29035,7 +31191,7 @@
         </p:nvCxnSpPr>
         <p:spPr>
           <a:xfrm>
-            <a:off x="6733635" y="2745568"/>
+            <a:off x="5172022" y="2784616"/>
             <a:ext cx="1" cy="266700"/>
           </a:xfrm>
           <a:prstGeom prst="line">
@@ -29058,16 +31214,78 @@
           </a:fontRef>
         </p:style>
       </p:cxnSp>
-      <p:sp>
-        <p:nvSpPr>
-          <p:cNvPr id="25" name="TextBox 24"/>
+      <p:cxnSp>
+        <p:nvCxnSpPr>
+          <p:cNvPr id="25" name="Straight Connector 24"/>
+          <p:cNvCxnSpPr/>
+          <p:nvPr/>
+        </p:nvCxnSpPr>
+        <p:spPr>
+          <a:xfrm>
+            <a:off x="5962853" y="2784616"/>
+            <a:ext cx="1" cy="266700"/>
+          </a:xfrm>
+          <a:prstGeom prst="line">
+            <a:avLst/>
+          </a:prstGeom>
+          <a:ln w="38100"/>
+        </p:spPr>
+        <p:style>
+          <a:lnRef idx="3">
+            <a:schemeClr val="dk1"/>
+          </a:lnRef>
+          <a:fillRef idx="0">
+            <a:schemeClr val="dk1"/>
+          </a:fillRef>
+          <a:effectRef idx="2">
+            <a:schemeClr val="dk1"/>
+          </a:effectRef>
+          <a:fontRef idx="minor">
+            <a:schemeClr val="tx1"/>
+          </a:fontRef>
+        </p:style>
+      </p:cxnSp>
+      <p:cxnSp>
+        <p:nvCxnSpPr>
+          <p:cNvPr id="26" name="Straight Connector 25"/>
+          <p:cNvCxnSpPr/>
+          <p:nvPr/>
+        </p:nvCxnSpPr>
+        <p:spPr>
+          <a:xfrm>
+            <a:off x="6757924" y="2784616"/>
+            <a:ext cx="1" cy="266700"/>
+          </a:xfrm>
+          <a:prstGeom prst="line">
+            <a:avLst/>
+          </a:prstGeom>
+          <a:ln w="38100"/>
+        </p:spPr>
+        <p:style>
+          <a:lnRef idx="3">
+            <a:schemeClr val="dk1"/>
+          </a:lnRef>
+          <a:fillRef idx="0">
+            <a:schemeClr val="dk1"/>
+          </a:fillRef>
+          <a:effectRef idx="2">
+            <a:schemeClr val="dk1"/>
+          </a:effectRef>
+          <a:fontRef idx="minor">
+            <a:schemeClr val="tx1"/>
+          </a:fontRef>
+        </p:style>
+      </p:cxnSp>
+      <p:sp>
+        <p:nvSpPr>
+          <p:cNvPr id="27" name="TextBox 26"/>
           <p:cNvSpPr txBox="1"/>
           <p:nvPr/>
         </p:nvSpPr>
         <p:spPr>
           <a:xfrm>
-            <a:off x="4839796" y="2261143"/>
-            <a:ext cx="615874" cy="246221"/>
+            <a:off x="4966651" y="2313676"/>
+            <a:ext cx="423514" cy="246221"/>
           </a:xfrm>
           <a:prstGeom prst="rect">
             <a:avLst/>
@@ -29086,21 +31304,21 @@
                 <a:latin typeface="Century Gothic" panose="020B0502020202020204" pitchFamily="34" charset="0"/>
                 <a:cs typeface="Adobe Devanagari" panose="02040503050201020203" pitchFamily="18" charset="0"/>
               </a:rPr>
-              <a:t>Knob 1</a:t>
-            </a:r>
-          </a:p>
-        </p:txBody>
-      </p:sp>
-      <p:sp>
-        <p:nvSpPr>
-          <p:cNvPr id="26" name="TextBox 25"/>
+              <a:t>Size</a:t>
+            </a:r>
+          </a:p>
+        </p:txBody>
+      </p:sp>
+      <p:sp>
+        <p:nvSpPr>
+          <p:cNvPr id="28" name="TextBox 27"/>
           <p:cNvSpPr txBox="1"/>
           <p:nvPr/>
         </p:nvSpPr>
         <p:spPr>
           <a:xfrm>
-            <a:off x="5644770" y="2261142"/>
-            <a:ext cx="615874" cy="246221"/>
+            <a:off x="5613756" y="2300190"/>
+            <a:ext cx="726482" cy="400110"/>
           </a:xfrm>
           <a:prstGeom prst="rect">
             <a:avLst/>
@@ -29119,21 +31337,31 @@
                 <a:latin typeface="Century Gothic" panose="020B0502020202020204" pitchFamily="34" charset="0"/>
                 <a:cs typeface="Adobe Devanagari" panose="02040503050201020203" pitchFamily="18" charset="0"/>
               </a:rPr>
-              <a:t>Knob 2</a:t>
-            </a:r>
-          </a:p>
-        </p:txBody>
-      </p:sp>
-      <p:sp>
-        <p:nvSpPr>
-          <p:cNvPr id="27" name="TextBox 26"/>
+              <a:t>Mix</a:t>
+            </a:r>
+          </a:p>
+          <a:p>
+            <a:pPr algn="ctr"/>
+            <a:r>
+              <a:rPr lang="en-US" sz="1000" b="1" dirty="0">
+                <a:latin typeface="Century Gothic" panose="020B0502020202020204" pitchFamily="34" charset="0"/>
+                <a:cs typeface="Adobe Devanagari" panose="02040503050201020203" pitchFamily="18" charset="0"/>
+              </a:rPr>
+              <a:t>(Spread)</a:t>
+            </a:r>
+          </a:p>
+        </p:txBody>
+      </p:sp>
+      <p:sp>
+        <p:nvSpPr>
+          <p:cNvPr id="29" name="TextBox 28"/>
           <p:cNvSpPr txBox="1"/>
           <p:nvPr/>
         </p:nvSpPr>
         <p:spPr>
           <a:xfrm>
-            <a:off x="6425873" y="2267910"/>
-            <a:ext cx="615874" cy="246221"/>
+            <a:off x="6301887" y="2306958"/>
+            <a:ext cx="912429" cy="400110"/>
           </a:xfrm>
           <a:prstGeom prst="rect">
             <a:avLst/>
@@ -29152,21 +31380,31 @@
                 <a:latin typeface="Century Gothic" panose="020B0502020202020204" pitchFamily="34" charset="0"/>
                 <a:cs typeface="Adobe Devanagari" panose="02040503050201020203" pitchFamily="18" charset="0"/>
               </a:rPr>
-              <a:t>Knob 3</a:t>
-            </a:r>
-          </a:p>
-        </p:txBody>
-      </p:sp>
-      <p:sp>
-        <p:nvSpPr>
-          <p:cNvPr id="28" name="TextBox 27"/>
+              <a:t>Pitch</a:t>
+            </a:r>
+          </a:p>
+          <a:p>
+            <a:pPr algn="ctr"/>
+            <a:r>
+              <a:rPr lang="en-US" sz="1000" b="1" dirty="0">
+                <a:latin typeface="Century Gothic" panose="020B0502020202020204" pitchFamily="34" charset="0"/>
+                <a:cs typeface="Adobe Devanagari" panose="02040503050201020203" pitchFamily="18" charset="0"/>
+              </a:rPr>
+              <a:t>(LFO Depth)</a:t>
+            </a:r>
+          </a:p>
+        </p:txBody>
+      </p:sp>
+      <p:sp>
+        <p:nvSpPr>
+          <p:cNvPr id="30" name="TextBox 29"/>
           <p:cNvSpPr txBox="1"/>
           <p:nvPr/>
         </p:nvSpPr>
         <p:spPr>
           <a:xfrm>
-            <a:off x="5648947" y="3267265"/>
-            <a:ext cx="615874" cy="246221"/>
+            <a:off x="5715718" y="3306313"/>
+            <a:ext cx="530916" cy="246221"/>
           </a:xfrm>
           <a:prstGeom prst="rect">
             <a:avLst/>
@@ -29185,21 +31423,21 @@
                 <a:latin typeface="Century Gothic" panose="020B0502020202020204" pitchFamily="34" charset="0"/>
                 <a:cs typeface="Adobe Devanagari" panose="02040503050201020203" pitchFamily="18" charset="0"/>
               </a:rPr>
-              <a:t>Knob 5</a:t>
-            </a:r>
-          </a:p>
-        </p:txBody>
-      </p:sp>
-      <p:sp>
-        <p:nvSpPr>
-          <p:cNvPr id="29" name="TextBox 28"/>
+              <a:t>Width</a:t>
+            </a:r>
+          </a:p>
+        </p:txBody>
+      </p:sp>
+      <p:sp>
+        <p:nvSpPr>
+          <p:cNvPr id="31" name="TextBox 30"/>
           <p:cNvSpPr txBox="1"/>
           <p:nvPr/>
         </p:nvSpPr>
         <p:spPr>
           <a:xfrm>
-            <a:off x="6432054" y="3267265"/>
-            <a:ext cx="615874" cy="246221"/>
+            <a:off x="6354552" y="3306313"/>
+            <a:ext cx="819456" cy="553998"/>
           </a:xfrm>
           <a:prstGeom prst="rect">
             <a:avLst/>
@@ -29218,21 +31456,38 @@
                 <a:latin typeface="Century Gothic" panose="020B0502020202020204" pitchFamily="34" charset="0"/>
                 <a:cs typeface="Adobe Devanagari" panose="02040503050201020203" pitchFamily="18" charset="0"/>
               </a:rPr>
-              <a:t>Knob 6</a:t>
-            </a:r>
-          </a:p>
-        </p:txBody>
-      </p:sp>
-      <p:sp>
-        <p:nvSpPr>
-          <p:cNvPr id="30" name="TextBox 29"/>
+              <a:t>Speed</a:t>
+            </a:r>
+          </a:p>
+          <a:p>
+            <a:pPr algn="ctr"/>
+            <a:r>
+              <a:rPr lang="en-US" sz="1000" b="1" dirty="0">
+                <a:latin typeface="Century Gothic" panose="020B0502020202020204" pitchFamily="34" charset="0"/>
+                <a:cs typeface="Adobe Devanagari" panose="02040503050201020203" pitchFamily="18" charset="0"/>
+              </a:rPr>
+              <a:t>(LFO Rate)</a:t>
+            </a:r>
+          </a:p>
+          <a:p>
+            <a:pPr algn="ctr"/>
+            <a:endParaRPr lang="en-US" sz="1000" b="1" dirty="0">
+              <a:latin typeface="Century Gothic" panose="020B0502020202020204" pitchFamily="34" charset="0"/>
+              <a:cs typeface="Adobe Devanagari" panose="02040503050201020203" pitchFamily="18" charset="0"/>
+            </a:endParaRPr>
+          </a:p>
+        </p:txBody>
+      </p:sp>
+      <p:sp>
+        <p:nvSpPr>
+          <p:cNvPr id="32" name="TextBox 31"/>
           <p:cNvSpPr txBox="1"/>
           <p:nvPr/>
         </p:nvSpPr>
         <p:spPr>
           <a:xfrm>
-            <a:off x="4846186" y="3267265"/>
-            <a:ext cx="615874" cy="246221"/>
+            <a:off x="4815173" y="3306313"/>
+            <a:ext cx="726482" cy="400110"/>
           </a:xfrm>
           <a:prstGeom prst="rect">
             <a:avLst/>
@@ -29251,21 +31506,31 @@
                 <a:latin typeface="Century Gothic" panose="020B0502020202020204" pitchFamily="34" charset="0"/>
                 <a:cs typeface="Adobe Devanagari" panose="02040503050201020203" pitchFamily="18" charset="0"/>
               </a:rPr>
-              <a:t>Knob 4</a:t>
-            </a:r>
-          </a:p>
-        </p:txBody>
-      </p:sp>
-      <p:sp>
-        <p:nvSpPr>
-          <p:cNvPr id="31" name="TextBox 30"/>
+              <a:t>FDBK</a:t>
+            </a:r>
+          </a:p>
+          <a:p>
+            <a:pPr algn="ctr"/>
+            <a:r>
+              <a:rPr lang="en-US" sz="1000" b="1" dirty="0">
+                <a:latin typeface="Century Gothic" panose="020B0502020202020204" pitchFamily="34" charset="0"/>
+                <a:cs typeface="Adobe Devanagari" panose="02040503050201020203" pitchFamily="18" charset="0"/>
+              </a:rPr>
+              <a:t>(Spread)</a:t>
+            </a:r>
+          </a:p>
+        </p:txBody>
+      </p:sp>
+      <p:sp>
+        <p:nvSpPr>
+          <p:cNvPr id="33" name="TextBox 32"/>
           <p:cNvSpPr txBox="1"/>
           <p:nvPr/>
         </p:nvSpPr>
         <p:spPr>
           <a:xfrm>
-            <a:off x="4803473" y="5548458"/>
-            <a:ext cx="724878" cy="246221"/>
+            <a:off x="4702728" y="5587506"/>
+            <a:ext cx="974947" cy="246221"/>
           </a:xfrm>
           <a:prstGeom prst="rect">
             <a:avLst/>
@@ -29280,32 +31545,25 @@
           <a:p>
             <a:pPr algn="ctr"/>
             <a:r>
-              <a:rPr lang="en-US" sz="1000" b="1" dirty="0" err="1">
-                <a:latin typeface="Century Gothic" panose="020B0502020202020204" pitchFamily="34" charset="0"/>
-                <a:cs typeface="Adobe Devanagari" panose="02040503050201020203" pitchFamily="18" charset="0"/>
-              </a:rPr>
-              <a:t>FootSw</a:t>
-            </a:r>
-            <a:r>
               <a:rPr lang="en-US" sz="1000" b="1" dirty="0">
                 <a:latin typeface="Century Gothic" panose="020B0502020202020204" pitchFamily="34" charset="0"/>
                 <a:cs typeface="Adobe Devanagari" panose="02040503050201020203" pitchFamily="18" charset="0"/>
               </a:rPr>
-              <a:t> 1</a:t>
-            </a:r>
-          </a:p>
-        </p:txBody>
-      </p:sp>
-      <p:sp>
-        <p:nvSpPr>
-          <p:cNvPr id="32" name="TextBox 31"/>
+              <a:t>BYPASS / ALT</a:t>
+            </a:r>
+          </a:p>
+        </p:txBody>
+      </p:sp>
+      <p:sp>
+        <p:nvSpPr>
+          <p:cNvPr id="34" name="TextBox 33"/>
           <p:cNvSpPr txBox="1"/>
           <p:nvPr/>
         </p:nvSpPr>
         <p:spPr>
           <a:xfrm rot="16200000">
-            <a:off x="4892535" y="4030683"/>
-            <a:ext cx="455573" cy="461665"/>
+            <a:off x="4865528" y="4069731"/>
+            <a:ext cx="558165" cy="461665"/>
           </a:xfrm>
           <a:prstGeom prst="rect">
             <a:avLst/>
@@ -29324,7 +31582,7 @@
                 <a:latin typeface="Century Gothic" panose="020B0502020202020204" pitchFamily="34" charset="0"/>
                 <a:cs typeface="Adobe Devanagari" panose="02040503050201020203" pitchFamily="18" charset="0"/>
               </a:rPr>
-              <a:t>Opt 1</a:t>
+              <a:t>Live</a:t>
             </a:r>
           </a:p>
           <a:p>
@@ -29334,7 +31592,7 @@
                 <a:latin typeface="Century Gothic" panose="020B0502020202020204" pitchFamily="34" charset="0"/>
                 <a:cs typeface="Adobe Devanagari" panose="02040503050201020203" pitchFamily="18" charset="0"/>
               </a:rPr>
-              <a:t>Opt 2</a:t>
+              <a:t>Sample</a:t>
             </a:r>
           </a:p>
           <a:p>
@@ -29344,21 +31602,21 @@
                 <a:latin typeface="Century Gothic" panose="020B0502020202020204" pitchFamily="34" charset="0"/>
                 <a:cs typeface="Adobe Devanagari" panose="02040503050201020203" pitchFamily="18" charset="0"/>
               </a:rPr>
-              <a:t>Opt 3</a:t>
-            </a:r>
-          </a:p>
-        </p:txBody>
-      </p:sp>
-      <p:sp>
-        <p:nvSpPr>
-          <p:cNvPr id="33" name="TextBox 32"/>
+              <a:t>Dry</a:t>
+            </a:r>
+          </a:p>
+        </p:txBody>
+      </p:sp>
+      <p:sp>
+        <p:nvSpPr>
+          <p:cNvPr id="35" name="TextBox 34"/>
           <p:cNvSpPr txBox="1"/>
           <p:nvPr/>
         </p:nvSpPr>
         <p:spPr>
           <a:xfrm>
-            <a:off x="5081621" y="4570836"/>
-            <a:ext cx="1742170" cy="461665"/>
+            <a:off x="4952460" y="4616479"/>
+            <a:ext cx="2037473" cy="400110"/>
           </a:xfrm>
           <a:prstGeom prst="rect">
             <a:avLst/>
@@ -29373,28 +31631,67 @@
           <a:p>
             <a:pPr algn="ctr"/>
             <a:r>
-              <a:rPr lang="en-US" sz="2400" b="1" dirty="0" err="1">
+              <a:rPr lang="en-US" sz="2000" b="1" dirty="0">
                 <a:latin typeface="Broadway" panose="04040905080B02020502" pitchFamily="82" charset="0"/>
                 <a:cs typeface="Adobe Devanagari" panose="02040503050201020203" pitchFamily="18" charset="0"/>
               </a:rPr>
-              <a:t>FunBox</a:t>
-            </a:r>
-            <a:endParaRPr lang="en-US" sz="2400" b="1" dirty="0">
-              <a:latin typeface="Broadway" panose="04040905080B02020502" pitchFamily="82" charset="0"/>
-              <a:cs typeface="Adobe Devanagari" panose="02040503050201020203" pitchFamily="18" charset="0"/>
-            </a:endParaRPr>
-          </a:p>
-        </p:txBody>
-      </p:sp>
-      <p:sp>
-        <p:nvSpPr>
-          <p:cNvPr id="35" name="Oval 34"/>
+              <a:t>Uranus</a:t>
+            </a:r>
+          </a:p>
+        </p:txBody>
+      </p:sp>
+      <p:sp>
+        <p:nvSpPr>
+          <p:cNvPr id="36" name="TextBox 35"/>
+          <p:cNvSpPr txBox="1"/>
+          <p:nvPr/>
+        </p:nvSpPr>
+        <p:spPr>
+          <a:xfrm>
+            <a:off x="5495193" y="4916279"/>
+            <a:ext cx="936475" cy="400110"/>
+          </a:xfrm>
+          <a:prstGeom prst="rect">
+            <a:avLst/>
+          </a:prstGeom>
+          <a:noFill/>
+        </p:spPr>
+        <p:txBody>
+          <a:bodyPr wrap="none" rtlCol="0">
+            <a:spAutoFit/>
+          </a:bodyPr>
+          <a:lstStyle/>
+          <a:p>
+            <a:pPr algn="ctr"/>
+            <a:r>
+              <a:rPr lang="en-US" sz="1000" dirty="0">
+                <a:latin typeface="Century Gothic" panose="020B0502020202020204" pitchFamily="34" charset="0"/>
+                <a:cs typeface="Adobe Devanagari" panose="02040503050201020203" pitchFamily="18" charset="0"/>
+              </a:rPr>
+              <a:t>Granular </a:t>
+            </a:r>
+          </a:p>
+          <a:p>
+            <a:pPr algn="ctr"/>
+            <a:r>
+              <a:rPr lang="en-US" sz="1000" dirty="0">
+                <a:latin typeface="Century Gothic" panose="020B0502020202020204" pitchFamily="34" charset="0"/>
+                <a:cs typeface="Adobe Devanagari" panose="02040503050201020203" pitchFamily="18" charset="0"/>
+              </a:rPr>
+              <a:t>Delay/Synth</a:t>
+            </a:r>
+          </a:p>
+        </p:txBody>
+      </p:sp>
+      <p:sp>
+        <p:nvSpPr>
+          <p:cNvPr id="37" name="Oval 36"/>
           <p:cNvSpPr/>
           <p:nvPr/>
         </p:nvSpPr>
         <p:spPr>
           <a:xfrm rot="16200000">
-            <a:off x="5830387" y="3795700"/>
+            <a:off x="5854676" y="3834748"/>
             <a:ext cx="245746" cy="243840"/>
           </a:xfrm>
           <a:prstGeom prst="ellipse">
@@ -29433,13 +31730,13 @@
       </p:sp>
       <p:sp>
         <p:nvSpPr>
-          <p:cNvPr id="36" name="Flowchart: Terminator 35"/>
+          <p:cNvPr id="38" name="Flowchart: Terminator 37"/>
           <p:cNvSpPr/>
           <p:nvPr/>
         </p:nvSpPr>
         <p:spPr>
           <a:xfrm rot="16200000">
-            <a:off x="5810513" y="3807751"/>
+            <a:off x="5834802" y="3846799"/>
             <a:ext cx="95488" cy="208168"/>
           </a:xfrm>
           <a:prstGeom prst="flowChartTerminator">
@@ -29478,13 +31775,13 @@
       </p:sp>
       <p:sp>
         <p:nvSpPr>
-          <p:cNvPr id="37" name="Oval 36"/>
+          <p:cNvPr id="39" name="Oval 38"/>
           <p:cNvSpPr/>
           <p:nvPr/>
         </p:nvSpPr>
         <p:spPr>
           <a:xfrm rot="16200000">
-            <a:off x="6651163" y="3795700"/>
+            <a:off x="6675452" y="3834748"/>
             <a:ext cx="245746" cy="243840"/>
           </a:xfrm>
           <a:prstGeom prst="ellipse">
@@ -29523,13 +31820,13 @@
       </p:sp>
       <p:sp>
         <p:nvSpPr>
-          <p:cNvPr id="38" name="Flowchart: Terminator 37"/>
+          <p:cNvPr id="40" name="Flowchart: Terminator 39"/>
           <p:cNvSpPr/>
           <p:nvPr/>
         </p:nvSpPr>
         <p:spPr>
           <a:xfrm rot="16200000">
-            <a:off x="6631289" y="3807751"/>
+            <a:off x="6655578" y="3846799"/>
             <a:ext cx="95488" cy="208168"/>
           </a:xfrm>
           <a:prstGeom prst="flowChartTerminator">
@@ -29568,14 +31865,14 @@
       </p:sp>
       <p:sp>
         <p:nvSpPr>
-          <p:cNvPr id="39" name="TextBox 38"/>
+          <p:cNvPr id="41" name="TextBox 40"/>
           <p:cNvSpPr txBox="1"/>
           <p:nvPr/>
         </p:nvSpPr>
         <p:spPr>
           <a:xfrm rot="16200000">
-            <a:off x="5705042" y="4049121"/>
-            <a:ext cx="455574" cy="461665"/>
+            <a:off x="5678838" y="4088169"/>
+            <a:ext cx="556563" cy="461665"/>
           </a:xfrm>
           <a:prstGeom prst="rect">
             <a:avLst/>
@@ -29594,7 +31891,7 @@
                 <a:latin typeface="Century Gothic" panose="020B0502020202020204" pitchFamily="34" charset="0"/>
                 <a:cs typeface="Adobe Devanagari" panose="02040503050201020203" pitchFamily="18" charset="0"/>
               </a:rPr>
-              <a:t>Opt 1</a:t>
+              <a:t>Smooth</a:t>
             </a:r>
           </a:p>
           <a:p>
@@ -29604,7 +31901,7 @@
                 <a:latin typeface="Century Gothic" panose="020B0502020202020204" pitchFamily="34" charset="0"/>
                 <a:cs typeface="Adobe Devanagari" panose="02040503050201020203" pitchFamily="18" charset="0"/>
               </a:rPr>
-              <a:t>Opt 2</a:t>
+              <a:t>Wide</a:t>
             </a:r>
           </a:p>
           <a:p>
@@ -29614,21 +31911,21 @@
                 <a:latin typeface="Century Gothic" panose="020B0502020202020204" pitchFamily="34" charset="0"/>
                 <a:cs typeface="Adobe Devanagari" panose="02040503050201020203" pitchFamily="18" charset="0"/>
               </a:rPr>
-              <a:t>Opt 3</a:t>
-            </a:r>
-          </a:p>
-        </p:txBody>
-      </p:sp>
-      <p:sp>
-        <p:nvSpPr>
-          <p:cNvPr id="40" name="TextBox 39"/>
+              <a:t>AR</a:t>
+            </a:r>
+          </a:p>
+        </p:txBody>
+      </p:sp>
+      <p:sp>
+        <p:nvSpPr>
+          <p:cNvPr id="42" name="TextBox 41"/>
           <p:cNvSpPr txBox="1"/>
           <p:nvPr/>
         </p:nvSpPr>
         <p:spPr>
           <a:xfrm rot="16200000">
-            <a:off x="6540944" y="4039021"/>
-            <a:ext cx="455574" cy="461665"/>
+            <a:off x="6566837" y="4078069"/>
+            <a:ext cx="452368" cy="461665"/>
           </a:xfrm>
           <a:prstGeom prst="rect">
             <a:avLst/>
@@ -29647,7 +31944,7 @@
                 <a:latin typeface="Century Gothic" panose="020B0502020202020204" pitchFamily="34" charset="0"/>
                 <a:cs typeface="Adobe Devanagari" panose="02040503050201020203" pitchFamily="18" charset="0"/>
               </a:rPr>
-              <a:t>Opt 1</a:t>
+              <a:t>None</a:t>
             </a:r>
           </a:p>
           <a:p>
@@ -29657,7 +31954,7 @@
                 <a:latin typeface="Century Gothic" panose="020B0502020202020204" pitchFamily="34" charset="0"/>
                 <a:cs typeface="Adobe Devanagari" panose="02040503050201020203" pitchFamily="18" charset="0"/>
               </a:rPr>
-              <a:t>Opt 2</a:t>
+              <a:t>Gran</a:t>
             </a:r>
           </a:p>
           <a:p>
@@ -29667,21 +31964,21 @@
                 <a:latin typeface="Century Gothic" panose="020B0502020202020204" pitchFamily="34" charset="0"/>
                 <a:cs typeface="Adobe Devanagari" panose="02040503050201020203" pitchFamily="18" charset="0"/>
               </a:rPr>
-              <a:t>Opt 3</a:t>
-            </a:r>
-          </a:p>
-        </p:txBody>
-      </p:sp>
-      <p:sp>
-        <p:nvSpPr>
-          <p:cNvPr id="41" name="TextBox 40"/>
+              <a:t>FM</a:t>
+            </a:r>
+          </a:p>
+        </p:txBody>
+      </p:sp>
+      <p:sp>
+        <p:nvSpPr>
+          <p:cNvPr id="43" name="TextBox 42"/>
           <p:cNvSpPr txBox="1"/>
           <p:nvPr/>
         </p:nvSpPr>
         <p:spPr>
           <a:xfrm>
-            <a:off x="4837137" y="3551712"/>
-            <a:ext cx="657552" cy="230832"/>
+            <a:off x="4705936" y="3590760"/>
+            <a:ext cx="968535" cy="230832"/>
           </a:xfrm>
           <a:prstGeom prst="rect">
             <a:avLst/>
@@ -29700,21 +31997,21 @@
                 <a:latin typeface="Century Gothic" panose="020B0502020202020204" pitchFamily="34" charset="0"/>
                 <a:cs typeface="Adobe Devanagari" panose="02040503050201020203" pitchFamily="18" charset="0"/>
               </a:rPr>
-              <a:t>Toggle 1</a:t>
-            </a:r>
-          </a:p>
-        </p:txBody>
-      </p:sp>
-      <p:sp>
-        <p:nvSpPr>
-          <p:cNvPr id="42" name="TextBox 41"/>
+              <a:t>Sample Mode</a:t>
+            </a:r>
+          </a:p>
+        </p:txBody>
+      </p:sp>
+      <p:sp>
+        <p:nvSpPr>
+          <p:cNvPr id="44" name="TextBox 43"/>
           <p:cNvSpPr txBox="1"/>
           <p:nvPr/>
         </p:nvSpPr>
         <p:spPr>
           <a:xfrm>
-            <a:off x="5623930" y="3560229"/>
-            <a:ext cx="657552" cy="230832"/>
+            <a:off x="5619366" y="3599277"/>
+            <a:ext cx="715260" cy="230832"/>
           </a:xfrm>
           <a:prstGeom prst="rect">
             <a:avLst/>
@@ -29733,21 +32030,32 @@
                 <a:latin typeface="Century Gothic" panose="020B0502020202020204" pitchFamily="34" charset="0"/>
                 <a:cs typeface="Adobe Devanagari" panose="02040503050201020203" pitchFamily="18" charset="0"/>
               </a:rPr>
-              <a:t>Toggle 2</a:t>
-            </a:r>
-          </a:p>
-        </p:txBody>
-      </p:sp>
-      <p:sp>
-        <p:nvSpPr>
-          <p:cNvPr id="43" name="TextBox 42"/>
+              <a:t>Grain </a:t>
+            </a:r>
+            <a:r>
+              <a:rPr lang="en-US" sz="900" b="1" dirty="0" err="1">
+                <a:latin typeface="Century Gothic" panose="020B0502020202020204" pitchFamily="34" charset="0"/>
+                <a:cs typeface="Adobe Devanagari" panose="02040503050201020203" pitchFamily="18" charset="0"/>
+              </a:rPr>
+              <a:t>Env</a:t>
+            </a:r>
+            <a:endParaRPr lang="en-US" sz="900" b="1" dirty="0">
+              <a:latin typeface="Century Gothic" panose="020B0502020202020204" pitchFamily="34" charset="0"/>
+              <a:cs typeface="Adobe Devanagari" panose="02040503050201020203" pitchFamily="18" charset="0"/>
+            </a:endParaRPr>
+          </a:p>
+        </p:txBody>
+      </p:sp>
+      <p:sp>
+        <p:nvSpPr>
+          <p:cNvPr id="45" name="TextBox 44"/>
           <p:cNvSpPr txBox="1"/>
           <p:nvPr/>
         </p:nvSpPr>
         <p:spPr>
           <a:xfrm>
-            <a:off x="6454343" y="3562383"/>
-            <a:ext cx="657552" cy="230832"/>
+            <a:off x="6384857" y="3601431"/>
+            <a:ext cx="845104" cy="230832"/>
           </a:xfrm>
           <a:prstGeom prst="rect">
             <a:avLst/>
@@ -29766,456 +32074,21 @@
                 <a:latin typeface="Century Gothic" panose="020B0502020202020204" pitchFamily="34" charset="0"/>
                 <a:cs typeface="Adobe Devanagari" panose="02040503050201020203" pitchFamily="18" charset="0"/>
               </a:rPr>
-              <a:t>Toggle 3</a:t>
-            </a:r>
-          </a:p>
-        </p:txBody>
-      </p:sp>
-      <p:sp>
-        <p:nvSpPr>
-          <p:cNvPr id="49" name="Rectangle 48"/>
-          <p:cNvSpPr/>
-          <p:nvPr/>
-        </p:nvSpPr>
-        <p:spPr>
-          <a:xfrm>
-            <a:off x="4552601" y="262549"/>
-            <a:ext cx="2675728" cy="727102"/>
-          </a:xfrm>
-          <a:prstGeom prst="rect">
-            <a:avLst/>
-          </a:prstGeom>
-        </p:spPr>
-        <p:style>
-          <a:lnRef idx="2">
-            <a:schemeClr val="dk1">
-              <a:shade val="50000"/>
-            </a:schemeClr>
-          </a:lnRef>
-          <a:fillRef idx="1003">
-            <a:schemeClr val="lt1"/>
-          </a:fillRef>
-          <a:effectRef idx="0">
-            <a:schemeClr val="dk1"/>
-          </a:effectRef>
-          <a:fontRef idx="minor">
-            <a:schemeClr val="lt1"/>
-          </a:fontRef>
-        </p:style>
-        <p:txBody>
-          <a:bodyPr rtlCol="0" anchor="ctr"/>
-          <a:lstStyle/>
-          <a:p>
-            <a:pPr marL="285750" indent="-285750">
-              <a:buFont typeface="Arial" panose="020B0604020202020204" pitchFamily="34" charset="0"/>
-              <a:buChar char="•"/>
-            </a:pPr>
-            <a:r>
-              <a:rPr lang="en-US" sz="1600" b="1" dirty="0">
-                <a:solidFill>
-                  <a:schemeClr val="tx1"/>
-                </a:solidFill>
-              </a:rPr>
-              <a:t>Stereo ¼” In/Out Jacks</a:t>
-            </a:r>
-          </a:p>
-          <a:p>
-            <a:pPr marL="285750" indent="-285750">
-              <a:buFont typeface="Arial" panose="020B0604020202020204" pitchFamily="34" charset="0"/>
-              <a:buChar char="•"/>
-            </a:pPr>
-            <a:r>
-              <a:rPr lang="en-US" sz="1600" b="1" dirty="0">
-                <a:solidFill>
-                  <a:schemeClr val="tx1"/>
-                </a:solidFill>
-              </a:rPr>
-              <a:t>9v Center Negative Power</a:t>
-            </a:r>
-          </a:p>
-        </p:txBody>
-      </p:sp>
-      <p:sp>
-        <p:nvSpPr>
-          <p:cNvPr id="52" name="Rectangle 51"/>
-          <p:cNvSpPr/>
-          <p:nvPr/>
-        </p:nvSpPr>
-        <p:spPr>
-          <a:xfrm>
-            <a:off x="7503067" y="1963518"/>
-            <a:ext cx="2433413" cy="428695"/>
-          </a:xfrm>
-          <a:prstGeom prst="rect">
-            <a:avLst/>
-          </a:prstGeom>
-        </p:spPr>
-        <p:style>
-          <a:lnRef idx="2">
-            <a:schemeClr val="dk1">
-              <a:shade val="50000"/>
-            </a:schemeClr>
-          </a:lnRef>
-          <a:fillRef idx="1003">
-            <a:schemeClr val="dk1"/>
-          </a:fillRef>
-          <a:effectRef idx="0">
-            <a:schemeClr val="dk1"/>
-          </a:effectRef>
-          <a:fontRef idx="minor">
-            <a:schemeClr val="lt1"/>
-          </a:fontRef>
-        </p:style>
-        <p:txBody>
-          <a:bodyPr rtlCol="0" anchor="ctr"/>
-          <a:lstStyle/>
-          <a:p>
-            <a:r>
-              <a:rPr lang="en-US" sz="1600" b="1" dirty="0">
-                <a:solidFill>
-                  <a:schemeClr val="bg1"/>
-                </a:solidFill>
-              </a:rPr>
-              <a:t>MIDI Input (1/8” TRS Jack)</a:t>
-            </a:r>
-          </a:p>
-        </p:txBody>
-      </p:sp>
-      <p:sp>
-        <p:nvSpPr>
-          <p:cNvPr id="55" name="Rectangle 54"/>
-          <p:cNvSpPr/>
-          <p:nvPr/>
-        </p:nvSpPr>
-        <p:spPr>
-          <a:xfrm>
-            <a:off x="7503067" y="2923436"/>
-            <a:ext cx="2016853" cy="448087"/>
-          </a:xfrm>
-          <a:prstGeom prst="rect">
-            <a:avLst/>
-          </a:prstGeom>
-        </p:spPr>
-        <p:style>
-          <a:lnRef idx="2">
-            <a:schemeClr val="dk1">
-              <a:shade val="50000"/>
-            </a:schemeClr>
-          </a:lnRef>
-          <a:fillRef idx="1003">
-            <a:schemeClr val="dk1"/>
-          </a:fillRef>
-          <a:effectRef idx="0">
-            <a:schemeClr val="dk1"/>
-          </a:effectRef>
-          <a:fontRef idx="minor">
-            <a:schemeClr val="lt1"/>
-          </a:fontRef>
-        </p:style>
-        <p:txBody>
-          <a:bodyPr rtlCol="0" anchor="ctr"/>
-          <a:lstStyle/>
-          <a:p>
-            <a:r>
-              <a:rPr lang="en-US" sz="1600" b="1" dirty="0">
-                <a:solidFill>
-                  <a:schemeClr val="bg1"/>
-                </a:solidFill>
-              </a:rPr>
-              <a:t>Daisy Seed USB port</a:t>
-            </a:r>
-          </a:p>
-        </p:txBody>
-      </p:sp>
-      <p:sp>
-        <p:nvSpPr>
-          <p:cNvPr id="56" name="Rectangle 55"/>
-          <p:cNvSpPr/>
-          <p:nvPr/>
-        </p:nvSpPr>
-        <p:spPr>
-          <a:xfrm>
-            <a:off x="7503067" y="4556498"/>
-            <a:ext cx="2016853" cy="328586"/>
-          </a:xfrm>
-          <a:prstGeom prst="rect">
-            <a:avLst/>
-          </a:prstGeom>
-        </p:spPr>
-        <p:style>
-          <a:lnRef idx="2">
-            <a:schemeClr val="dk1">
-              <a:shade val="50000"/>
-            </a:schemeClr>
-          </a:lnRef>
-          <a:fillRef idx="1001">
-            <a:schemeClr val="dk2"/>
-          </a:fillRef>
-          <a:effectRef idx="0">
-            <a:schemeClr val="dk1"/>
-          </a:effectRef>
-          <a:fontRef idx="minor">
-            <a:schemeClr val="lt1"/>
-          </a:fontRef>
-        </p:style>
-        <p:txBody>
-          <a:bodyPr rtlCol="0" anchor="ctr"/>
-          <a:lstStyle/>
-          <a:p>
-            <a:r>
-              <a:rPr lang="en-US" sz="1600" b="1" dirty="0">
-                <a:solidFill>
-                  <a:schemeClr val="bg1"/>
-                </a:solidFill>
-              </a:rPr>
-              <a:t>4 On/Off Dipswitches</a:t>
-            </a:r>
-          </a:p>
-        </p:txBody>
-      </p:sp>
-      <p:sp>
-        <p:nvSpPr>
-          <p:cNvPr id="57" name="Rectangle 56"/>
-          <p:cNvSpPr/>
-          <p:nvPr/>
-        </p:nvSpPr>
-        <p:spPr>
-          <a:xfrm>
-            <a:off x="4585160" y="5990039"/>
-            <a:ext cx="2778082" cy="480080"/>
-          </a:xfrm>
-          <a:prstGeom prst="rect">
-            <a:avLst/>
-          </a:prstGeom>
-        </p:spPr>
-        <p:style>
-          <a:lnRef idx="2">
-            <a:schemeClr val="dk1">
-              <a:shade val="50000"/>
-            </a:schemeClr>
-          </a:lnRef>
-          <a:fillRef idx="1001">
-            <a:schemeClr val="dk2"/>
-          </a:fillRef>
-          <a:effectRef idx="0">
-            <a:schemeClr val="dk1"/>
-          </a:effectRef>
-          <a:fontRef idx="minor">
-            <a:schemeClr val="lt1"/>
-          </a:fontRef>
-        </p:style>
-        <p:txBody>
-          <a:bodyPr rtlCol="0" anchor="ctr"/>
-          <a:lstStyle/>
-          <a:p>
-            <a:r>
-              <a:rPr lang="en-US" sz="1600" b="1" dirty="0">
-                <a:solidFill>
-                  <a:schemeClr val="bg1"/>
-                </a:solidFill>
-              </a:rPr>
-              <a:t>Two Momentary Footswitches</a:t>
-            </a:r>
-          </a:p>
-          <a:p>
-            <a:r>
-              <a:rPr lang="en-US" sz="1600" b="1" dirty="0">
-                <a:solidFill>
-                  <a:schemeClr val="bg1"/>
-                </a:solidFill>
-              </a:rPr>
-              <a:t>with indication LEDs.</a:t>
-            </a:r>
-          </a:p>
-        </p:txBody>
-      </p:sp>
-      <p:sp>
-        <p:nvSpPr>
-          <p:cNvPr id="59" name="Rectangle 58"/>
-          <p:cNvSpPr/>
-          <p:nvPr/>
-        </p:nvSpPr>
-        <p:spPr>
-          <a:xfrm>
-            <a:off x="259856" y="262029"/>
-            <a:ext cx="4226847" cy="1015417"/>
-          </a:xfrm>
-          <a:prstGeom prst="rect">
-            <a:avLst/>
-          </a:prstGeom>
-          <a:ln/>
-        </p:spPr>
-        <p:style>
-          <a:lnRef idx="1">
-            <a:schemeClr val="accent2"/>
-          </a:lnRef>
-          <a:fillRef idx="2">
-            <a:schemeClr val="accent2"/>
-          </a:fillRef>
-          <a:effectRef idx="1">
-            <a:schemeClr val="accent2"/>
-          </a:effectRef>
-          <a:fontRef idx="minor">
-            <a:schemeClr val="dk1"/>
-          </a:fontRef>
-        </p:style>
-        <p:txBody>
-          <a:bodyPr rtlCol="0" anchor="ctr"/>
-          <a:lstStyle/>
-          <a:p>
-            <a:r>
-              <a:rPr lang="en-US" sz="2800" b="1" dirty="0" err="1">
-                <a:solidFill>
-                  <a:schemeClr val="tx1"/>
-                </a:solidFill>
-              </a:rPr>
-              <a:t>FunBox</a:t>
-            </a:r>
-            <a:r>
-              <a:rPr lang="en-US" sz="2800" b="1" dirty="0">
-                <a:solidFill>
-                  <a:schemeClr val="tx1"/>
-                </a:solidFill>
-              </a:rPr>
-              <a:t> </a:t>
-            </a:r>
-            <a:r>
-              <a:rPr lang="en-US" b="1" dirty="0">
-                <a:solidFill>
-                  <a:schemeClr val="tx1"/>
-                </a:solidFill>
-              </a:rPr>
-              <a:t>is a pedal platform designed around the Daisy Seed. Fits in a 125B enclosure.</a:t>
-            </a:r>
-          </a:p>
-        </p:txBody>
-      </p:sp>
-      <p:sp>
-        <p:nvSpPr>
-          <p:cNvPr id="81" name="Rectangle 80"/>
-          <p:cNvSpPr/>
-          <p:nvPr/>
-        </p:nvSpPr>
-        <p:spPr>
-          <a:xfrm>
-            <a:off x="7205470" y="4326731"/>
-            <a:ext cx="45719" cy="404813"/>
-          </a:xfrm>
-          <a:prstGeom prst="rect">
-            <a:avLst/>
-          </a:prstGeom>
-        </p:spPr>
-        <p:style>
-          <a:lnRef idx="2">
-            <a:schemeClr val="accent1">
-              <a:shade val="50000"/>
-            </a:schemeClr>
-          </a:lnRef>
-          <a:fillRef idx="1">
-            <a:schemeClr val="accent1"/>
-          </a:fillRef>
-          <a:effectRef idx="0">
-            <a:schemeClr val="accent1"/>
-          </a:effectRef>
-          <a:fontRef idx="minor">
-            <a:schemeClr val="lt1"/>
-          </a:fontRef>
-        </p:style>
-        <p:txBody>
-          <a:bodyPr rtlCol="0" anchor="ctr"/>
-          <a:lstStyle/>
-          <a:p>
-            <a:pPr algn="ctr"/>
-            <a:endParaRPr lang="en-US"/>
-          </a:p>
-        </p:txBody>
-      </p:sp>
-      <p:sp>
-        <p:nvSpPr>
-          <p:cNvPr id="82" name="Rectangle 81"/>
-          <p:cNvSpPr/>
-          <p:nvPr/>
-        </p:nvSpPr>
-        <p:spPr>
-          <a:xfrm>
-            <a:off x="7240002" y="4361522"/>
-            <a:ext cx="54086" cy="51892"/>
-          </a:xfrm>
-          <a:prstGeom prst="rect">
-            <a:avLst/>
-          </a:prstGeom>
-        </p:spPr>
-        <p:style>
-          <a:lnRef idx="2">
-            <a:schemeClr val="dk1"/>
-          </a:lnRef>
-          <a:fillRef idx="1">
-            <a:schemeClr val="lt1"/>
-          </a:fillRef>
-          <a:effectRef idx="0">
-            <a:schemeClr val="dk1"/>
-          </a:effectRef>
-          <a:fontRef idx="minor">
-            <a:schemeClr val="dk1"/>
-          </a:fontRef>
-        </p:style>
-        <p:txBody>
-          <a:bodyPr rtlCol="0" anchor="ctr"/>
-          <a:lstStyle/>
-          <a:p>
-            <a:pPr algn="ctr"/>
-            <a:endParaRPr lang="en-US"/>
-          </a:p>
-        </p:txBody>
-      </p:sp>
-      <p:sp>
-        <p:nvSpPr>
-          <p:cNvPr id="83" name="Rectangle 82"/>
-          <p:cNvSpPr/>
-          <p:nvPr/>
-        </p:nvSpPr>
-        <p:spPr>
-          <a:xfrm>
-            <a:off x="7239482" y="4455654"/>
-            <a:ext cx="54086" cy="51892"/>
-          </a:xfrm>
-          <a:prstGeom prst="rect">
-            <a:avLst/>
-          </a:prstGeom>
-        </p:spPr>
-        <p:style>
-          <a:lnRef idx="2">
-            <a:schemeClr val="dk1"/>
-          </a:lnRef>
-          <a:fillRef idx="1">
-            <a:schemeClr val="lt1"/>
-          </a:fillRef>
-          <a:effectRef idx="0">
-            <a:schemeClr val="dk1"/>
-          </a:effectRef>
-          <a:fontRef idx="minor">
-            <a:schemeClr val="dk1"/>
-          </a:fontRef>
-        </p:style>
-        <p:txBody>
-          <a:bodyPr rtlCol="0" anchor="ctr"/>
-          <a:lstStyle/>
-          <a:p>
-            <a:pPr algn="ctr"/>
-            <a:endParaRPr lang="en-US"/>
-          </a:p>
-        </p:txBody>
-      </p:sp>
-      <p:sp>
-        <p:nvSpPr>
-          <p:cNvPr id="66" name="TextBox 65"/>
+              <a:t>Synth Mode</a:t>
+            </a:r>
+          </a:p>
+        </p:txBody>
+      </p:sp>
+      <p:sp>
+        <p:nvSpPr>
+          <p:cNvPr id="47" name="TextBox 46"/>
           <p:cNvSpPr txBox="1"/>
           <p:nvPr/>
         </p:nvSpPr>
         <p:spPr>
           <a:xfrm>
-            <a:off x="6376896" y="5548457"/>
-            <a:ext cx="724878" cy="246221"/>
+            <a:off x="6508286" y="5574572"/>
+            <a:ext cx="468398" cy="246221"/>
           </a:xfrm>
           <a:prstGeom prst="rect">
             <a:avLst/>
@@ -30230,207 +32103,25 @@
           <a:p>
             <a:pPr algn="ctr"/>
             <a:r>
-              <a:rPr lang="en-US" sz="1000" b="1" dirty="0" err="1">
-                <a:latin typeface="Century Gothic" panose="020B0502020202020204" pitchFamily="34" charset="0"/>
-                <a:cs typeface="Adobe Devanagari" panose="02040503050201020203" pitchFamily="18" charset="0"/>
-              </a:rPr>
-              <a:t>FootSw</a:t>
-            </a:r>
-            <a:r>
               <a:rPr lang="en-US" sz="1000" b="1" dirty="0">
                 <a:latin typeface="Century Gothic" panose="020B0502020202020204" pitchFamily="34" charset="0"/>
                 <a:cs typeface="Adobe Devanagari" panose="02040503050201020203" pitchFamily="18" charset="0"/>
               </a:rPr>
-              <a:t> 2</a:t>
-            </a:r>
-          </a:p>
-        </p:txBody>
-      </p:sp>
-      <p:sp>
-        <p:nvSpPr>
-          <p:cNvPr id="67" name="Rectangle 66"/>
-          <p:cNvSpPr/>
-          <p:nvPr/>
-        </p:nvSpPr>
-        <p:spPr>
-          <a:xfrm>
-            <a:off x="7239482" y="4543676"/>
-            <a:ext cx="54086" cy="51892"/>
-          </a:xfrm>
-          <a:prstGeom prst="rect">
-            <a:avLst/>
-          </a:prstGeom>
-        </p:spPr>
-        <p:style>
-          <a:lnRef idx="2">
-            <a:schemeClr val="dk1"/>
-          </a:lnRef>
-          <a:fillRef idx="1">
-            <a:schemeClr val="lt1"/>
-          </a:fillRef>
-          <a:effectRef idx="0">
-            <a:schemeClr val="dk1"/>
-          </a:effectRef>
-          <a:fontRef idx="minor">
-            <a:schemeClr val="dk1"/>
-          </a:fontRef>
-        </p:style>
-        <p:txBody>
-          <a:bodyPr rtlCol="0" anchor="ctr"/>
-          <a:lstStyle/>
-          <a:p>
-            <a:pPr algn="ctr"/>
-            <a:endParaRPr lang="en-US"/>
-          </a:p>
-        </p:txBody>
-      </p:sp>
-      <p:sp>
-        <p:nvSpPr>
-          <p:cNvPr id="69" name="Rectangle 68"/>
-          <p:cNvSpPr/>
-          <p:nvPr/>
-        </p:nvSpPr>
-        <p:spPr>
-          <a:xfrm>
-            <a:off x="7239482" y="4633048"/>
-            <a:ext cx="54086" cy="51892"/>
-          </a:xfrm>
-          <a:prstGeom prst="rect">
-            <a:avLst/>
-          </a:prstGeom>
-        </p:spPr>
-        <p:style>
-          <a:lnRef idx="2">
-            <a:schemeClr val="dk1"/>
-          </a:lnRef>
-          <a:fillRef idx="1">
-            <a:schemeClr val="lt1"/>
-          </a:fillRef>
-          <a:effectRef idx="0">
-            <a:schemeClr val="dk1"/>
-          </a:effectRef>
-          <a:fontRef idx="minor">
-            <a:schemeClr val="dk1"/>
-          </a:fontRef>
-        </p:style>
-        <p:txBody>
-          <a:bodyPr rtlCol="0" anchor="ctr"/>
-          <a:lstStyle/>
-          <a:p>
-            <a:pPr algn="ctr"/>
-            <a:endParaRPr lang="en-US"/>
-          </a:p>
-        </p:txBody>
-      </p:sp>
-      <p:sp>
-        <p:nvSpPr>
-          <p:cNvPr id="70" name="TextBox 69"/>
-          <p:cNvSpPr txBox="1"/>
-          <p:nvPr/>
-        </p:nvSpPr>
-        <p:spPr>
-          <a:xfrm rot="5400000">
-            <a:off x="4369644" y="2091586"/>
-            <a:ext cx="833883" cy="246221"/>
-          </a:xfrm>
-          <a:prstGeom prst="rect">
-            <a:avLst/>
-          </a:prstGeom>
-          <a:noFill/>
-        </p:spPr>
-        <p:txBody>
-          <a:bodyPr wrap="none" rtlCol="0">
-            <a:spAutoFit/>
-          </a:bodyPr>
-          <a:lstStyle/>
-          <a:p>
-            <a:pPr algn="ctr"/>
-            <a:r>
-              <a:rPr lang="en-US" sz="1000" b="1" dirty="0">
-                <a:latin typeface="Century Gothic" panose="020B0502020202020204" pitchFamily="34" charset="0"/>
-                <a:cs typeface="Adobe Devanagari" panose="02040503050201020203" pitchFamily="18" charset="0"/>
-              </a:rPr>
-              <a:t>Expression</a:t>
-            </a:r>
-          </a:p>
-        </p:txBody>
-      </p:sp>
-      <p:sp>
-        <p:nvSpPr>
-          <p:cNvPr id="71" name="TextBox 70"/>
-          <p:cNvSpPr txBox="1"/>
-          <p:nvPr/>
-        </p:nvSpPr>
-        <p:spPr>
-          <a:xfrm rot="16200000">
-            <a:off x="6867601" y="2070599"/>
-            <a:ext cx="460382" cy="246221"/>
-          </a:xfrm>
-          <a:prstGeom prst="rect">
-            <a:avLst/>
-          </a:prstGeom>
-          <a:noFill/>
-        </p:spPr>
-        <p:txBody>
-          <a:bodyPr wrap="none" rtlCol="0">
-            <a:spAutoFit/>
-          </a:bodyPr>
-          <a:lstStyle/>
-          <a:p>
-            <a:pPr algn="ctr"/>
-            <a:r>
-              <a:rPr lang="en-US" sz="1000" b="1" dirty="0">
-                <a:latin typeface="Century Gothic" panose="020B0502020202020204" pitchFamily="34" charset="0"/>
-                <a:cs typeface="Adobe Devanagari" panose="02040503050201020203" pitchFamily="18" charset="0"/>
-              </a:rPr>
-              <a:t>MIDI</a:t>
-            </a:r>
-          </a:p>
-        </p:txBody>
-      </p:sp>
-      <p:sp>
-        <p:nvSpPr>
-          <p:cNvPr id="72" name="TextBox 71"/>
-          <p:cNvSpPr txBox="1"/>
-          <p:nvPr/>
-        </p:nvSpPr>
-        <p:spPr>
-          <a:xfrm rot="16200000">
-            <a:off x="6888870" y="3101168"/>
-            <a:ext cx="407484" cy="246221"/>
-          </a:xfrm>
-          <a:prstGeom prst="rect">
-            <a:avLst/>
-          </a:prstGeom>
-          <a:noFill/>
-        </p:spPr>
-        <p:txBody>
-          <a:bodyPr wrap="none" rtlCol="0">
-            <a:spAutoFit/>
-          </a:bodyPr>
-          <a:lstStyle/>
-          <a:p>
-            <a:pPr algn="ctr"/>
-            <a:r>
-              <a:rPr lang="en-US" sz="1000" b="1" dirty="0">
-                <a:latin typeface="Century Gothic" panose="020B0502020202020204" pitchFamily="34" charset="0"/>
-                <a:cs typeface="Adobe Devanagari" panose="02040503050201020203" pitchFamily="18" charset="0"/>
-              </a:rPr>
-              <a:t>USB</a:t>
-            </a:r>
-          </a:p>
-        </p:txBody>
-      </p:sp>
-      <p:sp>
-        <p:nvSpPr>
-          <p:cNvPr id="60" name="Rectangle 59"/>
-          <p:cNvSpPr/>
-          <p:nvPr/>
-        </p:nvSpPr>
-        <p:spPr>
-          <a:xfrm>
-            <a:off x="1130422" y="1955557"/>
-            <a:ext cx="3250889" cy="428695"/>
+              <a:t>Hold</a:t>
+            </a:r>
+          </a:p>
+        </p:txBody>
+      </p:sp>
+      <p:sp>
+        <p:nvSpPr>
+          <p:cNvPr id="55" name="Rectangle 54"/>
+          <p:cNvSpPr/>
+          <p:nvPr/>
+        </p:nvSpPr>
+        <p:spPr>
+          <a:xfrm>
+            <a:off x="518160" y="1582168"/>
+            <a:ext cx="3739056" cy="1202448"/>
           </a:xfrm>
           <a:prstGeom prst="rect">
             <a:avLst/>
@@ -30443,7 +32134,7 @@
             </a:schemeClr>
           </a:lnRef>
           <a:fillRef idx="1003">
-            <a:schemeClr val="dk1"/>
+            <a:schemeClr val="lt1"/>
           </a:fillRef>
           <a:effectRef idx="0">
             <a:schemeClr val="dk1"/>
@@ -30459,24 +32150,73 @@
             <a:r>
               <a:rPr lang="en-US" sz="1600" b="1" dirty="0">
                 <a:solidFill>
-                  <a:schemeClr val="bg1"/>
-                </a:solidFill>
-              </a:rPr>
-              <a:t>Expression Input (1/8” TRS Jack)</a:t>
-            </a:r>
-          </a:p>
-        </p:txBody>
-      </p:sp>
-      <p:sp>
-        <p:nvSpPr>
-          <p:cNvPr id="61" name="Rectangle 60"/>
-          <p:cNvSpPr/>
-          <p:nvPr/>
-        </p:nvSpPr>
-        <p:spPr>
-          <a:xfrm>
-            <a:off x="1338617" y="3706618"/>
-            <a:ext cx="3023756" cy="410432"/>
+                  <a:schemeClr val="tx1"/>
+                </a:solidFill>
+              </a:rPr>
+              <a:t>Size</a:t>
+            </a:r>
+            <a:r>
+              <a:rPr lang="en-US" sz="1600" dirty="0">
+                <a:solidFill>
+                  <a:schemeClr val="tx1"/>
+                </a:solidFill>
+              </a:rPr>
+              <a:t>: Grain size 1 to 300ms</a:t>
+            </a:r>
+          </a:p>
+          <a:p>
+            <a:r>
+              <a:rPr lang="en-US" sz="1600" b="1" dirty="0">
+                <a:solidFill>
+                  <a:schemeClr val="tx1"/>
+                </a:solidFill>
+              </a:rPr>
+              <a:t>Mix: </a:t>
+            </a:r>
+            <a:r>
+              <a:rPr lang="en-US" sz="1600" dirty="0">
+                <a:solidFill>
+                  <a:schemeClr val="tx1"/>
+                </a:solidFill>
+              </a:rPr>
+              <a:t>Dry/Wet Mix (Alt is stereo spread of each grain.)</a:t>
+            </a:r>
+          </a:p>
+          <a:p>
+            <a:r>
+              <a:rPr lang="en-US" sz="1600" b="1" dirty="0">
+                <a:solidFill>
+                  <a:schemeClr val="tx1"/>
+                </a:solidFill>
+              </a:rPr>
+              <a:t>Pitch:</a:t>
+            </a:r>
+            <a:r>
+              <a:rPr lang="en-US" sz="1600" dirty="0">
+                <a:solidFill>
+                  <a:schemeClr val="tx1"/>
+                </a:solidFill>
+              </a:rPr>
+              <a:t> Transposition in semitones, +/- one octave, center is neutral</a:t>
+            </a:r>
+            <a:endParaRPr lang="en-US" sz="1600" b="1" dirty="0">
+              <a:solidFill>
+                <a:schemeClr val="tx1"/>
+              </a:solidFill>
+            </a:endParaRPr>
+          </a:p>
+        </p:txBody>
+      </p:sp>
+      <p:sp>
+        <p:nvSpPr>
+          <p:cNvPr id="56" name="Rectangle 55"/>
+          <p:cNvSpPr/>
+          <p:nvPr/>
+        </p:nvSpPr>
+        <p:spPr>
+          <a:xfrm>
+            <a:off x="7609878" y="1882353"/>
+            <a:ext cx="4014544" cy="1267751"/>
           </a:xfrm>
           <a:prstGeom prst="rect">
             <a:avLst/>
@@ -30488,6 +32228,347 @@
               <a:shade val="50000"/>
             </a:schemeClr>
           </a:lnRef>
+          <a:fillRef idx="1003">
+            <a:schemeClr val="lt1"/>
+          </a:fillRef>
+          <a:effectRef idx="0">
+            <a:schemeClr val="dk1"/>
+          </a:effectRef>
+          <a:fontRef idx="minor">
+            <a:schemeClr val="lt1"/>
+          </a:fontRef>
+        </p:style>
+        <p:txBody>
+          <a:bodyPr rtlCol="0" anchor="ctr"/>
+          <a:lstStyle/>
+          <a:p>
+            <a:r>
+              <a:rPr lang="en-US" sz="1600" b="1" dirty="0">
+                <a:solidFill>
+                  <a:schemeClr val="tx1"/>
+                </a:solidFill>
+              </a:rPr>
+              <a:t>Feedback: </a:t>
+            </a:r>
+            <a:r>
+              <a:rPr lang="en-US" sz="1600" dirty="0">
+                <a:solidFill>
+                  <a:schemeClr val="tx1"/>
+                </a:solidFill>
+              </a:rPr>
+              <a:t>Feedback of the delay buffer.</a:t>
+            </a:r>
+          </a:p>
+          <a:p>
+            <a:r>
+              <a:rPr lang="en-US" sz="1600" b="1" dirty="0">
+                <a:solidFill>
+                  <a:schemeClr val="tx1"/>
+                </a:solidFill>
+              </a:rPr>
+              <a:t>Width</a:t>
+            </a:r>
+            <a:r>
+              <a:rPr lang="en-US" sz="1600" dirty="0">
+                <a:solidFill>
+                  <a:schemeClr val="tx1"/>
+                </a:solidFill>
+              </a:rPr>
+              <a:t>: Width of time in which a grain can randomly play from, 1 to 50ms </a:t>
+            </a:r>
+          </a:p>
+          <a:p>
+            <a:r>
+              <a:rPr lang="en-US" sz="1600" b="1" dirty="0">
+                <a:solidFill>
+                  <a:schemeClr val="tx1"/>
+                </a:solidFill>
+              </a:rPr>
+              <a:t>Speed</a:t>
+            </a:r>
+            <a:r>
+              <a:rPr lang="en-US" sz="1600" dirty="0">
+                <a:solidFill>
+                  <a:schemeClr val="tx1"/>
+                </a:solidFill>
+              </a:rPr>
+              <a:t>: Grain speed -2x to 2x, center is 0</a:t>
+            </a:r>
+          </a:p>
+          <a:p>
+            <a:endParaRPr lang="en-US" sz="1600" dirty="0">
+              <a:solidFill>
+                <a:schemeClr val="bg1"/>
+              </a:solidFill>
+            </a:endParaRPr>
+          </a:p>
+        </p:txBody>
+      </p:sp>
+      <p:sp>
+        <p:nvSpPr>
+          <p:cNvPr id="57" name="Rectangle 56"/>
+          <p:cNvSpPr/>
+          <p:nvPr/>
+        </p:nvSpPr>
+        <p:spPr>
+          <a:xfrm>
+            <a:off x="281990" y="2840715"/>
+            <a:ext cx="4311425" cy="1374969"/>
+          </a:xfrm>
+          <a:prstGeom prst="rect">
+            <a:avLst/>
+          </a:prstGeom>
+        </p:spPr>
+        <p:style>
+          <a:lnRef idx="2">
+            <a:schemeClr val="dk1">
+              <a:shade val="50000"/>
+            </a:schemeClr>
+          </a:lnRef>
+          <a:fillRef idx="1003">
+            <a:schemeClr val="dk1"/>
+          </a:fillRef>
+          <a:effectRef idx="0">
+            <a:schemeClr val="dk1"/>
+          </a:effectRef>
+          <a:fontRef idx="minor">
+            <a:schemeClr val="lt1"/>
+          </a:fontRef>
+        </p:style>
+        <p:txBody>
+          <a:bodyPr rtlCol="0" anchor="ctr"/>
+          <a:lstStyle/>
+          <a:p>
+            <a:r>
+              <a:rPr lang="en-US" sz="1600" b="1" dirty="0">
+                <a:solidFill>
+                  <a:schemeClr val="bg1"/>
+                </a:solidFill>
+              </a:rPr>
+              <a:t>Grain Octave Mode</a:t>
+            </a:r>
+          </a:p>
+          <a:p>
+            <a:r>
+              <a:rPr lang="en-US" sz="1600" b="1" dirty="0">
+                <a:solidFill>
+                  <a:schemeClr val="bg1"/>
+                </a:solidFill>
+              </a:rPr>
+              <a:t>  Left: Normal with Oct up</a:t>
+            </a:r>
+          </a:p>
+          <a:p>
+            <a:r>
+              <a:rPr lang="en-US" sz="1600" b="1" dirty="0">
+                <a:solidFill>
+                  <a:schemeClr val="bg1"/>
+                </a:solidFill>
+              </a:rPr>
+              <a:t>  Center: Normal with Oct down</a:t>
+            </a:r>
+          </a:p>
+          <a:p>
+            <a:r>
+              <a:rPr lang="en-US" sz="1600" b="1" dirty="0">
+                <a:solidFill>
+                  <a:schemeClr val="bg1"/>
+                </a:solidFill>
+              </a:rPr>
+              <a:t>  Right:  Oct Up and Oct down</a:t>
+            </a:r>
+          </a:p>
+        </p:txBody>
+      </p:sp>
+      <p:sp>
+        <p:nvSpPr>
+          <p:cNvPr id="58" name="Rectangle 57"/>
+          <p:cNvSpPr/>
+          <p:nvPr/>
+        </p:nvSpPr>
+        <p:spPr>
+          <a:xfrm>
+            <a:off x="683491" y="4472176"/>
+            <a:ext cx="3602397" cy="1141089"/>
+          </a:xfrm>
+          <a:prstGeom prst="rect">
+            <a:avLst/>
+          </a:prstGeom>
+        </p:spPr>
+        <p:style>
+          <a:lnRef idx="2">
+            <a:schemeClr val="dk1">
+              <a:shade val="50000"/>
+            </a:schemeClr>
+          </a:lnRef>
+          <a:fillRef idx="1003">
+            <a:schemeClr val="dk1"/>
+          </a:fillRef>
+          <a:effectRef idx="0">
+            <a:schemeClr val="dk1"/>
+          </a:effectRef>
+          <a:fontRef idx="minor">
+            <a:schemeClr val="lt1"/>
+          </a:fontRef>
+        </p:style>
+        <p:txBody>
+          <a:bodyPr rtlCol="0" anchor="ctr"/>
+          <a:lstStyle/>
+          <a:p>
+            <a:r>
+              <a:rPr lang="en-US" sz="1600" b="1" dirty="0">
+                <a:solidFill>
+                  <a:schemeClr val="bg1"/>
+                </a:solidFill>
+              </a:rPr>
+              <a:t>Grain Envelope</a:t>
+            </a:r>
+          </a:p>
+          <a:p>
+            <a:r>
+              <a:rPr lang="en-US" sz="1600" b="1" dirty="0">
+                <a:solidFill>
+                  <a:schemeClr val="bg1"/>
+                </a:solidFill>
+              </a:rPr>
+              <a:t>  Left:  Cosine</a:t>
+            </a:r>
+          </a:p>
+          <a:p>
+            <a:r>
+              <a:rPr lang="en-US" sz="1600" b="1" dirty="0">
+                <a:solidFill>
+                  <a:schemeClr val="bg1"/>
+                </a:solidFill>
+              </a:rPr>
+              <a:t>  Center: Slow attack-release linear</a:t>
+            </a:r>
+          </a:p>
+          <a:p>
+            <a:r>
+              <a:rPr lang="en-US" sz="1600" b="1" dirty="0">
+                <a:solidFill>
+                  <a:schemeClr val="bg1"/>
+                </a:solidFill>
+              </a:rPr>
+              <a:t>  Right</a:t>
+            </a:r>
+            <a:r>
+              <a:rPr lang="en-US" sz="1600" b="1">
+                <a:solidFill>
+                  <a:schemeClr val="bg1"/>
+                </a:solidFill>
+              </a:rPr>
+              <a:t>: Fast </a:t>
+            </a:r>
+            <a:r>
+              <a:rPr lang="en-US" sz="1600" b="1" dirty="0">
+                <a:solidFill>
+                  <a:schemeClr val="bg1"/>
+                </a:solidFill>
+              </a:rPr>
+              <a:t>attack-release linear</a:t>
+            </a:r>
+          </a:p>
+        </p:txBody>
+      </p:sp>
+      <p:sp>
+        <p:nvSpPr>
+          <p:cNvPr id="59" name="Rectangle 58"/>
+          <p:cNvSpPr/>
+          <p:nvPr/>
+        </p:nvSpPr>
+        <p:spPr>
+          <a:xfrm>
+            <a:off x="7628237" y="3306313"/>
+            <a:ext cx="3880272" cy="1224432"/>
+          </a:xfrm>
+          <a:prstGeom prst="rect">
+            <a:avLst/>
+          </a:prstGeom>
+        </p:spPr>
+        <p:style>
+          <a:lnRef idx="2">
+            <a:schemeClr val="dk1">
+              <a:shade val="50000"/>
+            </a:schemeClr>
+          </a:lnRef>
+          <a:fillRef idx="1003">
+            <a:schemeClr val="dk1"/>
+          </a:fillRef>
+          <a:effectRef idx="0">
+            <a:schemeClr val="dk1"/>
+          </a:effectRef>
+          <a:fontRef idx="minor">
+            <a:schemeClr val="lt1"/>
+          </a:fontRef>
+        </p:style>
+        <p:txBody>
+          <a:bodyPr rtlCol="0" anchor="ctr"/>
+          <a:lstStyle/>
+          <a:p>
+            <a:r>
+              <a:rPr lang="en-US" sz="1600" b="1" dirty="0">
+                <a:solidFill>
+                  <a:schemeClr val="bg1"/>
+                </a:solidFill>
+              </a:rPr>
+              <a:t>Synth Mode</a:t>
+            </a:r>
+          </a:p>
+          <a:p>
+            <a:r>
+              <a:rPr lang="en-US" sz="1600" b="1" dirty="0">
+                <a:solidFill>
+                  <a:schemeClr val="bg1"/>
+                </a:solidFill>
+              </a:rPr>
+              <a:t>  Left:  Audio input</a:t>
+            </a:r>
+          </a:p>
+          <a:p>
+            <a:r>
+              <a:rPr lang="en-US" sz="1600" b="1" dirty="0">
+                <a:solidFill>
+                  <a:schemeClr val="bg1"/>
+                </a:solidFill>
+              </a:rPr>
+              <a:t>  Center: Granular Monophonic Synth</a:t>
+            </a:r>
+          </a:p>
+          <a:p>
+            <a:r>
+              <a:rPr lang="en-US" sz="1600" b="1" dirty="0">
+                <a:solidFill>
+                  <a:schemeClr val="bg1"/>
+                </a:solidFill>
+              </a:rPr>
+              <a:t>  Right:  Polyphonic FM Synth (12 note polyphony)</a:t>
+            </a:r>
+          </a:p>
+        </p:txBody>
+      </p:sp>
+      <p:sp>
+        <p:nvSpPr>
+          <p:cNvPr id="60" name="Rectangle 59"/>
+          <p:cNvSpPr/>
+          <p:nvPr/>
+        </p:nvSpPr>
+        <p:spPr>
+          <a:xfrm>
+            <a:off x="7628236" y="4711922"/>
+            <a:ext cx="3720483" cy="810200"/>
+          </a:xfrm>
+          <a:prstGeom prst="rect">
+            <a:avLst/>
+          </a:prstGeom>
+        </p:spPr>
+        <p:style>
+          <a:lnRef idx="2">
+            <a:schemeClr val="dk1">
+              <a:shade val="50000"/>
+            </a:schemeClr>
+          </a:lnRef>
           <a:fillRef idx="1001">
             <a:schemeClr val="dk2"/>
           </a:fillRef>
@@ -30508,23 +32589,321 @@
                   <a:schemeClr val="bg1"/>
                 </a:solidFill>
               </a:rPr>
-              <a:t>Three 3-way Toggles (On-Off-On)</a:t>
+              <a:t>Dip Switches:</a:t>
+            </a:r>
+          </a:p>
+          <a:p>
+            <a:r>
+              <a:rPr lang="en-US" sz="1600" b="1" dirty="0">
+                <a:solidFill>
+                  <a:schemeClr val="bg1"/>
+                </a:solidFill>
+              </a:rPr>
+              <a:t>  1: N/A     3. N/A</a:t>
+            </a:r>
+          </a:p>
+          <a:p>
+            <a:r>
+              <a:rPr lang="en-US" sz="1600" b="1" dirty="0">
+                <a:solidFill>
+                  <a:schemeClr val="bg1"/>
+                </a:solidFill>
+              </a:rPr>
+              <a:t>  2: N/A     4. N/A</a:t>
+            </a:r>
+          </a:p>
+        </p:txBody>
+      </p:sp>
+      <p:sp>
+        <p:nvSpPr>
+          <p:cNvPr id="61" name="Rectangle 60"/>
+          <p:cNvSpPr/>
+          <p:nvPr/>
+        </p:nvSpPr>
+        <p:spPr>
+          <a:xfrm>
+            <a:off x="2306320" y="5986047"/>
+            <a:ext cx="3549309" cy="774200"/>
+          </a:xfrm>
+          <a:prstGeom prst="rect">
+            <a:avLst/>
+          </a:prstGeom>
+        </p:spPr>
+        <p:style>
+          <a:lnRef idx="2">
+            <a:schemeClr val="dk1">
+              <a:shade val="50000"/>
+            </a:schemeClr>
+          </a:lnRef>
+          <a:fillRef idx="1001">
+            <a:schemeClr val="dk2"/>
+          </a:fillRef>
+          <a:effectRef idx="0">
+            <a:schemeClr val="dk1"/>
+          </a:effectRef>
+          <a:fontRef idx="minor">
+            <a:schemeClr val="lt1"/>
+          </a:fontRef>
+        </p:style>
+        <p:txBody>
+          <a:bodyPr rtlCol="0" anchor="ctr"/>
+          <a:lstStyle/>
+          <a:p>
+            <a:r>
+              <a:rPr lang="en-US" sz="1600" b="1" dirty="0">
+                <a:solidFill>
+                  <a:schemeClr val="bg1"/>
+                </a:solidFill>
+              </a:rPr>
+              <a:t>Left Footswitch: Bypass/Engage, hold to engage alternate mode (indicated by dimmed LED)</a:t>
+            </a:r>
+          </a:p>
+        </p:txBody>
+      </p:sp>
+      <p:sp>
+        <p:nvSpPr>
+          <p:cNvPr id="63" name="Rectangle 62"/>
+          <p:cNvSpPr/>
+          <p:nvPr/>
+        </p:nvSpPr>
+        <p:spPr>
+          <a:xfrm>
+            <a:off x="531745" y="176575"/>
+            <a:ext cx="3624619" cy="1149101"/>
+          </a:xfrm>
+          <a:prstGeom prst="rect">
+            <a:avLst/>
+          </a:prstGeom>
+          <a:ln/>
+        </p:spPr>
+        <p:style>
+          <a:lnRef idx="1">
+            <a:schemeClr val="accent1"/>
+          </a:lnRef>
+          <a:fillRef idx="2">
+            <a:schemeClr val="accent1"/>
+          </a:fillRef>
+          <a:effectRef idx="1">
+            <a:schemeClr val="accent1"/>
+          </a:effectRef>
+          <a:fontRef idx="minor">
+            <a:schemeClr val="dk1"/>
+          </a:fontRef>
+        </p:style>
+        <p:txBody>
+          <a:bodyPr rtlCol="0" anchor="ctr"/>
+          <a:lstStyle/>
+          <a:p>
+            <a:r>
+              <a:rPr lang="en-US" sz="2800" b="1" dirty="0">
+                <a:solidFill>
+                  <a:schemeClr val="tx1"/>
+                </a:solidFill>
+              </a:rPr>
+              <a:t>Uranus </a:t>
+            </a:r>
+            <a:r>
+              <a:rPr lang="en-US" sz="1600" b="1" dirty="0">
+                <a:solidFill>
+                  <a:schemeClr val="tx1"/>
+                </a:solidFill>
+              </a:rPr>
+              <a:t>is a </a:t>
+            </a:r>
+            <a:r>
+              <a:rPr lang="en-US" sz="2800" b="1" dirty="0">
+                <a:solidFill>
+                  <a:schemeClr val="tx1"/>
+                </a:solidFill>
+              </a:rPr>
+              <a:t>Granular </a:t>
+            </a:r>
+            <a:r>
+              <a:rPr lang="en-US" sz="1600" b="1" dirty="0">
+                <a:solidFill>
+                  <a:schemeClr val="tx1"/>
+                </a:solidFill>
+              </a:rPr>
+              <a:t>delay and synth. Think of this pedal as a sound laboratory.</a:t>
+            </a:r>
+          </a:p>
+        </p:txBody>
+      </p:sp>
+      <p:sp>
+        <p:nvSpPr>
+          <p:cNvPr id="64" name="Rectangle 63"/>
+          <p:cNvSpPr/>
+          <p:nvPr/>
+        </p:nvSpPr>
+        <p:spPr>
+          <a:xfrm>
+            <a:off x="7596222" y="382276"/>
+            <a:ext cx="3496894" cy="1227678"/>
+          </a:xfrm>
+          <a:prstGeom prst="rect">
+            <a:avLst/>
+          </a:prstGeom>
+          <a:ln/>
+        </p:spPr>
+        <p:style>
+          <a:lnRef idx="1">
+            <a:schemeClr val="accent1"/>
+          </a:lnRef>
+          <a:fillRef idx="2">
+            <a:schemeClr val="accent1"/>
+          </a:fillRef>
+          <a:effectRef idx="1">
+            <a:schemeClr val="accent1"/>
+          </a:effectRef>
+          <a:fontRef idx="minor">
+            <a:schemeClr val="dk1"/>
+          </a:fontRef>
+        </p:style>
+        <p:txBody>
+          <a:bodyPr rtlCol="0" anchor="ctr"/>
+          <a:lstStyle/>
+          <a:p>
+            <a:r>
+              <a:rPr lang="en-US" sz="1600" b="1" dirty="0">
+                <a:solidFill>
+                  <a:schemeClr val="tx1"/>
+                </a:solidFill>
+              </a:rPr>
+              <a:t>Stereo In/Out Processing</a:t>
+            </a:r>
+          </a:p>
+          <a:p>
+            <a:r>
+              <a:rPr lang="en-US" sz="1600" b="1" dirty="0">
+                <a:solidFill>
+                  <a:schemeClr val="tx1"/>
+                </a:solidFill>
+              </a:rPr>
+              <a:t>(MISO) Mono in Stereo Out</a:t>
+            </a:r>
+          </a:p>
+          <a:p>
+            <a:pPr marL="285750" indent="-285750">
+              <a:buFontTx/>
+              <a:buChar char="-"/>
+            </a:pPr>
+            <a:r>
+              <a:rPr lang="en-US" sz="1600" b="1" dirty="0">
+                <a:solidFill>
+                  <a:schemeClr val="tx1"/>
+                </a:solidFill>
+              </a:rPr>
+              <a:t>Expression: YES</a:t>
+            </a:r>
+          </a:p>
+          <a:p>
+            <a:pPr marL="285750" indent="-285750">
+              <a:buFontTx/>
+              <a:buChar char="-"/>
+            </a:pPr>
+            <a:r>
+              <a:rPr lang="en-US" sz="1600" b="1" dirty="0">
+                <a:solidFill>
+                  <a:schemeClr val="tx1"/>
+                </a:solidFill>
+              </a:rPr>
+              <a:t>MIDI: YES</a:t>
+            </a:r>
+          </a:p>
+          <a:p>
+            <a:pPr marL="285750" indent="-285750">
+              <a:buFontTx/>
+              <a:buChar char="-"/>
+            </a:pPr>
+            <a:r>
+              <a:rPr lang="en-US" sz="1600" b="1" dirty="0">
+                <a:solidFill>
+                  <a:schemeClr val="tx1"/>
+                </a:solidFill>
+              </a:rPr>
+              <a:t>Two Keyboard Midi Synth modes</a:t>
             </a:r>
           </a:p>
         </p:txBody>
       </p:sp>
       <p:cxnSp>
         <p:nvCxnSpPr>
-          <p:cNvPr id="62" name="Straight Arrow Connector 61"/>
+          <p:cNvPr id="65" name="Straight Arrow Connector 64"/>
           <p:cNvCxnSpPr>
-            <a:stCxn id="61" idx="3"/>
+            <a:stCxn id="55" idx="3"/>
           </p:cNvCxnSpPr>
           <p:nvPr/>
         </p:nvCxnSpPr>
         <p:spPr>
-          <a:xfrm>
-            <a:off x="4362373" y="3911834"/>
-            <a:ext cx="276302" cy="0"/>
+          <a:xfrm flipV="1">
+            <a:off x="4257216" y="2094330"/>
+            <a:ext cx="371937" cy="89062"/>
+          </a:xfrm>
+          <a:prstGeom prst="straightConnector1">
+            <a:avLst/>
+          </a:prstGeom>
+          <a:ln>
+            <a:tailEnd type="triangle"/>
+          </a:ln>
+        </p:spPr>
+        <p:style>
+          <a:lnRef idx="3">
+            <a:schemeClr val="dk1"/>
+          </a:lnRef>
+          <a:fillRef idx="0">
+            <a:schemeClr val="dk1"/>
+          </a:fillRef>
+          <a:effectRef idx="2">
+            <a:schemeClr val="dk1"/>
+          </a:effectRef>
+          <a:fontRef idx="minor">
+            <a:schemeClr val="tx1"/>
+          </a:fontRef>
+        </p:style>
+      </p:cxnSp>
+      <p:cxnSp>
+        <p:nvCxnSpPr>
+          <p:cNvPr id="66" name="Straight Arrow Connector 65"/>
+          <p:cNvCxnSpPr/>
+          <p:nvPr/>
+        </p:nvCxnSpPr>
+        <p:spPr>
+          <a:xfrm flipH="1">
+            <a:off x="7268295" y="3052004"/>
+            <a:ext cx="341583" cy="0"/>
+          </a:xfrm>
+          <a:prstGeom prst="straightConnector1">
+            <a:avLst/>
+          </a:prstGeom>
+          <a:ln>
+            <a:tailEnd type="triangle"/>
+          </a:ln>
+        </p:spPr>
+        <p:style>
+          <a:lnRef idx="3">
+            <a:schemeClr val="dk1"/>
+          </a:lnRef>
+          <a:fillRef idx="0">
+            <a:schemeClr val="dk1"/>
+          </a:fillRef>
+          <a:effectRef idx="2">
+            <a:schemeClr val="dk1"/>
+          </a:effectRef>
+          <a:fontRef idx="minor">
+            <a:schemeClr val="tx1"/>
+          </a:fontRef>
+        </p:style>
+      </p:cxnSp>
+      <p:cxnSp>
+        <p:nvCxnSpPr>
+          <p:cNvPr id="67" name="Straight Arrow Connector 66"/>
+          <p:cNvCxnSpPr/>
+          <p:nvPr/>
+        </p:nvCxnSpPr>
+        <p:spPr>
+          <a:xfrm>
+            <a:off x="4296534" y="3941322"/>
+            <a:ext cx="570112" cy="12433"/>
           </a:xfrm>
           <a:prstGeom prst="straightConnector1">
             <a:avLst/>
@@ -30555,9 +32934,9 @@
           <p:nvPr/>
         </p:nvCxnSpPr>
         <p:spPr>
-          <a:xfrm>
-            <a:off x="4381311" y="2165058"/>
-            <a:ext cx="276302" cy="0"/>
+          <a:xfrm flipH="1" flipV="1">
+            <a:off x="7009724" y="3995871"/>
+            <a:ext cx="618513" cy="7881"/>
           </a:xfrm>
           <a:prstGeom prst="straightConnector1">
             <a:avLst/>
@@ -30581,6 +32960,157 @@
           </a:fontRef>
         </p:style>
       </p:cxnSp>
+      <p:cxnSp>
+        <p:nvCxnSpPr>
+          <p:cNvPr id="69" name="Elbow Connector 68"/>
+          <p:cNvCxnSpPr/>
+          <p:nvPr/>
+        </p:nvCxnSpPr>
+        <p:spPr>
+          <a:xfrm flipV="1">
+            <a:off x="4296053" y="3963112"/>
+            <a:ext cx="1400247" cy="567633"/>
+          </a:xfrm>
+          <a:prstGeom prst="bentConnector3">
+            <a:avLst>
+              <a:gd name="adj1" fmla="val 83332"/>
+            </a:avLst>
+          </a:prstGeom>
+          <a:ln>
+            <a:tailEnd type="triangle"/>
+          </a:ln>
+        </p:spPr>
+        <p:style>
+          <a:lnRef idx="3">
+            <a:schemeClr val="dk1"/>
+          </a:lnRef>
+          <a:fillRef idx="0">
+            <a:schemeClr val="dk1"/>
+          </a:fillRef>
+          <a:effectRef idx="2">
+            <a:schemeClr val="dk1"/>
+          </a:effectRef>
+          <a:fontRef idx="minor">
+            <a:schemeClr val="tx1"/>
+          </a:fontRef>
+        </p:style>
+      </p:cxnSp>
+      <p:sp>
+        <p:nvSpPr>
+          <p:cNvPr id="70" name="Rectangle 69"/>
+          <p:cNvSpPr/>
+          <p:nvPr/>
+        </p:nvSpPr>
+        <p:spPr>
+          <a:xfrm>
+            <a:off x="7215630" y="4337891"/>
+            <a:ext cx="45719" cy="303523"/>
+          </a:xfrm>
+          <a:prstGeom prst="rect">
+            <a:avLst/>
+          </a:prstGeom>
+        </p:spPr>
+        <p:style>
+          <a:lnRef idx="2">
+            <a:schemeClr val="accent1">
+              <a:shade val="50000"/>
+            </a:schemeClr>
+          </a:lnRef>
+          <a:fillRef idx="1">
+            <a:schemeClr val="accent1"/>
+          </a:fillRef>
+          <a:effectRef idx="0">
+            <a:schemeClr val="accent1"/>
+          </a:effectRef>
+          <a:fontRef idx="minor">
+            <a:schemeClr val="lt1"/>
+          </a:fontRef>
+        </p:style>
+        <p:txBody>
+          <a:bodyPr rtlCol="0" anchor="ctr"/>
+          <a:lstStyle/>
+          <a:p>
+            <a:pPr algn="ctr"/>
+            <a:endParaRPr lang="en-US"/>
+          </a:p>
+        </p:txBody>
+      </p:sp>
+      <p:sp>
+        <p:nvSpPr>
+          <p:cNvPr id="71" name="Rectangle 70"/>
+          <p:cNvSpPr/>
+          <p:nvPr/>
+        </p:nvSpPr>
+        <p:spPr>
+          <a:xfrm>
+            <a:off x="7250162" y="4401258"/>
+            <a:ext cx="54086" cy="51892"/>
+          </a:xfrm>
+          <a:prstGeom prst="rect">
+            <a:avLst/>
+          </a:prstGeom>
+        </p:spPr>
+        <p:style>
+          <a:lnRef idx="2">
+            <a:schemeClr val="dk1"/>
+          </a:lnRef>
+          <a:fillRef idx="1">
+            <a:schemeClr val="lt1"/>
+          </a:fillRef>
+          <a:effectRef idx="0">
+            <a:schemeClr val="dk1"/>
+          </a:effectRef>
+          <a:fontRef idx="minor">
+            <a:schemeClr val="dk1"/>
+          </a:fontRef>
+        </p:style>
+        <p:txBody>
+          <a:bodyPr rtlCol="0" anchor="ctr"/>
+          <a:lstStyle/>
+          <a:p>
+            <a:pPr algn="ctr"/>
+            <a:endParaRPr lang="en-US"/>
+          </a:p>
+        </p:txBody>
+      </p:sp>
+      <p:sp>
+        <p:nvSpPr>
+          <p:cNvPr id="72" name="Rectangle 71"/>
+          <p:cNvSpPr/>
+          <p:nvPr/>
+        </p:nvSpPr>
+        <p:spPr>
+          <a:xfrm>
+            <a:off x="7249642" y="4495390"/>
+            <a:ext cx="54086" cy="51892"/>
+          </a:xfrm>
+          <a:prstGeom prst="rect">
+            <a:avLst/>
+          </a:prstGeom>
+        </p:spPr>
+        <p:style>
+          <a:lnRef idx="2">
+            <a:schemeClr val="dk1"/>
+          </a:lnRef>
+          <a:fillRef idx="1">
+            <a:schemeClr val="lt1"/>
+          </a:fillRef>
+          <a:effectRef idx="0">
+            <a:schemeClr val="dk1"/>
+          </a:effectRef>
+          <a:fontRef idx="minor">
+            <a:schemeClr val="dk1"/>
+          </a:fontRef>
+        </p:style>
+        <p:txBody>
+          <a:bodyPr rtlCol="0" anchor="ctr"/>
+          <a:lstStyle/>
+          <a:p>
+            <a:pPr algn="ctr"/>
+            <a:endParaRPr lang="en-US"/>
+          </a:p>
+        </p:txBody>
+      </p:sp>
       <p:cxnSp>
         <p:nvCxnSpPr>
           <p:cNvPr id="73" name="Straight Arrow Connector 72"/>
@@ -30588,9 +33118,9 @@
           <p:nvPr/>
         </p:nvCxnSpPr>
         <p:spPr>
-          <a:xfrm flipH="1">
-            <a:off x="7266525" y="4623278"/>
-            <a:ext cx="236542" cy="0"/>
+          <a:xfrm flipH="1" flipV="1">
+            <a:off x="7325161" y="4614946"/>
+            <a:ext cx="303076" cy="234573"/>
           </a:xfrm>
           <a:prstGeom prst="straightConnector1">
             <a:avLst/>
@@ -30614,82 +33144,16 @@
           </a:fontRef>
         </p:style>
       </p:cxnSp>
-      <p:cxnSp>
-        <p:nvCxnSpPr>
-          <p:cNvPr id="74" name="Straight Arrow Connector 73"/>
-          <p:cNvCxnSpPr/>
-          <p:nvPr/>
-        </p:nvCxnSpPr>
-        <p:spPr>
-          <a:xfrm flipH="1">
-            <a:off x="7251189" y="3222216"/>
-            <a:ext cx="236542" cy="0"/>
-          </a:xfrm>
-          <a:prstGeom prst="straightConnector1">
-            <a:avLst/>
-          </a:prstGeom>
-          <a:ln>
-            <a:tailEnd type="triangle"/>
-          </a:ln>
-        </p:spPr>
-        <p:style>
-          <a:lnRef idx="3">
-            <a:schemeClr val="dk1"/>
-          </a:lnRef>
-          <a:fillRef idx="0">
-            <a:schemeClr val="dk1"/>
-          </a:fillRef>
-          <a:effectRef idx="2">
-            <a:schemeClr val="dk1"/>
-          </a:effectRef>
-          <a:fontRef idx="minor">
-            <a:schemeClr val="tx1"/>
-          </a:fontRef>
-        </p:style>
-      </p:cxnSp>
-      <p:cxnSp>
-        <p:nvCxnSpPr>
-          <p:cNvPr id="75" name="Straight Arrow Connector 74"/>
-          <p:cNvCxnSpPr/>
-          <p:nvPr/>
-        </p:nvCxnSpPr>
-        <p:spPr>
-          <a:xfrm flipH="1">
-            <a:off x="7244681" y="2193709"/>
-            <a:ext cx="236542" cy="0"/>
-          </a:xfrm>
-          <a:prstGeom prst="straightConnector1">
-            <a:avLst/>
-          </a:prstGeom>
-          <a:ln>
-            <a:tailEnd type="triangle"/>
-          </a:ln>
-        </p:spPr>
-        <p:style>
-          <a:lnRef idx="3">
-            <a:schemeClr val="dk1"/>
-          </a:lnRef>
-          <a:fillRef idx="0">
-            <a:schemeClr val="dk1"/>
-          </a:fillRef>
-          <a:effectRef idx="2">
-            <a:schemeClr val="dk1"/>
-          </a:effectRef>
-          <a:fontRef idx="minor">
-            <a:schemeClr val="tx1"/>
-          </a:fontRef>
-        </p:style>
-      </p:cxnSp>
-      <p:sp>
-        <p:nvSpPr>
-          <p:cNvPr id="65" name="Rectangle 64"/>
-          <p:cNvSpPr/>
-          <p:nvPr/>
-        </p:nvSpPr>
-        <p:spPr>
-          <a:xfrm>
-            <a:off x="2216110" y="2809545"/>
-            <a:ext cx="2146263" cy="410432"/>
+      <p:sp>
+        <p:nvSpPr>
+          <p:cNvPr id="74" name="Rectangle 73"/>
+          <p:cNvSpPr/>
+          <p:nvPr/>
+        </p:nvSpPr>
+        <p:spPr>
+          <a:xfrm>
+            <a:off x="6552370" y="6012306"/>
+            <a:ext cx="4682530" cy="741898"/>
           </a:xfrm>
           <a:prstGeom prst="rect">
             <a:avLst/>
@@ -30721,158 +33185,28 @@
                   <a:schemeClr val="bg1"/>
                 </a:solidFill>
               </a:rPr>
-              <a:t>6 Potentiometer Knobs</a:t>
-            </a:r>
-          </a:p>
-        </p:txBody>
-      </p:sp>
-      <p:sp>
-        <p:nvSpPr>
-          <p:cNvPr id="76" name="Rectangle 75"/>
-          <p:cNvSpPr/>
-          <p:nvPr/>
-        </p:nvSpPr>
-        <p:spPr>
-          <a:xfrm>
-            <a:off x="166920" y="4373127"/>
-            <a:ext cx="4226847" cy="2096991"/>
-          </a:xfrm>
-          <a:prstGeom prst="rect">
-            <a:avLst/>
-          </a:prstGeom>
-          <a:ln/>
-        </p:spPr>
-        <p:style>
-          <a:lnRef idx="1">
-            <a:schemeClr val="accent2"/>
-          </a:lnRef>
-          <a:fillRef idx="2">
-            <a:schemeClr val="accent2"/>
-          </a:fillRef>
-          <a:effectRef idx="1">
-            <a:schemeClr val="accent2"/>
-          </a:effectRef>
-          <a:fontRef idx="minor">
-            <a:schemeClr val="dk1"/>
-          </a:fontRef>
-        </p:style>
-        <p:txBody>
-          <a:bodyPr rtlCol="0" anchor="ctr"/>
-          <a:lstStyle/>
-          <a:p>
-            <a:r>
-              <a:rPr lang="en-US" sz="2800" b="1" dirty="0">
-                <a:solidFill>
-                  <a:schemeClr val="tx1"/>
-                </a:solidFill>
-              </a:rPr>
-              <a:t>Specs:</a:t>
-            </a:r>
-          </a:p>
-          <a:p>
-            <a:pPr marL="285750" indent="-285750">
-              <a:buFont typeface="Arial" panose="020B0604020202020204" pitchFamily="34" charset="0"/>
-              <a:buChar char="•"/>
-            </a:pPr>
-            <a:r>
-              <a:rPr lang="en-US" sz="1400" b="1" dirty="0">
-                <a:solidFill>
-                  <a:schemeClr val="tx1"/>
-                </a:solidFill>
-              </a:rPr>
-              <a:t>Buffered Stereo In/Out Paths</a:t>
-            </a:r>
-          </a:p>
-          <a:p>
-            <a:pPr marL="285750" indent="-285750">
-              <a:buFont typeface="Arial" panose="020B0604020202020204" pitchFamily="34" charset="0"/>
-              <a:buChar char="•"/>
-            </a:pPr>
-            <a:r>
-              <a:rPr lang="en-US" sz="1400" b="1" dirty="0">
-                <a:solidFill>
-                  <a:schemeClr val="tx1"/>
-                </a:solidFill>
-              </a:rPr>
-              <a:t>Up to 96KHz, 24-bit Digital Processing</a:t>
-            </a:r>
-          </a:p>
-          <a:p>
-            <a:pPr marL="285750" indent="-285750">
-              <a:buFont typeface="Arial" panose="020B0604020202020204" pitchFamily="34" charset="0"/>
-              <a:buChar char="•"/>
-            </a:pPr>
-            <a:r>
-              <a:rPr lang="en-US" sz="1400" b="1" dirty="0">
-                <a:solidFill>
-                  <a:schemeClr val="tx1"/>
-                </a:solidFill>
-              </a:rPr>
-              <a:t>64MB SDRAM, 8MB Flash</a:t>
-            </a:r>
-          </a:p>
-          <a:p>
-            <a:pPr marL="285750" indent="-285750">
-              <a:buFont typeface="Arial" panose="020B0604020202020204" pitchFamily="34" charset="0"/>
-              <a:buChar char="•"/>
-            </a:pPr>
-            <a:r>
-              <a:rPr lang="en-US" sz="1400" b="1" dirty="0">
-                <a:solidFill>
-                  <a:schemeClr val="tx1"/>
-                </a:solidFill>
-              </a:rPr>
-              <a:t>ARM Cortex M7 480MHz</a:t>
-            </a:r>
-          </a:p>
-          <a:p>
-            <a:pPr marL="285750" indent="-285750">
-              <a:buFont typeface="Arial" panose="020B0604020202020204" pitchFamily="34" charset="0"/>
-              <a:buChar char="•"/>
-            </a:pPr>
-            <a:r>
-              <a:rPr lang="en-US" sz="1400" b="1" dirty="0">
-                <a:solidFill>
-                  <a:schemeClr val="tx1"/>
-                </a:solidFill>
-              </a:rPr>
-              <a:t>Expression and MIDI Inputs</a:t>
-            </a:r>
-          </a:p>
-          <a:p>
-            <a:pPr marL="285750" indent="-285750">
-              <a:buFont typeface="Arial" panose="020B0604020202020204" pitchFamily="34" charset="0"/>
-              <a:buChar char="•"/>
-            </a:pPr>
-            <a:r>
-              <a:rPr lang="en-US" sz="1400" b="1" dirty="0">
-                <a:solidFill>
-                  <a:schemeClr val="tx1"/>
-                </a:solidFill>
-              </a:rPr>
-              <a:t>Through Hole PCB</a:t>
-            </a:r>
-          </a:p>
-          <a:p>
-            <a:pPr marL="285750" indent="-285750">
-              <a:buFont typeface="Arial" panose="020B0604020202020204" pitchFamily="34" charset="0"/>
-              <a:buChar char="•"/>
-            </a:pPr>
-            <a:r>
-              <a:rPr lang="en-US" sz="1400" b="1" dirty="0">
-                <a:solidFill>
-                  <a:schemeClr val="tx1"/>
-                </a:solidFill>
-              </a:rPr>
-              <a:t>Digital Bypass only</a:t>
-            </a:r>
+              <a:t>Right Footswitch: Press to keep the current delay buffer in place. Press again to release </a:t>
+            </a:r>
+            <a:r>
+              <a:rPr lang="en-US" sz="1600" b="1">
+                <a:solidFill>
+                  <a:schemeClr val="bg1"/>
+                </a:solidFill>
+              </a:rPr>
+              <a:t>(latching).</a:t>
+            </a:r>
+            <a:endParaRPr lang="en-US" sz="1600" b="1" dirty="0">
+              <a:solidFill>
+                <a:schemeClr val="bg1"/>
+              </a:solidFill>
+            </a:endParaRPr>
           </a:p>
         </p:txBody>
       </p:sp>
     </p:spTree>
     <p:extLst>
       <p:ext uri="{BB962C8B-B14F-4D97-AF65-F5344CB8AC3E}">
-        <p14:creationId xmlns:p14="http://schemas.microsoft.com/office/powerpoint/2010/main" val="2803695047"/>
+        <p14:creationId xmlns:p14="http://schemas.microsoft.com/office/powerpoint/2010/main" val="1835336124"/>
       </p:ext>
     </p:extLst>
   </p:cSld>

--- a/software/images/Infographics.pptx
+++ b/software/images/Infographics.pptx
@@ -373,7 +373,7 @@
           <a:p>
             <a:fld id="{E65F16E8-9810-4F67-B618-098E0E399057}" type="datetimeFigureOut">
               <a:rPr lang="en-US" smtClean="0"/>
-              <a:t>2/11/2025</a:t>
+              <a:t>2/12/2025</a:t>
             </a:fld>
             <a:endParaRPr lang="en-US"/>
           </a:p>
@@ -541,7 +541,7 @@
           <a:p>
             <a:fld id="{E65F16E8-9810-4F67-B618-098E0E399057}" type="datetimeFigureOut">
               <a:rPr lang="en-US" smtClean="0"/>
-              <a:t>2/11/2025</a:t>
+              <a:t>2/12/2025</a:t>
             </a:fld>
             <a:endParaRPr lang="en-US"/>
           </a:p>
@@ -719,7 +719,7 @@
           <a:p>
             <a:fld id="{E65F16E8-9810-4F67-B618-098E0E399057}" type="datetimeFigureOut">
               <a:rPr lang="en-US" smtClean="0"/>
-              <a:t>2/11/2025</a:t>
+              <a:t>2/12/2025</a:t>
             </a:fld>
             <a:endParaRPr lang="en-US"/>
           </a:p>
@@ -887,7 +887,7 @@
           <a:p>
             <a:fld id="{E65F16E8-9810-4F67-B618-098E0E399057}" type="datetimeFigureOut">
               <a:rPr lang="en-US" smtClean="0"/>
-              <a:t>2/11/2025</a:t>
+              <a:t>2/12/2025</a:t>
             </a:fld>
             <a:endParaRPr lang="en-US"/>
           </a:p>
@@ -1132,7 +1132,7 @@
           <a:p>
             <a:fld id="{E65F16E8-9810-4F67-B618-098E0E399057}" type="datetimeFigureOut">
               <a:rPr lang="en-US" smtClean="0"/>
-              <a:t>2/11/2025</a:t>
+              <a:t>2/12/2025</a:t>
             </a:fld>
             <a:endParaRPr lang="en-US"/>
           </a:p>
@@ -1361,7 +1361,7 @@
           <a:p>
             <a:fld id="{E65F16E8-9810-4F67-B618-098E0E399057}" type="datetimeFigureOut">
               <a:rPr lang="en-US" smtClean="0"/>
-              <a:t>2/11/2025</a:t>
+              <a:t>2/12/2025</a:t>
             </a:fld>
             <a:endParaRPr lang="en-US"/>
           </a:p>
@@ -1725,7 +1725,7 @@
           <a:p>
             <a:fld id="{E65F16E8-9810-4F67-B618-098E0E399057}" type="datetimeFigureOut">
               <a:rPr lang="en-US" smtClean="0"/>
-              <a:t>2/11/2025</a:t>
+              <a:t>2/12/2025</a:t>
             </a:fld>
             <a:endParaRPr lang="en-US"/>
           </a:p>
@@ -1842,7 +1842,7 @@
           <a:p>
             <a:fld id="{E65F16E8-9810-4F67-B618-098E0E399057}" type="datetimeFigureOut">
               <a:rPr lang="en-US" smtClean="0"/>
-              <a:t>2/11/2025</a:t>
+              <a:t>2/12/2025</a:t>
             </a:fld>
             <a:endParaRPr lang="en-US"/>
           </a:p>
@@ -1937,7 +1937,7 @@
           <a:p>
             <a:fld id="{E65F16E8-9810-4F67-B618-098E0E399057}" type="datetimeFigureOut">
               <a:rPr lang="en-US" smtClean="0"/>
-              <a:t>2/11/2025</a:t>
+              <a:t>2/12/2025</a:t>
             </a:fld>
             <a:endParaRPr lang="en-US"/>
           </a:p>
@@ -2212,7 +2212,7 @@
           <a:p>
             <a:fld id="{E65F16E8-9810-4F67-B618-098E0E399057}" type="datetimeFigureOut">
               <a:rPr lang="en-US" smtClean="0"/>
-              <a:t>2/11/2025</a:t>
+              <a:t>2/12/2025</a:t>
             </a:fld>
             <a:endParaRPr lang="en-US"/>
           </a:p>
@@ -2464,7 +2464,7 @@
           <a:p>
             <a:fld id="{E65F16E8-9810-4F67-B618-098E0E399057}" type="datetimeFigureOut">
               <a:rPr lang="en-US" smtClean="0"/>
-              <a:t>2/11/2025</a:t>
+              <a:t>2/12/2025</a:t>
             </a:fld>
             <a:endParaRPr lang="en-US"/>
           </a:p>
@@ -2675,7 +2675,7 @@
           <a:p>
             <a:fld id="{E65F16E8-9810-4F67-B618-098E0E399057}" type="datetimeFigureOut">
               <a:rPr lang="en-US" smtClean="0"/>
-              <a:t>2/11/2025</a:t>
+              <a:t>2/12/2025</a:t>
             </a:fld>
             <a:endParaRPr lang="en-US"/>
           </a:p>
@@ -31562,8 +31562,8 @@
         </p:nvSpPr>
         <p:spPr>
           <a:xfrm rot="16200000">
-            <a:off x="4865528" y="4069731"/>
-            <a:ext cx="558165" cy="461665"/>
+            <a:off x="4879954" y="4069731"/>
+            <a:ext cx="529312" cy="461665"/>
           </a:xfrm>
           <a:prstGeom prst="rect">
             <a:avLst/>
@@ -31578,32 +31578,54 @@
           <a:p>
             <a:pPr algn="ctr"/>
             <a:r>
-              <a:rPr lang="en-US" sz="800" b="1" dirty="0">
+              <a:rPr lang="en-US" sz="800" b="1" dirty="0" smtClean="0">
                 <a:latin typeface="Century Gothic" panose="020B0502020202020204" pitchFamily="34" charset="0"/>
                 <a:cs typeface="Adobe Devanagari" panose="02040503050201020203" pitchFamily="18" charset="0"/>
               </a:rPr>
-              <a:t>Live</a:t>
-            </a:r>
-          </a:p>
-          <a:p>
-            <a:pPr algn="ctr"/>
-            <a:r>
-              <a:rPr lang="en-US" sz="800" b="1" dirty="0">
+              <a:t>Oct Up</a:t>
+            </a:r>
+          </a:p>
+          <a:p>
+            <a:pPr algn="ctr"/>
+            <a:r>
+              <a:rPr lang="en-US" sz="800" b="1" dirty="0" smtClean="0">
                 <a:latin typeface="Century Gothic" panose="020B0502020202020204" pitchFamily="34" charset="0"/>
                 <a:cs typeface="Adobe Devanagari" panose="02040503050201020203" pitchFamily="18" charset="0"/>
               </a:rPr>
-              <a:t>Sample</a:t>
-            </a:r>
-          </a:p>
-          <a:p>
-            <a:pPr algn="ctr"/>
-            <a:r>
-              <a:rPr lang="en-US" sz="800" b="1" dirty="0">
+              <a:t>Oct </a:t>
+            </a:r>
+            <a:r>
+              <a:rPr lang="en-US" sz="800" b="1" dirty="0" err="1" smtClean="0">
                 <a:latin typeface="Century Gothic" panose="020B0502020202020204" pitchFamily="34" charset="0"/>
                 <a:cs typeface="Adobe Devanagari" panose="02040503050201020203" pitchFamily="18" charset="0"/>
               </a:rPr>
-              <a:t>Dry</a:t>
-            </a:r>
+              <a:t>Dn</a:t>
+            </a:r>
+            <a:endParaRPr lang="en-US" sz="800" b="1" dirty="0" smtClean="0">
+              <a:latin typeface="Century Gothic" panose="020B0502020202020204" pitchFamily="34" charset="0"/>
+              <a:cs typeface="Adobe Devanagari" panose="02040503050201020203" pitchFamily="18" charset="0"/>
+            </a:endParaRPr>
+          </a:p>
+          <a:p>
+            <a:pPr algn="ctr"/>
+            <a:r>
+              <a:rPr lang="en-US" sz="800" b="1" dirty="0" smtClean="0">
+                <a:latin typeface="Century Gothic" panose="020B0502020202020204" pitchFamily="34" charset="0"/>
+                <a:cs typeface="Adobe Devanagari" panose="02040503050201020203" pitchFamily="18" charset="0"/>
+              </a:rPr>
+              <a:t>Up/</a:t>
+            </a:r>
+            <a:r>
+              <a:rPr lang="en-US" sz="800" b="1" dirty="0" err="1" smtClean="0">
+                <a:latin typeface="Century Gothic" panose="020B0502020202020204" pitchFamily="34" charset="0"/>
+                <a:cs typeface="Adobe Devanagari" panose="02040503050201020203" pitchFamily="18" charset="0"/>
+              </a:rPr>
+              <a:t>Dn</a:t>
+            </a:r>
+            <a:endParaRPr lang="en-US" sz="800" b="1" dirty="0">
+              <a:latin typeface="Century Gothic" panose="020B0502020202020204" pitchFamily="34" charset="0"/>
+              <a:cs typeface="Adobe Devanagari" panose="02040503050201020203" pitchFamily="18" charset="0"/>
+            </a:endParaRPr>
           </a:p>
         </p:txBody>
       </p:sp>
@@ -31897,11 +31919,62 @@
           <a:p>
             <a:pPr algn="ctr"/>
             <a:r>
+              <a:rPr lang="en-US" sz="800" b="1" dirty="0" smtClean="0">
+                <a:latin typeface="Century Gothic" panose="020B0502020202020204" pitchFamily="34" charset="0"/>
+                <a:cs typeface="Adobe Devanagari" panose="02040503050201020203" pitchFamily="18" charset="0"/>
+              </a:rPr>
+              <a:t>Slow At</a:t>
+            </a:r>
+            <a:endParaRPr lang="en-US" sz="800" b="1" dirty="0">
+              <a:latin typeface="Century Gothic" panose="020B0502020202020204" pitchFamily="34" charset="0"/>
+              <a:cs typeface="Adobe Devanagari" panose="02040503050201020203" pitchFamily="18" charset="0"/>
+            </a:endParaRPr>
+          </a:p>
+          <a:p>
+            <a:pPr algn="ctr"/>
+            <a:r>
+              <a:rPr lang="en-US" sz="800" b="1" dirty="0" smtClean="0">
+                <a:latin typeface="Century Gothic" panose="020B0502020202020204" pitchFamily="34" charset="0"/>
+                <a:cs typeface="Adobe Devanagari" panose="02040503050201020203" pitchFamily="18" charset="0"/>
+              </a:rPr>
+              <a:t>Fast At</a:t>
+            </a:r>
+            <a:endParaRPr lang="en-US" sz="800" b="1" dirty="0">
+              <a:latin typeface="Century Gothic" panose="020B0502020202020204" pitchFamily="34" charset="0"/>
+              <a:cs typeface="Adobe Devanagari" panose="02040503050201020203" pitchFamily="18" charset="0"/>
+            </a:endParaRPr>
+          </a:p>
+        </p:txBody>
+      </p:sp>
+      <p:sp>
+        <p:nvSpPr>
+          <p:cNvPr id="42" name="TextBox 41"/>
+          <p:cNvSpPr txBox="1"/>
+          <p:nvPr/>
+        </p:nvSpPr>
+        <p:spPr>
+          <a:xfrm rot="16200000">
+            <a:off x="6566837" y="4078069"/>
+            <a:ext cx="452368" cy="461665"/>
+          </a:xfrm>
+          <a:prstGeom prst="rect">
+            <a:avLst/>
+          </a:prstGeom>
+          <a:noFill/>
+        </p:spPr>
+        <p:txBody>
+          <a:bodyPr wrap="none" rtlCol="0">
+            <a:spAutoFit/>
+          </a:bodyPr>
+          <a:lstStyle/>
+          <a:p>
+            <a:pPr algn="ctr"/>
+            <a:r>
               <a:rPr lang="en-US" sz="800" b="1" dirty="0">
                 <a:latin typeface="Century Gothic" panose="020B0502020202020204" pitchFamily="34" charset="0"/>
                 <a:cs typeface="Adobe Devanagari" panose="02040503050201020203" pitchFamily="18" charset="0"/>
               </a:rPr>
-              <a:t>Wide</a:t>
+              <a:t>None</a:t>
             </a:r>
           </a:p>
           <a:p>
@@ -31911,21 +31984,31 @@
                 <a:latin typeface="Century Gothic" panose="020B0502020202020204" pitchFamily="34" charset="0"/>
                 <a:cs typeface="Adobe Devanagari" panose="02040503050201020203" pitchFamily="18" charset="0"/>
               </a:rPr>
-              <a:t>AR</a:t>
-            </a:r>
-          </a:p>
-        </p:txBody>
-      </p:sp>
-      <p:sp>
-        <p:nvSpPr>
-          <p:cNvPr id="42" name="TextBox 41"/>
+              <a:t>Gran</a:t>
+            </a:r>
+          </a:p>
+          <a:p>
+            <a:pPr algn="ctr"/>
+            <a:r>
+              <a:rPr lang="en-US" sz="800" b="1" dirty="0">
+                <a:latin typeface="Century Gothic" panose="020B0502020202020204" pitchFamily="34" charset="0"/>
+                <a:cs typeface="Adobe Devanagari" panose="02040503050201020203" pitchFamily="18" charset="0"/>
+              </a:rPr>
+              <a:t>FM</a:t>
+            </a:r>
+          </a:p>
+        </p:txBody>
+      </p:sp>
+      <p:sp>
+        <p:nvSpPr>
+          <p:cNvPr id="43" name="TextBox 42"/>
           <p:cNvSpPr txBox="1"/>
           <p:nvPr/>
         </p:nvSpPr>
         <p:spPr>
-          <a:xfrm rot="16200000">
-            <a:off x="6566837" y="4078069"/>
-            <a:ext cx="452368" cy="461665"/>
+          <a:xfrm>
+            <a:off x="4814940" y="3590760"/>
+            <a:ext cx="750526" cy="230832"/>
           </a:xfrm>
           <a:prstGeom prst="rect">
             <a:avLst/>
@@ -31940,64 +32023,18 @@
           <a:p>
             <a:pPr algn="ctr"/>
             <a:r>
-              <a:rPr lang="en-US" sz="800" b="1" dirty="0">
+              <a:rPr lang="en-US" sz="900" b="1" dirty="0" smtClean="0">
                 <a:latin typeface="Century Gothic" panose="020B0502020202020204" pitchFamily="34" charset="0"/>
                 <a:cs typeface="Adobe Devanagari" panose="02040503050201020203" pitchFamily="18" charset="0"/>
               </a:rPr>
-              <a:t>None</a:t>
-            </a:r>
-          </a:p>
-          <a:p>
-            <a:pPr algn="ctr"/>
-            <a:r>
-              <a:rPr lang="en-US" sz="800" b="1" dirty="0">
-                <a:latin typeface="Century Gothic" panose="020B0502020202020204" pitchFamily="34" charset="0"/>
-                <a:cs typeface="Adobe Devanagari" panose="02040503050201020203" pitchFamily="18" charset="0"/>
-              </a:rPr>
-              <a:t>Gran</a:t>
-            </a:r>
-          </a:p>
-          <a:p>
-            <a:pPr algn="ctr"/>
-            <a:r>
-              <a:rPr lang="en-US" sz="800" b="1" dirty="0">
-                <a:latin typeface="Century Gothic" panose="020B0502020202020204" pitchFamily="34" charset="0"/>
-                <a:cs typeface="Adobe Devanagari" panose="02040503050201020203" pitchFamily="18" charset="0"/>
-              </a:rPr>
-              <a:t>FM</a:t>
-            </a:r>
-          </a:p>
-        </p:txBody>
-      </p:sp>
-      <p:sp>
-        <p:nvSpPr>
-          <p:cNvPr id="43" name="TextBox 42"/>
-          <p:cNvSpPr txBox="1"/>
-          <p:nvPr/>
-        </p:nvSpPr>
-        <p:spPr>
-          <a:xfrm>
-            <a:off x="4705936" y="3590760"/>
-            <a:ext cx="968535" cy="230832"/>
-          </a:xfrm>
-          <a:prstGeom prst="rect">
-            <a:avLst/>
-          </a:prstGeom>
-          <a:noFill/>
-        </p:spPr>
-        <p:txBody>
-          <a:bodyPr wrap="none" rtlCol="0">
-            <a:spAutoFit/>
-          </a:bodyPr>
-          <a:lstStyle/>
-          <a:p>
-            <a:pPr algn="ctr"/>
+              <a:t>Oct </a:t>
+            </a:r>
             <a:r>
               <a:rPr lang="en-US" sz="900" b="1" dirty="0">
                 <a:latin typeface="Century Gothic" panose="020B0502020202020204" pitchFamily="34" charset="0"/>
                 <a:cs typeface="Adobe Devanagari" panose="02040503050201020203" pitchFamily="18" charset="0"/>
               </a:rPr>
-              <a:t>Sample Mode</a:t>
+              <a:t>Mode</a:t>
             </a:r>
           </a:p>
         </p:txBody>
@@ -32451,23 +32488,7 @@
                   <a:schemeClr val="bg1"/>
                 </a:solidFill>
               </a:rPr>
-              <a:t>  Right</a:t>
-            </a:r>
-            <a:r>
-              <a:rPr lang="en-US" sz="1600" b="1">
-                <a:solidFill>
-                  <a:schemeClr val="bg1"/>
-                </a:solidFill>
-              </a:rPr>
-              <a:t>: Fast </a:t>
-            </a:r>
-            <a:r>
-              <a:rPr lang="en-US" sz="1600" b="1" dirty="0">
-                <a:solidFill>
-                  <a:schemeClr val="bg1"/>
-                </a:solidFill>
-              </a:rPr>
-              <a:t>attack-release linear</a:t>
+              <a:t>  Right: Fast attack-release linear</a:t>
             </a:r>
           </a:p>
         </p:txBody>
